--- a/28. OLTP/GoldenDB产品简介及架构解析.pptx
+++ b/28. OLTP/GoldenDB产品简介及架构解析.pptx
@@ -5,10 +5,10 @@
     <p:sldMasterId id="2147483648" r:id="rId1"/>
   </p:sldMasterIdLst>
   <p:notesMasterIdLst>
-    <p:notesMasterId r:id="rId53"/>
+    <p:notesMasterId r:id="rId56"/>
   </p:notesMasterIdLst>
   <p:handoutMasterIdLst>
-    <p:handoutMasterId r:id="rId54"/>
+    <p:handoutMasterId r:id="rId57"/>
   </p:handoutMasterIdLst>
   <p:sldIdLst>
     <p:sldId id="466" r:id="rId2"/>
@@ -55,13 +55,16 @@
     <p:sldId id="611" r:id="rId43"/>
     <p:sldId id="612" r:id="rId44"/>
     <p:sldId id="615" r:id="rId45"/>
-    <p:sldId id="616" r:id="rId46"/>
-    <p:sldId id="620" r:id="rId47"/>
-    <p:sldId id="621" r:id="rId48"/>
-    <p:sldId id="617" r:id="rId49"/>
-    <p:sldId id="618" r:id="rId50"/>
-    <p:sldId id="619" r:id="rId51"/>
-    <p:sldId id="475" r:id="rId52"/>
+    <p:sldId id="622" r:id="rId46"/>
+    <p:sldId id="623" r:id="rId47"/>
+    <p:sldId id="624" r:id="rId48"/>
+    <p:sldId id="616" r:id="rId49"/>
+    <p:sldId id="620" r:id="rId50"/>
+    <p:sldId id="621" r:id="rId51"/>
+    <p:sldId id="617" r:id="rId52"/>
+    <p:sldId id="618" r:id="rId53"/>
+    <p:sldId id="619" r:id="rId54"/>
+    <p:sldId id="475" r:id="rId55"/>
   </p:sldIdLst>
   <p:sldSz cx="12192000" cy="6858000"/>
   <p:notesSz cx="6794500" cy="9906000"/>
@@ -192,20 +195,6 @@
 </p:cmAuthorLst>
 </file>
 
-<file path=ppt/comments/comment1.xml><?xml version="1.0" encoding="utf-8"?>
-<p:cmLst xmlns:a="http://schemas.openxmlformats.org/drawingml/2006/main" xmlns:r="http://schemas.openxmlformats.org/officeDocument/2006/relationships" xmlns:p="http://schemas.openxmlformats.org/presentationml/2006/main">
-  <p:cm authorId="2" dt="2021-12-28T19:49:01.446" idx="1">
-    <p:pos x="6026" y="1418"/>
-    <p:text>GoldenDB同样支持自动拆分，通过配置文件设置，默认按照主键作为分片键。</p:text>
-    <p:extLst>
-      <p:ext uri="{C676402C-5697-4E1C-873F-D02D1690AC5C}">
-        <p15:threadingInfo xmlns:p15="http://schemas.microsoft.com/office/powerpoint/2012/main" timeZoneBias="-480"/>
-      </p:ext>
-    </p:extLst>
-  </p:cm>
-</p:cmLst>
-</file>
-
 <file path=ppt/handoutMasters/handoutMaster1.xml><?xml version="1.0" encoding="utf-8"?>
 <p:handoutMaster xmlns:a="http://schemas.openxmlformats.org/drawingml/2006/main" xmlns:r="http://schemas.openxmlformats.org/officeDocument/2006/relationships" xmlns:p="http://schemas.openxmlformats.org/presentationml/2006/main">
   <p:cSld>
@@ -288,7 +277,7 @@
           <a:p>
             <a:fld id="{0F9B84EA-7D68-4D60-9CB1-D50884785D1C}" type="datetimeFigureOut">
               <a:rPr lang="zh-CN" altLang="en-US" smtClean="0"/>
-              <a:t>2022/1/7</a:t>
+              <a:t>2022/1/8</a:t>
             </a:fld>
             <a:endParaRPr lang="zh-CN" altLang="en-US"/>
           </a:p>
@@ -453,7 +442,7 @@
           <a:p>
             <a:fld id="{E007C451-60E4-4599-BC35-0053FC9CE8F3}" type="datetimeFigureOut">
               <a:rPr lang="zh-CN" altLang="en-US" smtClean="0"/>
-              <a:t>2022/1/7</a:t>
+              <a:t>2022/1/8</a:t>
             </a:fld>
             <a:endParaRPr lang="zh-CN" altLang="en-US"/>
           </a:p>
@@ -1230,7 +1219,7 @@
               <a:rPr lang="zh-CN" altLang="en-US" sz="900" b="0" i="0" spc="0" dirty="0">
                 <a:effectLst/>
               </a:rPr>
-              <a:t>建立长连。接</a:t>
+              <a:t>建立长连接。</a:t>
             </a:r>
             <a:endParaRPr lang="en-US" altLang="zh-CN" sz="900" b="0" i="0" spc="0" dirty="0">
               <a:effectLst/>
@@ -3354,183 +3343,6 @@
           <a:bodyPr/>
           <a:lstStyle/>
           <a:p>
-            <a:r>
-              <a:rPr lang="zh-CN" altLang="en-US" sz="900" b="0" i="0" spc="0" dirty="0">
-                <a:solidFill>
-                  <a:srgbClr val="000000"/>
-                </a:solidFill>
-                <a:effectLst/>
-                <a:latin typeface="仿宋" panose="02010609060101010101" pitchFamily="49" charset="-122"/>
-                <a:ea typeface="仿宋" panose="02010609060101010101" pitchFamily="49" charset="-122"/>
-              </a:rPr>
-              <a:t>当</a:t>
-            </a:r>
-            <a:r>
-              <a:rPr lang="en-US" altLang="zh-CN" sz="900" b="0" i="0" spc="0" dirty="0">
-                <a:solidFill>
-                  <a:srgbClr val="000000"/>
-                </a:solidFill>
-                <a:effectLst/>
-                <a:latin typeface="Times New Roman" panose="02020603050405020304" pitchFamily="18" charset="0"/>
-              </a:rPr>
-              <a:t>proxy</a:t>
-            </a:r>
-            <a:r>
-              <a:rPr lang="zh-CN" altLang="en-US" sz="900" b="0" i="0" spc="0" dirty="0">
-                <a:solidFill>
-                  <a:srgbClr val="000000"/>
-                </a:solidFill>
-                <a:effectLst/>
-                <a:latin typeface="仿宋" panose="02010609060101010101" pitchFamily="49" charset="-122"/>
-                <a:ea typeface="仿宋" panose="02010609060101010101" pitchFamily="49" charset="-122"/>
-              </a:rPr>
-              <a:t>隔离级别定义为</a:t>
-            </a:r>
-            <a:r>
-              <a:rPr lang="en-US" altLang="zh-CN" sz="900" b="0" i="0" spc="0" dirty="0">
-                <a:solidFill>
-                  <a:srgbClr val="000000"/>
-                </a:solidFill>
-                <a:effectLst/>
-                <a:latin typeface="Times New Roman" panose="02020603050405020304" pitchFamily="18" charset="0"/>
-              </a:rPr>
-              <a:t>CR</a:t>
-            </a:r>
-            <a:r>
-              <a:rPr lang="zh-CN" altLang="en-US" sz="900" b="0" i="0" spc="0" dirty="0">
-                <a:solidFill>
-                  <a:srgbClr val="000000"/>
-                </a:solidFill>
-                <a:effectLst/>
-                <a:latin typeface="仿宋" panose="02010609060101010101" pitchFamily="49" charset="-122"/>
-                <a:ea typeface="仿宋" panose="02010609060101010101" pitchFamily="49" charset="-122"/>
-              </a:rPr>
-              <a:t>时候，查询数据时，通过检查数据行</a:t>
-            </a:r>
-            <a:r>
-              <a:rPr lang="en-US" altLang="zh-CN" sz="900" b="0" i="0" spc="0" dirty="0">
-                <a:solidFill>
-                  <a:srgbClr val="000000"/>
-                </a:solidFill>
-                <a:effectLst/>
-                <a:latin typeface="Times New Roman" panose="02020603050405020304" pitchFamily="18" charset="0"/>
-              </a:rPr>
-              <a:t>GTID</a:t>
-            </a:r>
-            <a:r>
-              <a:rPr lang="zh-CN" altLang="en-US" sz="900" b="0" i="0" spc="0" dirty="0">
-                <a:solidFill>
-                  <a:srgbClr val="000000"/>
-                </a:solidFill>
-                <a:effectLst/>
-                <a:latin typeface="仿宋" panose="02010609060101010101" pitchFamily="49" charset="-122"/>
-                <a:ea typeface="仿宋" panose="02010609060101010101" pitchFamily="49" charset="-122"/>
-              </a:rPr>
-              <a:t>列对应的全局状态，来判断该数据行是否正在被其它全局事务修改。如果</a:t>
-            </a:r>
-            <a:r>
-              <a:rPr lang="en-US" altLang="zh-CN" sz="900" b="0" i="0" spc="0" dirty="0">
-                <a:solidFill>
-                  <a:srgbClr val="000000"/>
-                </a:solidFill>
-                <a:effectLst/>
-                <a:latin typeface="Times New Roman" panose="02020603050405020304" pitchFamily="18" charset="0"/>
-              </a:rPr>
-              <a:t>GTID</a:t>
-            </a:r>
-            <a:r>
-              <a:rPr lang="zh-CN" altLang="en-US" sz="900" b="0" i="0" spc="0" dirty="0">
-                <a:solidFill>
-                  <a:srgbClr val="000000"/>
-                </a:solidFill>
-                <a:effectLst/>
-                <a:latin typeface="仿宋" panose="02010609060101010101" pitchFamily="49" charset="-122"/>
-                <a:ea typeface="仿宋" panose="02010609060101010101" pitchFamily="49" charset="-122"/>
-              </a:rPr>
-              <a:t>在全局活跃事务列表中，则表明该数据正在被修改，不能返回给应用。</a:t>
-            </a:r>
-            <a:endParaRPr lang="en-US" altLang="zh-CN" sz="900" b="0" i="0" spc="0" dirty="0">
-              <a:solidFill>
-                <a:srgbClr val="000000"/>
-              </a:solidFill>
-              <a:effectLst/>
-              <a:latin typeface="仿宋" panose="02010609060101010101" pitchFamily="49" charset="-122"/>
-              <a:ea typeface="仿宋" panose="02010609060101010101" pitchFamily="49" charset="-122"/>
-            </a:endParaRPr>
-          </a:p>
-          <a:p>
-            <a:r>
-              <a:rPr lang="zh-CN" altLang="en-US" sz="900" b="0" i="0" spc="0" dirty="0">
-                <a:solidFill>
-                  <a:srgbClr val="FF0000"/>
-                </a:solidFill>
-                <a:effectLst/>
-                <a:latin typeface="仿宋" panose="02010609060101010101" pitchFamily="49" charset="-122"/>
-                <a:ea typeface="仿宋" panose="02010609060101010101" pitchFamily="49" charset="-122"/>
-              </a:rPr>
-              <a:t>在一致性读的过程中，如果事务已提交即</a:t>
-            </a:r>
-            <a:r>
-              <a:rPr lang="en-US" altLang="zh-CN" sz="900" b="0" i="0" spc="0" dirty="0">
-                <a:solidFill>
-                  <a:srgbClr val="FF0000"/>
-                </a:solidFill>
-                <a:effectLst/>
-                <a:latin typeface="Times New Roman" panose="02020603050405020304" pitchFamily="18" charset="0"/>
-              </a:rPr>
-              <a:t>GTID</a:t>
-            </a:r>
-            <a:r>
-              <a:rPr lang="zh-CN" altLang="en-US" sz="900" b="0" i="0" spc="0" dirty="0">
-                <a:solidFill>
-                  <a:srgbClr val="FF0000"/>
-                </a:solidFill>
-                <a:effectLst/>
-                <a:latin typeface="仿宋" panose="02010609060101010101" pitchFamily="49" charset="-122"/>
-                <a:ea typeface="仿宋" panose="02010609060101010101" pitchFamily="49" charset="-122"/>
-              </a:rPr>
-              <a:t>不在活跃事务列表中，则返回的是已提交的数据；如果事务未提交，即</a:t>
-            </a:r>
-            <a:r>
-              <a:rPr lang="en-US" altLang="zh-CN" sz="900" b="0" i="0" spc="0" dirty="0">
-                <a:solidFill>
-                  <a:srgbClr val="FF0000"/>
-                </a:solidFill>
-                <a:effectLst/>
-                <a:latin typeface="Times New Roman" panose="02020603050405020304" pitchFamily="18" charset="0"/>
-              </a:rPr>
-              <a:t>GTID</a:t>
-            </a:r>
-            <a:r>
-              <a:rPr lang="zh-CN" altLang="en-US" sz="900" b="0" i="0" spc="0" dirty="0">
-                <a:solidFill>
-                  <a:srgbClr val="FF0000"/>
-                </a:solidFill>
-                <a:effectLst/>
-                <a:latin typeface="仿宋" panose="02010609060101010101" pitchFamily="49" charset="-122"/>
-                <a:ea typeface="仿宋" panose="02010609060101010101" pitchFamily="49" charset="-122"/>
-              </a:rPr>
-              <a:t>在活跃事务列表中，则返回的是事务提交之前的数据，这样即满足了隔离性要求</a:t>
-            </a:r>
-            <a:r>
-              <a:rPr lang="zh-CN" altLang="en-US" sz="900" b="0" i="0" spc="0" dirty="0">
-                <a:solidFill>
-                  <a:srgbClr val="000000"/>
-                </a:solidFill>
-                <a:effectLst/>
-                <a:latin typeface="仿宋" panose="02010609060101010101" pitchFamily="49" charset="-122"/>
-                <a:ea typeface="仿宋" panose="02010609060101010101" pitchFamily="49" charset="-122"/>
-              </a:rPr>
-              <a:t>。</a:t>
-            </a:r>
-            <a:endParaRPr lang="zh-CN" altLang="en-US" sz="900" dirty="0">
-              <a:effectLst/>
-            </a:endParaRPr>
-          </a:p>
-          <a:p>
-            <a:endParaRPr lang="zh-CN" altLang="en-US" sz="900" dirty="0"/>
-          </a:p>
-          <a:p>
             <a:endParaRPr lang="zh-CN" altLang="en-US" sz="900" dirty="0">
               <a:latin typeface="微软雅黑" panose="020B0503020204020204" pitchFamily="34" charset="-122"/>
               <a:ea typeface="微软雅黑" panose="020B0503020204020204" pitchFamily="34" charset="-122"/>
@@ -3623,159 +3435,6 @@
           <a:bodyPr/>
           <a:lstStyle/>
           <a:p>
-            <a:pPr marL="0" marR="0" lvl="0" indent="0" algn="l" defTabSz="914400" rtl="0" eaLnBrk="1" fontAlgn="auto" latinLnBrk="0" hangingPunct="1">
-              <a:lnSpc>
-                <a:spcPct val="100000"/>
-              </a:lnSpc>
-              <a:spcBef>
-                <a:spcPts val="0"/>
-              </a:spcBef>
-              <a:spcAft>
-                <a:spcPts val="0"/>
-              </a:spcAft>
-              <a:buClrTx/>
-              <a:buSzTx/>
-              <a:buFontTx/>
-              <a:buNone/>
-              <a:tabLst/>
-              <a:defRPr/>
-            </a:pPr>
-            <a:r>
-              <a:rPr lang="en-US" altLang="zh-CN" sz="900" b="0" i="0" spc="0" dirty="0">
-                <a:solidFill>
-                  <a:srgbClr val="FF0000"/>
-                </a:solidFill>
-                <a:effectLst/>
-                <a:latin typeface="Times New Roman" panose="02020603050405020304" pitchFamily="18" charset="0"/>
-              </a:rPr>
-              <a:t>MVCC</a:t>
-            </a:r>
-            <a:r>
-              <a:rPr lang="zh-CN" altLang="en-US" sz="900" b="0" i="0" spc="0" dirty="0">
-                <a:solidFill>
-                  <a:srgbClr val="FF0000"/>
-                </a:solidFill>
-                <a:effectLst/>
-                <a:latin typeface="仿宋" panose="02010609060101010101" pitchFamily="49" charset="-122"/>
-                <a:ea typeface="仿宋" panose="02010609060101010101" pitchFamily="49" charset="-122"/>
-              </a:rPr>
-              <a:t>模式下的一致性读的好处是通过</a:t>
-            </a:r>
-            <a:r>
-              <a:rPr lang="en-US" altLang="zh-CN" sz="900" b="0" i="0" spc="0" dirty="0">
-                <a:solidFill>
-                  <a:srgbClr val="FF0000"/>
-                </a:solidFill>
-                <a:effectLst/>
-                <a:latin typeface="Times New Roman" panose="02020603050405020304" pitchFamily="18" charset="0"/>
-              </a:rPr>
-              <a:t>MVCC</a:t>
-            </a:r>
-            <a:r>
-              <a:rPr lang="zh-CN" altLang="en-US" sz="900" b="0" i="0" spc="0" dirty="0">
-                <a:solidFill>
-                  <a:srgbClr val="FF0000"/>
-                </a:solidFill>
-                <a:effectLst/>
-                <a:latin typeface="仿宋" panose="02010609060101010101" pitchFamily="49" charset="-122"/>
-                <a:ea typeface="仿宋" panose="02010609060101010101" pitchFamily="49" charset="-122"/>
-              </a:rPr>
-              <a:t>多版本并发控制，能够</a:t>
-            </a:r>
-            <a:r>
-              <a:rPr lang="zh-CN" altLang="en-US" sz="900" b="1" i="0" spc="0" dirty="0">
-                <a:solidFill>
-                  <a:srgbClr val="FF0000"/>
-                </a:solidFill>
-                <a:effectLst/>
-                <a:latin typeface="仿宋" panose="02010609060101010101" pitchFamily="49" charset="-122"/>
-                <a:ea typeface="仿宋" panose="02010609060101010101" pitchFamily="49" charset="-122"/>
-              </a:rPr>
-              <a:t>保证读一致性，并且写不阻塞读</a:t>
-            </a:r>
-            <a:r>
-              <a:rPr lang="zh-CN" altLang="en-US" sz="900" b="0" i="0" spc="0" dirty="0">
-                <a:solidFill>
-                  <a:srgbClr val="FF0000"/>
-                </a:solidFill>
-                <a:effectLst/>
-                <a:latin typeface="仿宋" panose="02010609060101010101" pitchFamily="49" charset="-122"/>
-                <a:ea typeface="仿宋" panose="02010609060101010101" pitchFamily="49" charset="-122"/>
-              </a:rPr>
-              <a:t>。同时将</a:t>
-            </a:r>
-            <a:r>
-              <a:rPr lang="en-US" altLang="zh-CN" sz="900" b="0" i="0" spc="0" dirty="0">
-                <a:solidFill>
-                  <a:srgbClr val="FF0000"/>
-                </a:solidFill>
-                <a:effectLst/>
-                <a:latin typeface="Times New Roman" panose="02020603050405020304" pitchFamily="18" charset="0"/>
-              </a:rPr>
-              <a:t>GTID</a:t>
-            </a:r>
-            <a:r>
-              <a:rPr lang="zh-CN" altLang="en-US" sz="900" b="0" i="0" spc="0" dirty="0">
-                <a:solidFill>
-                  <a:srgbClr val="FF0000"/>
-                </a:solidFill>
-                <a:effectLst/>
-                <a:latin typeface="仿宋" panose="02010609060101010101" pitchFamily="49" charset="-122"/>
-                <a:ea typeface="仿宋" panose="02010609060101010101" pitchFamily="49" charset="-122"/>
-              </a:rPr>
-              <a:t>的活跃判断检测下推到了数据节点，</a:t>
-            </a:r>
-            <a:r>
-              <a:rPr lang="zh-CN" altLang="en-US" sz="900" b="1" i="0" spc="0" dirty="0">
-                <a:solidFill>
-                  <a:srgbClr val="FF0000"/>
-                </a:solidFill>
-                <a:effectLst/>
-                <a:latin typeface="仿宋" panose="02010609060101010101" pitchFamily="49" charset="-122"/>
-                <a:ea typeface="仿宋" panose="02010609060101010101" pitchFamily="49" charset="-122"/>
-              </a:rPr>
-              <a:t>避免了计算节点获取所有结果集进行活跃判断而导致的</a:t>
-            </a:r>
-            <a:r>
-              <a:rPr lang="en-US" altLang="zh-CN" sz="900" b="1" i="0" spc="0" dirty="0">
-                <a:solidFill>
-                  <a:srgbClr val="FF0000"/>
-                </a:solidFill>
-                <a:effectLst/>
-                <a:latin typeface="Times New Roman" panose="02020603050405020304" pitchFamily="18" charset="0"/>
-              </a:rPr>
-              <a:t>Proxy</a:t>
-            </a:r>
-            <a:r>
-              <a:rPr lang="zh-CN" altLang="en-US" sz="900" b="1" i="0" spc="0" dirty="0">
-                <a:solidFill>
-                  <a:srgbClr val="FF0000"/>
-                </a:solidFill>
-                <a:effectLst/>
-                <a:latin typeface="仿宋" panose="02010609060101010101" pitchFamily="49" charset="-122"/>
-                <a:ea typeface="仿宋" panose="02010609060101010101" pitchFamily="49" charset="-122"/>
-              </a:rPr>
-              <a:t>内存开销增大的风险</a:t>
-            </a:r>
-            <a:r>
-              <a:rPr lang="zh-CN" altLang="en-US" sz="900" b="0" i="0" spc="0" dirty="0">
-                <a:solidFill>
-                  <a:srgbClr val="FF0000"/>
-                </a:solidFill>
-                <a:effectLst/>
-                <a:latin typeface="仿宋" panose="02010609060101010101" pitchFamily="49" charset="-122"/>
-                <a:ea typeface="仿宋" panose="02010609060101010101" pitchFamily="49" charset="-122"/>
-              </a:rPr>
-              <a:t>。</a:t>
-            </a:r>
-            <a:endParaRPr lang="zh-CN" altLang="en-US" sz="900" dirty="0">
-              <a:effectLst/>
-            </a:endParaRPr>
-          </a:p>
-          <a:p>
-            <a:endParaRPr lang="zh-CN" altLang="en-US" sz="900" dirty="0"/>
-          </a:p>
-          <a:p>
             <a:endParaRPr lang="zh-CN" altLang="en-US" sz="900" dirty="0">
               <a:latin typeface="微软雅黑" panose="020B0503020204020204" pitchFamily="34" charset="-122"/>
               <a:ea typeface="微软雅黑" panose="020B0503020204020204" pitchFamily="34" charset="-122"/>
@@ -4491,232 +4150,6 @@
           <a:bodyPr/>
           <a:lstStyle/>
           <a:p>
-            <a:pPr marL="0" marR="0" lvl="0" indent="0" algn="l" defTabSz="914400" rtl="0" eaLnBrk="1" fontAlgn="auto" latinLnBrk="0" hangingPunct="1">
-              <a:lnSpc>
-                <a:spcPct val="100000"/>
-              </a:lnSpc>
-              <a:spcBef>
-                <a:spcPts val="0"/>
-              </a:spcBef>
-              <a:spcAft>
-                <a:spcPts val="0"/>
-              </a:spcAft>
-              <a:buClrTx/>
-              <a:buSzTx/>
-              <a:buFontTx/>
-              <a:buNone/>
-              <a:tabLst/>
-              <a:defRPr/>
-            </a:pPr>
-            <a:r>
-              <a:rPr lang="zh-CN" altLang="zh-CN" sz="900" kern="100" dirty="0">
-                <a:effectLst/>
-                <a:latin typeface="Times New Roman" panose="02020603050405020304" pitchFamily="18" charset="0"/>
-                <a:ea typeface="仿宋" panose="02010609060101010101" pitchFamily="49" charset="-122"/>
-                <a:cs typeface="Times New Roman" panose="02020603050405020304" pitchFamily="18" charset="0"/>
-              </a:rPr>
-              <a:t>数据节点的高低水位策略和高低水位的配置、</a:t>
-            </a:r>
-            <a:r>
-              <a:rPr lang="en-US" altLang="zh-CN" sz="900" kern="100" dirty="0">
-                <a:effectLst/>
-                <a:latin typeface="Times New Roman" panose="02020603050405020304" pitchFamily="18" charset="0"/>
-                <a:ea typeface="仿宋" panose="02010609060101010101" pitchFamily="49" charset="-122"/>
-                <a:cs typeface="Times New Roman" panose="02020603050405020304" pitchFamily="18" charset="0"/>
-              </a:rPr>
-              <a:t>team</a:t>
-            </a:r>
-            <a:r>
-              <a:rPr lang="zh-CN" altLang="zh-CN" sz="900" kern="100" dirty="0">
-                <a:effectLst/>
-                <a:latin typeface="Times New Roman" panose="02020603050405020304" pitchFamily="18" charset="0"/>
-                <a:ea typeface="仿宋" panose="02010609060101010101" pitchFamily="49" charset="-122"/>
-                <a:cs typeface="Times New Roman" panose="02020603050405020304" pitchFamily="18" charset="0"/>
-              </a:rPr>
-              <a:t>响应数以及主是否计数有关。以一主三备的数据分片为例，主机和备机</a:t>
-            </a:r>
-            <a:r>
-              <a:rPr lang="en-US" altLang="zh-CN" sz="900" kern="100" dirty="0">
-                <a:effectLst/>
-                <a:latin typeface="Times New Roman" panose="02020603050405020304" pitchFamily="18" charset="0"/>
-                <a:ea typeface="仿宋" panose="02010609060101010101" pitchFamily="49" charset="-122"/>
-                <a:cs typeface="Times New Roman" panose="02020603050405020304" pitchFamily="18" charset="0"/>
-              </a:rPr>
-              <a:t>1</a:t>
-            </a:r>
-            <a:r>
-              <a:rPr lang="zh-CN" altLang="zh-CN" sz="900" kern="100" dirty="0">
-                <a:effectLst/>
-                <a:latin typeface="Times New Roman" panose="02020603050405020304" pitchFamily="18" charset="0"/>
-                <a:ea typeface="仿宋" panose="02010609060101010101" pitchFamily="49" charset="-122"/>
-                <a:cs typeface="Times New Roman" panose="02020603050405020304" pitchFamily="18" charset="0"/>
-              </a:rPr>
-              <a:t>在</a:t>
-            </a:r>
-            <a:r>
-              <a:rPr lang="en-US" altLang="zh-CN" sz="900" kern="100" dirty="0">
-                <a:effectLst/>
-                <a:latin typeface="Times New Roman" panose="02020603050405020304" pitchFamily="18" charset="0"/>
-                <a:ea typeface="仿宋" panose="02010609060101010101" pitchFamily="49" charset="-122"/>
-                <a:cs typeface="Times New Roman" panose="02020603050405020304" pitchFamily="18" charset="0"/>
-              </a:rPr>
-              <a:t>team1</a:t>
-            </a:r>
-            <a:r>
-              <a:rPr lang="zh-CN" altLang="zh-CN" sz="900" kern="100" dirty="0">
-                <a:effectLst/>
-                <a:latin typeface="Times New Roman" panose="02020603050405020304" pitchFamily="18" charset="0"/>
-                <a:ea typeface="仿宋" panose="02010609060101010101" pitchFamily="49" charset="-122"/>
-                <a:cs typeface="Times New Roman" panose="02020603050405020304" pitchFamily="18" charset="0"/>
-              </a:rPr>
-              <a:t>、备机</a:t>
-            </a:r>
-            <a:r>
-              <a:rPr lang="en-US" altLang="zh-CN" sz="900" kern="100" dirty="0">
-                <a:effectLst/>
-                <a:latin typeface="Times New Roman" panose="02020603050405020304" pitchFamily="18" charset="0"/>
-                <a:ea typeface="仿宋" panose="02010609060101010101" pitchFamily="49" charset="-122"/>
-                <a:cs typeface="Times New Roman" panose="02020603050405020304" pitchFamily="18" charset="0"/>
-              </a:rPr>
-              <a:t>2</a:t>
-            </a:r>
-            <a:r>
-              <a:rPr lang="zh-CN" altLang="zh-CN" sz="900" kern="100" dirty="0">
-                <a:effectLst/>
-                <a:latin typeface="Times New Roman" panose="02020603050405020304" pitchFamily="18" charset="0"/>
-                <a:ea typeface="仿宋" panose="02010609060101010101" pitchFamily="49" charset="-122"/>
-                <a:cs typeface="Times New Roman" panose="02020603050405020304" pitchFamily="18" charset="0"/>
-              </a:rPr>
-              <a:t>和备机</a:t>
-            </a:r>
-            <a:r>
-              <a:rPr lang="en-US" altLang="zh-CN" sz="900" kern="100" dirty="0">
-                <a:effectLst/>
-                <a:latin typeface="Times New Roman" panose="02020603050405020304" pitchFamily="18" charset="0"/>
-                <a:ea typeface="仿宋" panose="02010609060101010101" pitchFamily="49" charset="-122"/>
-                <a:cs typeface="Times New Roman" panose="02020603050405020304" pitchFamily="18" charset="0"/>
-              </a:rPr>
-              <a:t>3</a:t>
-            </a:r>
-            <a:r>
-              <a:rPr lang="zh-CN" altLang="zh-CN" sz="900" kern="100" dirty="0">
-                <a:effectLst/>
-                <a:latin typeface="Times New Roman" panose="02020603050405020304" pitchFamily="18" charset="0"/>
-                <a:ea typeface="仿宋" panose="02010609060101010101" pitchFamily="49" charset="-122"/>
-                <a:cs typeface="Times New Roman" panose="02020603050405020304" pitchFamily="18" charset="0"/>
-              </a:rPr>
-              <a:t>在</a:t>
-            </a:r>
-            <a:r>
-              <a:rPr lang="en-US" altLang="zh-CN" sz="900" kern="100" dirty="0">
-                <a:effectLst/>
-                <a:latin typeface="Times New Roman" panose="02020603050405020304" pitchFamily="18" charset="0"/>
-                <a:ea typeface="仿宋" panose="02010609060101010101" pitchFamily="49" charset="-122"/>
-                <a:cs typeface="Times New Roman" panose="02020603050405020304" pitchFamily="18" charset="0"/>
-              </a:rPr>
-              <a:t>team2</a:t>
-            </a:r>
-            <a:r>
-              <a:rPr lang="zh-CN" altLang="zh-CN" sz="900" kern="100" dirty="0">
-                <a:effectLst/>
-                <a:latin typeface="Times New Roman" panose="02020603050405020304" pitchFamily="18" charset="0"/>
-                <a:ea typeface="仿宋" panose="02010609060101010101" pitchFamily="49" charset="-122"/>
-                <a:cs typeface="Times New Roman" panose="02020603050405020304" pitchFamily="18" charset="0"/>
-              </a:rPr>
-              <a:t>，配置的高水位为</a:t>
-            </a:r>
-            <a:r>
-              <a:rPr lang="en-US" altLang="zh-CN" sz="900" kern="100" dirty="0">
-                <a:effectLst/>
-                <a:latin typeface="Times New Roman" panose="02020603050405020304" pitchFamily="18" charset="0"/>
-                <a:ea typeface="仿宋" panose="02010609060101010101" pitchFamily="49" charset="-122"/>
-                <a:cs typeface="Times New Roman" panose="02020603050405020304" pitchFamily="18" charset="0"/>
-              </a:rPr>
-              <a:t>2</a:t>
-            </a:r>
-            <a:r>
-              <a:rPr lang="zh-CN" altLang="zh-CN" sz="900" kern="100" dirty="0">
-                <a:effectLst/>
-                <a:latin typeface="Times New Roman" panose="02020603050405020304" pitchFamily="18" charset="0"/>
-                <a:ea typeface="仿宋" panose="02010609060101010101" pitchFamily="49" charset="-122"/>
-                <a:cs typeface="Times New Roman" panose="02020603050405020304" pitchFamily="18" charset="0"/>
-              </a:rPr>
-              <a:t>、低水位为</a:t>
-            </a:r>
-            <a:r>
-              <a:rPr lang="en-US" altLang="zh-CN" sz="900" kern="100" dirty="0">
-                <a:effectLst/>
-                <a:latin typeface="Times New Roman" panose="02020603050405020304" pitchFamily="18" charset="0"/>
-                <a:ea typeface="仿宋" panose="02010609060101010101" pitchFamily="49" charset="-122"/>
-                <a:cs typeface="Times New Roman" panose="02020603050405020304" pitchFamily="18" charset="0"/>
-              </a:rPr>
-              <a:t>1</a:t>
-            </a:r>
-            <a:r>
-              <a:rPr lang="zh-CN" altLang="zh-CN" sz="900" kern="100" dirty="0">
-                <a:effectLst/>
-                <a:latin typeface="Times New Roman" panose="02020603050405020304" pitchFamily="18" charset="0"/>
-                <a:ea typeface="仿宋" panose="02010609060101010101" pitchFamily="49" charset="-122"/>
-                <a:cs typeface="Times New Roman" panose="02020603050405020304" pitchFamily="18" charset="0"/>
-              </a:rPr>
-              <a:t>，主计数，</a:t>
-            </a:r>
-            <a:r>
-              <a:rPr lang="en-US" altLang="zh-CN" sz="900" kern="100" dirty="0">
-                <a:effectLst/>
-                <a:latin typeface="Times New Roman" panose="02020603050405020304" pitchFamily="18" charset="0"/>
-                <a:ea typeface="仿宋" panose="02010609060101010101" pitchFamily="49" charset="-122"/>
-                <a:cs typeface="Times New Roman" panose="02020603050405020304" pitchFamily="18" charset="0"/>
-              </a:rPr>
-              <a:t>Team</a:t>
-            </a:r>
-            <a:r>
-              <a:rPr lang="zh-CN" altLang="zh-CN" sz="900" kern="100" dirty="0">
-                <a:effectLst/>
-                <a:latin typeface="Times New Roman" panose="02020603050405020304" pitchFamily="18" charset="0"/>
-                <a:ea typeface="仿宋" panose="02010609060101010101" pitchFamily="49" charset="-122"/>
-                <a:cs typeface="Times New Roman" panose="02020603050405020304" pitchFamily="18" charset="0"/>
-              </a:rPr>
-              <a:t>内响应的</a:t>
-            </a:r>
-            <a:r>
-              <a:rPr lang="en-US" altLang="zh-CN" sz="900" kern="100" dirty="0">
-                <a:effectLst/>
-                <a:latin typeface="Times New Roman" panose="02020603050405020304" pitchFamily="18" charset="0"/>
-                <a:ea typeface="仿宋" panose="02010609060101010101" pitchFamily="49" charset="-122"/>
-                <a:cs typeface="Times New Roman" panose="02020603050405020304" pitchFamily="18" charset="0"/>
-              </a:rPr>
-              <a:t>DB</a:t>
-            </a:r>
-            <a:r>
-              <a:rPr lang="zh-CN" altLang="zh-CN" sz="900" kern="100" dirty="0">
-                <a:effectLst/>
-                <a:latin typeface="Times New Roman" panose="02020603050405020304" pitchFamily="18" charset="0"/>
-                <a:ea typeface="仿宋" panose="02010609060101010101" pitchFamily="49" charset="-122"/>
-                <a:cs typeface="Times New Roman" panose="02020603050405020304" pitchFamily="18" charset="0"/>
-              </a:rPr>
-              <a:t>数为</a:t>
-            </a:r>
-            <a:r>
-              <a:rPr lang="en-US" altLang="zh-CN" sz="900" kern="100" dirty="0">
-                <a:effectLst/>
-                <a:latin typeface="Times New Roman" panose="02020603050405020304" pitchFamily="18" charset="0"/>
-                <a:ea typeface="仿宋" panose="02010609060101010101" pitchFamily="49" charset="-122"/>
-                <a:cs typeface="Times New Roman" panose="02020603050405020304" pitchFamily="18" charset="0"/>
-              </a:rPr>
-              <a:t>2</a:t>
-            </a:r>
-            <a:r>
-              <a:rPr lang="zh-CN" altLang="zh-CN" sz="900" kern="100" dirty="0">
-                <a:effectLst/>
-                <a:latin typeface="Times New Roman" panose="02020603050405020304" pitchFamily="18" charset="0"/>
-                <a:ea typeface="仿宋" panose="02010609060101010101" pitchFamily="49" charset="-122"/>
-                <a:cs typeface="Times New Roman" panose="02020603050405020304" pitchFamily="18" charset="0"/>
-              </a:rPr>
-              <a:t>。</a:t>
-            </a:r>
-          </a:p>
-          <a:p>
             <a:endParaRPr lang="zh-CN" altLang="en-US" sz="900" dirty="0"/>
           </a:p>
           <a:p>
@@ -5915,6 +5348,45 @@
       </p:grpSpPr>
       <p:sp>
         <p:nvSpPr>
+          <p:cNvPr id="2" name="幻灯片图像占位符 1"/>
+          <p:cNvSpPr>
+            <a:spLocks noGrp="1" noRot="1" noChangeAspect="1"/>
+          </p:cNvSpPr>
+          <p:nvPr>
+            <p:ph type="sldImg"/>
+          </p:nvPr>
+        </p:nvSpPr>
+        <p:spPr>
+          <a:xfrm>
+            <a:off x="425450" y="1238250"/>
+            <a:ext cx="5943600" cy="3344863"/>
+          </a:xfrm>
+        </p:spPr>
+      </p:sp>
+      <p:sp>
+        <p:nvSpPr>
+          <p:cNvPr id="3" name="备注占位符 2"/>
+          <p:cNvSpPr>
+            <a:spLocks noGrp="1"/>
+          </p:cNvSpPr>
+          <p:nvPr>
+            <p:ph type="body" idx="1"/>
+          </p:nvPr>
+        </p:nvSpPr>
+        <p:spPr/>
+        <p:txBody>
+          <a:bodyPr/>
+          <a:lstStyle/>
+          <a:p>
+            <a:endParaRPr lang="en-US" altLang="zh-CN" sz="900" dirty="0">
+              <a:latin typeface="微软雅黑" panose="020B0503020204020204" pitchFamily="34" charset="-122"/>
+              <a:ea typeface="微软雅黑" panose="020B0503020204020204" pitchFamily="34" charset="-122"/>
+            </a:endParaRPr>
+          </a:p>
+        </p:txBody>
+      </p:sp>
+      <p:sp>
+        <p:nvSpPr>
           <p:cNvPr id="4" name="灯片编号占位符 3"/>
           <p:cNvSpPr>
             <a:spLocks noGrp="1"/>
@@ -5928,7 +5400,7 @@
           <a:bodyPr/>
           <a:lstStyle/>
           <a:p>
-            <a:fld id="{115E481A-832A-48B0-9B5F-CC2DDFB376CC}" type="slidenum">
+            <a:fld id="{7EFE2119-A7ED-48A4-BF93-E52EC1921131}" type="slidenum">
               <a:rPr lang="zh-CN" altLang="en-US" smtClean="0"/>
               <a:t>45</a:t>
             </a:fld>
@@ -5936,46 +5408,10 @@
           </a:p>
         </p:txBody>
       </p:sp>
-      <p:sp>
-        <p:nvSpPr>
-          <p:cNvPr id="6" name="幻灯片图像占位符 5"/>
-          <p:cNvSpPr>
-            <a:spLocks noGrp="1" noRot="1" noChangeAspect="1"/>
-          </p:cNvSpPr>
-          <p:nvPr>
-            <p:ph type="sldImg"/>
-          </p:nvPr>
-        </p:nvSpPr>
-        <p:spPr>
-          <a:xfrm>
-            <a:off x="519113" y="787400"/>
-            <a:ext cx="5759450" cy="3240088"/>
-          </a:xfrm>
-        </p:spPr>
-      </p:sp>
-      <p:sp>
-        <p:nvSpPr>
-          <p:cNvPr id="7" name="备注占位符 6"/>
-          <p:cNvSpPr>
-            <a:spLocks noGrp="1"/>
-          </p:cNvSpPr>
-          <p:nvPr>
-            <p:ph type="body" idx="1"/>
-          </p:nvPr>
-        </p:nvSpPr>
-        <p:spPr/>
-        <p:txBody>
-          <a:bodyPr/>
-          <a:lstStyle/>
-          <a:p>
-            <a:endParaRPr lang="zh-CN" altLang="en-US"/>
-          </a:p>
-        </p:txBody>
-      </p:sp>
     </p:spTree>
     <p:extLst>
       <p:ext uri="{BB962C8B-B14F-4D97-AF65-F5344CB8AC3E}">
-        <p14:creationId xmlns:p14="http://schemas.microsoft.com/office/powerpoint/2010/main" val="1194232016"/>
+        <p14:creationId xmlns:p14="http://schemas.microsoft.com/office/powerpoint/2010/main" val="2985564805"/>
       </p:ext>
     </p:extLst>
   </p:cSld>
@@ -6004,6 +5440,45 @@
       </p:grpSpPr>
       <p:sp>
         <p:nvSpPr>
+          <p:cNvPr id="2" name="幻灯片图像占位符 1"/>
+          <p:cNvSpPr>
+            <a:spLocks noGrp="1" noRot="1" noChangeAspect="1"/>
+          </p:cNvSpPr>
+          <p:nvPr>
+            <p:ph type="sldImg"/>
+          </p:nvPr>
+        </p:nvSpPr>
+        <p:spPr>
+          <a:xfrm>
+            <a:off x="425450" y="1238250"/>
+            <a:ext cx="5943600" cy="3344863"/>
+          </a:xfrm>
+        </p:spPr>
+      </p:sp>
+      <p:sp>
+        <p:nvSpPr>
+          <p:cNvPr id="3" name="备注占位符 2"/>
+          <p:cNvSpPr>
+            <a:spLocks noGrp="1"/>
+          </p:cNvSpPr>
+          <p:nvPr>
+            <p:ph type="body" idx="1"/>
+          </p:nvPr>
+        </p:nvSpPr>
+        <p:spPr/>
+        <p:txBody>
+          <a:bodyPr/>
+          <a:lstStyle/>
+          <a:p>
+            <a:endParaRPr lang="en-US" altLang="zh-CN" sz="900" dirty="0">
+              <a:latin typeface="微软雅黑" panose="020B0503020204020204" pitchFamily="34" charset="-122"/>
+              <a:ea typeface="微软雅黑" panose="020B0503020204020204" pitchFamily="34" charset="-122"/>
+            </a:endParaRPr>
+          </a:p>
+        </p:txBody>
+      </p:sp>
+      <p:sp>
+        <p:nvSpPr>
           <p:cNvPr id="4" name="灯片编号占位符 3"/>
           <p:cNvSpPr>
             <a:spLocks noGrp="1"/>
@@ -6017,376 +5492,18 @@
           <a:bodyPr/>
           <a:lstStyle/>
           <a:p>
-            <a:fld id="{76A81D81-FE2F-498E-9723-332F49FC9508}" type="slidenum">
-              <a:rPr lang="zh-TW" altLang="en-US" smtClean="0"/>
+            <a:fld id="{7EFE2119-A7ED-48A4-BF93-E52EC1921131}" type="slidenum">
+              <a:rPr lang="zh-CN" altLang="en-US" smtClean="0"/>
               <a:t>46</a:t>
             </a:fld>
-            <a:endParaRPr lang="zh-TW" altLang="en-US"/>
-          </a:p>
-        </p:txBody>
-      </p:sp>
-      <p:sp>
-        <p:nvSpPr>
-          <p:cNvPr id="6" name="幻灯片图像占位符 5"/>
-          <p:cNvSpPr>
-            <a:spLocks noGrp="1" noRot="1" noChangeAspect="1"/>
-          </p:cNvSpPr>
-          <p:nvPr>
-            <p:ph type="sldImg"/>
-          </p:nvPr>
-        </p:nvSpPr>
-        <p:spPr>
-          <a:xfrm>
-            <a:off x="519113" y="787400"/>
-            <a:ext cx="5759450" cy="3240088"/>
-          </a:xfrm>
-        </p:spPr>
-      </p:sp>
-      <p:sp>
-        <p:nvSpPr>
-          <p:cNvPr id="7" name="备注占位符 6"/>
-          <p:cNvSpPr>
-            <a:spLocks noGrp="1"/>
-          </p:cNvSpPr>
-          <p:nvPr>
-            <p:ph type="body" idx="1"/>
-          </p:nvPr>
-        </p:nvSpPr>
-        <p:spPr/>
-        <p:txBody>
-          <a:bodyPr/>
-          <a:lstStyle/>
-          <a:p>
-            <a:pPr marL="0" indent="0">
-              <a:buNone/>
-            </a:pPr>
-            <a:r>
-              <a:rPr lang="zh-CN" altLang="zh-CN" sz="1000" kern="100" dirty="0">
-                <a:effectLst/>
-                <a:latin typeface="Times New Roman" panose="02020603050405020304" pitchFamily="18" charset="0"/>
-                <a:ea typeface="仿宋" panose="02010609060101010101" pitchFamily="49" charset="-122"/>
-                <a:cs typeface="Times New Roman" panose="02020603050405020304" pitchFamily="18" charset="0"/>
-              </a:rPr>
-              <a:t>系统表</a:t>
-            </a:r>
-            <a:r>
-              <a:rPr lang="en-US" altLang="zh-CN" sz="1000" kern="100" dirty="0" err="1">
-                <a:effectLst/>
-                <a:latin typeface="Times New Roman" panose="02020603050405020304" pitchFamily="18" charset="0"/>
-                <a:ea typeface="仿宋" panose="02010609060101010101" pitchFamily="49" charset="-122"/>
-                <a:cs typeface="Times New Roman" panose="02020603050405020304" pitchFamily="18" charset="0"/>
-              </a:rPr>
-              <a:t>information_schema.INNODB_TRX</a:t>
-            </a:r>
-            <a:r>
-              <a:rPr lang="zh-CN" altLang="zh-CN" sz="1000" kern="100" dirty="0">
-                <a:effectLst/>
-                <a:latin typeface="Times New Roman" panose="02020603050405020304" pitchFamily="18" charset="0"/>
-                <a:ea typeface="仿宋" panose="02010609060101010101" pitchFamily="49" charset="-122"/>
-                <a:cs typeface="Times New Roman" panose="02020603050405020304" pitchFamily="18" charset="0"/>
-              </a:rPr>
-              <a:t>主要记录了</a:t>
-            </a:r>
-            <a:r>
-              <a:rPr lang="en-US" altLang="zh-CN" sz="1000" kern="100" dirty="0" err="1">
-                <a:effectLst/>
-                <a:latin typeface="Times New Roman" panose="02020603050405020304" pitchFamily="18" charset="0"/>
-                <a:ea typeface="仿宋" panose="02010609060101010101" pitchFamily="49" charset="-122"/>
-                <a:cs typeface="Times New Roman" panose="02020603050405020304" pitchFamily="18" charset="0"/>
-              </a:rPr>
-              <a:t>innodb</a:t>
-            </a:r>
-            <a:r>
-              <a:rPr lang="zh-CN" altLang="zh-CN" sz="1000" kern="100" dirty="0">
-                <a:effectLst/>
-                <a:latin typeface="Times New Roman" panose="02020603050405020304" pitchFamily="18" charset="0"/>
-                <a:ea typeface="仿宋" panose="02010609060101010101" pitchFamily="49" charset="-122"/>
-                <a:cs typeface="Times New Roman" panose="02020603050405020304" pitchFamily="18" charset="0"/>
-              </a:rPr>
-              <a:t>事务的相关信息，需要增加</a:t>
-            </a:r>
-            <a:r>
-              <a:rPr lang="en-US" altLang="zh-CN" sz="1000" kern="100" dirty="0">
-                <a:effectLst/>
-                <a:latin typeface="Times New Roman" panose="02020603050405020304" pitchFamily="18" charset="0"/>
-                <a:ea typeface="仿宋" panose="02010609060101010101" pitchFamily="49" charset="-122"/>
-                <a:cs typeface="Times New Roman" panose="02020603050405020304" pitchFamily="18" charset="0"/>
-              </a:rPr>
-              <a:t>2</a:t>
-            </a:r>
-            <a:r>
-              <a:rPr lang="zh-CN" altLang="zh-CN" sz="1000" kern="100" dirty="0">
-                <a:effectLst/>
-                <a:latin typeface="Times New Roman" panose="02020603050405020304" pitchFamily="18" charset="0"/>
-                <a:ea typeface="仿宋" panose="02010609060101010101" pitchFamily="49" charset="-122"/>
-                <a:cs typeface="Times New Roman" panose="02020603050405020304" pitchFamily="18" charset="0"/>
-              </a:rPr>
-              <a:t>个字段用于保存事务流水号信息及</a:t>
-            </a:r>
-            <a:r>
-              <a:rPr lang="en-US" altLang="zh-CN" sz="1000" kern="100" dirty="0">
-                <a:effectLst/>
-                <a:latin typeface="Times New Roman" panose="02020603050405020304" pitchFamily="18" charset="0"/>
-                <a:ea typeface="仿宋" panose="02010609060101010101" pitchFamily="49" charset="-122"/>
-                <a:cs typeface="Times New Roman" panose="02020603050405020304" pitchFamily="18" charset="0"/>
-              </a:rPr>
-              <a:t>GTID</a:t>
-            </a:r>
-            <a:r>
-              <a:rPr lang="zh-CN" altLang="zh-CN" sz="1000" kern="100" dirty="0">
-                <a:effectLst/>
-                <a:latin typeface="Times New Roman" panose="02020603050405020304" pitchFamily="18" charset="0"/>
-                <a:ea typeface="仿宋" panose="02010609060101010101" pitchFamily="49" charset="-122"/>
-                <a:cs typeface="Times New Roman" panose="02020603050405020304" pitchFamily="18" charset="0"/>
-              </a:rPr>
-              <a:t>信息。</a:t>
-            </a:r>
-            <a:endParaRPr lang="en-US" altLang="zh-CN" sz="1000" kern="100" dirty="0">
-              <a:effectLst/>
-              <a:latin typeface="Times New Roman" panose="02020603050405020304" pitchFamily="18" charset="0"/>
-              <a:ea typeface="仿宋" panose="02010609060101010101" pitchFamily="49" charset="-122"/>
-              <a:cs typeface="Times New Roman" panose="02020603050405020304" pitchFamily="18" charset="0"/>
-            </a:endParaRPr>
-          </a:p>
-          <a:p>
-            <a:pPr marL="0" indent="0">
-              <a:buNone/>
-            </a:pPr>
-            <a:r>
-              <a:rPr lang="zh-CN" altLang="zh-CN" sz="1000" kern="100" dirty="0">
-                <a:effectLst/>
-                <a:latin typeface="Times New Roman" panose="02020603050405020304" pitchFamily="18" charset="0"/>
-                <a:ea typeface="仿宋" panose="02010609060101010101" pitchFamily="49" charset="-122"/>
-                <a:cs typeface="Times New Roman" panose="02020603050405020304" pitchFamily="18" charset="0"/>
-              </a:rPr>
-              <a:t>新增字段信息如下：</a:t>
-            </a:r>
-            <a:endParaRPr lang="en-US" altLang="zh-CN" sz="1000" kern="100" dirty="0">
-              <a:effectLst/>
-              <a:latin typeface="Times New Roman" panose="02020603050405020304" pitchFamily="18" charset="0"/>
-              <a:ea typeface="仿宋" panose="02010609060101010101" pitchFamily="49" charset="-122"/>
-              <a:cs typeface="Times New Roman" panose="02020603050405020304" pitchFamily="18" charset="0"/>
-            </a:endParaRPr>
-          </a:p>
-          <a:p>
-            <a:pPr marL="0" indent="0">
-              <a:buNone/>
-            </a:pPr>
-            <a:r>
-              <a:rPr lang="en-US" altLang="zh-CN" sz="1000" kern="100" dirty="0" err="1">
-                <a:effectLst/>
-                <a:latin typeface="Times New Roman" panose="02020603050405020304" pitchFamily="18" charset="0"/>
-                <a:ea typeface="仿宋" panose="02010609060101010101" pitchFamily="49" charset="-122"/>
-                <a:cs typeface="Times New Roman" panose="02020603050405020304" pitchFamily="18" charset="0"/>
-              </a:rPr>
-              <a:t>trx_serial_num</a:t>
-            </a:r>
-            <a:r>
-              <a:rPr lang="en-US" altLang="zh-CN" sz="1000" kern="100" dirty="0">
-                <a:effectLst/>
-                <a:latin typeface="Times New Roman" panose="02020603050405020304" pitchFamily="18" charset="0"/>
-                <a:ea typeface="仿宋" panose="02010609060101010101" pitchFamily="49" charset="-122"/>
-                <a:cs typeface="Times New Roman" panose="02020603050405020304" pitchFamily="18" charset="0"/>
-              </a:rPr>
-              <a:t> varchar(32) DEFAULT NULL,</a:t>
-            </a:r>
-            <a:endParaRPr lang="en-US" altLang="zh-CN" sz="1000" kern="100" dirty="0">
-              <a:latin typeface="Times New Roman" panose="02020603050405020304" pitchFamily="18" charset="0"/>
-              <a:ea typeface="仿宋" panose="02010609060101010101" pitchFamily="49" charset="-122"/>
-              <a:cs typeface="Times New Roman" panose="02020603050405020304" pitchFamily="18" charset="0"/>
-            </a:endParaRPr>
-          </a:p>
-          <a:p>
-            <a:pPr marL="0" indent="0">
-              <a:buNone/>
-            </a:pPr>
-            <a:r>
-              <a:rPr lang="en-US" altLang="zh-CN" sz="1000" kern="100" dirty="0" err="1">
-                <a:effectLst/>
-                <a:latin typeface="Times New Roman" panose="02020603050405020304" pitchFamily="18" charset="0"/>
-                <a:ea typeface="仿宋" panose="02010609060101010101" pitchFamily="49" charset="-122"/>
-                <a:cs typeface="Times New Roman" panose="02020603050405020304" pitchFamily="18" charset="0"/>
-              </a:rPr>
-              <a:t>trx_gtm_gtid</a:t>
-            </a:r>
-            <a:r>
-              <a:rPr lang="en-US" altLang="zh-CN" sz="1000" kern="100" dirty="0">
-                <a:effectLst/>
-                <a:latin typeface="Times New Roman" panose="02020603050405020304" pitchFamily="18" charset="0"/>
-                <a:ea typeface="仿宋" panose="02010609060101010101" pitchFamily="49" charset="-122"/>
-                <a:cs typeface="Times New Roman" panose="02020603050405020304" pitchFamily="18" charset="0"/>
-              </a:rPr>
-              <a:t> </a:t>
-            </a:r>
-            <a:r>
-              <a:rPr lang="en-US" altLang="zh-CN" sz="1000" kern="100" dirty="0" err="1">
-                <a:effectLst/>
-                <a:latin typeface="Times New Roman" panose="02020603050405020304" pitchFamily="18" charset="0"/>
-                <a:ea typeface="仿宋" panose="02010609060101010101" pitchFamily="49" charset="-122"/>
-                <a:cs typeface="Times New Roman" panose="02020603050405020304" pitchFamily="18" charset="0"/>
-              </a:rPr>
-              <a:t>varcahr</a:t>
-            </a:r>
-            <a:r>
-              <a:rPr lang="en-US" altLang="zh-CN" sz="1000" kern="100" dirty="0">
-                <a:effectLst/>
-                <a:latin typeface="Times New Roman" panose="02020603050405020304" pitchFamily="18" charset="0"/>
-                <a:ea typeface="仿宋" panose="02010609060101010101" pitchFamily="49" charset="-122"/>
-                <a:cs typeface="Times New Roman" panose="02020603050405020304" pitchFamily="18" charset="0"/>
-              </a:rPr>
-              <a:t>(32) DEFAULT NULL</a:t>
-            </a:r>
-          </a:p>
-          <a:p>
-            <a:pPr marL="0" indent="0">
-              <a:buNone/>
-            </a:pPr>
-            <a:r>
-              <a:rPr lang="zh-CN" altLang="zh-CN" sz="1000" kern="100" dirty="0">
-                <a:effectLst/>
-                <a:latin typeface="Times New Roman" panose="02020603050405020304" pitchFamily="18" charset="0"/>
-                <a:ea typeface="仿宋" panose="02010609060101010101" pitchFamily="49" charset="-122"/>
-                <a:cs typeface="Times New Roman" panose="02020603050405020304" pitchFamily="18" charset="0"/>
-              </a:rPr>
-              <a:t>事务流水号信息和</a:t>
-            </a:r>
-            <a:r>
-              <a:rPr lang="en-US" altLang="zh-CN" sz="1000" kern="100" dirty="0">
-                <a:effectLst/>
-                <a:latin typeface="Times New Roman" panose="02020603050405020304" pitchFamily="18" charset="0"/>
-                <a:ea typeface="仿宋" panose="02010609060101010101" pitchFamily="49" charset="-122"/>
-                <a:cs typeface="Times New Roman" panose="02020603050405020304" pitchFamily="18" charset="0"/>
-              </a:rPr>
-              <a:t>GTID</a:t>
-            </a:r>
-            <a:r>
-              <a:rPr lang="zh-CN" altLang="zh-CN" sz="1000" kern="100" dirty="0">
-                <a:effectLst/>
-                <a:latin typeface="Times New Roman" panose="02020603050405020304" pitchFamily="18" charset="0"/>
-                <a:ea typeface="仿宋" panose="02010609060101010101" pitchFamily="49" charset="-122"/>
-                <a:cs typeface="Times New Roman" panose="02020603050405020304" pitchFamily="18" charset="0"/>
-              </a:rPr>
-              <a:t>信息都是以特殊</a:t>
-            </a:r>
-            <a:r>
-              <a:rPr lang="en-US" altLang="zh-CN" sz="1000" kern="100" dirty="0">
-                <a:effectLst/>
-                <a:latin typeface="Times New Roman" panose="02020603050405020304" pitchFamily="18" charset="0"/>
-                <a:ea typeface="仿宋" panose="02010609060101010101" pitchFamily="49" charset="-122"/>
-                <a:cs typeface="Times New Roman" panose="02020603050405020304" pitchFamily="18" charset="0"/>
-              </a:rPr>
-              <a:t>HINT</a:t>
-            </a:r>
-            <a:r>
-              <a:rPr lang="zh-CN" altLang="zh-CN" sz="1000" kern="100" dirty="0">
-                <a:effectLst/>
-                <a:latin typeface="Times New Roman" panose="02020603050405020304" pitchFamily="18" charset="0"/>
-                <a:ea typeface="仿宋" panose="02010609060101010101" pitchFamily="49" charset="-122"/>
-                <a:cs typeface="Times New Roman" panose="02020603050405020304" pitchFamily="18" charset="0"/>
-              </a:rPr>
-              <a:t>信息的方式携带在</a:t>
-            </a:r>
-            <a:r>
-              <a:rPr lang="en-US" altLang="zh-CN" sz="1000" kern="100" dirty="0">
-                <a:effectLst/>
-                <a:latin typeface="Times New Roman" panose="02020603050405020304" pitchFamily="18" charset="0"/>
-                <a:ea typeface="仿宋" panose="02010609060101010101" pitchFamily="49" charset="-122"/>
-                <a:cs typeface="Times New Roman" panose="02020603050405020304" pitchFamily="18" charset="0"/>
-              </a:rPr>
-              <a:t>SQL</a:t>
-            </a:r>
-            <a:r>
-              <a:rPr lang="zh-CN" altLang="zh-CN" sz="1000" kern="100" dirty="0">
-                <a:effectLst/>
-                <a:latin typeface="Times New Roman" panose="02020603050405020304" pitchFamily="18" charset="0"/>
-                <a:ea typeface="仿宋" panose="02010609060101010101" pitchFamily="49" charset="-122"/>
-                <a:cs typeface="Times New Roman" panose="02020603050405020304" pitchFamily="18" charset="0"/>
-              </a:rPr>
-              <a:t>语句中的，如：</a:t>
-            </a:r>
-            <a:endParaRPr lang="en-US" altLang="zh-CN" sz="1000" kern="100" dirty="0">
-              <a:effectLst/>
-              <a:latin typeface="Times New Roman" panose="02020603050405020304" pitchFamily="18" charset="0"/>
-              <a:ea typeface="仿宋" panose="02010609060101010101" pitchFamily="49" charset="-122"/>
-              <a:cs typeface="Times New Roman" panose="02020603050405020304" pitchFamily="18" charset="0"/>
-            </a:endParaRPr>
-          </a:p>
-          <a:p>
-            <a:pPr marL="0" indent="0">
-              <a:buNone/>
-            </a:pPr>
-            <a:r>
-              <a:rPr lang="zh-CN" altLang="zh-CN" sz="1000" kern="100" dirty="0">
-                <a:solidFill>
-                  <a:srgbClr val="FF0000"/>
-                </a:solidFill>
-                <a:effectLst/>
-                <a:latin typeface="Times New Roman" panose="02020603050405020304" pitchFamily="18" charset="0"/>
-                <a:ea typeface="仿宋" panose="02010609060101010101" pitchFamily="49" charset="-122"/>
-                <a:cs typeface="Times New Roman" panose="02020603050405020304" pitchFamily="18" charset="0"/>
-              </a:rPr>
-              <a:t>事务流水号：</a:t>
-            </a:r>
-            <a:r>
-              <a:rPr lang="en-US" altLang="zh-CN" sz="1000" kern="100" dirty="0">
-                <a:solidFill>
-                  <a:srgbClr val="FF0000"/>
-                </a:solidFill>
-                <a:effectLst/>
-                <a:latin typeface="Times New Roman" panose="02020603050405020304" pitchFamily="18" charset="0"/>
-                <a:ea typeface="仿宋" panose="02010609060101010101" pitchFamily="49" charset="-122"/>
-                <a:cs typeface="Times New Roman" panose="02020603050405020304" pitchFamily="18" charset="0"/>
-              </a:rPr>
-              <a:t>/*+TSN=abc123*/ START TRANSACTION;</a:t>
-            </a:r>
-          </a:p>
-          <a:p>
-            <a:pPr marL="0" indent="0">
-              <a:buNone/>
-            </a:pPr>
-            <a:r>
-              <a:rPr lang="zh-CN" altLang="zh-CN" sz="1000" kern="100" dirty="0">
-                <a:solidFill>
-                  <a:srgbClr val="FF0000"/>
-                </a:solidFill>
-                <a:effectLst/>
-                <a:latin typeface="Times New Roman" panose="02020603050405020304" pitchFamily="18" charset="0"/>
-                <a:ea typeface="仿宋" panose="02010609060101010101" pitchFamily="49" charset="-122"/>
-                <a:cs typeface="Times New Roman" panose="02020603050405020304" pitchFamily="18" charset="0"/>
-              </a:rPr>
-              <a:t>事务流水号：</a:t>
-            </a:r>
-            <a:r>
-              <a:rPr lang="en-US" altLang="zh-CN" sz="1000" kern="100" dirty="0">
-                <a:solidFill>
-                  <a:srgbClr val="FF0000"/>
-                </a:solidFill>
-                <a:effectLst/>
-                <a:latin typeface="Times New Roman" panose="02020603050405020304" pitchFamily="18" charset="0"/>
-                <a:ea typeface="仿宋" panose="02010609060101010101" pitchFamily="49" charset="-122"/>
-                <a:cs typeface="Times New Roman" panose="02020603050405020304" pitchFamily="18" charset="0"/>
-              </a:rPr>
-              <a:t>/*+GTID=123456*/ START TRANSACTION;</a:t>
-            </a:r>
-            <a:endParaRPr lang="en-US" altLang="zh-CN" sz="1000" dirty="0"/>
-          </a:p>
-          <a:p>
-            <a:endParaRPr lang="zh-CN" altLang="en-US" sz="1000" b="0" i="0" kern="1200" dirty="0">
-              <a:solidFill>
-                <a:schemeClr val="tx1"/>
-              </a:solidFill>
-              <a:effectLst/>
-              <a:latin typeface="+mj-ea"/>
-              <a:ea typeface="+mj-ea"/>
-              <a:cs typeface="+mn-cs"/>
-            </a:endParaRPr>
+            <a:endParaRPr lang="zh-CN" altLang="en-US"/>
           </a:p>
         </p:txBody>
       </p:sp>
     </p:spTree>
     <p:extLst>
       <p:ext uri="{BB962C8B-B14F-4D97-AF65-F5344CB8AC3E}">
-        <p14:creationId xmlns:p14="http://schemas.microsoft.com/office/powerpoint/2010/main" val="40607615"/>
+        <p14:creationId xmlns:p14="http://schemas.microsoft.com/office/powerpoint/2010/main" val="2421977619"/>
       </p:ext>
     </p:extLst>
   </p:cSld>
@@ -6415,6 +5532,45 @@
       </p:grpSpPr>
       <p:sp>
         <p:nvSpPr>
+          <p:cNvPr id="2" name="幻灯片图像占位符 1"/>
+          <p:cNvSpPr>
+            <a:spLocks noGrp="1" noRot="1" noChangeAspect="1"/>
+          </p:cNvSpPr>
+          <p:nvPr>
+            <p:ph type="sldImg"/>
+          </p:nvPr>
+        </p:nvSpPr>
+        <p:spPr>
+          <a:xfrm>
+            <a:off x="425450" y="1238250"/>
+            <a:ext cx="5943600" cy="3344863"/>
+          </a:xfrm>
+        </p:spPr>
+      </p:sp>
+      <p:sp>
+        <p:nvSpPr>
+          <p:cNvPr id="3" name="备注占位符 2"/>
+          <p:cNvSpPr>
+            <a:spLocks noGrp="1"/>
+          </p:cNvSpPr>
+          <p:nvPr>
+            <p:ph type="body" idx="1"/>
+          </p:nvPr>
+        </p:nvSpPr>
+        <p:spPr/>
+        <p:txBody>
+          <a:bodyPr/>
+          <a:lstStyle/>
+          <a:p>
+            <a:endParaRPr lang="en-US" altLang="zh-CN" sz="900" dirty="0">
+              <a:latin typeface="微软雅黑" panose="020B0503020204020204" pitchFamily="34" charset="-122"/>
+              <a:ea typeface="微软雅黑" panose="020B0503020204020204" pitchFamily="34" charset="-122"/>
+            </a:endParaRPr>
+          </a:p>
+        </p:txBody>
+      </p:sp>
+      <p:sp>
+        <p:nvSpPr>
           <p:cNvPr id="4" name="灯片编号占位符 3"/>
           <p:cNvSpPr>
             <a:spLocks noGrp="1"/>
@@ -6428,360 +5584,18 @@
           <a:bodyPr/>
           <a:lstStyle/>
           <a:p>
-            <a:fld id="{76A81D81-FE2F-498E-9723-332F49FC9508}" type="slidenum">
-              <a:rPr lang="zh-TW" altLang="en-US" smtClean="0"/>
+            <a:fld id="{7EFE2119-A7ED-48A4-BF93-E52EC1921131}" type="slidenum">
+              <a:rPr lang="zh-CN" altLang="en-US" smtClean="0"/>
               <a:t>47</a:t>
             </a:fld>
-            <a:endParaRPr lang="zh-TW" altLang="en-US"/>
-          </a:p>
-        </p:txBody>
-      </p:sp>
-      <p:sp>
-        <p:nvSpPr>
-          <p:cNvPr id="6" name="幻灯片图像占位符 5"/>
-          <p:cNvSpPr>
-            <a:spLocks noGrp="1" noRot="1" noChangeAspect="1"/>
-          </p:cNvSpPr>
-          <p:nvPr>
-            <p:ph type="sldImg"/>
-          </p:nvPr>
-        </p:nvSpPr>
-        <p:spPr>
-          <a:xfrm>
-            <a:off x="519113" y="787400"/>
-            <a:ext cx="5759450" cy="3240088"/>
-          </a:xfrm>
-        </p:spPr>
-      </p:sp>
-      <p:sp>
-        <p:nvSpPr>
-          <p:cNvPr id="7" name="备注占位符 6"/>
-          <p:cNvSpPr>
-            <a:spLocks noGrp="1"/>
-          </p:cNvSpPr>
-          <p:nvPr>
-            <p:ph type="body" idx="1"/>
-          </p:nvPr>
-        </p:nvSpPr>
-        <p:spPr/>
-        <p:txBody>
-          <a:bodyPr/>
-          <a:lstStyle/>
-          <a:p>
-            <a:pPr algn="just"/>
-            <a:r>
-              <a:rPr lang="en-US" altLang="zh-CN" sz="1000" b="0" i="0" dirty="0">
-                <a:solidFill>
-                  <a:srgbClr val="333333"/>
-                </a:solidFill>
-                <a:effectLst/>
-                <a:latin typeface="-apple-system"/>
-              </a:rPr>
-              <a:t>1</a:t>
-            </a:r>
-            <a:r>
-              <a:rPr lang="zh-CN" altLang="en-US" sz="1000" b="0" i="0" dirty="0">
-                <a:solidFill>
-                  <a:srgbClr val="333333"/>
-                </a:solidFill>
-                <a:effectLst/>
-                <a:latin typeface="-apple-system"/>
-              </a:rPr>
-              <a:t>、</a:t>
-            </a:r>
-            <a:r>
-              <a:rPr lang="en-US" altLang="zh-CN" sz="1000" b="0" i="0" dirty="0" err="1">
-                <a:solidFill>
-                  <a:srgbClr val="333333"/>
-                </a:solidFill>
-                <a:effectLst/>
-                <a:latin typeface="-apple-system"/>
-              </a:rPr>
-              <a:t>InsightAgent</a:t>
-            </a:r>
-            <a:r>
-              <a:rPr lang="zh-CN" altLang="en-US" sz="1000" b="0" i="0" dirty="0">
-                <a:solidFill>
-                  <a:srgbClr val="333333"/>
-                </a:solidFill>
-                <a:effectLst/>
-                <a:latin typeface="-apple-system"/>
-              </a:rPr>
-              <a:t>是主机代理，每台主机上部署，执行</a:t>
-            </a:r>
-            <a:r>
-              <a:rPr lang="en-US" altLang="zh-CN" sz="1000" b="0" i="0" dirty="0" err="1">
-                <a:solidFill>
-                  <a:srgbClr val="333333"/>
-                </a:solidFill>
-                <a:effectLst/>
-                <a:latin typeface="-apple-system"/>
-              </a:rPr>
-              <a:t>insightserver</a:t>
-            </a:r>
-            <a:r>
-              <a:rPr lang="zh-CN" altLang="en-US" sz="1000" b="0" i="0" dirty="0">
-                <a:solidFill>
-                  <a:srgbClr val="333333"/>
-                </a:solidFill>
-                <a:effectLst/>
-                <a:latin typeface="-apple-system"/>
-              </a:rPr>
-              <a:t>下发的命令，并将数据收集推送到</a:t>
-            </a:r>
-            <a:r>
-              <a:rPr lang="en-US" altLang="zh-CN" sz="1000" b="0" i="0" dirty="0" err="1">
-                <a:solidFill>
-                  <a:srgbClr val="333333"/>
-                </a:solidFill>
-                <a:effectLst/>
-                <a:latin typeface="-apple-system"/>
-              </a:rPr>
-              <a:t>kafka</a:t>
-            </a:r>
-            <a:endParaRPr lang="en-US" altLang="zh-CN" sz="1000" b="0" i="0" dirty="0">
-              <a:solidFill>
-                <a:srgbClr val="333333"/>
-              </a:solidFill>
-              <a:effectLst/>
-              <a:latin typeface="-apple-system"/>
-            </a:endParaRPr>
-          </a:p>
-          <a:p>
-            <a:pPr algn="just"/>
-            <a:r>
-              <a:rPr lang="en-US" altLang="zh-CN" sz="1000" b="0" i="0" dirty="0">
-                <a:solidFill>
-                  <a:srgbClr val="333333"/>
-                </a:solidFill>
-                <a:effectLst/>
-                <a:latin typeface="-apple-system"/>
-              </a:rPr>
-              <a:t>2</a:t>
-            </a:r>
-            <a:r>
-              <a:rPr lang="zh-CN" altLang="en-US" sz="1000" b="0" i="0" dirty="0">
-                <a:solidFill>
-                  <a:srgbClr val="333333"/>
-                </a:solidFill>
-                <a:effectLst/>
-                <a:latin typeface="-apple-system"/>
-              </a:rPr>
-              <a:t>、</a:t>
-            </a:r>
-            <a:r>
-              <a:rPr lang="en-US" altLang="zh-CN" sz="1000" b="0" i="0" dirty="0" err="1">
-                <a:solidFill>
-                  <a:srgbClr val="333333"/>
-                </a:solidFill>
-                <a:effectLst/>
-                <a:latin typeface="-apple-system"/>
-              </a:rPr>
-              <a:t>Filebeat</a:t>
-            </a:r>
-            <a:r>
-              <a:rPr lang="zh-CN" altLang="en-US" sz="1000" b="0" i="0" dirty="0">
-                <a:solidFill>
-                  <a:srgbClr val="333333"/>
-                </a:solidFill>
-                <a:effectLst/>
-                <a:latin typeface="-apple-system"/>
-              </a:rPr>
-              <a:t>是日志采集代理，用于收集每台服务器的日志数据</a:t>
-            </a:r>
-          </a:p>
-          <a:p>
-            <a:pPr algn="just"/>
-            <a:r>
-              <a:rPr lang="en-US" altLang="zh-CN" sz="1000" b="0" i="0" dirty="0">
-                <a:solidFill>
-                  <a:srgbClr val="333333"/>
-                </a:solidFill>
-                <a:effectLst/>
-                <a:latin typeface="-apple-system"/>
-              </a:rPr>
-              <a:t>3</a:t>
-            </a:r>
-            <a:r>
-              <a:rPr lang="zh-CN" altLang="en-US" sz="1000" b="0" i="0" dirty="0">
-                <a:solidFill>
-                  <a:srgbClr val="333333"/>
-                </a:solidFill>
-                <a:effectLst/>
-                <a:latin typeface="-apple-system"/>
-              </a:rPr>
-              <a:t>、运维性能数据经过</a:t>
-            </a:r>
-            <a:r>
-              <a:rPr lang="en-US" altLang="zh-CN" sz="1000" b="0" i="0" dirty="0" err="1">
-                <a:solidFill>
-                  <a:srgbClr val="333333"/>
-                </a:solidFill>
-                <a:effectLst/>
-                <a:latin typeface="-apple-system"/>
-              </a:rPr>
-              <a:t>kafka</a:t>
-            </a:r>
-            <a:r>
-              <a:rPr lang="zh-CN" altLang="en-US" sz="1000" b="0" i="0" dirty="0">
-                <a:solidFill>
-                  <a:srgbClr val="333333"/>
-                </a:solidFill>
-                <a:effectLst/>
-                <a:latin typeface="-apple-system"/>
-              </a:rPr>
-              <a:t>消息队列后通过</a:t>
-            </a:r>
-            <a:r>
-              <a:rPr lang="en-US" altLang="zh-CN" sz="1000" b="0" i="0" dirty="0" err="1">
-                <a:solidFill>
-                  <a:srgbClr val="333333"/>
-                </a:solidFill>
-                <a:effectLst/>
-                <a:latin typeface="-apple-system"/>
-              </a:rPr>
-              <a:t>logstash</a:t>
-            </a:r>
-            <a:r>
-              <a:rPr lang="zh-CN" altLang="en-US" sz="1000" b="0" i="0" dirty="0">
-                <a:solidFill>
-                  <a:srgbClr val="333333"/>
-                </a:solidFill>
-                <a:effectLst/>
-                <a:latin typeface="-apple-system"/>
-              </a:rPr>
-              <a:t>采集到</a:t>
-            </a:r>
-            <a:r>
-              <a:rPr lang="en-US" altLang="zh-CN" sz="1000" b="0" i="0" dirty="0" err="1">
-                <a:solidFill>
-                  <a:srgbClr val="333333"/>
-                </a:solidFill>
-                <a:effectLst/>
-                <a:latin typeface="-apple-system"/>
-              </a:rPr>
-              <a:t>elasticsearch</a:t>
-            </a:r>
-            <a:r>
-              <a:rPr lang="zh-CN" altLang="en-US" sz="1000" b="0" i="0" dirty="0">
-                <a:solidFill>
-                  <a:srgbClr val="333333"/>
-                </a:solidFill>
-                <a:effectLst/>
-                <a:latin typeface="-apple-system"/>
-              </a:rPr>
-              <a:t>中存储</a:t>
-            </a:r>
-          </a:p>
-          <a:p>
-            <a:pPr algn="just"/>
-            <a:r>
-              <a:rPr lang="en-US" altLang="zh-CN" sz="1000" b="0" i="0" dirty="0">
-                <a:solidFill>
-                  <a:srgbClr val="333333"/>
-                </a:solidFill>
-                <a:effectLst/>
-                <a:latin typeface="-apple-system"/>
-              </a:rPr>
-              <a:t>4</a:t>
-            </a:r>
-            <a:r>
-              <a:rPr lang="zh-CN" altLang="en-US" sz="1000" b="0" i="0" dirty="0">
-                <a:solidFill>
-                  <a:srgbClr val="333333"/>
-                </a:solidFill>
-                <a:effectLst/>
-                <a:latin typeface="-apple-system"/>
-              </a:rPr>
-              <a:t>、</a:t>
-            </a:r>
-            <a:r>
-              <a:rPr lang="en-US" altLang="zh-CN" sz="1000" b="0" i="0" dirty="0" err="1">
-                <a:solidFill>
-                  <a:srgbClr val="333333"/>
-                </a:solidFill>
-                <a:effectLst/>
-                <a:latin typeface="-apple-system"/>
-              </a:rPr>
-              <a:t>Insightserver</a:t>
-            </a:r>
-            <a:r>
-              <a:rPr lang="zh-CN" altLang="en-US" sz="1000" b="0" i="0" dirty="0">
-                <a:solidFill>
-                  <a:srgbClr val="333333"/>
-                </a:solidFill>
-                <a:effectLst/>
-                <a:latin typeface="-apple-system"/>
-              </a:rPr>
-              <a:t>会查询</a:t>
-            </a:r>
-            <a:r>
-              <a:rPr lang="en-US" altLang="zh-CN" sz="1000" b="0" i="0" dirty="0">
-                <a:solidFill>
-                  <a:srgbClr val="333333"/>
-                </a:solidFill>
-                <a:effectLst/>
-                <a:latin typeface="-apple-system"/>
-              </a:rPr>
-              <a:t>ES</a:t>
-            </a:r>
-            <a:r>
-              <a:rPr lang="zh-CN" altLang="en-US" sz="1000" b="0" i="0" dirty="0">
-                <a:solidFill>
-                  <a:srgbClr val="333333"/>
-                </a:solidFill>
-                <a:effectLst/>
-                <a:latin typeface="-apple-system"/>
-              </a:rPr>
-              <a:t>中的性能数据、</a:t>
-            </a:r>
-            <a:r>
-              <a:rPr lang="en-US" altLang="zh-CN" sz="1000" b="0" i="0" dirty="0">
-                <a:solidFill>
-                  <a:srgbClr val="333333"/>
-                </a:solidFill>
-                <a:effectLst/>
-                <a:latin typeface="-apple-system"/>
-              </a:rPr>
-              <a:t>RDB</a:t>
-            </a:r>
-            <a:r>
-              <a:rPr lang="zh-CN" altLang="en-US" sz="1000" b="0" i="0" dirty="0">
-                <a:solidFill>
-                  <a:srgbClr val="333333"/>
-                </a:solidFill>
-                <a:effectLst/>
-                <a:latin typeface="-apple-system"/>
-              </a:rPr>
-              <a:t>中的集群信息以及</a:t>
-            </a:r>
-            <a:r>
-              <a:rPr lang="en-US" altLang="zh-CN" sz="1000" b="0" i="0" dirty="0">
-                <a:solidFill>
-                  <a:srgbClr val="333333"/>
-                </a:solidFill>
-                <a:effectLst/>
-                <a:latin typeface="-apple-system"/>
-              </a:rPr>
-              <a:t>Redis</a:t>
-            </a:r>
-            <a:r>
-              <a:rPr lang="zh-CN" altLang="en-US" sz="1000" b="0" i="0" dirty="0">
-                <a:solidFill>
-                  <a:srgbClr val="333333"/>
-                </a:solidFill>
-                <a:effectLst/>
-                <a:latin typeface="-apple-system"/>
-              </a:rPr>
-              <a:t>中的缓存信息进行展示和汇总分析</a:t>
-            </a:r>
+            <a:endParaRPr lang="zh-CN" altLang="en-US"/>
           </a:p>
         </p:txBody>
       </p:sp>
     </p:spTree>
     <p:extLst>
       <p:ext uri="{BB962C8B-B14F-4D97-AF65-F5344CB8AC3E}">
-        <p14:creationId xmlns:p14="http://schemas.microsoft.com/office/powerpoint/2010/main" val="3837174947"/>
+        <p14:creationId xmlns:p14="http://schemas.microsoft.com/office/powerpoint/2010/main" val="69746978"/>
       </p:ext>
     </p:extLst>
   </p:cSld>
@@ -6870,7 +5684,7 @@
     </p:spTree>
     <p:extLst>
       <p:ext uri="{BB962C8B-B14F-4D97-AF65-F5344CB8AC3E}">
-        <p14:creationId xmlns:p14="http://schemas.microsoft.com/office/powerpoint/2010/main" val="2299997694"/>
+        <p14:creationId xmlns:p14="http://schemas.microsoft.com/office/powerpoint/2010/main" val="1194232016"/>
       </p:ext>
     </p:extLst>
   </p:cSld>
@@ -6952,6 +5766,320 @@
           <a:bodyPr/>
           <a:lstStyle/>
           <a:p>
+            <a:pPr marL="0" indent="0">
+              <a:buNone/>
+            </a:pPr>
+            <a:r>
+              <a:rPr lang="zh-CN" altLang="zh-CN" sz="1000" kern="100" dirty="0">
+                <a:effectLst/>
+                <a:latin typeface="Times New Roman" panose="02020603050405020304" pitchFamily="18" charset="0"/>
+                <a:ea typeface="仿宋" panose="02010609060101010101" pitchFamily="49" charset="-122"/>
+                <a:cs typeface="Times New Roman" panose="02020603050405020304" pitchFamily="18" charset="0"/>
+              </a:rPr>
+              <a:t>系统表</a:t>
+            </a:r>
+            <a:r>
+              <a:rPr lang="en-US" altLang="zh-CN" sz="1000" kern="100" dirty="0" err="1">
+                <a:effectLst/>
+                <a:latin typeface="Times New Roman" panose="02020603050405020304" pitchFamily="18" charset="0"/>
+                <a:ea typeface="仿宋" panose="02010609060101010101" pitchFamily="49" charset="-122"/>
+                <a:cs typeface="Times New Roman" panose="02020603050405020304" pitchFamily="18" charset="0"/>
+              </a:rPr>
+              <a:t>information_schema.INNODB_TRX</a:t>
+            </a:r>
+            <a:r>
+              <a:rPr lang="zh-CN" altLang="zh-CN" sz="1000" kern="100" dirty="0">
+                <a:effectLst/>
+                <a:latin typeface="Times New Roman" panose="02020603050405020304" pitchFamily="18" charset="0"/>
+                <a:ea typeface="仿宋" panose="02010609060101010101" pitchFamily="49" charset="-122"/>
+                <a:cs typeface="Times New Roman" panose="02020603050405020304" pitchFamily="18" charset="0"/>
+              </a:rPr>
+              <a:t>主要记录了</a:t>
+            </a:r>
+            <a:r>
+              <a:rPr lang="en-US" altLang="zh-CN" sz="1000" kern="100" dirty="0" err="1">
+                <a:effectLst/>
+                <a:latin typeface="Times New Roman" panose="02020603050405020304" pitchFamily="18" charset="0"/>
+                <a:ea typeface="仿宋" panose="02010609060101010101" pitchFamily="49" charset="-122"/>
+                <a:cs typeface="Times New Roman" panose="02020603050405020304" pitchFamily="18" charset="0"/>
+              </a:rPr>
+              <a:t>innodb</a:t>
+            </a:r>
+            <a:r>
+              <a:rPr lang="zh-CN" altLang="zh-CN" sz="1000" kern="100" dirty="0">
+                <a:effectLst/>
+                <a:latin typeface="Times New Roman" panose="02020603050405020304" pitchFamily="18" charset="0"/>
+                <a:ea typeface="仿宋" panose="02010609060101010101" pitchFamily="49" charset="-122"/>
+                <a:cs typeface="Times New Roman" panose="02020603050405020304" pitchFamily="18" charset="0"/>
+              </a:rPr>
+              <a:t>事务的相关信息，需要增加</a:t>
+            </a:r>
+            <a:r>
+              <a:rPr lang="en-US" altLang="zh-CN" sz="1000" kern="100" dirty="0">
+                <a:effectLst/>
+                <a:latin typeface="Times New Roman" panose="02020603050405020304" pitchFamily="18" charset="0"/>
+                <a:ea typeface="仿宋" panose="02010609060101010101" pitchFamily="49" charset="-122"/>
+                <a:cs typeface="Times New Roman" panose="02020603050405020304" pitchFamily="18" charset="0"/>
+              </a:rPr>
+              <a:t>2</a:t>
+            </a:r>
+            <a:r>
+              <a:rPr lang="zh-CN" altLang="zh-CN" sz="1000" kern="100" dirty="0">
+                <a:effectLst/>
+                <a:latin typeface="Times New Roman" panose="02020603050405020304" pitchFamily="18" charset="0"/>
+                <a:ea typeface="仿宋" panose="02010609060101010101" pitchFamily="49" charset="-122"/>
+                <a:cs typeface="Times New Roman" panose="02020603050405020304" pitchFamily="18" charset="0"/>
+              </a:rPr>
+              <a:t>个字段用于保存事务流水号信息及</a:t>
+            </a:r>
+            <a:r>
+              <a:rPr lang="en-US" altLang="zh-CN" sz="1000" kern="100" dirty="0">
+                <a:effectLst/>
+                <a:latin typeface="Times New Roman" panose="02020603050405020304" pitchFamily="18" charset="0"/>
+                <a:ea typeface="仿宋" panose="02010609060101010101" pitchFamily="49" charset="-122"/>
+                <a:cs typeface="Times New Roman" panose="02020603050405020304" pitchFamily="18" charset="0"/>
+              </a:rPr>
+              <a:t>GTID</a:t>
+            </a:r>
+            <a:r>
+              <a:rPr lang="zh-CN" altLang="zh-CN" sz="1000" kern="100" dirty="0">
+                <a:effectLst/>
+                <a:latin typeface="Times New Roman" panose="02020603050405020304" pitchFamily="18" charset="0"/>
+                <a:ea typeface="仿宋" panose="02010609060101010101" pitchFamily="49" charset="-122"/>
+                <a:cs typeface="Times New Roman" panose="02020603050405020304" pitchFamily="18" charset="0"/>
+              </a:rPr>
+              <a:t>信息。</a:t>
+            </a:r>
+            <a:endParaRPr lang="en-US" altLang="zh-CN" sz="1000" kern="100" dirty="0">
+              <a:effectLst/>
+              <a:latin typeface="Times New Roman" panose="02020603050405020304" pitchFamily="18" charset="0"/>
+              <a:ea typeface="仿宋" panose="02010609060101010101" pitchFamily="49" charset="-122"/>
+              <a:cs typeface="Times New Roman" panose="02020603050405020304" pitchFamily="18" charset="0"/>
+            </a:endParaRPr>
+          </a:p>
+          <a:p>
+            <a:pPr marL="0" indent="0">
+              <a:buNone/>
+            </a:pPr>
+            <a:r>
+              <a:rPr lang="zh-CN" altLang="zh-CN" sz="1000" kern="100" dirty="0">
+                <a:effectLst/>
+                <a:latin typeface="Times New Roman" panose="02020603050405020304" pitchFamily="18" charset="0"/>
+                <a:ea typeface="仿宋" panose="02010609060101010101" pitchFamily="49" charset="-122"/>
+                <a:cs typeface="Times New Roman" panose="02020603050405020304" pitchFamily="18" charset="0"/>
+              </a:rPr>
+              <a:t>新增字段信息如下：</a:t>
+            </a:r>
+            <a:endParaRPr lang="en-US" altLang="zh-CN" sz="1000" kern="100" dirty="0">
+              <a:effectLst/>
+              <a:latin typeface="Times New Roman" panose="02020603050405020304" pitchFamily="18" charset="0"/>
+              <a:ea typeface="仿宋" panose="02010609060101010101" pitchFamily="49" charset="-122"/>
+              <a:cs typeface="Times New Roman" panose="02020603050405020304" pitchFamily="18" charset="0"/>
+            </a:endParaRPr>
+          </a:p>
+          <a:p>
+            <a:pPr marL="0" indent="0">
+              <a:buNone/>
+            </a:pPr>
+            <a:r>
+              <a:rPr lang="en-US" altLang="zh-CN" sz="1000" kern="100" dirty="0" err="1">
+                <a:effectLst/>
+                <a:latin typeface="Times New Roman" panose="02020603050405020304" pitchFamily="18" charset="0"/>
+                <a:ea typeface="仿宋" panose="02010609060101010101" pitchFamily="49" charset="-122"/>
+                <a:cs typeface="Times New Roman" panose="02020603050405020304" pitchFamily="18" charset="0"/>
+              </a:rPr>
+              <a:t>trx_serial_num</a:t>
+            </a:r>
+            <a:r>
+              <a:rPr lang="en-US" altLang="zh-CN" sz="1000" kern="100" dirty="0">
+                <a:effectLst/>
+                <a:latin typeface="Times New Roman" panose="02020603050405020304" pitchFamily="18" charset="0"/>
+                <a:ea typeface="仿宋" panose="02010609060101010101" pitchFamily="49" charset="-122"/>
+                <a:cs typeface="Times New Roman" panose="02020603050405020304" pitchFamily="18" charset="0"/>
+              </a:rPr>
+              <a:t> varchar(32) DEFAULT NULL,</a:t>
+            </a:r>
+            <a:endParaRPr lang="en-US" altLang="zh-CN" sz="1000" kern="100" dirty="0">
+              <a:latin typeface="Times New Roman" panose="02020603050405020304" pitchFamily="18" charset="0"/>
+              <a:ea typeface="仿宋" panose="02010609060101010101" pitchFamily="49" charset="-122"/>
+              <a:cs typeface="Times New Roman" panose="02020603050405020304" pitchFamily="18" charset="0"/>
+            </a:endParaRPr>
+          </a:p>
+          <a:p>
+            <a:pPr marL="0" indent="0">
+              <a:buNone/>
+            </a:pPr>
+            <a:r>
+              <a:rPr lang="en-US" altLang="zh-CN" sz="1000" kern="100" dirty="0" err="1">
+                <a:effectLst/>
+                <a:latin typeface="Times New Roman" panose="02020603050405020304" pitchFamily="18" charset="0"/>
+                <a:ea typeface="仿宋" panose="02010609060101010101" pitchFamily="49" charset="-122"/>
+                <a:cs typeface="Times New Roman" panose="02020603050405020304" pitchFamily="18" charset="0"/>
+              </a:rPr>
+              <a:t>trx_gtm_gtid</a:t>
+            </a:r>
+            <a:r>
+              <a:rPr lang="en-US" altLang="zh-CN" sz="1000" kern="100" dirty="0">
+                <a:effectLst/>
+                <a:latin typeface="Times New Roman" panose="02020603050405020304" pitchFamily="18" charset="0"/>
+                <a:ea typeface="仿宋" panose="02010609060101010101" pitchFamily="49" charset="-122"/>
+                <a:cs typeface="Times New Roman" panose="02020603050405020304" pitchFamily="18" charset="0"/>
+              </a:rPr>
+              <a:t> </a:t>
+            </a:r>
+            <a:r>
+              <a:rPr lang="en-US" altLang="zh-CN" sz="1000" kern="100" dirty="0" err="1">
+                <a:effectLst/>
+                <a:latin typeface="Times New Roman" panose="02020603050405020304" pitchFamily="18" charset="0"/>
+                <a:ea typeface="仿宋" panose="02010609060101010101" pitchFamily="49" charset="-122"/>
+                <a:cs typeface="Times New Roman" panose="02020603050405020304" pitchFamily="18" charset="0"/>
+              </a:rPr>
+              <a:t>varcahr</a:t>
+            </a:r>
+            <a:r>
+              <a:rPr lang="en-US" altLang="zh-CN" sz="1000" kern="100" dirty="0">
+                <a:effectLst/>
+                <a:latin typeface="Times New Roman" panose="02020603050405020304" pitchFamily="18" charset="0"/>
+                <a:ea typeface="仿宋" panose="02010609060101010101" pitchFamily="49" charset="-122"/>
+                <a:cs typeface="Times New Roman" panose="02020603050405020304" pitchFamily="18" charset="0"/>
+              </a:rPr>
+              <a:t>(32) DEFAULT NULL</a:t>
+            </a:r>
+          </a:p>
+          <a:p>
+            <a:pPr marL="0" indent="0">
+              <a:buNone/>
+            </a:pPr>
+            <a:r>
+              <a:rPr lang="zh-CN" altLang="zh-CN" sz="1000" kern="100" dirty="0">
+                <a:effectLst/>
+                <a:latin typeface="Times New Roman" panose="02020603050405020304" pitchFamily="18" charset="0"/>
+                <a:ea typeface="仿宋" panose="02010609060101010101" pitchFamily="49" charset="-122"/>
+                <a:cs typeface="Times New Roman" panose="02020603050405020304" pitchFamily="18" charset="0"/>
+              </a:rPr>
+              <a:t>事务流水号信息和</a:t>
+            </a:r>
+            <a:r>
+              <a:rPr lang="en-US" altLang="zh-CN" sz="1000" kern="100" dirty="0">
+                <a:effectLst/>
+                <a:latin typeface="Times New Roman" panose="02020603050405020304" pitchFamily="18" charset="0"/>
+                <a:ea typeface="仿宋" panose="02010609060101010101" pitchFamily="49" charset="-122"/>
+                <a:cs typeface="Times New Roman" panose="02020603050405020304" pitchFamily="18" charset="0"/>
+              </a:rPr>
+              <a:t>GTID</a:t>
+            </a:r>
+            <a:r>
+              <a:rPr lang="zh-CN" altLang="zh-CN" sz="1000" kern="100" dirty="0">
+                <a:effectLst/>
+                <a:latin typeface="Times New Roman" panose="02020603050405020304" pitchFamily="18" charset="0"/>
+                <a:ea typeface="仿宋" panose="02010609060101010101" pitchFamily="49" charset="-122"/>
+                <a:cs typeface="Times New Roman" panose="02020603050405020304" pitchFamily="18" charset="0"/>
+              </a:rPr>
+              <a:t>信息都是以特殊</a:t>
+            </a:r>
+            <a:r>
+              <a:rPr lang="en-US" altLang="zh-CN" sz="1000" kern="100" dirty="0">
+                <a:effectLst/>
+                <a:latin typeface="Times New Roman" panose="02020603050405020304" pitchFamily="18" charset="0"/>
+                <a:ea typeface="仿宋" panose="02010609060101010101" pitchFamily="49" charset="-122"/>
+                <a:cs typeface="Times New Roman" panose="02020603050405020304" pitchFamily="18" charset="0"/>
+              </a:rPr>
+              <a:t>HINT</a:t>
+            </a:r>
+            <a:r>
+              <a:rPr lang="zh-CN" altLang="zh-CN" sz="1000" kern="100" dirty="0">
+                <a:effectLst/>
+                <a:latin typeface="Times New Roman" panose="02020603050405020304" pitchFamily="18" charset="0"/>
+                <a:ea typeface="仿宋" panose="02010609060101010101" pitchFamily="49" charset="-122"/>
+                <a:cs typeface="Times New Roman" panose="02020603050405020304" pitchFamily="18" charset="0"/>
+              </a:rPr>
+              <a:t>信息的方式携带在</a:t>
+            </a:r>
+            <a:r>
+              <a:rPr lang="en-US" altLang="zh-CN" sz="1000" kern="100" dirty="0">
+                <a:effectLst/>
+                <a:latin typeface="Times New Roman" panose="02020603050405020304" pitchFamily="18" charset="0"/>
+                <a:ea typeface="仿宋" panose="02010609060101010101" pitchFamily="49" charset="-122"/>
+                <a:cs typeface="Times New Roman" panose="02020603050405020304" pitchFamily="18" charset="0"/>
+              </a:rPr>
+              <a:t>SQL</a:t>
+            </a:r>
+            <a:r>
+              <a:rPr lang="zh-CN" altLang="zh-CN" sz="1000" kern="100" dirty="0">
+                <a:effectLst/>
+                <a:latin typeface="Times New Roman" panose="02020603050405020304" pitchFamily="18" charset="0"/>
+                <a:ea typeface="仿宋" panose="02010609060101010101" pitchFamily="49" charset="-122"/>
+                <a:cs typeface="Times New Roman" panose="02020603050405020304" pitchFamily="18" charset="0"/>
+              </a:rPr>
+              <a:t>语句中的，如：</a:t>
+            </a:r>
+            <a:endParaRPr lang="en-US" altLang="zh-CN" sz="1000" kern="100" dirty="0">
+              <a:effectLst/>
+              <a:latin typeface="Times New Roman" panose="02020603050405020304" pitchFamily="18" charset="0"/>
+              <a:ea typeface="仿宋" panose="02010609060101010101" pitchFamily="49" charset="-122"/>
+              <a:cs typeface="Times New Roman" panose="02020603050405020304" pitchFamily="18" charset="0"/>
+            </a:endParaRPr>
+          </a:p>
+          <a:p>
+            <a:pPr marL="0" indent="0">
+              <a:buNone/>
+            </a:pPr>
+            <a:r>
+              <a:rPr lang="zh-CN" altLang="zh-CN" sz="1000" kern="100" dirty="0">
+                <a:solidFill>
+                  <a:srgbClr val="FF0000"/>
+                </a:solidFill>
+                <a:effectLst/>
+                <a:latin typeface="Times New Roman" panose="02020603050405020304" pitchFamily="18" charset="0"/>
+                <a:ea typeface="仿宋" panose="02010609060101010101" pitchFamily="49" charset="-122"/>
+                <a:cs typeface="Times New Roman" panose="02020603050405020304" pitchFamily="18" charset="0"/>
+              </a:rPr>
+              <a:t>事务流水号：</a:t>
+            </a:r>
+            <a:r>
+              <a:rPr lang="en-US" altLang="zh-CN" sz="1000" kern="100" dirty="0">
+                <a:solidFill>
+                  <a:srgbClr val="FF0000"/>
+                </a:solidFill>
+                <a:effectLst/>
+                <a:latin typeface="Times New Roman" panose="02020603050405020304" pitchFamily="18" charset="0"/>
+                <a:ea typeface="仿宋" panose="02010609060101010101" pitchFamily="49" charset="-122"/>
+                <a:cs typeface="Times New Roman" panose="02020603050405020304" pitchFamily="18" charset="0"/>
+              </a:rPr>
+              <a:t>/*+TSN=abc123*/ START TRANSACTION;</a:t>
+            </a:r>
+          </a:p>
+          <a:p>
+            <a:pPr marL="0" indent="0">
+              <a:buNone/>
+            </a:pPr>
+            <a:r>
+              <a:rPr lang="zh-CN" altLang="zh-CN" sz="1000" kern="100" dirty="0">
+                <a:solidFill>
+                  <a:srgbClr val="FF0000"/>
+                </a:solidFill>
+                <a:effectLst/>
+                <a:latin typeface="Times New Roman" panose="02020603050405020304" pitchFamily="18" charset="0"/>
+                <a:ea typeface="仿宋" panose="02010609060101010101" pitchFamily="49" charset="-122"/>
+                <a:cs typeface="Times New Roman" panose="02020603050405020304" pitchFamily="18" charset="0"/>
+              </a:rPr>
+              <a:t>事务流水号：</a:t>
+            </a:r>
+            <a:r>
+              <a:rPr lang="en-US" altLang="zh-CN" sz="1000" kern="100" dirty="0">
+                <a:solidFill>
+                  <a:srgbClr val="FF0000"/>
+                </a:solidFill>
+                <a:effectLst/>
+                <a:latin typeface="Times New Roman" panose="02020603050405020304" pitchFamily="18" charset="0"/>
+                <a:ea typeface="仿宋" panose="02010609060101010101" pitchFamily="49" charset="-122"/>
+                <a:cs typeface="Times New Roman" panose="02020603050405020304" pitchFamily="18" charset="0"/>
+              </a:rPr>
+              <a:t>/*+GTID=123456*/ START TRANSACTION;</a:t>
+            </a:r>
+            <a:endParaRPr lang="en-US" altLang="zh-CN" sz="1000" dirty="0"/>
+          </a:p>
+          <a:p>
             <a:endParaRPr lang="zh-CN" altLang="en-US" sz="1000" b="0" i="0" kern="1200" dirty="0">
               <a:solidFill>
                 <a:schemeClr val="tx1"/>
@@ -6967,7 +6095,7 @@
     </p:spTree>
     <p:extLst>
       <p:ext uri="{BB962C8B-B14F-4D97-AF65-F5344CB8AC3E}">
-        <p14:creationId xmlns:p14="http://schemas.microsoft.com/office/powerpoint/2010/main" val="3757277763"/>
+        <p14:creationId xmlns:p14="http://schemas.microsoft.com/office/powerpoint/2010/main" val="40607615"/>
       </p:ext>
     </p:extLst>
   </p:cSld>
@@ -7049,22 +6177,320 @@
           <a:bodyPr/>
           <a:lstStyle/>
           <a:p>
-            <a:endParaRPr lang="zh-CN" altLang="en-US" sz="1000" b="0" i="0" kern="1200" dirty="0">
+            <a:pPr algn="just"/>
+            <a:r>
+              <a:rPr lang="en-US" altLang="zh-CN" sz="1000" b="0" i="0" dirty="0">
+                <a:solidFill>
+                  <a:srgbClr val="333333"/>
+                </a:solidFill>
+                <a:effectLst/>
+                <a:latin typeface="-apple-system"/>
+              </a:rPr>
+              <a:t>1</a:t>
+            </a:r>
+            <a:r>
+              <a:rPr lang="zh-CN" altLang="en-US" sz="1000" b="0" i="0" dirty="0">
+                <a:solidFill>
+                  <a:srgbClr val="333333"/>
+                </a:solidFill>
+                <a:effectLst/>
+                <a:latin typeface="-apple-system"/>
+              </a:rPr>
+              <a:t>、</a:t>
+            </a:r>
+            <a:r>
+              <a:rPr lang="en-US" altLang="zh-CN" sz="1000" b="0" i="0" dirty="0" err="1">
+                <a:solidFill>
+                  <a:srgbClr val="333333"/>
+                </a:solidFill>
+                <a:effectLst/>
+                <a:latin typeface="-apple-system"/>
+              </a:rPr>
+              <a:t>InsightAgent</a:t>
+            </a:r>
+            <a:r>
+              <a:rPr lang="zh-CN" altLang="en-US" sz="1000" b="0" i="0" dirty="0">
+                <a:solidFill>
+                  <a:srgbClr val="333333"/>
+                </a:solidFill>
+                <a:effectLst/>
+                <a:latin typeface="-apple-system"/>
+              </a:rPr>
+              <a:t>是主机代理，每台主机上部署，执行</a:t>
+            </a:r>
+            <a:r>
+              <a:rPr lang="en-US" altLang="zh-CN" sz="1000" b="0" i="0" dirty="0" err="1">
+                <a:solidFill>
+                  <a:srgbClr val="333333"/>
+                </a:solidFill>
+                <a:effectLst/>
+                <a:latin typeface="-apple-system"/>
+              </a:rPr>
+              <a:t>insightserver</a:t>
+            </a:r>
+            <a:r>
+              <a:rPr lang="zh-CN" altLang="en-US" sz="1000" b="0" i="0" dirty="0">
+                <a:solidFill>
+                  <a:srgbClr val="333333"/>
+                </a:solidFill>
+                <a:effectLst/>
+                <a:latin typeface="-apple-system"/>
+              </a:rPr>
+              <a:t>下发的命令，并将数据收集推送到</a:t>
+            </a:r>
+            <a:r>
+              <a:rPr lang="en-US" altLang="zh-CN" sz="1000" b="0" i="0" dirty="0" err="1">
+                <a:solidFill>
+                  <a:srgbClr val="333333"/>
+                </a:solidFill>
+                <a:effectLst/>
+                <a:latin typeface="-apple-system"/>
+              </a:rPr>
+              <a:t>kafka</a:t>
+            </a:r>
+            <a:endParaRPr lang="en-US" altLang="zh-CN" sz="1000" b="0" i="0" dirty="0">
               <a:solidFill>
-                <a:schemeClr val="tx1"/>
+                <a:srgbClr val="333333"/>
               </a:solidFill>
               <a:effectLst/>
-              <a:latin typeface="+mj-ea"/>
-              <a:ea typeface="+mj-ea"/>
-              <a:cs typeface="+mn-cs"/>
+              <a:latin typeface="-apple-system"/>
             </a:endParaRPr>
+          </a:p>
+          <a:p>
+            <a:pPr algn="just"/>
+            <a:r>
+              <a:rPr lang="en-US" altLang="zh-CN" sz="1000" b="0" i="0" dirty="0">
+                <a:solidFill>
+                  <a:srgbClr val="333333"/>
+                </a:solidFill>
+                <a:effectLst/>
+                <a:latin typeface="-apple-system"/>
+              </a:rPr>
+              <a:t>2</a:t>
+            </a:r>
+            <a:r>
+              <a:rPr lang="zh-CN" altLang="en-US" sz="1000" b="0" i="0" dirty="0">
+                <a:solidFill>
+                  <a:srgbClr val="333333"/>
+                </a:solidFill>
+                <a:effectLst/>
+                <a:latin typeface="-apple-system"/>
+              </a:rPr>
+              <a:t>、</a:t>
+            </a:r>
+            <a:r>
+              <a:rPr lang="en-US" altLang="zh-CN" sz="1000" b="0" i="0" dirty="0" err="1">
+                <a:solidFill>
+                  <a:srgbClr val="333333"/>
+                </a:solidFill>
+                <a:effectLst/>
+                <a:latin typeface="-apple-system"/>
+              </a:rPr>
+              <a:t>Filebeat</a:t>
+            </a:r>
+            <a:r>
+              <a:rPr lang="zh-CN" altLang="en-US" sz="1000" b="0" i="0" dirty="0">
+                <a:solidFill>
+                  <a:srgbClr val="333333"/>
+                </a:solidFill>
+                <a:effectLst/>
+                <a:latin typeface="-apple-system"/>
+              </a:rPr>
+              <a:t>是日志采集代理，用于收集每台服务器的日志数据</a:t>
+            </a:r>
+          </a:p>
+          <a:p>
+            <a:pPr algn="just"/>
+            <a:r>
+              <a:rPr lang="en-US" altLang="zh-CN" sz="1000" b="0" i="0" dirty="0">
+                <a:solidFill>
+                  <a:srgbClr val="333333"/>
+                </a:solidFill>
+                <a:effectLst/>
+                <a:latin typeface="-apple-system"/>
+              </a:rPr>
+              <a:t>3</a:t>
+            </a:r>
+            <a:r>
+              <a:rPr lang="zh-CN" altLang="en-US" sz="1000" b="0" i="0" dirty="0">
+                <a:solidFill>
+                  <a:srgbClr val="333333"/>
+                </a:solidFill>
+                <a:effectLst/>
+                <a:latin typeface="-apple-system"/>
+              </a:rPr>
+              <a:t>、运维性能数据经过</a:t>
+            </a:r>
+            <a:r>
+              <a:rPr lang="en-US" altLang="zh-CN" sz="1000" b="0" i="0" dirty="0" err="1">
+                <a:solidFill>
+                  <a:srgbClr val="333333"/>
+                </a:solidFill>
+                <a:effectLst/>
+                <a:latin typeface="-apple-system"/>
+              </a:rPr>
+              <a:t>kafka</a:t>
+            </a:r>
+            <a:r>
+              <a:rPr lang="zh-CN" altLang="en-US" sz="1000" b="0" i="0" dirty="0">
+                <a:solidFill>
+                  <a:srgbClr val="333333"/>
+                </a:solidFill>
+                <a:effectLst/>
+                <a:latin typeface="-apple-system"/>
+              </a:rPr>
+              <a:t>消息队列后通过</a:t>
+            </a:r>
+            <a:r>
+              <a:rPr lang="en-US" altLang="zh-CN" sz="1000" b="0" i="0" dirty="0" err="1">
+                <a:solidFill>
+                  <a:srgbClr val="333333"/>
+                </a:solidFill>
+                <a:effectLst/>
+                <a:latin typeface="-apple-system"/>
+              </a:rPr>
+              <a:t>logstash</a:t>
+            </a:r>
+            <a:r>
+              <a:rPr lang="zh-CN" altLang="en-US" sz="1000" b="0" i="0" dirty="0">
+                <a:solidFill>
+                  <a:srgbClr val="333333"/>
+                </a:solidFill>
+                <a:effectLst/>
+                <a:latin typeface="-apple-system"/>
+              </a:rPr>
+              <a:t>采集到</a:t>
+            </a:r>
+            <a:r>
+              <a:rPr lang="en-US" altLang="zh-CN" sz="1000" b="0" i="0" dirty="0" err="1">
+                <a:solidFill>
+                  <a:srgbClr val="333333"/>
+                </a:solidFill>
+                <a:effectLst/>
+                <a:latin typeface="-apple-system"/>
+              </a:rPr>
+              <a:t>elasticsearch</a:t>
+            </a:r>
+            <a:r>
+              <a:rPr lang="zh-CN" altLang="en-US" sz="1000" b="0" i="0" dirty="0">
+                <a:solidFill>
+                  <a:srgbClr val="333333"/>
+                </a:solidFill>
+                <a:effectLst/>
+                <a:latin typeface="-apple-system"/>
+              </a:rPr>
+              <a:t>中存储</a:t>
+            </a:r>
+          </a:p>
+          <a:p>
+            <a:pPr algn="just"/>
+            <a:r>
+              <a:rPr lang="en-US" altLang="zh-CN" sz="1000" b="0" i="0" dirty="0">
+                <a:solidFill>
+                  <a:srgbClr val="333333"/>
+                </a:solidFill>
+                <a:effectLst/>
+                <a:latin typeface="-apple-system"/>
+              </a:rPr>
+              <a:t>4</a:t>
+            </a:r>
+            <a:r>
+              <a:rPr lang="zh-CN" altLang="en-US" sz="1000" b="0" i="0" dirty="0">
+                <a:solidFill>
+                  <a:srgbClr val="333333"/>
+                </a:solidFill>
+                <a:effectLst/>
+                <a:latin typeface="-apple-system"/>
+              </a:rPr>
+              <a:t>、</a:t>
+            </a:r>
+            <a:r>
+              <a:rPr lang="en-US" altLang="zh-CN" sz="1000" b="0" i="0" dirty="0" err="1">
+                <a:solidFill>
+                  <a:srgbClr val="333333"/>
+                </a:solidFill>
+                <a:effectLst/>
+                <a:latin typeface="-apple-system"/>
+              </a:rPr>
+              <a:t>Insightserver</a:t>
+            </a:r>
+            <a:r>
+              <a:rPr lang="zh-CN" altLang="en-US" sz="1000" b="0" i="0" dirty="0">
+                <a:solidFill>
+                  <a:srgbClr val="333333"/>
+                </a:solidFill>
+                <a:effectLst/>
+                <a:latin typeface="-apple-system"/>
+              </a:rPr>
+              <a:t>会查询</a:t>
+            </a:r>
+            <a:r>
+              <a:rPr lang="en-US" altLang="zh-CN" sz="1000" b="0" i="0" dirty="0">
+                <a:solidFill>
+                  <a:srgbClr val="333333"/>
+                </a:solidFill>
+                <a:effectLst/>
+                <a:latin typeface="-apple-system"/>
+              </a:rPr>
+              <a:t>ES</a:t>
+            </a:r>
+            <a:r>
+              <a:rPr lang="zh-CN" altLang="en-US" sz="1000" b="0" i="0" dirty="0">
+                <a:solidFill>
+                  <a:srgbClr val="333333"/>
+                </a:solidFill>
+                <a:effectLst/>
+                <a:latin typeface="-apple-system"/>
+              </a:rPr>
+              <a:t>中的性能数据、</a:t>
+            </a:r>
+            <a:r>
+              <a:rPr lang="en-US" altLang="zh-CN" sz="1000" b="0" i="0" dirty="0">
+                <a:solidFill>
+                  <a:srgbClr val="333333"/>
+                </a:solidFill>
+                <a:effectLst/>
+                <a:latin typeface="-apple-system"/>
+              </a:rPr>
+              <a:t>RDB</a:t>
+            </a:r>
+            <a:r>
+              <a:rPr lang="zh-CN" altLang="en-US" sz="1000" b="0" i="0" dirty="0">
+                <a:solidFill>
+                  <a:srgbClr val="333333"/>
+                </a:solidFill>
+                <a:effectLst/>
+                <a:latin typeface="-apple-system"/>
+              </a:rPr>
+              <a:t>中的集群信息以及</a:t>
+            </a:r>
+            <a:r>
+              <a:rPr lang="en-US" altLang="zh-CN" sz="1000" b="0" i="0" dirty="0">
+                <a:solidFill>
+                  <a:srgbClr val="333333"/>
+                </a:solidFill>
+                <a:effectLst/>
+                <a:latin typeface="-apple-system"/>
+              </a:rPr>
+              <a:t>Redis</a:t>
+            </a:r>
+            <a:r>
+              <a:rPr lang="zh-CN" altLang="en-US" sz="1000" b="0" i="0" dirty="0">
+                <a:solidFill>
+                  <a:srgbClr val="333333"/>
+                </a:solidFill>
+                <a:effectLst/>
+                <a:latin typeface="-apple-system"/>
+              </a:rPr>
+              <a:t>中的缓存信息进行展示和汇总分析</a:t>
+            </a:r>
           </a:p>
         </p:txBody>
       </p:sp>
     </p:spTree>
     <p:extLst>
       <p:ext uri="{BB962C8B-B14F-4D97-AF65-F5344CB8AC3E}">
-        <p14:creationId xmlns:p14="http://schemas.microsoft.com/office/powerpoint/2010/main" val="3220711141"/>
+        <p14:creationId xmlns:p14="http://schemas.microsoft.com/office/powerpoint/2010/main" val="3837174947"/>
       </p:ext>
     </p:extLst>
   </p:cSld>
@@ -7151,6 +6577,11 @@
         </p:txBody>
       </p:sp>
     </p:spTree>
+    <p:extLst>
+      <p:ext uri="{BB962C8B-B14F-4D97-AF65-F5344CB8AC3E}">
+        <p14:creationId xmlns:p14="http://schemas.microsoft.com/office/powerpoint/2010/main" val="2299997694"/>
+      </p:ext>
+    </p:extLst>
   </p:cSld>
   <p:clrMapOvr>
     <a:masterClrMapping/>
@@ -7239,6 +6670,284 @@
               <a:ea typeface="+mj-ea"/>
               <a:cs typeface="+mn-cs"/>
             </a:endParaRPr>
+          </a:p>
+        </p:txBody>
+      </p:sp>
+    </p:spTree>
+  </p:cSld>
+  <p:clrMapOvr>
+    <a:masterClrMapping/>
+  </p:clrMapOvr>
+</p:notes>
+</file>
+
+<file path=ppt/notesSlides/notesSlide50.xml><?xml version="1.0" encoding="utf-8"?>
+<p:notes xmlns:a="http://schemas.openxmlformats.org/drawingml/2006/main" xmlns:r="http://schemas.openxmlformats.org/officeDocument/2006/relationships" xmlns:p="http://schemas.openxmlformats.org/presentationml/2006/main">
+  <p:cSld>
+    <p:spTree>
+      <p:nvGrpSpPr>
+        <p:cNvPr id="1" name=""/>
+        <p:cNvGrpSpPr/>
+        <p:nvPr/>
+      </p:nvGrpSpPr>
+      <p:grpSpPr>
+        <a:xfrm>
+          <a:off x="0" y="0"/>
+          <a:ext cx="0" cy="0"/>
+          <a:chOff x="0" y="0"/>
+          <a:chExt cx="0" cy="0"/>
+        </a:xfrm>
+      </p:grpSpPr>
+      <p:sp>
+        <p:nvSpPr>
+          <p:cNvPr id="4" name="灯片编号占位符 3"/>
+          <p:cNvSpPr>
+            <a:spLocks noGrp="1"/>
+          </p:cNvSpPr>
+          <p:nvPr>
+            <p:ph type="sldNum" sz="quarter" idx="10"/>
+          </p:nvPr>
+        </p:nvSpPr>
+        <p:spPr/>
+        <p:txBody>
+          <a:bodyPr/>
+          <a:lstStyle/>
+          <a:p>
+            <a:fld id="{76A81D81-FE2F-498E-9723-332F49FC9508}" type="slidenum">
+              <a:rPr lang="zh-TW" altLang="en-US" smtClean="0"/>
+              <a:t>52</a:t>
+            </a:fld>
+            <a:endParaRPr lang="zh-TW" altLang="en-US"/>
+          </a:p>
+        </p:txBody>
+      </p:sp>
+      <p:sp>
+        <p:nvSpPr>
+          <p:cNvPr id="6" name="幻灯片图像占位符 5"/>
+          <p:cNvSpPr>
+            <a:spLocks noGrp="1" noRot="1" noChangeAspect="1"/>
+          </p:cNvSpPr>
+          <p:nvPr>
+            <p:ph type="sldImg"/>
+          </p:nvPr>
+        </p:nvSpPr>
+        <p:spPr>
+          <a:xfrm>
+            <a:off x="519113" y="787400"/>
+            <a:ext cx="5759450" cy="3240088"/>
+          </a:xfrm>
+        </p:spPr>
+      </p:sp>
+      <p:sp>
+        <p:nvSpPr>
+          <p:cNvPr id="7" name="备注占位符 6"/>
+          <p:cNvSpPr>
+            <a:spLocks noGrp="1"/>
+          </p:cNvSpPr>
+          <p:nvPr>
+            <p:ph type="body" idx="1"/>
+          </p:nvPr>
+        </p:nvSpPr>
+        <p:spPr/>
+        <p:txBody>
+          <a:bodyPr/>
+          <a:lstStyle/>
+          <a:p>
+            <a:endParaRPr lang="zh-CN" altLang="en-US" sz="1000" b="0" i="0" kern="1200" dirty="0">
+              <a:solidFill>
+                <a:schemeClr val="tx1"/>
+              </a:solidFill>
+              <a:effectLst/>
+              <a:latin typeface="+mj-ea"/>
+              <a:ea typeface="+mj-ea"/>
+              <a:cs typeface="+mn-cs"/>
+            </a:endParaRPr>
+          </a:p>
+        </p:txBody>
+      </p:sp>
+    </p:spTree>
+    <p:extLst>
+      <p:ext uri="{BB962C8B-B14F-4D97-AF65-F5344CB8AC3E}">
+        <p14:creationId xmlns:p14="http://schemas.microsoft.com/office/powerpoint/2010/main" val="3757277763"/>
+      </p:ext>
+    </p:extLst>
+  </p:cSld>
+  <p:clrMapOvr>
+    <a:masterClrMapping/>
+  </p:clrMapOvr>
+</p:notes>
+</file>
+
+<file path=ppt/notesSlides/notesSlide51.xml><?xml version="1.0" encoding="utf-8"?>
+<p:notes xmlns:a="http://schemas.openxmlformats.org/drawingml/2006/main" xmlns:r="http://schemas.openxmlformats.org/officeDocument/2006/relationships" xmlns:p="http://schemas.openxmlformats.org/presentationml/2006/main">
+  <p:cSld>
+    <p:spTree>
+      <p:nvGrpSpPr>
+        <p:cNvPr id="1" name=""/>
+        <p:cNvGrpSpPr/>
+        <p:nvPr/>
+      </p:nvGrpSpPr>
+      <p:grpSpPr>
+        <a:xfrm>
+          <a:off x="0" y="0"/>
+          <a:ext cx="0" cy="0"/>
+          <a:chOff x="0" y="0"/>
+          <a:chExt cx="0" cy="0"/>
+        </a:xfrm>
+      </p:grpSpPr>
+      <p:sp>
+        <p:nvSpPr>
+          <p:cNvPr id="4" name="灯片编号占位符 3"/>
+          <p:cNvSpPr>
+            <a:spLocks noGrp="1"/>
+          </p:cNvSpPr>
+          <p:nvPr>
+            <p:ph type="sldNum" sz="quarter" idx="10"/>
+          </p:nvPr>
+        </p:nvSpPr>
+        <p:spPr/>
+        <p:txBody>
+          <a:bodyPr/>
+          <a:lstStyle/>
+          <a:p>
+            <a:fld id="{76A81D81-FE2F-498E-9723-332F49FC9508}" type="slidenum">
+              <a:rPr lang="zh-TW" altLang="en-US" smtClean="0"/>
+              <a:t>53</a:t>
+            </a:fld>
+            <a:endParaRPr lang="zh-TW" altLang="en-US"/>
+          </a:p>
+        </p:txBody>
+      </p:sp>
+      <p:sp>
+        <p:nvSpPr>
+          <p:cNvPr id="6" name="幻灯片图像占位符 5"/>
+          <p:cNvSpPr>
+            <a:spLocks noGrp="1" noRot="1" noChangeAspect="1"/>
+          </p:cNvSpPr>
+          <p:nvPr>
+            <p:ph type="sldImg"/>
+          </p:nvPr>
+        </p:nvSpPr>
+        <p:spPr>
+          <a:xfrm>
+            <a:off x="519113" y="787400"/>
+            <a:ext cx="5759450" cy="3240088"/>
+          </a:xfrm>
+        </p:spPr>
+      </p:sp>
+      <p:sp>
+        <p:nvSpPr>
+          <p:cNvPr id="7" name="备注占位符 6"/>
+          <p:cNvSpPr>
+            <a:spLocks noGrp="1"/>
+          </p:cNvSpPr>
+          <p:nvPr>
+            <p:ph type="body" idx="1"/>
+          </p:nvPr>
+        </p:nvSpPr>
+        <p:spPr/>
+        <p:txBody>
+          <a:bodyPr/>
+          <a:lstStyle/>
+          <a:p>
+            <a:endParaRPr lang="zh-CN" altLang="en-US" sz="1000" b="0" i="0" kern="1200" dirty="0">
+              <a:solidFill>
+                <a:schemeClr val="tx1"/>
+              </a:solidFill>
+              <a:effectLst/>
+              <a:latin typeface="+mj-ea"/>
+              <a:ea typeface="+mj-ea"/>
+              <a:cs typeface="+mn-cs"/>
+            </a:endParaRPr>
+          </a:p>
+        </p:txBody>
+      </p:sp>
+    </p:spTree>
+    <p:extLst>
+      <p:ext uri="{BB962C8B-B14F-4D97-AF65-F5344CB8AC3E}">
+        <p14:creationId xmlns:p14="http://schemas.microsoft.com/office/powerpoint/2010/main" val="3220711141"/>
+      </p:ext>
+    </p:extLst>
+  </p:cSld>
+  <p:clrMapOvr>
+    <a:masterClrMapping/>
+  </p:clrMapOvr>
+</p:notes>
+</file>
+
+<file path=ppt/notesSlides/notesSlide52.xml><?xml version="1.0" encoding="utf-8"?>
+<p:notes xmlns:a="http://schemas.openxmlformats.org/drawingml/2006/main" xmlns:r="http://schemas.openxmlformats.org/officeDocument/2006/relationships" xmlns:p="http://schemas.openxmlformats.org/presentationml/2006/main">
+  <p:cSld>
+    <p:spTree>
+      <p:nvGrpSpPr>
+        <p:cNvPr id="1" name=""/>
+        <p:cNvGrpSpPr/>
+        <p:nvPr/>
+      </p:nvGrpSpPr>
+      <p:grpSpPr>
+        <a:xfrm>
+          <a:off x="0" y="0"/>
+          <a:ext cx="0" cy="0"/>
+          <a:chOff x="0" y="0"/>
+          <a:chExt cx="0" cy="0"/>
+        </a:xfrm>
+      </p:grpSpPr>
+      <p:sp>
+        <p:nvSpPr>
+          <p:cNvPr id="4" name="灯片编号占位符 3"/>
+          <p:cNvSpPr>
+            <a:spLocks noGrp="1"/>
+          </p:cNvSpPr>
+          <p:nvPr>
+            <p:ph type="sldNum" sz="quarter" idx="10"/>
+          </p:nvPr>
+        </p:nvSpPr>
+        <p:spPr/>
+        <p:txBody>
+          <a:bodyPr/>
+          <a:lstStyle/>
+          <a:p>
+            <a:fld id="{115E481A-832A-48B0-9B5F-CC2DDFB376CC}" type="slidenum">
+              <a:rPr lang="zh-CN" altLang="en-US" smtClean="0"/>
+              <a:t>54</a:t>
+            </a:fld>
+            <a:endParaRPr lang="zh-CN" altLang="en-US"/>
+          </a:p>
+        </p:txBody>
+      </p:sp>
+      <p:sp>
+        <p:nvSpPr>
+          <p:cNvPr id="6" name="幻灯片图像占位符 5"/>
+          <p:cNvSpPr>
+            <a:spLocks noGrp="1" noRot="1" noChangeAspect="1"/>
+          </p:cNvSpPr>
+          <p:nvPr>
+            <p:ph type="sldImg"/>
+          </p:nvPr>
+        </p:nvSpPr>
+        <p:spPr>
+          <a:xfrm>
+            <a:off x="519113" y="787400"/>
+            <a:ext cx="5759450" cy="3240088"/>
+          </a:xfrm>
+        </p:spPr>
+      </p:sp>
+      <p:sp>
+        <p:nvSpPr>
+          <p:cNvPr id="7" name="备注占位符 6"/>
+          <p:cNvSpPr>
+            <a:spLocks noGrp="1"/>
+          </p:cNvSpPr>
+          <p:nvPr>
+            <p:ph type="body" idx="1"/>
+          </p:nvPr>
+        </p:nvSpPr>
+        <p:spPr/>
+        <p:txBody>
+          <a:bodyPr/>
+          <a:lstStyle/>
+          <a:p>
+            <a:endParaRPr lang="zh-CN" altLang="en-US"/>
           </a:p>
         </p:txBody>
       </p:sp>
@@ -7407,7 +7116,7 @@
             </a:r>
           </a:p>
           <a:p>
-            <a:endParaRPr lang="zh-CN" altLang="en-US" sz="1600"/>
+            <a:endParaRPr lang="zh-CN" altLang="en-US" sz="1600" dirty="0"/>
           </a:p>
           <a:p>
             <a:endParaRPr lang="en-US" altLang="zh-CN" sz="900" dirty="0">
@@ -11096,7 +10805,7 @@
             </a:r>
             <a:r>
               <a:rPr lang="en-US" altLang="zh-CN" dirty="0"/>
-              <a:t>© 2020 Tencent, </a:t>
+              <a:t>© 2022 Tencent, </a:t>
             </a:r>
             <a:r>
               <a:rPr lang="en-US" altLang="zh-CN" dirty="0" err="1"/>
@@ -11231,19 +10940,38 @@
               <a:defRPr/>
             </a:pPr>
             <a:r>
-              <a:rPr lang="en-US" altLang="zh-CN"/>
-              <a:t>版权归© 2020 Tencent, Inc.或其附属公司所有 保留所有权利 </a:t>
-            </a:r>
-            <a:endParaRPr lang="en-US" altLang="zh-CN" dirty="0"/>
+              <a:rPr lang="en-US" altLang="zh-CN" dirty="0" err="1"/>
+              <a:t>版权归</a:t>
+            </a:r>
+            <a:r>
+              <a:rPr lang="en-US" altLang="zh-CN" dirty="0"/>
+              <a:t>© 2022 Tencent, </a:t>
+            </a:r>
+            <a:r>
+              <a:rPr lang="en-US" altLang="zh-CN" dirty="0" err="1"/>
+              <a:t>Inc.或其附属公司所有</a:t>
+            </a:r>
+            <a:r>
+              <a:rPr lang="en-US" altLang="zh-CN" dirty="0"/>
+              <a:t> </a:t>
+            </a:r>
+            <a:r>
+              <a:rPr lang="en-US" altLang="zh-CN" dirty="0" err="1"/>
+              <a:t>保留所有权利</a:t>
+            </a:r>
+            <a:r>
+              <a:rPr lang="en-US" altLang="zh-CN" dirty="0"/>
+              <a:t> </a:t>
+            </a:r>
           </a:p>
         </p:txBody>
       </p:sp>
       <p:pic>
         <p:nvPicPr>
-          <p:cNvPr id="47" name="图片 46">
+          <p:cNvPr id="4" name="图片 3" descr="表格&#10;&#10;描述已自动生成">
             <a:extLst>
               <a:ext uri="{FF2B5EF4-FFF2-40B4-BE49-F238E27FC236}">
-                <a16:creationId xmlns:a16="http://schemas.microsoft.com/office/drawing/2014/main" id="{1BEDB4FA-E3A8-4BAA-881F-06ECFC2C2E11}"/>
+                <a16:creationId xmlns:a16="http://schemas.microsoft.com/office/drawing/2014/main" id="{0BA1B60C-74C6-4A57-860D-6965553E0866}"/>
               </a:ext>
             </a:extLst>
           </p:cNvPr>
@@ -11253,15 +10981,21 @@
           <p:nvPr/>
         </p:nvPicPr>
         <p:blipFill>
-          <a:blip r:embed="rId3"/>
+          <a:blip r:embed="rId3">
+            <a:extLst>
+              <a:ext uri="{28A0092B-C50C-407E-A947-70E740481C1C}">
+                <a14:useLocalDpi xmlns:a14="http://schemas.microsoft.com/office/drawing/2010/main" val="0"/>
+              </a:ext>
+            </a:extLst>
+          </a:blip>
           <a:stretch>
             <a:fillRect/>
           </a:stretch>
         </p:blipFill>
         <p:spPr>
           <a:xfrm>
-            <a:off x="2033098" y="1295835"/>
-            <a:ext cx="8260434" cy="4473905"/>
+            <a:off x="3794760" y="736600"/>
+            <a:ext cx="4452808" cy="5781627"/>
           </a:xfrm>
           <a:prstGeom prst="rect">
             <a:avLst/>
@@ -11343,10 +11077,29 @@
               <a:defRPr/>
             </a:pPr>
             <a:r>
-              <a:rPr lang="en-US" altLang="zh-CN"/>
-              <a:t>版权归© 2020 Tencent, Inc.或其附属公司所有 保留所有权利 </a:t>
-            </a:r>
-            <a:endParaRPr lang="en-US" altLang="zh-CN" dirty="0"/>
+              <a:rPr lang="en-US" altLang="zh-CN" dirty="0" err="1"/>
+              <a:t>版权归</a:t>
+            </a:r>
+            <a:r>
+              <a:rPr lang="en-US" altLang="zh-CN" dirty="0"/>
+              <a:t>© 2022 Tencent, </a:t>
+            </a:r>
+            <a:r>
+              <a:rPr lang="en-US" altLang="zh-CN" dirty="0" err="1"/>
+              <a:t>Inc.或其附属公司所有</a:t>
+            </a:r>
+            <a:r>
+              <a:rPr lang="en-US" altLang="zh-CN" dirty="0"/>
+              <a:t> </a:t>
+            </a:r>
+            <a:r>
+              <a:rPr lang="en-US" altLang="zh-CN" dirty="0" err="1"/>
+              <a:t>保留所有权利</a:t>
+            </a:r>
+            <a:r>
+              <a:rPr lang="en-US" altLang="zh-CN" dirty="0"/>
+              <a:t> </a:t>
+            </a:r>
           </a:p>
         </p:txBody>
       </p:sp>
@@ -11378,8 +11131,8 @@
         </p:blipFill>
         <p:spPr>
           <a:xfrm>
-            <a:off x="2341899" y="1245313"/>
-            <a:ext cx="7727288" cy="4721800"/>
+            <a:off x="1634913" y="1077672"/>
+            <a:ext cx="8678114" cy="5302807"/>
           </a:xfrm>
           <a:prstGeom prst="rect">
             <a:avLst/>
@@ -12393,15 +12146,7 @@
             </a:r>
             <a:r>
               <a:rPr lang="en-US" altLang="zh-CN" dirty="0"/>
-              <a:t>© 2020 </a:t>
-            </a:r>
-            <a:r>
-              <a:rPr lang="en-US" altLang="zh-CN" dirty="0" err="1"/>
-              <a:t>Tencent</a:t>
-            </a:r>
-            <a:r>
-              <a:rPr lang="en-US" altLang="zh-CN" dirty="0"/>
-              <a:t>, </a:t>
+              <a:t>© 2022 Tencent, </a:t>
             </a:r>
             <a:r>
               <a:rPr lang="en-US" altLang="zh-CN" dirty="0" err="1"/>
@@ -12498,10 +12243,29 @@
               <a:defRPr/>
             </a:pPr>
             <a:r>
-              <a:rPr lang="en-US" altLang="zh-CN"/>
-              <a:t>版权归© 2020 Tencent, Inc.或其附属公司所有 保留所有权利 </a:t>
-            </a:r>
-            <a:endParaRPr lang="en-US" altLang="zh-CN" dirty="0"/>
+              <a:rPr lang="en-US" altLang="zh-CN" dirty="0" err="1"/>
+              <a:t>版权归</a:t>
+            </a:r>
+            <a:r>
+              <a:rPr lang="en-US" altLang="zh-CN" dirty="0"/>
+              <a:t>© 2022 Tencent, </a:t>
+            </a:r>
+            <a:r>
+              <a:rPr lang="en-US" altLang="zh-CN" dirty="0" err="1"/>
+              <a:t>Inc.或其附属公司所有</a:t>
+            </a:r>
+            <a:r>
+              <a:rPr lang="en-US" altLang="zh-CN" dirty="0"/>
+              <a:t> </a:t>
+            </a:r>
+            <a:r>
+              <a:rPr lang="en-US" altLang="zh-CN" dirty="0" err="1"/>
+              <a:t>保留所有权利</a:t>
+            </a:r>
+            <a:r>
+              <a:rPr lang="en-US" altLang="zh-CN" dirty="0"/>
+              <a:t> </a:t>
+            </a:r>
           </a:p>
         </p:txBody>
       </p:sp>
@@ -12587,11 +12351,7 @@
             </a:r>
             <a:r>
               <a:rPr lang="zh-CN" altLang="en-US" dirty="0"/>
-              <a:t>分片路由：</a:t>
-            </a:r>
-            <a:r>
-              <a:rPr lang="en-US" altLang="zh-CN" dirty="0"/>
-              <a:t>DDL</a:t>
+              <a:t>分片路由</a:t>
             </a:r>
             <a:endParaRPr lang="zh-CN" dirty="0"/>
           </a:p>
@@ -12656,14 +12416,707 @@
         </p:blipFill>
         <p:spPr>
           <a:xfrm>
-            <a:off x="1546067" y="1271986"/>
-            <a:ext cx="8429625" cy="4467225"/>
+            <a:off x="5693800" y="1346200"/>
+            <a:ext cx="6662219" cy="3530600"/>
           </a:xfrm>
           <a:prstGeom prst="rect">
             <a:avLst/>
           </a:prstGeom>
         </p:spPr>
       </p:pic>
+      <p:sp>
+        <p:nvSpPr>
+          <p:cNvPr id="5" name="内容占位符 2">
+            <a:extLst>
+              <a:ext uri="{FF2B5EF4-FFF2-40B4-BE49-F238E27FC236}">
+                <a16:creationId xmlns:a16="http://schemas.microsoft.com/office/drawing/2014/main" id="{1F43CDA5-858A-4199-9BB9-4AFE23433C5D}"/>
+              </a:ext>
+            </a:extLst>
+          </p:cNvPr>
+          <p:cNvSpPr>
+            <a:spLocks noGrp="1"/>
+          </p:cNvSpPr>
+          <p:nvPr>
+            <p:ph idx="1"/>
+          </p:nvPr>
+        </p:nvSpPr>
+        <p:spPr>
+          <a:xfrm>
+            <a:off x="838201" y="1136946"/>
+            <a:ext cx="5324475" cy="3648414"/>
+          </a:xfrm>
+        </p:spPr>
+        <p:txBody>
+          <a:bodyPr/>
+          <a:lstStyle/>
+          <a:p>
+            <a:r>
+              <a:rPr lang="zh-CN" altLang="en-US" dirty="0"/>
+              <a:t>分布式</a:t>
+            </a:r>
+            <a:r>
+              <a:rPr lang="en-US" altLang="zh-CN" dirty="0"/>
+              <a:t>DDL</a:t>
+            </a:r>
+            <a:endParaRPr lang="zh-CN" altLang="en-US" dirty="0"/>
+          </a:p>
+          <a:p>
+            <a:pPr lvl="1"/>
+            <a:r>
+              <a:rPr lang="en-US" altLang="zh-CN" dirty="0"/>
+              <a:t>Proxy</a:t>
+            </a:r>
+            <a:r>
+              <a:rPr lang="zh-CN" altLang="en-US" dirty="0"/>
+              <a:t>通知</a:t>
+            </a:r>
+            <a:r>
+              <a:rPr lang="en-US" altLang="zh-CN" dirty="0"/>
+              <a:t>MDS</a:t>
+            </a:r>
+            <a:r>
+              <a:rPr lang="zh-CN" altLang="en-US" dirty="0"/>
+              <a:t>更新元数据并持久化</a:t>
+            </a:r>
+            <a:r>
+              <a:rPr lang="en-US" altLang="zh-CN" dirty="0"/>
+              <a:t>RDB</a:t>
+            </a:r>
+            <a:r>
+              <a:rPr lang="zh-CN" altLang="en-US" dirty="0"/>
+              <a:t>；</a:t>
+            </a:r>
+          </a:p>
+          <a:p>
+            <a:pPr lvl="1"/>
+            <a:r>
+              <a:rPr lang="en-US" altLang="zh-CN" dirty="0"/>
+              <a:t>Proxy</a:t>
+            </a:r>
+            <a:r>
+              <a:rPr lang="zh-CN" altLang="en-US" dirty="0"/>
+              <a:t>将</a:t>
+            </a:r>
+            <a:r>
+              <a:rPr lang="en-US" altLang="zh-CN" dirty="0"/>
+              <a:t>DDL</a:t>
+            </a:r>
+            <a:r>
+              <a:rPr lang="zh-CN" altLang="en-US" dirty="0"/>
+              <a:t>下推到集群所有节点执行；</a:t>
+            </a:r>
+            <a:endParaRPr lang="en-US" altLang="zh-CN" dirty="0"/>
+          </a:p>
+          <a:p>
+            <a:pPr lvl="1"/>
+            <a:r>
+              <a:rPr lang="zh-CN" altLang="en-US" dirty="0"/>
+              <a:t>如果某节点执行失败会通知</a:t>
+            </a:r>
+            <a:r>
+              <a:rPr lang="en-US" altLang="zh-CN" dirty="0"/>
+              <a:t>MDS</a:t>
+            </a:r>
+            <a:r>
+              <a:rPr lang="zh-CN" altLang="en-US" dirty="0"/>
+              <a:t>禁表；</a:t>
+            </a:r>
+            <a:endParaRPr lang="en-US" altLang="zh-CN" dirty="0"/>
+          </a:p>
+          <a:p>
+            <a:pPr lvl="1"/>
+            <a:r>
+              <a:rPr lang="zh-CN" altLang="en-US" dirty="0"/>
+              <a:t>禁表导致业务报错，需手动解禁；</a:t>
+            </a:r>
+            <a:endParaRPr lang="en-US" altLang="zh-CN" dirty="0"/>
+          </a:p>
+          <a:p>
+            <a:pPr lvl="1"/>
+            <a:r>
+              <a:rPr lang="en-US" altLang="zh-CN" dirty="0"/>
+              <a:t>RDB</a:t>
+            </a:r>
+            <a:r>
+              <a:rPr lang="zh-CN" altLang="en-US" dirty="0"/>
+              <a:t>中元数据定期同步到</a:t>
+            </a:r>
+            <a:r>
+              <a:rPr lang="en-US" altLang="zh-CN" dirty="0"/>
+              <a:t>CN</a:t>
+            </a:r>
+            <a:r>
+              <a:rPr lang="zh-CN" altLang="en-US" dirty="0"/>
+              <a:t>和</a:t>
+            </a:r>
+            <a:r>
+              <a:rPr lang="en-US" altLang="zh-CN" dirty="0"/>
+              <a:t>DN</a:t>
+            </a:r>
+            <a:r>
+              <a:rPr lang="zh-CN" altLang="en-US" dirty="0"/>
+              <a:t>；</a:t>
+            </a:r>
+          </a:p>
+          <a:p>
+            <a:endParaRPr lang="zh-CN" altLang="en-US" dirty="0"/>
+          </a:p>
+        </p:txBody>
+      </p:sp>
+      <p:sp>
+        <p:nvSpPr>
+          <p:cNvPr id="6" name="内容占位符 2">
+            <a:extLst>
+              <a:ext uri="{FF2B5EF4-FFF2-40B4-BE49-F238E27FC236}">
+                <a16:creationId xmlns:a16="http://schemas.microsoft.com/office/drawing/2014/main" id="{1BD0DD61-84D4-425E-87CD-E9B29C68B04A}"/>
+              </a:ext>
+            </a:extLst>
+          </p:cNvPr>
+          <p:cNvSpPr txBox="1">
+            <a:spLocks/>
+          </p:cNvSpPr>
+          <p:nvPr/>
+        </p:nvSpPr>
+        <p:spPr bwMode="auto">
+          <a:xfrm>
+            <a:off x="838201" y="4876800"/>
+            <a:ext cx="7381239" cy="589280"/>
+          </a:xfrm>
+          <a:prstGeom prst="rect">
+            <a:avLst/>
+          </a:prstGeom>
+          <a:noFill/>
+          <a:ln>
+            <a:noFill/>
+          </a:ln>
+          <a:extLst>
+            <a:ext uri="{909E8E84-426E-40DD-AFC4-6F175D3DCCD1}">
+              <a14:hiddenFill xmlns:a14="http://schemas.microsoft.com/office/drawing/2010/main">
+                <a:solidFill>
+                  <a:srgbClr val="FFFFFF"/>
+                </a:solidFill>
+              </a14:hiddenFill>
+            </a:ext>
+            <a:ext uri="{91240B29-F687-4F45-9708-019B960494DF}">
+              <a14:hiddenLine xmlns:a14="http://schemas.microsoft.com/office/drawing/2010/main" w="9525">
+                <a:solidFill>
+                  <a:srgbClr val="000000"/>
+                </a:solidFill>
+                <a:miter lim="800000"/>
+                <a:headEnd/>
+                <a:tailEnd/>
+              </a14:hiddenLine>
+            </a:ext>
+          </a:extLst>
+        </p:spPr>
+        <p:txBody>
+          <a:bodyPr vert="horz" wrap="square" lIns="91440" tIns="45720" rIns="91440" bIns="45720" numCol="1" anchor="t" anchorCtr="0" compatLnSpc="1"/>
+          <a:lstStyle>
+            <a:lvl1pPr marL="480695" indent="-480695" algn="l" defTabSz="912495" rtl="0" eaLnBrk="1" fontAlgn="base" hangingPunct="1">
+              <a:lnSpc>
+                <a:spcPct val="150000"/>
+              </a:lnSpc>
+              <a:spcBef>
+                <a:spcPts val="0"/>
+              </a:spcBef>
+              <a:spcAft>
+                <a:spcPct val="0"/>
+              </a:spcAft>
+              <a:buClr>
+                <a:schemeClr val="accent1"/>
+              </a:buClr>
+              <a:buFont typeface="Wingdings" panose="05000000000000000000" pitchFamily="2" charset="2"/>
+              <a:buChar char="l"/>
+              <a:defRPr sz="2400" kern="1200">
+                <a:solidFill>
+                  <a:schemeClr val="tx1"/>
+                </a:solidFill>
+                <a:latin typeface="微软雅黑" panose="020B0503020204020204" pitchFamily="34" charset="-122"/>
+                <a:ea typeface="微软雅黑" panose="020B0503020204020204" pitchFamily="34" charset="-122"/>
+                <a:cs typeface="+mn-cs"/>
+                <a:sym typeface="Calibri" panose="020F0502020204030204" pitchFamily="34" charset="0"/>
+              </a:defRPr>
+            </a:lvl1pPr>
+            <a:lvl2pPr marL="836295" lvl="1" indent="-355600" algn="l" defTabSz="912495" rtl="0" eaLnBrk="1" fontAlgn="base" hangingPunct="1">
+              <a:lnSpc>
+                <a:spcPct val="150000"/>
+              </a:lnSpc>
+              <a:spcBef>
+                <a:spcPts val="500"/>
+              </a:spcBef>
+              <a:spcAft>
+                <a:spcPct val="0"/>
+              </a:spcAft>
+              <a:buClr>
+                <a:schemeClr val="accent1"/>
+              </a:buClr>
+              <a:buFont typeface="Wingdings" panose="05000000000000000000" pitchFamily="2" charset="2"/>
+              <a:buChar char="n"/>
+              <a:defRPr sz="2000" kern="1200">
+                <a:solidFill>
+                  <a:schemeClr val="tx1"/>
+                </a:solidFill>
+                <a:latin typeface="微软雅黑" panose="020B0503020204020204" pitchFamily="34" charset="-122"/>
+                <a:ea typeface="微软雅黑" panose="020B0503020204020204" pitchFamily="34" charset="-122"/>
+                <a:cs typeface="+mn-cs"/>
+                <a:sym typeface="Calibri" panose="020F0502020204030204" pitchFamily="34" charset="0"/>
+              </a:defRPr>
+            </a:lvl2pPr>
+            <a:lvl3pPr marL="1143000" lvl="2" indent="-228600" algn="l" defTabSz="912495" rtl="0" eaLnBrk="1" fontAlgn="base" hangingPunct="1">
+              <a:lnSpc>
+                <a:spcPct val="150000"/>
+              </a:lnSpc>
+              <a:spcBef>
+                <a:spcPts val="500"/>
+              </a:spcBef>
+              <a:spcAft>
+                <a:spcPct val="0"/>
+              </a:spcAft>
+              <a:buClr>
+                <a:schemeClr val="accent1"/>
+              </a:buClr>
+              <a:buFont typeface="Wingdings" panose="05000000000000000000" pitchFamily="2" charset="2"/>
+              <a:buChar char="ü"/>
+              <a:defRPr sz="1800" kern="1200">
+                <a:solidFill>
+                  <a:schemeClr val="tx1"/>
+                </a:solidFill>
+                <a:latin typeface="微软雅黑" panose="020B0503020204020204" pitchFamily="34" charset="-122"/>
+                <a:ea typeface="微软雅黑" panose="020B0503020204020204" pitchFamily="34" charset="-122"/>
+                <a:cs typeface="+mn-cs"/>
+                <a:sym typeface="Calibri" panose="020F0502020204030204" pitchFamily="34" charset="0"/>
+              </a:defRPr>
+            </a:lvl3pPr>
+            <a:lvl4pPr marL="1598930" lvl="3" indent="-227330" algn="l" defTabSz="912495" rtl="0" eaLnBrk="1" fontAlgn="base" hangingPunct="1">
+              <a:lnSpc>
+                <a:spcPct val="150000"/>
+              </a:lnSpc>
+              <a:spcBef>
+                <a:spcPts val="500"/>
+              </a:spcBef>
+              <a:spcAft>
+                <a:spcPct val="0"/>
+              </a:spcAft>
+              <a:buClr>
+                <a:schemeClr val="accent1"/>
+              </a:buClr>
+              <a:buFont typeface="Arial" panose="020B0604020202020204" pitchFamily="34" charset="0"/>
+              <a:buChar char="•"/>
+              <a:defRPr sz="1600" kern="1200">
+                <a:solidFill>
+                  <a:schemeClr val="tx1"/>
+                </a:solidFill>
+                <a:latin typeface="微软雅黑" panose="020B0503020204020204" pitchFamily="34" charset="-122"/>
+                <a:ea typeface="微软雅黑" panose="020B0503020204020204" pitchFamily="34" charset="-122"/>
+                <a:cs typeface="+mn-cs"/>
+                <a:sym typeface="Calibri" panose="020F0502020204030204" pitchFamily="34" charset="0"/>
+              </a:defRPr>
+            </a:lvl4pPr>
+            <a:lvl5pPr marL="2056130" lvl="4" indent="-227330" algn="l" defTabSz="912495" rtl="0" eaLnBrk="1" fontAlgn="base" hangingPunct="1">
+              <a:lnSpc>
+                <a:spcPct val="150000"/>
+              </a:lnSpc>
+              <a:spcBef>
+                <a:spcPts val="500"/>
+              </a:spcBef>
+              <a:spcAft>
+                <a:spcPct val="0"/>
+              </a:spcAft>
+              <a:buClr>
+                <a:schemeClr val="accent1"/>
+              </a:buClr>
+              <a:buFont typeface="Arial" panose="020B0604020202020204" pitchFamily="34" charset="0"/>
+              <a:buChar char="•"/>
+              <a:defRPr sz="1400" kern="1200">
+                <a:solidFill>
+                  <a:schemeClr val="tx1"/>
+                </a:solidFill>
+                <a:latin typeface="微软雅黑" panose="020B0503020204020204" pitchFamily="34" charset="-122"/>
+                <a:ea typeface="微软雅黑" panose="020B0503020204020204" pitchFamily="34" charset="-122"/>
+                <a:cs typeface="+mn-cs"/>
+                <a:sym typeface="Calibri" panose="020F0502020204030204" pitchFamily="34" charset="0"/>
+              </a:defRPr>
+            </a:lvl5pPr>
+            <a:lvl6pPr marL="3352800" lvl="5" indent="-304800" algn="l" defTabSz="913765" eaLnBrk="1" fontAlgn="base" latinLnBrk="0" hangingPunct="1">
+              <a:lnSpc>
+                <a:spcPct val="90000"/>
+              </a:lnSpc>
+              <a:spcBef>
+                <a:spcPts val="500"/>
+              </a:spcBef>
+              <a:spcAft>
+                <a:spcPct val="0"/>
+              </a:spcAft>
+              <a:buFont typeface="Arial" panose="020B0604020202020204" pitchFamily="34" charset="0"/>
+              <a:buChar char="•"/>
+              <a:defRPr sz="1735" kern="1200">
+                <a:solidFill>
+                  <a:schemeClr val="tx1"/>
+                </a:solidFill>
+                <a:latin typeface="+mn-lt"/>
+                <a:ea typeface="+mn-ea"/>
+                <a:cs typeface="+mn-cs"/>
+                <a:sym typeface="Calibri" panose="020F0502020204030204" pitchFamily="34" charset="0"/>
+              </a:defRPr>
+            </a:lvl6pPr>
+            <a:lvl7pPr marL="3962400" lvl="6" indent="-304800" algn="l" defTabSz="913765" eaLnBrk="1" fontAlgn="base" latinLnBrk="0" hangingPunct="1">
+              <a:lnSpc>
+                <a:spcPct val="90000"/>
+              </a:lnSpc>
+              <a:spcBef>
+                <a:spcPts val="500"/>
+              </a:spcBef>
+              <a:spcAft>
+                <a:spcPct val="0"/>
+              </a:spcAft>
+              <a:buFont typeface="Arial" panose="020B0604020202020204" pitchFamily="34" charset="0"/>
+              <a:buChar char="•"/>
+              <a:defRPr sz="1735" kern="1200">
+                <a:solidFill>
+                  <a:schemeClr val="tx1"/>
+                </a:solidFill>
+                <a:latin typeface="+mn-lt"/>
+                <a:ea typeface="+mn-ea"/>
+                <a:cs typeface="+mn-cs"/>
+                <a:sym typeface="Calibri" panose="020F0502020204030204" pitchFamily="34" charset="0"/>
+              </a:defRPr>
+            </a:lvl7pPr>
+            <a:lvl8pPr marL="4572000" lvl="7" indent="-304800" algn="l" defTabSz="913765" eaLnBrk="1" fontAlgn="base" latinLnBrk="0" hangingPunct="1">
+              <a:lnSpc>
+                <a:spcPct val="90000"/>
+              </a:lnSpc>
+              <a:spcBef>
+                <a:spcPts val="500"/>
+              </a:spcBef>
+              <a:spcAft>
+                <a:spcPct val="0"/>
+              </a:spcAft>
+              <a:buFont typeface="Arial" panose="020B0604020202020204" pitchFamily="34" charset="0"/>
+              <a:buChar char="•"/>
+              <a:defRPr sz="1735" kern="1200">
+                <a:solidFill>
+                  <a:schemeClr val="tx1"/>
+                </a:solidFill>
+                <a:latin typeface="+mn-lt"/>
+                <a:ea typeface="+mn-ea"/>
+                <a:cs typeface="+mn-cs"/>
+                <a:sym typeface="Calibri" panose="020F0502020204030204" pitchFamily="34" charset="0"/>
+              </a:defRPr>
+            </a:lvl8pPr>
+            <a:lvl9pPr marL="5181600" lvl="8" indent="-304800" algn="l" defTabSz="913765" eaLnBrk="1" fontAlgn="base" latinLnBrk="0" hangingPunct="1">
+              <a:lnSpc>
+                <a:spcPct val="90000"/>
+              </a:lnSpc>
+              <a:spcBef>
+                <a:spcPts val="500"/>
+              </a:spcBef>
+              <a:spcAft>
+                <a:spcPct val="0"/>
+              </a:spcAft>
+              <a:buFont typeface="Arial" panose="020B0604020202020204" pitchFamily="34" charset="0"/>
+              <a:buChar char="•"/>
+              <a:defRPr sz="1735" kern="1200">
+                <a:solidFill>
+                  <a:schemeClr val="tx1"/>
+                </a:solidFill>
+                <a:latin typeface="+mn-lt"/>
+                <a:ea typeface="+mn-ea"/>
+                <a:cs typeface="+mn-cs"/>
+                <a:sym typeface="Calibri" panose="020F0502020204030204" pitchFamily="34" charset="0"/>
+              </a:defRPr>
+            </a:lvl9pPr>
+          </a:lstStyle>
+          <a:p>
+            <a:r>
+              <a:rPr lang="en-US" altLang="zh-CN" dirty="0"/>
+              <a:t>Proxy</a:t>
+            </a:r>
+            <a:r>
+              <a:rPr lang="zh-CN" altLang="en-US" dirty="0"/>
+              <a:t>本地内存和数据节点会保存全量表结构信息</a:t>
+            </a:r>
+          </a:p>
+        </p:txBody>
+      </p:sp>
+      <p:sp>
+        <p:nvSpPr>
+          <p:cNvPr id="10" name="内容占位符 2">
+            <a:extLst>
+              <a:ext uri="{FF2B5EF4-FFF2-40B4-BE49-F238E27FC236}">
+                <a16:creationId xmlns:a16="http://schemas.microsoft.com/office/drawing/2014/main" id="{71C9D035-A6D5-4A6B-ADCC-CCC978EB95B1}"/>
+              </a:ext>
+            </a:extLst>
+          </p:cNvPr>
+          <p:cNvSpPr txBox="1">
+            <a:spLocks/>
+          </p:cNvSpPr>
+          <p:nvPr/>
+        </p:nvSpPr>
+        <p:spPr bwMode="auto">
+          <a:xfrm>
+            <a:off x="838200" y="5426414"/>
+            <a:ext cx="7381239" cy="589280"/>
+          </a:xfrm>
+          <a:prstGeom prst="rect">
+            <a:avLst/>
+          </a:prstGeom>
+          <a:noFill/>
+          <a:ln>
+            <a:noFill/>
+          </a:ln>
+          <a:extLst>
+            <a:ext uri="{909E8E84-426E-40DD-AFC4-6F175D3DCCD1}">
+              <a14:hiddenFill xmlns:a14="http://schemas.microsoft.com/office/drawing/2010/main">
+                <a:solidFill>
+                  <a:srgbClr val="FFFFFF"/>
+                </a:solidFill>
+              </a14:hiddenFill>
+            </a:ext>
+            <a:ext uri="{91240B29-F687-4F45-9708-019B960494DF}">
+              <a14:hiddenLine xmlns:a14="http://schemas.microsoft.com/office/drawing/2010/main" w="9525">
+                <a:solidFill>
+                  <a:srgbClr val="000000"/>
+                </a:solidFill>
+                <a:miter lim="800000"/>
+                <a:headEnd/>
+                <a:tailEnd/>
+              </a14:hiddenLine>
+            </a:ext>
+          </a:extLst>
+        </p:spPr>
+        <p:txBody>
+          <a:bodyPr vert="horz" wrap="square" lIns="91440" tIns="45720" rIns="91440" bIns="45720" numCol="1" anchor="t" anchorCtr="0" compatLnSpc="1"/>
+          <a:lstStyle>
+            <a:lvl1pPr marL="480695" indent="-480695" algn="l" defTabSz="912495" rtl="0" eaLnBrk="1" fontAlgn="base" hangingPunct="1">
+              <a:lnSpc>
+                <a:spcPct val="150000"/>
+              </a:lnSpc>
+              <a:spcBef>
+                <a:spcPts val="0"/>
+              </a:spcBef>
+              <a:spcAft>
+                <a:spcPct val="0"/>
+              </a:spcAft>
+              <a:buClr>
+                <a:schemeClr val="accent1"/>
+              </a:buClr>
+              <a:buFont typeface="Wingdings" panose="05000000000000000000" pitchFamily="2" charset="2"/>
+              <a:buChar char="l"/>
+              <a:defRPr sz="2400" kern="1200">
+                <a:solidFill>
+                  <a:schemeClr val="tx1"/>
+                </a:solidFill>
+                <a:latin typeface="微软雅黑" panose="020B0503020204020204" pitchFamily="34" charset="-122"/>
+                <a:ea typeface="微软雅黑" panose="020B0503020204020204" pitchFamily="34" charset="-122"/>
+                <a:cs typeface="+mn-cs"/>
+                <a:sym typeface="Calibri" panose="020F0502020204030204" pitchFamily="34" charset="0"/>
+              </a:defRPr>
+            </a:lvl1pPr>
+            <a:lvl2pPr marL="836295" lvl="1" indent="-355600" algn="l" defTabSz="912495" rtl="0" eaLnBrk="1" fontAlgn="base" hangingPunct="1">
+              <a:lnSpc>
+                <a:spcPct val="150000"/>
+              </a:lnSpc>
+              <a:spcBef>
+                <a:spcPts val="500"/>
+              </a:spcBef>
+              <a:spcAft>
+                <a:spcPct val="0"/>
+              </a:spcAft>
+              <a:buClr>
+                <a:schemeClr val="accent1"/>
+              </a:buClr>
+              <a:buFont typeface="Wingdings" panose="05000000000000000000" pitchFamily="2" charset="2"/>
+              <a:buChar char="n"/>
+              <a:defRPr sz="2000" kern="1200">
+                <a:solidFill>
+                  <a:schemeClr val="tx1"/>
+                </a:solidFill>
+                <a:latin typeface="微软雅黑" panose="020B0503020204020204" pitchFamily="34" charset="-122"/>
+                <a:ea typeface="微软雅黑" panose="020B0503020204020204" pitchFamily="34" charset="-122"/>
+                <a:cs typeface="+mn-cs"/>
+                <a:sym typeface="Calibri" panose="020F0502020204030204" pitchFamily="34" charset="0"/>
+              </a:defRPr>
+            </a:lvl2pPr>
+            <a:lvl3pPr marL="1143000" lvl="2" indent="-228600" algn="l" defTabSz="912495" rtl="0" eaLnBrk="1" fontAlgn="base" hangingPunct="1">
+              <a:lnSpc>
+                <a:spcPct val="150000"/>
+              </a:lnSpc>
+              <a:spcBef>
+                <a:spcPts val="500"/>
+              </a:spcBef>
+              <a:spcAft>
+                <a:spcPct val="0"/>
+              </a:spcAft>
+              <a:buClr>
+                <a:schemeClr val="accent1"/>
+              </a:buClr>
+              <a:buFont typeface="Wingdings" panose="05000000000000000000" pitchFamily="2" charset="2"/>
+              <a:buChar char="ü"/>
+              <a:defRPr sz="1800" kern="1200">
+                <a:solidFill>
+                  <a:schemeClr val="tx1"/>
+                </a:solidFill>
+                <a:latin typeface="微软雅黑" panose="020B0503020204020204" pitchFamily="34" charset="-122"/>
+                <a:ea typeface="微软雅黑" panose="020B0503020204020204" pitchFamily="34" charset="-122"/>
+                <a:cs typeface="+mn-cs"/>
+                <a:sym typeface="Calibri" panose="020F0502020204030204" pitchFamily="34" charset="0"/>
+              </a:defRPr>
+            </a:lvl3pPr>
+            <a:lvl4pPr marL="1598930" lvl="3" indent="-227330" algn="l" defTabSz="912495" rtl="0" eaLnBrk="1" fontAlgn="base" hangingPunct="1">
+              <a:lnSpc>
+                <a:spcPct val="150000"/>
+              </a:lnSpc>
+              <a:spcBef>
+                <a:spcPts val="500"/>
+              </a:spcBef>
+              <a:spcAft>
+                <a:spcPct val="0"/>
+              </a:spcAft>
+              <a:buClr>
+                <a:schemeClr val="accent1"/>
+              </a:buClr>
+              <a:buFont typeface="Arial" panose="020B0604020202020204" pitchFamily="34" charset="0"/>
+              <a:buChar char="•"/>
+              <a:defRPr sz="1600" kern="1200">
+                <a:solidFill>
+                  <a:schemeClr val="tx1"/>
+                </a:solidFill>
+                <a:latin typeface="微软雅黑" panose="020B0503020204020204" pitchFamily="34" charset="-122"/>
+                <a:ea typeface="微软雅黑" panose="020B0503020204020204" pitchFamily="34" charset="-122"/>
+                <a:cs typeface="+mn-cs"/>
+                <a:sym typeface="Calibri" panose="020F0502020204030204" pitchFamily="34" charset="0"/>
+              </a:defRPr>
+            </a:lvl4pPr>
+            <a:lvl5pPr marL="2056130" lvl="4" indent="-227330" algn="l" defTabSz="912495" rtl="0" eaLnBrk="1" fontAlgn="base" hangingPunct="1">
+              <a:lnSpc>
+                <a:spcPct val="150000"/>
+              </a:lnSpc>
+              <a:spcBef>
+                <a:spcPts val="500"/>
+              </a:spcBef>
+              <a:spcAft>
+                <a:spcPct val="0"/>
+              </a:spcAft>
+              <a:buClr>
+                <a:schemeClr val="accent1"/>
+              </a:buClr>
+              <a:buFont typeface="Arial" panose="020B0604020202020204" pitchFamily="34" charset="0"/>
+              <a:buChar char="•"/>
+              <a:defRPr sz="1400" kern="1200">
+                <a:solidFill>
+                  <a:schemeClr val="tx1"/>
+                </a:solidFill>
+                <a:latin typeface="微软雅黑" panose="020B0503020204020204" pitchFamily="34" charset="-122"/>
+                <a:ea typeface="微软雅黑" panose="020B0503020204020204" pitchFamily="34" charset="-122"/>
+                <a:cs typeface="+mn-cs"/>
+                <a:sym typeface="Calibri" panose="020F0502020204030204" pitchFamily="34" charset="0"/>
+              </a:defRPr>
+            </a:lvl5pPr>
+            <a:lvl6pPr marL="3352800" lvl="5" indent="-304800" algn="l" defTabSz="913765" eaLnBrk="1" fontAlgn="base" latinLnBrk="0" hangingPunct="1">
+              <a:lnSpc>
+                <a:spcPct val="90000"/>
+              </a:lnSpc>
+              <a:spcBef>
+                <a:spcPts val="500"/>
+              </a:spcBef>
+              <a:spcAft>
+                <a:spcPct val="0"/>
+              </a:spcAft>
+              <a:buFont typeface="Arial" panose="020B0604020202020204" pitchFamily="34" charset="0"/>
+              <a:buChar char="•"/>
+              <a:defRPr sz="1735" kern="1200">
+                <a:solidFill>
+                  <a:schemeClr val="tx1"/>
+                </a:solidFill>
+                <a:latin typeface="+mn-lt"/>
+                <a:ea typeface="+mn-ea"/>
+                <a:cs typeface="+mn-cs"/>
+                <a:sym typeface="Calibri" panose="020F0502020204030204" pitchFamily="34" charset="0"/>
+              </a:defRPr>
+            </a:lvl6pPr>
+            <a:lvl7pPr marL="3962400" lvl="6" indent="-304800" algn="l" defTabSz="913765" eaLnBrk="1" fontAlgn="base" latinLnBrk="0" hangingPunct="1">
+              <a:lnSpc>
+                <a:spcPct val="90000"/>
+              </a:lnSpc>
+              <a:spcBef>
+                <a:spcPts val="500"/>
+              </a:spcBef>
+              <a:spcAft>
+                <a:spcPct val="0"/>
+              </a:spcAft>
+              <a:buFont typeface="Arial" panose="020B0604020202020204" pitchFamily="34" charset="0"/>
+              <a:buChar char="•"/>
+              <a:defRPr sz="1735" kern="1200">
+                <a:solidFill>
+                  <a:schemeClr val="tx1"/>
+                </a:solidFill>
+                <a:latin typeface="+mn-lt"/>
+                <a:ea typeface="+mn-ea"/>
+                <a:cs typeface="+mn-cs"/>
+                <a:sym typeface="Calibri" panose="020F0502020204030204" pitchFamily="34" charset="0"/>
+              </a:defRPr>
+            </a:lvl7pPr>
+            <a:lvl8pPr marL="4572000" lvl="7" indent="-304800" algn="l" defTabSz="913765" eaLnBrk="1" fontAlgn="base" latinLnBrk="0" hangingPunct="1">
+              <a:lnSpc>
+                <a:spcPct val="90000"/>
+              </a:lnSpc>
+              <a:spcBef>
+                <a:spcPts val="500"/>
+              </a:spcBef>
+              <a:spcAft>
+                <a:spcPct val="0"/>
+              </a:spcAft>
+              <a:buFont typeface="Arial" panose="020B0604020202020204" pitchFamily="34" charset="0"/>
+              <a:buChar char="•"/>
+              <a:defRPr sz="1735" kern="1200">
+                <a:solidFill>
+                  <a:schemeClr val="tx1"/>
+                </a:solidFill>
+                <a:latin typeface="+mn-lt"/>
+                <a:ea typeface="+mn-ea"/>
+                <a:cs typeface="+mn-cs"/>
+                <a:sym typeface="Calibri" panose="020F0502020204030204" pitchFamily="34" charset="0"/>
+              </a:defRPr>
+            </a:lvl8pPr>
+            <a:lvl9pPr marL="5181600" lvl="8" indent="-304800" algn="l" defTabSz="913765" eaLnBrk="1" fontAlgn="base" latinLnBrk="0" hangingPunct="1">
+              <a:lnSpc>
+                <a:spcPct val="90000"/>
+              </a:lnSpc>
+              <a:spcBef>
+                <a:spcPts val="500"/>
+              </a:spcBef>
+              <a:spcAft>
+                <a:spcPct val="0"/>
+              </a:spcAft>
+              <a:buFont typeface="Arial" panose="020B0604020202020204" pitchFamily="34" charset="0"/>
+              <a:buChar char="•"/>
+              <a:defRPr sz="1735" kern="1200">
+                <a:solidFill>
+                  <a:schemeClr val="tx1"/>
+                </a:solidFill>
+                <a:latin typeface="+mn-lt"/>
+                <a:ea typeface="+mn-ea"/>
+                <a:cs typeface="+mn-cs"/>
+                <a:sym typeface="Calibri" panose="020F0502020204030204" pitchFamily="34" charset="0"/>
+              </a:defRPr>
+            </a:lvl9pPr>
+          </a:lstStyle>
+          <a:p>
+            <a:r>
+              <a:rPr lang="zh-CN" altLang="en-US" dirty="0"/>
+              <a:t>应用访问时会优先从本地读取</a:t>
+            </a:r>
+            <a:r>
+              <a:rPr lang="en-US" altLang="zh-CN" dirty="0"/>
+              <a:t>DDL</a:t>
+            </a:r>
+            <a:r>
+              <a:rPr lang="zh-CN" altLang="en-US" dirty="0"/>
+              <a:t>信息</a:t>
+            </a:r>
+          </a:p>
+        </p:txBody>
+      </p:sp>
     </p:spTree>
   </p:cSld>
   <p:clrMapOvr>
@@ -12710,11 +13163,7 @@
             </a:r>
             <a:r>
               <a:rPr lang="zh-CN" altLang="en-US" dirty="0"/>
-              <a:t>分片路由：</a:t>
-            </a:r>
-            <a:r>
-              <a:rPr lang="en-US" altLang="zh-CN" dirty="0"/>
-              <a:t>INSERT</a:t>
+              <a:t>分片路由（续）</a:t>
             </a:r>
             <a:endParaRPr lang="zh-CN" dirty="0"/>
           </a:p>
@@ -12744,10 +13193,29 @@
               <a:defRPr/>
             </a:pPr>
             <a:r>
-              <a:rPr lang="en-US" altLang="zh-CN"/>
-              <a:t>版权归© 2020 Tencent, Inc.或其附属公司所有 保留所有权利 </a:t>
-            </a:r>
-            <a:endParaRPr lang="en-US" altLang="zh-CN" dirty="0"/>
+              <a:rPr lang="en-US" altLang="zh-CN" dirty="0" err="1"/>
+              <a:t>版权归</a:t>
+            </a:r>
+            <a:r>
+              <a:rPr lang="en-US" altLang="zh-CN" dirty="0"/>
+              <a:t>© 2022 Tencent, </a:t>
+            </a:r>
+            <a:r>
+              <a:rPr lang="en-US" altLang="zh-CN" dirty="0" err="1"/>
+              <a:t>Inc.或其附属公司所有</a:t>
+            </a:r>
+            <a:r>
+              <a:rPr lang="en-US" altLang="zh-CN" dirty="0"/>
+              <a:t> </a:t>
+            </a:r>
+            <a:r>
+              <a:rPr lang="en-US" altLang="zh-CN" dirty="0" err="1"/>
+              <a:t>保留所有权利</a:t>
+            </a:r>
+            <a:r>
+              <a:rPr lang="en-US" altLang="zh-CN" dirty="0"/>
+              <a:t> </a:t>
+            </a:r>
           </a:p>
         </p:txBody>
       </p:sp>
@@ -12838,11 +13306,7 @@
             </a:r>
             <a:r>
               <a:rPr lang="zh-CN" altLang="en-US" dirty="0"/>
-              <a:t>分片路由：</a:t>
-            </a:r>
-            <a:r>
-              <a:rPr lang="en-US" altLang="zh-CN" dirty="0"/>
-              <a:t>SELECT</a:t>
+              <a:t>分片路由（续）</a:t>
             </a:r>
             <a:endParaRPr lang="zh-CN" dirty="0"/>
           </a:p>
@@ -12872,10 +13336,29 @@
               <a:defRPr/>
             </a:pPr>
             <a:r>
-              <a:rPr lang="en-US" altLang="zh-CN"/>
-              <a:t>版权归© 2020 Tencent, Inc.或其附属公司所有 保留所有权利 </a:t>
-            </a:r>
-            <a:endParaRPr lang="en-US" altLang="zh-CN" dirty="0"/>
+              <a:rPr lang="en-US" altLang="zh-CN" dirty="0" err="1"/>
+              <a:t>版权归</a:t>
+            </a:r>
+            <a:r>
+              <a:rPr lang="en-US" altLang="zh-CN" dirty="0"/>
+              <a:t>© 2022 Tencent, </a:t>
+            </a:r>
+            <a:r>
+              <a:rPr lang="en-US" altLang="zh-CN" dirty="0" err="1"/>
+              <a:t>Inc.或其附属公司所有</a:t>
+            </a:r>
+            <a:r>
+              <a:rPr lang="en-US" altLang="zh-CN" dirty="0"/>
+              <a:t> </a:t>
+            </a:r>
+            <a:r>
+              <a:rPr lang="en-US" altLang="zh-CN" dirty="0" err="1"/>
+              <a:t>保留所有权利</a:t>
+            </a:r>
+            <a:r>
+              <a:rPr lang="en-US" altLang="zh-CN" dirty="0"/>
+              <a:t> </a:t>
+            </a:r>
           </a:p>
         </p:txBody>
       </p:sp>
@@ -12907,7 +13390,7 @@
         </p:blipFill>
         <p:spPr>
           <a:xfrm>
-            <a:off x="1871662" y="1138237"/>
+            <a:off x="1785302" y="1197906"/>
             <a:ext cx="8448675" cy="4581525"/>
           </a:xfrm>
           <a:prstGeom prst="rect">
@@ -14158,15 +14641,7 @@
             </a:r>
             <a:r>
               <a:rPr lang="en-US" altLang="zh-CN" dirty="0"/>
-              <a:t>© 2020 </a:t>
-            </a:r>
-            <a:r>
-              <a:rPr lang="en-US" altLang="zh-CN" dirty="0" err="1"/>
-              <a:t>Tencent</a:t>
-            </a:r>
-            <a:r>
-              <a:rPr lang="en-US" altLang="zh-CN" dirty="0"/>
-              <a:t>, </a:t>
+              <a:t>© 2022 Tencent, </a:t>
             </a:r>
             <a:r>
               <a:rPr lang="en-US" altLang="zh-CN" dirty="0" err="1"/>
@@ -14450,14 +14925,11 @@
               <a:rPr lang="en-US" altLang="zh-CN" dirty="0">
                 <a:sym typeface="+mn-ea"/>
               </a:rPr>
-              <a:t>ACID/CAP</a:t>
-            </a:r>
-            <a:r>
-              <a:rPr lang="zh-CN" altLang="en-US" dirty="0">
-                <a:sym typeface="+mn-ea"/>
-              </a:rPr>
-              <a:t>理论</a:t>
-            </a:r>
+              <a:t>ACID</a:t>
+            </a:r>
+            <a:endParaRPr lang="zh-CN" altLang="en-US" dirty="0">
+              <a:sym typeface="+mn-ea"/>
+            </a:endParaRPr>
           </a:p>
         </p:txBody>
       </p:sp>
@@ -14525,10 +14997,29 @@
               <a:defRPr/>
             </a:pPr>
             <a:r>
-              <a:rPr lang="en-US" altLang="zh-CN"/>
-              <a:t>版权归© 2020 Tencent, Inc.或其附属公司所有 保留所有权利 </a:t>
-            </a:r>
-            <a:endParaRPr lang="en-US" altLang="zh-CN" dirty="0"/>
+              <a:rPr lang="en-US" altLang="zh-CN" dirty="0" err="1"/>
+              <a:t>版权归</a:t>
+            </a:r>
+            <a:r>
+              <a:rPr lang="en-US" altLang="zh-CN" dirty="0"/>
+              <a:t>© 2022 Tencent, </a:t>
+            </a:r>
+            <a:r>
+              <a:rPr lang="en-US" altLang="zh-CN" dirty="0" err="1"/>
+              <a:t>Inc.或其附属公司所有</a:t>
+            </a:r>
+            <a:r>
+              <a:rPr lang="en-US" altLang="zh-CN" dirty="0"/>
+              <a:t> </a:t>
+            </a:r>
+            <a:r>
+              <a:rPr lang="en-US" altLang="zh-CN" dirty="0" err="1"/>
+              <a:t>保留所有权利</a:t>
+            </a:r>
+            <a:r>
+              <a:rPr lang="en-US" altLang="zh-CN" dirty="0"/>
+              <a:t> </a:t>
+            </a:r>
           </a:p>
         </p:txBody>
       </p:sp>
@@ -14560,7 +15051,7 @@
         </p:blipFill>
         <p:spPr>
           <a:xfrm>
-            <a:off x="676360" y="1925458"/>
+            <a:off x="765430" y="1928300"/>
             <a:ext cx="10650979" cy="2249560"/>
           </a:xfrm>
           <a:prstGeom prst="rect">
@@ -14570,53 +15061,42 @@
       </p:pic>
       <p:sp>
         <p:nvSpPr>
-          <p:cNvPr id="7" name="文本框 6">
+          <p:cNvPr id="8" name="内容占位符 2">
             <a:extLst>
               <a:ext uri="{FF2B5EF4-FFF2-40B4-BE49-F238E27FC236}">
-                <a16:creationId xmlns:a16="http://schemas.microsoft.com/office/drawing/2014/main" id="{284C8B23-8064-49CF-BB8E-0515236EA52E}"/>
+                <a16:creationId xmlns:a16="http://schemas.microsoft.com/office/drawing/2014/main" id="{62EC7E78-D075-46A5-B169-ADF9C296643B}"/>
               </a:ext>
             </a:extLst>
           </p:cNvPr>
-          <p:cNvSpPr txBox="1"/>
-          <p:nvPr/>
+          <p:cNvSpPr>
+            <a:spLocks noGrp="1"/>
+          </p:cNvSpPr>
+          <p:nvPr>
+            <p:ph idx="1"/>
+          </p:nvPr>
         </p:nvSpPr>
         <p:spPr>
           <a:xfrm>
-            <a:off x="838200" y="1518557"/>
-            <a:ext cx="10069285" cy="646331"/>
+            <a:off x="838201" y="1382276"/>
+            <a:ext cx="10505439" cy="676614"/>
           </a:xfrm>
-          <a:prstGeom prst="rect">
-            <a:avLst/>
-          </a:prstGeom>
-          <a:noFill/>
         </p:spPr>
         <p:txBody>
-          <a:bodyPr wrap="square" rtlCol="0">
-            <a:spAutoFit/>
-          </a:bodyPr>
+          <a:bodyPr/>
           <a:lstStyle/>
           <a:p>
             <a:r>
-              <a:rPr lang="zh-CN" altLang="en-US" sz="1800" spc="41" dirty="0">
-                <a:latin typeface="BlinkMacSystemFont"/>
-              </a:rPr>
-              <a:t>分布式数据库中，将数据库事务的</a:t>
-            </a:r>
-            <a:r>
-              <a:rPr lang="en-US" altLang="zh-CN" sz="1800" spc="41" dirty="0">
-                <a:latin typeface="BlinkMacSystemFont"/>
-              </a:rPr>
+              <a:rPr lang="zh-CN" altLang="en-US" dirty="0"/>
+              <a:t>在分布式数据库中，对传统单机数据库的</a:t>
+            </a:r>
+            <a:r>
+              <a:rPr lang="en-US" altLang="zh-CN" dirty="0"/>
               <a:t>ACID</a:t>
             </a:r>
             <a:r>
-              <a:rPr lang="zh-CN" altLang="en-US" sz="1800" spc="41" dirty="0">
-                <a:latin typeface="BlinkMacSystemFont"/>
-              </a:rPr>
-              <a:t>理论延伸到分布式架构下，如表所示：</a:t>
-            </a:r>
-          </a:p>
-          <a:p>
-            <a:endParaRPr lang="zh-CN" altLang="en-US" dirty="0"/>
+              <a:rPr lang="zh-CN" altLang="en-US" dirty="0"/>
+              <a:t>理论做了延伸，如表所示：</a:t>
+            </a:r>
           </a:p>
         </p:txBody>
       </p:sp>
@@ -16414,190 +16894,14 @@
               <a:rPr lang="en-US" altLang="zh-CN" dirty="0">
                 <a:sym typeface="+mn-ea"/>
               </a:rPr>
-              <a:t>4.1 </a:t>
+              <a:t>4.1 CAP</a:t>
             </a:r>
             <a:r>
               <a:rPr lang="zh-CN" altLang="en-US" dirty="0">
                 <a:sym typeface="+mn-ea"/>
               </a:rPr>
-              <a:t>分布式</a:t>
-            </a:r>
-            <a:r>
-              <a:rPr lang="en-US" altLang="zh-CN" dirty="0">
-                <a:sym typeface="+mn-ea"/>
-              </a:rPr>
-              <a:t>ACID/CAP</a:t>
-            </a:r>
-            <a:r>
-              <a:rPr lang="zh-CN" altLang="en-US" dirty="0">
-                <a:sym typeface="+mn-ea"/>
-              </a:rPr>
               <a:t>理论</a:t>
             </a:r>
-          </a:p>
-        </p:txBody>
-      </p:sp>
-      <p:sp>
-        <p:nvSpPr>
-          <p:cNvPr id="22" name="文本框 21"/>
-          <p:cNvSpPr txBox="1"/>
-          <p:nvPr/>
-        </p:nvSpPr>
-        <p:spPr>
-          <a:xfrm>
-            <a:off x="4739307" y="1777575"/>
-            <a:ext cx="7028623" cy="2685096"/>
-          </a:xfrm>
-          <a:prstGeom prst="rect">
-            <a:avLst/>
-          </a:prstGeom>
-          <a:noFill/>
-          <a:ln w="12700">
-            <a:noFill/>
-            <a:prstDash val="sysDot"/>
-          </a:ln>
-        </p:spPr>
-        <p:txBody>
-          <a:bodyPr wrap="square" lIns="180000" rtlCol="0">
-            <a:noAutofit/>
-          </a:bodyPr>
-          <a:lstStyle/>
-          <a:p>
-            <a:pPr marL="0" indent="0" fontAlgn="base">
-              <a:buFont typeface="Arial" panose="020B0604020202020204" pitchFamily="34" charset="0"/>
-              <a:buNone/>
-            </a:pPr>
-            <a:r>
-              <a:rPr lang="zh-CN" altLang="en-US" sz="1400" spc="41" dirty="0">
-                <a:solidFill>
-                  <a:srgbClr val="24292E"/>
-                </a:solidFill>
-                <a:latin typeface="BlinkMacSystemFont"/>
-              </a:rPr>
-              <a:t>根据</a:t>
-            </a:r>
-            <a:r>
-              <a:rPr lang="en-US" altLang="zh-CN" sz="1400" spc="41" dirty="0">
-                <a:solidFill>
-                  <a:srgbClr val="24292E"/>
-                </a:solidFill>
-                <a:latin typeface="BlinkMacSystemFont"/>
-              </a:rPr>
-              <a:t>CAP</a:t>
-            </a:r>
-            <a:r>
-              <a:rPr lang="zh-CN" altLang="en-US" sz="1400" spc="41" dirty="0">
-                <a:solidFill>
-                  <a:srgbClr val="24292E"/>
-                </a:solidFill>
-                <a:latin typeface="BlinkMacSystemFont"/>
-              </a:rPr>
-              <a:t>理论，无法同时满足一致性、可用性和分区容忍性。但是在分布式数据库系统中，分区容忍性是必须的，分区是始终会存在的，因此需要在一致性和可用性之间进行权衡。</a:t>
-            </a:r>
-            <a:endParaRPr lang="en-US" altLang="zh-CN" sz="1400" spc="41" dirty="0">
-              <a:solidFill>
-                <a:srgbClr val="24292E"/>
-              </a:solidFill>
-              <a:latin typeface="BlinkMacSystemFont"/>
-            </a:endParaRPr>
-          </a:p>
-          <a:p>
-            <a:pPr marL="0" indent="0" fontAlgn="base">
-              <a:buFont typeface="Arial" panose="020B0604020202020204" pitchFamily="34" charset="0"/>
-              <a:buNone/>
-            </a:pPr>
-            <a:endParaRPr lang="en-US" altLang="zh-CN" sz="1400" spc="41" dirty="0">
-              <a:solidFill>
-                <a:srgbClr val="24292E"/>
-              </a:solidFill>
-              <a:latin typeface="BlinkMacSystemFont"/>
-            </a:endParaRPr>
-          </a:p>
-          <a:p>
-            <a:pPr marL="0" indent="0" fontAlgn="base">
-              <a:buFont typeface="Arial" panose="020B0604020202020204" pitchFamily="34" charset="0"/>
-              <a:buNone/>
-            </a:pPr>
-            <a:r>
-              <a:rPr lang="en-US" altLang="zh-CN" sz="1400" spc="41" dirty="0">
-                <a:solidFill>
-                  <a:srgbClr val="24292E"/>
-                </a:solidFill>
-                <a:latin typeface="BlinkMacSystemFont"/>
-              </a:rPr>
-              <a:t>CP without A</a:t>
-            </a:r>
-            <a:r>
-              <a:rPr lang="zh-CN" altLang="en-US" sz="1400" spc="41" dirty="0">
-                <a:solidFill>
-                  <a:srgbClr val="24292E"/>
-                </a:solidFill>
-                <a:latin typeface="BlinkMacSystemFont"/>
-              </a:rPr>
-              <a:t>：分布式系统容许系统停机或者长时间无响应，一旦发生网络故障或者消息丢失等情况，就要牺牲用户的体验，等待所有数据全部一致之后再让用户访问系统。传统的分布式数据库事务都属于这种模式，对于金融行业的分布式数据库产品而言，优先保证数据的一致性。</a:t>
-            </a:r>
-            <a:endParaRPr lang="zh-CN" altLang="en-US" sz="1400" dirty="0">
-              <a:solidFill>
-                <a:srgbClr val="333333"/>
-              </a:solidFill>
-              <a:latin typeface="Helvetica Neue"/>
-            </a:endParaRPr>
-          </a:p>
-          <a:p>
-            <a:pPr marL="0" indent="0" fontAlgn="base">
-              <a:buFont typeface="Arial" panose="020B0604020202020204" pitchFamily="34" charset="0"/>
-              <a:buNone/>
-            </a:pPr>
-            <a:r>
-              <a:rPr lang="en-US" altLang="zh-CN" sz="1400" spc="41" dirty="0">
-                <a:solidFill>
-                  <a:srgbClr val="24292E"/>
-                </a:solidFill>
-                <a:latin typeface="BlinkMacSystemFont"/>
-              </a:rPr>
-              <a:t>AP without C</a:t>
-            </a:r>
-            <a:r>
-              <a:rPr lang="zh-CN" altLang="en-US" sz="1400" spc="41" dirty="0">
-                <a:solidFill>
-                  <a:srgbClr val="24292E"/>
-                </a:solidFill>
-                <a:latin typeface="BlinkMacSystemFont"/>
-              </a:rPr>
-              <a:t>：分布式系统中允许数据不一致，一旦分区发生，节点之间可能会失去联系，为了高可用，每个节点只能用本地数据提供服务，而这样会导致全局数据的不一致性。现在众多</a:t>
-            </a:r>
-            <a:r>
-              <a:rPr lang="en-US" altLang="zh-CN" sz="1400" spc="41" dirty="0">
-                <a:solidFill>
-                  <a:srgbClr val="24292E"/>
-                </a:solidFill>
-                <a:latin typeface="BlinkMacSystemFont"/>
-              </a:rPr>
-              <a:t>NoSQL</a:t>
-            </a:r>
-            <a:r>
-              <a:rPr lang="zh-CN" altLang="en-US" sz="1400" spc="41" dirty="0">
-                <a:solidFill>
-                  <a:srgbClr val="24292E"/>
-                </a:solidFill>
-                <a:latin typeface="BlinkMacSystemFont"/>
-              </a:rPr>
-              <a:t>都属于此类。</a:t>
-            </a:r>
-            <a:endParaRPr lang="en-US" altLang="zh-CN" sz="1400" dirty="0"/>
-          </a:p>
-          <a:p>
-            <a:pPr marL="228600" indent="-228600" defTabSz="914400">
-              <a:spcBef>
-                <a:spcPts val="1000"/>
-              </a:spcBef>
-              <a:buFont typeface="Arial" panose="020B0604020202020204" pitchFamily="34" charset="0"/>
-              <a:buChar char="•"/>
-            </a:pPr>
-            <a:endParaRPr lang="zh-CN" altLang="en-US" sz="1400" dirty="0">
-              <a:latin typeface="微软雅黑" panose="020B0503020204020204" pitchFamily="34" charset="-122"/>
-              <a:ea typeface="微软雅黑" panose="020B0503020204020204" pitchFamily="34" charset="-122"/>
-            </a:endParaRPr>
           </a:p>
         </p:txBody>
       </p:sp>
@@ -16625,10 +16929,29 @@
               <a:defRPr/>
             </a:pPr>
             <a:r>
-              <a:rPr lang="en-US" altLang="zh-CN"/>
-              <a:t>版权归© 2020 Tencent, Inc.或其附属公司所有 保留所有权利 </a:t>
-            </a:r>
-            <a:endParaRPr lang="en-US" altLang="zh-CN" dirty="0"/>
+              <a:rPr lang="en-US" altLang="zh-CN" dirty="0" err="1"/>
+              <a:t>版权归</a:t>
+            </a:r>
+            <a:r>
+              <a:rPr lang="en-US" altLang="zh-CN" dirty="0"/>
+              <a:t>© 2022 Tencent, </a:t>
+            </a:r>
+            <a:r>
+              <a:rPr lang="en-US" altLang="zh-CN" dirty="0" err="1"/>
+              <a:t>Inc.或其附属公司所有</a:t>
+            </a:r>
+            <a:r>
+              <a:rPr lang="en-US" altLang="zh-CN" dirty="0"/>
+              <a:t> </a:t>
+            </a:r>
+            <a:r>
+              <a:rPr lang="en-US" altLang="zh-CN" dirty="0" err="1"/>
+              <a:t>保留所有权利</a:t>
+            </a:r>
+            <a:r>
+              <a:rPr lang="en-US" altLang="zh-CN" dirty="0"/>
+              <a:t> </a:t>
+            </a:r>
           </a:p>
         </p:txBody>
       </p:sp>
@@ -16659,7 +16982,7 @@
         </p:blipFill>
         <p:spPr bwMode="auto">
           <a:xfrm>
-            <a:off x="1380997" y="1820110"/>
+            <a:off x="838201" y="2148361"/>
             <a:ext cx="3087894" cy="2561277"/>
           </a:xfrm>
           <a:prstGeom prst="rect">
@@ -16671,6 +16994,147 @@
           </a:ln>
         </p:spPr>
       </p:pic>
+      <p:sp>
+        <p:nvSpPr>
+          <p:cNvPr id="7" name="内容占位符 2">
+            <a:extLst>
+              <a:ext uri="{FF2B5EF4-FFF2-40B4-BE49-F238E27FC236}">
+                <a16:creationId xmlns:a16="http://schemas.microsoft.com/office/drawing/2014/main" id="{A055C354-8A42-431B-A7E1-27EA0E9C986C}"/>
+              </a:ext>
+            </a:extLst>
+          </p:cNvPr>
+          <p:cNvSpPr>
+            <a:spLocks noGrp="1"/>
+          </p:cNvSpPr>
+          <p:nvPr>
+            <p:ph idx="1"/>
+          </p:nvPr>
+        </p:nvSpPr>
+        <p:spPr>
+          <a:xfrm>
+            <a:off x="3992880" y="1015512"/>
+            <a:ext cx="8006080" cy="4826973"/>
+          </a:xfrm>
+        </p:spPr>
+        <p:txBody>
+          <a:bodyPr/>
+          <a:lstStyle/>
+          <a:p>
+            <a:r>
+              <a:rPr lang="zh-CN" altLang="en-US" sz="2000" spc="41" dirty="0">
+                <a:solidFill>
+                  <a:srgbClr val="24292E"/>
+                </a:solidFill>
+                <a:latin typeface="BlinkMacSystemFont"/>
+              </a:rPr>
+              <a:t>在分布式数据库系统中，分区容忍性是必须的，因此需要在一致性和可用性之间进行权衡分布式：</a:t>
+            </a:r>
+            <a:endParaRPr lang="en-US" altLang="zh-CN" sz="2000" spc="41" dirty="0">
+              <a:solidFill>
+                <a:srgbClr val="24292E"/>
+              </a:solidFill>
+              <a:latin typeface="BlinkMacSystemFont"/>
+            </a:endParaRPr>
+          </a:p>
+          <a:p>
+            <a:pPr lvl="1"/>
+            <a:r>
+              <a:rPr lang="en-US" altLang="zh-CN" sz="2000" spc="41" dirty="0">
+                <a:solidFill>
+                  <a:srgbClr val="24292E"/>
+                </a:solidFill>
+                <a:latin typeface="BlinkMacSystemFont"/>
+              </a:rPr>
+              <a:t>CP</a:t>
+            </a:r>
+            <a:r>
+              <a:rPr lang="zh-CN" altLang="en-US" sz="2000" spc="41" dirty="0">
+                <a:solidFill>
+                  <a:srgbClr val="24292E"/>
+                </a:solidFill>
+                <a:latin typeface="BlinkMacSystemFont"/>
+              </a:rPr>
+              <a:t>：分布式系统容许系统停机或者长时间无响应，一旦发生网络故障或者消息丢失等情况，就要牺牲用户的体验，等待所有数据全部一致之后再让用户访问系统。传统的分布式数据库事务都属于这种模式，</a:t>
+            </a:r>
+            <a:r>
+              <a:rPr lang="zh-CN" altLang="en-US" sz="2000" spc="41" dirty="0">
+                <a:solidFill>
+                  <a:srgbClr val="FF0000"/>
+                </a:solidFill>
+                <a:latin typeface="BlinkMacSystemFont"/>
+              </a:rPr>
+              <a:t>对于金融行业的分布式数据库产品而言，优先保证数据的一致性</a:t>
+            </a:r>
+            <a:r>
+              <a:rPr lang="zh-CN" altLang="en-US" sz="2000" spc="41" dirty="0">
+                <a:solidFill>
+                  <a:srgbClr val="24292E"/>
+                </a:solidFill>
+                <a:latin typeface="BlinkMacSystemFont"/>
+              </a:rPr>
+              <a:t>。</a:t>
+            </a:r>
+            <a:endParaRPr lang="zh-CN" altLang="en-US" sz="2000" dirty="0">
+              <a:solidFill>
+                <a:srgbClr val="333333"/>
+              </a:solidFill>
+              <a:latin typeface="Helvetica Neue"/>
+            </a:endParaRPr>
+          </a:p>
+          <a:p>
+            <a:pPr lvl="1"/>
+            <a:r>
+              <a:rPr lang="en-US" altLang="zh-CN" sz="2000" spc="41" dirty="0">
+                <a:solidFill>
+                  <a:srgbClr val="24292E"/>
+                </a:solidFill>
+                <a:latin typeface="BlinkMacSystemFont"/>
+              </a:rPr>
+              <a:t>AP</a:t>
+            </a:r>
+            <a:r>
+              <a:rPr lang="zh-CN" altLang="en-US" sz="2000" spc="41" dirty="0">
+                <a:solidFill>
+                  <a:srgbClr val="24292E"/>
+                </a:solidFill>
+                <a:latin typeface="BlinkMacSystemFont"/>
+              </a:rPr>
+              <a:t>：分布式系统中允许数据不一致，一旦节点之间失去联系，为了高可用，每个节点只能用本地数据提供服务，而这样会导致全局数据的不一致性。现在众多</a:t>
+            </a:r>
+            <a:r>
+              <a:rPr lang="en-US" altLang="zh-CN" sz="2000" spc="41" dirty="0">
+                <a:solidFill>
+                  <a:srgbClr val="24292E"/>
+                </a:solidFill>
+                <a:latin typeface="BlinkMacSystemFont"/>
+              </a:rPr>
+              <a:t>NoSQL</a:t>
+            </a:r>
+            <a:r>
+              <a:rPr lang="zh-CN" altLang="en-US" sz="2000" spc="41" dirty="0">
+                <a:solidFill>
+                  <a:srgbClr val="24292E"/>
+                </a:solidFill>
+                <a:latin typeface="BlinkMacSystemFont"/>
+              </a:rPr>
+              <a:t>都属于此类</a:t>
+            </a:r>
+            <a:r>
+              <a:rPr lang="zh-CN" altLang="en-US" spc="41" dirty="0">
+                <a:solidFill>
+                  <a:srgbClr val="24292E"/>
+                </a:solidFill>
+                <a:latin typeface="BlinkMacSystemFont"/>
+              </a:rPr>
+              <a:t>。</a:t>
+            </a:r>
+          </a:p>
+          <a:p>
+            <a:pPr lvl="1"/>
+            <a:endParaRPr lang="zh-CN" altLang="en-US" dirty="0"/>
+          </a:p>
+        </p:txBody>
+      </p:sp>
     </p:spTree>
     <p:extLst>
       <p:ext uri="{BB962C8B-B14F-4D97-AF65-F5344CB8AC3E}">
@@ -16795,10 +17259,29 @@
               <a:defRPr/>
             </a:pPr>
             <a:r>
-              <a:rPr lang="en-US" altLang="zh-CN"/>
-              <a:t>版权归© 2020 Tencent, Inc.或其附属公司所有 保留所有权利 </a:t>
-            </a:r>
-            <a:endParaRPr lang="en-US" altLang="zh-CN" dirty="0"/>
+              <a:rPr lang="en-US" altLang="zh-CN" dirty="0" err="1"/>
+              <a:t>版权归</a:t>
+            </a:r>
+            <a:r>
+              <a:rPr lang="en-US" altLang="zh-CN" dirty="0"/>
+              <a:t>© 2022 Tencent, </a:t>
+            </a:r>
+            <a:r>
+              <a:rPr lang="en-US" altLang="zh-CN" dirty="0" err="1"/>
+              <a:t>Inc.或其附属公司所有</a:t>
+            </a:r>
+            <a:r>
+              <a:rPr lang="en-US" altLang="zh-CN" dirty="0"/>
+              <a:t> </a:t>
+            </a:r>
+            <a:r>
+              <a:rPr lang="en-US" altLang="zh-CN" dirty="0" err="1"/>
+              <a:t>保留所有权利</a:t>
+            </a:r>
+            <a:r>
+              <a:rPr lang="en-US" altLang="zh-CN" dirty="0"/>
+              <a:t> </a:t>
+            </a:r>
           </a:p>
         </p:txBody>
       </p:sp>
@@ -16893,7 +17376,7 @@
               <a:rPr lang="zh-CN" altLang="en-US" dirty="0">
                 <a:sym typeface="+mn-ea"/>
               </a:rPr>
-              <a:t>分布式事务方案</a:t>
+              <a:t>分布式事务方案（续）</a:t>
             </a:r>
           </a:p>
         </p:txBody>
@@ -16962,10 +17445,29 @@
               <a:defRPr/>
             </a:pPr>
             <a:r>
-              <a:rPr lang="en-US" altLang="zh-CN"/>
-              <a:t>版权归© 2020 Tencent, Inc.或其附属公司所有 保留所有权利 </a:t>
-            </a:r>
-            <a:endParaRPr lang="en-US" altLang="zh-CN" dirty="0"/>
+              <a:rPr lang="en-US" altLang="zh-CN" dirty="0" err="1"/>
+              <a:t>版权归</a:t>
+            </a:r>
+            <a:r>
+              <a:rPr lang="en-US" altLang="zh-CN" dirty="0"/>
+              <a:t>© 2022 Tencent, </a:t>
+            </a:r>
+            <a:r>
+              <a:rPr lang="en-US" altLang="zh-CN" dirty="0" err="1"/>
+              <a:t>Inc.或其附属公司所有</a:t>
+            </a:r>
+            <a:r>
+              <a:rPr lang="en-US" altLang="zh-CN" dirty="0"/>
+              <a:t> </a:t>
+            </a:r>
+            <a:r>
+              <a:rPr lang="en-US" altLang="zh-CN" dirty="0" err="1"/>
+              <a:t>保留所有权利</a:t>
+            </a:r>
+            <a:r>
+              <a:rPr lang="en-US" altLang="zh-CN" dirty="0"/>
+              <a:t> </a:t>
+            </a:r>
           </a:p>
         </p:txBody>
       </p:sp>
@@ -17093,10 +17595,29 @@
               <a:defRPr/>
             </a:pPr>
             <a:r>
-              <a:rPr lang="en-US" altLang="zh-CN"/>
-              <a:t>版权归© 2020 Tencent, Inc.或其附属公司所有 保留所有权利 </a:t>
-            </a:r>
-            <a:endParaRPr lang="en-US" altLang="zh-CN" dirty="0"/>
+              <a:rPr lang="en-US" altLang="zh-CN" dirty="0" err="1"/>
+              <a:t>版权归</a:t>
+            </a:r>
+            <a:r>
+              <a:rPr lang="en-US" altLang="zh-CN" dirty="0"/>
+              <a:t>© 2022 Tencent, </a:t>
+            </a:r>
+            <a:r>
+              <a:rPr lang="en-US" altLang="zh-CN" dirty="0" err="1"/>
+              <a:t>Inc.或其附属公司所有</a:t>
+            </a:r>
+            <a:r>
+              <a:rPr lang="en-US" altLang="zh-CN" dirty="0"/>
+              <a:t> </a:t>
+            </a:r>
+            <a:r>
+              <a:rPr lang="en-US" altLang="zh-CN" dirty="0" err="1"/>
+              <a:t>保留所有权利</a:t>
+            </a:r>
+            <a:r>
+              <a:rPr lang="en-US" altLang="zh-CN" dirty="0"/>
+              <a:t> </a:t>
+            </a:r>
           </a:p>
         </p:txBody>
       </p:sp>
@@ -17191,7 +17712,7 @@
               <a:rPr lang="zh-CN" altLang="en-US" dirty="0">
                 <a:sym typeface="+mn-ea"/>
               </a:rPr>
-              <a:t>原子性方案</a:t>
+              <a:t>原子性方案（续）</a:t>
             </a:r>
           </a:p>
         </p:txBody>
@@ -17260,10 +17781,29 @@
               <a:defRPr/>
             </a:pPr>
             <a:r>
-              <a:rPr lang="en-US" altLang="zh-CN"/>
-              <a:t>版权归© 2020 Tencent, Inc.或其附属公司所有 保留所有权利 </a:t>
-            </a:r>
-            <a:endParaRPr lang="en-US" altLang="zh-CN" dirty="0"/>
+              <a:rPr lang="en-US" altLang="zh-CN" dirty="0" err="1"/>
+              <a:t>版权归</a:t>
+            </a:r>
+            <a:r>
+              <a:rPr lang="en-US" altLang="zh-CN" dirty="0"/>
+              <a:t>© 2022 Tencent, </a:t>
+            </a:r>
+            <a:r>
+              <a:rPr lang="en-US" altLang="zh-CN" dirty="0" err="1"/>
+              <a:t>Inc.或其附属公司所有</a:t>
+            </a:r>
+            <a:r>
+              <a:rPr lang="en-US" altLang="zh-CN" dirty="0"/>
+              <a:t> </a:t>
+            </a:r>
+            <a:r>
+              <a:rPr lang="en-US" altLang="zh-CN" dirty="0" err="1"/>
+              <a:t>保留所有权利</a:t>
+            </a:r>
+            <a:r>
+              <a:rPr lang="en-US" altLang="zh-CN" dirty="0"/>
+              <a:t> </a:t>
+            </a:r>
           </a:p>
         </p:txBody>
       </p:sp>
@@ -17358,7 +17898,7 @@
               <a:rPr lang="zh-CN" altLang="en-US" dirty="0">
                 <a:sym typeface="+mn-ea"/>
               </a:rPr>
-              <a:t>原子性方案</a:t>
+              <a:t>原子性方案（续）</a:t>
             </a:r>
           </a:p>
         </p:txBody>
@@ -17427,10 +17967,29 @@
               <a:defRPr/>
             </a:pPr>
             <a:r>
-              <a:rPr lang="en-US" altLang="zh-CN"/>
-              <a:t>版权归© 2020 Tencent, Inc.或其附属公司所有 保留所有权利 </a:t>
-            </a:r>
-            <a:endParaRPr lang="en-US" altLang="zh-CN" dirty="0"/>
+              <a:rPr lang="en-US" altLang="zh-CN" dirty="0" err="1"/>
+              <a:t>版权归</a:t>
+            </a:r>
+            <a:r>
+              <a:rPr lang="en-US" altLang="zh-CN" dirty="0"/>
+              <a:t>© 2022 Tencent, </a:t>
+            </a:r>
+            <a:r>
+              <a:rPr lang="en-US" altLang="zh-CN" dirty="0" err="1"/>
+              <a:t>Inc.或其附属公司所有</a:t>
+            </a:r>
+            <a:r>
+              <a:rPr lang="en-US" altLang="zh-CN" dirty="0"/>
+              <a:t> </a:t>
+            </a:r>
+            <a:r>
+              <a:rPr lang="en-US" altLang="zh-CN" dirty="0" err="1"/>
+              <a:t>保留所有权利</a:t>
+            </a:r>
+            <a:r>
+              <a:rPr lang="en-US" altLang="zh-CN" dirty="0"/>
+              <a:t> </a:t>
+            </a:r>
           </a:p>
         </p:txBody>
       </p:sp>
@@ -17532,122 +18091,6 @@
       </p:sp>
       <p:sp>
         <p:nvSpPr>
-          <p:cNvPr id="22" name="文本框 21"/>
-          <p:cNvSpPr txBox="1"/>
-          <p:nvPr/>
-        </p:nvSpPr>
-        <p:spPr>
-          <a:xfrm>
-            <a:off x="1242391" y="1218344"/>
-            <a:ext cx="9821113" cy="907731"/>
-          </a:xfrm>
-          <a:prstGeom prst="rect">
-            <a:avLst/>
-          </a:prstGeom>
-          <a:noFill/>
-          <a:ln w="12700">
-            <a:noFill/>
-            <a:prstDash val="sysDot"/>
-          </a:ln>
-        </p:spPr>
-        <p:txBody>
-          <a:bodyPr wrap="square" lIns="180000" rtlCol="0">
-            <a:noAutofit/>
-          </a:bodyPr>
-          <a:lstStyle/>
-          <a:p>
-            <a:pPr marL="0" indent="0">
-              <a:buNone/>
-            </a:pPr>
-            <a:r>
-              <a:rPr lang="en-US" altLang="zh-CN" sz="1400" dirty="0"/>
-              <a:t>1</a:t>
-            </a:r>
-            <a:r>
-              <a:rPr lang="zh-CN" altLang="en-US" sz="1400" dirty="0"/>
-              <a:t>、单机事务隔离级别</a:t>
-            </a:r>
-            <a:endParaRPr lang="en-US" altLang="zh-CN" sz="1400" dirty="0"/>
-          </a:p>
-          <a:p>
-            <a:pPr marL="0" indent="0">
-              <a:buNone/>
-            </a:pPr>
-            <a:r>
-              <a:rPr lang="en-US" altLang="zh-CN" sz="1400" dirty="0"/>
-              <a:t>2</a:t>
-            </a:r>
-            <a:r>
-              <a:rPr lang="zh-CN" altLang="en-US" sz="1400" dirty="0"/>
-              <a:t>、分布式事务隔离级别</a:t>
-            </a:r>
-            <a:endParaRPr lang="en-US" altLang="zh-CN" sz="1400" dirty="0"/>
-          </a:p>
-          <a:p>
-            <a:pPr marL="0" indent="0">
-              <a:buNone/>
-            </a:pPr>
-            <a:r>
-              <a:rPr lang="en-US" altLang="zh-CN" sz="1400" b="0" i="0" dirty="0" err="1">
-                <a:effectLst/>
-                <a:latin typeface="-apple-system"/>
-              </a:rPr>
-              <a:t>GoldenDB</a:t>
-            </a:r>
-            <a:r>
-              <a:rPr lang="zh-CN" altLang="en-US" sz="1400" b="0" i="0" dirty="0">
-                <a:effectLst/>
-                <a:latin typeface="-apple-system"/>
-              </a:rPr>
-              <a:t>中数据节点的隔离级别是默认</a:t>
-            </a:r>
-            <a:r>
-              <a:rPr lang="en-US" altLang="zh-CN" sz="1400" b="0" i="0" dirty="0">
-                <a:effectLst/>
-                <a:latin typeface="-apple-system"/>
-              </a:rPr>
-              <a:t>RC</a:t>
-            </a:r>
-            <a:r>
-              <a:rPr lang="zh-CN" altLang="en-US" sz="1400" b="0" i="0" dirty="0">
-                <a:effectLst/>
-                <a:latin typeface="-apple-system"/>
-              </a:rPr>
-              <a:t>隔离级别，计算节点</a:t>
-            </a:r>
-            <a:r>
-              <a:rPr lang="en-US" altLang="zh-CN" sz="1400" b="0" i="0" dirty="0">
-                <a:effectLst/>
-                <a:latin typeface="-apple-system"/>
-              </a:rPr>
-              <a:t>proxy</a:t>
-            </a:r>
-            <a:r>
-              <a:rPr lang="zh-CN" altLang="en-US" sz="1400" b="0" i="0" dirty="0">
-                <a:effectLst/>
-                <a:latin typeface="-apple-system"/>
-              </a:rPr>
-              <a:t>分为读语句和写语句不同的隔离级别，如表所示：</a:t>
-            </a:r>
-            <a:endParaRPr lang="zh-CN" altLang="en-US" sz="1400" dirty="0"/>
-          </a:p>
-          <a:p>
-            <a:pPr marL="228600" indent="-228600" defTabSz="914400">
-              <a:spcBef>
-                <a:spcPts val="1000"/>
-              </a:spcBef>
-              <a:buFont typeface="Arial" panose="020B0604020202020204" pitchFamily="34" charset="0"/>
-              <a:buChar char="•"/>
-            </a:pPr>
-            <a:endParaRPr lang="zh-CN" altLang="en-US" sz="1400" dirty="0">
-              <a:latin typeface="微软雅黑" panose="020B0503020204020204" pitchFamily="34" charset="-122"/>
-              <a:ea typeface="微软雅黑" panose="020B0503020204020204" pitchFamily="34" charset="-122"/>
-            </a:endParaRPr>
-          </a:p>
-        </p:txBody>
-      </p:sp>
-      <p:sp>
-        <p:nvSpPr>
           <p:cNvPr id="5" name="页脚占位符 1"/>
           <p:cNvSpPr>
             <a:spLocks noGrp="1"/>
@@ -17670,10 +18113,29 @@
               <a:defRPr/>
             </a:pPr>
             <a:r>
-              <a:rPr lang="en-US" altLang="zh-CN"/>
-              <a:t>版权归© 2020 Tencent, Inc.或其附属公司所有 保留所有权利 </a:t>
-            </a:r>
-            <a:endParaRPr lang="en-US" altLang="zh-CN" dirty="0"/>
+              <a:rPr lang="en-US" altLang="zh-CN" dirty="0" err="1"/>
+              <a:t>版权归</a:t>
+            </a:r>
+            <a:r>
+              <a:rPr lang="en-US" altLang="zh-CN" dirty="0"/>
+              <a:t>© 2022 Tencent, </a:t>
+            </a:r>
+            <a:r>
+              <a:rPr lang="en-US" altLang="zh-CN" dirty="0" err="1"/>
+              <a:t>Inc.或其附属公司所有</a:t>
+            </a:r>
+            <a:r>
+              <a:rPr lang="en-US" altLang="zh-CN" dirty="0"/>
+              <a:t> </a:t>
+            </a:r>
+            <a:r>
+              <a:rPr lang="en-US" altLang="zh-CN" dirty="0" err="1"/>
+              <a:t>保留所有权利</a:t>
+            </a:r>
+            <a:r>
+              <a:rPr lang="en-US" altLang="zh-CN" dirty="0"/>
+              <a:t> </a:t>
+            </a:r>
           </a:p>
         </p:txBody>
       </p:sp>
@@ -17705,7 +18167,7 @@
         </p:blipFill>
         <p:spPr>
           <a:xfrm>
-            <a:off x="1128496" y="2034129"/>
+            <a:off x="1130631" y="2816740"/>
             <a:ext cx="9801225" cy="2562225"/>
           </a:xfrm>
           <a:prstGeom prst="rect">
@@ -17713,6 +18175,59 @@
           </a:prstGeom>
         </p:spPr>
       </p:pic>
+      <p:sp>
+        <p:nvSpPr>
+          <p:cNvPr id="6" name="内容占位符 4">
+            <a:extLst>
+              <a:ext uri="{FF2B5EF4-FFF2-40B4-BE49-F238E27FC236}">
+                <a16:creationId xmlns:a16="http://schemas.microsoft.com/office/drawing/2014/main" id="{F9026E3E-7773-453D-BED9-ECDFA9A1DF67}"/>
+              </a:ext>
+            </a:extLst>
+          </p:cNvPr>
+          <p:cNvSpPr>
+            <a:spLocks noGrp="1"/>
+          </p:cNvSpPr>
+          <p:nvPr>
+            <p:ph idx="1"/>
+          </p:nvPr>
+        </p:nvSpPr>
+        <p:spPr>
+          <a:xfrm>
+            <a:off x="965201" y="1136946"/>
+            <a:ext cx="10658399" cy="1623202"/>
+          </a:xfrm>
+        </p:spPr>
+        <p:txBody>
+          <a:bodyPr/>
+          <a:lstStyle/>
+          <a:p>
+            <a:r>
+              <a:rPr lang="zh-CN" altLang="en-US" dirty="0"/>
+              <a:t>数据库隔离级别</a:t>
+            </a:r>
+          </a:p>
+          <a:p>
+            <a:pPr lvl="1"/>
+            <a:r>
+              <a:rPr lang="zh-CN" altLang="en-US" sz="1800" dirty="0"/>
+              <a:t>计算节点隔离级别：读语句、写语句隔离级别</a:t>
+            </a:r>
+            <a:endParaRPr lang="en-US" altLang="zh-CN" sz="1800" dirty="0"/>
+          </a:p>
+          <a:p>
+            <a:pPr lvl="1"/>
+            <a:r>
+              <a:rPr lang="zh-CN" altLang="en-US" sz="1800" dirty="0"/>
+              <a:t>数据节点隔离级别：默认</a:t>
+            </a:r>
+            <a:r>
+              <a:rPr lang="en-US" altLang="zh-CN" sz="1800" dirty="0"/>
+              <a:t>RC</a:t>
+            </a:r>
+            <a:endParaRPr lang="zh-CN" altLang="en-US" sz="1800" dirty="0"/>
+          </a:p>
+        </p:txBody>
+      </p:sp>
     </p:spTree>
     <p:extLst>
       <p:ext uri="{BB962C8B-B14F-4D97-AF65-F5344CB8AC3E}">
@@ -17768,7 +18283,7 @@
               <a:rPr lang="zh-CN" altLang="en-US" dirty="0">
                 <a:sym typeface="+mn-ea"/>
               </a:rPr>
-              <a:t>隔离性：一致性读</a:t>
+              <a:t>隔离性方案（续）</a:t>
             </a:r>
           </a:p>
         </p:txBody>
@@ -17837,10 +18352,29 @@
               <a:defRPr/>
             </a:pPr>
             <a:r>
-              <a:rPr lang="en-US" altLang="zh-CN"/>
-              <a:t>版权归© 2020 Tencent, Inc.或其附属公司所有 保留所有权利 </a:t>
-            </a:r>
-            <a:endParaRPr lang="en-US" altLang="zh-CN" dirty="0"/>
+              <a:rPr lang="en-US" altLang="zh-CN" dirty="0" err="1"/>
+              <a:t>版权归</a:t>
+            </a:r>
+            <a:r>
+              <a:rPr lang="en-US" altLang="zh-CN" dirty="0"/>
+              <a:t>© 2022 Tencent, </a:t>
+            </a:r>
+            <a:r>
+              <a:rPr lang="en-US" altLang="zh-CN" dirty="0" err="1"/>
+              <a:t>Inc.或其附属公司所有</a:t>
+            </a:r>
+            <a:r>
+              <a:rPr lang="en-US" altLang="zh-CN" dirty="0"/>
+              <a:t> </a:t>
+            </a:r>
+            <a:r>
+              <a:rPr lang="en-US" altLang="zh-CN" dirty="0" err="1"/>
+              <a:t>保留所有权利</a:t>
+            </a:r>
+            <a:r>
+              <a:rPr lang="en-US" altLang="zh-CN" dirty="0"/>
+              <a:t> </a:t>
+            </a:r>
           </a:p>
         </p:txBody>
       </p:sp>
@@ -17872,14 +18406,94 @@
         </p:blipFill>
         <p:spPr>
           <a:xfrm>
-            <a:off x="1580184" y="1136946"/>
-            <a:ext cx="8946228" cy="4886017"/>
+            <a:off x="5174600" y="1208405"/>
+            <a:ext cx="7139971" cy="3899523"/>
           </a:xfrm>
           <a:prstGeom prst="rect">
             <a:avLst/>
           </a:prstGeom>
         </p:spPr>
       </p:pic>
+      <p:sp>
+        <p:nvSpPr>
+          <p:cNvPr id="7" name="内容占位符 4">
+            <a:extLst>
+              <a:ext uri="{FF2B5EF4-FFF2-40B4-BE49-F238E27FC236}">
+                <a16:creationId xmlns:a16="http://schemas.microsoft.com/office/drawing/2014/main" id="{6ABCEE20-ED5B-44FC-8182-DA580CCDEDD8}"/>
+              </a:ext>
+            </a:extLst>
+          </p:cNvPr>
+          <p:cNvSpPr>
+            <a:spLocks noGrp="1"/>
+          </p:cNvSpPr>
+          <p:nvPr>
+            <p:ph idx="1"/>
+          </p:nvPr>
+        </p:nvSpPr>
+        <p:spPr>
+          <a:xfrm>
+            <a:off x="889001" y="1151212"/>
+            <a:ext cx="4521199" cy="4182788"/>
+          </a:xfrm>
+        </p:spPr>
+        <p:txBody>
+          <a:bodyPr/>
+          <a:lstStyle/>
+          <a:p>
+            <a:r>
+              <a:rPr lang="zh-CN" altLang="en-US" dirty="0"/>
+              <a:t>一致性读</a:t>
+            </a:r>
+          </a:p>
+          <a:p>
+            <a:pPr lvl="1"/>
+            <a:r>
+              <a:rPr lang="zh-CN" altLang="en-US" sz="1800" dirty="0"/>
+              <a:t>计算节点隔离级别为</a:t>
+            </a:r>
+            <a:r>
+              <a:rPr lang="en-US" altLang="zh-CN" sz="1800" dirty="0"/>
+              <a:t>UR</a:t>
+            </a:r>
+            <a:r>
+              <a:rPr lang="zh-CN" altLang="en-US" sz="1800" dirty="0"/>
+              <a:t>时，不校验</a:t>
+            </a:r>
+            <a:r>
+              <a:rPr lang="en-US" altLang="zh-CN" sz="1800" dirty="0"/>
+              <a:t>GTID</a:t>
+            </a:r>
+            <a:r>
+              <a:rPr lang="zh-CN" altLang="en-US" sz="1800" dirty="0"/>
+              <a:t>活跃性；</a:t>
+            </a:r>
+            <a:endParaRPr lang="en-US" altLang="zh-CN" sz="1800" dirty="0"/>
+          </a:p>
+          <a:p>
+            <a:pPr lvl="1"/>
+            <a:r>
+              <a:rPr lang="zh-CN" altLang="en-US" sz="1800" dirty="0"/>
+              <a:t>计算节点隔离级别为</a:t>
+            </a:r>
+            <a:r>
+              <a:rPr lang="en-US" altLang="zh-CN" sz="1800" dirty="0"/>
+              <a:t>CR</a:t>
+            </a:r>
+            <a:r>
+              <a:rPr lang="zh-CN" altLang="en-US" sz="1800" dirty="0"/>
+              <a:t>时，校验</a:t>
+            </a:r>
+            <a:r>
+              <a:rPr lang="en-US" altLang="zh-CN" sz="1800" dirty="0"/>
+              <a:t>GTID</a:t>
+            </a:r>
+            <a:r>
+              <a:rPr lang="zh-CN" altLang="en-US" sz="1800" dirty="0"/>
+              <a:t>活跃性：如果是活跃状态，表明该数据在未提交事务中，不能返回给客户端，需要返回旧版本的数据，如果是非活跃状态，则可以直接返回。</a:t>
+            </a:r>
+          </a:p>
+        </p:txBody>
+      </p:sp>
     </p:spTree>
     <p:extLst>
       <p:ext uri="{BB962C8B-B14F-4D97-AF65-F5344CB8AC3E}">
@@ -17935,19 +18549,7 @@
               <a:rPr lang="zh-CN" altLang="en-US" dirty="0">
                 <a:sym typeface="+mn-ea"/>
               </a:rPr>
-              <a:t>隔离性：</a:t>
-            </a:r>
-            <a:r>
-              <a:rPr lang="en-US" altLang="zh-CN" dirty="0">
-                <a:sym typeface="+mn-ea"/>
-              </a:rPr>
-              <a:t>MVCC</a:t>
-            </a:r>
-            <a:r>
-              <a:rPr lang="zh-CN" altLang="en-US" dirty="0">
-                <a:sym typeface="+mn-ea"/>
-              </a:rPr>
-              <a:t>一致性读</a:t>
+              <a:t>隔离性方案（续）</a:t>
             </a:r>
           </a:p>
         </p:txBody>
@@ -18016,10 +18618,29 @@
               <a:defRPr/>
             </a:pPr>
             <a:r>
-              <a:rPr lang="en-US" altLang="zh-CN"/>
-              <a:t>版权归© 2020 Tencent, Inc.或其附属公司所有 保留所有权利 </a:t>
-            </a:r>
-            <a:endParaRPr lang="en-US" altLang="zh-CN" dirty="0"/>
+              <a:rPr lang="en-US" altLang="zh-CN" dirty="0" err="1"/>
+              <a:t>版权归</a:t>
+            </a:r>
+            <a:r>
+              <a:rPr lang="en-US" altLang="zh-CN" dirty="0"/>
+              <a:t>© 2022 Tencent, </a:t>
+            </a:r>
+            <a:r>
+              <a:rPr lang="en-US" altLang="zh-CN" dirty="0" err="1"/>
+              <a:t>Inc.或其附属公司所有</a:t>
+            </a:r>
+            <a:r>
+              <a:rPr lang="en-US" altLang="zh-CN" dirty="0"/>
+              <a:t> </a:t>
+            </a:r>
+            <a:r>
+              <a:rPr lang="en-US" altLang="zh-CN" dirty="0" err="1"/>
+              <a:t>保留所有权利</a:t>
+            </a:r>
+            <a:r>
+              <a:rPr lang="en-US" altLang="zh-CN" dirty="0"/>
+              <a:t> </a:t>
+            </a:r>
           </a:p>
         </p:txBody>
       </p:sp>
@@ -18051,14 +18672,126 @@
         </p:blipFill>
         <p:spPr>
           <a:xfrm>
-            <a:off x="1809151" y="1089007"/>
-            <a:ext cx="8667750" cy="4876800"/>
+            <a:off x="5144099" y="1578429"/>
+            <a:ext cx="7235861" cy="4071166"/>
           </a:xfrm>
           <a:prstGeom prst="rect">
             <a:avLst/>
           </a:prstGeom>
         </p:spPr>
       </p:pic>
+      <p:sp>
+        <p:nvSpPr>
+          <p:cNvPr id="6" name="内容占位符 4">
+            <a:extLst>
+              <a:ext uri="{FF2B5EF4-FFF2-40B4-BE49-F238E27FC236}">
+                <a16:creationId xmlns:a16="http://schemas.microsoft.com/office/drawing/2014/main" id="{4E48580D-BCF5-4650-8FFE-1DA59CC9BDBA}"/>
+              </a:ext>
+            </a:extLst>
+          </p:cNvPr>
+          <p:cNvSpPr>
+            <a:spLocks noGrp="1"/>
+          </p:cNvSpPr>
+          <p:nvPr>
+            <p:ph idx="1"/>
+          </p:nvPr>
+        </p:nvSpPr>
+        <p:spPr>
+          <a:xfrm>
+            <a:off x="889001" y="1151212"/>
+            <a:ext cx="4521199" cy="5031148"/>
+          </a:xfrm>
+        </p:spPr>
+        <p:txBody>
+          <a:bodyPr/>
+          <a:lstStyle/>
+          <a:p>
+            <a:r>
+              <a:rPr lang="en-US" altLang="zh-CN" dirty="0"/>
+              <a:t>MVCC</a:t>
+            </a:r>
+            <a:r>
+              <a:rPr lang="zh-CN" altLang="en-US" dirty="0"/>
+              <a:t>模式一致性读</a:t>
+            </a:r>
+          </a:p>
+          <a:p>
+            <a:pPr lvl="1"/>
+            <a:r>
+              <a:rPr lang="zh-CN" altLang="en-US" sz="1800" dirty="0"/>
+              <a:t>一致性读存在一些问题：对于聚合函数采用</a:t>
+            </a:r>
+            <a:r>
+              <a:rPr lang="en-US" altLang="zh-CN" sz="1800" dirty="0"/>
+              <a:t>lock in share mode</a:t>
+            </a:r>
+            <a:r>
+              <a:rPr lang="zh-CN" altLang="en-US" sz="1800" dirty="0"/>
+              <a:t>，存在一致性问题，事务活跃性在</a:t>
+            </a:r>
+            <a:r>
+              <a:rPr lang="en-US" altLang="zh-CN" sz="1800" dirty="0"/>
+              <a:t>proxy</a:t>
+            </a:r>
+            <a:r>
+              <a:rPr lang="zh-CN" altLang="en-US" sz="1800" dirty="0"/>
+              <a:t>进行，增加</a:t>
+            </a:r>
+            <a:r>
+              <a:rPr lang="en-US" altLang="zh-CN" sz="1800" dirty="0"/>
+              <a:t>proxy</a:t>
+            </a:r>
+            <a:r>
+              <a:rPr lang="zh-CN" altLang="en-US" sz="1800" dirty="0"/>
+              <a:t>的内存开销和网络开销；</a:t>
+            </a:r>
+            <a:endParaRPr lang="en-US" altLang="zh-CN" sz="1800" dirty="0"/>
+          </a:p>
+          <a:p>
+            <a:pPr lvl="1"/>
+            <a:r>
+              <a:rPr lang="en-US" altLang="zh-CN" sz="1800" dirty="0"/>
+              <a:t>MVCC</a:t>
+            </a:r>
+            <a:r>
+              <a:rPr lang="zh-CN" altLang="en-US" sz="1800" dirty="0"/>
+              <a:t>模式一致性读：将获取</a:t>
+            </a:r>
+            <a:r>
+              <a:rPr lang="en-US" altLang="zh-CN" sz="1800" dirty="0"/>
+              <a:t>GTID</a:t>
+            </a:r>
+            <a:r>
+              <a:rPr lang="zh-CN" altLang="en-US" sz="1800" dirty="0"/>
+              <a:t>列表在</a:t>
+            </a:r>
+            <a:r>
+              <a:rPr lang="en-US" altLang="zh-CN" sz="1800" dirty="0"/>
+              <a:t>hint</a:t>
+            </a:r>
+            <a:r>
+              <a:rPr lang="zh-CN" altLang="en-US" sz="1800" dirty="0"/>
+              <a:t>中下推给</a:t>
+            </a:r>
+            <a:r>
+              <a:rPr lang="en-US" altLang="zh-CN" sz="1800" dirty="0"/>
+              <a:t>DB</a:t>
+            </a:r>
+            <a:r>
+              <a:rPr lang="zh-CN" altLang="en-US" sz="1800" dirty="0"/>
+              <a:t>，即事务活跃性在数据节点执行，避免了计算节点获取所有结果集进行活跃判断而导致</a:t>
+            </a:r>
+            <a:r>
+              <a:rPr lang="en-US" altLang="zh-CN" sz="1800" dirty="0"/>
+              <a:t>proxy</a:t>
+            </a:r>
+            <a:r>
+              <a:rPr lang="zh-CN" altLang="en-US" sz="1800" dirty="0"/>
+              <a:t>内存开销增大的风险。</a:t>
+            </a:r>
+          </a:p>
+        </p:txBody>
+      </p:sp>
     </p:spTree>
     <p:extLst>
       <p:ext uri="{BB962C8B-B14F-4D97-AF65-F5344CB8AC3E}">
@@ -18114,7 +18847,7 @@
               <a:rPr lang="zh-CN" altLang="en-US" dirty="0">
                 <a:sym typeface="+mn-ea"/>
               </a:rPr>
-              <a:t>隔离性：一致性写</a:t>
+              <a:t>隔离性方案（续）</a:t>
             </a:r>
           </a:p>
         </p:txBody>
@@ -18183,10 +18916,29 @@
               <a:defRPr/>
             </a:pPr>
             <a:r>
-              <a:rPr lang="en-US" altLang="zh-CN"/>
-              <a:t>版权归© 2020 Tencent, Inc.或其附属公司所有 保留所有权利 </a:t>
-            </a:r>
-            <a:endParaRPr lang="en-US" altLang="zh-CN" dirty="0"/>
+              <a:rPr lang="en-US" altLang="zh-CN" dirty="0" err="1"/>
+              <a:t>版权归</a:t>
+            </a:r>
+            <a:r>
+              <a:rPr lang="en-US" altLang="zh-CN" dirty="0"/>
+              <a:t>© 2022 Tencent, </a:t>
+            </a:r>
+            <a:r>
+              <a:rPr lang="en-US" altLang="zh-CN" dirty="0" err="1"/>
+              <a:t>Inc.或其附属公司所有</a:t>
+            </a:r>
+            <a:r>
+              <a:rPr lang="en-US" altLang="zh-CN" dirty="0"/>
+              <a:t> </a:t>
+            </a:r>
+            <a:r>
+              <a:rPr lang="en-US" altLang="zh-CN" dirty="0" err="1"/>
+              <a:t>保留所有权利</a:t>
+            </a:r>
+            <a:r>
+              <a:rPr lang="en-US" altLang="zh-CN" dirty="0"/>
+              <a:t> </a:t>
+            </a:r>
           </a:p>
         </p:txBody>
       </p:sp>
@@ -18218,7 +18970,7 @@
         </p:blipFill>
         <p:spPr>
           <a:xfrm>
-            <a:off x="1762125" y="990600"/>
+            <a:off x="1503045" y="1351280"/>
             <a:ext cx="8667750" cy="4876800"/>
           </a:xfrm>
           <a:prstGeom prst="rect">
@@ -18486,9 +19238,9 @@
           <p:nvPr/>
         </p:nvSpPr>
         <p:spPr>
-          <a:xfrm>
-            <a:off x="5015880" y="2702043"/>
-            <a:ext cx="4079148" cy="0"/>
+          <a:xfrm flipV="1">
+            <a:off x="5015880" y="2687184"/>
+            <a:ext cx="5350802" cy="14859"/>
           </a:xfrm>
           <a:prstGeom prst="line">
             <a:avLst/>
@@ -19469,7 +20221,7 @@
             </a:r>
             <a:r>
               <a:rPr lang="en-US" altLang="zh-CN" dirty="0"/>
-              <a:t>© 2020 Tencent, </a:t>
+              <a:t>© 2022 Tencent, </a:t>
             </a:r>
             <a:r>
               <a:rPr lang="en-US" altLang="zh-CN" dirty="0" err="1"/>
@@ -19489,57 +20241,6 @@
             </a:r>
           </a:p>
         </p:txBody>
-      </p:sp>
-      <p:sp>
-        <p:nvSpPr>
-          <p:cNvPr id="4" name="直接连接符 3"/>
-          <p:cNvSpPr/>
-          <p:nvPr/>
-        </p:nvSpPr>
-        <p:spPr>
-          <a:xfrm>
-            <a:off x="5388620" y="4994702"/>
-            <a:ext cx="3263318" cy="0"/>
-          </a:xfrm>
-          <a:prstGeom prst="line">
-            <a:avLst/>
-          </a:prstGeom>
-        </p:spPr>
-        <p:style>
-          <a:lnRef idx="2">
-            <a:schemeClr val="accent1">
-              <a:tint val="50000"/>
-              <a:hueOff val="0"/>
-              <a:satOff val="0"/>
-              <a:lumOff val="0"/>
-              <a:alphaOff val="0"/>
-            </a:schemeClr>
-          </a:lnRef>
-          <a:fillRef idx="1">
-            <a:schemeClr val="accent1">
-              <a:hueOff val="0"/>
-              <a:satOff val="0"/>
-              <a:lumOff val="0"/>
-              <a:alphaOff val="0"/>
-            </a:schemeClr>
-          </a:fillRef>
-          <a:effectRef idx="0">
-            <a:schemeClr val="accent1">
-              <a:hueOff val="0"/>
-              <a:satOff val="0"/>
-              <a:lumOff val="0"/>
-              <a:alphaOff val="0"/>
-            </a:schemeClr>
-          </a:effectRef>
-          <a:fontRef idx="minor">
-            <a:schemeClr val="tx1">
-              <a:hueOff val="0"/>
-              <a:satOff val="0"/>
-              <a:lumOff val="0"/>
-              <a:alphaOff val="0"/>
-            </a:schemeClr>
-          </a:fontRef>
-        </p:style>
       </p:sp>
       <p:sp>
         <p:nvSpPr>
@@ -19549,7 +20250,7 @@
         </p:nvSpPr>
         <p:spPr>
           <a:xfrm>
-            <a:off x="5456733" y="5005713"/>
+            <a:off x="5456733" y="5020661"/>
             <a:ext cx="3202131" cy="744062"/>
           </a:xfrm>
           <a:custGeom>
@@ -20779,15 +21480,7 @@
             </a:r>
             <a:r>
               <a:rPr lang="en-US" altLang="zh-CN" dirty="0"/>
-              <a:t>© 2020 </a:t>
-            </a:r>
-            <a:r>
-              <a:rPr lang="en-US" altLang="zh-CN" dirty="0" err="1"/>
-              <a:t>Tencent</a:t>
-            </a:r>
-            <a:r>
-              <a:rPr lang="en-US" altLang="zh-CN" dirty="0"/>
-              <a:t>, </a:t>
+              <a:t>© 2022 Tencent, </a:t>
             </a:r>
             <a:r>
               <a:rPr lang="en-US" altLang="zh-CN" dirty="0" err="1"/>
@@ -21326,10 +22019,29 @@
               <a:defRPr/>
             </a:pPr>
             <a:r>
-              <a:rPr lang="en-US" altLang="zh-CN"/>
-              <a:t>版权归© 2020 Tencent, Inc.或其附属公司所有 保留所有权利 </a:t>
-            </a:r>
-            <a:endParaRPr lang="en-US" altLang="zh-CN" dirty="0"/>
+              <a:rPr lang="en-US" altLang="zh-CN" dirty="0" err="1"/>
+              <a:t>版权归</a:t>
+            </a:r>
+            <a:r>
+              <a:rPr lang="en-US" altLang="zh-CN" dirty="0"/>
+              <a:t>© 2022 Tencent, </a:t>
+            </a:r>
+            <a:r>
+              <a:rPr lang="en-US" altLang="zh-CN" dirty="0" err="1"/>
+              <a:t>Inc.或其附属公司所有</a:t>
+            </a:r>
+            <a:r>
+              <a:rPr lang="en-US" altLang="zh-CN" dirty="0"/>
+              <a:t> </a:t>
+            </a:r>
+            <a:r>
+              <a:rPr lang="en-US" altLang="zh-CN" dirty="0" err="1"/>
+              <a:t>保留所有权利</a:t>
+            </a:r>
+            <a:r>
+              <a:rPr lang="en-US" altLang="zh-CN" dirty="0"/>
+              <a:t> </a:t>
+            </a:r>
           </a:p>
         </p:txBody>
       </p:sp>
@@ -21415,7 +22127,7 @@
             </a:r>
             <a:r>
               <a:rPr lang="zh-CN" altLang="en-US" dirty="0"/>
-              <a:t>组件高可用：计算节点</a:t>
+              <a:t>组件高可用</a:t>
             </a:r>
             <a:endParaRPr lang="zh-CN" altLang="zh-CN" dirty="0"/>
           </a:p>
@@ -21445,10 +22157,29 @@
               <a:defRPr/>
             </a:pPr>
             <a:r>
-              <a:rPr lang="en-US" altLang="zh-CN"/>
-              <a:t>版权归© 2020 Tencent, Inc.或其附属公司所有 保留所有权利 </a:t>
-            </a:r>
-            <a:endParaRPr lang="en-US" altLang="zh-CN" dirty="0"/>
+              <a:rPr lang="en-US" altLang="zh-CN" dirty="0" err="1"/>
+              <a:t>版权归</a:t>
+            </a:r>
+            <a:r>
+              <a:rPr lang="en-US" altLang="zh-CN" dirty="0"/>
+              <a:t>© 2022 Tencent, </a:t>
+            </a:r>
+            <a:r>
+              <a:rPr lang="en-US" altLang="zh-CN" dirty="0" err="1"/>
+              <a:t>Inc.或其附属公司所有</a:t>
+            </a:r>
+            <a:r>
+              <a:rPr lang="en-US" altLang="zh-CN" dirty="0"/>
+              <a:t> </a:t>
+            </a:r>
+            <a:r>
+              <a:rPr lang="en-US" altLang="zh-CN" dirty="0" err="1"/>
+              <a:t>保留所有权利</a:t>
+            </a:r>
+            <a:r>
+              <a:rPr lang="en-US" altLang="zh-CN" dirty="0"/>
+              <a:t> </a:t>
+            </a:r>
           </a:p>
         </p:txBody>
       </p:sp>
@@ -21480,7 +22211,7 @@
         </p:blipFill>
         <p:spPr>
           <a:xfrm>
-            <a:off x="1824014" y="1390928"/>
+            <a:off x="1884974" y="2560320"/>
             <a:ext cx="8211726" cy="3798126"/>
           </a:xfrm>
           <a:prstGeom prst="rect">
@@ -21488,6 +22219,106 @@
           </a:prstGeom>
         </p:spPr>
       </p:pic>
+      <p:sp>
+        <p:nvSpPr>
+          <p:cNvPr id="6" name="内容占位符 4">
+            <a:extLst>
+              <a:ext uri="{FF2B5EF4-FFF2-40B4-BE49-F238E27FC236}">
+                <a16:creationId xmlns:a16="http://schemas.microsoft.com/office/drawing/2014/main" id="{AA50D45E-12EC-485F-B66B-CCF27EF993AB}"/>
+              </a:ext>
+            </a:extLst>
+          </p:cNvPr>
+          <p:cNvSpPr>
+            <a:spLocks noGrp="1"/>
+          </p:cNvSpPr>
+          <p:nvPr>
+            <p:ph idx="1"/>
+          </p:nvPr>
+        </p:nvSpPr>
+        <p:spPr>
+          <a:xfrm>
+            <a:off x="889001" y="1151212"/>
+            <a:ext cx="10561319" cy="1409108"/>
+          </a:xfrm>
+        </p:spPr>
+        <p:txBody>
+          <a:bodyPr/>
+          <a:lstStyle/>
+          <a:p>
+            <a:r>
+              <a:rPr lang="zh-CN" altLang="en-US" dirty="0"/>
+              <a:t>计算节点高可用</a:t>
+            </a:r>
+          </a:p>
+          <a:p>
+            <a:pPr lvl="1"/>
+            <a:r>
+              <a:rPr lang="zh-CN" altLang="en-US" sz="1800" dirty="0"/>
+              <a:t>如果某个</a:t>
+            </a:r>
+            <a:r>
+              <a:rPr lang="en-US" altLang="zh-CN" sz="1800" dirty="0"/>
+              <a:t>proxy</a:t>
+            </a:r>
+            <a:r>
+              <a:rPr lang="zh-CN" altLang="en-US" sz="1800" dirty="0"/>
+              <a:t>故障，</a:t>
+            </a:r>
+            <a:r>
+              <a:rPr lang="en-US" altLang="zh-CN" sz="1800" dirty="0"/>
+              <a:t>PM</a:t>
+            </a:r>
+            <a:r>
+              <a:rPr lang="zh-CN" altLang="en-US" sz="1800" dirty="0"/>
+              <a:t>会剔除该</a:t>
+            </a:r>
+            <a:r>
+              <a:rPr lang="en-US" altLang="zh-CN" sz="1800" dirty="0"/>
+              <a:t>proxy</a:t>
+            </a:r>
+            <a:r>
+              <a:rPr lang="zh-CN" altLang="en-US" sz="1800" dirty="0"/>
+              <a:t>，前端链路就不会分配到该故障</a:t>
+            </a:r>
+            <a:r>
+              <a:rPr lang="en-US" altLang="zh-CN" sz="1800" dirty="0"/>
+              <a:t>proxy</a:t>
+            </a:r>
+          </a:p>
+          <a:p>
+            <a:pPr lvl="1"/>
+            <a:r>
+              <a:rPr lang="zh-CN" altLang="en-US" sz="1800" dirty="0"/>
+              <a:t>如果该故障</a:t>
+            </a:r>
+            <a:r>
+              <a:rPr lang="en-US" altLang="zh-CN" sz="1800" dirty="0"/>
+              <a:t>proxy</a:t>
+            </a:r>
+            <a:r>
+              <a:rPr lang="zh-CN" altLang="en-US" sz="1800" dirty="0"/>
+              <a:t>上存在残留未提交事务，</a:t>
+            </a:r>
+            <a:r>
+              <a:rPr lang="en-US" altLang="zh-CN" sz="1800" dirty="0"/>
+              <a:t>PM</a:t>
+            </a:r>
+            <a:r>
+              <a:rPr lang="zh-CN" altLang="en-US" sz="1800" dirty="0"/>
+              <a:t>会通过其他正常的</a:t>
+            </a:r>
+            <a:r>
+              <a:rPr lang="en-US" altLang="zh-CN" sz="1800" dirty="0"/>
+              <a:t>proxy</a:t>
+            </a:r>
+            <a:r>
+              <a:rPr lang="zh-CN" altLang="en-US" sz="1800" dirty="0"/>
+              <a:t>去回滚对应的事务</a:t>
+            </a:r>
+            <a:endParaRPr lang="en-US" altLang="zh-CN" sz="1800" dirty="0"/>
+          </a:p>
+        </p:txBody>
+      </p:sp>
     </p:spTree>
     <p:extLst>
       <p:ext uri="{BB962C8B-B14F-4D97-AF65-F5344CB8AC3E}">
@@ -21539,7 +22370,7 @@
             </a:r>
             <a:r>
               <a:rPr lang="zh-CN" altLang="en-US" dirty="0"/>
-              <a:t>组件高可用：数据节点</a:t>
+              <a:t>组件高可用（续）</a:t>
             </a:r>
             <a:endParaRPr lang="zh-CN" altLang="zh-CN" dirty="0"/>
           </a:p>
@@ -21569,10 +22400,29 @@
               <a:defRPr/>
             </a:pPr>
             <a:r>
-              <a:rPr lang="en-US" altLang="zh-CN"/>
-              <a:t>版权归© 2020 Tencent, Inc.或其附属公司所有 保留所有权利 </a:t>
-            </a:r>
-            <a:endParaRPr lang="en-US" altLang="zh-CN" dirty="0"/>
+              <a:rPr lang="en-US" altLang="zh-CN" dirty="0" err="1"/>
+              <a:t>版权归</a:t>
+            </a:r>
+            <a:r>
+              <a:rPr lang="en-US" altLang="zh-CN" dirty="0"/>
+              <a:t>© 2022 Tencent, </a:t>
+            </a:r>
+            <a:r>
+              <a:rPr lang="en-US" altLang="zh-CN" dirty="0" err="1"/>
+              <a:t>Inc.或其附属公司所有</a:t>
+            </a:r>
+            <a:r>
+              <a:rPr lang="en-US" altLang="zh-CN" dirty="0"/>
+              <a:t> </a:t>
+            </a:r>
+            <a:r>
+              <a:rPr lang="en-US" altLang="zh-CN" dirty="0" err="1"/>
+              <a:t>保留所有权利</a:t>
+            </a:r>
+            <a:r>
+              <a:rPr lang="en-US" altLang="zh-CN" dirty="0"/>
+              <a:t> </a:t>
+            </a:r>
           </a:p>
         </p:txBody>
       </p:sp>
@@ -21604,7 +22454,7 @@
         </p:blipFill>
         <p:spPr>
           <a:xfrm>
-            <a:off x="1118564" y="1364419"/>
+            <a:off x="1174444" y="2082205"/>
             <a:ext cx="8786638" cy="4548377"/>
           </a:xfrm>
           <a:prstGeom prst="rect">
@@ -21612,6 +22462,79 @@
           </a:prstGeom>
         </p:spPr>
       </p:pic>
+      <p:sp>
+        <p:nvSpPr>
+          <p:cNvPr id="5" name="内容占位符 4">
+            <a:extLst>
+              <a:ext uri="{FF2B5EF4-FFF2-40B4-BE49-F238E27FC236}">
+                <a16:creationId xmlns:a16="http://schemas.microsoft.com/office/drawing/2014/main" id="{71E4BCF0-3769-474F-A6C9-8C458D990AE3}"/>
+              </a:ext>
+            </a:extLst>
+          </p:cNvPr>
+          <p:cNvSpPr>
+            <a:spLocks noGrp="1"/>
+          </p:cNvSpPr>
+          <p:nvPr>
+            <p:ph idx="1"/>
+          </p:nvPr>
+        </p:nvSpPr>
+        <p:spPr>
+          <a:xfrm>
+            <a:off x="889001" y="1151212"/>
+            <a:ext cx="10444479" cy="1078908"/>
+          </a:xfrm>
+        </p:spPr>
+        <p:txBody>
+          <a:bodyPr/>
+          <a:lstStyle/>
+          <a:p>
+            <a:r>
+              <a:rPr lang="zh-CN" altLang="en-US" dirty="0"/>
+              <a:t>数据节点高可用</a:t>
+            </a:r>
+          </a:p>
+          <a:p>
+            <a:pPr lvl="1"/>
+            <a:r>
+              <a:rPr lang="zh-CN" altLang="en-US" sz="1800" dirty="0"/>
+              <a:t>如果某个主</a:t>
+            </a:r>
+            <a:r>
+              <a:rPr lang="en-US" altLang="zh-CN" sz="1800" dirty="0"/>
+              <a:t>DB</a:t>
+            </a:r>
+            <a:r>
+              <a:rPr lang="zh-CN" altLang="en-US" sz="1800" dirty="0"/>
+              <a:t>故障，</a:t>
+            </a:r>
+            <a:r>
+              <a:rPr lang="en-US" altLang="zh-CN" sz="1800" dirty="0" err="1"/>
+              <a:t>DBAgent</a:t>
+            </a:r>
+            <a:r>
+              <a:rPr lang="zh-CN" altLang="en-US" sz="1800" dirty="0"/>
+              <a:t>会将异常状态上报</a:t>
+            </a:r>
+            <a:r>
+              <a:rPr lang="en-US" altLang="zh-CN" sz="1800" dirty="0"/>
+              <a:t>CM</a:t>
+            </a:r>
+            <a:r>
+              <a:rPr lang="zh-CN" altLang="en-US" sz="1800" dirty="0"/>
+              <a:t>，</a:t>
+            </a:r>
+            <a:r>
+              <a:rPr lang="en-US" altLang="zh-CN" sz="1800" dirty="0"/>
+              <a:t>CM</a:t>
+            </a:r>
+            <a:r>
+              <a:rPr lang="zh-CN" altLang="en-US" sz="1800" dirty="0"/>
+              <a:t>发送主备切换命令</a:t>
+            </a:r>
+            <a:endParaRPr lang="en-US" altLang="zh-CN" sz="1800" dirty="0"/>
+          </a:p>
+        </p:txBody>
+      </p:sp>
     </p:spTree>
     <p:extLst>
       <p:ext uri="{BB962C8B-B14F-4D97-AF65-F5344CB8AC3E}">
@@ -21663,7 +22586,7 @@
             </a:r>
             <a:r>
               <a:rPr lang="zh-CN" altLang="en-US" dirty="0"/>
-              <a:t>组件高可用：数据节点切换</a:t>
+              <a:t>组件高可用（续）</a:t>
             </a:r>
             <a:endParaRPr lang="zh-CN" altLang="zh-CN" dirty="0"/>
           </a:p>
@@ -21693,10 +22616,29 @@
               <a:defRPr/>
             </a:pPr>
             <a:r>
-              <a:rPr lang="en-US" altLang="zh-CN"/>
-              <a:t>版权归© 2020 Tencent, Inc.或其附属公司所有 保留所有权利 </a:t>
-            </a:r>
-            <a:endParaRPr lang="en-US" altLang="zh-CN" dirty="0"/>
+              <a:rPr lang="en-US" altLang="zh-CN" dirty="0" err="1"/>
+              <a:t>版权归</a:t>
+            </a:r>
+            <a:r>
+              <a:rPr lang="en-US" altLang="zh-CN" dirty="0"/>
+              <a:t>© 2022 Tencent, </a:t>
+            </a:r>
+            <a:r>
+              <a:rPr lang="en-US" altLang="zh-CN" dirty="0" err="1"/>
+              <a:t>Inc.或其附属公司所有</a:t>
+            </a:r>
+            <a:r>
+              <a:rPr lang="en-US" altLang="zh-CN" dirty="0"/>
+              <a:t> </a:t>
+            </a:r>
+            <a:r>
+              <a:rPr lang="en-US" altLang="zh-CN" dirty="0" err="1"/>
+              <a:t>保留所有权利</a:t>
+            </a:r>
+            <a:r>
+              <a:rPr lang="en-US" altLang="zh-CN" dirty="0"/>
+              <a:t> </a:t>
+            </a:r>
           </a:p>
         </p:txBody>
       </p:sp>
@@ -21728,7 +22670,7 @@
         </p:blipFill>
         <p:spPr>
           <a:xfrm>
-            <a:off x="1639580" y="1566862"/>
+            <a:off x="1629420" y="2013902"/>
             <a:ext cx="8471208" cy="3929113"/>
           </a:xfrm>
           <a:prstGeom prst="rect">
@@ -21736,6 +22678,40 @@
           </a:prstGeom>
         </p:spPr>
       </p:pic>
+      <p:sp>
+        <p:nvSpPr>
+          <p:cNvPr id="6" name="内容占位符 4">
+            <a:extLst>
+              <a:ext uri="{FF2B5EF4-FFF2-40B4-BE49-F238E27FC236}">
+                <a16:creationId xmlns:a16="http://schemas.microsoft.com/office/drawing/2014/main" id="{D43815E6-6C56-4ED1-8C95-98638C71A055}"/>
+              </a:ext>
+            </a:extLst>
+          </p:cNvPr>
+          <p:cNvSpPr>
+            <a:spLocks noGrp="1"/>
+          </p:cNvSpPr>
+          <p:nvPr>
+            <p:ph idx="1"/>
+          </p:nvPr>
+        </p:nvSpPr>
+        <p:spPr>
+          <a:xfrm>
+            <a:off x="889001" y="1151212"/>
+            <a:ext cx="10444479" cy="729438"/>
+          </a:xfrm>
+        </p:spPr>
+        <p:txBody>
+          <a:bodyPr/>
+          <a:lstStyle/>
+          <a:p>
+            <a:r>
+              <a:rPr lang="zh-CN" altLang="en-US" dirty="0"/>
+              <a:t>数据节点主备切换</a:t>
+            </a:r>
+            <a:endParaRPr lang="en-US" altLang="zh-CN" sz="1800" dirty="0"/>
+          </a:p>
+        </p:txBody>
+      </p:sp>
     </p:spTree>
     <p:extLst>
       <p:ext uri="{BB962C8B-B14F-4D97-AF65-F5344CB8AC3E}">
@@ -21787,7 +22763,7 @@
             </a:r>
             <a:r>
               <a:rPr lang="zh-CN" altLang="en-US" dirty="0"/>
-              <a:t>组件高可用：高低水位</a:t>
+              <a:t>组件高可用（续）</a:t>
             </a:r>
             <a:endParaRPr lang="zh-CN" altLang="zh-CN" dirty="0"/>
           </a:p>
@@ -21817,10 +22793,29 @@
               <a:defRPr/>
             </a:pPr>
             <a:r>
-              <a:rPr lang="en-US" altLang="zh-CN"/>
-              <a:t>版权归© 2020 Tencent, Inc.或其附属公司所有 保留所有权利 </a:t>
-            </a:r>
-            <a:endParaRPr lang="en-US" altLang="zh-CN" dirty="0"/>
+              <a:rPr lang="en-US" altLang="zh-CN" dirty="0" err="1"/>
+              <a:t>版权归</a:t>
+            </a:r>
+            <a:r>
+              <a:rPr lang="en-US" altLang="zh-CN" dirty="0"/>
+              <a:t>© 2022 Tencent, </a:t>
+            </a:r>
+            <a:r>
+              <a:rPr lang="en-US" altLang="zh-CN" dirty="0" err="1"/>
+              <a:t>Inc.或其附属公司所有</a:t>
+            </a:r>
+            <a:r>
+              <a:rPr lang="en-US" altLang="zh-CN" dirty="0"/>
+              <a:t> </a:t>
+            </a:r>
+            <a:r>
+              <a:rPr lang="en-US" altLang="zh-CN" dirty="0" err="1"/>
+              <a:t>保留所有权利</a:t>
+            </a:r>
+            <a:r>
+              <a:rPr lang="en-US" altLang="zh-CN" dirty="0"/>
+              <a:t> </a:t>
+            </a:r>
           </a:p>
         </p:txBody>
       </p:sp>
@@ -21852,7 +22847,7 @@
         </p:blipFill>
         <p:spPr>
           <a:xfrm>
-            <a:off x="1401693" y="1650161"/>
+            <a:off x="1340733" y="1934506"/>
             <a:ext cx="9817596" cy="3272532"/>
           </a:xfrm>
           <a:prstGeom prst="rect">
@@ -21860,6 +22855,39 @@
           </a:prstGeom>
         </p:spPr>
       </p:pic>
+      <p:sp>
+        <p:nvSpPr>
+          <p:cNvPr id="5" name="内容占位符 4">
+            <a:extLst>
+              <a:ext uri="{FF2B5EF4-FFF2-40B4-BE49-F238E27FC236}">
+                <a16:creationId xmlns:a16="http://schemas.microsoft.com/office/drawing/2014/main" id="{D7F40C55-0BB7-4702-9463-0FC595ABC0C4}"/>
+              </a:ext>
+            </a:extLst>
+          </p:cNvPr>
+          <p:cNvSpPr>
+            <a:spLocks noGrp="1"/>
+          </p:cNvSpPr>
+          <p:nvPr>
+            <p:ph idx="1"/>
+          </p:nvPr>
+        </p:nvSpPr>
+        <p:spPr>
+          <a:xfrm>
+            <a:off x="889001" y="1151212"/>
+            <a:ext cx="10444479" cy="769028"/>
+          </a:xfrm>
+        </p:spPr>
+        <p:txBody>
+          <a:bodyPr/>
+          <a:lstStyle/>
+          <a:p>
+            <a:r>
+              <a:rPr lang="zh-CN" altLang="en-US" dirty="0"/>
+              <a:t>数据节点高低水位判断</a:t>
+            </a:r>
+          </a:p>
+        </p:txBody>
+      </p:sp>
     </p:spTree>
     <p:extLst>
       <p:ext uri="{BB962C8B-B14F-4D97-AF65-F5344CB8AC3E}">
@@ -21911,7 +22939,7 @@
             </a:r>
             <a:r>
               <a:rPr lang="zh-CN" altLang="en-US" dirty="0"/>
-              <a:t>事务节点高可用</a:t>
+              <a:t>组件高可用（续）</a:t>
             </a:r>
             <a:endParaRPr lang="zh-CN" altLang="zh-CN" dirty="0"/>
           </a:p>
@@ -21941,10 +22969,29 @@
               <a:defRPr/>
             </a:pPr>
             <a:r>
-              <a:rPr lang="en-US" altLang="zh-CN"/>
-              <a:t>版权归© 2020 Tencent, Inc.或其附属公司所有 保留所有权利 </a:t>
-            </a:r>
-            <a:endParaRPr lang="en-US" altLang="zh-CN" dirty="0"/>
+              <a:rPr lang="en-US" altLang="zh-CN" dirty="0" err="1"/>
+              <a:t>版权归</a:t>
+            </a:r>
+            <a:r>
+              <a:rPr lang="en-US" altLang="zh-CN" dirty="0"/>
+              <a:t>© 2022 Tencent, </a:t>
+            </a:r>
+            <a:r>
+              <a:rPr lang="en-US" altLang="zh-CN" dirty="0" err="1"/>
+              <a:t>Inc.或其附属公司所有</a:t>
+            </a:r>
+            <a:r>
+              <a:rPr lang="en-US" altLang="zh-CN" dirty="0"/>
+              <a:t> </a:t>
+            </a:r>
+            <a:r>
+              <a:rPr lang="en-US" altLang="zh-CN" dirty="0" err="1"/>
+              <a:t>保留所有权利</a:t>
+            </a:r>
+            <a:r>
+              <a:rPr lang="en-US" altLang="zh-CN" dirty="0"/>
+              <a:t> </a:t>
+            </a:r>
           </a:p>
         </p:txBody>
       </p:sp>
@@ -21976,7 +23023,7 @@
         </p:blipFill>
         <p:spPr>
           <a:xfrm>
-            <a:off x="586206" y="1544998"/>
+            <a:off x="484606" y="2185078"/>
             <a:ext cx="5699351" cy="3518265"/>
           </a:xfrm>
           <a:prstGeom prst="rect">
@@ -22012,7 +23059,7 @@
         </p:blipFill>
         <p:spPr>
           <a:xfrm>
-            <a:off x="5509899" y="284620"/>
+            <a:off x="5662299" y="909460"/>
             <a:ext cx="6600051" cy="4543460"/>
           </a:xfrm>
           <a:prstGeom prst="rect">
@@ -22020,6 +23067,40 @@
           </a:prstGeom>
         </p:spPr>
       </p:pic>
+      <p:sp>
+        <p:nvSpPr>
+          <p:cNvPr id="6" name="内容占位符 4">
+            <a:extLst>
+              <a:ext uri="{FF2B5EF4-FFF2-40B4-BE49-F238E27FC236}">
+                <a16:creationId xmlns:a16="http://schemas.microsoft.com/office/drawing/2014/main" id="{D61FA032-C33C-4279-84DD-A86DDE319E83}"/>
+              </a:ext>
+            </a:extLst>
+          </p:cNvPr>
+          <p:cNvSpPr>
+            <a:spLocks noGrp="1"/>
+          </p:cNvSpPr>
+          <p:nvPr>
+            <p:ph idx="1"/>
+          </p:nvPr>
+        </p:nvSpPr>
+        <p:spPr>
+          <a:xfrm>
+            <a:off x="889001" y="1151212"/>
+            <a:ext cx="9606279" cy="702988"/>
+          </a:xfrm>
+        </p:spPr>
+        <p:txBody>
+          <a:bodyPr/>
+          <a:lstStyle/>
+          <a:p>
+            <a:r>
+              <a:rPr lang="zh-CN" altLang="en-US" dirty="0"/>
+              <a:t>事务节点高可用</a:t>
+            </a:r>
+            <a:endParaRPr lang="en-US" altLang="zh-CN" sz="1800" dirty="0"/>
+          </a:p>
+        </p:txBody>
+      </p:sp>
     </p:spTree>
     <p:extLst>
       <p:ext uri="{BB962C8B-B14F-4D97-AF65-F5344CB8AC3E}">
@@ -22071,7 +23152,7 @@
             </a:r>
             <a:r>
               <a:rPr lang="zh-CN" altLang="en-US" dirty="0"/>
-              <a:t>管理节点高可用</a:t>
+              <a:t>组件高可用（续）</a:t>
             </a:r>
             <a:endParaRPr lang="zh-CN" altLang="zh-CN" dirty="0"/>
           </a:p>
@@ -22101,10 +23182,29 @@
               <a:defRPr/>
             </a:pPr>
             <a:r>
-              <a:rPr lang="en-US" altLang="zh-CN"/>
-              <a:t>版权归© 2020 Tencent, Inc.或其附属公司所有 保留所有权利 </a:t>
-            </a:r>
-            <a:endParaRPr lang="en-US" altLang="zh-CN" dirty="0"/>
+              <a:rPr lang="en-US" altLang="zh-CN" dirty="0" err="1"/>
+              <a:t>版权归</a:t>
+            </a:r>
+            <a:r>
+              <a:rPr lang="en-US" altLang="zh-CN" dirty="0"/>
+              <a:t>© 2022 Tencent, </a:t>
+            </a:r>
+            <a:r>
+              <a:rPr lang="en-US" altLang="zh-CN" dirty="0" err="1"/>
+              <a:t>Inc.或其附属公司所有</a:t>
+            </a:r>
+            <a:r>
+              <a:rPr lang="en-US" altLang="zh-CN" dirty="0"/>
+              <a:t> </a:t>
+            </a:r>
+            <a:r>
+              <a:rPr lang="en-US" altLang="zh-CN" dirty="0" err="1"/>
+              <a:t>保留所有权利</a:t>
+            </a:r>
+            <a:r>
+              <a:rPr lang="en-US" altLang="zh-CN" dirty="0"/>
+              <a:t> </a:t>
+            </a:r>
           </a:p>
         </p:txBody>
       </p:sp>
@@ -22136,7 +23236,7 @@
         </p:blipFill>
         <p:spPr>
           <a:xfrm>
-            <a:off x="323833" y="1599278"/>
+            <a:off x="268657" y="1854200"/>
             <a:ext cx="5700435" cy="2862885"/>
           </a:xfrm>
           <a:prstGeom prst="rect">
@@ -22180,6 +23280,40 @@
           </a:prstGeom>
         </p:spPr>
       </p:pic>
+      <p:sp>
+        <p:nvSpPr>
+          <p:cNvPr id="7" name="内容占位符 4">
+            <a:extLst>
+              <a:ext uri="{FF2B5EF4-FFF2-40B4-BE49-F238E27FC236}">
+                <a16:creationId xmlns:a16="http://schemas.microsoft.com/office/drawing/2014/main" id="{8F55F9B1-7B5F-4011-BA29-2759F34D95D6}"/>
+              </a:ext>
+            </a:extLst>
+          </p:cNvPr>
+          <p:cNvSpPr>
+            <a:spLocks noGrp="1"/>
+          </p:cNvSpPr>
+          <p:nvPr>
+            <p:ph idx="1"/>
+          </p:nvPr>
+        </p:nvSpPr>
+        <p:spPr>
+          <a:xfrm>
+            <a:off x="889001" y="1151212"/>
+            <a:ext cx="9606279" cy="702988"/>
+          </a:xfrm>
+        </p:spPr>
+        <p:txBody>
+          <a:bodyPr/>
+          <a:lstStyle/>
+          <a:p>
+            <a:r>
+              <a:rPr lang="zh-CN" altLang="en-US" dirty="0"/>
+              <a:t>管理节点高可用</a:t>
+            </a:r>
+            <a:endParaRPr lang="en-US" altLang="zh-CN" sz="1800" dirty="0"/>
+          </a:p>
+        </p:txBody>
+      </p:sp>
     </p:spTree>
     <p:extLst>
       <p:ext uri="{BB962C8B-B14F-4D97-AF65-F5344CB8AC3E}">
@@ -23240,15 +24374,7 @@
             </a:r>
             <a:r>
               <a:rPr lang="en-US" altLang="zh-CN" dirty="0"/>
-              <a:t>© 2020 </a:t>
-            </a:r>
-            <a:r>
-              <a:rPr lang="en-US" altLang="zh-CN" dirty="0" err="1"/>
-              <a:t>Tencent</a:t>
-            </a:r>
-            <a:r>
-              <a:rPr lang="en-US" altLang="zh-CN" dirty="0"/>
-              <a:t>, </a:t>
+              <a:t>© 2022 Tencent, </a:t>
             </a:r>
             <a:r>
               <a:rPr lang="en-US" altLang="zh-CN" dirty="0" err="1"/>
@@ -23390,10 +24516,29 @@
               <a:defRPr/>
             </a:pPr>
             <a:r>
-              <a:rPr lang="en-US" altLang="zh-CN"/>
-              <a:t>版权归© 2020 Tencent, Inc.或其附属公司所有 保留所有权利 </a:t>
-            </a:r>
-            <a:endParaRPr lang="en-US" altLang="zh-CN" dirty="0"/>
+              <a:rPr lang="en-US" altLang="zh-CN" dirty="0" err="1"/>
+              <a:t>版权归</a:t>
+            </a:r>
+            <a:r>
+              <a:rPr lang="en-US" altLang="zh-CN" dirty="0"/>
+              <a:t>© 2022 Tencent, </a:t>
+            </a:r>
+            <a:r>
+              <a:rPr lang="en-US" altLang="zh-CN" dirty="0" err="1"/>
+              <a:t>Inc.或其附属公司所有</a:t>
+            </a:r>
+            <a:r>
+              <a:rPr lang="en-US" altLang="zh-CN" dirty="0"/>
+              <a:t> </a:t>
+            </a:r>
+            <a:r>
+              <a:rPr lang="en-US" altLang="zh-CN" dirty="0" err="1"/>
+              <a:t>保留所有权利</a:t>
+            </a:r>
+            <a:r>
+              <a:rPr lang="en-US" altLang="zh-CN" dirty="0"/>
+              <a:t> </a:t>
+            </a:r>
           </a:p>
         </p:txBody>
       </p:sp>
@@ -23479,7 +24624,7 @@
         <p:spPr>
           <a:xfrm>
             <a:off x="766446" y="1136680"/>
-            <a:ext cx="10658399" cy="5040560"/>
+            <a:ext cx="10658399" cy="2338040"/>
           </a:xfrm>
         </p:spPr>
         <p:txBody>
@@ -23494,15 +24639,28 @@
           <a:p>
             <a:pPr lvl="1"/>
             <a:r>
+              <a:rPr lang="en-US" altLang="zh-CN" dirty="0" err="1"/>
+              <a:t>GoldenDB</a:t>
+            </a:r>
+            <a:r>
               <a:rPr lang="zh-CN" altLang="en-US" dirty="0"/>
-              <a:t>；</a:t>
-            </a:r>
-          </a:p>
-          <a:p>
-            <a:pPr lvl="1"/>
-            <a:r>
-              <a:rPr lang="zh-CN" dirty="0"/>
-              <a:t>。</a:t>
+              <a:t>是中兴通讯退出的一款兼容</a:t>
+            </a:r>
+            <a:r>
+              <a:rPr lang="en-US" altLang="zh-CN" dirty="0"/>
+              <a:t>MySQL</a:t>
+            </a:r>
+            <a:r>
+              <a:rPr lang="zh-CN" altLang="en-US" dirty="0"/>
+              <a:t>和部分</a:t>
+            </a:r>
+            <a:r>
+              <a:rPr lang="en-US" altLang="zh-CN" dirty="0"/>
+              <a:t>Oracle</a:t>
+            </a:r>
+            <a:r>
+              <a:rPr lang="zh-CN" altLang="en-US" dirty="0"/>
+              <a:t>的分布式数据库，支持垂直和水平扩展方式，通过自定义分片规则将数据分配到数据节点，可以基本满足金融领域高可用、高并发的业务需求，目前主要应用于联机事务交易中。</a:t>
             </a:r>
           </a:p>
         </p:txBody>
@@ -23531,7 +24689,7 @@
             </a:r>
             <a:r>
               <a:rPr lang="en-US" altLang="zh-CN" dirty="0"/>
-              <a:t>© 2020 Tencent, </a:t>
+              <a:t>© 2022 Tencent, </a:t>
             </a:r>
             <a:r>
               <a:rPr lang="en-US" altLang="zh-CN" dirty="0" err="1"/>
@@ -23636,10 +24794,29 @@
               <a:defRPr/>
             </a:pPr>
             <a:r>
-              <a:rPr lang="en-US" altLang="zh-CN"/>
-              <a:t>版权归© 2020 Tencent, Inc.或其附属公司所有 保留所有权利 </a:t>
-            </a:r>
-            <a:endParaRPr lang="en-US" altLang="zh-CN" dirty="0"/>
+              <a:rPr lang="en-US" altLang="zh-CN" dirty="0" err="1"/>
+              <a:t>版权归</a:t>
+            </a:r>
+            <a:r>
+              <a:rPr lang="en-US" altLang="zh-CN" dirty="0"/>
+              <a:t>© 2022 Tencent, </a:t>
+            </a:r>
+            <a:r>
+              <a:rPr lang="en-US" altLang="zh-CN" dirty="0" err="1"/>
+              <a:t>Inc.或其附属公司所有</a:t>
+            </a:r>
+            <a:r>
+              <a:rPr lang="en-US" altLang="zh-CN" dirty="0"/>
+              <a:t> </a:t>
+            </a:r>
+            <a:r>
+              <a:rPr lang="en-US" altLang="zh-CN" dirty="0" err="1"/>
+              <a:t>保留所有权利</a:t>
+            </a:r>
+            <a:r>
+              <a:rPr lang="en-US" altLang="zh-CN" dirty="0"/>
+              <a:t> </a:t>
+            </a:r>
           </a:p>
         </p:txBody>
       </p:sp>
@@ -24715,15 +25892,7 @@
             </a:r>
             <a:r>
               <a:rPr lang="en-US" altLang="zh-CN" dirty="0"/>
-              <a:t>© 2020 </a:t>
-            </a:r>
-            <a:r>
-              <a:rPr lang="en-US" altLang="zh-CN" dirty="0" err="1"/>
-              <a:t>Tencent</a:t>
-            </a:r>
-            <a:r>
-              <a:rPr lang="en-US" altLang="zh-CN" dirty="0"/>
-              <a:t>, </a:t>
+              <a:t>© 2022 Tencent, </a:t>
             </a:r>
             <a:r>
               <a:rPr lang="en-US" altLang="zh-CN" dirty="0" err="1"/>
@@ -24825,10 +25994,29 @@
               <a:defRPr/>
             </a:pPr>
             <a:r>
-              <a:rPr lang="en-US" altLang="zh-CN"/>
-              <a:t>版权归© 2020 Tencent, Inc.或其附属公司所有 保留所有权利 </a:t>
-            </a:r>
-            <a:endParaRPr lang="en-US" altLang="zh-CN" dirty="0"/>
+              <a:rPr lang="en-US" altLang="zh-CN" dirty="0" err="1"/>
+              <a:t>版权归</a:t>
+            </a:r>
+            <a:r>
+              <a:rPr lang="en-US" altLang="zh-CN" dirty="0"/>
+              <a:t>© 2022 Tencent, </a:t>
+            </a:r>
+            <a:r>
+              <a:rPr lang="en-US" altLang="zh-CN" dirty="0" err="1"/>
+              <a:t>Inc.或其附属公司所有</a:t>
+            </a:r>
+            <a:r>
+              <a:rPr lang="en-US" altLang="zh-CN" dirty="0"/>
+              <a:t> </a:t>
+            </a:r>
+            <a:r>
+              <a:rPr lang="en-US" altLang="zh-CN" dirty="0" err="1"/>
+              <a:t>保留所有权利</a:t>
+            </a:r>
+            <a:r>
+              <a:rPr lang="en-US" altLang="zh-CN" dirty="0"/>
+              <a:t> </a:t>
+            </a:r>
           </a:p>
         </p:txBody>
       </p:sp>
@@ -24859,7 +26047,7 @@
         </p:blipFill>
         <p:spPr bwMode="auto">
           <a:xfrm>
-            <a:off x="3338494" y="1191895"/>
+            <a:off x="3719736" y="1374775"/>
             <a:ext cx="5274310" cy="5666105"/>
           </a:xfrm>
           <a:prstGeom prst="rect">
@@ -24873,161 +26061,90 @@
       </p:pic>
       <p:sp>
         <p:nvSpPr>
-          <p:cNvPr id="2" name="文本框 1">
+          <p:cNvPr id="6" name="内容占位符 4">
             <a:extLst>
               <a:ext uri="{FF2B5EF4-FFF2-40B4-BE49-F238E27FC236}">
-                <a16:creationId xmlns:a16="http://schemas.microsoft.com/office/drawing/2014/main" id="{DEF991B0-479B-481D-8AD8-813B499290A4}"/>
+                <a16:creationId xmlns:a16="http://schemas.microsoft.com/office/drawing/2014/main" id="{052CC2DF-01E0-4815-9A7C-968B074FDDD8}"/>
               </a:ext>
             </a:extLst>
           </p:cNvPr>
-          <p:cNvSpPr txBox="1"/>
-          <p:nvPr/>
+          <p:cNvSpPr>
+            <a:spLocks noGrp="1"/>
+          </p:cNvSpPr>
+          <p:nvPr>
+            <p:ph idx="1"/>
+          </p:nvPr>
         </p:nvSpPr>
         <p:spPr>
           <a:xfrm>
-            <a:off x="1133060" y="1297056"/>
-            <a:ext cx="8532743" cy="923330"/>
+            <a:off x="1010921" y="1136946"/>
+            <a:ext cx="11089639" cy="1108414"/>
           </a:xfrm>
-          <a:prstGeom prst="rect">
-            <a:avLst/>
-          </a:prstGeom>
-          <a:noFill/>
         </p:spPr>
         <p:txBody>
-          <a:bodyPr wrap="square" rtlCol="0">
-            <a:spAutoFit/>
-          </a:bodyPr>
+          <a:bodyPr/>
           <a:lstStyle/>
           <a:p>
             <a:r>
-              <a:rPr lang="en-US" altLang="zh-CN" sz="1800" kern="100" dirty="0" err="1">
-                <a:effectLst/>
-                <a:latin typeface="Times New Roman" panose="02020603050405020304" pitchFamily="18" charset="0"/>
-                <a:ea typeface="仿宋" panose="02010609060101010101" pitchFamily="49" charset="-122"/>
-                <a:cs typeface="Times New Roman" panose="02020603050405020304" pitchFamily="18" charset="0"/>
-              </a:rPr>
+              <a:rPr lang="en-US" altLang="zh-CN" dirty="0" err="1"/>
               <a:t>GoldenDB</a:t>
             </a:r>
             <a:r>
-              <a:rPr lang="zh-CN" altLang="zh-CN" sz="1800" kern="100" dirty="0">
-                <a:effectLst/>
-                <a:latin typeface="Times New Roman" panose="02020603050405020304" pitchFamily="18" charset="0"/>
-                <a:ea typeface="仿宋" panose="02010609060101010101" pitchFamily="49" charset="-122"/>
-                <a:cs typeface="Times New Roman" panose="02020603050405020304" pitchFamily="18" charset="0"/>
-              </a:rPr>
+              <a:rPr lang="zh-CN" altLang="zh-CN" dirty="0"/>
               <a:t>集群</a:t>
             </a:r>
             <a:r>
-              <a:rPr lang="zh-CN" altLang="en-US" sz="1800" kern="100" dirty="0">
-                <a:effectLst/>
-                <a:latin typeface="Times New Roman" panose="02020603050405020304" pitchFamily="18" charset="0"/>
-                <a:ea typeface="仿宋" panose="02010609060101010101" pitchFamily="49" charset="-122"/>
-                <a:cs typeface="Times New Roman" panose="02020603050405020304" pitchFamily="18" charset="0"/>
-              </a:rPr>
+              <a:rPr lang="zh-CN" altLang="en-US" dirty="0"/>
               <a:t>的</a:t>
             </a:r>
             <a:r>
-              <a:rPr lang="zh-CN" altLang="zh-CN" sz="1800" kern="100" dirty="0">
-                <a:effectLst/>
-                <a:latin typeface="Times New Roman" panose="02020603050405020304" pitchFamily="18" charset="0"/>
-                <a:ea typeface="仿宋" panose="02010609060101010101" pitchFamily="49" charset="-122"/>
-                <a:cs typeface="Times New Roman" panose="02020603050405020304" pitchFamily="18" charset="0"/>
-              </a:rPr>
+              <a:rPr lang="zh-CN" altLang="zh-CN" dirty="0"/>
               <a:t>备份恢复是基于</a:t>
             </a:r>
             <a:r>
-              <a:rPr lang="en-US" altLang="zh-CN" sz="1800" kern="100" dirty="0" err="1">
-                <a:effectLst/>
-                <a:latin typeface="Times New Roman" panose="02020603050405020304" pitchFamily="18" charset="0"/>
-                <a:ea typeface="仿宋" panose="02010609060101010101" pitchFamily="49" charset="-122"/>
-                <a:cs typeface="Times New Roman" panose="02020603050405020304" pitchFamily="18" charset="0"/>
-              </a:rPr>
+              <a:rPr lang="en-US" altLang="zh-CN" dirty="0" err="1"/>
               <a:t>xtrabackup</a:t>
             </a:r>
             <a:r>
-              <a:rPr lang="zh-CN" altLang="zh-CN" sz="1800" kern="100" dirty="0">
-                <a:effectLst/>
-                <a:latin typeface="Times New Roman" panose="02020603050405020304" pitchFamily="18" charset="0"/>
-                <a:ea typeface="仿宋" panose="02010609060101010101" pitchFamily="49" charset="-122"/>
-                <a:cs typeface="Times New Roman" panose="02020603050405020304" pitchFamily="18" charset="0"/>
-              </a:rPr>
-              <a:t>实现的，</a:t>
-            </a:r>
-            <a:r>
-              <a:rPr lang="zh-CN" altLang="en-US" sz="1800" kern="100" dirty="0">
-                <a:effectLst/>
-                <a:latin typeface="Times New Roman" panose="02020603050405020304" pitchFamily="18" charset="0"/>
-                <a:ea typeface="仿宋" panose="02010609060101010101" pitchFamily="49" charset="-122"/>
-                <a:cs typeface="Times New Roman" panose="02020603050405020304" pitchFamily="18" charset="0"/>
-              </a:rPr>
+              <a:rPr lang="zh-CN" altLang="zh-CN" dirty="0"/>
+              <a:t>实现的</a:t>
+            </a:r>
+            <a:endParaRPr lang="en-US" altLang="zh-CN" dirty="0"/>
+          </a:p>
+          <a:p>
+            <a:r>
+              <a:rPr lang="zh-CN" altLang="en-US" dirty="0"/>
               <a:t>备份</a:t>
             </a:r>
             <a:r>
-              <a:rPr lang="en-US" altLang="zh-CN" sz="1800" kern="100" dirty="0">
-                <a:effectLst/>
-                <a:latin typeface="Times New Roman" panose="02020603050405020304" pitchFamily="18" charset="0"/>
-                <a:ea typeface="仿宋" panose="02010609060101010101" pitchFamily="49" charset="-122"/>
-                <a:cs typeface="Times New Roman" panose="02020603050405020304" pitchFamily="18" charset="0"/>
-              </a:rPr>
+              <a:rPr lang="en-US" altLang="zh-CN" dirty="0"/>
               <a:t>/</a:t>
             </a:r>
             <a:r>
-              <a:rPr lang="zh-CN" altLang="en-US" sz="1800" kern="100" dirty="0">
-                <a:effectLst/>
-                <a:latin typeface="Times New Roman" panose="02020603050405020304" pitchFamily="18" charset="0"/>
-                <a:ea typeface="仿宋" panose="02010609060101010101" pitchFamily="49" charset="-122"/>
-                <a:cs typeface="Times New Roman" panose="02020603050405020304" pitchFamily="18" charset="0"/>
-              </a:rPr>
+              <a:rPr lang="zh-CN" altLang="en-US" dirty="0"/>
               <a:t>恢复的数据包括：</a:t>
             </a:r>
             <a:r>
-              <a:rPr lang="zh-CN" altLang="zh-CN" sz="1800" kern="100" dirty="0">
-                <a:effectLst/>
-                <a:latin typeface="Times New Roman" panose="02020603050405020304" pitchFamily="18" charset="0"/>
-                <a:ea typeface="仿宋" panose="02010609060101010101" pitchFamily="49" charset="-122"/>
-                <a:cs typeface="Times New Roman" panose="02020603050405020304" pitchFamily="18" charset="0"/>
-              </a:rPr>
+              <a:rPr lang="zh-CN" altLang="zh-CN" dirty="0"/>
               <a:t>表数据、</a:t>
             </a:r>
             <a:r>
-              <a:rPr lang="en-US" altLang="zh-CN" sz="1800" kern="100" dirty="0" err="1">
-                <a:effectLst/>
-                <a:latin typeface="Times New Roman" panose="02020603050405020304" pitchFamily="18" charset="0"/>
-                <a:ea typeface="仿宋" panose="02010609060101010101" pitchFamily="49" charset="-122"/>
-                <a:cs typeface="Times New Roman" panose="02020603050405020304" pitchFamily="18" charset="0"/>
-              </a:rPr>
+              <a:rPr lang="en-US" altLang="zh-CN" dirty="0" err="1"/>
               <a:t>binlog</a:t>
             </a:r>
             <a:r>
-              <a:rPr lang="zh-CN" altLang="zh-CN" sz="1800" kern="100" dirty="0">
-                <a:effectLst/>
-                <a:latin typeface="Times New Roman" panose="02020603050405020304" pitchFamily="18" charset="0"/>
-                <a:ea typeface="仿宋" panose="02010609060101010101" pitchFamily="49" charset="-122"/>
-                <a:cs typeface="Times New Roman" panose="02020603050405020304" pitchFamily="18" charset="0"/>
-              </a:rPr>
+              <a:rPr lang="zh-CN" altLang="zh-CN" dirty="0"/>
               <a:t>、</a:t>
             </a:r>
             <a:r>
-              <a:rPr lang="en-US" altLang="zh-CN" sz="1800" kern="100" dirty="0">
-                <a:effectLst/>
-                <a:latin typeface="Times New Roman" panose="02020603050405020304" pitchFamily="18" charset="0"/>
-                <a:ea typeface="仿宋" panose="02010609060101010101" pitchFamily="49" charset="-122"/>
-                <a:cs typeface="Times New Roman" panose="02020603050405020304" pitchFamily="18" charset="0"/>
-              </a:rPr>
+              <a:rPr lang="en-US" altLang="zh-CN" dirty="0"/>
               <a:t>GTM</a:t>
             </a:r>
             <a:r>
-              <a:rPr lang="zh-CN" altLang="zh-CN" sz="1800" kern="100" dirty="0">
-                <a:effectLst/>
-                <a:latin typeface="Times New Roman" panose="02020603050405020304" pitchFamily="18" charset="0"/>
-                <a:ea typeface="仿宋" panose="02010609060101010101" pitchFamily="49" charset="-122"/>
-                <a:cs typeface="Times New Roman" panose="02020603050405020304" pitchFamily="18" charset="0"/>
-              </a:rPr>
-              <a:t>活跃事务列表和元数据信息。</a:t>
-            </a:r>
-          </a:p>
-          <a:p>
-            <a:endParaRPr lang="zh-CN" altLang="en-US" dirty="0"/>
+              <a:rPr lang="zh-CN" altLang="zh-CN" dirty="0"/>
+              <a:t>活跃事务列表和元数据信息</a:t>
+            </a:r>
+            <a:endParaRPr lang="en-US" altLang="zh-CN" dirty="0"/>
           </a:p>
         </p:txBody>
       </p:sp>
@@ -25112,10 +26229,29 @@
               <a:defRPr/>
             </a:pPr>
             <a:r>
-              <a:rPr lang="en-US" altLang="zh-CN"/>
-              <a:t>版权归© 2020 Tencent, Inc.或其附属公司所有 保留所有权利 </a:t>
-            </a:r>
-            <a:endParaRPr lang="en-US" altLang="zh-CN" dirty="0"/>
+              <a:rPr lang="en-US" altLang="zh-CN" dirty="0" err="1"/>
+              <a:t>版权归</a:t>
+            </a:r>
+            <a:r>
+              <a:rPr lang="en-US" altLang="zh-CN" dirty="0"/>
+              <a:t>© 2022 Tencent, </a:t>
+            </a:r>
+            <a:r>
+              <a:rPr lang="en-US" altLang="zh-CN" dirty="0" err="1"/>
+              <a:t>Inc.或其附属公司所有</a:t>
+            </a:r>
+            <a:r>
+              <a:rPr lang="en-US" altLang="zh-CN" dirty="0"/>
+              <a:t> </a:t>
+            </a:r>
+            <a:r>
+              <a:rPr lang="en-US" altLang="zh-CN" dirty="0" err="1"/>
+              <a:t>保留所有权利</a:t>
+            </a:r>
+            <a:r>
+              <a:rPr lang="en-US" altLang="zh-CN" dirty="0"/>
+              <a:t> </a:t>
+            </a:r>
           </a:p>
         </p:txBody>
       </p:sp>
@@ -26227,15 +27363,7 @@
             </a:r>
             <a:r>
               <a:rPr lang="en-US" altLang="zh-CN" dirty="0"/>
-              <a:t>© 2020 </a:t>
-            </a:r>
-            <a:r>
-              <a:rPr lang="en-US" altLang="zh-CN" dirty="0" err="1"/>
-              <a:t>Tencent</a:t>
-            </a:r>
-            <a:r>
-              <a:rPr lang="en-US" altLang="zh-CN" dirty="0"/>
-              <a:t>, </a:t>
+              <a:t>© 2022 Tencent, </a:t>
             </a:r>
             <a:r>
               <a:rPr lang="en-US" altLang="zh-CN" dirty="0" err="1"/>
@@ -26507,6 +27635,463 @@
       </p:grpSpPr>
       <p:sp>
         <p:nvSpPr>
+          <p:cNvPr id="19" name="标题 18"/>
+          <p:cNvSpPr>
+            <a:spLocks noGrp="1"/>
+          </p:cNvSpPr>
+          <p:nvPr>
+            <p:ph type="title"/>
+          </p:nvPr>
+        </p:nvSpPr>
+        <p:spPr/>
+        <p:txBody>
+          <a:bodyPr/>
+          <a:lstStyle/>
+          <a:p>
+            <a:r>
+              <a:rPr lang="en-US" altLang="zh-CN" dirty="0"/>
+              <a:t>8.1 UPDATE</a:t>
+            </a:r>
+            <a:r>
+              <a:rPr lang="zh-CN" altLang="en-US" dirty="0"/>
+              <a:t>分片键</a:t>
+            </a:r>
+            <a:endParaRPr lang="zh-CN" altLang="zh-CN" dirty="0"/>
+          </a:p>
+        </p:txBody>
+      </p:sp>
+      <p:sp>
+        <p:nvSpPr>
+          <p:cNvPr id="23" name="页脚占位符 1"/>
+          <p:cNvSpPr>
+            <a:spLocks noGrp="1"/>
+          </p:cNvSpPr>
+          <p:nvPr>
+            <p:ph type="ftr" sz="quarter" idx="11"/>
+          </p:nvPr>
+        </p:nvSpPr>
+        <p:spPr>
+          <a:xfrm>
+            <a:off x="3719736" y="6482667"/>
+            <a:ext cx="4752528" cy="366713"/>
+          </a:xfrm>
+        </p:spPr>
+        <p:txBody>
+          <a:bodyPr/>
+          <a:lstStyle/>
+          <a:p>
+            <a:pPr>
+              <a:defRPr/>
+            </a:pPr>
+            <a:r>
+              <a:rPr lang="en-US" altLang="zh-CN" dirty="0" err="1"/>
+              <a:t>版权归</a:t>
+            </a:r>
+            <a:r>
+              <a:rPr lang="en-US" altLang="zh-CN" dirty="0"/>
+              <a:t>© 2022 Tencent, </a:t>
+            </a:r>
+            <a:r>
+              <a:rPr lang="en-US" altLang="zh-CN" dirty="0" err="1"/>
+              <a:t>Inc.或其附属公司所有</a:t>
+            </a:r>
+            <a:r>
+              <a:rPr lang="en-US" altLang="zh-CN" dirty="0"/>
+              <a:t> </a:t>
+            </a:r>
+            <a:r>
+              <a:rPr lang="en-US" altLang="zh-CN" dirty="0" err="1"/>
+              <a:t>保留所有权利</a:t>
+            </a:r>
+            <a:r>
+              <a:rPr lang="en-US" altLang="zh-CN" dirty="0"/>
+              <a:t> </a:t>
+            </a:r>
+          </a:p>
+        </p:txBody>
+      </p:sp>
+      <p:pic>
+        <p:nvPicPr>
+          <p:cNvPr id="3" name="图片 2">
+            <a:extLst>
+              <a:ext uri="{FF2B5EF4-FFF2-40B4-BE49-F238E27FC236}">
+                <a16:creationId xmlns:a16="http://schemas.microsoft.com/office/drawing/2014/main" id="{BD0C9D8B-CC14-47C9-8B2C-F19F018E318B}"/>
+              </a:ext>
+            </a:extLst>
+          </p:cNvPr>
+          <p:cNvPicPr>
+            <a:picLocks noChangeAspect="1"/>
+          </p:cNvPicPr>
+          <p:nvPr/>
+        </p:nvPicPr>
+        <p:blipFill>
+          <a:blip r:embed="rId3">
+            <a:extLst>
+              <a:ext uri="{28A0092B-C50C-407E-A947-70E740481C1C}">
+                <a14:useLocalDpi xmlns:a14="http://schemas.microsoft.com/office/drawing/2010/main" val="0"/>
+              </a:ext>
+            </a:extLst>
+          </a:blip>
+          <a:stretch>
+            <a:fillRect/>
+          </a:stretch>
+        </p:blipFill>
+        <p:spPr>
+          <a:xfrm>
+            <a:off x="4046537" y="1136946"/>
+            <a:ext cx="3583623" cy="4945182"/>
+          </a:xfrm>
+          <a:prstGeom prst="rect">
+            <a:avLst/>
+          </a:prstGeom>
+        </p:spPr>
+      </p:pic>
+    </p:spTree>
+    <p:extLst>
+      <p:ext uri="{BB962C8B-B14F-4D97-AF65-F5344CB8AC3E}">
+        <p14:creationId xmlns:p14="http://schemas.microsoft.com/office/powerpoint/2010/main" val="3825397788"/>
+      </p:ext>
+    </p:extLst>
+  </p:cSld>
+  <p:clrMapOvr>
+    <a:masterClrMapping/>
+  </p:clrMapOvr>
+</p:sld>
+</file>
+
+<file path=ppt/slides/slide46.xml><?xml version="1.0" encoding="utf-8"?>
+<p:sld xmlns:a="http://schemas.openxmlformats.org/drawingml/2006/main" xmlns:r="http://schemas.openxmlformats.org/officeDocument/2006/relationships" xmlns:p="http://schemas.openxmlformats.org/presentationml/2006/main">
+  <p:cSld>
+    <p:spTree>
+      <p:nvGrpSpPr>
+        <p:cNvPr id="1" name=""/>
+        <p:cNvGrpSpPr/>
+        <p:nvPr/>
+      </p:nvGrpSpPr>
+      <p:grpSpPr>
+        <a:xfrm>
+          <a:off x="0" y="0"/>
+          <a:ext cx="0" cy="0"/>
+          <a:chOff x="0" y="0"/>
+          <a:chExt cx="0" cy="0"/>
+        </a:xfrm>
+      </p:grpSpPr>
+      <p:sp>
+        <p:nvSpPr>
+          <p:cNvPr id="19" name="标题 18"/>
+          <p:cNvSpPr>
+            <a:spLocks noGrp="1"/>
+          </p:cNvSpPr>
+          <p:nvPr>
+            <p:ph type="title"/>
+          </p:nvPr>
+        </p:nvSpPr>
+        <p:spPr/>
+        <p:txBody>
+          <a:bodyPr/>
+          <a:lstStyle/>
+          <a:p>
+            <a:r>
+              <a:rPr lang="en-US" altLang="zh-CN" dirty="0"/>
+              <a:t>8.2 </a:t>
+            </a:r>
+            <a:r>
+              <a:rPr lang="zh-CN" altLang="en-US" dirty="0"/>
+              <a:t>重分布</a:t>
+            </a:r>
+            <a:endParaRPr lang="zh-CN" altLang="zh-CN" dirty="0"/>
+          </a:p>
+        </p:txBody>
+      </p:sp>
+      <p:sp>
+        <p:nvSpPr>
+          <p:cNvPr id="23" name="页脚占位符 1"/>
+          <p:cNvSpPr>
+            <a:spLocks noGrp="1"/>
+          </p:cNvSpPr>
+          <p:nvPr>
+            <p:ph type="ftr" sz="quarter" idx="11"/>
+          </p:nvPr>
+        </p:nvSpPr>
+        <p:spPr>
+          <a:xfrm>
+            <a:off x="3719736" y="6482667"/>
+            <a:ext cx="4752528" cy="366713"/>
+          </a:xfrm>
+        </p:spPr>
+        <p:txBody>
+          <a:bodyPr/>
+          <a:lstStyle/>
+          <a:p>
+            <a:pPr>
+              <a:defRPr/>
+            </a:pPr>
+            <a:r>
+              <a:rPr lang="en-US" altLang="zh-CN" dirty="0" err="1"/>
+              <a:t>版权归</a:t>
+            </a:r>
+            <a:r>
+              <a:rPr lang="en-US" altLang="zh-CN" dirty="0"/>
+              <a:t>© 2022 Tencent, </a:t>
+            </a:r>
+            <a:r>
+              <a:rPr lang="en-US" altLang="zh-CN" dirty="0" err="1"/>
+              <a:t>Inc.或其附属公司所有</a:t>
+            </a:r>
+            <a:r>
+              <a:rPr lang="en-US" altLang="zh-CN" dirty="0"/>
+              <a:t> </a:t>
+            </a:r>
+            <a:r>
+              <a:rPr lang="en-US" altLang="zh-CN" dirty="0" err="1"/>
+              <a:t>保留所有权利</a:t>
+            </a:r>
+            <a:r>
+              <a:rPr lang="en-US" altLang="zh-CN" dirty="0"/>
+              <a:t> </a:t>
+            </a:r>
+          </a:p>
+        </p:txBody>
+      </p:sp>
+      <p:pic>
+        <p:nvPicPr>
+          <p:cNvPr id="5" name="图片 4" descr="图示&#10;&#10;描述已自动生成">
+            <a:extLst>
+              <a:ext uri="{FF2B5EF4-FFF2-40B4-BE49-F238E27FC236}">
+                <a16:creationId xmlns:a16="http://schemas.microsoft.com/office/drawing/2014/main" id="{38F801C0-B912-4596-B835-A09AED8B6327}"/>
+              </a:ext>
+            </a:extLst>
+          </p:cNvPr>
+          <p:cNvPicPr>
+            <a:picLocks noChangeAspect="1"/>
+          </p:cNvPicPr>
+          <p:nvPr/>
+        </p:nvPicPr>
+        <p:blipFill>
+          <a:blip r:embed="rId3">
+            <a:extLst>
+              <a:ext uri="{28A0092B-C50C-407E-A947-70E740481C1C}">
+                <a14:useLocalDpi xmlns:a14="http://schemas.microsoft.com/office/drawing/2010/main" val="0"/>
+              </a:ext>
+            </a:extLst>
+          </a:blip>
+          <a:stretch>
+            <a:fillRect/>
+          </a:stretch>
+        </p:blipFill>
+        <p:spPr>
+          <a:xfrm>
+            <a:off x="2190750" y="1276350"/>
+            <a:ext cx="7810500" cy="4305300"/>
+          </a:xfrm>
+          <a:prstGeom prst="rect">
+            <a:avLst/>
+          </a:prstGeom>
+        </p:spPr>
+      </p:pic>
+    </p:spTree>
+    <p:extLst>
+      <p:ext uri="{BB962C8B-B14F-4D97-AF65-F5344CB8AC3E}">
+        <p14:creationId xmlns:p14="http://schemas.microsoft.com/office/powerpoint/2010/main" val="925195669"/>
+      </p:ext>
+    </p:extLst>
+  </p:cSld>
+  <p:clrMapOvr>
+    <a:masterClrMapping/>
+  </p:clrMapOvr>
+</p:sld>
+</file>
+
+<file path=ppt/slides/slide47.xml><?xml version="1.0" encoding="utf-8"?>
+<p:sld xmlns:a="http://schemas.openxmlformats.org/drawingml/2006/main" xmlns:r="http://schemas.openxmlformats.org/officeDocument/2006/relationships" xmlns:p="http://schemas.openxmlformats.org/presentationml/2006/main">
+  <p:cSld>
+    <p:spTree>
+      <p:nvGrpSpPr>
+        <p:cNvPr id="1" name=""/>
+        <p:cNvGrpSpPr/>
+        <p:nvPr/>
+      </p:nvGrpSpPr>
+      <p:grpSpPr>
+        <a:xfrm>
+          <a:off x="0" y="0"/>
+          <a:ext cx="0" cy="0"/>
+          <a:chOff x="0" y="0"/>
+          <a:chExt cx="0" cy="0"/>
+        </a:xfrm>
+      </p:grpSpPr>
+      <p:sp>
+        <p:nvSpPr>
+          <p:cNvPr id="19" name="标题 18"/>
+          <p:cNvSpPr>
+            <a:spLocks noGrp="1"/>
+          </p:cNvSpPr>
+          <p:nvPr>
+            <p:ph type="title"/>
+          </p:nvPr>
+        </p:nvSpPr>
+        <p:spPr/>
+        <p:txBody>
+          <a:bodyPr/>
+          <a:lstStyle/>
+          <a:p>
+            <a:r>
+              <a:rPr lang="en-US" altLang="zh-CN" dirty="0"/>
+              <a:t>8.3 </a:t>
+            </a:r>
+            <a:r>
+              <a:rPr lang="zh-CN" altLang="en-US" dirty="0"/>
+              <a:t>导入导出</a:t>
+            </a:r>
+            <a:endParaRPr lang="zh-CN" altLang="zh-CN" dirty="0"/>
+          </a:p>
+        </p:txBody>
+      </p:sp>
+      <p:sp>
+        <p:nvSpPr>
+          <p:cNvPr id="23" name="页脚占位符 1"/>
+          <p:cNvSpPr>
+            <a:spLocks noGrp="1"/>
+          </p:cNvSpPr>
+          <p:nvPr>
+            <p:ph type="ftr" sz="quarter" idx="11"/>
+          </p:nvPr>
+        </p:nvSpPr>
+        <p:spPr>
+          <a:xfrm>
+            <a:off x="3719736" y="6482667"/>
+            <a:ext cx="4752528" cy="366713"/>
+          </a:xfrm>
+        </p:spPr>
+        <p:txBody>
+          <a:bodyPr/>
+          <a:lstStyle/>
+          <a:p>
+            <a:pPr>
+              <a:defRPr/>
+            </a:pPr>
+            <a:r>
+              <a:rPr lang="en-US" altLang="zh-CN" dirty="0" err="1"/>
+              <a:t>版权归</a:t>
+            </a:r>
+            <a:r>
+              <a:rPr lang="en-US" altLang="zh-CN" dirty="0"/>
+              <a:t>© 2022 Tencent, </a:t>
+            </a:r>
+            <a:r>
+              <a:rPr lang="en-US" altLang="zh-CN" dirty="0" err="1"/>
+              <a:t>Inc.或其附属公司所有</a:t>
+            </a:r>
+            <a:r>
+              <a:rPr lang="en-US" altLang="zh-CN" dirty="0"/>
+              <a:t> </a:t>
+            </a:r>
+            <a:r>
+              <a:rPr lang="en-US" altLang="zh-CN" dirty="0" err="1"/>
+              <a:t>保留所有权利</a:t>
+            </a:r>
+            <a:r>
+              <a:rPr lang="en-US" altLang="zh-CN" dirty="0"/>
+              <a:t> </a:t>
+            </a:r>
+          </a:p>
+        </p:txBody>
+      </p:sp>
+      <p:pic>
+        <p:nvPicPr>
+          <p:cNvPr id="8" name="图片 7">
+            <a:extLst>
+              <a:ext uri="{FF2B5EF4-FFF2-40B4-BE49-F238E27FC236}">
+                <a16:creationId xmlns:a16="http://schemas.microsoft.com/office/drawing/2014/main" id="{32E0E1C4-89CB-46E1-A527-DDEA9FD4A82F}"/>
+              </a:ext>
+            </a:extLst>
+          </p:cNvPr>
+          <p:cNvPicPr/>
+          <p:nvPr/>
+        </p:nvPicPr>
+        <p:blipFill>
+          <a:blip r:embed="rId3"/>
+          <a:stretch>
+            <a:fillRect/>
+          </a:stretch>
+        </p:blipFill>
+        <p:spPr>
+          <a:xfrm>
+            <a:off x="838201" y="1484312"/>
+            <a:ext cx="4968239" cy="2996248"/>
+          </a:xfrm>
+          <a:prstGeom prst="rect">
+            <a:avLst/>
+          </a:prstGeom>
+          <a:noFill/>
+          <a:ln>
+            <a:noFill/>
+          </a:ln>
+        </p:spPr>
+      </p:pic>
+      <p:pic>
+        <p:nvPicPr>
+          <p:cNvPr id="9" name="图片 8">
+            <a:extLst>
+              <a:ext uri="{FF2B5EF4-FFF2-40B4-BE49-F238E27FC236}">
+                <a16:creationId xmlns:a16="http://schemas.microsoft.com/office/drawing/2014/main" id="{42E2BCC4-4B39-4BCE-B843-8424DBD2DB30}"/>
+              </a:ext>
+            </a:extLst>
+          </p:cNvPr>
+          <p:cNvPicPr/>
+          <p:nvPr/>
+        </p:nvPicPr>
+        <p:blipFill>
+          <a:blip r:embed="rId4"/>
+          <a:stretch>
+            <a:fillRect/>
+          </a:stretch>
+        </p:blipFill>
+        <p:spPr>
+          <a:xfrm>
+            <a:off x="6438899" y="1372711"/>
+            <a:ext cx="4914900" cy="3219450"/>
+          </a:xfrm>
+          <a:prstGeom prst="rect">
+            <a:avLst/>
+          </a:prstGeom>
+          <a:noFill/>
+          <a:ln>
+            <a:noFill/>
+          </a:ln>
+        </p:spPr>
+      </p:pic>
+    </p:spTree>
+    <p:extLst>
+      <p:ext uri="{BB962C8B-B14F-4D97-AF65-F5344CB8AC3E}">
+        <p14:creationId xmlns:p14="http://schemas.microsoft.com/office/powerpoint/2010/main" val="2135098985"/>
+      </p:ext>
+    </p:extLst>
+  </p:cSld>
+  <p:clrMapOvr>
+    <a:masterClrMapping/>
+  </p:clrMapOvr>
+</p:sld>
+</file>
+
+<file path=ppt/slides/slide48.xml><?xml version="1.0" encoding="utf-8"?>
+<p:sld xmlns:a="http://schemas.openxmlformats.org/drawingml/2006/main" xmlns:r="http://schemas.openxmlformats.org/officeDocument/2006/relationships" xmlns:p="http://schemas.openxmlformats.org/presentationml/2006/main">
+  <p:cSld>
+    <p:spTree>
+      <p:nvGrpSpPr>
+        <p:cNvPr id="1" name=""/>
+        <p:cNvGrpSpPr/>
+        <p:nvPr/>
+      </p:nvGrpSpPr>
+      <p:grpSpPr>
+        <a:xfrm>
+          <a:off x="0" y="0"/>
+          <a:ext cx="0" cy="0"/>
+          <a:chOff x="0" y="0"/>
+          <a:chExt cx="0" cy="0"/>
+        </a:xfrm>
+      </p:grpSpPr>
+      <p:sp>
+        <p:nvSpPr>
           <p:cNvPr id="22" name="MH_Others_3"/>
           <p:cNvSpPr txBox="1">
             <a:spLocks noChangeArrowheads="1"/>
@@ -27499,15 +29084,7 @@
             </a:r>
             <a:r>
               <a:rPr lang="en-US" altLang="zh-CN" dirty="0"/>
-              <a:t>© 2020 </a:t>
-            </a:r>
-            <a:r>
-              <a:rPr lang="en-US" altLang="zh-CN" dirty="0" err="1"/>
-              <a:t>Tencent</a:t>
-            </a:r>
-            <a:r>
-              <a:rPr lang="en-US" altLang="zh-CN" dirty="0"/>
-              <a:t>, </a:t>
+              <a:t>© 2022 Tencent, </a:t>
             </a:r>
             <a:r>
               <a:rPr lang="en-US" altLang="zh-CN" dirty="0" err="1"/>
@@ -27541,7 +29118,7 @@
 </p:sld>
 </file>
 
-<file path=ppt/slides/slide46.xml><?xml version="1.0" encoding="utf-8"?>
+<file path=ppt/slides/slide49.xml><?xml version="1.0" encoding="utf-8"?>
 <p:sld xmlns:a="http://schemas.openxmlformats.org/drawingml/2006/main" xmlns:r="http://schemas.openxmlformats.org/officeDocument/2006/relationships" xmlns:p="http://schemas.openxmlformats.org/presentationml/2006/main">
   <p:cSld>
     <p:spTree>
@@ -27615,7 +29192,7 @@
             </a:r>
             <a:r>
               <a:rPr lang="en-US" altLang="zh-CN" dirty="0"/>
-              <a:t>© 2020 Tencent, </a:t>
+              <a:t>© 2022 Tencent, </a:t>
             </a:r>
             <a:r>
               <a:rPr lang="en-US" altLang="zh-CN" dirty="0" err="1"/>
@@ -27685,7 +29262,7 @@
 </p:sld>
 </file>
 
-<file path=ppt/slides/slide47.xml><?xml version="1.0" encoding="utf-8"?>
+<file path=ppt/slides/slide5.xml><?xml version="1.0" encoding="utf-8"?>
 <p:sld xmlns:a="http://schemas.openxmlformats.org/drawingml/2006/main" xmlns:r="http://schemas.openxmlformats.org/officeDocument/2006/relationships" xmlns:p="http://schemas.openxmlformats.org/presentationml/2006/main">
   <p:cSld>
     <p:spTree>
@@ -27719,18 +29296,120 @@
           <a:p>
             <a:r>
               <a:rPr lang="en-US" altLang="zh-CN" dirty="0"/>
-              <a:t>9.2 </a:t>
-            </a:r>
-            <a:r>
-              <a:rPr lang="en-US" altLang="zh-CN" dirty="0">
+              <a:t>1.1 </a:t>
+            </a:r>
+            <a:r>
+              <a:rPr lang="zh-CN" altLang="en-US" dirty="0">
                 <a:solidFill>
                   <a:srgbClr val="01ACF1"/>
                 </a:solidFill>
                 <a:cs typeface="+mn-ea"/>
                 <a:sym typeface="+mn-lt"/>
               </a:rPr>
-              <a:t>OMM/Insight</a:t>
-            </a:r>
+              <a:t>应用场景</a:t>
+            </a:r>
+            <a:endParaRPr lang="zh-CN" altLang="en-US" dirty="0"/>
+          </a:p>
+        </p:txBody>
+      </p:sp>
+      <p:sp>
+        <p:nvSpPr>
+          <p:cNvPr id="3" name="内容占位符 2"/>
+          <p:cNvSpPr>
+            <a:spLocks noGrp="1"/>
+          </p:cNvSpPr>
+          <p:nvPr>
+            <p:ph idx="1"/>
+          </p:nvPr>
+        </p:nvSpPr>
+        <p:spPr>
+          <a:xfrm>
+            <a:off x="838201" y="1268760"/>
+            <a:ext cx="10658399" cy="3729960"/>
+          </a:xfrm>
+        </p:spPr>
+        <p:txBody>
+          <a:bodyPr/>
+          <a:lstStyle/>
+          <a:p>
+            <a:r>
+              <a:rPr lang="zh-CN" altLang="en-US" dirty="0"/>
+              <a:t>应用场景</a:t>
+            </a:r>
+            <a:endParaRPr lang="en-US" altLang="zh-CN" dirty="0"/>
+          </a:p>
+          <a:p>
+            <a:pPr lvl="1"/>
+            <a:r>
+              <a:rPr lang="zh-CN" altLang="en-US" dirty="0"/>
+              <a:t>银行、金融、证券、电信领域核心业务。</a:t>
+            </a:r>
+            <a:endParaRPr lang="en-US" altLang="zh-CN" dirty="0"/>
+          </a:p>
+          <a:p>
+            <a:pPr lvl="1"/>
+            <a:r>
+              <a:rPr lang="en-US" altLang="zh-CN" dirty="0"/>
+              <a:t>OLTP</a:t>
+            </a:r>
+            <a:r>
+              <a:rPr lang="zh-CN" altLang="en-US" dirty="0"/>
+              <a:t>业务场景（</a:t>
+            </a:r>
+            <a:r>
+              <a:rPr lang="en-US" altLang="zh-CN" dirty="0"/>
+              <a:t>OLAP</a:t>
+            </a:r>
+            <a:r>
+              <a:rPr lang="zh-CN" altLang="en-US" dirty="0"/>
+              <a:t>引擎基于</a:t>
+            </a:r>
+            <a:r>
+              <a:rPr lang="en-US" altLang="zh-CN" dirty="0"/>
+              <a:t>presto</a:t>
+            </a:r>
+            <a:r>
+              <a:rPr lang="zh-CN" altLang="en-US" dirty="0"/>
+              <a:t>实现，暂无法商用）</a:t>
+            </a:r>
+          </a:p>
+          <a:p>
+            <a:pPr lvl="1"/>
+            <a:endParaRPr lang="en-US" altLang="zh-CN" dirty="0"/>
+          </a:p>
+          <a:p>
+            <a:pPr lvl="1"/>
+            <a:endParaRPr lang="zh-CN" altLang="en-US" dirty="0">
+              <a:solidFill>
+                <a:srgbClr val="0000FF"/>
+              </a:solidFill>
+              <a:sym typeface="+mn-ea"/>
+            </a:endParaRPr>
+          </a:p>
+          <a:p>
+            <a:pPr lvl="1"/>
+            <a:endParaRPr lang="en-US" altLang="zh-CN" dirty="0"/>
+          </a:p>
+          <a:p>
+            <a:pPr lvl="1"/>
+            <a:endParaRPr lang="zh-CN" altLang="en-US" dirty="0"/>
+          </a:p>
+          <a:p>
+            <a:pPr lvl="1"/>
+            <a:endParaRPr lang="zh-CN" altLang="en-US" dirty="0"/>
+          </a:p>
+          <a:p>
+            <a:pPr lvl="1"/>
+            <a:endParaRPr lang="zh-CN" altLang="en-US" dirty="0"/>
+          </a:p>
+          <a:p>
+            <a:pPr lvl="1"/>
+            <a:endParaRPr lang="en-US" altLang="zh-CN" dirty="0"/>
+          </a:p>
+          <a:p>
+            <a:pPr marL="480695" lvl="1" indent="0">
+              <a:buNone/>
+            </a:pPr>
             <a:endParaRPr lang="zh-CN" altLang="en-US" dirty="0"/>
           </a:p>
         </p:txBody>
@@ -27759,7 +29438,110 @@
             </a:r>
             <a:r>
               <a:rPr lang="en-US" altLang="zh-CN" dirty="0"/>
-              <a:t>© 2020 Tencent, </a:t>
+              <a:t>© 2022 Tencent, </a:t>
+            </a:r>
+            <a:r>
+              <a:rPr lang="en-US" altLang="zh-CN" dirty="0" err="1"/>
+              <a:t>Inc.或其附属公司所有</a:t>
+            </a:r>
+            <a:r>
+              <a:rPr lang="en-US" altLang="zh-CN" dirty="0"/>
+              <a:t> </a:t>
+            </a:r>
+            <a:r>
+              <a:rPr lang="en-US" altLang="zh-CN" dirty="0" err="1"/>
+              <a:t>保留所有权利</a:t>
+            </a:r>
+            <a:r>
+              <a:rPr lang="en-US" altLang="zh-CN" dirty="0"/>
+              <a:t> </a:t>
+            </a:r>
+          </a:p>
+        </p:txBody>
+      </p:sp>
+    </p:spTree>
+  </p:cSld>
+  <p:clrMapOvr>
+    <a:masterClrMapping/>
+  </p:clrMapOvr>
+</p:sld>
+</file>
+
+<file path=ppt/slides/slide50.xml><?xml version="1.0" encoding="utf-8"?>
+<p:sld xmlns:a="http://schemas.openxmlformats.org/drawingml/2006/main" xmlns:r="http://schemas.openxmlformats.org/officeDocument/2006/relationships" xmlns:p="http://schemas.openxmlformats.org/presentationml/2006/main">
+  <p:cSld>
+    <p:spTree>
+      <p:nvGrpSpPr>
+        <p:cNvPr id="1" name=""/>
+        <p:cNvGrpSpPr/>
+        <p:nvPr/>
+      </p:nvGrpSpPr>
+      <p:grpSpPr>
+        <a:xfrm>
+          <a:off x="0" y="0"/>
+          <a:ext cx="0" cy="0"/>
+          <a:chOff x="0" y="0"/>
+          <a:chExt cx="0" cy="0"/>
+        </a:xfrm>
+      </p:grpSpPr>
+      <p:sp>
+        <p:nvSpPr>
+          <p:cNvPr id="2" name="标题 1"/>
+          <p:cNvSpPr>
+            <a:spLocks noGrp="1"/>
+          </p:cNvSpPr>
+          <p:nvPr>
+            <p:ph type="title"/>
+          </p:nvPr>
+        </p:nvSpPr>
+        <p:spPr/>
+        <p:txBody>
+          <a:bodyPr/>
+          <a:lstStyle/>
+          <a:p>
+            <a:r>
+              <a:rPr lang="en-US" altLang="zh-CN" dirty="0"/>
+              <a:t>9.2 </a:t>
+            </a:r>
+            <a:r>
+              <a:rPr lang="en-US" altLang="zh-CN" dirty="0">
+                <a:solidFill>
+                  <a:srgbClr val="01ACF1"/>
+                </a:solidFill>
+                <a:cs typeface="+mn-ea"/>
+                <a:sym typeface="+mn-lt"/>
+              </a:rPr>
+              <a:t>OMM/Insight</a:t>
+            </a:r>
+            <a:endParaRPr lang="zh-CN" altLang="en-US" dirty="0"/>
+          </a:p>
+        </p:txBody>
+      </p:sp>
+      <p:sp>
+        <p:nvSpPr>
+          <p:cNvPr id="4" name="页脚占位符 3"/>
+          <p:cNvSpPr>
+            <a:spLocks noGrp="1"/>
+          </p:cNvSpPr>
+          <p:nvPr>
+            <p:ph type="ftr" sz="quarter" idx="11"/>
+          </p:nvPr>
+        </p:nvSpPr>
+        <p:spPr/>
+        <p:txBody>
+          <a:bodyPr/>
+          <a:lstStyle/>
+          <a:p>
+            <a:pPr>
+              <a:defRPr/>
+            </a:pPr>
+            <a:r>
+              <a:rPr lang="en-US" altLang="zh-CN" dirty="0" err="1"/>
+              <a:t>版权归</a:t>
+            </a:r>
+            <a:r>
+              <a:rPr lang="en-US" altLang="zh-CN" dirty="0"/>
+              <a:t>© 2022 Tencent, </a:t>
             </a:r>
             <a:r>
               <a:rPr lang="en-US" altLang="zh-CN" dirty="0" err="1"/>
@@ -27829,7 +29611,7 @@
 </p:sld>
 </file>
 
-<file path=ppt/slides/slide48.xml><?xml version="1.0" encoding="utf-8"?>
+<file path=ppt/slides/slide51.xml><?xml version="1.0" encoding="utf-8"?>
 <p:sld xmlns:a="http://schemas.openxmlformats.org/drawingml/2006/main" xmlns:r="http://schemas.openxmlformats.org/officeDocument/2006/relationships" xmlns:p="http://schemas.openxmlformats.org/presentationml/2006/main">
   <p:cSld>
     <p:spTree>
@@ -28852,15 +30634,7 @@
             </a:r>
             <a:r>
               <a:rPr lang="en-US" altLang="zh-CN" dirty="0"/>
-              <a:t>© 2020 </a:t>
-            </a:r>
-            <a:r>
-              <a:rPr lang="en-US" altLang="zh-CN" dirty="0" err="1"/>
-              <a:t>Tencent</a:t>
-            </a:r>
-            <a:r>
-              <a:rPr lang="en-US" altLang="zh-CN" dirty="0"/>
-              <a:t>, </a:t>
+              <a:t>© 2022 Tencent, </a:t>
             </a:r>
             <a:r>
               <a:rPr lang="en-US" altLang="zh-CN" dirty="0" err="1"/>
@@ -28894,7 +30668,7 @@
 </p:sld>
 </file>
 
-<file path=ppt/slides/slide49.xml><?xml version="1.0" encoding="utf-8"?>
+<file path=ppt/slides/slide52.xml><?xml version="1.0" encoding="utf-8"?>
 <p:sld xmlns:a="http://schemas.openxmlformats.org/drawingml/2006/main" xmlns:r="http://schemas.openxmlformats.org/officeDocument/2006/relationships" xmlns:p="http://schemas.openxmlformats.org/presentationml/2006/main">
   <p:cSld>
     <p:spTree>
@@ -29040,7 +30814,7 @@
             <a:pPr lvl="1"/>
             <a:r>
               <a:rPr lang="zh-CN" altLang="en-US" dirty="0"/>
-              <a:t>网元过多，网络交互复杂</a:t>
+              <a:t>全局管理网元过多，网络交互复杂</a:t>
             </a:r>
             <a:endParaRPr lang="en-US" altLang="zh-CN" dirty="0"/>
           </a:p>
@@ -29123,7 +30897,7 @@
             </a:r>
             <a:r>
               <a:rPr lang="en-US" altLang="zh-CN" dirty="0"/>
-              <a:t>© 2020 Tencent, </a:t>
+              <a:t>© 2022 Tencent, </a:t>
             </a:r>
             <a:r>
               <a:rPr lang="en-US" altLang="zh-CN" dirty="0" err="1"/>
@@ -29157,7 +30931,7 @@
 </p:sld>
 </file>
 
-<file path=ppt/slides/slide5.xml><?xml version="1.0" encoding="utf-8"?>
+<file path=ppt/slides/slide53.xml><?xml version="1.0" encoding="utf-8"?>
 <p:sld xmlns:a="http://schemas.openxmlformats.org/drawingml/2006/main" xmlns:r="http://schemas.openxmlformats.org/officeDocument/2006/relationships" xmlns:p="http://schemas.openxmlformats.org/presentationml/2006/main">
   <p:cSld>
     <p:spTree>
@@ -29191,7 +30965,7 @@
           <a:p>
             <a:r>
               <a:rPr lang="en-US" altLang="zh-CN" dirty="0"/>
-              <a:t>1.1 </a:t>
+              <a:t>10.2 </a:t>
             </a:r>
             <a:r>
               <a:rPr lang="zh-CN" altLang="en-US" dirty="0">
@@ -29201,7 +30975,7 @@
                 <a:cs typeface="+mn-ea"/>
                 <a:sym typeface="+mn-lt"/>
               </a:rPr>
-              <a:t>应用场景</a:t>
+              <a:t>后续发展</a:t>
             </a:r>
             <a:endParaRPr lang="zh-CN" altLang="en-US" dirty="0"/>
           </a:p>
@@ -29217,14 +30991,19 @@
             <p:ph idx="1"/>
           </p:nvPr>
         </p:nvSpPr>
-        <p:spPr/>
+        <p:spPr>
+          <a:xfrm>
+            <a:off x="838201" y="1085879"/>
+            <a:ext cx="10658399" cy="5396787"/>
+          </a:xfrm>
+        </p:spPr>
         <p:txBody>
           <a:bodyPr/>
           <a:lstStyle/>
           <a:p>
             <a:r>
               <a:rPr lang="zh-CN" altLang="en-US" dirty="0"/>
-              <a:t>应用场景</a:t>
+              <a:t>后续发展</a:t>
             </a:r>
             <a:endParaRPr lang="en-US" altLang="zh-CN" dirty="0"/>
           </a:p>
@@ -29232,8 +31011,58 @@
             <a:pPr lvl="1"/>
             <a:r>
               <a:rPr lang="zh-CN" altLang="en-US" dirty="0"/>
-              <a:t>金融、证券、电信领域核心业务。</a:t>
-            </a:r>
+              <a:t>兼容性：</a:t>
+            </a:r>
+            <a:r>
+              <a:rPr lang="en-US" altLang="zh-CN" dirty="0"/>
+              <a:t>Oracle</a:t>
+            </a:r>
+            <a:r>
+              <a:rPr lang="zh-CN" altLang="en-US" dirty="0"/>
+              <a:t>兼容性，计算节点和数据节点的兼容性</a:t>
+            </a:r>
+            <a:endParaRPr lang="en-US" altLang="zh-CN" dirty="0"/>
+          </a:p>
+          <a:p>
+            <a:pPr lvl="1"/>
+            <a:r>
+              <a:rPr lang="en-US" altLang="zh-CN" dirty="0"/>
+              <a:t>HTAP</a:t>
+            </a:r>
+            <a:r>
+              <a:rPr lang="zh-CN" altLang="en-US" dirty="0"/>
+              <a:t>架构：</a:t>
+            </a:r>
+            <a:r>
+              <a:rPr lang="en-US" altLang="zh-CN" dirty="0"/>
+              <a:t>DDL/DML/Transaction</a:t>
+            </a:r>
+            <a:r>
+              <a:rPr lang="zh-CN" altLang="en-US" dirty="0"/>
+              <a:t>支持</a:t>
+            </a:r>
+            <a:endParaRPr lang="en-US" altLang="zh-CN" dirty="0"/>
+          </a:p>
+          <a:p>
+            <a:pPr lvl="1"/>
+            <a:r>
+              <a:rPr lang="zh-CN" altLang="en-US" dirty="0"/>
+              <a:t>减少网元，统一采用</a:t>
+            </a:r>
+            <a:r>
+              <a:rPr lang="en-US" altLang="zh-CN" dirty="0" err="1"/>
+              <a:t>zk</a:t>
+            </a:r>
+            <a:r>
+              <a:rPr lang="zh-CN" altLang="en-US" dirty="0"/>
+              <a:t>管理元数据</a:t>
+            </a:r>
+          </a:p>
+          <a:p>
+            <a:pPr marL="480695" lvl="1" indent="0">
+              <a:buNone/>
+            </a:pPr>
+            <a:endParaRPr lang="zh-CN" altLang="en-US" dirty="0"/>
           </a:p>
           <a:p>
             <a:pPr lvl="1"/>
@@ -29300,7 +31129,7 @@
             </a:r>
             <a:r>
               <a:rPr lang="en-US" altLang="zh-CN" dirty="0"/>
-              <a:t>© 2020 Tencent, </a:t>
+              <a:t>© 2022 Tencent, </a:t>
             </a:r>
             <a:r>
               <a:rPr lang="en-US" altLang="zh-CN" dirty="0" err="1"/>
@@ -29322,6 +31151,11 @@
         </p:txBody>
       </p:sp>
     </p:spTree>
+    <p:extLst>
+      <p:ext uri="{BB962C8B-B14F-4D97-AF65-F5344CB8AC3E}">
+        <p14:creationId xmlns:p14="http://schemas.microsoft.com/office/powerpoint/2010/main" val="920801192"/>
+      </p:ext>
+    </p:extLst>
   </p:cSld>
   <p:clrMapOvr>
     <a:masterClrMapping/>
@@ -29329,7 +31163,7 @@
 </p:sld>
 </file>
 
-<file path=ppt/slides/slide50.xml><?xml version="1.0" encoding="utf-8"?>
+<file path=ppt/slides/slide54.xml><?xml version="1.0" encoding="utf-8"?>
 <p:sld xmlns:a="http://schemas.openxmlformats.org/drawingml/2006/main" xmlns:r="http://schemas.openxmlformats.org/officeDocument/2006/relationships" xmlns:p="http://schemas.openxmlformats.org/presentationml/2006/main">
   <p:cSld>
     <p:spTree>
@@ -29348,238 +31182,6 @@
       </p:grpSpPr>
       <p:sp>
         <p:nvSpPr>
-          <p:cNvPr id="2" name="标题 1"/>
-          <p:cNvSpPr>
-            <a:spLocks noGrp="1"/>
-          </p:cNvSpPr>
-          <p:nvPr>
-            <p:ph type="title"/>
-          </p:nvPr>
-        </p:nvSpPr>
-        <p:spPr/>
-        <p:txBody>
-          <a:bodyPr/>
-          <a:lstStyle/>
-          <a:p>
-            <a:r>
-              <a:rPr lang="en-US" altLang="zh-CN" dirty="0"/>
-              <a:t>10.2 </a:t>
-            </a:r>
-            <a:r>
-              <a:rPr lang="zh-CN" altLang="en-US" dirty="0">
-                <a:solidFill>
-                  <a:srgbClr val="01ACF1"/>
-                </a:solidFill>
-                <a:cs typeface="+mn-ea"/>
-                <a:sym typeface="+mn-lt"/>
-              </a:rPr>
-              <a:t>后续发展</a:t>
-            </a:r>
-            <a:endParaRPr lang="zh-CN" altLang="en-US" dirty="0"/>
-          </a:p>
-        </p:txBody>
-      </p:sp>
-      <p:sp>
-        <p:nvSpPr>
-          <p:cNvPr id="3" name="内容占位符 2"/>
-          <p:cNvSpPr>
-            <a:spLocks noGrp="1"/>
-          </p:cNvSpPr>
-          <p:nvPr>
-            <p:ph idx="1"/>
-          </p:nvPr>
-        </p:nvSpPr>
-        <p:spPr>
-          <a:xfrm>
-            <a:off x="838201" y="1085879"/>
-            <a:ext cx="10658399" cy="5396787"/>
-          </a:xfrm>
-        </p:spPr>
-        <p:txBody>
-          <a:bodyPr/>
-          <a:lstStyle/>
-          <a:p>
-            <a:r>
-              <a:rPr lang="zh-CN" altLang="en-US" dirty="0"/>
-              <a:t>后续发展</a:t>
-            </a:r>
-            <a:endParaRPr lang="en-US" altLang="zh-CN" dirty="0"/>
-          </a:p>
-          <a:p>
-            <a:pPr lvl="1"/>
-            <a:r>
-              <a:rPr lang="zh-CN" altLang="en-US" dirty="0"/>
-              <a:t>兼容性：</a:t>
-            </a:r>
-            <a:r>
-              <a:rPr lang="en-US" altLang="zh-CN" dirty="0"/>
-              <a:t>Oracle</a:t>
-            </a:r>
-            <a:r>
-              <a:rPr lang="zh-CN" altLang="en-US" dirty="0"/>
-              <a:t>兼容性，计算节点和数据节点的兼容性</a:t>
-            </a:r>
-            <a:endParaRPr lang="en-US" altLang="zh-CN" dirty="0"/>
-          </a:p>
-          <a:p>
-            <a:pPr lvl="1"/>
-            <a:r>
-              <a:rPr lang="en-US" altLang="zh-CN" dirty="0"/>
-              <a:t>HTAP</a:t>
-            </a:r>
-            <a:r>
-              <a:rPr lang="zh-CN" altLang="en-US" dirty="0"/>
-              <a:t>架构：</a:t>
-            </a:r>
-            <a:r>
-              <a:rPr lang="en-US" altLang="zh-CN" dirty="0"/>
-              <a:t>DDL/DML/Transaction</a:t>
-            </a:r>
-            <a:r>
-              <a:rPr lang="zh-CN" altLang="en-US" dirty="0"/>
-              <a:t>支持</a:t>
-            </a:r>
-            <a:endParaRPr lang="en-US" altLang="zh-CN" dirty="0"/>
-          </a:p>
-          <a:p>
-            <a:pPr lvl="1"/>
-            <a:r>
-              <a:rPr lang="zh-CN" altLang="en-US" dirty="0"/>
-              <a:t>减少网元，统一采用</a:t>
-            </a:r>
-            <a:r>
-              <a:rPr lang="en-US" altLang="zh-CN" dirty="0" err="1"/>
-              <a:t>zk</a:t>
-            </a:r>
-            <a:r>
-              <a:rPr lang="zh-CN" altLang="en-US" dirty="0"/>
-              <a:t>管理元数据</a:t>
-            </a:r>
-          </a:p>
-          <a:p>
-            <a:pPr marL="480695" lvl="1" indent="0">
-              <a:buNone/>
-            </a:pPr>
-            <a:endParaRPr lang="zh-CN" altLang="en-US" dirty="0"/>
-          </a:p>
-          <a:p>
-            <a:pPr lvl="1"/>
-            <a:endParaRPr lang="en-US" altLang="zh-CN" dirty="0"/>
-          </a:p>
-          <a:p>
-            <a:pPr lvl="1"/>
-            <a:endParaRPr lang="zh-CN" altLang="en-US" dirty="0">
-              <a:solidFill>
-                <a:srgbClr val="0000FF"/>
-              </a:solidFill>
-              <a:sym typeface="+mn-ea"/>
-            </a:endParaRPr>
-          </a:p>
-          <a:p>
-            <a:pPr lvl="1"/>
-            <a:endParaRPr lang="en-US" altLang="zh-CN" dirty="0"/>
-          </a:p>
-          <a:p>
-            <a:pPr lvl="1"/>
-            <a:endParaRPr lang="zh-CN" altLang="en-US" dirty="0"/>
-          </a:p>
-          <a:p>
-            <a:pPr lvl="1"/>
-            <a:endParaRPr lang="zh-CN" altLang="en-US" dirty="0"/>
-          </a:p>
-          <a:p>
-            <a:pPr lvl="1"/>
-            <a:endParaRPr lang="zh-CN" altLang="en-US" dirty="0"/>
-          </a:p>
-          <a:p>
-            <a:pPr lvl="1"/>
-            <a:endParaRPr lang="en-US" altLang="zh-CN" dirty="0"/>
-          </a:p>
-          <a:p>
-            <a:pPr marL="480695" lvl="1" indent="0">
-              <a:buNone/>
-            </a:pPr>
-            <a:endParaRPr lang="zh-CN" altLang="en-US" dirty="0"/>
-          </a:p>
-        </p:txBody>
-      </p:sp>
-      <p:sp>
-        <p:nvSpPr>
-          <p:cNvPr id="4" name="页脚占位符 3"/>
-          <p:cNvSpPr>
-            <a:spLocks noGrp="1"/>
-          </p:cNvSpPr>
-          <p:nvPr>
-            <p:ph type="ftr" sz="quarter" idx="11"/>
-          </p:nvPr>
-        </p:nvSpPr>
-        <p:spPr/>
-        <p:txBody>
-          <a:bodyPr/>
-          <a:lstStyle/>
-          <a:p>
-            <a:pPr>
-              <a:defRPr/>
-            </a:pPr>
-            <a:r>
-              <a:rPr lang="en-US" altLang="zh-CN" dirty="0" err="1"/>
-              <a:t>版权归</a:t>
-            </a:r>
-            <a:r>
-              <a:rPr lang="en-US" altLang="zh-CN" dirty="0"/>
-              <a:t>© 2020 Tencent, </a:t>
-            </a:r>
-            <a:r>
-              <a:rPr lang="en-US" altLang="zh-CN" dirty="0" err="1"/>
-              <a:t>Inc.或其附属公司所有</a:t>
-            </a:r>
-            <a:r>
-              <a:rPr lang="en-US" altLang="zh-CN" dirty="0"/>
-              <a:t> </a:t>
-            </a:r>
-            <a:r>
-              <a:rPr lang="en-US" altLang="zh-CN" dirty="0" err="1"/>
-              <a:t>保留所有权利</a:t>
-            </a:r>
-            <a:r>
-              <a:rPr lang="en-US" altLang="zh-CN" dirty="0"/>
-              <a:t> </a:t>
-            </a:r>
-          </a:p>
-        </p:txBody>
-      </p:sp>
-    </p:spTree>
-    <p:extLst>
-      <p:ext uri="{BB962C8B-B14F-4D97-AF65-F5344CB8AC3E}">
-        <p14:creationId xmlns:p14="http://schemas.microsoft.com/office/powerpoint/2010/main" val="920801192"/>
-      </p:ext>
-    </p:extLst>
-  </p:cSld>
-  <p:clrMapOvr>
-    <a:masterClrMapping/>
-  </p:clrMapOvr>
-</p:sld>
-</file>
-
-<file path=ppt/slides/slide51.xml><?xml version="1.0" encoding="utf-8"?>
-<p:sld xmlns:a="http://schemas.openxmlformats.org/drawingml/2006/main" xmlns:r="http://schemas.openxmlformats.org/officeDocument/2006/relationships" xmlns:p="http://schemas.openxmlformats.org/presentationml/2006/main">
-  <p:cSld>
-    <p:spTree>
-      <p:nvGrpSpPr>
-        <p:cNvPr id="1" name=""/>
-        <p:cNvGrpSpPr/>
-        <p:nvPr/>
-      </p:nvGrpSpPr>
-      <p:grpSpPr>
-        <a:xfrm>
-          <a:off x="0" y="0"/>
-          <a:ext cx="0" cy="0"/>
-          <a:chOff x="0" y="0"/>
-          <a:chExt cx="0" cy="0"/>
-        </a:xfrm>
-      </p:grpSpPr>
-      <p:sp>
-        <p:nvSpPr>
           <p:cNvPr id="2" name="页脚占位符 1"/>
           <p:cNvSpPr>
             <a:spLocks noGrp="1"/>
@@ -29597,10 +31199,29 @@
               <a:defRPr/>
             </a:pPr>
             <a:r>
-              <a:rPr lang="en-US" altLang="zh-CN"/>
-              <a:t>版权归© 2020 Tencent, Inc.或其附属公司所有 保留所有权利 </a:t>
-            </a:r>
-            <a:endParaRPr lang="en-US" altLang="zh-CN" dirty="0"/>
+              <a:rPr lang="en-US" altLang="zh-CN" dirty="0" err="1"/>
+              <a:t>版权归</a:t>
+            </a:r>
+            <a:r>
+              <a:rPr lang="en-US" altLang="zh-CN" dirty="0"/>
+              <a:t>© 2022 Tencent, </a:t>
+            </a:r>
+            <a:r>
+              <a:rPr lang="en-US" altLang="zh-CN" dirty="0" err="1"/>
+              <a:t>Inc.或其附属公司所有</a:t>
+            </a:r>
+            <a:r>
+              <a:rPr lang="en-US" altLang="zh-CN" dirty="0"/>
+              <a:t> </a:t>
+            </a:r>
+            <a:r>
+              <a:rPr lang="en-US" altLang="zh-CN" dirty="0" err="1"/>
+              <a:t>保留所有权利</a:t>
+            </a:r>
+            <a:r>
+              <a:rPr lang="en-US" altLang="zh-CN" dirty="0"/>
+              <a:t> </a:t>
+            </a:r>
           </a:p>
         </p:txBody>
       </p:sp>
@@ -29679,7 +31300,7 @@
             </a:r>
             <a:r>
               <a:rPr lang="en-US" altLang="zh-CN" dirty="0"/>
-              <a:t>© 2020 Tencent, </a:t>
+              <a:t>© 2022 Tencent, </a:t>
             </a:r>
             <a:r>
               <a:rPr lang="en-US" altLang="zh-CN" dirty="0" err="1"/>
@@ -29728,8 +31349,8 @@
         </p:blipFill>
         <p:spPr>
           <a:xfrm>
-            <a:off x="1724297" y="1371137"/>
-            <a:ext cx="8456132" cy="4115726"/>
+            <a:off x="1114615" y="1320336"/>
+            <a:ext cx="9258854" cy="4506423"/>
           </a:xfrm>
           <a:prstGeom prst="rect">
             <a:avLst/>
@@ -29811,7 +31432,7 @@
             </a:r>
             <a:r>
               <a:rPr lang="en-US" altLang="zh-CN" dirty="0"/>
-              <a:t>© 2020 Tencent, </a:t>
+              <a:t>© 2022 Tencent, </a:t>
             </a:r>
             <a:r>
               <a:rPr lang="en-US" altLang="zh-CN" dirty="0" err="1"/>
@@ -29927,8 +31548,8 @@
         </p:nvSpPr>
         <p:spPr>
           <a:xfrm>
-            <a:off x="2709885" y="4226980"/>
-            <a:ext cx="2340426" cy="1839685"/>
+            <a:off x="2709885" y="4226981"/>
+            <a:ext cx="2340426" cy="1604860"/>
           </a:xfrm>
           <a:prstGeom prst="rect">
             <a:avLst/>
@@ -30013,7 +31634,7 @@
           <a:p>
             <a:pPr algn="ctr"/>
             <a:r>
-              <a:rPr lang="en-US" altLang="zh-CN" sz="1600" b="1" dirty="0" err="1">
+              <a:rPr lang="en-US" altLang="zh-CN" sz="1600" b="1" dirty="0">
                 <a:solidFill>
                   <a:prstClr val="black">
                     <a:lumMod val="75000"/>
@@ -30022,7 +31643,7 @@
                 </a:solidFill>
                 <a:latin typeface="+mn-ea"/>
               </a:rPr>
-              <a:t>MariaDB</a:t>
+              <a:t>MySQL</a:t>
             </a:r>
             <a:endParaRPr lang="zh-CN" altLang="en-US" sz="1600" b="1" dirty="0">
               <a:solidFill>
@@ -30080,7 +31701,7 @@
                 </a:solidFill>
                 <a:latin typeface="+mn-ea"/>
               </a:rPr>
-              <a:t>10.1</a:t>
+              <a:t>5.7</a:t>
             </a:r>
             <a:endParaRPr lang="zh-CN" altLang="en-US" sz="1600" dirty="0">
               <a:solidFill>
@@ -30138,7 +31759,7 @@
                 </a:solidFill>
                 <a:latin typeface="+mn-ea"/>
               </a:rPr>
-              <a:t>10.0</a:t>
+              <a:t>8.0</a:t>
             </a:r>
             <a:endParaRPr lang="zh-CN" altLang="en-US" sz="1600" dirty="0">
               <a:solidFill>
@@ -30160,8 +31781,8 @@
         </p:nvSpPr>
         <p:spPr>
           <a:xfrm>
-            <a:off x="6813798" y="4226980"/>
-            <a:ext cx="2242457" cy="1839685"/>
+            <a:off x="6823958" y="4226982"/>
+            <a:ext cx="2242457" cy="1604860"/>
           </a:xfrm>
           <a:prstGeom prst="rect">
             <a:avLst/>
@@ -30246,7 +31867,7 @@
           <a:p>
             <a:pPr algn="ctr"/>
             <a:r>
-              <a:rPr lang="en-US" altLang="zh-CN" sz="1600" b="1" dirty="0" err="1">
+              <a:rPr lang="en-US" altLang="zh-CN" sz="1600" b="1" dirty="0">
                 <a:solidFill>
                   <a:prstClr val="black">
                     <a:lumMod val="75000"/>
@@ -30255,19 +31876,7 @@
                 </a:solidFill>
                 <a:latin typeface="+mn-ea"/>
               </a:rPr>
-              <a:t>Percona</a:t>
-            </a:r>
-            <a:r>
-              <a:rPr lang="en-US" altLang="zh-CN" sz="1600" b="1" dirty="0">
-                <a:solidFill>
-                  <a:prstClr val="black">
-                    <a:lumMod val="75000"/>
-                    <a:lumOff val="25000"/>
-                  </a:prstClr>
-                </a:solidFill>
-                <a:latin typeface="+mn-ea"/>
-              </a:rPr>
-              <a:t>/MySQL</a:t>
+              <a:t>Oracle</a:t>
             </a:r>
             <a:endParaRPr lang="zh-CN" altLang="en-US" sz="1600" b="1" dirty="0">
               <a:solidFill>
@@ -30283,72 +31892,142 @@
       </p:sp>
       <p:sp>
         <p:nvSpPr>
-          <p:cNvPr id="51" name="矩形 50"/>
-          <p:cNvSpPr/>
-          <p:nvPr/>
+          <p:cNvPr id="16" name="页脚占位符 1"/>
+          <p:cNvSpPr>
+            <a:spLocks noGrp="1"/>
+          </p:cNvSpPr>
+          <p:nvPr>
+            <p:ph type="ftr" sz="quarter" idx="11"/>
+          </p:nvPr>
         </p:nvSpPr>
         <p:spPr>
           <a:xfrm>
-            <a:off x="6933540" y="5293779"/>
-            <a:ext cx="858868" cy="370114"/>
+            <a:off x="3719736" y="6482667"/>
+            <a:ext cx="4752528" cy="366713"/>
+          </a:xfrm>
+        </p:spPr>
+        <p:txBody>
+          <a:bodyPr/>
+          <a:lstStyle/>
+          <a:p>
+            <a:pPr>
+              <a:defRPr/>
+            </a:pPr>
+            <a:r>
+              <a:rPr lang="en-US" altLang="zh-CN" dirty="0" err="1"/>
+              <a:t>版权归</a:t>
+            </a:r>
+            <a:r>
+              <a:rPr lang="en-US" altLang="zh-CN" dirty="0"/>
+              <a:t>© 2022 Tencent, </a:t>
+            </a:r>
+            <a:r>
+              <a:rPr lang="en-US" altLang="zh-CN" dirty="0" err="1"/>
+              <a:t>Inc.或其附属公司所有</a:t>
+            </a:r>
+            <a:r>
+              <a:rPr lang="en-US" altLang="zh-CN" dirty="0"/>
+              <a:t> </a:t>
+            </a:r>
+            <a:r>
+              <a:rPr lang="en-US" altLang="zh-CN" dirty="0" err="1"/>
+              <a:t>保留所有权利</a:t>
+            </a:r>
+            <a:r>
+              <a:rPr lang="en-US" altLang="zh-CN" dirty="0"/>
+              <a:t> </a:t>
+            </a:r>
+          </a:p>
+        </p:txBody>
+      </p:sp>
+      <p:pic>
+        <p:nvPicPr>
+          <p:cNvPr id="5" name="图片 4" descr="图片包含 徽标&#10;&#10;描述已自动生成">
+            <a:extLst>
+              <a:ext uri="{FF2B5EF4-FFF2-40B4-BE49-F238E27FC236}">
+                <a16:creationId xmlns:a16="http://schemas.microsoft.com/office/drawing/2014/main" id="{CBF7826E-2CD2-4DE8-9DF3-E91B843F480E}"/>
+              </a:ext>
+            </a:extLst>
+          </p:cNvPr>
+          <p:cNvPicPr>
+            <a:picLocks noChangeAspect="1"/>
+          </p:cNvPicPr>
+          <p:nvPr/>
+        </p:nvPicPr>
+        <p:blipFill>
+          <a:blip r:embed="rId3">
+            <a:extLst>
+              <a:ext uri="{28A0092B-C50C-407E-A947-70E740481C1C}">
+                <a14:useLocalDpi xmlns:a14="http://schemas.microsoft.com/office/drawing/2010/main" val="0"/>
+              </a:ext>
+            </a:extLst>
+          </a:blip>
+          <a:stretch>
+            <a:fillRect/>
+          </a:stretch>
+        </p:blipFill>
+        <p:spPr>
+          <a:xfrm>
+            <a:off x="6418268" y="967367"/>
+            <a:ext cx="2748280" cy="2748280"/>
           </a:xfrm>
           <a:prstGeom prst="rect">
             <a:avLst/>
           </a:prstGeom>
         </p:spPr>
-        <p:style>
-          <a:lnRef idx="1">
-            <a:schemeClr val="accent4"/>
-          </a:lnRef>
-          <a:fillRef idx="2">
-            <a:schemeClr val="accent4"/>
-          </a:fillRef>
-          <a:effectRef idx="1">
-            <a:schemeClr val="accent4"/>
-          </a:effectRef>
-          <a:fontRef idx="minor">
-            <a:schemeClr val="dk1"/>
-          </a:fontRef>
-        </p:style>
-        <p:txBody>
-          <a:bodyPr rtlCol="0" anchor="ctr"/>
-          <a:lstStyle/>
-          <a:p>
-            <a:pPr algn="ctr"/>
-            <a:r>
-              <a:rPr lang="en-US" altLang="zh-CN" sz="1600" dirty="0">
-                <a:solidFill>
-                  <a:prstClr val="black">
-                    <a:lumMod val="75000"/>
-                    <a:lumOff val="25000"/>
-                  </a:prstClr>
-                </a:solidFill>
-                <a:latin typeface="+mn-ea"/>
-              </a:rPr>
-              <a:t>5.7</a:t>
-            </a:r>
-            <a:endParaRPr lang="zh-CN" altLang="en-US" sz="1600" dirty="0">
-              <a:solidFill>
-                <a:prstClr val="black">
-                  <a:lumMod val="75000"/>
-                  <a:lumOff val="25000"/>
-                </a:prstClr>
-              </a:solidFill>
-              <a:latin typeface="+mn-ea"/>
-            </a:endParaRPr>
-          </a:p>
-        </p:txBody>
-      </p:sp>
-      <p:sp>
-        <p:nvSpPr>
-          <p:cNvPr id="52" name="TextBox 2"/>
+      </p:pic>
+      <p:pic>
+        <p:nvPicPr>
+          <p:cNvPr id="7" name="图片 6" descr="卡通人物&#10;&#10;描述已自动生成">
+            <a:extLst>
+              <a:ext uri="{FF2B5EF4-FFF2-40B4-BE49-F238E27FC236}">
+                <a16:creationId xmlns:a16="http://schemas.microsoft.com/office/drawing/2014/main" id="{D50993CB-EFA7-4675-957A-1664BADB2979}"/>
+              </a:ext>
+            </a:extLst>
+          </p:cNvPr>
+          <p:cNvPicPr>
+            <a:picLocks noChangeAspect="1"/>
+          </p:cNvPicPr>
+          <p:nvPr/>
+        </p:nvPicPr>
+        <p:blipFill>
+          <a:blip r:embed="rId4">
+            <a:extLst>
+              <a:ext uri="{28A0092B-C50C-407E-A947-70E740481C1C}">
+                <a14:useLocalDpi xmlns:a14="http://schemas.microsoft.com/office/drawing/2010/main" val="0"/>
+              </a:ext>
+            </a:extLst>
+          </a:blip>
+          <a:stretch>
+            <a:fillRect/>
+          </a:stretch>
+        </p:blipFill>
+        <p:spPr>
+          <a:xfrm>
+            <a:off x="2407788" y="1194107"/>
+            <a:ext cx="3217041" cy="2415526"/>
+          </a:xfrm>
+          <a:prstGeom prst="rect">
+            <a:avLst/>
+          </a:prstGeom>
+        </p:spPr>
+      </p:pic>
+      <p:sp>
+        <p:nvSpPr>
+          <p:cNvPr id="8" name="文本框 7">
+            <a:extLst>
+              <a:ext uri="{FF2B5EF4-FFF2-40B4-BE49-F238E27FC236}">
+                <a16:creationId xmlns:a16="http://schemas.microsoft.com/office/drawing/2014/main" id="{91A8F06C-1196-443F-B954-8F29533F4C07}"/>
+              </a:ext>
+            </a:extLst>
+          </p:cNvPr>
           <p:cNvSpPr txBox="1"/>
           <p:nvPr/>
         </p:nvSpPr>
         <p:spPr>
           <a:xfrm>
-            <a:off x="2769754" y="5705351"/>
-            <a:ext cx="2234046" cy="369332"/>
+            <a:off x="7327933" y="5293779"/>
+            <a:ext cx="1234506" cy="369332"/>
           </a:xfrm>
           <a:prstGeom prst="rect">
             <a:avLst/>
@@ -30361,208 +32040,10 @@
           </a:bodyPr>
           <a:lstStyle/>
           <a:p>
-            <a:pPr algn="ctr"/>
-            <a:r>
-              <a:rPr lang="zh-CN" altLang="en-US" dirty="0">
-                <a:latin typeface="+mn-ea"/>
-              </a:rPr>
-              <a:t>兼容</a:t>
-            </a:r>
-            <a:r>
-              <a:rPr lang="en-US" altLang="zh-CN" dirty="0">
-                <a:latin typeface="+mn-ea"/>
-              </a:rPr>
-              <a:t>MySQL 5.6</a:t>
-            </a:r>
-            <a:endParaRPr lang="zh-CN" altLang="en-US" dirty="0">
-              <a:latin typeface="+mn-ea"/>
-            </a:endParaRPr>
-          </a:p>
-        </p:txBody>
-      </p:sp>
-      <p:grpSp>
-        <p:nvGrpSpPr>
-          <p:cNvPr id="4" name="组合 3"/>
-          <p:cNvGrpSpPr/>
-          <p:nvPr/>
-        </p:nvGrpSpPr>
-        <p:grpSpPr>
-          <a:xfrm>
-            <a:off x="3705740" y="1414456"/>
-            <a:ext cx="4422260" cy="2605569"/>
-            <a:chOff x="3613956" y="1474045"/>
-            <a:chExt cx="4422260" cy="2605569"/>
-          </a:xfrm>
-        </p:grpSpPr>
-        <p:pic>
-          <p:nvPicPr>
-            <p:cNvPr id="58" name="Picture 8"/>
-            <p:cNvPicPr>
-              <a:picLocks noChangeAspect="1" noChangeArrowheads="1"/>
-            </p:cNvPicPr>
-            <p:nvPr/>
-          </p:nvPicPr>
-          <p:blipFill>
-            <a:blip r:embed="rId3">
-              <a:extLst>
-                <a:ext uri="{28A0092B-C50C-407E-A947-70E740481C1C}">
-                  <a14:useLocalDpi xmlns:a14="http://schemas.microsoft.com/office/drawing/2010/main" val="0"/>
-                </a:ext>
-              </a:extLst>
-            </a:blip>
-            <a:srcRect/>
-            <a:stretch>
-              <a:fillRect/>
-            </a:stretch>
-          </p:blipFill>
-          <p:spPr bwMode="auto">
-            <a:xfrm>
-              <a:off x="3774096" y="1474045"/>
-              <a:ext cx="4262120" cy="1726565"/>
-            </a:xfrm>
-            <a:prstGeom prst="rect">
-              <a:avLst/>
-            </a:prstGeom>
-            <a:noFill/>
-            <a:ln>
-              <a:noFill/>
-            </a:ln>
-            <a:extLst>
-              <a:ext uri="{909E8E84-426E-40DD-AFC4-6F175D3DCCD1}">
-                <a14:hiddenFill xmlns:a14="http://schemas.microsoft.com/office/drawing/2010/main">
-                  <a:solidFill>
-                    <a:srgbClr val="FFFFFF"/>
-                  </a:solidFill>
-                </a14:hiddenFill>
-              </a:ext>
-              <a:ext uri="{91240B29-F687-4F45-9708-019B960494DF}">
-                <a14:hiddenLine xmlns:a14="http://schemas.microsoft.com/office/drawing/2010/main" w="9525">
-                  <a:solidFill>
-                    <a:srgbClr val="000000"/>
-                  </a:solidFill>
-                  <a:miter lim="800000"/>
-                  <a:headEnd/>
-                  <a:tailEnd/>
-                </a14:hiddenLine>
-              </a:ext>
-            </a:extLst>
-          </p:spPr>
-        </p:pic>
-        <p:pic>
-          <p:nvPicPr>
-            <p:cNvPr id="64" name="Picture 14" descr="https://timgsa.baidu.com/timg?image&amp;quality=80&amp;size=b9999_10000&amp;sec=1493897410280&amp;di=f704156f124dfcf95b2acc6f419f3be4&amp;imgtype=0&amp;src=http%3A%2F%2Fwww.th7.cn%2Fd%2Ffile%2Fp%2F2015%2F05%2F03%2F528abdbf7363c5af3457b65cf5fa4d30.jpg"/>
-            <p:cNvPicPr>
-              <a:picLocks noChangeAspect="1" noChangeArrowheads="1"/>
-            </p:cNvPicPr>
-            <p:nvPr/>
-          </p:nvPicPr>
-          <p:blipFill>
-            <a:blip r:embed="rId4">
-              <a:extLst>
-                <a:ext uri="{28A0092B-C50C-407E-A947-70E740481C1C}">
-                  <a14:useLocalDpi xmlns:a14="http://schemas.microsoft.com/office/drawing/2010/main" val="0"/>
-                </a:ext>
-              </a:extLst>
-            </a:blip>
-            <a:srcRect t="28499" b="24634"/>
-            <a:stretch>
-              <a:fillRect/>
-            </a:stretch>
-          </p:blipFill>
-          <p:spPr bwMode="auto">
-            <a:xfrm>
-              <a:off x="3613956" y="3129654"/>
-              <a:ext cx="4422260" cy="949960"/>
-            </a:xfrm>
-            <a:prstGeom prst="rect">
-              <a:avLst/>
-            </a:prstGeom>
-            <a:noFill/>
-            <a:ln>
-              <a:noFill/>
-            </a:ln>
-            <a:extLst>
-              <a:ext uri="{909E8E84-426E-40DD-AFC4-6F175D3DCCD1}">
-                <a14:hiddenFill xmlns:a14="http://schemas.microsoft.com/office/drawing/2010/main">
-                  <a:solidFill>
-                    <a:srgbClr val="FFFFFF"/>
-                  </a:solidFill>
-                </a14:hiddenFill>
-              </a:ext>
-              <a:ext uri="{91240B29-F687-4F45-9708-019B960494DF}">
-                <a14:hiddenLine xmlns:a14="http://schemas.microsoft.com/office/drawing/2010/main" w="9525">
-                  <a:solidFill>
-                    <a:srgbClr val="000000"/>
-                  </a:solidFill>
-                  <a:miter lim="800000"/>
-                  <a:headEnd/>
-                  <a:tailEnd/>
-                </a14:hiddenLine>
-              </a:ext>
-            </a:extLst>
-          </p:spPr>
-        </p:pic>
-      </p:grpSp>
-      <p:sp>
-        <p:nvSpPr>
-          <p:cNvPr id="65" name="TextBox 3"/>
-          <p:cNvSpPr txBox="1"/>
-          <p:nvPr/>
-        </p:nvSpPr>
-        <p:spPr>
-          <a:xfrm>
-            <a:off x="5184311" y="4962156"/>
-            <a:ext cx="1465118" cy="369332"/>
-          </a:xfrm>
-          <a:prstGeom prst="rect">
-            <a:avLst/>
-          </a:prstGeom>
-          <a:noFill/>
-        </p:spPr>
-        <p:txBody>
-          <a:bodyPr wrap="square" rtlCol="0">
-            <a:spAutoFit/>
-          </a:bodyPr>
-          <a:lstStyle/>
-          <a:p>
-            <a:pPr algn="ctr"/>
-            <a:r>
-              <a:rPr lang="zh-CN" altLang="en-US" dirty="0">
-                <a:latin typeface="+mn-ea"/>
-              </a:rPr>
-              <a:t>默认支持</a:t>
-            </a:r>
-          </a:p>
-        </p:txBody>
-      </p:sp>
-      <p:sp>
-        <p:nvSpPr>
-          <p:cNvPr id="16" name="页脚占位符 1"/>
-          <p:cNvSpPr>
-            <a:spLocks noGrp="1"/>
-          </p:cNvSpPr>
-          <p:nvPr>
-            <p:ph type="ftr" sz="quarter" idx="11"/>
-          </p:nvPr>
-        </p:nvSpPr>
-        <p:spPr>
-          <a:xfrm>
-            <a:off x="3719736" y="6482667"/>
-            <a:ext cx="4752528" cy="366713"/>
-          </a:xfrm>
-        </p:spPr>
-        <p:txBody>
-          <a:bodyPr/>
-          <a:lstStyle/>
-          <a:p>
-            <a:pPr>
-              <a:defRPr/>
-            </a:pPr>
-            <a:r>
-              <a:rPr lang="en-US" altLang="zh-CN"/>
-              <a:t>版权归© 2020 Tencent, Inc.或其附属公司所有 保留所有权利 </a:t>
-            </a:r>
-            <a:endParaRPr lang="en-US" altLang="zh-CN" dirty="0"/>
+            <a:r>
+              <a:rPr lang="zh-CN" altLang="en-US" dirty="0"/>
+              <a:t>部分支持</a:t>
+            </a:r>
           </a:p>
         </p:txBody>
       </p:sp>
@@ -30821,9 +32302,9 @@
           <p:nvPr/>
         </p:nvSpPr>
         <p:spPr>
-          <a:xfrm>
-            <a:off x="5015880" y="2702043"/>
-            <a:ext cx="4079148" cy="0"/>
+          <a:xfrm flipV="1">
+            <a:off x="5015880" y="2702042"/>
+            <a:ext cx="4693082" cy="1"/>
           </a:xfrm>
           <a:prstGeom prst="line">
             <a:avLst/>
@@ -31804,15 +33285,7 @@
             </a:r>
             <a:r>
               <a:rPr lang="en-US" altLang="zh-CN" dirty="0"/>
-              <a:t>© 2020 </a:t>
-            </a:r>
-            <a:r>
-              <a:rPr lang="en-US" altLang="zh-CN" dirty="0" err="1"/>
-              <a:t>Tencent</a:t>
-            </a:r>
-            <a:r>
-              <a:rPr lang="en-US" altLang="zh-CN" dirty="0"/>
-              <a:t>, </a:t>
+              <a:t>© 2022 Tencent, </a:t>
             </a:r>
             <a:r>
               <a:rPr lang="en-US" altLang="zh-CN" dirty="0" err="1"/>

--- a/28. OLTP/GoldenDB产品简介及架构解析.pptx
+++ b/28. OLTP/GoldenDB产品简介及架构解析.pptx
@@ -5,10 +5,10 @@
     <p:sldMasterId id="2147483648" r:id="rId1"/>
   </p:sldMasterIdLst>
   <p:notesMasterIdLst>
-    <p:notesMasterId r:id="rId56"/>
+    <p:notesMasterId r:id="rId58"/>
   </p:notesMasterIdLst>
   <p:handoutMasterIdLst>
-    <p:handoutMasterId r:id="rId57"/>
+    <p:handoutMasterId r:id="rId59"/>
   </p:handoutMasterIdLst>
   <p:sldIdLst>
     <p:sldId id="466" r:id="rId2"/>
@@ -51,20 +51,22 @@
     <p:sldId id="607" r:id="rId39"/>
     <p:sldId id="608" r:id="rId40"/>
     <p:sldId id="609" r:id="rId41"/>
-    <p:sldId id="610" r:id="rId42"/>
-    <p:sldId id="611" r:id="rId43"/>
-    <p:sldId id="612" r:id="rId44"/>
-    <p:sldId id="615" r:id="rId45"/>
-    <p:sldId id="622" r:id="rId46"/>
-    <p:sldId id="623" r:id="rId47"/>
-    <p:sldId id="624" r:id="rId48"/>
-    <p:sldId id="616" r:id="rId49"/>
-    <p:sldId id="620" r:id="rId50"/>
-    <p:sldId id="621" r:id="rId51"/>
-    <p:sldId id="617" r:id="rId52"/>
-    <p:sldId id="618" r:id="rId53"/>
-    <p:sldId id="619" r:id="rId54"/>
-    <p:sldId id="475" r:id="rId55"/>
+    <p:sldId id="626" r:id="rId42"/>
+    <p:sldId id="610" r:id="rId43"/>
+    <p:sldId id="611" r:id="rId44"/>
+    <p:sldId id="612" r:id="rId45"/>
+    <p:sldId id="615" r:id="rId46"/>
+    <p:sldId id="622" r:id="rId47"/>
+    <p:sldId id="623" r:id="rId48"/>
+    <p:sldId id="624" r:id="rId49"/>
+    <p:sldId id="625" r:id="rId50"/>
+    <p:sldId id="616" r:id="rId51"/>
+    <p:sldId id="620" r:id="rId52"/>
+    <p:sldId id="621" r:id="rId53"/>
+    <p:sldId id="617" r:id="rId54"/>
+    <p:sldId id="618" r:id="rId55"/>
+    <p:sldId id="619" r:id="rId56"/>
+    <p:sldId id="475" r:id="rId57"/>
   </p:sldIdLst>
   <p:sldSz cx="12192000" cy="6858000"/>
   <p:notesSz cx="6794500" cy="9906000"/>
@@ -2883,7 +2885,86 @@
           <a:bodyPr/>
           <a:lstStyle/>
           <a:p>
-            <a:endParaRPr lang="zh-CN" altLang="en-US" sz="900" dirty="0">
+            <a:r>
+              <a:rPr lang="zh-CN" altLang="zh-CN" sz="1800" b="0" u="none" kern="100" dirty="0">
+                <a:solidFill>
+                  <a:srgbClr val="FF0000"/>
+                </a:solidFill>
+                <a:effectLst/>
+                <a:latin typeface="Times New Roman" panose="02020603050405020304" pitchFamily="18" charset="0"/>
+                <a:ea typeface="仿宋" panose="02010609060101010101" pitchFamily="49" charset="-122"/>
+                <a:cs typeface="Times New Roman" panose="02020603050405020304" pitchFamily="18" charset="0"/>
+              </a:rPr>
+              <a:t>一阶段提交不需要“协调者”角色，各结点之间不存在协调操作，因此其事务执行时间比两阶段提交要短，但是提交的“危险期”是每一个事务的实际提交时间，相比于两阶段提交，一阶段提交出现在</a:t>
+            </a:r>
+            <a:r>
+              <a:rPr lang="zh-CN" altLang="zh-CN" sz="1800" b="0" u="none" kern="100" dirty="0">
+                <a:solidFill>
+                  <a:srgbClr val="FF0000"/>
+                </a:solidFill>
+                <a:effectLst/>
+                <a:ea typeface="Times New Roman" panose="02020603050405020304" pitchFamily="18" charset="0"/>
+              </a:rPr>
+              <a:t> </a:t>
+            </a:r>
+            <a:r>
+              <a:rPr lang="zh-CN" altLang="zh-CN" sz="1800" b="0" u="none" kern="100" dirty="0">
+                <a:solidFill>
+                  <a:srgbClr val="FF0000"/>
+                </a:solidFill>
+                <a:effectLst/>
+                <a:latin typeface="Times New Roman" panose="02020603050405020304" pitchFamily="18" charset="0"/>
+                <a:ea typeface="仿宋" panose="02010609060101010101" pitchFamily="49" charset="-122"/>
+                <a:cs typeface="Times New Roman" panose="02020603050405020304" pitchFamily="18" charset="0"/>
+              </a:rPr>
+              <a:t>“不一致”的概率就变大了</a:t>
+            </a:r>
+            <a:r>
+              <a:rPr lang="zh-CN" altLang="zh-CN" sz="1800" b="0" u="none" kern="100" dirty="0">
+                <a:effectLst/>
+                <a:latin typeface="Times New Roman" panose="02020603050405020304" pitchFamily="18" charset="0"/>
+                <a:ea typeface="仿宋" panose="02010609060101010101" pitchFamily="49" charset="-122"/>
+                <a:cs typeface="Times New Roman" panose="02020603050405020304" pitchFamily="18" charset="0"/>
+              </a:rPr>
+              <a:t>。</a:t>
+            </a:r>
+            <a:r>
+              <a:rPr lang="en-US" altLang="zh-CN" sz="1800" b="0" u="none" kern="100" dirty="0" err="1">
+                <a:effectLst/>
+                <a:latin typeface="Times New Roman" panose="02020603050405020304" pitchFamily="18" charset="0"/>
+                <a:ea typeface="仿宋" panose="02010609060101010101" pitchFamily="49" charset="-122"/>
+                <a:cs typeface="Times New Roman" panose="02020603050405020304" pitchFamily="18" charset="0"/>
+              </a:rPr>
+              <a:t>GoldenDB</a:t>
+            </a:r>
+            <a:r>
+              <a:rPr lang="zh-CN" altLang="en-US" sz="1800" b="0" u="none" kern="100" dirty="0">
+                <a:effectLst/>
+                <a:latin typeface="Times New Roman" panose="02020603050405020304" pitchFamily="18" charset="0"/>
+                <a:ea typeface="仿宋" panose="02010609060101010101" pitchFamily="49" charset="-122"/>
+                <a:cs typeface="Times New Roman" panose="02020603050405020304" pitchFamily="18" charset="0"/>
+              </a:rPr>
+              <a:t>通过引入</a:t>
+            </a:r>
+            <a:r>
+              <a:rPr lang="en-US" altLang="zh-CN" sz="1800" b="0" u="none" kern="100" dirty="0">
+                <a:effectLst/>
+                <a:latin typeface="Times New Roman" panose="02020603050405020304" pitchFamily="18" charset="0"/>
+                <a:ea typeface="仿宋" panose="02010609060101010101" pitchFamily="49" charset="-122"/>
+                <a:cs typeface="Times New Roman" panose="02020603050405020304" pitchFamily="18" charset="0"/>
+              </a:rPr>
+              <a:t>GTID</a:t>
+            </a:r>
+            <a:r>
+              <a:rPr lang="zh-CN" altLang="en-US" sz="1800" b="0" u="none" kern="100" dirty="0">
+                <a:effectLst/>
+                <a:latin typeface="Times New Roman" panose="02020603050405020304" pitchFamily="18" charset="0"/>
+                <a:ea typeface="仿宋" panose="02010609060101010101" pitchFamily="49" charset="-122"/>
+                <a:cs typeface="Times New Roman" panose="02020603050405020304" pitchFamily="18" charset="0"/>
+              </a:rPr>
+              <a:t>解决了不一致性问题，但是回滚的成本高一些。</a:t>
+            </a:r>
+            <a:endParaRPr lang="zh-CN" altLang="en-US" sz="900" b="0" u="none" dirty="0">
               <a:latin typeface="微软雅黑" panose="020B0503020204020204" pitchFamily="34" charset="-122"/>
               <a:ea typeface="微软雅黑" panose="020B0503020204020204" pitchFamily="34" charset="-122"/>
             </a:endParaRPr>
@@ -4610,236 +4691,6 @@
           <a:bodyPr/>
           <a:lstStyle/>
           <a:p>
-            <a:pPr indent="0" algn="just">
-              <a:lnSpc>
-                <a:spcPct val="150000"/>
-              </a:lnSpc>
-              <a:buNone/>
-            </a:pPr>
-            <a:r>
-              <a:rPr lang="zh-CN" altLang="zh-CN" sz="900" kern="100" dirty="0">
-                <a:effectLst/>
-                <a:latin typeface="Times New Roman" panose="02020603050405020304" pitchFamily="18" charset="0"/>
-                <a:ea typeface="仿宋" panose="02010609060101010101" pitchFamily="49" charset="-122"/>
-                <a:cs typeface="Times New Roman" panose="02020603050405020304" pitchFamily="18" charset="0"/>
-              </a:rPr>
-              <a:t>优化器的优化工作主要体现在计划树的生成上，</a:t>
-            </a:r>
-            <a:r>
-              <a:rPr lang="en-US" altLang="zh-CN" sz="900" kern="100" dirty="0" err="1">
-                <a:effectLst/>
-                <a:latin typeface="Times New Roman" panose="02020603050405020304" pitchFamily="18" charset="0"/>
-                <a:ea typeface="仿宋" panose="02010609060101010101" pitchFamily="49" charset="-122"/>
-                <a:cs typeface="Times New Roman" panose="02020603050405020304" pitchFamily="18" charset="0"/>
-              </a:rPr>
-              <a:t>GoldenDB</a:t>
-            </a:r>
-            <a:r>
-              <a:rPr lang="zh-CN" altLang="zh-CN" sz="900" kern="100" dirty="0">
-                <a:effectLst/>
-                <a:latin typeface="Times New Roman" panose="02020603050405020304" pitchFamily="18" charset="0"/>
-                <a:ea typeface="仿宋" panose="02010609060101010101" pitchFamily="49" charset="-122"/>
-                <a:cs typeface="Times New Roman" panose="02020603050405020304" pitchFamily="18" charset="0"/>
-              </a:rPr>
-              <a:t>的查询优化器设计实现主要考虑以下两个方面：</a:t>
-            </a:r>
-          </a:p>
-          <a:p>
-            <a:pPr marL="0" lvl="0" indent="0" algn="just">
-              <a:lnSpc>
-                <a:spcPct val="150000"/>
-              </a:lnSpc>
-              <a:buNone/>
-            </a:pPr>
-            <a:r>
-              <a:rPr lang="en-US" altLang="zh-CN" sz="900" kern="100" dirty="0">
-                <a:latin typeface="Times New Roman" panose="02020603050405020304" pitchFamily="18" charset="0"/>
-                <a:ea typeface="仿宋" panose="02010609060101010101" pitchFamily="49" charset="-122"/>
-                <a:cs typeface="Times New Roman" panose="02020603050405020304" pitchFamily="18" charset="0"/>
-              </a:rPr>
-              <a:t>    </a:t>
-            </a:r>
-            <a:r>
-              <a:rPr lang="en-US" altLang="zh-CN" sz="900" kern="100" dirty="0">
-                <a:effectLst/>
-                <a:latin typeface="Times New Roman" panose="02020603050405020304" pitchFamily="18" charset="0"/>
-                <a:ea typeface="仿宋" panose="02010609060101010101" pitchFamily="49" charset="-122"/>
-                <a:cs typeface="Times New Roman" panose="02020603050405020304" pitchFamily="18" charset="0"/>
-              </a:rPr>
-              <a:t>1</a:t>
-            </a:r>
-            <a:r>
-              <a:rPr lang="zh-CN" altLang="en-US" sz="900" kern="100" dirty="0">
-                <a:effectLst/>
-                <a:latin typeface="Times New Roman" panose="02020603050405020304" pitchFamily="18" charset="0"/>
-                <a:ea typeface="仿宋" panose="02010609060101010101" pitchFamily="49" charset="-122"/>
-                <a:cs typeface="Times New Roman" panose="02020603050405020304" pitchFamily="18" charset="0"/>
-              </a:rPr>
-              <a:t>、</a:t>
-            </a:r>
-            <a:r>
-              <a:rPr lang="zh-CN" altLang="zh-CN" sz="900" kern="100" dirty="0">
-                <a:effectLst/>
-                <a:latin typeface="Times New Roman" panose="02020603050405020304" pitchFamily="18" charset="0"/>
-                <a:ea typeface="仿宋" panose="02010609060101010101" pitchFamily="49" charset="-122"/>
-                <a:cs typeface="Times New Roman" panose="02020603050405020304" pitchFamily="18" charset="0"/>
-              </a:rPr>
-              <a:t>代价模型的选择。</a:t>
-            </a:r>
-          </a:p>
-          <a:p>
-            <a:pPr indent="266700" algn="just">
-              <a:lnSpc>
-                <a:spcPct val="150000"/>
-              </a:lnSpc>
-            </a:pPr>
-            <a:r>
-              <a:rPr lang="en-US" altLang="zh-CN" sz="900" kern="100" dirty="0" err="1">
-                <a:effectLst/>
-                <a:latin typeface="Times New Roman" panose="02020603050405020304" pitchFamily="18" charset="0"/>
-                <a:ea typeface="仿宋" panose="02010609060101010101" pitchFamily="49" charset="-122"/>
-                <a:cs typeface="Times New Roman" panose="02020603050405020304" pitchFamily="18" charset="0"/>
-              </a:rPr>
-              <a:t>GoldenDB</a:t>
-            </a:r>
-            <a:r>
-              <a:rPr lang="zh-CN" altLang="zh-CN" sz="900" kern="100" dirty="0">
-                <a:effectLst/>
-                <a:latin typeface="Times New Roman" panose="02020603050405020304" pitchFamily="18" charset="0"/>
-                <a:ea typeface="仿宋" panose="02010609060101010101" pitchFamily="49" charset="-122"/>
-                <a:cs typeface="Times New Roman" panose="02020603050405020304" pitchFamily="18" charset="0"/>
-              </a:rPr>
-              <a:t>采用分布式系统代价估算模型，考虑节点间传输数据的代价，以减少数据传输的次数和数据量作为查询优化的目标，提高数据节点之间计算的并行度、减少计算节点的计算量。这主要考虑在分布式数据库系统环境中，表结构被水平或垂直拆分到多个数据节点，因此需要考虑语句如何分拆、分片之间数据如何移动、结果如何计算与合并的问题，网络通信开销不可忽视。</a:t>
-            </a:r>
-          </a:p>
-          <a:p>
-            <a:pPr marL="0" lvl="0" indent="0" algn="just">
-              <a:lnSpc>
-                <a:spcPct val="150000"/>
-              </a:lnSpc>
-              <a:buNone/>
-            </a:pPr>
-            <a:r>
-              <a:rPr lang="en-US" altLang="zh-CN" sz="900" kern="100" dirty="0">
-                <a:effectLst/>
-                <a:latin typeface="Times New Roman" panose="02020603050405020304" pitchFamily="18" charset="0"/>
-                <a:ea typeface="仿宋" panose="02010609060101010101" pitchFamily="49" charset="-122"/>
-                <a:cs typeface="Times New Roman" panose="02020603050405020304" pitchFamily="18" charset="0"/>
-              </a:rPr>
-              <a:t>    2</a:t>
-            </a:r>
-            <a:r>
-              <a:rPr lang="zh-CN" altLang="en-US" sz="900" kern="100" dirty="0">
-                <a:effectLst/>
-                <a:latin typeface="Times New Roman" panose="02020603050405020304" pitchFamily="18" charset="0"/>
-                <a:ea typeface="仿宋" panose="02010609060101010101" pitchFamily="49" charset="-122"/>
-                <a:cs typeface="Times New Roman" panose="02020603050405020304" pitchFamily="18" charset="0"/>
-              </a:rPr>
-              <a:t>、</a:t>
-            </a:r>
-            <a:r>
-              <a:rPr lang="zh-CN" altLang="zh-CN" sz="900" kern="100" dirty="0">
-                <a:effectLst/>
-                <a:latin typeface="Times New Roman" panose="02020603050405020304" pitchFamily="18" charset="0"/>
-                <a:ea typeface="仿宋" panose="02010609060101010101" pitchFamily="49" charset="-122"/>
-                <a:cs typeface="Times New Roman" panose="02020603050405020304" pitchFamily="18" charset="0"/>
-              </a:rPr>
-              <a:t>考虑数据一致性开销。</a:t>
-            </a:r>
-          </a:p>
-          <a:p>
-            <a:pPr indent="266700" algn="just">
-              <a:lnSpc>
-                <a:spcPct val="150000"/>
-              </a:lnSpc>
-            </a:pPr>
-            <a:r>
-              <a:rPr lang="zh-CN" altLang="zh-CN" sz="900" kern="100" dirty="0">
-                <a:effectLst/>
-                <a:latin typeface="Times New Roman" panose="02020603050405020304" pitchFamily="18" charset="0"/>
-                <a:ea typeface="仿宋" panose="02010609060101010101" pitchFamily="49" charset="-122"/>
-                <a:cs typeface="Times New Roman" panose="02020603050405020304" pitchFamily="18" charset="0"/>
-              </a:rPr>
-              <a:t>在分布式数据库系统中，数据全局一致性机制相较于单机数据库需要更为复杂的控制。因此，如何降低数据全局一致性保证的开销，也是</a:t>
-            </a:r>
-            <a:r>
-              <a:rPr lang="en-US" altLang="zh-CN" sz="900" kern="100" dirty="0" err="1">
-                <a:effectLst/>
-                <a:latin typeface="Times New Roman" panose="02020603050405020304" pitchFamily="18" charset="0"/>
-                <a:ea typeface="仿宋" panose="02010609060101010101" pitchFamily="49" charset="-122"/>
-                <a:cs typeface="Times New Roman" panose="02020603050405020304" pitchFamily="18" charset="0"/>
-              </a:rPr>
-              <a:t>GoldenDB</a:t>
-            </a:r>
-            <a:r>
-              <a:rPr lang="zh-CN" altLang="zh-CN" sz="900" kern="100" dirty="0">
-                <a:effectLst/>
-                <a:latin typeface="Times New Roman" panose="02020603050405020304" pitchFamily="18" charset="0"/>
-                <a:ea typeface="仿宋" panose="02010609060101010101" pitchFamily="49" charset="-122"/>
-                <a:cs typeface="Times New Roman" panose="02020603050405020304" pitchFamily="18" charset="0"/>
-              </a:rPr>
-              <a:t>查询优化器的设计要求。</a:t>
-            </a:r>
-          </a:p>
-          <a:p>
-            <a:pPr indent="266700" algn="just">
-              <a:lnSpc>
-                <a:spcPct val="150000"/>
-              </a:lnSpc>
-            </a:pPr>
-            <a:r>
-              <a:rPr lang="zh-CN" altLang="zh-CN" sz="900" kern="100" dirty="0">
-                <a:effectLst/>
-                <a:latin typeface="Times New Roman" panose="02020603050405020304" pitchFamily="18" charset="0"/>
-                <a:ea typeface="仿宋" panose="02010609060101010101" pitchFamily="49" charset="-122"/>
-                <a:cs typeface="Times New Roman" panose="02020603050405020304" pitchFamily="18" charset="0"/>
-              </a:rPr>
-              <a:t>总体来讲，</a:t>
-            </a:r>
-            <a:r>
-              <a:rPr lang="en-US" altLang="zh-CN" sz="900" kern="100" dirty="0" err="1">
-                <a:effectLst/>
-                <a:latin typeface="Times New Roman" panose="02020603050405020304" pitchFamily="18" charset="0"/>
-                <a:ea typeface="仿宋" panose="02010609060101010101" pitchFamily="49" charset="-122"/>
-                <a:cs typeface="Times New Roman" panose="02020603050405020304" pitchFamily="18" charset="0"/>
-              </a:rPr>
-              <a:t>GoldenDB</a:t>
-            </a:r>
-            <a:r>
-              <a:rPr lang="zh-CN" altLang="zh-CN" sz="900" kern="100" dirty="0">
-                <a:effectLst/>
-                <a:latin typeface="Times New Roman" panose="02020603050405020304" pitchFamily="18" charset="0"/>
-                <a:ea typeface="仿宋" panose="02010609060101010101" pitchFamily="49" charset="-122"/>
-                <a:cs typeface="Times New Roman" panose="02020603050405020304" pitchFamily="18" charset="0"/>
-              </a:rPr>
-              <a:t>的分布式查询优化器遵循了上述的设计原则，</a:t>
-            </a:r>
-            <a:r>
-              <a:rPr lang="zh-CN" altLang="zh-CN" sz="900" kern="100" dirty="0">
-                <a:solidFill>
-                  <a:srgbClr val="FF0000"/>
-                </a:solidFill>
-                <a:effectLst/>
-                <a:latin typeface="Times New Roman" panose="02020603050405020304" pitchFamily="18" charset="0"/>
-                <a:ea typeface="仿宋" panose="02010609060101010101" pitchFamily="49" charset="-122"/>
-                <a:cs typeface="Times New Roman" panose="02020603050405020304" pitchFamily="18" charset="0"/>
-              </a:rPr>
-              <a:t>以基于规则的优化为主，基于成本的优化为辅</a:t>
-            </a:r>
-            <a:r>
-              <a:rPr lang="zh-CN" altLang="zh-CN" sz="900" kern="100" dirty="0">
-                <a:effectLst/>
-                <a:latin typeface="Times New Roman" panose="02020603050405020304" pitchFamily="18" charset="0"/>
-                <a:ea typeface="仿宋" panose="02010609060101010101" pitchFamily="49" charset="-122"/>
-                <a:cs typeface="Times New Roman" panose="02020603050405020304" pitchFamily="18" charset="0"/>
-              </a:rPr>
-              <a:t>，在提升系统的灵活性的同时控制系统实现的复杂性。优化器内部内置大量的优化规则，通过查询重写的方式进行经验性优化。在优化规则的选择上，重点分析分片剪枝、并行执行、合并下压、条件下推、条件繁殖、排序消除、去重消除、排序下推等。</a:t>
-            </a:r>
-          </a:p>
-          <a:p>
-            <a:endParaRPr lang="zh-CN" altLang="en-US" sz="900" dirty="0"/>
-          </a:p>
-          <a:p>
             <a:endParaRPr lang="en-US" altLang="zh-CN" sz="900" dirty="0">
               <a:latin typeface="微软雅黑" panose="020B0503020204020204" pitchFamily="34" charset="-122"/>
               <a:ea typeface="微软雅黑" panose="020B0503020204020204" pitchFamily="34" charset="-122"/>
@@ -4902,6 +4753,45 @@
       </p:grpSpPr>
       <p:sp>
         <p:nvSpPr>
+          <p:cNvPr id="2" name="幻灯片图像占位符 1"/>
+          <p:cNvSpPr>
+            <a:spLocks noGrp="1" noRot="1" noChangeAspect="1"/>
+          </p:cNvSpPr>
+          <p:nvPr>
+            <p:ph type="sldImg"/>
+          </p:nvPr>
+        </p:nvSpPr>
+        <p:spPr>
+          <a:xfrm>
+            <a:off x="425450" y="1238250"/>
+            <a:ext cx="5943600" cy="3344863"/>
+          </a:xfrm>
+        </p:spPr>
+      </p:sp>
+      <p:sp>
+        <p:nvSpPr>
+          <p:cNvPr id="3" name="备注占位符 2"/>
+          <p:cNvSpPr>
+            <a:spLocks noGrp="1"/>
+          </p:cNvSpPr>
+          <p:nvPr>
+            <p:ph type="body" idx="1"/>
+          </p:nvPr>
+        </p:nvSpPr>
+        <p:spPr/>
+        <p:txBody>
+          <a:bodyPr/>
+          <a:lstStyle/>
+          <a:p>
+            <a:endParaRPr lang="en-US" altLang="zh-CN" sz="900" dirty="0">
+              <a:latin typeface="微软雅黑" panose="020B0503020204020204" pitchFamily="34" charset="-122"/>
+              <a:ea typeface="微软雅黑" panose="020B0503020204020204" pitchFamily="34" charset="-122"/>
+            </a:endParaRPr>
+          </a:p>
+        </p:txBody>
+      </p:sp>
+      <p:sp>
+        <p:nvSpPr>
           <p:cNvPr id="4" name="灯片编号占位符 3"/>
           <p:cNvSpPr>
             <a:spLocks noGrp="1"/>
@@ -4915,7 +4805,7 @@
           <a:bodyPr/>
           <a:lstStyle/>
           <a:p>
-            <a:fld id="{115E481A-832A-48B0-9B5F-CC2DDFB376CC}" type="slidenum">
+            <a:fld id="{7EFE2119-A7ED-48A4-BF93-E52EC1921131}" type="slidenum">
               <a:rPr lang="zh-CN" altLang="en-US" smtClean="0"/>
               <a:t>41</a:t>
             </a:fld>
@@ -4923,46 +4813,10 @@
           </a:p>
         </p:txBody>
       </p:sp>
-      <p:sp>
-        <p:nvSpPr>
-          <p:cNvPr id="6" name="幻灯片图像占位符 5"/>
-          <p:cNvSpPr>
-            <a:spLocks noGrp="1" noRot="1" noChangeAspect="1"/>
-          </p:cNvSpPr>
-          <p:nvPr>
-            <p:ph type="sldImg"/>
-          </p:nvPr>
-        </p:nvSpPr>
-        <p:spPr>
-          <a:xfrm>
-            <a:off x="519113" y="787400"/>
-            <a:ext cx="5759450" cy="3240088"/>
-          </a:xfrm>
-        </p:spPr>
-      </p:sp>
-      <p:sp>
-        <p:nvSpPr>
-          <p:cNvPr id="7" name="备注占位符 6"/>
-          <p:cNvSpPr>
-            <a:spLocks noGrp="1"/>
-          </p:cNvSpPr>
-          <p:nvPr>
-            <p:ph type="body" idx="1"/>
-          </p:nvPr>
-        </p:nvSpPr>
-        <p:spPr/>
-        <p:txBody>
-          <a:bodyPr/>
-          <a:lstStyle/>
-          <a:p>
-            <a:endParaRPr lang="zh-CN" altLang="en-US"/>
-          </a:p>
-        </p:txBody>
-      </p:sp>
     </p:spTree>
     <p:extLst>
       <p:ext uri="{BB962C8B-B14F-4D97-AF65-F5344CB8AC3E}">
-        <p14:creationId xmlns:p14="http://schemas.microsoft.com/office/powerpoint/2010/main" val="1329739791"/>
+        <p14:creationId xmlns:p14="http://schemas.microsoft.com/office/powerpoint/2010/main" val="2634448989"/>
       </p:ext>
     </p:extLst>
   </p:cSld>
@@ -5075,45 +4929,6 @@
       </p:grpSpPr>
       <p:sp>
         <p:nvSpPr>
-          <p:cNvPr id="2" name="幻灯片图像占位符 1"/>
-          <p:cNvSpPr>
-            <a:spLocks noGrp="1" noRot="1" noChangeAspect="1"/>
-          </p:cNvSpPr>
-          <p:nvPr>
-            <p:ph type="sldImg"/>
-          </p:nvPr>
-        </p:nvSpPr>
-        <p:spPr>
-          <a:xfrm>
-            <a:off x="425450" y="1238250"/>
-            <a:ext cx="5943600" cy="3344863"/>
-          </a:xfrm>
-        </p:spPr>
-      </p:sp>
-      <p:sp>
-        <p:nvSpPr>
-          <p:cNvPr id="3" name="备注占位符 2"/>
-          <p:cNvSpPr>
-            <a:spLocks noGrp="1"/>
-          </p:cNvSpPr>
-          <p:nvPr>
-            <p:ph type="body" idx="1"/>
-          </p:nvPr>
-        </p:nvSpPr>
-        <p:spPr/>
-        <p:txBody>
-          <a:bodyPr/>
-          <a:lstStyle/>
-          <a:p>
-            <a:endParaRPr lang="en-US" altLang="zh-CN" sz="900" dirty="0">
-              <a:latin typeface="微软雅黑" panose="020B0503020204020204" pitchFamily="34" charset="-122"/>
-              <a:ea typeface="微软雅黑" panose="020B0503020204020204" pitchFamily="34" charset="-122"/>
-            </a:endParaRPr>
-          </a:p>
-        </p:txBody>
-      </p:sp>
-      <p:sp>
-        <p:nvSpPr>
           <p:cNvPr id="4" name="灯片编号占位符 3"/>
           <p:cNvSpPr>
             <a:spLocks noGrp="1"/>
@@ -5127,7 +4942,7 @@
           <a:bodyPr/>
           <a:lstStyle/>
           <a:p>
-            <a:fld id="{7EFE2119-A7ED-48A4-BF93-E52EC1921131}" type="slidenum">
+            <a:fld id="{115E481A-832A-48B0-9B5F-CC2DDFB376CC}" type="slidenum">
               <a:rPr lang="zh-CN" altLang="en-US" smtClean="0"/>
               <a:t>42</a:t>
             </a:fld>
@@ -5135,10 +4950,46 @@
           </a:p>
         </p:txBody>
       </p:sp>
+      <p:sp>
+        <p:nvSpPr>
+          <p:cNvPr id="6" name="幻灯片图像占位符 5"/>
+          <p:cNvSpPr>
+            <a:spLocks noGrp="1" noRot="1" noChangeAspect="1"/>
+          </p:cNvSpPr>
+          <p:nvPr>
+            <p:ph type="sldImg"/>
+          </p:nvPr>
+        </p:nvSpPr>
+        <p:spPr>
+          <a:xfrm>
+            <a:off x="519113" y="787400"/>
+            <a:ext cx="5759450" cy="3240088"/>
+          </a:xfrm>
+        </p:spPr>
+      </p:sp>
+      <p:sp>
+        <p:nvSpPr>
+          <p:cNvPr id="7" name="备注占位符 6"/>
+          <p:cNvSpPr>
+            <a:spLocks noGrp="1"/>
+          </p:cNvSpPr>
+          <p:nvPr>
+            <p:ph type="body" idx="1"/>
+          </p:nvPr>
+        </p:nvSpPr>
+        <p:spPr/>
+        <p:txBody>
+          <a:bodyPr/>
+          <a:lstStyle/>
+          <a:p>
+            <a:endParaRPr lang="zh-CN" altLang="en-US"/>
+          </a:p>
+        </p:txBody>
+      </p:sp>
     </p:spTree>
     <p:extLst>
       <p:ext uri="{BB962C8B-B14F-4D97-AF65-F5344CB8AC3E}">
-        <p14:creationId xmlns:p14="http://schemas.microsoft.com/office/powerpoint/2010/main" val="352257046"/>
+        <p14:creationId xmlns:p14="http://schemas.microsoft.com/office/powerpoint/2010/main" val="1329739791"/>
       </p:ext>
     </p:extLst>
   </p:cSld>
@@ -5230,7 +5081,7 @@
     </p:spTree>
     <p:extLst>
       <p:ext uri="{BB962C8B-B14F-4D97-AF65-F5344CB8AC3E}">
-        <p14:creationId xmlns:p14="http://schemas.microsoft.com/office/powerpoint/2010/main" val="2227125815"/>
+        <p14:creationId xmlns:p14="http://schemas.microsoft.com/office/powerpoint/2010/main" val="352257046"/>
       </p:ext>
     </p:extLst>
   </p:cSld>
@@ -5259,6 +5110,45 @@
       </p:grpSpPr>
       <p:sp>
         <p:nvSpPr>
+          <p:cNvPr id="2" name="幻灯片图像占位符 1"/>
+          <p:cNvSpPr>
+            <a:spLocks noGrp="1" noRot="1" noChangeAspect="1"/>
+          </p:cNvSpPr>
+          <p:nvPr>
+            <p:ph type="sldImg"/>
+          </p:nvPr>
+        </p:nvSpPr>
+        <p:spPr>
+          <a:xfrm>
+            <a:off x="425450" y="1238250"/>
+            <a:ext cx="5943600" cy="3344863"/>
+          </a:xfrm>
+        </p:spPr>
+      </p:sp>
+      <p:sp>
+        <p:nvSpPr>
+          <p:cNvPr id="3" name="备注占位符 2"/>
+          <p:cNvSpPr>
+            <a:spLocks noGrp="1"/>
+          </p:cNvSpPr>
+          <p:nvPr>
+            <p:ph type="body" idx="1"/>
+          </p:nvPr>
+        </p:nvSpPr>
+        <p:spPr/>
+        <p:txBody>
+          <a:bodyPr/>
+          <a:lstStyle/>
+          <a:p>
+            <a:endParaRPr lang="en-US" altLang="zh-CN" sz="900" dirty="0">
+              <a:latin typeface="微软雅黑" panose="020B0503020204020204" pitchFamily="34" charset="-122"/>
+              <a:ea typeface="微软雅黑" panose="020B0503020204020204" pitchFamily="34" charset="-122"/>
+            </a:endParaRPr>
+          </a:p>
+        </p:txBody>
+      </p:sp>
+      <p:sp>
+        <p:nvSpPr>
           <p:cNvPr id="4" name="灯片编号占位符 3"/>
           <p:cNvSpPr>
             <a:spLocks noGrp="1"/>
@@ -5272,7 +5162,7 @@
           <a:bodyPr/>
           <a:lstStyle/>
           <a:p>
-            <a:fld id="{115E481A-832A-48B0-9B5F-CC2DDFB376CC}" type="slidenum">
+            <a:fld id="{7EFE2119-A7ED-48A4-BF93-E52EC1921131}" type="slidenum">
               <a:rPr lang="zh-CN" altLang="en-US" smtClean="0"/>
               <a:t>44</a:t>
             </a:fld>
@@ -5280,46 +5170,10 @@
           </a:p>
         </p:txBody>
       </p:sp>
-      <p:sp>
-        <p:nvSpPr>
-          <p:cNvPr id="6" name="幻灯片图像占位符 5"/>
-          <p:cNvSpPr>
-            <a:spLocks noGrp="1" noRot="1" noChangeAspect="1"/>
-          </p:cNvSpPr>
-          <p:nvPr>
-            <p:ph type="sldImg"/>
-          </p:nvPr>
-        </p:nvSpPr>
-        <p:spPr>
-          <a:xfrm>
-            <a:off x="519113" y="787400"/>
-            <a:ext cx="5759450" cy="3240088"/>
-          </a:xfrm>
-        </p:spPr>
-      </p:sp>
-      <p:sp>
-        <p:nvSpPr>
-          <p:cNvPr id="7" name="备注占位符 6"/>
-          <p:cNvSpPr>
-            <a:spLocks noGrp="1"/>
-          </p:cNvSpPr>
-          <p:nvPr>
-            <p:ph type="body" idx="1"/>
-          </p:nvPr>
-        </p:nvSpPr>
-        <p:spPr/>
-        <p:txBody>
-          <a:bodyPr/>
-          <a:lstStyle/>
-          <a:p>
-            <a:endParaRPr lang="zh-CN" altLang="en-US"/>
-          </a:p>
-        </p:txBody>
-      </p:sp>
     </p:spTree>
     <p:extLst>
       <p:ext uri="{BB962C8B-B14F-4D97-AF65-F5344CB8AC3E}">
-        <p14:creationId xmlns:p14="http://schemas.microsoft.com/office/powerpoint/2010/main" val="3457709822"/>
+        <p14:creationId xmlns:p14="http://schemas.microsoft.com/office/powerpoint/2010/main" val="2227125815"/>
       </p:ext>
     </p:extLst>
   </p:cSld>
@@ -5348,45 +5202,6 @@
       </p:grpSpPr>
       <p:sp>
         <p:nvSpPr>
-          <p:cNvPr id="2" name="幻灯片图像占位符 1"/>
-          <p:cNvSpPr>
-            <a:spLocks noGrp="1" noRot="1" noChangeAspect="1"/>
-          </p:cNvSpPr>
-          <p:nvPr>
-            <p:ph type="sldImg"/>
-          </p:nvPr>
-        </p:nvSpPr>
-        <p:spPr>
-          <a:xfrm>
-            <a:off x="425450" y="1238250"/>
-            <a:ext cx="5943600" cy="3344863"/>
-          </a:xfrm>
-        </p:spPr>
-      </p:sp>
-      <p:sp>
-        <p:nvSpPr>
-          <p:cNvPr id="3" name="备注占位符 2"/>
-          <p:cNvSpPr>
-            <a:spLocks noGrp="1"/>
-          </p:cNvSpPr>
-          <p:nvPr>
-            <p:ph type="body" idx="1"/>
-          </p:nvPr>
-        </p:nvSpPr>
-        <p:spPr/>
-        <p:txBody>
-          <a:bodyPr/>
-          <a:lstStyle/>
-          <a:p>
-            <a:endParaRPr lang="en-US" altLang="zh-CN" sz="900" dirty="0">
-              <a:latin typeface="微软雅黑" panose="020B0503020204020204" pitchFamily="34" charset="-122"/>
-              <a:ea typeface="微软雅黑" panose="020B0503020204020204" pitchFamily="34" charset="-122"/>
-            </a:endParaRPr>
-          </a:p>
-        </p:txBody>
-      </p:sp>
-      <p:sp>
-        <p:nvSpPr>
           <p:cNvPr id="4" name="灯片编号占位符 3"/>
           <p:cNvSpPr>
             <a:spLocks noGrp="1"/>
@@ -5400,7 +5215,7 @@
           <a:bodyPr/>
           <a:lstStyle/>
           <a:p>
-            <a:fld id="{7EFE2119-A7ED-48A4-BF93-E52EC1921131}" type="slidenum">
+            <a:fld id="{115E481A-832A-48B0-9B5F-CC2DDFB376CC}" type="slidenum">
               <a:rPr lang="zh-CN" altLang="en-US" smtClean="0"/>
               <a:t>45</a:t>
             </a:fld>
@@ -5408,10 +5223,46 @@
           </a:p>
         </p:txBody>
       </p:sp>
+      <p:sp>
+        <p:nvSpPr>
+          <p:cNvPr id="6" name="幻灯片图像占位符 5"/>
+          <p:cNvSpPr>
+            <a:spLocks noGrp="1" noRot="1" noChangeAspect="1"/>
+          </p:cNvSpPr>
+          <p:nvPr>
+            <p:ph type="sldImg"/>
+          </p:nvPr>
+        </p:nvSpPr>
+        <p:spPr>
+          <a:xfrm>
+            <a:off x="519113" y="787400"/>
+            <a:ext cx="5759450" cy="3240088"/>
+          </a:xfrm>
+        </p:spPr>
+      </p:sp>
+      <p:sp>
+        <p:nvSpPr>
+          <p:cNvPr id="7" name="备注占位符 6"/>
+          <p:cNvSpPr>
+            <a:spLocks noGrp="1"/>
+          </p:cNvSpPr>
+          <p:nvPr>
+            <p:ph type="body" idx="1"/>
+          </p:nvPr>
+        </p:nvSpPr>
+        <p:spPr/>
+        <p:txBody>
+          <a:bodyPr/>
+          <a:lstStyle/>
+          <a:p>
+            <a:endParaRPr lang="zh-CN" altLang="en-US"/>
+          </a:p>
+        </p:txBody>
+      </p:sp>
     </p:spTree>
     <p:extLst>
       <p:ext uri="{BB962C8B-B14F-4D97-AF65-F5344CB8AC3E}">
-        <p14:creationId xmlns:p14="http://schemas.microsoft.com/office/powerpoint/2010/main" val="2985564805"/>
+        <p14:creationId xmlns:p14="http://schemas.microsoft.com/office/powerpoint/2010/main" val="3457709822"/>
       </p:ext>
     </p:extLst>
   </p:cSld>
@@ -5503,7 +5354,7 @@
     </p:spTree>
     <p:extLst>
       <p:ext uri="{BB962C8B-B14F-4D97-AF65-F5344CB8AC3E}">
-        <p14:creationId xmlns:p14="http://schemas.microsoft.com/office/powerpoint/2010/main" val="2421977619"/>
+        <p14:creationId xmlns:p14="http://schemas.microsoft.com/office/powerpoint/2010/main" val="2985564805"/>
       </p:ext>
     </p:extLst>
   </p:cSld>
@@ -5595,7 +5446,7 @@
     </p:spTree>
     <p:extLst>
       <p:ext uri="{BB962C8B-B14F-4D97-AF65-F5344CB8AC3E}">
-        <p14:creationId xmlns:p14="http://schemas.microsoft.com/office/powerpoint/2010/main" val="69746978"/>
+        <p14:creationId xmlns:p14="http://schemas.microsoft.com/office/powerpoint/2010/main" val="2421977619"/>
       </p:ext>
     </p:extLst>
   </p:cSld>
@@ -5624,6 +5475,45 @@
       </p:grpSpPr>
       <p:sp>
         <p:nvSpPr>
+          <p:cNvPr id="2" name="幻灯片图像占位符 1"/>
+          <p:cNvSpPr>
+            <a:spLocks noGrp="1" noRot="1" noChangeAspect="1"/>
+          </p:cNvSpPr>
+          <p:nvPr>
+            <p:ph type="sldImg"/>
+          </p:nvPr>
+        </p:nvSpPr>
+        <p:spPr>
+          <a:xfrm>
+            <a:off x="425450" y="1238250"/>
+            <a:ext cx="5943600" cy="3344863"/>
+          </a:xfrm>
+        </p:spPr>
+      </p:sp>
+      <p:sp>
+        <p:nvSpPr>
+          <p:cNvPr id="3" name="备注占位符 2"/>
+          <p:cNvSpPr>
+            <a:spLocks noGrp="1"/>
+          </p:cNvSpPr>
+          <p:nvPr>
+            <p:ph type="body" idx="1"/>
+          </p:nvPr>
+        </p:nvSpPr>
+        <p:spPr/>
+        <p:txBody>
+          <a:bodyPr/>
+          <a:lstStyle/>
+          <a:p>
+            <a:endParaRPr lang="en-US" altLang="zh-CN" sz="900" dirty="0">
+              <a:latin typeface="微软雅黑" panose="020B0503020204020204" pitchFamily="34" charset="-122"/>
+              <a:ea typeface="微软雅黑" panose="020B0503020204020204" pitchFamily="34" charset="-122"/>
+            </a:endParaRPr>
+          </a:p>
+        </p:txBody>
+      </p:sp>
+      <p:sp>
+        <p:nvSpPr>
           <p:cNvPr id="4" name="灯片编号占位符 3"/>
           <p:cNvSpPr>
             <a:spLocks noGrp="1"/>
@@ -5637,7 +5527,7 @@
           <a:bodyPr/>
           <a:lstStyle/>
           <a:p>
-            <a:fld id="{115E481A-832A-48B0-9B5F-CC2DDFB376CC}" type="slidenum">
+            <a:fld id="{7EFE2119-A7ED-48A4-BF93-E52EC1921131}" type="slidenum">
               <a:rPr lang="zh-CN" altLang="en-US" smtClean="0"/>
               <a:t>48</a:t>
             </a:fld>
@@ -5645,46 +5535,10 @@
           </a:p>
         </p:txBody>
       </p:sp>
-      <p:sp>
-        <p:nvSpPr>
-          <p:cNvPr id="6" name="幻灯片图像占位符 5"/>
-          <p:cNvSpPr>
-            <a:spLocks noGrp="1" noRot="1" noChangeAspect="1"/>
-          </p:cNvSpPr>
-          <p:nvPr>
-            <p:ph type="sldImg"/>
-          </p:nvPr>
-        </p:nvSpPr>
-        <p:spPr>
-          <a:xfrm>
-            <a:off x="519113" y="787400"/>
-            <a:ext cx="5759450" cy="3240088"/>
-          </a:xfrm>
-        </p:spPr>
-      </p:sp>
-      <p:sp>
-        <p:nvSpPr>
-          <p:cNvPr id="7" name="备注占位符 6"/>
-          <p:cNvSpPr>
-            <a:spLocks noGrp="1"/>
-          </p:cNvSpPr>
-          <p:nvPr>
-            <p:ph type="body" idx="1"/>
-          </p:nvPr>
-        </p:nvSpPr>
-        <p:spPr/>
-        <p:txBody>
-          <a:bodyPr/>
-          <a:lstStyle/>
-          <a:p>
-            <a:endParaRPr lang="zh-CN" altLang="en-US"/>
-          </a:p>
-        </p:txBody>
-      </p:sp>
     </p:spTree>
     <p:extLst>
       <p:ext uri="{BB962C8B-B14F-4D97-AF65-F5344CB8AC3E}">
-        <p14:creationId xmlns:p14="http://schemas.microsoft.com/office/powerpoint/2010/main" val="1194232016"/>
+        <p14:creationId xmlns:p14="http://schemas.microsoft.com/office/powerpoint/2010/main" val="69746978"/>
       </p:ext>
     </p:extLst>
   </p:cSld>
@@ -5713,6 +5567,45 @@
       </p:grpSpPr>
       <p:sp>
         <p:nvSpPr>
+          <p:cNvPr id="2" name="幻灯片图像占位符 1"/>
+          <p:cNvSpPr>
+            <a:spLocks noGrp="1" noRot="1" noChangeAspect="1"/>
+          </p:cNvSpPr>
+          <p:nvPr>
+            <p:ph type="sldImg"/>
+          </p:nvPr>
+        </p:nvSpPr>
+        <p:spPr>
+          <a:xfrm>
+            <a:off x="425450" y="1238250"/>
+            <a:ext cx="5943600" cy="3344863"/>
+          </a:xfrm>
+        </p:spPr>
+      </p:sp>
+      <p:sp>
+        <p:nvSpPr>
+          <p:cNvPr id="3" name="备注占位符 2"/>
+          <p:cNvSpPr>
+            <a:spLocks noGrp="1"/>
+          </p:cNvSpPr>
+          <p:nvPr>
+            <p:ph type="body" idx="1"/>
+          </p:nvPr>
+        </p:nvSpPr>
+        <p:spPr/>
+        <p:txBody>
+          <a:bodyPr/>
+          <a:lstStyle/>
+          <a:p>
+            <a:endParaRPr lang="en-US" altLang="zh-CN" sz="900" dirty="0">
+              <a:latin typeface="微软雅黑" panose="020B0503020204020204" pitchFamily="34" charset="-122"/>
+              <a:ea typeface="微软雅黑" panose="020B0503020204020204" pitchFamily="34" charset="-122"/>
+            </a:endParaRPr>
+          </a:p>
+        </p:txBody>
+      </p:sp>
+      <p:sp>
+        <p:nvSpPr>
           <p:cNvPr id="4" name="灯片编号占位符 3"/>
           <p:cNvSpPr>
             <a:spLocks noGrp="1"/>
@@ -5726,376 +5619,18 @@
           <a:bodyPr/>
           <a:lstStyle/>
           <a:p>
-            <a:fld id="{76A81D81-FE2F-498E-9723-332F49FC9508}" type="slidenum">
-              <a:rPr lang="zh-TW" altLang="en-US" smtClean="0"/>
+            <a:fld id="{7EFE2119-A7ED-48A4-BF93-E52EC1921131}" type="slidenum">
+              <a:rPr lang="zh-CN" altLang="en-US" smtClean="0"/>
               <a:t>49</a:t>
             </a:fld>
-            <a:endParaRPr lang="zh-TW" altLang="en-US"/>
-          </a:p>
-        </p:txBody>
-      </p:sp>
-      <p:sp>
-        <p:nvSpPr>
-          <p:cNvPr id="6" name="幻灯片图像占位符 5"/>
-          <p:cNvSpPr>
-            <a:spLocks noGrp="1" noRot="1" noChangeAspect="1"/>
-          </p:cNvSpPr>
-          <p:nvPr>
-            <p:ph type="sldImg"/>
-          </p:nvPr>
-        </p:nvSpPr>
-        <p:spPr>
-          <a:xfrm>
-            <a:off x="519113" y="787400"/>
-            <a:ext cx="5759450" cy="3240088"/>
-          </a:xfrm>
-        </p:spPr>
-      </p:sp>
-      <p:sp>
-        <p:nvSpPr>
-          <p:cNvPr id="7" name="备注占位符 6"/>
-          <p:cNvSpPr>
-            <a:spLocks noGrp="1"/>
-          </p:cNvSpPr>
-          <p:nvPr>
-            <p:ph type="body" idx="1"/>
-          </p:nvPr>
-        </p:nvSpPr>
-        <p:spPr/>
-        <p:txBody>
-          <a:bodyPr/>
-          <a:lstStyle/>
-          <a:p>
-            <a:pPr marL="0" indent="0">
-              <a:buNone/>
-            </a:pPr>
-            <a:r>
-              <a:rPr lang="zh-CN" altLang="zh-CN" sz="1000" kern="100" dirty="0">
-                <a:effectLst/>
-                <a:latin typeface="Times New Roman" panose="02020603050405020304" pitchFamily="18" charset="0"/>
-                <a:ea typeface="仿宋" panose="02010609060101010101" pitchFamily="49" charset="-122"/>
-                <a:cs typeface="Times New Roman" panose="02020603050405020304" pitchFamily="18" charset="0"/>
-              </a:rPr>
-              <a:t>系统表</a:t>
-            </a:r>
-            <a:r>
-              <a:rPr lang="en-US" altLang="zh-CN" sz="1000" kern="100" dirty="0" err="1">
-                <a:effectLst/>
-                <a:latin typeface="Times New Roman" panose="02020603050405020304" pitchFamily="18" charset="0"/>
-                <a:ea typeface="仿宋" panose="02010609060101010101" pitchFamily="49" charset="-122"/>
-                <a:cs typeface="Times New Roman" panose="02020603050405020304" pitchFamily="18" charset="0"/>
-              </a:rPr>
-              <a:t>information_schema.INNODB_TRX</a:t>
-            </a:r>
-            <a:r>
-              <a:rPr lang="zh-CN" altLang="zh-CN" sz="1000" kern="100" dirty="0">
-                <a:effectLst/>
-                <a:latin typeface="Times New Roman" panose="02020603050405020304" pitchFamily="18" charset="0"/>
-                <a:ea typeface="仿宋" panose="02010609060101010101" pitchFamily="49" charset="-122"/>
-                <a:cs typeface="Times New Roman" panose="02020603050405020304" pitchFamily="18" charset="0"/>
-              </a:rPr>
-              <a:t>主要记录了</a:t>
-            </a:r>
-            <a:r>
-              <a:rPr lang="en-US" altLang="zh-CN" sz="1000" kern="100" dirty="0" err="1">
-                <a:effectLst/>
-                <a:latin typeface="Times New Roman" panose="02020603050405020304" pitchFamily="18" charset="0"/>
-                <a:ea typeface="仿宋" panose="02010609060101010101" pitchFamily="49" charset="-122"/>
-                <a:cs typeface="Times New Roman" panose="02020603050405020304" pitchFamily="18" charset="0"/>
-              </a:rPr>
-              <a:t>innodb</a:t>
-            </a:r>
-            <a:r>
-              <a:rPr lang="zh-CN" altLang="zh-CN" sz="1000" kern="100" dirty="0">
-                <a:effectLst/>
-                <a:latin typeface="Times New Roman" panose="02020603050405020304" pitchFamily="18" charset="0"/>
-                <a:ea typeface="仿宋" panose="02010609060101010101" pitchFamily="49" charset="-122"/>
-                <a:cs typeface="Times New Roman" panose="02020603050405020304" pitchFamily="18" charset="0"/>
-              </a:rPr>
-              <a:t>事务的相关信息，需要增加</a:t>
-            </a:r>
-            <a:r>
-              <a:rPr lang="en-US" altLang="zh-CN" sz="1000" kern="100" dirty="0">
-                <a:effectLst/>
-                <a:latin typeface="Times New Roman" panose="02020603050405020304" pitchFamily="18" charset="0"/>
-                <a:ea typeface="仿宋" panose="02010609060101010101" pitchFamily="49" charset="-122"/>
-                <a:cs typeface="Times New Roman" panose="02020603050405020304" pitchFamily="18" charset="0"/>
-              </a:rPr>
-              <a:t>2</a:t>
-            </a:r>
-            <a:r>
-              <a:rPr lang="zh-CN" altLang="zh-CN" sz="1000" kern="100" dirty="0">
-                <a:effectLst/>
-                <a:latin typeface="Times New Roman" panose="02020603050405020304" pitchFamily="18" charset="0"/>
-                <a:ea typeface="仿宋" panose="02010609060101010101" pitchFamily="49" charset="-122"/>
-                <a:cs typeface="Times New Roman" panose="02020603050405020304" pitchFamily="18" charset="0"/>
-              </a:rPr>
-              <a:t>个字段用于保存事务流水号信息及</a:t>
-            </a:r>
-            <a:r>
-              <a:rPr lang="en-US" altLang="zh-CN" sz="1000" kern="100" dirty="0">
-                <a:effectLst/>
-                <a:latin typeface="Times New Roman" panose="02020603050405020304" pitchFamily="18" charset="0"/>
-                <a:ea typeface="仿宋" panose="02010609060101010101" pitchFamily="49" charset="-122"/>
-                <a:cs typeface="Times New Roman" panose="02020603050405020304" pitchFamily="18" charset="0"/>
-              </a:rPr>
-              <a:t>GTID</a:t>
-            </a:r>
-            <a:r>
-              <a:rPr lang="zh-CN" altLang="zh-CN" sz="1000" kern="100" dirty="0">
-                <a:effectLst/>
-                <a:latin typeface="Times New Roman" panose="02020603050405020304" pitchFamily="18" charset="0"/>
-                <a:ea typeface="仿宋" panose="02010609060101010101" pitchFamily="49" charset="-122"/>
-                <a:cs typeface="Times New Roman" panose="02020603050405020304" pitchFamily="18" charset="0"/>
-              </a:rPr>
-              <a:t>信息。</a:t>
-            </a:r>
-            <a:endParaRPr lang="en-US" altLang="zh-CN" sz="1000" kern="100" dirty="0">
-              <a:effectLst/>
-              <a:latin typeface="Times New Roman" panose="02020603050405020304" pitchFamily="18" charset="0"/>
-              <a:ea typeface="仿宋" panose="02010609060101010101" pitchFamily="49" charset="-122"/>
-              <a:cs typeface="Times New Roman" panose="02020603050405020304" pitchFamily="18" charset="0"/>
-            </a:endParaRPr>
-          </a:p>
-          <a:p>
-            <a:pPr marL="0" indent="0">
-              <a:buNone/>
-            </a:pPr>
-            <a:r>
-              <a:rPr lang="zh-CN" altLang="zh-CN" sz="1000" kern="100" dirty="0">
-                <a:effectLst/>
-                <a:latin typeface="Times New Roman" panose="02020603050405020304" pitchFamily="18" charset="0"/>
-                <a:ea typeface="仿宋" panose="02010609060101010101" pitchFamily="49" charset="-122"/>
-                <a:cs typeface="Times New Roman" panose="02020603050405020304" pitchFamily="18" charset="0"/>
-              </a:rPr>
-              <a:t>新增字段信息如下：</a:t>
-            </a:r>
-            <a:endParaRPr lang="en-US" altLang="zh-CN" sz="1000" kern="100" dirty="0">
-              <a:effectLst/>
-              <a:latin typeface="Times New Roman" panose="02020603050405020304" pitchFamily="18" charset="0"/>
-              <a:ea typeface="仿宋" panose="02010609060101010101" pitchFamily="49" charset="-122"/>
-              <a:cs typeface="Times New Roman" panose="02020603050405020304" pitchFamily="18" charset="0"/>
-            </a:endParaRPr>
-          </a:p>
-          <a:p>
-            <a:pPr marL="0" indent="0">
-              <a:buNone/>
-            </a:pPr>
-            <a:r>
-              <a:rPr lang="en-US" altLang="zh-CN" sz="1000" kern="100" dirty="0" err="1">
-                <a:effectLst/>
-                <a:latin typeface="Times New Roman" panose="02020603050405020304" pitchFamily="18" charset="0"/>
-                <a:ea typeface="仿宋" panose="02010609060101010101" pitchFamily="49" charset="-122"/>
-                <a:cs typeface="Times New Roman" panose="02020603050405020304" pitchFamily="18" charset="0"/>
-              </a:rPr>
-              <a:t>trx_serial_num</a:t>
-            </a:r>
-            <a:r>
-              <a:rPr lang="en-US" altLang="zh-CN" sz="1000" kern="100" dirty="0">
-                <a:effectLst/>
-                <a:latin typeface="Times New Roman" panose="02020603050405020304" pitchFamily="18" charset="0"/>
-                <a:ea typeface="仿宋" panose="02010609060101010101" pitchFamily="49" charset="-122"/>
-                <a:cs typeface="Times New Roman" panose="02020603050405020304" pitchFamily="18" charset="0"/>
-              </a:rPr>
-              <a:t> varchar(32) DEFAULT NULL,</a:t>
-            </a:r>
-            <a:endParaRPr lang="en-US" altLang="zh-CN" sz="1000" kern="100" dirty="0">
-              <a:latin typeface="Times New Roman" panose="02020603050405020304" pitchFamily="18" charset="0"/>
-              <a:ea typeface="仿宋" panose="02010609060101010101" pitchFamily="49" charset="-122"/>
-              <a:cs typeface="Times New Roman" panose="02020603050405020304" pitchFamily="18" charset="0"/>
-            </a:endParaRPr>
-          </a:p>
-          <a:p>
-            <a:pPr marL="0" indent="0">
-              <a:buNone/>
-            </a:pPr>
-            <a:r>
-              <a:rPr lang="en-US" altLang="zh-CN" sz="1000" kern="100" dirty="0" err="1">
-                <a:effectLst/>
-                <a:latin typeface="Times New Roman" panose="02020603050405020304" pitchFamily="18" charset="0"/>
-                <a:ea typeface="仿宋" panose="02010609060101010101" pitchFamily="49" charset="-122"/>
-                <a:cs typeface="Times New Roman" panose="02020603050405020304" pitchFamily="18" charset="0"/>
-              </a:rPr>
-              <a:t>trx_gtm_gtid</a:t>
-            </a:r>
-            <a:r>
-              <a:rPr lang="en-US" altLang="zh-CN" sz="1000" kern="100" dirty="0">
-                <a:effectLst/>
-                <a:latin typeface="Times New Roman" panose="02020603050405020304" pitchFamily="18" charset="0"/>
-                <a:ea typeface="仿宋" panose="02010609060101010101" pitchFamily="49" charset="-122"/>
-                <a:cs typeface="Times New Roman" panose="02020603050405020304" pitchFamily="18" charset="0"/>
-              </a:rPr>
-              <a:t> </a:t>
-            </a:r>
-            <a:r>
-              <a:rPr lang="en-US" altLang="zh-CN" sz="1000" kern="100" dirty="0" err="1">
-                <a:effectLst/>
-                <a:latin typeface="Times New Roman" panose="02020603050405020304" pitchFamily="18" charset="0"/>
-                <a:ea typeface="仿宋" panose="02010609060101010101" pitchFamily="49" charset="-122"/>
-                <a:cs typeface="Times New Roman" panose="02020603050405020304" pitchFamily="18" charset="0"/>
-              </a:rPr>
-              <a:t>varcahr</a:t>
-            </a:r>
-            <a:r>
-              <a:rPr lang="en-US" altLang="zh-CN" sz="1000" kern="100" dirty="0">
-                <a:effectLst/>
-                <a:latin typeface="Times New Roman" panose="02020603050405020304" pitchFamily="18" charset="0"/>
-                <a:ea typeface="仿宋" panose="02010609060101010101" pitchFamily="49" charset="-122"/>
-                <a:cs typeface="Times New Roman" panose="02020603050405020304" pitchFamily="18" charset="0"/>
-              </a:rPr>
-              <a:t>(32) DEFAULT NULL</a:t>
-            </a:r>
-          </a:p>
-          <a:p>
-            <a:pPr marL="0" indent="0">
-              <a:buNone/>
-            </a:pPr>
-            <a:r>
-              <a:rPr lang="zh-CN" altLang="zh-CN" sz="1000" kern="100" dirty="0">
-                <a:effectLst/>
-                <a:latin typeface="Times New Roman" panose="02020603050405020304" pitchFamily="18" charset="0"/>
-                <a:ea typeface="仿宋" panose="02010609060101010101" pitchFamily="49" charset="-122"/>
-                <a:cs typeface="Times New Roman" panose="02020603050405020304" pitchFamily="18" charset="0"/>
-              </a:rPr>
-              <a:t>事务流水号信息和</a:t>
-            </a:r>
-            <a:r>
-              <a:rPr lang="en-US" altLang="zh-CN" sz="1000" kern="100" dirty="0">
-                <a:effectLst/>
-                <a:latin typeface="Times New Roman" panose="02020603050405020304" pitchFamily="18" charset="0"/>
-                <a:ea typeface="仿宋" panose="02010609060101010101" pitchFamily="49" charset="-122"/>
-                <a:cs typeface="Times New Roman" panose="02020603050405020304" pitchFamily="18" charset="0"/>
-              </a:rPr>
-              <a:t>GTID</a:t>
-            </a:r>
-            <a:r>
-              <a:rPr lang="zh-CN" altLang="zh-CN" sz="1000" kern="100" dirty="0">
-                <a:effectLst/>
-                <a:latin typeface="Times New Roman" panose="02020603050405020304" pitchFamily="18" charset="0"/>
-                <a:ea typeface="仿宋" panose="02010609060101010101" pitchFamily="49" charset="-122"/>
-                <a:cs typeface="Times New Roman" panose="02020603050405020304" pitchFamily="18" charset="0"/>
-              </a:rPr>
-              <a:t>信息都是以特殊</a:t>
-            </a:r>
-            <a:r>
-              <a:rPr lang="en-US" altLang="zh-CN" sz="1000" kern="100" dirty="0">
-                <a:effectLst/>
-                <a:latin typeface="Times New Roman" panose="02020603050405020304" pitchFamily="18" charset="0"/>
-                <a:ea typeface="仿宋" panose="02010609060101010101" pitchFamily="49" charset="-122"/>
-                <a:cs typeface="Times New Roman" panose="02020603050405020304" pitchFamily="18" charset="0"/>
-              </a:rPr>
-              <a:t>HINT</a:t>
-            </a:r>
-            <a:r>
-              <a:rPr lang="zh-CN" altLang="zh-CN" sz="1000" kern="100" dirty="0">
-                <a:effectLst/>
-                <a:latin typeface="Times New Roman" panose="02020603050405020304" pitchFamily="18" charset="0"/>
-                <a:ea typeface="仿宋" panose="02010609060101010101" pitchFamily="49" charset="-122"/>
-                <a:cs typeface="Times New Roman" panose="02020603050405020304" pitchFamily="18" charset="0"/>
-              </a:rPr>
-              <a:t>信息的方式携带在</a:t>
-            </a:r>
-            <a:r>
-              <a:rPr lang="en-US" altLang="zh-CN" sz="1000" kern="100" dirty="0">
-                <a:effectLst/>
-                <a:latin typeface="Times New Roman" panose="02020603050405020304" pitchFamily="18" charset="0"/>
-                <a:ea typeface="仿宋" panose="02010609060101010101" pitchFamily="49" charset="-122"/>
-                <a:cs typeface="Times New Roman" panose="02020603050405020304" pitchFamily="18" charset="0"/>
-              </a:rPr>
-              <a:t>SQL</a:t>
-            </a:r>
-            <a:r>
-              <a:rPr lang="zh-CN" altLang="zh-CN" sz="1000" kern="100" dirty="0">
-                <a:effectLst/>
-                <a:latin typeface="Times New Roman" panose="02020603050405020304" pitchFamily="18" charset="0"/>
-                <a:ea typeface="仿宋" panose="02010609060101010101" pitchFamily="49" charset="-122"/>
-                <a:cs typeface="Times New Roman" panose="02020603050405020304" pitchFamily="18" charset="0"/>
-              </a:rPr>
-              <a:t>语句中的，如：</a:t>
-            </a:r>
-            <a:endParaRPr lang="en-US" altLang="zh-CN" sz="1000" kern="100" dirty="0">
-              <a:effectLst/>
-              <a:latin typeface="Times New Roman" panose="02020603050405020304" pitchFamily="18" charset="0"/>
-              <a:ea typeface="仿宋" panose="02010609060101010101" pitchFamily="49" charset="-122"/>
-              <a:cs typeface="Times New Roman" panose="02020603050405020304" pitchFamily="18" charset="0"/>
-            </a:endParaRPr>
-          </a:p>
-          <a:p>
-            <a:pPr marL="0" indent="0">
-              <a:buNone/>
-            </a:pPr>
-            <a:r>
-              <a:rPr lang="zh-CN" altLang="zh-CN" sz="1000" kern="100" dirty="0">
-                <a:solidFill>
-                  <a:srgbClr val="FF0000"/>
-                </a:solidFill>
-                <a:effectLst/>
-                <a:latin typeface="Times New Roman" panose="02020603050405020304" pitchFamily="18" charset="0"/>
-                <a:ea typeface="仿宋" panose="02010609060101010101" pitchFamily="49" charset="-122"/>
-                <a:cs typeface="Times New Roman" panose="02020603050405020304" pitchFamily="18" charset="0"/>
-              </a:rPr>
-              <a:t>事务流水号：</a:t>
-            </a:r>
-            <a:r>
-              <a:rPr lang="en-US" altLang="zh-CN" sz="1000" kern="100" dirty="0">
-                <a:solidFill>
-                  <a:srgbClr val="FF0000"/>
-                </a:solidFill>
-                <a:effectLst/>
-                <a:latin typeface="Times New Roman" panose="02020603050405020304" pitchFamily="18" charset="0"/>
-                <a:ea typeface="仿宋" panose="02010609060101010101" pitchFamily="49" charset="-122"/>
-                <a:cs typeface="Times New Roman" panose="02020603050405020304" pitchFamily="18" charset="0"/>
-              </a:rPr>
-              <a:t>/*+TSN=abc123*/ START TRANSACTION;</a:t>
-            </a:r>
-          </a:p>
-          <a:p>
-            <a:pPr marL="0" indent="0">
-              <a:buNone/>
-            </a:pPr>
-            <a:r>
-              <a:rPr lang="zh-CN" altLang="zh-CN" sz="1000" kern="100" dirty="0">
-                <a:solidFill>
-                  <a:srgbClr val="FF0000"/>
-                </a:solidFill>
-                <a:effectLst/>
-                <a:latin typeface="Times New Roman" panose="02020603050405020304" pitchFamily="18" charset="0"/>
-                <a:ea typeface="仿宋" panose="02010609060101010101" pitchFamily="49" charset="-122"/>
-                <a:cs typeface="Times New Roman" panose="02020603050405020304" pitchFamily="18" charset="0"/>
-              </a:rPr>
-              <a:t>事务流水号：</a:t>
-            </a:r>
-            <a:r>
-              <a:rPr lang="en-US" altLang="zh-CN" sz="1000" kern="100" dirty="0">
-                <a:solidFill>
-                  <a:srgbClr val="FF0000"/>
-                </a:solidFill>
-                <a:effectLst/>
-                <a:latin typeface="Times New Roman" panose="02020603050405020304" pitchFamily="18" charset="0"/>
-                <a:ea typeface="仿宋" panose="02010609060101010101" pitchFamily="49" charset="-122"/>
-                <a:cs typeface="Times New Roman" panose="02020603050405020304" pitchFamily="18" charset="0"/>
-              </a:rPr>
-              <a:t>/*+GTID=123456*/ START TRANSACTION;</a:t>
-            </a:r>
-            <a:endParaRPr lang="en-US" altLang="zh-CN" sz="1000" dirty="0"/>
-          </a:p>
-          <a:p>
-            <a:endParaRPr lang="zh-CN" altLang="en-US" sz="1000" b="0" i="0" kern="1200" dirty="0">
-              <a:solidFill>
-                <a:schemeClr val="tx1"/>
-              </a:solidFill>
-              <a:effectLst/>
-              <a:latin typeface="+mj-ea"/>
-              <a:ea typeface="+mj-ea"/>
-              <a:cs typeface="+mn-cs"/>
-            </a:endParaRPr>
+            <a:endParaRPr lang="zh-CN" altLang="en-US"/>
           </a:p>
         </p:txBody>
       </p:sp>
     </p:spTree>
     <p:extLst>
       <p:ext uri="{BB962C8B-B14F-4D97-AF65-F5344CB8AC3E}">
-        <p14:creationId xmlns:p14="http://schemas.microsoft.com/office/powerpoint/2010/main" val="40607615"/>
+        <p14:creationId xmlns:p14="http://schemas.microsoft.com/office/powerpoint/2010/main" val="3993462652"/>
       </p:ext>
     </p:extLst>
   </p:cSld>
@@ -6137,11 +5672,11 @@
           <a:bodyPr/>
           <a:lstStyle/>
           <a:p>
-            <a:fld id="{76A81D81-FE2F-498E-9723-332F49FC9508}" type="slidenum">
-              <a:rPr lang="zh-TW" altLang="en-US" smtClean="0"/>
+            <a:fld id="{115E481A-832A-48B0-9B5F-CC2DDFB376CC}" type="slidenum">
+              <a:rPr lang="zh-CN" altLang="en-US" smtClean="0"/>
               <a:t>50</a:t>
             </a:fld>
-            <a:endParaRPr lang="zh-TW" altLang="en-US"/>
+            <a:endParaRPr lang="zh-CN" altLang="en-US"/>
           </a:p>
         </p:txBody>
       </p:sp>
@@ -6177,320 +5712,14 @@
           <a:bodyPr/>
           <a:lstStyle/>
           <a:p>
-            <a:pPr algn="just"/>
-            <a:r>
-              <a:rPr lang="en-US" altLang="zh-CN" sz="1000" b="0" i="0" dirty="0">
-                <a:solidFill>
-                  <a:srgbClr val="333333"/>
-                </a:solidFill>
-                <a:effectLst/>
-                <a:latin typeface="-apple-system"/>
-              </a:rPr>
-              <a:t>1</a:t>
-            </a:r>
-            <a:r>
-              <a:rPr lang="zh-CN" altLang="en-US" sz="1000" b="0" i="0" dirty="0">
-                <a:solidFill>
-                  <a:srgbClr val="333333"/>
-                </a:solidFill>
-                <a:effectLst/>
-                <a:latin typeface="-apple-system"/>
-              </a:rPr>
-              <a:t>、</a:t>
-            </a:r>
-            <a:r>
-              <a:rPr lang="en-US" altLang="zh-CN" sz="1000" b="0" i="0" dirty="0" err="1">
-                <a:solidFill>
-                  <a:srgbClr val="333333"/>
-                </a:solidFill>
-                <a:effectLst/>
-                <a:latin typeface="-apple-system"/>
-              </a:rPr>
-              <a:t>InsightAgent</a:t>
-            </a:r>
-            <a:r>
-              <a:rPr lang="zh-CN" altLang="en-US" sz="1000" b="0" i="0" dirty="0">
-                <a:solidFill>
-                  <a:srgbClr val="333333"/>
-                </a:solidFill>
-                <a:effectLst/>
-                <a:latin typeface="-apple-system"/>
-              </a:rPr>
-              <a:t>是主机代理，每台主机上部署，执行</a:t>
-            </a:r>
-            <a:r>
-              <a:rPr lang="en-US" altLang="zh-CN" sz="1000" b="0" i="0" dirty="0" err="1">
-                <a:solidFill>
-                  <a:srgbClr val="333333"/>
-                </a:solidFill>
-                <a:effectLst/>
-                <a:latin typeface="-apple-system"/>
-              </a:rPr>
-              <a:t>insightserver</a:t>
-            </a:r>
-            <a:r>
-              <a:rPr lang="zh-CN" altLang="en-US" sz="1000" b="0" i="0" dirty="0">
-                <a:solidFill>
-                  <a:srgbClr val="333333"/>
-                </a:solidFill>
-                <a:effectLst/>
-                <a:latin typeface="-apple-system"/>
-              </a:rPr>
-              <a:t>下发的命令，并将数据收集推送到</a:t>
-            </a:r>
-            <a:r>
-              <a:rPr lang="en-US" altLang="zh-CN" sz="1000" b="0" i="0" dirty="0" err="1">
-                <a:solidFill>
-                  <a:srgbClr val="333333"/>
-                </a:solidFill>
-                <a:effectLst/>
-                <a:latin typeface="-apple-system"/>
-              </a:rPr>
-              <a:t>kafka</a:t>
-            </a:r>
-            <a:endParaRPr lang="en-US" altLang="zh-CN" sz="1000" b="0" i="0" dirty="0">
-              <a:solidFill>
-                <a:srgbClr val="333333"/>
-              </a:solidFill>
-              <a:effectLst/>
-              <a:latin typeface="-apple-system"/>
-            </a:endParaRPr>
-          </a:p>
-          <a:p>
-            <a:pPr algn="just"/>
-            <a:r>
-              <a:rPr lang="en-US" altLang="zh-CN" sz="1000" b="0" i="0" dirty="0">
-                <a:solidFill>
-                  <a:srgbClr val="333333"/>
-                </a:solidFill>
-                <a:effectLst/>
-                <a:latin typeface="-apple-system"/>
-              </a:rPr>
-              <a:t>2</a:t>
-            </a:r>
-            <a:r>
-              <a:rPr lang="zh-CN" altLang="en-US" sz="1000" b="0" i="0" dirty="0">
-                <a:solidFill>
-                  <a:srgbClr val="333333"/>
-                </a:solidFill>
-                <a:effectLst/>
-                <a:latin typeface="-apple-system"/>
-              </a:rPr>
-              <a:t>、</a:t>
-            </a:r>
-            <a:r>
-              <a:rPr lang="en-US" altLang="zh-CN" sz="1000" b="0" i="0" dirty="0" err="1">
-                <a:solidFill>
-                  <a:srgbClr val="333333"/>
-                </a:solidFill>
-                <a:effectLst/>
-                <a:latin typeface="-apple-system"/>
-              </a:rPr>
-              <a:t>Filebeat</a:t>
-            </a:r>
-            <a:r>
-              <a:rPr lang="zh-CN" altLang="en-US" sz="1000" b="0" i="0" dirty="0">
-                <a:solidFill>
-                  <a:srgbClr val="333333"/>
-                </a:solidFill>
-                <a:effectLst/>
-                <a:latin typeface="-apple-system"/>
-              </a:rPr>
-              <a:t>是日志采集代理，用于收集每台服务器的日志数据</a:t>
-            </a:r>
-          </a:p>
-          <a:p>
-            <a:pPr algn="just"/>
-            <a:r>
-              <a:rPr lang="en-US" altLang="zh-CN" sz="1000" b="0" i="0" dirty="0">
-                <a:solidFill>
-                  <a:srgbClr val="333333"/>
-                </a:solidFill>
-                <a:effectLst/>
-                <a:latin typeface="-apple-system"/>
-              </a:rPr>
-              <a:t>3</a:t>
-            </a:r>
-            <a:r>
-              <a:rPr lang="zh-CN" altLang="en-US" sz="1000" b="0" i="0" dirty="0">
-                <a:solidFill>
-                  <a:srgbClr val="333333"/>
-                </a:solidFill>
-                <a:effectLst/>
-                <a:latin typeface="-apple-system"/>
-              </a:rPr>
-              <a:t>、运维性能数据经过</a:t>
-            </a:r>
-            <a:r>
-              <a:rPr lang="en-US" altLang="zh-CN" sz="1000" b="0" i="0" dirty="0" err="1">
-                <a:solidFill>
-                  <a:srgbClr val="333333"/>
-                </a:solidFill>
-                <a:effectLst/>
-                <a:latin typeface="-apple-system"/>
-              </a:rPr>
-              <a:t>kafka</a:t>
-            </a:r>
-            <a:r>
-              <a:rPr lang="zh-CN" altLang="en-US" sz="1000" b="0" i="0" dirty="0">
-                <a:solidFill>
-                  <a:srgbClr val="333333"/>
-                </a:solidFill>
-                <a:effectLst/>
-                <a:latin typeface="-apple-system"/>
-              </a:rPr>
-              <a:t>消息队列后通过</a:t>
-            </a:r>
-            <a:r>
-              <a:rPr lang="en-US" altLang="zh-CN" sz="1000" b="0" i="0" dirty="0" err="1">
-                <a:solidFill>
-                  <a:srgbClr val="333333"/>
-                </a:solidFill>
-                <a:effectLst/>
-                <a:latin typeface="-apple-system"/>
-              </a:rPr>
-              <a:t>logstash</a:t>
-            </a:r>
-            <a:r>
-              <a:rPr lang="zh-CN" altLang="en-US" sz="1000" b="0" i="0" dirty="0">
-                <a:solidFill>
-                  <a:srgbClr val="333333"/>
-                </a:solidFill>
-                <a:effectLst/>
-                <a:latin typeface="-apple-system"/>
-              </a:rPr>
-              <a:t>采集到</a:t>
-            </a:r>
-            <a:r>
-              <a:rPr lang="en-US" altLang="zh-CN" sz="1000" b="0" i="0" dirty="0" err="1">
-                <a:solidFill>
-                  <a:srgbClr val="333333"/>
-                </a:solidFill>
-                <a:effectLst/>
-                <a:latin typeface="-apple-system"/>
-              </a:rPr>
-              <a:t>elasticsearch</a:t>
-            </a:r>
-            <a:r>
-              <a:rPr lang="zh-CN" altLang="en-US" sz="1000" b="0" i="0" dirty="0">
-                <a:solidFill>
-                  <a:srgbClr val="333333"/>
-                </a:solidFill>
-                <a:effectLst/>
-                <a:latin typeface="-apple-system"/>
-              </a:rPr>
-              <a:t>中存储</a:t>
-            </a:r>
-          </a:p>
-          <a:p>
-            <a:pPr algn="just"/>
-            <a:r>
-              <a:rPr lang="en-US" altLang="zh-CN" sz="1000" b="0" i="0" dirty="0">
-                <a:solidFill>
-                  <a:srgbClr val="333333"/>
-                </a:solidFill>
-                <a:effectLst/>
-                <a:latin typeface="-apple-system"/>
-              </a:rPr>
-              <a:t>4</a:t>
-            </a:r>
-            <a:r>
-              <a:rPr lang="zh-CN" altLang="en-US" sz="1000" b="0" i="0" dirty="0">
-                <a:solidFill>
-                  <a:srgbClr val="333333"/>
-                </a:solidFill>
-                <a:effectLst/>
-                <a:latin typeface="-apple-system"/>
-              </a:rPr>
-              <a:t>、</a:t>
-            </a:r>
-            <a:r>
-              <a:rPr lang="en-US" altLang="zh-CN" sz="1000" b="0" i="0" dirty="0" err="1">
-                <a:solidFill>
-                  <a:srgbClr val="333333"/>
-                </a:solidFill>
-                <a:effectLst/>
-                <a:latin typeface="-apple-system"/>
-              </a:rPr>
-              <a:t>Insightserver</a:t>
-            </a:r>
-            <a:r>
-              <a:rPr lang="zh-CN" altLang="en-US" sz="1000" b="0" i="0" dirty="0">
-                <a:solidFill>
-                  <a:srgbClr val="333333"/>
-                </a:solidFill>
-                <a:effectLst/>
-                <a:latin typeface="-apple-system"/>
-              </a:rPr>
-              <a:t>会查询</a:t>
-            </a:r>
-            <a:r>
-              <a:rPr lang="en-US" altLang="zh-CN" sz="1000" b="0" i="0" dirty="0">
-                <a:solidFill>
-                  <a:srgbClr val="333333"/>
-                </a:solidFill>
-                <a:effectLst/>
-                <a:latin typeface="-apple-system"/>
-              </a:rPr>
-              <a:t>ES</a:t>
-            </a:r>
-            <a:r>
-              <a:rPr lang="zh-CN" altLang="en-US" sz="1000" b="0" i="0" dirty="0">
-                <a:solidFill>
-                  <a:srgbClr val="333333"/>
-                </a:solidFill>
-                <a:effectLst/>
-                <a:latin typeface="-apple-system"/>
-              </a:rPr>
-              <a:t>中的性能数据、</a:t>
-            </a:r>
-            <a:r>
-              <a:rPr lang="en-US" altLang="zh-CN" sz="1000" b="0" i="0" dirty="0">
-                <a:solidFill>
-                  <a:srgbClr val="333333"/>
-                </a:solidFill>
-                <a:effectLst/>
-                <a:latin typeface="-apple-system"/>
-              </a:rPr>
-              <a:t>RDB</a:t>
-            </a:r>
-            <a:r>
-              <a:rPr lang="zh-CN" altLang="en-US" sz="1000" b="0" i="0" dirty="0">
-                <a:solidFill>
-                  <a:srgbClr val="333333"/>
-                </a:solidFill>
-                <a:effectLst/>
-                <a:latin typeface="-apple-system"/>
-              </a:rPr>
-              <a:t>中的集群信息以及</a:t>
-            </a:r>
-            <a:r>
-              <a:rPr lang="en-US" altLang="zh-CN" sz="1000" b="0" i="0" dirty="0">
-                <a:solidFill>
-                  <a:srgbClr val="333333"/>
-                </a:solidFill>
-                <a:effectLst/>
-                <a:latin typeface="-apple-system"/>
-              </a:rPr>
-              <a:t>Redis</a:t>
-            </a:r>
-            <a:r>
-              <a:rPr lang="zh-CN" altLang="en-US" sz="1000" b="0" i="0" dirty="0">
-                <a:solidFill>
-                  <a:srgbClr val="333333"/>
-                </a:solidFill>
-                <a:effectLst/>
-                <a:latin typeface="-apple-system"/>
-              </a:rPr>
-              <a:t>中的缓存信息进行展示和汇总分析</a:t>
-            </a:r>
+            <a:endParaRPr lang="zh-CN" altLang="en-US"/>
           </a:p>
         </p:txBody>
       </p:sp>
     </p:spTree>
     <p:extLst>
       <p:ext uri="{BB962C8B-B14F-4D97-AF65-F5344CB8AC3E}">
-        <p14:creationId xmlns:p14="http://schemas.microsoft.com/office/powerpoint/2010/main" val="3837174947"/>
+        <p14:creationId xmlns:p14="http://schemas.microsoft.com/office/powerpoint/2010/main" val="1194232016"/>
       </p:ext>
     </p:extLst>
   </p:cSld>
@@ -6532,11 +5761,11 @@
           <a:bodyPr/>
           <a:lstStyle/>
           <a:p>
-            <a:fld id="{115E481A-832A-48B0-9B5F-CC2DDFB376CC}" type="slidenum">
-              <a:rPr lang="zh-CN" altLang="en-US" smtClean="0"/>
+            <a:fld id="{76A81D81-FE2F-498E-9723-332F49FC9508}" type="slidenum">
+              <a:rPr lang="zh-TW" altLang="en-US" smtClean="0"/>
               <a:t>51</a:t>
             </a:fld>
-            <a:endParaRPr lang="zh-CN" altLang="en-US"/>
+            <a:endParaRPr lang="zh-TW" altLang="en-US"/>
           </a:p>
         </p:txBody>
       </p:sp>
@@ -6572,14 +5801,336 @@
           <a:bodyPr/>
           <a:lstStyle/>
           <a:p>
-            <a:endParaRPr lang="zh-CN" altLang="en-US"/>
+            <a:pPr marL="0" indent="0">
+              <a:buNone/>
+            </a:pPr>
+            <a:r>
+              <a:rPr lang="zh-CN" altLang="zh-CN" sz="1000" kern="100" dirty="0">
+                <a:effectLst/>
+                <a:latin typeface="Times New Roman" panose="02020603050405020304" pitchFamily="18" charset="0"/>
+                <a:ea typeface="仿宋" panose="02010609060101010101" pitchFamily="49" charset="-122"/>
+                <a:cs typeface="Times New Roman" panose="02020603050405020304" pitchFamily="18" charset="0"/>
+              </a:rPr>
+              <a:t>系统表</a:t>
+            </a:r>
+            <a:r>
+              <a:rPr lang="en-US" altLang="zh-CN" sz="1000" kern="100" dirty="0" err="1">
+                <a:effectLst/>
+                <a:latin typeface="Times New Roman" panose="02020603050405020304" pitchFamily="18" charset="0"/>
+                <a:ea typeface="仿宋" panose="02010609060101010101" pitchFamily="49" charset="-122"/>
+                <a:cs typeface="Times New Roman" panose="02020603050405020304" pitchFamily="18" charset="0"/>
+              </a:rPr>
+              <a:t>information_schema.INNODB_TRX</a:t>
+            </a:r>
+            <a:r>
+              <a:rPr lang="zh-CN" altLang="zh-CN" sz="1000" kern="100" dirty="0">
+                <a:effectLst/>
+                <a:latin typeface="Times New Roman" panose="02020603050405020304" pitchFamily="18" charset="0"/>
+                <a:ea typeface="仿宋" panose="02010609060101010101" pitchFamily="49" charset="-122"/>
+                <a:cs typeface="Times New Roman" panose="02020603050405020304" pitchFamily="18" charset="0"/>
+              </a:rPr>
+              <a:t>主要记录了</a:t>
+            </a:r>
+            <a:r>
+              <a:rPr lang="en-US" altLang="zh-CN" sz="1000" kern="100" dirty="0" err="1">
+                <a:effectLst/>
+                <a:latin typeface="Times New Roman" panose="02020603050405020304" pitchFamily="18" charset="0"/>
+                <a:ea typeface="仿宋" panose="02010609060101010101" pitchFamily="49" charset="-122"/>
+                <a:cs typeface="Times New Roman" panose="02020603050405020304" pitchFamily="18" charset="0"/>
+              </a:rPr>
+              <a:t>innodb</a:t>
+            </a:r>
+            <a:r>
+              <a:rPr lang="zh-CN" altLang="zh-CN" sz="1000" kern="100" dirty="0">
+                <a:effectLst/>
+                <a:latin typeface="Times New Roman" panose="02020603050405020304" pitchFamily="18" charset="0"/>
+                <a:ea typeface="仿宋" panose="02010609060101010101" pitchFamily="49" charset="-122"/>
+                <a:cs typeface="Times New Roman" panose="02020603050405020304" pitchFamily="18" charset="0"/>
+              </a:rPr>
+              <a:t>事务的相关信息，需要增加</a:t>
+            </a:r>
+            <a:r>
+              <a:rPr lang="en-US" altLang="zh-CN" sz="1000" kern="100" dirty="0">
+                <a:effectLst/>
+                <a:latin typeface="Times New Roman" panose="02020603050405020304" pitchFamily="18" charset="0"/>
+                <a:ea typeface="仿宋" panose="02010609060101010101" pitchFamily="49" charset="-122"/>
+                <a:cs typeface="Times New Roman" panose="02020603050405020304" pitchFamily="18" charset="0"/>
+              </a:rPr>
+              <a:t>2</a:t>
+            </a:r>
+            <a:r>
+              <a:rPr lang="zh-CN" altLang="zh-CN" sz="1000" kern="100" dirty="0">
+                <a:effectLst/>
+                <a:latin typeface="Times New Roman" panose="02020603050405020304" pitchFamily="18" charset="0"/>
+                <a:ea typeface="仿宋" panose="02010609060101010101" pitchFamily="49" charset="-122"/>
+                <a:cs typeface="Times New Roman" panose="02020603050405020304" pitchFamily="18" charset="0"/>
+              </a:rPr>
+              <a:t>个字段用于保存事务流水号信息及</a:t>
+            </a:r>
+            <a:r>
+              <a:rPr lang="en-US" altLang="zh-CN" sz="1000" kern="100" dirty="0">
+                <a:effectLst/>
+                <a:latin typeface="Times New Roman" panose="02020603050405020304" pitchFamily="18" charset="0"/>
+                <a:ea typeface="仿宋" panose="02010609060101010101" pitchFamily="49" charset="-122"/>
+                <a:cs typeface="Times New Roman" panose="02020603050405020304" pitchFamily="18" charset="0"/>
+              </a:rPr>
+              <a:t>GTID</a:t>
+            </a:r>
+            <a:r>
+              <a:rPr lang="zh-CN" altLang="zh-CN" sz="1000" kern="100" dirty="0">
+                <a:effectLst/>
+                <a:latin typeface="Times New Roman" panose="02020603050405020304" pitchFamily="18" charset="0"/>
+                <a:ea typeface="仿宋" panose="02010609060101010101" pitchFamily="49" charset="-122"/>
+                <a:cs typeface="Times New Roman" panose="02020603050405020304" pitchFamily="18" charset="0"/>
+              </a:rPr>
+              <a:t>信息。</a:t>
+            </a:r>
+            <a:endParaRPr lang="en-US" altLang="zh-CN" sz="1000" kern="100" dirty="0">
+              <a:effectLst/>
+              <a:latin typeface="Times New Roman" panose="02020603050405020304" pitchFamily="18" charset="0"/>
+              <a:ea typeface="仿宋" panose="02010609060101010101" pitchFamily="49" charset="-122"/>
+              <a:cs typeface="Times New Roman" panose="02020603050405020304" pitchFamily="18" charset="0"/>
+            </a:endParaRPr>
+          </a:p>
+          <a:p>
+            <a:pPr marL="0" indent="0">
+              <a:buNone/>
+            </a:pPr>
+            <a:r>
+              <a:rPr lang="zh-CN" altLang="zh-CN" sz="1000" kern="100" dirty="0">
+                <a:effectLst/>
+                <a:latin typeface="Times New Roman" panose="02020603050405020304" pitchFamily="18" charset="0"/>
+                <a:ea typeface="仿宋" panose="02010609060101010101" pitchFamily="49" charset="-122"/>
+                <a:cs typeface="Times New Roman" panose="02020603050405020304" pitchFamily="18" charset="0"/>
+              </a:rPr>
+              <a:t>新增字段信息如下：</a:t>
+            </a:r>
+            <a:endParaRPr lang="en-US" altLang="zh-CN" sz="1000" kern="100" dirty="0">
+              <a:effectLst/>
+              <a:latin typeface="Times New Roman" panose="02020603050405020304" pitchFamily="18" charset="0"/>
+              <a:ea typeface="仿宋" panose="02010609060101010101" pitchFamily="49" charset="-122"/>
+              <a:cs typeface="Times New Roman" panose="02020603050405020304" pitchFamily="18" charset="0"/>
+            </a:endParaRPr>
+          </a:p>
+          <a:p>
+            <a:pPr marL="0" indent="0">
+              <a:buNone/>
+            </a:pPr>
+            <a:r>
+              <a:rPr lang="en-US" altLang="zh-CN" sz="1000" kern="100" dirty="0" err="1">
+                <a:effectLst/>
+                <a:latin typeface="Times New Roman" panose="02020603050405020304" pitchFamily="18" charset="0"/>
+                <a:ea typeface="仿宋" panose="02010609060101010101" pitchFamily="49" charset="-122"/>
+                <a:cs typeface="Times New Roman" panose="02020603050405020304" pitchFamily="18" charset="0"/>
+              </a:rPr>
+              <a:t>trx_serial_num</a:t>
+            </a:r>
+            <a:r>
+              <a:rPr lang="en-US" altLang="zh-CN" sz="1000" kern="100" dirty="0">
+                <a:effectLst/>
+                <a:latin typeface="Times New Roman" panose="02020603050405020304" pitchFamily="18" charset="0"/>
+                <a:ea typeface="仿宋" panose="02010609060101010101" pitchFamily="49" charset="-122"/>
+                <a:cs typeface="Times New Roman" panose="02020603050405020304" pitchFamily="18" charset="0"/>
+              </a:rPr>
+              <a:t> varchar(32) DEFAULT NULL,</a:t>
+            </a:r>
+            <a:endParaRPr lang="en-US" altLang="zh-CN" sz="1000" kern="100" dirty="0">
+              <a:latin typeface="Times New Roman" panose="02020603050405020304" pitchFamily="18" charset="0"/>
+              <a:ea typeface="仿宋" panose="02010609060101010101" pitchFamily="49" charset="-122"/>
+              <a:cs typeface="Times New Roman" panose="02020603050405020304" pitchFamily="18" charset="0"/>
+            </a:endParaRPr>
+          </a:p>
+          <a:p>
+            <a:pPr marL="0" indent="0">
+              <a:buNone/>
+            </a:pPr>
+            <a:r>
+              <a:rPr lang="en-US" altLang="zh-CN" sz="1000" kern="100" dirty="0" err="1">
+                <a:effectLst/>
+                <a:latin typeface="Times New Roman" panose="02020603050405020304" pitchFamily="18" charset="0"/>
+                <a:ea typeface="仿宋" panose="02010609060101010101" pitchFamily="49" charset="-122"/>
+                <a:cs typeface="Times New Roman" panose="02020603050405020304" pitchFamily="18" charset="0"/>
+              </a:rPr>
+              <a:t>trx_gtm_gtid</a:t>
+            </a:r>
+            <a:r>
+              <a:rPr lang="en-US" altLang="zh-CN" sz="1000" kern="100" dirty="0">
+                <a:effectLst/>
+                <a:latin typeface="Times New Roman" panose="02020603050405020304" pitchFamily="18" charset="0"/>
+                <a:ea typeface="仿宋" panose="02010609060101010101" pitchFamily="49" charset="-122"/>
+                <a:cs typeface="Times New Roman" panose="02020603050405020304" pitchFamily="18" charset="0"/>
+              </a:rPr>
+              <a:t> </a:t>
+            </a:r>
+            <a:r>
+              <a:rPr lang="en-US" altLang="zh-CN" sz="1000" kern="100" dirty="0" err="1">
+                <a:effectLst/>
+                <a:latin typeface="Times New Roman" panose="02020603050405020304" pitchFamily="18" charset="0"/>
+                <a:ea typeface="仿宋" panose="02010609060101010101" pitchFamily="49" charset="-122"/>
+                <a:cs typeface="Times New Roman" panose="02020603050405020304" pitchFamily="18" charset="0"/>
+              </a:rPr>
+              <a:t>varcahr</a:t>
+            </a:r>
+            <a:r>
+              <a:rPr lang="en-US" altLang="zh-CN" sz="1000" kern="100" dirty="0">
+                <a:effectLst/>
+                <a:latin typeface="Times New Roman" panose="02020603050405020304" pitchFamily="18" charset="0"/>
+                <a:ea typeface="仿宋" panose="02010609060101010101" pitchFamily="49" charset="-122"/>
+                <a:cs typeface="Times New Roman" panose="02020603050405020304" pitchFamily="18" charset="0"/>
+              </a:rPr>
+              <a:t>(32) DEFAULT NULL</a:t>
+            </a:r>
+          </a:p>
+          <a:p>
+            <a:pPr marL="0" indent="0">
+              <a:buNone/>
+            </a:pPr>
+            <a:r>
+              <a:rPr lang="zh-CN" altLang="zh-CN" sz="1000" kern="100" dirty="0">
+                <a:effectLst/>
+                <a:latin typeface="Times New Roman" panose="02020603050405020304" pitchFamily="18" charset="0"/>
+                <a:ea typeface="仿宋" panose="02010609060101010101" pitchFamily="49" charset="-122"/>
+                <a:cs typeface="Times New Roman" panose="02020603050405020304" pitchFamily="18" charset="0"/>
+              </a:rPr>
+              <a:t>事务流水号信息和</a:t>
+            </a:r>
+            <a:r>
+              <a:rPr lang="en-US" altLang="zh-CN" sz="1000" kern="100" dirty="0">
+                <a:effectLst/>
+                <a:latin typeface="Times New Roman" panose="02020603050405020304" pitchFamily="18" charset="0"/>
+                <a:ea typeface="仿宋" panose="02010609060101010101" pitchFamily="49" charset="-122"/>
+                <a:cs typeface="Times New Roman" panose="02020603050405020304" pitchFamily="18" charset="0"/>
+              </a:rPr>
+              <a:t>GTID</a:t>
+            </a:r>
+            <a:r>
+              <a:rPr lang="zh-CN" altLang="zh-CN" sz="1000" kern="100" dirty="0">
+                <a:effectLst/>
+                <a:latin typeface="Times New Roman" panose="02020603050405020304" pitchFamily="18" charset="0"/>
+                <a:ea typeface="仿宋" panose="02010609060101010101" pitchFamily="49" charset="-122"/>
+                <a:cs typeface="Times New Roman" panose="02020603050405020304" pitchFamily="18" charset="0"/>
+              </a:rPr>
+              <a:t>信息都是以特殊</a:t>
+            </a:r>
+            <a:r>
+              <a:rPr lang="en-US" altLang="zh-CN" sz="1000" kern="100" dirty="0">
+                <a:effectLst/>
+                <a:latin typeface="Times New Roman" panose="02020603050405020304" pitchFamily="18" charset="0"/>
+                <a:ea typeface="仿宋" panose="02010609060101010101" pitchFamily="49" charset="-122"/>
+                <a:cs typeface="Times New Roman" panose="02020603050405020304" pitchFamily="18" charset="0"/>
+              </a:rPr>
+              <a:t>HINT</a:t>
+            </a:r>
+            <a:r>
+              <a:rPr lang="zh-CN" altLang="zh-CN" sz="1000" kern="100" dirty="0">
+                <a:effectLst/>
+                <a:latin typeface="Times New Roman" panose="02020603050405020304" pitchFamily="18" charset="0"/>
+                <a:ea typeface="仿宋" panose="02010609060101010101" pitchFamily="49" charset="-122"/>
+                <a:cs typeface="Times New Roman" panose="02020603050405020304" pitchFamily="18" charset="0"/>
+              </a:rPr>
+              <a:t>信息的方式携带在</a:t>
+            </a:r>
+            <a:r>
+              <a:rPr lang="en-US" altLang="zh-CN" sz="1000" kern="100" dirty="0">
+                <a:effectLst/>
+                <a:latin typeface="Times New Roman" panose="02020603050405020304" pitchFamily="18" charset="0"/>
+                <a:ea typeface="仿宋" panose="02010609060101010101" pitchFamily="49" charset="-122"/>
+                <a:cs typeface="Times New Roman" panose="02020603050405020304" pitchFamily="18" charset="0"/>
+              </a:rPr>
+              <a:t>SQL</a:t>
+            </a:r>
+            <a:r>
+              <a:rPr lang="zh-CN" altLang="zh-CN" sz="1000" kern="100" dirty="0">
+                <a:effectLst/>
+                <a:latin typeface="Times New Roman" panose="02020603050405020304" pitchFamily="18" charset="0"/>
+                <a:ea typeface="仿宋" panose="02010609060101010101" pitchFamily="49" charset="-122"/>
+                <a:cs typeface="Times New Roman" panose="02020603050405020304" pitchFamily="18" charset="0"/>
+              </a:rPr>
+              <a:t>语句中的，如：</a:t>
+            </a:r>
+            <a:endParaRPr lang="en-US" altLang="zh-CN" sz="1000" kern="100" dirty="0">
+              <a:effectLst/>
+              <a:latin typeface="Times New Roman" panose="02020603050405020304" pitchFamily="18" charset="0"/>
+              <a:ea typeface="仿宋" panose="02010609060101010101" pitchFamily="49" charset="-122"/>
+              <a:cs typeface="Times New Roman" panose="02020603050405020304" pitchFamily="18" charset="0"/>
+            </a:endParaRPr>
+          </a:p>
+          <a:p>
+            <a:pPr marL="0" indent="0">
+              <a:buNone/>
+            </a:pPr>
+            <a:r>
+              <a:rPr lang="zh-CN" altLang="zh-CN" sz="1000" kern="100" dirty="0">
+                <a:solidFill>
+                  <a:srgbClr val="FF0000"/>
+                </a:solidFill>
+                <a:effectLst/>
+                <a:latin typeface="Times New Roman" panose="02020603050405020304" pitchFamily="18" charset="0"/>
+                <a:ea typeface="仿宋" panose="02010609060101010101" pitchFamily="49" charset="-122"/>
+                <a:cs typeface="Times New Roman" panose="02020603050405020304" pitchFamily="18" charset="0"/>
+              </a:rPr>
+              <a:t>事务流水号：</a:t>
+            </a:r>
+            <a:r>
+              <a:rPr lang="en-US" altLang="zh-CN" sz="1000" kern="100" dirty="0">
+                <a:solidFill>
+                  <a:srgbClr val="FF0000"/>
+                </a:solidFill>
+                <a:effectLst/>
+                <a:latin typeface="Times New Roman" panose="02020603050405020304" pitchFamily="18" charset="0"/>
+                <a:ea typeface="仿宋" panose="02010609060101010101" pitchFamily="49" charset="-122"/>
+                <a:cs typeface="Times New Roman" panose="02020603050405020304" pitchFamily="18" charset="0"/>
+              </a:rPr>
+              <a:t>/*+TSN=abc123*/ START TRANSACTION;</a:t>
+            </a:r>
+          </a:p>
+          <a:p>
+            <a:pPr marL="0" indent="0">
+              <a:buNone/>
+            </a:pPr>
+            <a:r>
+              <a:rPr lang="zh-CN" altLang="zh-CN" sz="1000" kern="100" dirty="0">
+                <a:solidFill>
+                  <a:srgbClr val="FF0000"/>
+                </a:solidFill>
+                <a:effectLst/>
+                <a:latin typeface="Times New Roman" panose="02020603050405020304" pitchFamily="18" charset="0"/>
+                <a:ea typeface="仿宋" panose="02010609060101010101" pitchFamily="49" charset="-122"/>
+                <a:cs typeface="Times New Roman" panose="02020603050405020304" pitchFamily="18" charset="0"/>
+              </a:rPr>
+              <a:t>事务流水号：</a:t>
+            </a:r>
+            <a:r>
+              <a:rPr lang="en-US" altLang="zh-CN" sz="1000" kern="100" dirty="0">
+                <a:solidFill>
+                  <a:srgbClr val="FF0000"/>
+                </a:solidFill>
+                <a:effectLst/>
+                <a:latin typeface="Times New Roman" panose="02020603050405020304" pitchFamily="18" charset="0"/>
+                <a:ea typeface="仿宋" panose="02010609060101010101" pitchFamily="49" charset="-122"/>
+                <a:cs typeface="Times New Roman" panose="02020603050405020304" pitchFamily="18" charset="0"/>
+              </a:rPr>
+              <a:t>/*+GTID=123456*/ START TRANSACTION;</a:t>
+            </a:r>
+            <a:endParaRPr lang="en-US" altLang="zh-CN" sz="1000" dirty="0"/>
+          </a:p>
+          <a:p>
+            <a:endParaRPr lang="zh-CN" altLang="en-US" sz="1000" b="0" i="0" kern="1200" dirty="0">
+              <a:solidFill>
+                <a:schemeClr val="tx1"/>
+              </a:solidFill>
+              <a:effectLst/>
+              <a:latin typeface="+mj-ea"/>
+              <a:ea typeface="+mj-ea"/>
+              <a:cs typeface="+mn-cs"/>
+            </a:endParaRPr>
           </a:p>
         </p:txBody>
       </p:sp>
     </p:spTree>
     <p:extLst>
       <p:ext uri="{BB962C8B-B14F-4D97-AF65-F5344CB8AC3E}">
-        <p14:creationId xmlns:p14="http://schemas.microsoft.com/office/powerpoint/2010/main" val="2299997694"/>
+        <p14:creationId xmlns:p14="http://schemas.microsoft.com/office/powerpoint/2010/main" val="40607615"/>
       </p:ext>
     </p:extLst>
   </p:cSld>
@@ -6753,22 +6304,320 @@
           <a:bodyPr/>
           <a:lstStyle/>
           <a:p>
-            <a:endParaRPr lang="zh-CN" altLang="en-US" sz="1000" b="0" i="0" kern="1200" dirty="0">
+            <a:pPr algn="just"/>
+            <a:r>
+              <a:rPr lang="en-US" altLang="zh-CN" sz="1000" b="0" i="0" dirty="0">
+                <a:solidFill>
+                  <a:srgbClr val="333333"/>
+                </a:solidFill>
+                <a:effectLst/>
+                <a:latin typeface="-apple-system"/>
+              </a:rPr>
+              <a:t>1</a:t>
+            </a:r>
+            <a:r>
+              <a:rPr lang="zh-CN" altLang="en-US" sz="1000" b="0" i="0" dirty="0">
+                <a:solidFill>
+                  <a:srgbClr val="333333"/>
+                </a:solidFill>
+                <a:effectLst/>
+                <a:latin typeface="-apple-system"/>
+              </a:rPr>
+              <a:t>、</a:t>
+            </a:r>
+            <a:r>
+              <a:rPr lang="en-US" altLang="zh-CN" sz="1000" b="0" i="0" dirty="0" err="1">
+                <a:solidFill>
+                  <a:srgbClr val="333333"/>
+                </a:solidFill>
+                <a:effectLst/>
+                <a:latin typeface="-apple-system"/>
+              </a:rPr>
+              <a:t>InsightAgent</a:t>
+            </a:r>
+            <a:r>
+              <a:rPr lang="zh-CN" altLang="en-US" sz="1000" b="0" i="0" dirty="0">
+                <a:solidFill>
+                  <a:srgbClr val="333333"/>
+                </a:solidFill>
+                <a:effectLst/>
+                <a:latin typeface="-apple-system"/>
+              </a:rPr>
+              <a:t>是主机代理，每台主机上部署，执行</a:t>
+            </a:r>
+            <a:r>
+              <a:rPr lang="en-US" altLang="zh-CN" sz="1000" b="0" i="0" dirty="0" err="1">
+                <a:solidFill>
+                  <a:srgbClr val="333333"/>
+                </a:solidFill>
+                <a:effectLst/>
+                <a:latin typeface="-apple-system"/>
+              </a:rPr>
+              <a:t>insightserver</a:t>
+            </a:r>
+            <a:r>
+              <a:rPr lang="zh-CN" altLang="en-US" sz="1000" b="0" i="0" dirty="0">
+                <a:solidFill>
+                  <a:srgbClr val="333333"/>
+                </a:solidFill>
+                <a:effectLst/>
+                <a:latin typeface="-apple-system"/>
+              </a:rPr>
+              <a:t>下发的命令，并将数据收集推送到</a:t>
+            </a:r>
+            <a:r>
+              <a:rPr lang="en-US" altLang="zh-CN" sz="1000" b="0" i="0" dirty="0" err="1">
+                <a:solidFill>
+                  <a:srgbClr val="333333"/>
+                </a:solidFill>
+                <a:effectLst/>
+                <a:latin typeface="-apple-system"/>
+              </a:rPr>
+              <a:t>kafka</a:t>
+            </a:r>
+            <a:endParaRPr lang="en-US" altLang="zh-CN" sz="1000" b="0" i="0" dirty="0">
               <a:solidFill>
-                <a:schemeClr val="tx1"/>
+                <a:srgbClr val="333333"/>
               </a:solidFill>
               <a:effectLst/>
-              <a:latin typeface="+mj-ea"/>
-              <a:ea typeface="+mj-ea"/>
-              <a:cs typeface="+mn-cs"/>
+              <a:latin typeface="-apple-system"/>
             </a:endParaRPr>
+          </a:p>
+          <a:p>
+            <a:pPr algn="just"/>
+            <a:r>
+              <a:rPr lang="en-US" altLang="zh-CN" sz="1000" b="0" i="0" dirty="0">
+                <a:solidFill>
+                  <a:srgbClr val="333333"/>
+                </a:solidFill>
+                <a:effectLst/>
+                <a:latin typeface="-apple-system"/>
+              </a:rPr>
+              <a:t>2</a:t>
+            </a:r>
+            <a:r>
+              <a:rPr lang="zh-CN" altLang="en-US" sz="1000" b="0" i="0" dirty="0">
+                <a:solidFill>
+                  <a:srgbClr val="333333"/>
+                </a:solidFill>
+                <a:effectLst/>
+                <a:latin typeface="-apple-system"/>
+              </a:rPr>
+              <a:t>、</a:t>
+            </a:r>
+            <a:r>
+              <a:rPr lang="en-US" altLang="zh-CN" sz="1000" b="0" i="0" dirty="0" err="1">
+                <a:solidFill>
+                  <a:srgbClr val="333333"/>
+                </a:solidFill>
+                <a:effectLst/>
+                <a:latin typeface="-apple-system"/>
+              </a:rPr>
+              <a:t>Filebeat</a:t>
+            </a:r>
+            <a:r>
+              <a:rPr lang="zh-CN" altLang="en-US" sz="1000" b="0" i="0" dirty="0">
+                <a:solidFill>
+                  <a:srgbClr val="333333"/>
+                </a:solidFill>
+                <a:effectLst/>
+                <a:latin typeface="-apple-system"/>
+              </a:rPr>
+              <a:t>是日志采集代理，用于收集每台服务器的日志数据</a:t>
+            </a:r>
+          </a:p>
+          <a:p>
+            <a:pPr algn="just"/>
+            <a:r>
+              <a:rPr lang="en-US" altLang="zh-CN" sz="1000" b="0" i="0" dirty="0">
+                <a:solidFill>
+                  <a:srgbClr val="333333"/>
+                </a:solidFill>
+                <a:effectLst/>
+                <a:latin typeface="-apple-system"/>
+              </a:rPr>
+              <a:t>3</a:t>
+            </a:r>
+            <a:r>
+              <a:rPr lang="zh-CN" altLang="en-US" sz="1000" b="0" i="0" dirty="0">
+                <a:solidFill>
+                  <a:srgbClr val="333333"/>
+                </a:solidFill>
+                <a:effectLst/>
+                <a:latin typeface="-apple-system"/>
+              </a:rPr>
+              <a:t>、运维性能数据经过</a:t>
+            </a:r>
+            <a:r>
+              <a:rPr lang="en-US" altLang="zh-CN" sz="1000" b="0" i="0" dirty="0" err="1">
+                <a:solidFill>
+                  <a:srgbClr val="333333"/>
+                </a:solidFill>
+                <a:effectLst/>
+                <a:latin typeface="-apple-system"/>
+              </a:rPr>
+              <a:t>kafka</a:t>
+            </a:r>
+            <a:r>
+              <a:rPr lang="zh-CN" altLang="en-US" sz="1000" b="0" i="0" dirty="0">
+                <a:solidFill>
+                  <a:srgbClr val="333333"/>
+                </a:solidFill>
+                <a:effectLst/>
+                <a:latin typeface="-apple-system"/>
+              </a:rPr>
+              <a:t>消息队列后通过</a:t>
+            </a:r>
+            <a:r>
+              <a:rPr lang="en-US" altLang="zh-CN" sz="1000" b="0" i="0" dirty="0" err="1">
+                <a:solidFill>
+                  <a:srgbClr val="333333"/>
+                </a:solidFill>
+                <a:effectLst/>
+                <a:latin typeface="-apple-system"/>
+              </a:rPr>
+              <a:t>logstash</a:t>
+            </a:r>
+            <a:r>
+              <a:rPr lang="zh-CN" altLang="en-US" sz="1000" b="0" i="0" dirty="0">
+                <a:solidFill>
+                  <a:srgbClr val="333333"/>
+                </a:solidFill>
+                <a:effectLst/>
+                <a:latin typeface="-apple-system"/>
+              </a:rPr>
+              <a:t>采集到</a:t>
+            </a:r>
+            <a:r>
+              <a:rPr lang="en-US" altLang="zh-CN" sz="1000" b="0" i="0" dirty="0" err="1">
+                <a:solidFill>
+                  <a:srgbClr val="333333"/>
+                </a:solidFill>
+                <a:effectLst/>
+                <a:latin typeface="-apple-system"/>
+              </a:rPr>
+              <a:t>elasticsearch</a:t>
+            </a:r>
+            <a:r>
+              <a:rPr lang="zh-CN" altLang="en-US" sz="1000" b="0" i="0" dirty="0">
+                <a:solidFill>
+                  <a:srgbClr val="333333"/>
+                </a:solidFill>
+                <a:effectLst/>
+                <a:latin typeface="-apple-system"/>
+              </a:rPr>
+              <a:t>中存储</a:t>
+            </a:r>
+          </a:p>
+          <a:p>
+            <a:pPr algn="just"/>
+            <a:r>
+              <a:rPr lang="en-US" altLang="zh-CN" sz="1000" b="0" i="0" dirty="0">
+                <a:solidFill>
+                  <a:srgbClr val="333333"/>
+                </a:solidFill>
+                <a:effectLst/>
+                <a:latin typeface="-apple-system"/>
+              </a:rPr>
+              <a:t>4</a:t>
+            </a:r>
+            <a:r>
+              <a:rPr lang="zh-CN" altLang="en-US" sz="1000" b="0" i="0" dirty="0">
+                <a:solidFill>
+                  <a:srgbClr val="333333"/>
+                </a:solidFill>
+                <a:effectLst/>
+                <a:latin typeface="-apple-system"/>
+              </a:rPr>
+              <a:t>、</a:t>
+            </a:r>
+            <a:r>
+              <a:rPr lang="en-US" altLang="zh-CN" sz="1000" b="0" i="0" dirty="0" err="1">
+                <a:solidFill>
+                  <a:srgbClr val="333333"/>
+                </a:solidFill>
+                <a:effectLst/>
+                <a:latin typeface="-apple-system"/>
+              </a:rPr>
+              <a:t>Insightserver</a:t>
+            </a:r>
+            <a:r>
+              <a:rPr lang="zh-CN" altLang="en-US" sz="1000" b="0" i="0" dirty="0">
+                <a:solidFill>
+                  <a:srgbClr val="333333"/>
+                </a:solidFill>
+                <a:effectLst/>
+                <a:latin typeface="-apple-system"/>
+              </a:rPr>
+              <a:t>会查询</a:t>
+            </a:r>
+            <a:r>
+              <a:rPr lang="en-US" altLang="zh-CN" sz="1000" b="0" i="0" dirty="0">
+                <a:solidFill>
+                  <a:srgbClr val="333333"/>
+                </a:solidFill>
+                <a:effectLst/>
+                <a:latin typeface="-apple-system"/>
+              </a:rPr>
+              <a:t>ES</a:t>
+            </a:r>
+            <a:r>
+              <a:rPr lang="zh-CN" altLang="en-US" sz="1000" b="0" i="0" dirty="0">
+                <a:solidFill>
+                  <a:srgbClr val="333333"/>
+                </a:solidFill>
+                <a:effectLst/>
+                <a:latin typeface="-apple-system"/>
+              </a:rPr>
+              <a:t>中的性能数据、</a:t>
+            </a:r>
+            <a:r>
+              <a:rPr lang="en-US" altLang="zh-CN" sz="1000" b="0" i="0" dirty="0">
+                <a:solidFill>
+                  <a:srgbClr val="333333"/>
+                </a:solidFill>
+                <a:effectLst/>
+                <a:latin typeface="-apple-system"/>
+              </a:rPr>
+              <a:t>RDB</a:t>
+            </a:r>
+            <a:r>
+              <a:rPr lang="zh-CN" altLang="en-US" sz="1000" b="0" i="0" dirty="0">
+                <a:solidFill>
+                  <a:srgbClr val="333333"/>
+                </a:solidFill>
+                <a:effectLst/>
+                <a:latin typeface="-apple-system"/>
+              </a:rPr>
+              <a:t>中的集群信息以及</a:t>
+            </a:r>
+            <a:r>
+              <a:rPr lang="en-US" altLang="zh-CN" sz="1000" b="0" i="0" dirty="0">
+                <a:solidFill>
+                  <a:srgbClr val="333333"/>
+                </a:solidFill>
+                <a:effectLst/>
+                <a:latin typeface="-apple-system"/>
+              </a:rPr>
+              <a:t>Redis</a:t>
+            </a:r>
+            <a:r>
+              <a:rPr lang="zh-CN" altLang="en-US" sz="1000" b="0" i="0" dirty="0">
+                <a:solidFill>
+                  <a:srgbClr val="333333"/>
+                </a:solidFill>
+                <a:effectLst/>
+                <a:latin typeface="-apple-system"/>
+              </a:rPr>
+              <a:t>中的缓存信息进行展示和汇总分析</a:t>
+            </a:r>
           </a:p>
         </p:txBody>
       </p:sp>
     </p:spTree>
     <p:extLst>
       <p:ext uri="{BB962C8B-B14F-4D97-AF65-F5344CB8AC3E}">
-        <p14:creationId xmlns:p14="http://schemas.microsoft.com/office/powerpoint/2010/main" val="3757277763"/>
+        <p14:creationId xmlns:p14="http://schemas.microsoft.com/office/powerpoint/2010/main" val="3837174947"/>
       </p:ext>
     </p:extLst>
   </p:cSld>
@@ -6810,11 +6659,11 @@
           <a:bodyPr/>
           <a:lstStyle/>
           <a:p>
-            <a:fld id="{76A81D81-FE2F-498E-9723-332F49FC9508}" type="slidenum">
-              <a:rPr lang="zh-TW" altLang="en-US" smtClean="0"/>
+            <a:fld id="{115E481A-832A-48B0-9B5F-CC2DDFB376CC}" type="slidenum">
+              <a:rPr lang="zh-CN" altLang="en-US" smtClean="0"/>
               <a:t>53</a:t>
             </a:fld>
-            <a:endParaRPr lang="zh-TW" altLang="en-US"/>
+            <a:endParaRPr lang="zh-CN" altLang="en-US"/>
           </a:p>
         </p:txBody>
       </p:sp>
@@ -6850,22 +6699,14 @@
           <a:bodyPr/>
           <a:lstStyle/>
           <a:p>
-            <a:endParaRPr lang="zh-CN" altLang="en-US" sz="1000" b="0" i="0" kern="1200" dirty="0">
-              <a:solidFill>
-                <a:schemeClr val="tx1"/>
-              </a:solidFill>
-              <a:effectLst/>
-              <a:latin typeface="+mj-ea"/>
-              <a:ea typeface="+mj-ea"/>
-              <a:cs typeface="+mn-cs"/>
-            </a:endParaRPr>
+            <a:endParaRPr lang="zh-CN" altLang="en-US"/>
           </a:p>
         </p:txBody>
       </p:sp>
     </p:spTree>
     <p:extLst>
       <p:ext uri="{BB962C8B-B14F-4D97-AF65-F5344CB8AC3E}">
-        <p14:creationId xmlns:p14="http://schemas.microsoft.com/office/powerpoint/2010/main" val="3220711141"/>
+        <p14:creationId xmlns:p14="http://schemas.microsoft.com/office/powerpoint/2010/main" val="2299997694"/>
       </p:ext>
     </p:extLst>
   </p:cSld>
@@ -6907,9 +6748,203 @@
           <a:bodyPr/>
           <a:lstStyle/>
           <a:p>
+            <a:fld id="{76A81D81-FE2F-498E-9723-332F49FC9508}" type="slidenum">
+              <a:rPr lang="zh-TW" altLang="en-US" smtClean="0"/>
+              <a:t>54</a:t>
+            </a:fld>
+            <a:endParaRPr lang="zh-TW" altLang="en-US"/>
+          </a:p>
+        </p:txBody>
+      </p:sp>
+      <p:sp>
+        <p:nvSpPr>
+          <p:cNvPr id="6" name="幻灯片图像占位符 5"/>
+          <p:cNvSpPr>
+            <a:spLocks noGrp="1" noRot="1" noChangeAspect="1"/>
+          </p:cNvSpPr>
+          <p:nvPr>
+            <p:ph type="sldImg"/>
+          </p:nvPr>
+        </p:nvSpPr>
+        <p:spPr>
+          <a:xfrm>
+            <a:off x="519113" y="787400"/>
+            <a:ext cx="5759450" cy="3240088"/>
+          </a:xfrm>
+        </p:spPr>
+      </p:sp>
+      <p:sp>
+        <p:nvSpPr>
+          <p:cNvPr id="7" name="备注占位符 6"/>
+          <p:cNvSpPr>
+            <a:spLocks noGrp="1"/>
+          </p:cNvSpPr>
+          <p:nvPr>
+            <p:ph type="body" idx="1"/>
+          </p:nvPr>
+        </p:nvSpPr>
+        <p:spPr/>
+        <p:txBody>
+          <a:bodyPr/>
+          <a:lstStyle/>
+          <a:p>
+            <a:endParaRPr lang="zh-CN" altLang="en-US" sz="1000" b="0" i="0" kern="1200" dirty="0">
+              <a:solidFill>
+                <a:schemeClr val="tx1"/>
+              </a:solidFill>
+              <a:effectLst/>
+              <a:latin typeface="+mj-ea"/>
+              <a:ea typeface="+mj-ea"/>
+              <a:cs typeface="+mn-cs"/>
+            </a:endParaRPr>
+          </a:p>
+        </p:txBody>
+      </p:sp>
+    </p:spTree>
+    <p:extLst>
+      <p:ext uri="{BB962C8B-B14F-4D97-AF65-F5344CB8AC3E}">
+        <p14:creationId xmlns:p14="http://schemas.microsoft.com/office/powerpoint/2010/main" val="3757277763"/>
+      </p:ext>
+    </p:extLst>
+  </p:cSld>
+  <p:clrMapOvr>
+    <a:masterClrMapping/>
+  </p:clrMapOvr>
+</p:notes>
+</file>
+
+<file path=ppt/notesSlides/notesSlide53.xml><?xml version="1.0" encoding="utf-8"?>
+<p:notes xmlns:a="http://schemas.openxmlformats.org/drawingml/2006/main" xmlns:r="http://schemas.openxmlformats.org/officeDocument/2006/relationships" xmlns:p="http://schemas.openxmlformats.org/presentationml/2006/main">
+  <p:cSld>
+    <p:spTree>
+      <p:nvGrpSpPr>
+        <p:cNvPr id="1" name=""/>
+        <p:cNvGrpSpPr/>
+        <p:nvPr/>
+      </p:nvGrpSpPr>
+      <p:grpSpPr>
+        <a:xfrm>
+          <a:off x="0" y="0"/>
+          <a:ext cx="0" cy="0"/>
+          <a:chOff x="0" y="0"/>
+          <a:chExt cx="0" cy="0"/>
+        </a:xfrm>
+      </p:grpSpPr>
+      <p:sp>
+        <p:nvSpPr>
+          <p:cNvPr id="4" name="灯片编号占位符 3"/>
+          <p:cNvSpPr>
+            <a:spLocks noGrp="1"/>
+          </p:cNvSpPr>
+          <p:nvPr>
+            <p:ph type="sldNum" sz="quarter" idx="10"/>
+          </p:nvPr>
+        </p:nvSpPr>
+        <p:spPr/>
+        <p:txBody>
+          <a:bodyPr/>
+          <a:lstStyle/>
+          <a:p>
+            <a:fld id="{76A81D81-FE2F-498E-9723-332F49FC9508}" type="slidenum">
+              <a:rPr lang="zh-TW" altLang="en-US" smtClean="0"/>
+              <a:t>55</a:t>
+            </a:fld>
+            <a:endParaRPr lang="zh-TW" altLang="en-US"/>
+          </a:p>
+        </p:txBody>
+      </p:sp>
+      <p:sp>
+        <p:nvSpPr>
+          <p:cNvPr id="6" name="幻灯片图像占位符 5"/>
+          <p:cNvSpPr>
+            <a:spLocks noGrp="1" noRot="1" noChangeAspect="1"/>
+          </p:cNvSpPr>
+          <p:nvPr>
+            <p:ph type="sldImg"/>
+          </p:nvPr>
+        </p:nvSpPr>
+        <p:spPr>
+          <a:xfrm>
+            <a:off x="519113" y="787400"/>
+            <a:ext cx="5759450" cy="3240088"/>
+          </a:xfrm>
+        </p:spPr>
+      </p:sp>
+      <p:sp>
+        <p:nvSpPr>
+          <p:cNvPr id="7" name="备注占位符 6"/>
+          <p:cNvSpPr>
+            <a:spLocks noGrp="1"/>
+          </p:cNvSpPr>
+          <p:nvPr>
+            <p:ph type="body" idx="1"/>
+          </p:nvPr>
+        </p:nvSpPr>
+        <p:spPr/>
+        <p:txBody>
+          <a:bodyPr/>
+          <a:lstStyle/>
+          <a:p>
+            <a:endParaRPr lang="zh-CN" altLang="en-US" sz="1000" b="0" i="0" kern="1200" dirty="0">
+              <a:solidFill>
+                <a:schemeClr val="tx1"/>
+              </a:solidFill>
+              <a:effectLst/>
+              <a:latin typeface="+mj-ea"/>
+              <a:ea typeface="+mj-ea"/>
+              <a:cs typeface="+mn-cs"/>
+            </a:endParaRPr>
+          </a:p>
+        </p:txBody>
+      </p:sp>
+    </p:spTree>
+    <p:extLst>
+      <p:ext uri="{BB962C8B-B14F-4D97-AF65-F5344CB8AC3E}">
+        <p14:creationId xmlns:p14="http://schemas.microsoft.com/office/powerpoint/2010/main" val="3220711141"/>
+      </p:ext>
+    </p:extLst>
+  </p:cSld>
+  <p:clrMapOvr>
+    <a:masterClrMapping/>
+  </p:clrMapOvr>
+</p:notes>
+</file>
+
+<file path=ppt/notesSlides/notesSlide54.xml><?xml version="1.0" encoding="utf-8"?>
+<p:notes xmlns:a="http://schemas.openxmlformats.org/drawingml/2006/main" xmlns:r="http://schemas.openxmlformats.org/officeDocument/2006/relationships" xmlns:p="http://schemas.openxmlformats.org/presentationml/2006/main">
+  <p:cSld>
+    <p:spTree>
+      <p:nvGrpSpPr>
+        <p:cNvPr id="1" name=""/>
+        <p:cNvGrpSpPr/>
+        <p:nvPr/>
+      </p:nvGrpSpPr>
+      <p:grpSpPr>
+        <a:xfrm>
+          <a:off x="0" y="0"/>
+          <a:ext cx="0" cy="0"/>
+          <a:chOff x="0" y="0"/>
+          <a:chExt cx="0" cy="0"/>
+        </a:xfrm>
+      </p:grpSpPr>
+      <p:sp>
+        <p:nvSpPr>
+          <p:cNvPr id="4" name="灯片编号占位符 3"/>
+          <p:cNvSpPr>
+            <a:spLocks noGrp="1"/>
+          </p:cNvSpPr>
+          <p:nvPr>
+            <p:ph type="sldNum" sz="quarter" idx="10"/>
+          </p:nvPr>
+        </p:nvSpPr>
+        <p:spPr/>
+        <p:txBody>
+          <a:bodyPr/>
+          <a:lstStyle/>
+          <a:p>
             <a:fld id="{115E481A-832A-48B0-9B5F-CC2DDFB376CC}" type="slidenum">
               <a:rPr lang="zh-CN" altLang="en-US" smtClean="0"/>
-              <a:t>54</a:t>
+              <a:t>56</a:t>
             </a:fld>
             <a:endParaRPr lang="zh-CN" altLang="en-US"/>
           </a:p>
@@ -17197,46 +17232,6 @@
       </p:sp>
       <p:sp>
         <p:nvSpPr>
-          <p:cNvPr id="22" name="文本框 21"/>
-          <p:cNvSpPr txBox="1"/>
-          <p:nvPr/>
-        </p:nvSpPr>
-        <p:spPr>
-          <a:xfrm>
-            <a:off x="2057400" y="1208405"/>
-            <a:ext cx="7696200" cy="1240790"/>
-          </a:xfrm>
-          <a:prstGeom prst="rect">
-            <a:avLst/>
-          </a:prstGeom>
-          <a:noFill/>
-          <a:ln w="12700">
-            <a:noFill/>
-            <a:prstDash val="sysDot"/>
-          </a:ln>
-        </p:spPr>
-        <p:txBody>
-          <a:bodyPr wrap="square" lIns="180000" rtlCol="0">
-            <a:noAutofit/>
-          </a:bodyPr>
-          <a:lstStyle/>
-          <a:p>
-            <a:pPr marL="228600" indent="-228600" defTabSz="914400">
-              <a:spcBef>
-                <a:spcPts val="1000"/>
-              </a:spcBef>
-              <a:buFont typeface="Arial" panose="020B0604020202020204" pitchFamily="34" charset="0"/>
-              <a:buChar char="•"/>
-            </a:pPr>
-            <a:endParaRPr lang="zh-CN" altLang="en-US" sz="1400" dirty="0">
-              <a:latin typeface="微软雅黑" panose="020B0503020204020204" pitchFamily="34" charset="-122"/>
-              <a:ea typeface="微软雅黑" panose="020B0503020204020204" pitchFamily="34" charset="-122"/>
-            </a:endParaRPr>
-          </a:p>
-        </p:txBody>
-      </p:sp>
-      <p:sp>
-        <p:nvSpPr>
           <p:cNvPr id="5" name="页脚占位符 1"/>
           <p:cNvSpPr>
             <a:spLocks noGrp="1"/>
@@ -17285,42 +17280,424 @@
           </a:p>
         </p:txBody>
       </p:sp>
-      <p:pic>
-        <p:nvPicPr>
-          <p:cNvPr id="7" name="图片 6" descr="日程表&#10;&#10;描述已自动生成">
+      <p:sp>
+        <p:nvSpPr>
+          <p:cNvPr id="6" name="内容占位符 4">
             <a:extLst>
               <a:ext uri="{FF2B5EF4-FFF2-40B4-BE49-F238E27FC236}">
-                <a16:creationId xmlns:a16="http://schemas.microsoft.com/office/drawing/2014/main" id="{07EABDFE-AF6F-4943-BC4F-8C563114E851}"/>
+                <a16:creationId xmlns:a16="http://schemas.microsoft.com/office/drawing/2014/main" id="{0C977364-CD85-465F-9323-98273C65ABEA}"/>
               </a:ext>
             </a:extLst>
           </p:cNvPr>
-          <p:cNvPicPr>
-            <a:picLocks noChangeAspect="1"/>
-          </p:cNvPicPr>
-          <p:nvPr/>
-        </p:nvPicPr>
-        <p:blipFill>
-          <a:blip r:embed="rId3">
+          <p:cNvSpPr>
+            <a:spLocks noGrp="1"/>
+          </p:cNvSpPr>
+          <p:nvPr>
+            <p:ph idx="1"/>
+          </p:nvPr>
+        </p:nvSpPr>
+        <p:spPr>
+          <a:xfrm>
+            <a:off x="965201" y="1208404"/>
+            <a:ext cx="4059824" cy="5274263"/>
+          </a:xfrm>
+        </p:spPr>
+        <p:txBody>
+          <a:bodyPr/>
+          <a:lstStyle/>
+          <a:p>
+            <a:r>
+              <a:rPr lang="en-US" altLang="zh-CN" dirty="0"/>
+              <a:t>1PC</a:t>
+            </a:r>
+            <a:r>
+              <a:rPr lang="zh-CN" altLang="en-US" dirty="0"/>
+              <a:t>模型</a:t>
+            </a:r>
+          </a:p>
+          <a:p>
+            <a:pPr lvl="1"/>
+            <a:r>
+              <a:rPr lang="en-US" altLang="zh-CN" sz="1800" dirty="0" err="1"/>
+              <a:t>GoldenDB</a:t>
+            </a:r>
+            <a:r>
+              <a:rPr lang="zh-CN" altLang="en-US" sz="1800" dirty="0"/>
+              <a:t>：</a:t>
+            </a:r>
+            <a:r>
+              <a:rPr lang="en-US" altLang="zh-CN" sz="1800" dirty="0"/>
+              <a:t>1PC+GTID</a:t>
+            </a:r>
+          </a:p>
+          <a:p>
+            <a:r>
+              <a:rPr lang="en-US" altLang="zh-CN" dirty="0"/>
+              <a:t>2PC</a:t>
+            </a:r>
+            <a:r>
+              <a:rPr lang="zh-CN" altLang="en-US" dirty="0"/>
+              <a:t>模型</a:t>
+            </a:r>
+          </a:p>
+          <a:p>
+            <a:pPr lvl="1"/>
+            <a:r>
+              <a:rPr lang="en-US" altLang="zh-CN" sz="1800" dirty="0"/>
+              <a:t>TDSQL</a:t>
+            </a:r>
+          </a:p>
+          <a:p>
+            <a:r>
+              <a:rPr lang="en-US" altLang="zh-CN" dirty="0"/>
+              <a:t>3PC</a:t>
+            </a:r>
+            <a:r>
+              <a:rPr lang="zh-CN" altLang="en-US" dirty="0"/>
+              <a:t>模型</a:t>
+            </a:r>
+          </a:p>
+          <a:p>
+            <a:r>
+              <a:rPr lang="zh-CN" altLang="en-US" dirty="0"/>
+              <a:t>共识算法</a:t>
+            </a:r>
+          </a:p>
+          <a:p>
+            <a:pPr lvl="1"/>
+            <a:r>
+              <a:rPr lang="en-US" altLang="zh-CN" sz="1800" dirty="0" err="1"/>
+              <a:t>OceanBase</a:t>
+            </a:r>
+            <a:r>
+              <a:rPr lang="zh-CN" altLang="en-US" sz="1800" dirty="0"/>
+              <a:t>：</a:t>
+            </a:r>
+            <a:r>
+              <a:rPr lang="en-US" altLang="zh-CN" sz="1800" dirty="0" err="1"/>
+              <a:t>Paxos</a:t>
+            </a:r>
+            <a:endParaRPr lang="en-US" altLang="zh-CN" sz="1800" dirty="0"/>
+          </a:p>
+          <a:p>
+            <a:pPr lvl="1"/>
+            <a:r>
+              <a:rPr lang="en-US" altLang="zh-CN" sz="1800" dirty="0" err="1"/>
+              <a:t>TiDB</a:t>
+            </a:r>
+            <a:r>
+              <a:rPr lang="zh-CN" altLang="en-US" sz="1800" dirty="0"/>
+              <a:t>：</a:t>
+            </a:r>
+            <a:r>
+              <a:rPr lang="en-US" altLang="zh-CN" sz="1800" dirty="0"/>
+              <a:t>Raft</a:t>
+            </a:r>
+          </a:p>
+          <a:p>
+            <a:pPr lvl="1"/>
+            <a:endParaRPr lang="en-US" altLang="zh-CN" sz="1800" dirty="0"/>
+          </a:p>
+          <a:p>
+            <a:pPr marL="480695" lvl="1" indent="0">
+              <a:buNone/>
+            </a:pPr>
+            <a:endParaRPr lang="en-US" altLang="zh-CN" sz="1800" dirty="0"/>
+          </a:p>
+        </p:txBody>
+      </p:sp>
+      <p:sp>
+        <p:nvSpPr>
+          <p:cNvPr id="8" name="内容占位符 4">
             <a:extLst>
-              <a:ext uri="{28A0092B-C50C-407E-A947-70E740481C1C}">
-                <a14:useLocalDpi xmlns:a14="http://schemas.microsoft.com/office/drawing/2010/main" val="0"/>
+              <a:ext uri="{FF2B5EF4-FFF2-40B4-BE49-F238E27FC236}">
+                <a16:creationId xmlns:a16="http://schemas.microsoft.com/office/drawing/2014/main" id="{7D61B349-DC33-4250-9DB3-899E35AD835D}"/>
               </a:ext>
             </a:extLst>
-          </a:blip>
-          <a:stretch>
-            <a:fillRect/>
-          </a:stretch>
-        </p:blipFill>
-        <p:spPr>
+          </p:cNvPr>
+          <p:cNvSpPr txBox="1">
+            <a:spLocks/>
+          </p:cNvSpPr>
+          <p:nvPr/>
+        </p:nvSpPr>
+        <p:spPr bwMode="auto">
           <a:xfrm>
-            <a:off x="3142827" y="937422"/>
-            <a:ext cx="4954995" cy="5545245"/>
+            <a:off x="6032236" y="1214838"/>
+            <a:ext cx="4059824" cy="4441191"/>
           </a:xfrm>
           <a:prstGeom prst="rect">
             <a:avLst/>
           </a:prstGeom>
+          <a:noFill/>
+          <a:ln>
+            <a:noFill/>
+          </a:ln>
+          <a:extLst>
+            <a:ext uri="{909E8E84-426E-40DD-AFC4-6F175D3DCCD1}">
+              <a14:hiddenFill xmlns:a14="http://schemas.microsoft.com/office/drawing/2010/main">
+                <a:solidFill>
+                  <a:srgbClr val="FFFFFF"/>
+                </a:solidFill>
+              </a14:hiddenFill>
+            </a:ext>
+            <a:ext uri="{91240B29-F687-4F45-9708-019B960494DF}">
+              <a14:hiddenLine xmlns:a14="http://schemas.microsoft.com/office/drawing/2010/main" w="9525">
+                <a:solidFill>
+                  <a:srgbClr val="000000"/>
+                </a:solidFill>
+                <a:miter lim="800000"/>
+                <a:headEnd/>
+                <a:tailEnd/>
+              </a14:hiddenLine>
+            </a:ext>
+          </a:extLst>
         </p:spPr>
-      </p:pic>
+        <p:txBody>
+          <a:bodyPr vert="horz" wrap="square" lIns="91440" tIns="45720" rIns="91440" bIns="45720" numCol="1" anchor="t" anchorCtr="0" compatLnSpc="1"/>
+          <a:lstStyle>
+            <a:lvl1pPr marL="480695" indent="-480695" algn="l" defTabSz="912495" rtl="0" eaLnBrk="1" fontAlgn="base" hangingPunct="1">
+              <a:lnSpc>
+                <a:spcPct val="150000"/>
+              </a:lnSpc>
+              <a:spcBef>
+                <a:spcPts val="0"/>
+              </a:spcBef>
+              <a:spcAft>
+                <a:spcPct val="0"/>
+              </a:spcAft>
+              <a:buClr>
+                <a:schemeClr val="accent1"/>
+              </a:buClr>
+              <a:buFont typeface="Wingdings" panose="05000000000000000000" pitchFamily="2" charset="2"/>
+              <a:buChar char="l"/>
+              <a:defRPr sz="2400" kern="1200">
+                <a:solidFill>
+                  <a:schemeClr val="tx1"/>
+                </a:solidFill>
+                <a:latin typeface="微软雅黑" panose="020B0503020204020204" pitchFamily="34" charset="-122"/>
+                <a:ea typeface="微软雅黑" panose="020B0503020204020204" pitchFamily="34" charset="-122"/>
+                <a:cs typeface="+mn-cs"/>
+                <a:sym typeface="Calibri" panose="020F0502020204030204" pitchFamily="34" charset="0"/>
+              </a:defRPr>
+            </a:lvl1pPr>
+            <a:lvl2pPr marL="836295" lvl="1" indent="-355600" algn="l" defTabSz="912495" rtl="0" eaLnBrk="1" fontAlgn="base" hangingPunct="1">
+              <a:lnSpc>
+                <a:spcPct val="150000"/>
+              </a:lnSpc>
+              <a:spcBef>
+                <a:spcPts val="500"/>
+              </a:spcBef>
+              <a:spcAft>
+                <a:spcPct val="0"/>
+              </a:spcAft>
+              <a:buClr>
+                <a:schemeClr val="accent1"/>
+              </a:buClr>
+              <a:buFont typeface="Wingdings" panose="05000000000000000000" pitchFamily="2" charset="2"/>
+              <a:buChar char="n"/>
+              <a:defRPr sz="2000" kern="1200">
+                <a:solidFill>
+                  <a:schemeClr val="tx1"/>
+                </a:solidFill>
+                <a:latin typeface="微软雅黑" panose="020B0503020204020204" pitchFamily="34" charset="-122"/>
+                <a:ea typeface="微软雅黑" panose="020B0503020204020204" pitchFamily="34" charset="-122"/>
+                <a:cs typeface="+mn-cs"/>
+                <a:sym typeface="Calibri" panose="020F0502020204030204" pitchFamily="34" charset="0"/>
+              </a:defRPr>
+            </a:lvl2pPr>
+            <a:lvl3pPr marL="1143000" lvl="2" indent="-228600" algn="l" defTabSz="912495" rtl="0" eaLnBrk="1" fontAlgn="base" hangingPunct="1">
+              <a:lnSpc>
+                <a:spcPct val="150000"/>
+              </a:lnSpc>
+              <a:spcBef>
+                <a:spcPts val="500"/>
+              </a:spcBef>
+              <a:spcAft>
+                <a:spcPct val="0"/>
+              </a:spcAft>
+              <a:buClr>
+                <a:schemeClr val="accent1"/>
+              </a:buClr>
+              <a:buFont typeface="Wingdings" panose="05000000000000000000" pitchFamily="2" charset="2"/>
+              <a:buChar char="ü"/>
+              <a:defRPr sz="1800" kern="1200">
+                <a:solidFill>
+                  <a:schemeClr val="tx1"/>
+                </a:solidFill>
+                <a:latin typeface="微软雅黑" panose="020B0503020204020204" pitchFamily="34" charset="-122"/>
+                <a:ea typeface="微软雅黑" panose="020B0503020204020204" pitchFamily="34" charset="-122"/>
+                <a:cs typeface="+mn-cs"/>
+                <a:sym typeface="Calibri" panose="020F0502020204030204" pitchFamily="34" charset="0"/>
+              </a:defRPr>
+            </a:lvl3pPr>
+            <a:lvl4pPr marL="1598930" lvl="3" indent="-227330" algn="l" defTabSz="912495" rtl="0" eaLnBrk="1" fontAlgn="base" hangingPunct="1">
+              <a:lnSpc>
+                <a:spcPct val="150000"/>
+              </a:lnSpc>
+              <a:spcBef>
+                <a:spcPts val="500"/>
+              </a:spcBef>
+              <a:spcAft>
+                <a:spcPct val="0"/>
+              </a:spcAft>
+              <a:buClr>
+                <a:schemeClr val="accent1"/>
+              </a:buClr>
+              <a:buFont typeface="Arial" panose="020B0604020202020204" pitchFamily="34" charset="0"/>
+              <a:buChar char="•"/>
+              <a:defRPr sz="1600" kern="1200">
+                <a:solidFill>
+                  <a:schemeClr val="tx1"/>
+                </a:solidFill>
+                <a:latin typeface="微软雅黑" panose="020B0503020204020204" pitchFamily="34" charset="-122"/>
+                <a:ea typeface="微软雅黑" panose="020B0503020204020204" pitchFamily="34" charset="-122"/>
+                <a:cs typeface="+mn-cs"/>
+                <a:sym typeface="Calibri" panose="020F0502020204030204" pitchFamily="34" charset="0"/>
+              </a:defRPr>
+            </a:lvl4pPr>
+            <a:lvl5pPr marL="2056130" lvl="4" indent="-227330" algn="l" defTabSz="912495" rtl="0" eaLnBrk="1" fontAlgn="base" hangingPunct="1">
+              <a:lnSpc>
+                <a:spcPct val="150000"/>
+              </a:lnSpc>
+              <a:spcBef>
+                <a:spcPts val="500"/>
+              </a:spcBef>
+              <a:spcAft>
+                <a:spcPct val="0"/>
+              </a:spcAft>
+              <a:buClr>
+                <a:schemeClr val="accent1"/>
+              </a:buClr>
+              <a:buFont typeface="Arial" panose="020B0604020202020204" pitchFamily="34" charset="0"/>
+              <a:buChar char="•"/>
+              <a:defRPr sz="1400" kern="1200">
+                <a:solidFill>
+                  <a:schemeClr val="tx1"/>
+                </a:solidFill>
+                <a:latin typeface="微软雅黑" panose="020B0503020204020204" pitchFamily="34" charset="-122"/>
+                <a:ea typeface="微软雅黑" panose="020B0503020204020204" pitchFamily="34" charset="-122"/>
+                <a:cs typeface="+mn-cs"/>
+                <a:sym typeface="Calibri" panose="020F0502020204030204" pitchFamily="34" charset="0"/>
+              </a:defRPr>
+            </a:lvl5pPr>
+            <a:lvl6pPr marL="3352800" lvl="5" indent="-304800" algn="l" defTabSz="913765" eaLnBrk="1" fontAlgn="base" latinLnBrk="0" hangingPunct="1">
+              <a:lnSpc>
+                <a:spcPct val="90000"/>
+              </a:lnSpc>
+              <a:spcBef>
+                <a:spcPts val="500"/>
+              </a:spcBef>
+              <a:spcAft>
+                <a:spcPct val="0"/>
+              </a:spcAft>
+              <a:buFont typeface="Arial" panose="020B0604020202020204" pitchFamily="34" charset="0"/>
+              <a:buChar char="•"/>
+              <a:defRPr sz="1735" kern="1200">
+                <a:solidFill>
+                  <a:schemeClr val="tx1"/>
+                </a:solidFill>
+                <a:latin typeface="+mn-lt"/>
+                <a:ea typeface="+mn-ea"/>
+                <a:cs typeface="+mn-cs"/>
+                <a:sym typeface="Calibri" panose="020F0502020204030204" pitchFamily="34" charset="0"/>
+              </a:defRPr>
+            </a:lvl6pPr>
+            <a:lvl7pPr marL="3962400" lvl="6" indent="-304800" algn="l" defTabSz="913765" eaLnBrk="1" fontAlgn="base" latinLnBrk="0" hangingPunct="1">
+              <a:lnSpc>
+                <a:spcPct val="90000"/>
+              </a:lnSpc>
+              <a:spcBef>
+                <a:spcPts val="500"/>
+              </a:spcBef>
+              <a:spcAft>
+                <a:spcPct val="0"/>
+              </a:spcAft>
+              <a:buFont typeface="Arial" panose="020B0604020202020204" pitchFamily="34" charset="0"/>
+              <a:buChar char="•"/>
+              <a:defRPr sz="1735" kern="1200">
+                <a:solidFill>
+                  <a:schemeClr val="tx1"/>
+                </a:solidFill>
+                <a:latin typeface="+mn-lt"/>
+                <a:ea typeface="+mn-ea"/>
+                <a:cs typeface="+mn-cs"/>
+                <a:sym typeface="Calibri" panose="020F0502020204030204" pitchFamily="34" charset="0"/>
+              </a:defRPr>
+            </a:lvl7pPr>
+            <a:lvl8pPr marL="4572000" lvl="7" indent="-304800" algn="l" defTabSz="913765" eaLnBrk="1" fontAlgn="base" latinLnBrk="0" hangingPunct="1">
+              <a:lnSpc>
+                <a:spcPct val="90000"/>
+              </a:lnSpc>
+              <a:spcBef>
+                <a:spcPts val="500"/>
+              </a:spcBef>
+              <a:spcAft>
+                <a:spcPct val="0"/>
+              </a:spcAft>
+              <a:buFont typeface="Arial" panose="020B0604020202020204" pitchFamily="34" charset="0"/>
+              <a:buChar char="•"/>
+              <a:defRPr sz="1735" kern="1200">
+                <a:solidFill>
+                  <a:schemeClr val="tx1"/>
+                </a:solidFill>
+                <a:latin typeface="+mn-lt"/>
+                <a:ea typeface="+mn-ea"/>
+                <a:cs typeface="+mn-cs"/>
+                <a:sym typeface="Calibri" panose="020F0502020204030204" pitchFamily="34" charset="0"/>
+              </a:defRPr>
+            </a:lvl8pPr>
+            <a:lvl9pPr marL="5181600" lvl="8" indent="-304800" algn="l" defTabSz="913765" eaLnBrk="1" fontAlgn="base" latinLnBrk="0" hangingPunct="1">
+              <a:lnSpc>
+                <a:spcPct val="90000"/>
+              </a:lnSpc>
+              <a:spcBef>
+                <a:spcPts val="500"/>
+              </a:spcBef>
+              <a:spcAft>
+                <a:spcPct val="0"/>
+              </a:spcAft>
+              <a:buFont typeface="Arial" panose="020B0604020202020204" pitchFamily="34" charset="0"/>
+              <a:buChar char="•"/>
+              <a:defRPr sz="1735" kern="1200">
+                <a:solidFill>
+                  <a:schemeClr val="tx1"/>
+                </a:solidFill>
+                <a:latin typeface="+mn-lt"/>
+                <a:ea typeface="+mn-ea"/>
+                <a:cs typeface="+mn-cs"/>
+                <a:sym typeface="Calibri" panose="020F0502020204030204" pitchFamily="34" charset="0"/>
+              </a:defRPr>
+            </a:lvl9pPr>
+          </a:lstStyle>
+          <a:p>
+            <a:r>
+              <a:rPr lang="en-US" altLang="zh-CN" dirty="0"/>
+              <a:t>TCC</a:t>
+            </a:r>
+            <a:endParaRPr lang="zh-CN" altLang="en-US" dirty="0"/>
+          </a:p>
+          <a:p>
+            <a:r>
+              <a:rPr lang="zh-CN" altLang="en-US" dirty="0"/>
+              <a:t>可靠消息最终一致性</a:t>
+            </a:r>
+          </a:p>
+          <a:p>
+            <a:r>
+              <a:rPr lang="zh-CN" altLang="en-US" dirty="0"/>
+              <a:t>最大努力通知</a:t>
+            </a:r>
+            <a:endParaRPr lang="en-US" altLang="zh-CN" sz="1800" dirty="0"/>
+          </a:p>
+          <a:p>
+            <a:pPr marL="480695" lvl="1" indent="0">
+              <a:buFont typeface="Wingdings" panose="05000000000000000000" pitchFamily="2" charset="2"/>
+              <a:buNone/>
+            </a:pPr>
+            <a:endParaRPr lang="en-US" altLang="zh-CN" sz="1800" dirty="0"/>
+          </a:p>
+        </p:txBody>
+      </p:sp>
     </p:spTree>
     <p:extLst>
       <p:ext uri="{BB962C8B-B14F-4D97-AF65-F5344CB8AC3E}">
@@ -17468,6 +17845,182 @@
               <a:rPr lang="en-US" altLang="zh-CN" dirty="0"/>
               <a:t> </a:t>
             </a:r>
+          </a:p>
+        </p:txBody>
+      </p:sp>
+      <p:pic>
+        <p:nvPicPr>
+          <p:cNvPr id="4" name="图片 3" descr="图示&#10;&#10;描述已自动生成">
+            <a:extLst>
+              <a:ext uri="{FF2B5EF4-FFF2-40B4-BE49-F238E27FC236}">
+                <a16:creationId xmlns:a16="http://schemas.microsoft.com/office/drawing/2014/main" id="{276CD9CF-039E-40FB-B800-68B6FEC2F0EF}"/>
+              </a:ext>
+            </a:extLst>
+          </p:cNvPr>
+          <p:cNvPicPr>
+            <a:picLocks noChangeAspect="1"/>
+          </p:cNvPicPr>
+          <p:nvPr/>
+        </p:nvPicPr>
+        <p:blipFill>
+          <a:blip r:embed="rId3">
+            <a:extLst>
+              <a:ext uri="{28A0092B-C50C-407E-A947-70E740481C1C}">
+                <a14:useLocalDpi xmlns:a14="http://schemas.microsoft.com/office/drawing/2010/main" val="0"/>
+              </a:ext>
+            </a:extLst>
+          </a:blip>
+          <a:stretch>
+            <a:fillRect/>
+          </a:stretch>
+        </p:blipFill>
+        <p:spPr>
+          <a:xfrm>
+            <a:off x="1750934" y="3577593"/>
+            <a:ext cx="8161343" cy="2776830"/>
+          </a:xfrm>
+          <a:prstGeom prst="rect">
+            <a:avLst/>
+          </a:prstGeom>
+        </p:spPr>
+      </p:pic>
+      <p:sp>
+        <p:nvSpPr>
+          <p:cNvPr id="7" name="内容占位符 4">
+            <a:extLst>
+              <a:ext uri="{FF2B5EF4-FFF2-40B4-BE49-F238E27FC236}">
+                <a16:creationId xmlns:a16="http://schemas.microsoft.com/office/drawing/2014/main" id="{8713B960-BA42-43A7-A16F-C2C488F63C21}"/>
+              </a:ext>
+            </a:extLst>
+          </p:cNvPr>
+          <p:cNvSpPr>
+            <a:spLocks noGrp="1"/>
+          </p:cNvSpPr>
+          <p:nvPr>
+            <p:ph idx="1"/>
+          </p:nvPr>
+        </p:nvSpPr>
+        <p:spPr>
+          <a:xfrm>
+            <a:off x="965201" y="1208404"/>
+            <a:ext cx="9979550" cy="2858713"/>
+          </a:xfrm>
+        </p:spPr>
+        <p:txBody>
+          <a:bodyPr/>
+          <a:lstStyle/>
+          <a:p>
+            <a:r>
+              <a:rPr lang="en-US" altLang="zh-CN" dirty="0"/>
+              <a:t>1PC+GTID</a:t>
+            </a:r>
+            <a:endParaRPr lang="zh-CN" altLang="en-US" dirty="0"/>
+          </a:p>
+          <a:p>
+            <a:pPr lvl="1"/>
+            <a:r>
+              <a:rPr lang="zh-CN" altLang="en-US" sz="1800" dirty="0"/>
+              <a:t>采用全局事务</a:t>
+            </a:r>
+            <a:r>
+              <a:rPr lang="en-US" altLang="zh-CN" sz="1800" dirty="0"/>
+              <a:t>ID</a:t>
+            </a:r>
+            <a:r>
+              <a:rPr lang="zh-CN" altLang="en-US" sz="1800" dirty="0"/>
+              <a:t>对分布式事务进行控制，其核心思想是</a:t>
+            </a:r>
+            <a:r>
+              <a:rPr lang="zh-CN" altLang="en-US" sz="1800" dirty="0">
+                <a:solidFill>
+                  <a:srgbClr val="FF0000"/>
+                </a:solidFill>
+              </a:rPr>
+              <a:t>全局事务控制</a:t>
+            </a:r>
+            <a:r>
+              <a:rPr lang="zh-CN" altLang="en-US" sz="1800" dirty="0"/>
+              <a:t>和</a:t>
+            </a:r>
+            <a:r>
+              <a:rPr lang="zh-CN" altLang="en-US" sz="1800" dirty="0">
+                <a:solidFill>
+                  <a:srgbClr val="FF0000"/>
+                </a:solidFill>
+              </a:rPr>
+              <a:t>标签数据</a:t>
+            </a:r>
+            <a:r>
+              <a:rPr lang="zh-CN" altLang="en-US" sz="1800" dirty="0"/>
+              <a:t>。</a:t>
+            </a:r>
+            <a:endParaRPr lang="en-US" altLang="zh-CN" sz="1800" dirty="0"/>
+          </a:p>
+          <a:p>
+            <a:pPr lvl="1"/>
+            <a:r>
+              <a:rPr lang="zh-CN" altLang="en-US" sz="1800" dirty="0"/>
+              <a:t>前者为每一个分布式写事务分配一个全局唯一的有序事务</a:t>
+            </a:r>
+            <a:r>
+              <a:rPr lang="en-US" altLang="zh-CN" sz="1800" dirty="0"/>
+              <a:t>ID</a:t>
+            </a:r>
+            <a:r>
+              <a:rPr lang="zh-CN" altLang="en-US" sz="1800" dirty="0"/>
+              <a:t>（</a:t>
+            </a:r>
+            <a:r>
+              <a:rPr lang="en-US" altLang="zh-CN" sz="1800" dirty="0"/>
+              <a:t>GTID</a:t>
+            </a:r>
+            <a:r>
+              <a:rPr lang="zh-CN" altLang="en-US" sz="1800" dirty="0"/>
+              <a:t>），并根据事物的存活情况维护对应</a:t>
+            </a:r>
+            <a:r>
+              <a:rPr lang="en-US" altLang="zh-CN" sz="1800" dirty="0"/>
+              <a:t>ID</a:t>
+            </a:r>
+            <a:r>
+              <a:rPr lang="zh-CN" altLang="en-US" sz="1800" dirty="0"/>
+              <a:t>的生命周期。</a:t>
+            </a:r>
+            <a:endParaRPr lang="en-US" altLang="zh-CN" sz="1800" dirty="0"/>
+          </a:p>
+          <a:p>
+            <a:pPr lvl="1"/>
+            <a:r>
+              <a:rPr lang="zh-CN" altLang="en-US" sz="1800" dirty="0"/>
+              <a:t>后者在用户表中增加对应用透明的</a:t>
+            </a:r>
+            <a:r>
+              <a:rPr lang="en-US" altLang="zh-CN" sz="1800" dirty="0"/>
+              <a:t>GTID</a:t>
+            </a:r>
+            <a:r>
+              <a:rPr lang="zh-CN" altLang="en-US" sz="1800" dirty="0"/>
+              <a:t>列，并在该列中维护操作本行数据的最近一次分布式事务对应的全局事务</a:t>
+            </a:r>
+            <a:r>
+              <a:rPr lang="en-US" altLang="zh-CN" sz="1800" dirty="0"/>
+              <a:t>ID</a:t>
+            </a:r>
+            <a:r>
+              <a:rPr lang="zh-CN" altLang="en-US" sz="1800" dirty="0"/>
+              <a:t>。</a:t>
+            </a:r>
+            <a:endParaRPr lang="en-US" altLang="zh-CN" sz="1800" dirty="0"/>
+          </a:p>
+          <a:p>
+            <a:pPr lvl="1"/>
+            <a:endParaRPr lang="en-US" altLang="zh-CN" sz="1800" dirty="0"/>
+          </a:p>
+          <a:p>
+            <a:pPr marL="480695" lvl="1" indent="0">
+              <a:buNone/>
+            </a:pPr>
+            <a:endParaRPr lang="en-US" altLang="zh-CN" sz="1800" dirty="0"/>
           </a:p>
         </p:txBody>
       </p:sp>
@@ -24820,6 +25373,539 @@
           </a:p>
         </p:txBody>
       </p:sp>
+      <p:sp>
+        <p:nvSpPr>
+          <p:cNvPr id="6" name="内容占位符 2">
+            <a:extLst>
+              <a:ext uri="{FF2B5EF4-FFF2-40B4-BE49-F238E27FC236}">
+                <a16:creationId xmlns:a16="http://schemas.microsoft.com/office/drawing/2014/main" id="{F707AFD1-0CA1-46D3-A830-654E4FB9850D}"/>
+              </a:ext>
+            </a:extLst>
+          </p:cNvPr>
+          <p:cNvSpPr>
+            <a:spLocks noGrp="1"/>
+          </p:cNvSpPr>
+          <p:nvPr>
+            <p:ph idx="1"/>
+          </p:nvPr>
+        </p:nvSpPr>
+        <p:spPr>
+          <a:xfrm>
+            <a:off x="838201" y="1268760"/>
+            <a:ext cx="10658399" cy="2770308"/>
+          </a:xfrm>
+        </p:spPr>
+        <p:txBody>
+          <a:bodyPr/>
+          <a:lstStyle/>
+          <a:p>
+            <a:r>
+              <a:rPr lang="en-US" altLang="zh-CN" dirty="0" err="1"/>
+              <a:t>GoldenDB</a:t>
+            </a:r>
+            <a:r>
+              <a:rPr lang="zh-CN" altLang="en-US" dirty="0"/>
+              <a:t>查询优化器设计主要考虑两个方面：</a:t>
+            </a:r>
+            <a:endParaRPr lang="en-US" altLang="zh-CN" dirty="0"/>
+          </a:p>
+          <a:p>
+            <a:pPr lvl="1"/>
+            <a:r>
+              <a:rPr lang="zh-CN" altLang="en-US" dirty="0"/>
+              <a:t>代价模型选择</a:t>
+            </a:r>
+            <a:endParaRPr lang="en-US" altLang="zh-CN" dirty="0"/>
+          </a:p>
+          <a:p>
+            <a:pPr marL="480695" lvl="1" indent="0">
+              <a:buNone/>
+            </a:pPr>
+            <a:r>
+              <a:rPr lang="en-US" altLang="zh-CN" dirty="0"/>
+              <a:t>CPU</a:t>
+            </a:r>
+            <a:r>
+              <a:rPr lang="zh-CN" altLang="en-US" dirty="0"/>
+              <a:t>代价</a:t>
+            </a:r>
+            <a:r>
+              <a:rPr lang="en-US" altLang="zh-CN" dirty="0"/>
+              <a:t>+MEM</a:t>
+            </a:r>
+            <a:r>
+              <a:rPr lang="zh-CN" altLang="en-US" dirty="0"/>
+              <a:t>代价</a:t>
+            </a:r>
+            <a:r>
+              <a:rPr lang="en-US" altLang="zh-CN" dirty="0"/>
+              <a:t>+</a:t>
+            </a:r>
+            <a:r>
+              <a:rPr lang="zh-CN" altLang="en-US" dirty="0"/>
+              <a:t>磁盘</a:t>
+            </a:r>
+            <a:r>
+              <a:rPr lang="en-US" altLang="zh-CN" dirty="0"/>
+              <a:t>IO</a:t>
+            </a:r>
+            <a:r>
+              <a:rPr lang="zh-CN" altLang="en-US" dirty="0"/>
+              <a:t>代价</a:t>
+            </a:r>
+            <a:r>
+              <a:rPr lang="en-US" altLang="zh-CN" dirty="0"/>
+              <a:t>+</a:t>
+            </a:r>
+            <a:r>
+              <a:rPr lang="zh-CN" altLang="en-US" dirty="0"/>
+              <a:t>网络</a:t>
+            </a:r>
+            <a:r>
+              <a:rPr lang="en-US" altLang="zh-CN" dirty="0"/>
+              <a:t>IO</a:t>
+            </a:r>
+            <a:r>
+              <a:rPr lang="zh-CN" altLang="en-US" dirty="0"/>
+              <a:t>代价</a:t>
+            </a:r>
+            <a:endParaRPr lang="en-US" altLang="zh-CN" dirty="0"/>
+          </a:p>
+          <a:p>
+            <a:pPr lvl="1"/>
+            <a:r>
+              <a:rPr lang="zh-CN" altLang="en-US" dirty="0"/>
+              <a:t>数据一致性开销</a:t>
+            </a:r>
+            <a:endParaRPr lang="en-US" altLang="zh-CN" dirty="0"/>
+          </a:p>
+          <a:p>
+            <a:pPr marL="480695" lvl="1" indent="0">
+              <a:buNone/>
+            </a:pPr>
+            <a:r>
+              <a:rPr lang="en-US" altLang="zh-CN" dirty="0"/>
+              <a:t>GTID</a:t>
+            </a:r>
+            <a:r>
+              <a:rPr lang="zh-CN" altLang="en-US" dirty="0"/>
+              <a:t>的申请</a:t>
+            </a:r>
+            <a:r>
+              <a:rPr lang="en-US" altLang="zh-CN" dirty="0"/>
+              <a:t>/</a:t>
+            </a:r>
+            <a:r>
+              <a:rPr lang="zh-CN" altLang="en-US" dirty="0"/>
+              <a:t>查询</a:t>
+            </a:r>
+            <a:endParaRPr lang="en-US" altLang="zh-CN" dirty="0"/>
+          </a:p>
+        </p:txBody>
+      </p:sp>
+      <p:sp>
+        <p:nvSpPr>
+          <p:cNvPr id="7" name="内容占位符 2">
+            <a:extLst>
+              <a:ext uri="{FF2B5EF4-FFF2-40B4-BE49-F238E27FC236}">
+                <a16:creationId xmlns:a16="http://schemas.microsoft.com/office/drawing/2014/main" id="{393400ED-2AD7-4291-9398-4EE215D03801}"/>
+              </a:ext>
+            </a:extLst>
+          </p:cNvPr>
+          <p:cNvSpPr txBox="1">
+            <a:spLocks/>
+          </p:cNvSpPr>
+          <p:nvPr/>
+        </p:nvSpPr>
+        <p:spPr bwMode="auto">
+          <a:xfrm>
+            <a:off x="838201" y="3956797"/>
+            <a:ext cx="10658399" cy="1215453"/>
+          </a:xfrm>
+          <a:prstGeom prst="rect">
+            <a:avLst/>
+          </a:prstGeom>
+          <a:noFill/>
+          <a:ln>
+            <a:noFill/>
+          </a:ln>
+          <a:extLst>
+            <a:ext uri="{909E8E84-426E-40DD-AFC4-6F175D3DCCD1}">
+              <a14:hiddenFill xmlns:a14="http://schemas.microsoft.com/office/drawing/2010/main">
+                <a:solidFill>
+                  <a:srgbClr val="FFFFFF"/>
+                </a:solidFill>
+              </a14:hiddenFill>
+            </a:ext>
+            <a:ext uri="{91240B29-F687-4F45-9708-019B960494DF}">
+              <a14:hiddenLine xmlns:a14="http://schemas.microsoft.com/office/drawing/2010/main" w="9525">
+                <a:solidFill>
+                  <a:srgbClr val="000000"/>
+                </a:solidFill>
+                <a:miter lim="800000"/>
+                <a:headEnd/>
+                <a:tailEnd/>
+              </a14:hiddenLine>
+            </a:ext>
+          </a:extLst>
+        </p:spPr>
+        <p:txBody>
+          <a:bodyPr vert="horz" wrap="square" lIns="91440" tIns="45720" rIns="91440" bIns="45720" numCol="1" anchor="t" anchorCtr="0" compatLnSpc="1"/>
+          <a:lstStyle>
+            <a:lvl1pPr marL="480695" indent="-480695" algn="l" defTabSz="912495" rtl="0" eaLnBrk="1" fontAlgn="base" hangingPunct="1">
+              <a:lnSpc>
+                <a:spcPct val="150000"/>
+              </a:lnSpc>
+              <a:spcBef>
+                <a:spcPts val="0"/>
+              </a:spcBef>
+              <a:spcAft>
+                <a:spcPct val="0"/>
+              </a:spcAft>
+              <a:buClr>
+                <a:schemeClr val="accent1"/>
+              </a:buClr>
+              <a:buFont typeface="Wingdings" panose="05000000000000000000" pitchFamily="2" charset="2"/>
+              <a:buChar char="l"/>
+              <a:defRPr sz="2400" kern="1200">
+                <a:solidFill>
+                  <a:schemeClr val="tx1"/>
+                </a:solidFill>
+                <a:latin typeface="微软雅黑" panose="020B0503020204020204" pitchFamily="34" charset="-122"/>
+                <a:ea typeface="微软雅黑" panose="020B0503020204020204" pitchFamily="34" charset="-122"/>
+                <a:cs typeface="+mn-cs"/>
+                <a:sym typeface="Calibri" panose="020F0502020204030204" pitchFamily="34" charset="0"/>
+              </a:defRPr>
+            </a:lvl1pPr>
+            <a:lvl2pPr marL="836295" lvl="1" indent="-355600" algn="l" defTabSz="912495" rtl="0" eaLnBrk="1" fontAlgn="base" hangingPunct="1">
+              <a:lnSpc>
+                <a:spcPct val="150000"/>
+              </a:lnSpc>
+              <a:spcBef>
+                <a:spcPts val="500"/>
+              </a:spcBef>
+              <a:spcAft>
+                <a:spcPct val="0"/>
+              </a:spcAft>
+              <a:buClr>
+                <a:schemeClr val="accent1"/>
+              </a:buClr>
+              <a:buFont typeface="Wingdings" panose="05000000000000000000" pitchFamily="2" charset="2"/>
+              <a:buChar char="n"/>
+              <a:defRPr sz="2000" kern="1200">
+                <a:solidFill>
+                  <a:schemeClr val="tx1"/>
+                </a:solidFill>
+                <a:latin typeface="微软雅黑" panose="020B0503020204020204" pitchFamily="34" charset="-122"/>
+                <a:ea typeface="微软雅黑" panose="020B0503020204020204" pitchFamily="34" charset="-122"/>
+                <a:cs typeface="+mn-cs"/>
+                <a:sym typeface="Calibri" panose="020F0502020204030204" pitchFamily="34" charset="0"/>
+              </a:defRPr>
+            </a:lvl2pPr>
+            <a:lvl3pPr marL="1143000" lvl="2" indent="-228600" algn="l" defTabSz="912495" rtl="0" eaLnBrk="1" fontAlgn="base" hangingPunct="1">
+              <a:lnSpc>
+                <a:spcPct val="150000"/>
+              </a:lnSpc>
+              <a:spcBef>
+                <a:spcPts val="500"/>
+              </a:spcBef>
+              <a:spcAft>
+                <a:spcPct val="0"/>
+              </a:spcAft>
+              <a:buClr>
+                <a:schemeClr val="accent1"/>
+              </a:buClr>
+              <a:buFont typeface="Wingdings" panose="05000000000000000000" pitchFamily="2" charset="2"/>
+              <a:buChar char="ü"/>
+              <a:defRPr sz="1800" kern="1200">
+                <a:solidFill>
+                  <a:schemeClr val="tx1"/>
+                </a:solidFill>
+                <a:latin typeface="微软雅黑" panose="020B0503020204020204" pitchFamily="34" charset="-122"/>
+                <a:ea typeface="微软雅黑" panose="020B0503020204020204" pitchFamily="34" charset="-122"/>
+                <a:cs typeface="+mn-cs"/>
+                <a:sym typeface="Calibri" panose="020F0502020204030204" pitchFamily="34" charset="0"/>
+              </a:defRPr>
+            </a:lvl3pPr>
+            <a:lvl4pPr marL="1598930" lvl="3" indent="-227330" algn="l" defTabSz="912495" rtl="0" eaLnBrk="1" fontAlgn="base" hangingPunct="1">
+              <a:lnSpc>
+                <a:spcPct val="150000"/>
+              </a:lnSpc>
+              <a:spcBef>
+                <a:spcPts val="500"/>
+              </a:spcBef>
+              <a:spcAft>
+                <a:spcPct val="0"/>
+              </a:spcAft>
+              <a:buClr>
+                <a:schemeClr val="accent1"/>
+              </a:buClr>
+              <a:buFont typeface="Arial" panose="020B0604020202020204" pitchFamily="34" charset="0"/>
+              <a:buChar char="•"/>
+              <a:defRPr sz="1600" kern="1200">
+                <a:solidFill>
+                  <a:schemeClr val="tx1"/>
+                </a:solidFill>
+                <a:latin typeface="微软雅黑" panose="020B0503020204020204" pitchFamily="34" charset="-122"/>
+                <a:ea typeface="微软雅黑" panose="020B0503020204020204" pitchFamily="34" charset="-122"/>
+                <a:cs typeface="+mn-cs"/>
+                <a:sym typeface="Calibri" panose="020F0502020204030204" pitchFamily="34" charset="0"/>
+              </a:defRPr>
+            </a:lvl4pPr>
+            <a:lvl5pPr marL="2056130" lvl="4" indent="-227330" algn="l" defTabSz="912495" rtl="0" eaLnBrk="1" fontAlgn="base" hangingPunct="1">
+              <a:lnSpc>
+                <a:spcPct val="150000"/>
+              </a:lnSpc>
+              <a:spcBef>
+                <a:spcPts val="500"/>
+              </a:spcBef>
+              <a:spcAft>
+                <a:spcPct val="0"/>
+              </a:spcAft>
+              <a:buClr>
+                <a:schemeClr val="accent1"/>
+              </a:buClr>
+              <a:buFont typeface="Arial" panose="020B0604020202020204" pitchFamily="34" charset="0"/>
+              <a:buChar char="•"/>
+              <a:defRPr sz="1400" kern="1200">
+                <a:solidFill>
+                  <a:schemeClr val="tx1"/>
+                </a:solidFill>
+                <a:latin typeface="微软雅黑" panose="020B0503020204020204" pitchFamily="34" charset="-122"/>
+                <a:ea typeface="微软雅黑" panose="020B0503020204020204" pitchFamily="34" charset="-122"/>
+                <a:cs typeface="+mn-cs"/>
+                <a:sym typeface="Calibri" panose="020F0502020204030204" pitchFamily="34" charset="0"/>
+              </a:defRPr>
+            </a:lvl5pPr>
+            <a:lvl6pPr marL="3352800" lvl="5" indent="-304800" algn="l" defTabSz="913765" eaLnBrk="1" fontAlgn="base" latinLnBrk="0" hangingPunct="1">
+              <a:lnSpc>
+                <a:spcPct val="90000"/>
+              </a:lnSpc>
+              <a:spcBef>
+                <a:spcPts val="500"/>
+              </a:spcBef>
+              <a:spcAft>
+                <a:spcPct val="0"/>
+              </a:spcAft>
+              <a:buFont typeface="Arial" panose="020B0604020202020204" pitchFamily="34" charset="0"/>
+              <a:buChar char="•"/>
+              <a:defRPr sz="1735" kern="1200">
+                <a:solidFill>
+                  <a:schemeClr val="tx1"/>
+                </a:solidFill>
+                <a:latin typeface="+mn-lt"/>
+                <a:ea typeface="+mn-ea"/>
+                <a:cs typeface="+mn-cs"/>
+                <a:sym typeface="Calibri" panose="020F0502020204030204" pitchFamily="34" charset="0"/>
+              </a:defRPr>
+            </a:lvl6pPr>
+            <a:lvl7pPr marL="3962400" lvl="6" indent="-304800" algn="l" defTabSz="913765" eaLnBrk="1" fontAlgn="base" latinLnBrk="0" hangingPunct="1">
+              <a:lnSpc>
+                <a:spcPct val="90000"/>
+              </a:lnSpc>
+              <a:spcBef>
+                <a:spcPts val="500"/>
+              </a:spcBef>
+              <a:spcAft>
+                <a:spcPct val="0"/>
+              </a:spcAft>
+              <a:buFont typeface="Arial" panose="020B0604020202020204" pitchFamily="34" charset="0"/>
+              <a:buChar char="•"/>
+              <a:defRPr sz="1735" kern="1200">
+                <a:solidFill>
+                  <a:schemeClr val="tx1"/>
+                </a:solidFill>
+                <a:latin typeface="+mn-lt"/>
+                <a:ea typeface="+mn-ea"/>
+                <a:cs typeface="+mn-cs"/>
+                <a:sym typeface="Calibri" panose="020F0502020204030204" pitchFamily="34" charset="0"/>
+              </a:defRPr>
+            </a:lvl7pPr>
+            <a:lvl8pPr marL="4572000" lvl="7" indent="-304800" algn="l" defTabSz="913765" eaLnBrk="1" fontAlgn="base" latinLnBrk="0" hangingPunct="1">
+              <a:lnSpc>
+                <a:spcPct val="90000"/>
+              </a:lnSpc>
+              <a:spcBef>
+                <a:spcPts val="500"/>
+              </a:spcBef>
+              <a:spcAft>
+                <a:spcPct val="0"/>
+              </a:spcAft>
+              <a:buFont typeface="Arial" panose="020B0604020202020204" pitchFamily="34" charset="0"/>
+              <a:buChar char="•"/>
+              <a:defRPr sz="1735" kern="1200">
+                <a:solidFill>
+                  <a:schemeClr val="tx1"/>
+                </a:solidFill>
+                <a:latin typeface="+mn-lt"/>
+                <a:ea typeface="+mn-ea"/>
+                <a:cs typeface="+mn-cs"/>
+                <a:sym typeface="Calibri" panose="020F0502020204030204" pitchFamily="34" charset="0"/>
+              </a:defRPr>
+            </a:lvl8pPr>
+            <a:lvl9pPr marL="5181600" lvl="8" indent="-304800" algn="l" defTabSz="913765" eaLnBrk="1" fontAlgn="base" latinLnBrk="0" hangingPunct="1">
+              <a:lnSpc>
+                <a:spcPct val="90000"/>
+              </a:lnSpc>
+              <a:spcBef>
+                <a:spcPts val="500"/>
+              </a:spcBef>
+              <a:spcAft>
+                <a:spcPct val="0"/>
+              </a:spcAft>
+              <a:buFont typeface="Arial" panose="020B0604020202020204" pitchFamily="34" charset="0"/>
+              <a:buChar char="•"/>
+              <a:defRPr sz="1735" kern="1200">
+                <a:solidFill>
+                  <a:schemeClr val="tx1"/>
+                </a:solidFill>
+                <a:latin typeface="+mn-lt"/>
+                <a:ea typeface="+mn-ea"/>
+                <a:cs typeface="+mn-cs"/>
+                <a:sym typeface="Calibri" panose="020F0502020204030204" pitchFamily="34" charset="0"/>
+              </a:defRPr>
+            </a:lvl9pPr>
+          </a:lstStyle>
+          <a:p>
+            <a:r>
+              <a:rPr lang="en-US" altLang="zh-CN" dirty="0" err="1"/>
+              <a:t>GoldenDB</a:t>
+            </a:r>
+            <a:r>
+              <a:rPr lang="zh-CN" altLang="en-US" dirty="0"/>
+              <a:t>的分布式查询优化器</a:t>
+            </a:r>
+            <a:r>
+              <a:rPr lang="zh-CN" altLang="en-US" dirty="0">
+                <a:solidFill>
+                  <a:srgbClr val="FF0000"/>
+                </a:solidFill>
+              </a:rPr>
+              <a:t>以基于规则的优化为主，基于成本的优化为辅</a:t>
+            </a:r>
+            <a:r>
+              <a:rPr lang="zh-CN" altLang="en-US" dirty="0"/>
+              <a:t>。</a:t>
+            </a:r>
+            <a:endParaRPr lang="en-US" altLang="zh-CN" dirty="0"/>
+          </a:p>
+        </p:txBody>
+      </p:sp>
+    </p:spTree>
+    <p:extLst>
+      <p:ext uri="{BB962C8B-B14F-4D97-AF65-F5344CB8AC3E}">
+        <p14:creationId xmlns:p14="http://schemas.microsoft.com/office/powerpoint/2010/main" val="286796443"/>
+      </p:ext>
+    </p:extLst>
+  </p:cSld>
+  <p:clrMapOvr>
+    <a:masterClrMapping/>
+  </p:clrMapOvr>
+</p:sld>
+</file>
+
+<file path=ppt/slides/slide41.xml><?xml version="1.0" encoding="utf-8"?>
+<p:sld xmlns:a="http://schemas.openxmlformats.org/drawingml/2006/main" xmlns:r="http://schemas.openxmlformats.org/officeDocument/2006/relationships" xmlns:p="http://schemas.openxmlformats.org/presentationml/2006/main">
+  <p:cSld>
+    <p:spTree>
+      <p:nvGrpSpPr>
+        <p:cNvPr id="1" name=""/>
+        <p:cNvGrpSpPr/>
+        <p:nvPr/>
+      </p:nvGrpSpPr>
+      <p:grpSpPr>
+        <a:xfrm>
+          <a:off x="0" y="0"/>
+          <a:ext cx="0" cy="0"/>
+          <a:chOff x="0" y="0"/>
+          <a:chExt cx="0" cy="0"/>
+        </a:xfrm>
+      </p:grpSpPr>
+      <p:sp>
+        <p:nvSpPr>
+          <p:cNvPr id="19" name="标题 18"/>
+          <p:cNvSpPr>
+            <a:spLocks noGrp="1"/>
+          </p:cNvSpPr>
+          <p:nvPr>
+            <p:ph type="title"/>
+          </p:nvPr>
+        </p:nvSpPr>
+        <p:spPr/>
+        <p:txBody>
+          <a:bodyPr/>
+          <a:lstStyle/>
+          <a:p>
+            <a:r>
+              <a:rPr lang="en-US" altLang="zh-CN" dirty="0"/>
+              <a:t>6.2 </a:t>
+            </a:r>
+            <a:r>
+              <a:rPr lang="zh-CN" altLang="en-US" dirty="0"/>
+              <a:t>分布式</a:t>
+            </a:r>
+            <a:r>
+              <a:rPr lang="en-US" altLang="zh-CN" dirty="0"/>
+              <a:t>SQL</a:t>
+            </a:r>
+            <a:r>
+              <a:rPr lang="zh-CN" altLang="en-US" dirty="0"/>
+              <a:t>优化器（续）</a:t>
+            </a:r>
+            <a:endParaRPr lang="zh-CN" altLang="zh-CN" dirty="0"/>
+          </a:p>
+        </p:txBody>
+      </p:sp>
+      <p:sp>
+        <p:nvSpPr>
+          <p:cNvPr id="23" name="页脚占位符 1"/>
+          <p:cNvSpPr>
+            <a:spLocks noGrp="1"/>
+          </p:cNvSpPr>
+          <p:nvPr>
+            <p:ph type="ftr" sz="quarter" idx="11"/>
+          </p:nvPr>
+        </p:nvSpPr>
+        <p:spPr>
+          <a:xfrm>
+            <a:off x="3719736" y="6482667"/>
+            <a:ext cx="4752528" cy="366713"/>
+          </a:xfrm>
+        </p:spPr>
+        <p:txBody>
+          <a:bodyPr/>
+          <a:lstStyle/>
+          <a:p>
+            <a:pPr>
+              <a:defRPr/>
+            </a:pPr>
+            <a:r>
+              <a:rPr lang="en-US" altLang="zh-CN" dirty="0" err="1"/>
+              <a:t>版权归</a:t>
+            </a:r>
+            <a:r>
+              <a:rPr lang="en-US" altLang="zh-CN" dirty="0"/>
+              <a:t>© 2022 Tencent, </a:t>
+            </a:r>
+            <a:r>
+              <a:rPr lang="en-US" altLang="zh-CN" dirty="0" err="1"/>
+              <a:t>Inc.或其附属公司所有</a:t>
+            </a:r>
+            <a:r>
+              <a:rPr lang="en-US" altLang="zh-CN" dirty="0"/>
+              <a:t> </a:t>
+            </a:r>
+            <a:r>
+              <a:rPr lang="en-US" altLang="zh-CN" dirty="0" err="1"/>
+              <a:t>保留所有权利</a:t>
+            </a:r>
+            <a:r>
+              <a:rPr lang="en-US" altLang="zh-CN" dirty="0"/>
+              <a:t> </a:t>
+            </a:r>
+          </a:p>
+        </p:txBody>
+      </p:sp>
       <p:pic>
         <p:nvPicPr>
           <p:cNvPr id="5" name="图片 4" descr="日程表&#10;&#10;描述已自动生成">
@@ -24859,7 +25945,7 @@
     </p:spTree>
     <p:extLst>
       <p:ext uri="{BB962C8B-B14F-4D97-AF65-F5344CB8AC3E}">
-        <p14:creationId xmlns:p14="http://schemas.microsoft.com/office/powerpoint/2010/main" val="286796443"/>
+        <p14:creationId xmlns:p14="http://schemas.microsoft.com/office/powerpoint/2010/main" val="4035491385"/>
       </p:ext>
     </p:extLst>
   </p:cSld>
@@ -24869,7 +25955,7 @@
 </p:sld>
 </file>
 
-<file path=ppt/slides/slide41.xml><?xml version="1.0" encoding="utf-8"?>
+<file path=ppt/slides/slide42.xml><?xml version="1.0" encoding="utf-8"?>
 <p:sld xmlns:a="http://schemas.openxmlformats.org/drawingml/2006/main" xmlns:r="http://schemas.openxmlformats.org/officeDocument/2006/relationships" xmlns:p="http://schemas.openxmlformats.org/presentationml/2006/main">
   <p:cSld>
     <p:spTree>
@@ -25926,7 +27012,7 @@
 </p:sld>
 </file>
 
-<file path=ppt/slides/slide42.xml><?xml version="1.0" encoding="utf-8"?>
+<file path=ppt/slides/slide43.xml><?xml version="1.0" encoding="utf-8"?>
 <p:sld xmlns:a="http://schemas.openxmlformats.org/drawingml/2006/main" xmlns:r="http://schemas.openxmlformats.org/officeDocument/2006/relationships" xmlns:p="http://schemas.openxmlformats.org/presentationml/2006/main">
   <p:cSld>
     <p:spTree>
@@ -26161,7 +27247,7 @@
 </p:sld>
 </file>
 
-<file path=ppt/slides/slide43.xml><?xml version="1.0" encoding="utf-8"?>
+<file path=ppt/slides/slide44.xml><?xml version="1.0" encoding="utf-8"?>
 <p:sld xmlns:a="http://schemas.openxmlformats.org/drawingml/2006/main" xmlns:r="http://schemas.openxmlformats.org/officeDocument/2006/relationships" xmlns:p="http://schemas.openxmlformats.org/presentationml/2006/main">
   <p:cSld>
     <p:spTree>
@@ -26340,7 +27426,7 @@
 </p:sld>
 </file>
 
-<file path=ppt/slides/slide44.xml><?xml version="1.0" encoding="utf-8"?>
+<file path=ppt/slides/slide45.xml><?xml version="1.0" encoding="utf-8"?>
 <p:sld xmlns:a="http://schemas.openxmlformats.org/drawingml/2006/main" xmlns:r="http://schemas.openxmlformats.org/officeDocument/2006/relationships" xmlns:p="http://schemas.openxmlformats.org/presentationml/2006/main">
   <p:cSld>
     <p:spTree>
@@ -27616,7 +28702,7 @@
 </p:sld>
 </file>
 
-<file path=ppt/slides/slide45.xml><?xml version="1.0" encoding="utf-8"?>
+<file path=ppt/slides/slide46.xml><?xml version="1.0" encoding="utf-8"?>
 <p:sld xmlns:a="http://schemas.openxmlformats.org/drawingml/2006/main" xmlns:r="http://schemas.openxmlformats.org/officeDocument/2006/relationships" xmlns:p="http://schemas.openxmlformats.org/presentationml/2006/main">
   <p:cSld>
     <p:spTree>
@@ -27759,7 +28845,7 @@
 </p:sld>
 </file>
 
-<file path=ppt/slides/slide46.xml><?xml version="1.0" encoding="utf-8"?>
+<file path=ppt/slides/slide47.xml><?xml version="1.0" encoding="utf-8"?>
 <p:sld xmlns:a="http://schemas.openxmlformats.org/drawingml/2006/main" xmlns:r="http://schemas.openxmlformats.org/officeDocument/2006/relationships" xmlns:p="http://schemas.openxmlformats.org/presentationml/2006/main">
   <p:cSld>
     <p:spTree>
@@ -27902,7 +28988,7 @@
 </p:sld>
 </file>
 
-<file path=ppt/slides/slide47.xml><?xml version="1.0" encoding="utf-8"?>
+<file path=ppt/slides/slide48.xml><?xml version="1.0" encoding="utf-8"?>
 <p:sld xmlns:a="http://schemas.openxmlformats.org/drawingml/2006/main" xmlns:r="http://schemas.openxmlformats.org/officeDocument/2006/relationships" xmlns:p="http://schemas.openxmlformats.org/presentationml/2006/main">
   <p:cSld>
     <p:spTree>
@@ -27996,68 +29082,134 @@
           </a:p>
         </p:txBody>
       </p:sp>
-      <p:pic>
-        <p:nvPicPr>
-          <p:cNvPr id="8" name="图片 7">
+      <p:sp>
+        <p:nvSpPr>
+          <p:cNvPr id="6" name="内容占位符 2">
             <a:extLst>
               <a:ext uri="{FF2B5EF4-FFF2-40B4-BE49-F238E27FC236}">
-                <a16:creationId xmlns:a16="http://schemas.microsoft.com/office/drawing/2014/main" id="{32E0E1C4-89CB-46E1-A527-DDEA9FD4A82F}"/>
+                <a16:creationId xmlns:a16="http://schemas.microsoft.com/office/drawing/2014/main" id="{883F5C02-8E98-4BB1-8078-EDB7D057E664}"/>
               </a:ext>
             </a:extLst>
           </p:cNvPr>
-          <p:cNvPicPr/>
+          <p:cNvSpPr>
+            <a:spLocks noGrp="1"/>
+          </p:cNvSpPr>
+          <p:nvPr>
+            <p:ph idx="1"/>
+          </p:nvPr>
+        </p:nvSpPr>
+        <p:spPr>
+          <a:xfrm>
+            <a:off x="838201" y="1268760"/>
+            <a:ext cx="10658399" cy="1726882"/>
+          </a:xfrm>
+        </p:spPr>
+        <p:txBody>
+          <a:bodyPr/>
+          <a:lstStyle/>
+          <a:p>
+            <a:r>
+              <a:rPr lang="zh-CN" altLang="en-US" dirty="0"/>
+              <a:t>数据导入</a:t>
+            </a:r>
+            <a:endParaRPr lang="en-US" altLang="zh-CN" dirty="0"/>
+          </a:p>
+          <a:p>
+            <a:pPr lvl="1"/>
+            <a:r>
+              <a:rPr lang="zh-CN" altLang="en-US" dirty="0"/>
+              <a:t>基本流程：</a:t>
+            </a:r>
+            <a:r>
+              <a:rPr lang="zh-CN" altLang="zh-CN" dirty="0"/>
+              <a:t>接收导入命令请求</a:t>
+            </a:r>
+            <a:r>
+              <a:rPr lang="en-US" altLang="zh-CN" dirty="0"/>
+              <a:t>-&gt;SQL</a:t>
+            </a:r>
+            <a:r>
+              <a:rPr lang="zh-CN" altLang="zh-CN" dirty="0"/>
+              <a:t>命令语法校验</a:t>
+            </a:r>
+            <a:r>
+              <a:rPr lang="en-US" altLang="zh-CN" dirty="0"/>
+              <a:t>-&gt;</a:t>
+            </a:r>
+            <a:r>
+              <a:rPr lang="zh-CN" altLang="zh-CN" dirty="0"/>
+              <a:t>获取元数据</a:t>
+            </a:r>
+            <a:r>
+              <a:rPr lang="en-US" altLang="zh-CN" dirty="0"/>
+              <a:t>-&gt;</a:t>
+            </a:r>
+            <a:r>
+              <a:rPr lang="zh-CN" altLang="zh-CN" dirty="0"/>
+              <a:t>拆分数据文件</a:t>
+            </a:r>
+            <a:r>
+              <a:rPr lang="en-US" altLang="zh-CN" dirty="0"/>
+              <a:t>-&gt;</a:t>
+            </a:r>
+            <a:r>
+              <a:rPr lang="zh-CN" altLang="zh-CN" dirty="0"/>
+              <a:t>下载拆分数据文件</a:t>
+            </a:r>
+            <a:r>
+              <a:rPr lang="en-US" altLang="zh-CN" dirty="0"/>
+              <a:t>-&gt;</a:t>
+            </a:r>
+            <a:r>
+              <a:rPr lang="zh-CN" altLang="zh-CN" dirty="0"/>
+              <a:t>执行导入命令</a:t>
+            </a:r>
+            <a:r>
+              <a:rPr lang="en-US" altLang="zh-CN" dirty="0"/>
+              <a:t>-&gt;</a:t>
+            </a:r>
+            <a:r>
+              <a:rPr lang="zh-CN" altLang="zh-CN" dirty="0"/>
+              <a:t>删除拆分数据文件</a:t>
+            </a:r>
+            <a:endParaRPr lang="en-US" altLang="zh-CN" dirty="0"/>
+          </a:p>
+        </p:txBody>
+      </p:sp>
+      <p:pic>
+        <p:nvPicPr>
+          <p:cNvPr id="3" name="图片 2" descr="图形用户界面&#10;&#10;描述已自动生成">
+            <a:extLst>
+              <a:ext uri="{FF2B5EF4-FFF2-40B4-BE49-F238E27FC236}">
+                <a16:creationId xmlns:a16="http://schemas.microsoft.com/office/drawing/2014/main" id="{14DE4B5C-9A93-4744-87A0-42ECC532EA62}"/>
+              </a:ext>
+            </a:extLst>
+          </p:cNvPr>
+          <p:cNvPicPr>
+            <a:picLocks noChangeAspect="1"/>
+          </p:cNvPicPr>
           <p:nvPr/>
         </p:nvPicPr>
         <p:blipFill>
-          <a:blip r:embed="rId3"/>
+          <a:blip r:embed="rId3">
+            <a:extLst>
+              <a:ext uri="{28A0092B-C50C-407E-A947-70E740481C1C}">
+                <a14:useLocalDpi xmlns:a14="http://schemas.microsoft.com/office/drawing/2010/main" val="0"/>
+              </a:ext>
+            </a:extLst>
+          </a:blip>
           <a:stretch>
             <a:fillRect/>
           </a:stretch>
         </p:blipFill>
         <p:spPr>
           <a:xfrm>
-            <a:off x="838201" y="1484312"/>
-            <a:ext cx="4968239" cy="2996248"/>
+            <a:off x="2675435" y="2817555"/>
+            <a:ext cx="6653689" cy="3811230"/>
           </a:xfrm>
           <a:prstGeom prst="rect">
             <a:avLst/>
           </a:prstGeom>
-          <a:noFill/>
-          <a:ln>
-            <a:noFill/>
-          </a:ln>
-        </p:spPr>
-      </p:pic>
-      <p:pic>
-        <p:nvPicPr>
-          <p:cNvPr id="9" name="图片 8">
-            <a:extLst>
-              <a:ext uri="{FF2B5EF4-FFF2-40B4-BE49-F238E27FC236}">
-                <a16:creationId xmlns:a16="http://schemas.microsoft.com/office/drawing/2014/main" id="{42E2BCC4-4B39-4BCE-B843-8424DBD2DB30}"/>
-              </a:ext>
-            </a:extLst>
-          </p:cNvPr>
-          <p:cNvPicPr/>
-          <p:nvPr/>
-        </p:nvPicPr>
-        <p:blipFill>
-          <a:blip r:embed="rId4"/>
-          <a:stretch>
-            <a:fillRect/>
-          </a:stretch>
-        </p:blipFill>
-        <p:spPr>
-          <a:xfrm>
-            <a:off x="6438899" y="1372711"/>
-            <a:ext cx="4914900" cy="3219450"/>
-          </a:xfrm>
-          <a:prstGeom prst="rect">
-            <a:avLst/>
-          </a:prstGeom>
-          <a:noFill/>
-          <a:ln>
-            <a:noFill/>
-          </a:ln>
         </p:spPr>
       </p:pic>
     </p:spTree>
@@ -28073,7 +29225,445 @@
 </p:sld>
 </file>
 
-<file path=ppt/slides/slide48.xml><?xml version="1.0" encoding="utf-8"?>
+<file path=ppt/slides/slide49.xml><?xml version="1.0" encoding="utf-8"?>
+<p:sld xmlns:a="http://schemas.openxmlformats.org/drawingml/2006/main" xmlns:r="http://schemas.openxmlformats.org/officeDocument/2006/relationships" xmlns:p="http://schemas.openxmlformats.org/presentationml/2006/main">
+  <p:cSld>
+    <p:spTree>
+      <p:nvGrpSpPr>
+        <p:cNvPr id="1" name=""/>
+        <p:cNvGrpSpPr/>
+        <p:nvPr/>
+      </p:nvGrpSpPr>
+      <p:grpSpPr>
+        <a:xfrm>
+          <a:off x="0" y="0"/>
+          <a:ext cx="0" cy="0"/>
+          <a:chOff x="0" y="0"/>
+          <a:chExt cx="0" cy="0"/>
+        </a:xfrm>
+      </p:grpSpPr>
+      <p:sp>
+        <p:nvSpPr>
+          <p:cNvPr id="19" name="标题 18"/>
+          <p:cNvSpPr>
+            <a:spLocks noGrp="1"/>
+          </p:cNvSpPr>
+          <p:nvPr>
+            <p:ph type="title"/>
+          </p:nvPr>
+        </p:nvSpPr>
+        <p:spPr/>
+        <p:txBody>
+          <a:bodyPr/>
+          <a:lstStyle/>
+          <a:p>
+            <a:r>
+              <a:rPr lang="en-US" altLang="zh-CN" dirty="0"/>
+              <a:t>8.3 </a:t>
+            </a:r>
+            <a:r>
+              <a:rPr lang="zh-CN" altLang="en-US" dirty="0"/>
+              <a:t>导入导出（续）</a:t>
+            </a:r>
+            <a:endParaRPr lang="zh-CN" altLang="zh-CN" dirty="0"/>
+          </a:p>
+        </p:txBody>
+      </p:sp>
+      <p:sp>
+        <p:nvSpPr>
+          <p:cNvPr id="23" name="页脚占位符 1"/>
+          <p:cNvSpPr>
+            <a:spLocks noGrp="1"/>
+          </p:cNvSpPr>
+          <p:nvPr>
+            <p:ph type="ftr" sz="quarter" idx="11"/>
+          </p:nvPr>
+        </p:nvSpPr>
+        <p:spPr>
+          <a:xfrm>
+            <a:off x="3719736" y="6482667"/>
+            <a:ext cx="4752528" cy="366713"/>
+          </a:xfrm>
+        </p:spPr>
+        <p:txBody>
+          <a:bodyPr/>
+          <a:lstStyle/>
+          <a:p>
+            <a:pPr>
+              <a:defRPr/>
+            </a:pPr>
+            <a:r>
+              <a:rPr lang="en-US" altLang="zh-CN" dirty="0" err="1"/>
+              <a:t>版权归</a:t>
+            </a:r>
+            <a:r>
+              <a:rPr lang="en-US" altLang="zh-CN" dirty="0"/>
+              <a:t>© 2022 Tencent, </a:t>
+            </a:r>
+            <a:r>
+              <a:rPr lang="en-US" altLang="zh-CN" dirty="0" err="1"/>
+              <a:t>Inc.或其附属公司所有</a:t>
+            </a:r>
+            <a:r>
+              <a:rPr lang="en-US" altLang="zh-CN" dirty="0"/>
+              <a:t> </a:t>
+            </a:r>
+            <a:r>
+              <a:rPr lang="en-US" altLang="zh-CN" dirty="0" err="1"/>
+              <a:t>保留所有权利</a:t>
+            </a:r>
+            <a:r>
+              <a:rPr lang="en-US" altLang="zh-CN" dirty="0"/>
+              <a:t> </a:t>
+            </a:r>
+          </a:p>
+        </p:txBody>
+      </p:sp>
+      <p:sp>
+        <p:nvSpPr>
+          <p:cNvPr id="6" name="内容占位符 2">
+            <a:extLst>
+              <a:ext uri="{FF2B5EF4-FFF2-40B4-BE49-F238E27FC236}">
+                <a16:creationId xmlns:a16="http://schemas.microsoft.com/office/drawing/2014/main" id="{883F5C02-8E98-4BB1-8078-EDB7D057E664}"/>
+              </a:ext>
+            </a:extLst>
+          </p:cNvPr>
+          <p:cNvSpPr>
+            <a:spLocks noGrp="1"/>
+          </p:cNvSpPr>
+          <p:nvPr>
+            <p:ph idx="1"/>
+          </p:nvPr>
+        </p:nvSpPr>
+        <p:spPr>
+          <a:xfrm>
+            <a:off x="838201" y="1027534"/>
+            <a:ext cx="10658399" cy="1726882"/>
+          </a:xfrm>
+        </p:spPr>
+        <p:txBody>
+          <a:bodyPr/>
+          <a:lstStyle/>
+          <a:p>
+            <a:r>
+              <a:rPr lang="zh-CN" altLang="en-US" dirty="0"/>
+              <a:t>数据导出</a:t>
+            </a:r>
+            <a:endParaRPr lang="en-US" altLang="zh-CN" dirty="0"/>
+          </a:p>
+          <a:p>
+            <a:pPr lvl="1"/>
+            <a:r>
+              <a:rPr lang="zh-CN" altLang="en-US" dirty="0"/>
+              <a:t>基本流程：接收导出命令请求</a:t>
+            </a:r>
+            <a:r>
+              <a:rPr lang="en-US" altLang="zh-CN" dirty="0"/>
+              <a:t>-&gt;SQL</a:t>
+            </a:r>
+            <a:r>
+              <a:rPr lang="zh-CN" altLang="en-US" dirty="0"/>
+              <a:t>命令语法校验</a:t>
+            </a:r>
+            <a:r>
+              <a:rPr lang="en-US" altLang="zh-CN" dirty="0"/>
+              <a:t>-&gt;</a:t>
+            </a:r>
+            <a:r>
+              <a:rPr lang="zh-CN" altLang="en-US" dirty="0"/>
+              <a:t>获取元数据</a:t>
+            </a:r>
+            <a:r>
+              <a:rPr lang="en-US" altLang="zh-CN" dirty="0"/>
+              <a:t>-&gt;</a:t>
+            </a:r>
+            <a:r>
+              <a:rPr lang="zh-CN" altLang="en-US" dirty="0"/>
+              <a:t>执行导出命令</a:t>
+            </a:r>
+            <a:r>
+              <a:rPr lang="en-US" altLang="zh-CN" dirty="0"/>
+              <a:t>-&gt;</a:t>
+            </a:r>
+            <a:r>
+              <a:rPr lang="zh-CN" altLang="en-US" dirty="0"/>
+              <a:t>上传数据文件</a:t>
+            </a:r>
+            <a:r>
+              <a:rPr lang="en-US" altLang="zh-CN" dirty="0"/>
+              <a:t>-&gt;</a:t>
+            </a:r>
+            <a:r>
+              <a:rPr lang="zh-CN" altLang="en-US" dirty="0"/>
+              <a:t>汇总数据文件</a:t>
+            </a:r>
+            <a:r>
+              <a:rPr lang="en-US" altLang="zh-CN" dirty="0"/>
+              <a:t>-&gt;</a:t>
+            </a:r>
+            <a:r>
+              <a:rPr lang="zh-CN" altLang="en-US" dirty="0"/>
+              <a:t>删除导出数据文件</a:t>
+            </a:r>
+            <a:endParaRPr lang="en-US" altLang="zh-CN" dirty="0"/>
+          </a:p>
+        </p:txBody>
+      </p:sp>
+      <p:pic>
+        <p:nvPicPr>
+          <p:cNvPr id="7" name="图片 6" descr="图形用户界面&#10;&#10;描述已自动生成">
+            <a:extLst>
+              <a:ext uri="{FF2B5EF4-FFF2-40B4-BE49-F238E27FC236}">
+                <a16:creationId xmlns:a16="http://schemas.microsoft.com/office/drawing/2014/main" id="{94F55271-FB96-4434-AE66-0AED00854822}"/>
+              </a:ext>
+            </a:extLst>
+          </p:cNvPr>
+          <p:cNvPicPr>
+            <a:picLocks noChangeAspect="1"/>
+          </p:cNvPicPr>
+          <p:nvPr/>
+        </p:nvPicPr>
+        <p:blipFill>
+          <a:blip r:embed="rId3">
+            <a:extLst>
+              <a:ext uri="{28A0092B-C50C-407E-A947-70E740481C1C}">
+                <a14:useLocalDpi xmlns:a14="http://schemas.microsoft.com/office/drawing/2010/main" val="0"/>
+              </a:ext>
+            </a:extLst>
+          </a:blip>
+          <a:stretch>
+            <a:fillRect/>
+          </a:stretch>
+        </p:blipFill>
+        <p:spPr>
+          <a:xfrm>
+            <a:off x="2929417" y="2476601"/>
+            <a:ext cx="5638679" cy="4283882"/>
+          </a:xfrm>
+          <a:prstGeom prst="rect">
+            <a:avLst/>
+          </a:prstGeom>
+        </p:spPr>
+      </p:pic>
+    </p:spTree>
+    <p:extLst>
+      <p:ext uri="{BB962C8B-B14F-4D97-AF65-F5344CB8AC3E}">
+        <p14:creationId xmlns:p14="http://schemas.microsoft.com/office/powerpoint/2010/main" val="4087850368"/>
+      </p:ext>
+    </p:extLst>
+  </p:cSld>
+  <p:clrMapOvr>
+    <a:masterClrMapping/>
+  </p:clrMapOvr>
+</p:sld>
+</file>
+
+<file path=ppt/slides/slide5.xml><?xml version="1.0" encoding="utf-8"?>
+<p:sld xmlns:a="http://schemas.openxmlformats.org/drawingml/2006/main" xmlns:r="http://schemas.openxmlformats.org/officeDocument/2006/relationships" xmlns:p="http://schemas.openxmlformats.org/presentationml/2006/main">
+  <p:cSld>
+    <p:spTree>
+      <p:nvGrpSpPr>
+        <p:cNvPr id="1" name=""/>
+        <p:cNvGrpSpPr/>
+        <p:nvPr/>
+      </p:nvGrpSpPr>
+      <p:grpSpPr>
+        <a:xfrm>
+          <a:off x="0" y="0"/>
+          <a:ext cx="0" cy="0"/>
+          <a:chOff x="0" y="0"/>
+          <a:chExt cx="0" cy="0"/>
+        </a:xfrm>
+      </p:grpSpPr>
+      <p:sp>
+        <p:nvSpPr>
+          <p:cNvPr id="2" name="标题 1"/>
+          <p:cNvSpPr>
+            <a:spLocks noGrp="1"/>
+          </p:cNvSpPr>
+          <p:nvPr>
+            <p:ph type="title"/>
+          </p:nvPr>
+        </p:nvSpPr>
+        <p:spPr/>
+        <p:txBody>
+          <a:bodyPr/>
+          <a:lstStyle/>
+          <a:p>
+            <a:r>
+              <a:rPr lang="en-US" altLang="zh-CN" dirty="0"/>
+              <a:t>1.1 </a:t>
+            </a:r>
+            <a:r>
+              <a:rPr lang="zh-CN" altLang="en-US" dirty="0">
+                <a:solidFill>
+                  <a:srgbClr val="01ACF1"/>
+                </a:solidFill>
+                <a:cs typeface="+mn-ea"/>
+                <a:sym typeface="+mn-lt"/>
+              </a:rPr>
+              <a:t>应用场景</a:t>
+            </a:r>
+            <a:endParaRPr lang="zh-CN" altLang="en-US" dirty="0"/>
+          </a:p>
+        </p:txBody>
+      </p:sp>
+      <p:sp>
+        <p:nvSpPr>
+          <p:cNvPr id="3" name="内容占位符 2"/>
+          <p:cNvSpPr>
+            <a:spLocks noGrp="1"/>
+          </p:cNvSpPr>
+          <p:nvPr>
+            <p:ph idx="1"/>
+          </p:nvPr>
+        </p:nvSpPr>
+        <p:spPr>
+          <a:xfrm>
+            <a:off x="838201" y="1268760"/>
+            <a:ext cx="10658399" cy="3729960"/>
+          </a:xfrm>
+        </p:spPr>
+        <p:txBody>
+          <a:bodyPr/>
+          <a:lstStyle/>
+          <a:p>
+            <a:r>
+              <a:rPr lang="zh-CN" altLang="en-US" dirty="0"/>
+              <a:t>应用场景</a:t>
+            </a:r>
+            <a:endParaRPr lang="en-US" altLang="zh-CN" dirty="0"/>
+          </a:p>
+          <a:p>
+            <a:pPr lvl="1"/>
+            <a:r>
+              <a:rPr lang="zh-CN" altLang="en-US" dirty="0"/>
+              <a:t>银行、金融、证券、电信领域核心业务。</a:t>
+            </a:r>
+            <a:endParaRPr lang="en-US" altLang="zh-CN" dirty="0"/>
+          </a:p>
+          <a:p>
+            <a:pPr lvl="1"/>
+            <a:r>
+              <a:rPr lang="en-US" altLang="zh-CN" dirty="0"/>
+              <a:t>OLTP</a:t>
+            </a:r>
+            <a:r>
+              <a:rPr lang="zh-CN" altLang="en-US" dirty="0"/>
+              <a:t>业务场景（</a:t>
+            </a:r>
+            <a:r>
+              <a:rPr lang="en-US" altLang="zh-CN" dirty="0"/>
+              <a:t>OLAP</a:t>
+            </a:r>
+            <a:r>
+              <a:rPr lang="zh-CN" altLang="en-US" dirty="0"/>
+              <a:t>引擎基于</a:t>
+            </a:r>
+            <a:r>
+              <a:rPr lang="en-US" altLang="zh-CN" dirty="0"/>
+              <a:t>presto</a:t>
+            </a:r>
+            <a:r>
+              <a:rPr lang="zh-CN" altLang="en-US" dirty="0"/>
+              <a:t>实现，暂无法商用）</a:t>
+            </a:r>
+          </a:p>
+          <a:p>
+            <a:pPr lvl="1"/>
+            <a:endParaRPr lang="en-US" altLang="zh-CN" dirty="0"/>
+          </a:p>
+          <a:p>
+            <a:pPr lvl="1"/>
+            <a:endParaRPr lang="zh-CN" altLang="en-US" dirty="0">
+              <a:solidFill>
+                <a:srgbClr val="0000FF"/>
+              </a:solidFill>
+              <a:sym typeface="+mn-ea"/>
+            </a:endParaRPr>
+          </a:p>
+          <a:p>
+            <a:pPr lvl="1"/>
+            <a:endParaRPr lang="en-US" altLang="zh-CN" dirty="0"/>
+          </a:p>
+          <a:p>
+            <a:pPr lvl="1"/>
+            <a:endParaRPr lang="zh-CN" altLang="en-US" dirty="0"/>
+          </a:p>
+          <a:p>
+            <a:pPr lvl="1"/>
+            <a:endParaRPr lang="zh-CN" altLang="en-US" dirty="0"/>
+          </a:p>
+          <a:p>
+            <a:pPr lvl="1"/>
+            <a:endParaRPr lang="zh-CN" altLang="en-US" dirty="0"/>
+          </a:p>
+          <a:p>
+            <a:pPr lvl="1"/>
+            <a:endParaRPr lang="en-US" altLang="zh-CN" dirty="0"/>
+          </a:p>
+          <a:p>
+            <a:pPr marL="480695" lvl="1" indent="0">
+              <a:buNone/>
+            </a:pPr>
+            <a:endParaRPr lang="zh-CN" altLang="en-US" dirty="0"/>
+          </a:p>
+        </p:txBody>
+      </p:sp>
+      <p:sp>
+        <p:nvSpPr>
+          <p:cNvPr id="4" name="页脚占位符 3"/>
+          <p:cNvSpPr>
+            <a:spLocks noGrp="1"/>
+          </p:cNvSpPr>
+          <p:nvPr>
+            <p:ph type="ftr" sz="quarter" idx="11"/>
+          </p:nvPr>
+        </p:nvSpPr>
+        <p:spPr/>
+        <p:txBody>
+          <a:bodyPr/>
+          <a:lstStyle/>
+          <a:p>
+            <a:pPr>
+              <a:defRPr/>
+            </a:pPr>
+            <a:r>
+              <a:rPr lang="en-US" altLang="zh-CN" dirty="0" err="1"/>
+              <a:t>版权归</a:t>
+            </a:r>
+            <a:r>
+              <a:rPr lang="en-US" altLang="zh-CN" dirty="0"/>
+              <a:t>© 2022 Tencent, </a:t>
+            </a:r>
+            <a:r>
+              <a:rPr lang="en-US" altLang="zh-CN" dirty="0" err="1"/>
+              <a:t>Inc.或其附属公司所有</a:t>
+            </a:r>
+            <a:r>
+              <a:rPr lang="en-US" altLang="zh-CN" dirty="0"/>
+              <a:t> </a:t>
+            </a:r>
+            <a:r>
+              <a:rPr lang="en-US" altLang="zh-CN" dirty="0" err="1"/>
+              <a:t>保留所有权利</a:t>
+            </a:r>
+            <a:r>
+              <a:rPr lang="en-US" altLang="zh-CN" dirty="0"/>
+              <a:t> </a:t>
+            </a:r>
+          </a:p>
+        </p:txBody>
+      </p:sp>
+    </p:spTree>
+  </p:cSld>
+  <p:clrMapOvr>
+    <a:masterClrMapping/>
+  </p:clrMapOvr>
+</p:sld>
+</file>
+
+<file path=ppt/slides/slide50.xml><?xml version="1.0" encoding="utf-8"?>
 <p:sld xmlns:a="http://schemas.openxmlformats.org/drawingml/2006/main" xmlns:r="http://schemas.openxmlformats.org/officeDocument/2006/relationships" xmlns:p="http://schemas.openxmlformats.org/presentationml/2006/main">
   <p:cSld>
     <p:spTree>
@@ -29118,7 +30708,7 @@
 </p:sld>
 </file>
 
-<file path=ppt/slides/slide49.xml><?xml version="1.0" encoding="utf-8"?>
+<file path=ppt/slides/slide51.xml><?xml version="1.0" encoding="utf-8"?>
 <p:sld xmlns:a="http://schemas.openxmlformats.org/drawingml/2006/main" xmlns:r="http://schemas.openxmlformats.org/officeDocument/2006/relationships" xmlns:p="http://schemas.openxmlformats.org/presentationml/2006/main">
   <p:cSld>
     <p:spTree>
@@ -29262,212 +30852,7 @@
 </p:sld>
 </file>
 
-<file path=ppt/slides/slide5.xml><?xml version="1.0" encoding="utf-8"?>
-<p:sld xmlns:a="http://schemas.openxmlformats.org/drawingml/2006/main" xmlns:r="http://schemas.openxmlformats.org/officeDocument/2006/relationships" xmlns:p="http://schemas.openxmlformats.org/presentationml/2006/main">
-  <p:cSld>
-    <p:spTree>
-      <p:nvGrpSpPr>
-        <p:cNvPr id="1" name=""/>
-        <p:cNvGrpSpPr/>
-        <p:nvPr/>
-      </p:nvGrpSpPr>
-      <p:grpSpPr>
-        <a:xfrm>
-          <a:off x="0" y="0"/>
-          <a:ext cx="0" cy="0"/>
-          <a:chOff x="0" y="0"/>
-          <a:chExt cx="0" cy="0"/>
-        </a:xfrm>
-      </p:grpSpPr>
-      <p:sp>
-        <p:nvSpPr>
-          <p:cNvPr id="2" name="标题 1"/>
-          <p:cNvSpPr>
-            <a:spLocks noGrp="1"/>
-          </p:cNvSpPr>
-          <p:nvPr>
-            <p:ph type="title"/>
-          </p:nvPr>
-        </p:nvSpPr>
-        <p:spPr/>
-        <p:txBody>
-          <a:bodyPr/>
-          <a:lstStyle/>
-          <a:p>
-            <a:r>
-              <a:rPr lang="en-US" altLang="zh-CN" dirty="0"/>
-              <a:t>1.1 </a:t>
-            </a:r>
-            <a:r>
-              <a:rPr lang="zh-CN" altLang="en-US" dirty="0">
-                <a:solidFill>
-                  <a:srgbClr val="01ACF1"/>
-                </a:solidFill>
-                <a:cs typeface="+mn-ea"/>
-                <a:sym typeface="+mn-lt"/>
-              </a:rPr>
-              <a:t>应用场景</a:t>
-            </a:r>
-            <a:endParaRPr lang="zh-CN" altLang="en-US" dirty="0"/>
-          </a:p>
-        </p:txBody>
-      </p:sp>
-      <p:sp>
-        <p:nvSpPr>
-          <p:cNvPr id="3" name="内容占位符 2"/>
-          <p:cNvSpPr>
-            <a:spLocks noGrp="1"/>
-          </p:cNvSpPr>
-          <p:nvPr>
-            <p:ph idx="1"/>
-          </p:nvPr>
-        </p:nvSpPr>
-        <p:spPr>
-          <a:xfrm>
-            <a:off x="838201" y="1268760"/>
-            <a:ext cx="10658399" cy="3729960"/>
-          </a:xfrm>
-        </p:spPr>
-        <p:txBody>
-          <a:bodyPr/>
-          <a:lstStyle/>
-          <a:p>
-            <a:r>
-              <a:rPr lang="zh-CN" altLang="en-US" dirty="0"/>
-              <a:t>应用场景</a:t>
-            </a:r>
-            <a:endParaRPr lang="en-US" altLang="zh-CN" dirty="0"/>
-          </a:p>
-          <a:p>
-            <a:pPr lvl="1"/>
-            <a:r>
-              <a:rPr lang="zh-CN" altLang="en-US" dirty="0"/>
-              <a:t>银行、金融、证券、电信领域核心业务。</a:t>
-            </a:r>
-            <a:endParaRPr lang="en-US" altLang="zh-CN" dirty="0"/>
-          </a:p>
-          <a:p>
-            <a:pPr lvl="1"/>
-            <a:r>
-              <a:rPr lang="en-US" altLang="zh-CN" dirty="0"/>
-              <a:t>OLTP</a:t>
-            </a:r>
-            <a:r>
-              <a:rPr lang="zh-CN" altLang="en-US" dirty="0"/>
-              <a:t>业务场景（</a:t>
-            </a:r>
-            <a:r>
-              <a:rPr lang="en-US" altLang="zh-CN" dirty="0"/>
-              <a:t>OLAP</a:t>
-            </a:r>
-            <a:r>
-              <a:rPr lang="zh-CN" altLang="en-US" dirty="0"/>
-              <a:t>引擎基于</a:t>
-            </a:r>
-            <a:r>
-              <a:rPr lang="en-US" altLang="zh-CN" dirty="0"/>
-              <a:t>presto</a:t>
-            </a:r>
-            <a:r>
-              <a:rPr lang="zh-CN" altLang="en-US" dirty="0"/>
-              <a:t>实现，暂无法商用）</a:t>
-            </a:r>
-          </a:p>
-          <a:p>
-            <a:pPr lvl="1"/>
-            <a:endParaRPr lang="en-US" altLang="zh-CN" dirty="0"/>
-          </a:p>
-          <a:p>
-            <a:pPr lvl="1"/>
-            <a:endParaRPr lang="zh-CN" altLang="en-US" dirty="0">
-              <a:solidFill>
-                <a:srgbClr val="0000FF"/>
-              </a:solidFill>
-              <a:sym typeface="+mn-ea"/>
-            </a:endParaRPr>
-          </a:p>
-          <a:p>
-            <a:pPr lvl="1"/>
-            <a:endParaRPr lang="en-US" altLang="zh-CN" dirty="0"/>
-          </a:p>
-          <a:p>
-            <a:pPr lvl="1"/>
-            <a:endParaRPr lang="zh-CN" altLang="en-US" dirty="0"/>
-          </a:p>
-          <a:p>
-            <a:pPr lvl="1"/>
-            <a:endParaRPr lang="zh-CN" altLang="en-US" dirty="0"/>
-          </a:p>
-          <a:p>
-            <a:pPr lvl="1"/>
-            <a:endParaRPr lang="zh-CN" altLang="en-US" dirty="0"/>
-          </a:p>
-          <a:p>
-            <a:pPr lvl="1"/>
-            <a:endParaRPr lang="en-US" altLang="zh-CN" dirty="0"/>
-          </a:p>
-          <a:p>
-            <a:pPr marL="480695" lvl="1" indent="0">
-              <a:buNone/>
-            </a:pPr>
-            <a:endParaRPr lang="zh-CN" altLang="en-US" dirty="0"/>
-          </a:p>
-        </p:txBody>
-      </p:sp>
-      <p:sp>
-        <p:nvSpPr>
-          <p:cNvPr id="4" name="页脚占位符 3"/>
-          <p:cNvSpPr>
-            <a:spLocks noGrp="1"/>
-          </p:cNvSpPr>
-          <p:nvPr>
-            <p:ph type="ftr" sz="quarter" idx="11"/>
-          </p:nvPr>
-        </p:nvSpPr>
-        <p:spPr/>
-        <p:txBody>
-          <a:bodyPr/>
-          <a:lstStyle/>
-          <a:p>
-            <a:pPr>
-              <a:defRPr/>
-            </a:pPr>
-            <a:r>
-              <a:rPr lang="en-US" altLang="zh-CN" dirty="0" err="1"/>
-              <a:t>版权归</a:t>
-            </a:r>
-            <a:r>
-              <a:rPr lang="en-US" altLang="zh-CN" dirty="0"/>
-              <a:t>© 2022 Tencent, </a:t>
-            </a:r>
-            <a:r>
-              <a:rPr lang="en-US" altLang="zh-CN" dirty="0" err="1"/>
-              <a:t>Inc.或其附属公司所有</a:t>
-            </a:r>
-            <a:r>
-              <a:rPr lang="en-US" altLang="zh-CN" dirty="0"/>
-              <a:t> </a:t>
-            </a:r>
-            <a:r>
-              <a:rPr lang="en-US" altLang="zh-CN" dirty="0" err="1"/>
-              <a:t>保留所有权利</a:t>
-            </a:r>
-            <a:r>
-              <a:rPr lang="en-US" altLang="zh-CN" dirty="0"/>
-              <a:t> </a:t>
-            </a:r>
-          </a:p>
-        </p:txBody>
-      </p:sp>
-    </p:spTree>
-  </p:cSld>
-  <p:clrMapOvr>
-    <a:masterClrMapping/>
-  </p:clrMapOvr>
-</p:sld>
-</file>
-
-<file path=ppt/slides/slide50.xml><?xml version="1.0" encoding="utf-8"?>
+<file path=ppt/slides/slide52.xml><?xml version="1.0" encoding="utf-8"?>
 <p:sld xmlns:a="http://schemas.openxmlformats.org/drawingml/2006/main" xmlns:r="http://schemas.openxmlformats.org/officeDocument/2006/relationships" xmlns:p="http://schemas.openxmlformats.org/presentationml/2006/main">
   <p:cSld>
     <p:spTree>
@@ -29611,7 +30996,7 @@
 </p:sld>
 </file>
 
-<file path=ppt/slides/slide51.xml><?xml version="1.0" encoding="utf-8"?>
+<file path=ppt/slides/slide53.xml><?xml version="1.0" encoding="utf-8"?>
 <p:sld xmlns:a="http://schemas.openxmlformats.org/drawingml/2006/main" xmlns:r="http://schemas.openxmlformats.org/officeDocument/2006/relationships" xmlns:p="http://schemas.openxmlformats.org/presentationml/2006/main">
   <p:cSld>
     <p:spTree>
@@ -30668,7 +32053,7 @@
 </p:sld>
 </file>
 
-<file path=ppt/slides/slide52.xml><?xml version="1.0" encoding="utf-8"?>
+<file path=ppt/slides/slide54.xml><?xml version="1.0" encoding="utf-8"?>
 <p:sld xmlns:a="http://schemas.openxmlformats.org/drawingml/2006/main" xmlns:r="http://schemas.openxmlformats.org/officeDocument/2006/relationships" xmlns:p="http://schemas.openxmlformats.org/presentationml/2006/main">
   <p:cSld>
     <p:spTree>
@@ -30931,7 +32316,7 @@
 </p:sld>
 </file>
 
-<file path=ppt/slides/slide53.xml><?xml version="1.0" encoding="utf-8"?>
+<file path=ppt/slides/slide55.xml><?xml version="1.0" encoding="utf-8"?>
 <p:sld xmlns:a="http://schemas.openxmlformats.org/drawingml/2006/main" xmlns:r="http://schemas.openxmlformats.org/officeDocument/2006/relationships" xmlns:p="http://schemas.openxmlformats.org/presentationml/2006/main">
   <p:cSld>
     <p:spTree>
@@ -31163,7 +32548,7 @@
 </p:sld>
 </file>
 
-<file path=ppt/slides/slide54.xml><?xml version="1.0" encoding="utf-8"?>
+<file path=ppt/slides/slide56.xml><?xml version="1.0" encoding="utf-8"?>
 <p:sld xmlns:a="http://schemas.openxmlformats.org/drawingml/2006/main" xmlns:r="http://schemas.openxmlformats.org/officeDocument/2006/relationships" xmlns:p="http://schemas.openxmlformats.org/presentationml/2006/main">
   <p:cSld>
     <p:spTree>

--- a/28. OLTP/GoldenDB产品简介及架构解析.pptx
+++ b/28. OLTP/GoldenDB产品简介及架构解析.pptx
@@ -279,7 +279,7 @@
           <a:p>
             <a:fld id="{0F9B84EA-7D68-4D60-9CB1-D50884785D1C}" type="datetimeFigureOut">
               <a:rPr lang="zh-CN" altLang="en-US" smtClean="0"/>
-              <a:t>2022/1/8</a:t>
+              <a:t>2022/1/9</a:t>
             </a:fld>
             <a:endParaRPr lang="zh-CN" altLang="en-US"/>
           </a:p>
@@ -444,7 +444,7 @@
           <a:p>
             <a:fld id="{E007C451-60E4-4599-BC35-0053FC9CE8F3}" type="datetimeFigureOut">
               <a:rPr lang="zh-CN" altLang="en-US" smtClean="0"/>
-              <a:t>2022/1/8</a:t>
+              <a:t>2022/1/9</a:t>
             </a:fld>
             <a:endParaRPr lang="zh-CN" altLang="en-US"/>
           </a:p>
@@ -3515,6 +3515,232 @@
         <p:txBody>
           <a:bodyPr/>
           <a:lstStyle/>
+          <a:p>
+            <a:pPr indent="266700" algn="just">
+              <a:lnSpc>
+                <a:spcPct val="150000"/>
+              </a:lnSpc>
+            </a:pPr>
+            <a:r>
+              <a:rPr lang="zh-CN" altLang="zh-CN" sz="1800" kern="100" dirty="0">
+                <a:effectLst/>
+                <a:latin typeface="Times New Roman" panose="02020603050405020304" pitchFamily="18" charset="0"/>
+                <a:ea typeface="仿宋" panose="02010609060101010101" pitchFamily="49" charset="-122"/>
+                <a:cs typeface="Times New Roman" panose="02020603050405020304" pitchFamily="18" charset="0"/>
+              </a:rPr>
+              <a:t>在分布式环境、计算存储分离架构下，事务处理技术如果采用</a:t>
+            </a:r>
+            <a:r>
+              <a:rPr lang="en-US" altLang="zh-CN" sz="1800" kern="100" dirty="0">
+                <a:effectLst/>
+                <a:latin typeface="Times New Roman" panose="02020603050405020304" pitchFamily="18" charset="0"/>
+                <a:ea typeface="仿宋" panose="02010609060101010101" pitchFamily="49" charset="-122"/>
+                <a:cs typeface="Times New Roman" panose="02020603050405020304" pitchFamily="18" charset="0"/>
+              </a:rPr>
+              <a:t>MVCC</a:t>
+            </a:r>
+            <a:r>
+              <a:rPr lang="zh-CN" altLang="zh-CN" sz="1800" kern="100" dirty="0">
+                <a:effectLst/>
+                <a:latin typeface="Times New Roman" panose="02020603050405020304" pitchFamily="18" charset="0"/>
+                <a:ea typeface="仿宋" panose="02010609060101010101" pitchFamily="49" charset="-122"/>
+                <a:cs typeface="Times New Roman" panose="02020603050405020304" pitchFamily="18" charset="0"/>
+              </a:rPr>
+              <a:t>，那么</a:t>
+            </a:r>
+            <a:r>
+              <a:rPr lang="en-US" altLang="zh-CN" sz="1800" kern="100" dirty="0">
+                <a:effectLst/>
+                <a:latin typeface="Times New Roman" panose="02020603050405020304" pitchFamily="18" charset="0"/>
+                <a:ea typeface="仿宋" panose="02010609060101010101" pitchFamily="49" charset="-122"/>
+                <a:cs typeface="Times New Roman" panose="02020603050405020304" pitchFamily="18" charset="0"/>
+              </a:rPr>
+              <a:t>MVCC</a:t>
+            </a:r>
+            <a:r>
+              <a:rPr lang="zh-CN" altLang="zh-CN" sz="1800" kern="100" dirty="0">
+                <a:effectLst/>
+                <a:latin typeface="Times New Roman" panose="02020603050405020304" pitchFamily="18" charset="0"/>
+                <a:ea typeface="仿宋" panose="02010609060101010101" pitchFamily="49" charset="-122"/>
+                <a:cs typeface="Times New Roman" panose="02020603050405020304" pitchFamily="18" charset="0"/>
+              </a:rPr>
+              <a:t>应该置于哪里？在解耦的需求下，可以考虑如下方式：</a:t>
+            </a:r>
+          </a:p>
+          <a:p>
+            <a:pPr marL="0" lvl="0" indent="0" algn="just">
+              <a:lnSpc>
+                <a:spcPct val="150000"/>
+              </a:lnSpc>
+              <a:buFont typeface="+mj-lt"/>
+              <a:buNone/>
+            </a:pPr>
+            <a:r>
+              <a:rPr lang="en-US" altLang="zh-CN" sz="1800" kern="100" dirty="0">
+                <a:effectLst/>
+                <a:latin typeface="Times New Roman" panose="02020603050405020304" pitchFamily="18" charset="0"/>
+                <a:ea typeface="仿宋" panose="02010609060101010101" pitchFamily="49" charset="-122"/>
+                <a:cs typeface="Times New Roman" panose="02020603050405020304" pitchFamily="18" charset="0"/>
+              </a:rPr>
+              <a:t>1</a:t>
+            </a:r>
+            <a:r>
+              <a:rPr lang="zh-CN" altLang="en-US" sz="1800" kern="100" dirty="0">
+                <a:effectLst/>
+                <a:latin typeface="Times New Roman" panose="02020603050405020304" pitchFamily="18" charset="0"/>
+                <a:ea typeface="仿宋" panose="02010609060101010101" pitchFamily="49" charset="-122"/>
+                <a:cs typeface="Times New Roman" panose="02020603050405020304" pitchFamily="18" charset="0"/>
+              </a:rPr>
+              <a:t>、</a:t>
+            </a:r>
+            <a:r>
+              <a:rPr lang="en-US" altLang="zh-CN" sz="1800" kern="100" dirty="0">
+                <a:effectLst/>
+                <a:latin typeface="Times New Roman" panose="02020603050405020304" pitchFamily="18" charset="0"/>
+                <a:ea typeface="仿宋" panose="02010609060101010101" pitchFamily="49" charset="-122"/>
+                <a:cs typeface="Times New Roman" panose="02020603050405020304" pitchFamily="18" charset="0"/>
+              </a:rPr>
+              <a:t>MVCC</a:t>
+            </a:r>
+            <a:r>
+              <a:rPr lang="zh-CN" altLang="zh-CN" sz="1800" kern="100" dirty="0">
+                <a:effectLst/>
+                <a:latin typeface="Times New Roman" panose="02020603050405020304" pitchFamily="18" charset="0"/>
+                <a:ea typeface="仿宋" panose="02010609060101010101" pitchFamily="49" charset="-122"/>
+                <a:cs typeface="Times New Roman" panose="02020603050405020304" pitchFamily="18" charset="0"/>
+              </a:rPr>
+              <a:t>置于存储层</a:t>
+            </a:r>
+            <a:endParaRPr lang="en-US" altLang="zh-CN" sz="1800" kern="100" dirty="0">
+              <a:effectLst/>
+              <a:latin typeface="Times New Roman" panose="02020603050405020304" pitchFamily="18" charset="0"/>
+              <a:ea typeface="仿宋" panose="02010609060101010101" pitchFamily="49" charset="-122"/>
+              <a:cs typeface="Times New Roman" panose="02020603050405020304" pitchFamily="18" charset="0"/>
+            </a:endParaRPr>
+          </a:p>
+          <a:p>
+            <a:pPr marL="0" lvl="0" indent="0" algn="just">
+              <a:lnSpc>
+                <a:spcPct val="150000"/>
+              </a:lnSpc>
+              <a:buFont typeface="+mj-lt"/>
+              <a:buNone/>
+            </a:pPr>
+            <a:r>
+              <a:rPr lang="zh-CN" altLang="zh-CN" sz="1800" kern="100" dirty="0">
+                <a:effectLst/>
+                <a:latin typeface="Times New Roman" panose="02020603050405020304" pitchFamily="18" charset="0"/>
+                <a:ea typeface="仿宋" panose="02010609060101010101" pitchFamily="49" charset="-122"/>
+                <a:cs typeface="Times New Roman" panose="02020603050405020304" pitchFamily="18" charset="0"/>
+              </a:rPr>
+              <a:t>在传统的页面结构之上，进行</a:t>
+            </a:r>
+            <a:r>
+              <a:rPr lang="en-US" altLang="zh-CN" sz="1800" kern="100" dirty="0">
+                <a:effectLst/>
+                <a:latin typeface="Times New Roman" panose="02020603050405020304" pitchFamily="18" charset="0"/>
+                <a:ea typeface="仿宋" panose="02010609060101010101" pitchFamily="49" charset="-122"/>
+                <a:cs typeface="Times New Roman" panose="02020603050405020304" pitchFamily="18" charset="0"/>
+              </a:rPr>
+              <a:t>MVCC</a:t>
+            </a:r>
+            <a:r>
+              <a:rPr lang="zh-CN" altLang="zh-CN" sz="1800" kern="100" dirty="0">
+                <a:effectLst/>
+                <a:latin typeface="Times New Roman" panose="02020603050405020304" pitchFamily="18" charset="0"/>
+                <a:ea typeface="仿宋" panose="02010609060101010101" pitchFamily="49" charset="-122"/>
+                <a:cs typeface="Times New Roman" panose="02020603050405020304" pitchFamily="18" charset="0"/>
+              </a:rPr>
+              <a:t>的可见性判断（即可见性判断放置在存储层），这样的好处是，网络传输量少，但是事务处理技术和存储层耦合度高。</a:t>
+            </a:r>
+          </a:p>
+          <a:p>
+            <a:pPr marL="0" lvl="0" indent="0" algn="just">
+              <a:lnSpc>
+                <a:spcPct val="150000"/>
+              </a:lnSpc>
+              <a:buFont typeface="+mj-lt"/>
+              <a:buNone/>
+            </a:pPr>
+            <a:r>
+              <a:rPr lang="en-US" altLang="zh-CN" sz="1800" kern="100" dirty="0">
+                <a:effectLst/>
+                <a:latin typeface="Times New Roman" panose="02020603050405020304" pitchFamily="18" charset="0"/>
+                <a:ea typeface="仿宋" panose="02010609060101010101" pitchFamily="49" charset="-122"/>
+                <a:cs typeface="Times New Roman" panose="02020603050405020304" pitchFamily="18" charset="0"/>
+              </a:rPr>
+              <a:t>2</a:t>
+            </a:r>
+            <a:r>
+              <a:rPr lang="zh-CN" altLang="en-US" sz="1800" kern="100" dirty="0">
+                <a:effectLst/>
+                <a:latin typeface="Times New Roman" panose="02020603050405020304" pitchFamily="18" charset="0"/>
+                <a:ea typeface="仿宋" panose="02010609060101010101" pitchFamily="49" charset="-122"/>
+                <a:cs typeface="Times New Roman" panose="02020603050405020304" pitchFamily="18" charset="0"/>
+              </a:rPr>
+              <a:t>、</a:t>
+            </a:r>
+            <a:r>
+              <a:rPr lang="en-US" altLang="zh-CN" sz="1800" kern="100" dirty="0">
+                <a:effectLst/>
+                <a:latin typeface="Times New Roman" panose="02020603050405020304" pitchFamily="18" charset="0"/>
+                <a:ea typeface="仿宋" panose="02010609060101010101" pitchFamily="49" charset="-122"/>
+                <a:cs typeface="Times New Roman" panose="02020603050405020304" pitchFamily="18" charset="0"/>
+              </a:rPr>
+              <a:t>MVCC</a:t>
+            </a:r>
+            <a:r>
+              <a:rPr lang="zh-CN" altLang="zh-CN" sz="1800" kern="100" dirty="0">
+                <a:effectLst/>
+                <a:latin typeface="Times New Roman" panose="02020603050405020304" pitchFamily="18" charset="0"/>
+                <a:ea typeface="仿宋" panose="02010609060101010101" pitchFamily="49" charset="-122"/>
+                <a:cs typeface="Times New Roman" panose="02020603050405020304" pitchFamily="18" charset="0"/>
+              </a:rPr>
+              <a:t>置于计算层</a:t>
+            </a:r>
+            <a:endParaRPr lang="en-US" altLang="zh-CN" sz="1800" kern="100" dirty="0">
+              <a:effectLst/>
+              <a:latin typeface="Times New Roman" panose="02020603050405020304" pitchFamily="18" charset="0"/>
+              <a:ea typeface="仿宋" panose="02010609060101010101" pitchFamily="49" charset="-122"/>
+              <a:cs typeface="Times New Roman" panose="02020603050405020304" pitchFamily="18" charset="0"/>
+            </a:endParaRPr>
+          </a:p>
+          <a:p>
+            <a:pPr marL="0" lvl="0" indent="0" algn="just">
+              <a:lnSpc>
+                <a:spcPct val="150000"/>
+              </a:lnSpc>
+              <a:buFont typeface="+mj-lt"/>
+              <a:buNone/>
+            </a:pPr>
+            <a:r>
+              <a:rPr lang="zh-CN" altLang="zh-CN" sz="1800" kern="100" dirty="0">
+                <a:effectLst/>
+                <a:latin typeface="Times New Roman" panose="02020603050405020304" pitchFamily="18" charset="0"/>
+                <a:ea typeface="仿宋" panose="02010609060101010101" pitchFamily="49" charset="-122"/>
+                <a:cs typeface="Times New Roman" panose="02020603050405020304" pitchFamily="18" charset="0"/>
+              </a:rPr>
+              <a:t>这样以</a:t>
+            </a:r>
+            <a:r>
+              <a:rPr lang="en-US" altLang="zh-CN" sz="1800" kern="100" dirty="0">
+                <a:effectLst/>
+                <a:latin typeface="Times New Roman" panose="02020603050405020304" pitchFamily="18" charset="0"/>
+                <a:ea typeface="仿宋" panose="02010609060101010101" pitchFamily="49" charset="-122"/>
+                <a:cs typeface="Times New Roman" panose="02020603050405020304" pitchFamily="18" charset="0"/>
+              </a:rPr>
+              <a:t>MVCC</a:t>
+            </a:r>
+            <a:r>
+              <a:rPr lang="zh-CN" altLang="zh-CN" sz="1800" kern="100" dirty="0">
+                <a:effectLst/>
+                <a:latin typeface="Times New Roman" panose="02020603050405020304" pitchFamily="18" charset="0"/>
+                <a:ea typeface="仿宋" panose="02010609060101010101" pitchFamily="49" charset="-122"/>
+                <a:cs typeface="Times New Roman" panose="02020603050405020304" pitchFamily="18" charset="0"/>
+              </a:rPr>
+              <a:t>技术为基础的事务处理可以和存储层解耦，这有助于实现多模数据库。</a:t>
+            </a:r>
+          </a:p>
           <a:p>
             <a:endParaRPr lang="zh-CN" altLang="en-US" sz="900" dirty="0">
               <a:latin typeface="微软雅黑" panose="020B0503020204020204" pitchFamily="34" charset="-122"/>
@@ -32191,7 +32417,7 @@
             </a:r>
             <a:r>
               <a:rPr lang="zh-CN" altLang="en-US" dirty="0"/>
-              <a:t>架构存在元数据和事务不一致性问题</a:t>
+              <a:t>架构存在元数据和事务不一致性问题，未采用列式存储数据节点仍会出现瓶颈</a:t>
             </a:r>
             <a:endParaRPr lang="en-US" altLang="zh-CN" dirty="0"/>
           </a:p>
@@ -32423,8 +32649,8 @@
               <a:t>DDL/DML/Transaction</a:t>
             </a:r>
             <a:r>
-              <a:rPr lang="zh-CN" altLang="en-US" dirty="0"/>
-              <a:t>支持</a:t>
+              <a:rPr lang="zh-CN" altLang="en-US"/>
+              <a:t>支持，支持行列混合存储</a:t>
             </a:r>
             <a:endParaRPr lang="en-US" altLang="zh-CN" dirty="0"/>
           </a:p>

--- a/28. OLTP/GoldenDB产品简介及架构解析.pptx
+++ b/28. OLTP/GoldenDB产品简介及架构解析.pptx
@@ -279,7 +279,7 @@
           <a:p>
             <a:fld id="{0F9B84EA-7D68-4D60-9CB1-D50884785D1C}" type="datetimeFigureOut">
               <a:rPr lang="zh-CN" altLang="en-US" smtClean="0"/>
-              <a:t>2022/1/9</a:t>
+              <a:t>2022/1/10</a:t>
             </a:fld>
             <a:endParaRPr lang="zh-CN" altLang="en-US"/>
           </a:p>
@@ -444,7 +444,7 @@
           <a:p>
             <a:fld id="{E007C451-60E4-4599-BC35-0053FC9CE8F3}" type="datetimeFigureOut">
               <a:rPr lang="zh-CN" altLang="en-US" smtClean="0"/>
-              <a:t>2022/1/9</a:t>
+              <a:t>2022/1/10</a:t>
             </a:fld>
             <a:endParaRPr lang="zh-CN" altLang="en-US"/>
           </a:p>
@@ -750,10 +750,17 @@
               <a:rPr lang="zh-CN" altLang="en-US" dirty="0"/>
               <a:t>主要内容包括</a:t>
             </a:r>
-            <a:endParaRPr lang="en-US" altLang="zh-CN" dirty="0"/>
-          </a:p>
-          <a:p>
-            <a:pPr lvl="1"/>
+            <a:endParaRPr lang="en-US" altLang="zh-CN" sz="1200" b="0" i="0" u="none" strike="noStrike" kern="1200" dirty="0">
+              <a:solidFill>
+                <a:schemeClr val="tx1"/>
+              </a:solidFill>
+              <a:effectLst/>
+              <a:latin typeface="+mn-lt"/>
+              <a:ea typeface="+mn-ea"/>
+              <a:cs typeface="+mn-cs"/>
+            </a:endParaRPr>
+          </a:p>
+          <a:p>
             <a:r>
               <a:rPr lang="en-US" altLang="zh-CN" sz="1000" b="0" i="0" u="none" strike="noStrike" kern="1200" dirty="0" err="1">
                 <a:solidFill>
@@ -793,7 +800,6 @@
             </a:endParaRPr>
           </a:p>
           <a:p>
-            <a:pPr lvl="1"/>
             <a:r>
               <a:rPr lang="zh-CN" altLang="en-US" sz="1000" b="0" i="0" u="none" strike="noStrike" kern="1200" dirty="0">
                 <a:solidFill>
@@ -817,7 +823,6 @@
             </a:endParaRPr>
           </a:p>
           <a:p>
-            <a:pPr lvl="1"/>
             <a:r>
               <a:rPr lang="zh-CN" altLang="en-US" sz="1000" b="0" i="0" u="none" strike="noStrike" kern="1200" dirty="0">
                 <a:solidFill>
@@ -841,7 +846,6 @@
             </a:endParaRPr>
           </a:p>
           <a:p>
-            <a:pPr lvl="1"/>
             <a:r>
               <a:rPr lang="en-US" altLang="zh-CN" sz="1000" b="0" i="0" u="none" strike="noStrike" kern="1200" dirty="0" err="1">
                 <a:solidFill>
@@ -877,7 +881,6 @@
             </a:endParaRPr>
           </a:p>
           <a:p>
-            <a:pPr lvl="1"/>
             <a:r>
               <a:rPr lang="en-US" altLang="zh-CN" sz="1000" b="0" i="0" u="none" strike="noStrike" kern="1200" dirty="0" err="1">
                 <a:solidFill>
@@ -913,7 +916,6 @@
             </a:endParaRPr>
           </a:p>
           <a:p>
-            <a:pPr lvl="1"/>
             <a:r>
               <a:rPr lang="zh-CN" altLang="en-US" sz="1000" b="0" i="0" u="none" strike="noStrike" kern="1200" dirty="0">
                 <a:solidFill>
@@ -937,7 +939,6 @@
             </a:endParaRPr>
           </a:p>
           <a:p>
-            <a:pPr lvl="1"/>
             <a:r>
               <a:rPr lang="en-US" altLang="zh-CN" sz="1000" b="0" i="0" u="none" strike="noStrike" kern="1200" dirty="0" err="1">
                 <a:solidFill>
@@ -973,7 +974,6 @@
             </a:endParaRPr>
           </a:p>
           <a:p>
-            <a:pPr lvl="1"/>
             <a:r>
               <a:rPr lang="zh-CN" altLang="en-US" sz="1000" b="0" i="0" u="none" strike="noStrike" kern="1200" dirty="0">
                 <a:solidFill>
@@ -997,7 +997,6 @@
             </a:endParaRPr>
           </a:p>
           <a:p>
-            <a:pPr lvl="1"/>
             <a:r>
               <a:rPr lang="zh-CN" altLang="en-US" sz="1000" b="0" i="0" u="none" strike="noStrike" kern="1200" dirty="0">
                 <a:solidFill>
@@ -1021,7 +1020,6 @@
             </a:endParaRPr>
           </a:p>
           <a:p>
-            <a:pPr lvl="1"/>
             <a:r>
               <a:rPr lang="zh-CN" altLang="en-US" sz="1000" b="0" i="0" u="none" strike="noStrike" kern="1200" dirty="0">
                 <a:solidFill>
@@ -1034,7 +1032,7 @@
               </a:rPr>
               <a:t>监控运维</a:t>
             </a:r>
-            <a:endParaRPr lang="en-US" altLang="zh-CN" sz="1000" b="0" i="0" u="none" strike="noStrike" kern="1200" dirty="0">
+            <a:endParaRPr lang="en-US" altLang="zh-CN" sz="1000" b="0" i="0" u="none" strike="noStrike" kern="1200">
               <a:solidFill>
                 <a:schemeClr val="tx1"/>
               </a:solidFill>
@@ -1045,9 +1043,8 @@
             </a:endParaRPr>
           </a:p>
           <a:p>
-            <a:pPr lvl="1"/>
-            <a:r>
-              <a:rPr lang="zh-CN" altLang="en-US" sz="1000" b="0" i="0" u="none" strike="noStrike" kern="1200" dirty="0">
+            <a:r>
+              <a:rPr lang="zh-CN" altLang="en-US" sz="1000" b="0" i="0" u="none" strike="noStrike" kern="1200">
                 <a:solidFill>
                   <a:schemeClr val="tx1"/>
                 </a:solidFill>

--- a/28. OLTP/GoldenDB产品简介及架构解析.pptx
+++ b/28. OLTP/GoldenDB产品简介及架构解析.pptx
@@ -287,7 +287,7 @@
           <a:p>
             <a:fld id="{0F9B84EA-7D68-4D60-9CB1-D50884785D1C}" type="datetimeFigureOut">
               <a:rPr lang="zh-CN" altLang="en-US" smtClean="0"/>
-              <a:t>2022/1/10</a:t>
+              <a:t>2022/1/13</a:t>
             </a:fld>
             <a:endParaRPr lang="zh-CN" altLang="en-US"/>
           </a:p>
@@ -452,7 +452,7 @@
           <a:p>
             <a:fld id="{E007C451-60E4-4599-BC35-0053FC9CE8F3}" type="datetimeFigureOut">
               <a:rPr lang="zh-CN" altLang="en-US" smtClean="0"/>
-              <a:t>2022/1/10</a:t>
+              <a:t>2022/1/13</a:t>
             </a:fld>
             <a:endParaRPr lang="zh-CN" altLang="en-US"/>
           </a:p>
@@ -3999,6 +3999,41 @@
               </a:rPr>
               <a:t>处理等方法）。</a:t>
             </a:r>
+            <a:endParaRPr lang="en-US" altLang="zh-CN" sz="1800" b="0" u="none" kern="100" dirty="0">
+              <a:effectLst/>
+              <a:latin typeface="Times New Roman" panose="02020603050405020304" pitchFamily="18" charset="0"/>
+              <a:ea typeface="仿宋" panose="02010609060101010101" pitchFamily="49" charset="-122"/>
+              <a:cs typeface="Times New Roman" panose="02020603050405020304" pitchFamily="18" charset="0"/>
+            </a:endParaRPr>
+          </a:p>
+          <a:p>
+            <a:r>
+              <a:rPr lang="zh-CN" altLang="en-US" sz="1800" b="0" u="none" kern="100" dirty="0">
+                <a:effectLst/>
+                <a:latin typeface="Times New Roman" panose="02020603050405020304" pitchFamily="18" charset="0"/>
+                <a:ea typeface="仿宋" panose="02010609060101010101" pitchFamily="49" charset="-122"/>
+                <a:cs typeface="Times New Roman" panose="02020603050405020304" pitchFamily="18" charset="0"/>
+              </a:rPr>
+              <a:t>这种方案其实是基于这样的一种假设，即分片在提交后失败的可能性比较小，因为该方案的回滚成本非常高，几乎是</a:t>
+            </a:r>
+            <a:r>
+              <a:rPr lang="en-US" altLang="zh-CN" sz="1800" b="0" u="none" kern="100" dirty="0">
+                <a:effectLst/>
+                <a:latin typeface="Times New Roman" panose="02020603050405020304" pitchFamily="18" charset="0"/>
+                <a:ea typeface="仿宋" panose="02010609060101010101" pitchFamily="49" charset="-122"/>
+                <a:cs typeface="Times New Roman" panose="02020603050405020304" pitchFamily="18" charset="0"/>
+              </a:rPr>
+              <a:t>N</a:t>
+            </a:r>
+            <a:r>
+              <a:rPr lang="zh-CN" altLang="en-US" sz="1800" b="0" u="none" kern="100" dirty="0">
+                <a:effectLst/>
+                <a:latin typeface="Times New Roman" panose="02020603050405020304" pitchFamily="18" charset="0"/>
+                <a:ea typeface="仿宋" panose="02010609060101010101" pitchFamily="49" charset="-122"/>
+                <a:cs typeface="Times New Roman" panose="02020603050405020304" pitchFamily="18" charset="0"/>
+              </a:rPr>
+              <a:t>倍的方法，性能很差，而且会影响在线业务的执行，虽然采用了一系列优化方案，但是回滚带来的成本无法规避。</a:t>
+            </a:r>
             <a:endParaRPr lang="zh-CN" altLang="en-US" sz="900" b="0" u="none" dirty="0">
               <a:latin typeface="微软雅黑" panose="020B0503020204020204" pitchFamily="34" charset="-122"/>
               <a:ea typeface="微软雅黑" panose="020B0503020204020204" pitchFamily="34" charset="-122"/>
@@ -4459,10 +4494,210 @@
           <a:bodyPr/>
           <a:lstStyle/>
           <a:p>
-            <a:endParaRPr lang="zh-CN" altLang="en-US" sz="900" b="0" u="none" dirty="0">
+            <a:r>
+              <a:rPr lang="zh-CN" altLang="en-US" sz="900" b="0" u="none" dirty="0">
+                <a:latin typeface="微软雅黑" panose="020B0503020204020204" pitchFamily="34" charset="-122"/>
+                <a:ea typeface="微软雅黑" panose="020B0503020204020204" pitchFamily="34" charset="-122"/>
+              </a:rPr>
+              <a:t>单节点和多节点控制是否申请</a:t>
+            </a:r>
+            <a:r>
+              <a:rPr lang="en-US" altLang="zh-CN" sz="900" b="0" u="none" dirty="0">
+                <a:latin typeface="微软雅黑" panose="020B0503020204020204" pitchFamily="34" charset="-122"/>
+                <a:ea typeface="微软雅黑" panose="020B0503020204020204" pitchFamily="34" charset="-122"/>
+              </a:rPr>
+              <a:t>GTID</a:t>
+            </a:r>
+          </a:p>
+          <a:p>
+            <a:r>
+              <a:rPr lang="en-US" altLang="zh-CN" sz="900" b="0" u="none" dirty="0">
+                <a:latin typeface="微软雅黑" panose="020B0503020204020204" pitchFamily="34" charset="-122"/>
+                <a:ea typeface="微软雅黑" panose="020B0503020204020204" pitchFamily="34" charset="-122"/>
+              </a:rPr>
+              <a:t>SW/CS</a:t>
+            </a:r>
+            <a:r>
+              <a:rPr lang="zh-CN" altLang="en-US" sz="900" b="0" u="none" dirty="0">
+                <a:latin typeface="微软雅黑" panose="020B0503020204020204" pitchFamily="34" charset="-122"/>
+                <a:ea typeface="微软雅黑" panose="020B0503020204020204" pitchFamily="34" charset="-122"/>
+              </a:rPr>
+              <a:t>隔离级别控制是否需要增加</a:t>
+            </a:r>
+            <a:r>
+              <a:rPr lang="en-US" altLang="zh-CN" sz="900" b="0" u="none" dirty="0">
+                <a:latin typeface="微软雅黑" panose="020B0503020204020204" pitchFamily="34" charset="-122"/>
+                <a:ea typeface="微软雅黑" panose="020B0503020204020204" pitchFamily="34" charset="-122"/>
+              </a:rPr>
+              <a:t>select for update</a:t>
+            </a:r>
+            <a:r>
+              <a:rPr lang="zh-CN" altLang="en-US" sz="900" b="0" u="none" dirty="0">
+                <a:latin typeface="微软雅黑" panose="020B0503020204020204" pitchFamily="34" charset="-122"/>
+                <a:ea typeface="微软雅黑" panose="020B0503020204020204" pitchFamily="34" charset="-122"/>
+              </a:rPr>
+              <a:t>排它锁</a:t>
+            </a:r>
+            <a:endParaRPr lang="en-US" altLang="zh-CN" sz="900" b="0" u="none" dirty="0">
               <a:latin typeface="微软雅黑" panose="020B0503020204020204" pitchFamily="34" charset="-122"/>
               <a:ea typeface="微软雅黑" panose="020B0503020204020204" pitchFamily="34" charset="-122"/>
             </a:endParaRPr>
+          </a:p>
+          <a:p>
+            <a:r>
+              <a:rPr lang="en-US" altLang="zh-CN" sz="900" b="0" u="none" dirty="0">
+                <a:latin typeface="微软雅黑" panose="020B0503020204020204" pitchFamily="34" charset="-122"/>
+                <a:ea typeface="微软雅黑" panose="020B0503020204020204" pitchFamily="34" charset="-122"/>
+              </a:rPr>
+              <a:t>delete</a:t>
+            </a:r>
+            <a:r>
+              <a:rPr lang="zh-CN" altLang="en-US" sz="900" b="0" u="none" dirty="0">
+                <a:latin typeface="微软雅黑" panose="020B0503020204020204" pitchFamily="34" charset="-122"/>
+                <a:ea typeface="微软雅黑" panose="020B0503020204020204" pitchFamily="34" charset="-122"/>
+              </a:rPr>
+              <a:t>比较特殊，</a:t>
+            </a:r>
+            <a:r>
+              <a:rPr lang="en-US" altLang="zh-CN" sz="900" b="0" u="none" dirty="0">
+                <a:latin typeface="微软雅黑" panose="020B0503020204020204" pitchFamily="34" charset="-122"/>
+                <a:ea typeface="微软雅黑" panose="020B0503020204020204" pitchFamily="34" charset="-122"/>
+              </a:rPr>
+              <a:t>SW</a:t>
+            </a:r>
+            <a:r>
+              <a:rPr lang="zh-CN" altLang="en-US" sz="900" b="0" u="none" dirty="0">
+                <a:latin typeface="微软雅黑" panose="020B0503020204020204" pitchFamily="34" charset="-122"/>
+                <a:ea typeface="微软雅黑" panose="020B0503020204020204" pitchFamily="34" charset="-122"/>
+              </a:rPr>
+              <a:t>下发的是</a:t>
+            </a:r>
+            <a:r>
+              <a:rPr lang="en-US" altLang="zh-CN" sz="900" b="0" u="none" dirty="0">
+                <a:latin typeface="微软雅黑" panose="020B0503020204020204" pitchFamily="34" charset="-122"/>
+                <a:ea typeface="微软雅黑" panose="020B0503020204020204" pitchFamily="34" charset="-122"/>
+              </a:rPr>
+              <a:t>delete</a:t>
+            </a:r>
+            <a:r>
+              <a:rPr lang="zh-CN" altLang="en-US" sz="900" b="0" u="none" dirty="0">
+                <a:latin typeface="微软雅黑" panose="020B0503020204020204" pitchFamily="34" charset="-122"/>
+                <a:ea typeface="微软雅黑" panose="020B0503020204020204" pitchFamily="34" charset="-122"/>
+              </a:rPr>
+              <a:t>语句，</a:t>
+            </a:r>
+            <a:r>
+              <a:rPr lang="en-US" altLang="zh-CN" sz="900" b="0" u="none" dirty="0">
+                <a:latin typeface="微软雅黑" panose="020B0503020204020204" pitchFamily="34" charset="-122"/>
+                <a:ea typeface="微软雅黑" panose="020B0503020204020204" pitchFamily="34" charset="-122"/>
+              </a:rPr>
+              <a:t>CW</a:t>
+            </a:r>
+            <a:r>
+              <a:rPr lang="zh-CN" altLang="en-US" sz="900" b="0" u="none" dirty="0">
+                <a:latin typeface="微软雅黑" panose="020B0503020204020204" pitchFamily="34" charset="-122"/>
+                <a:ea typeface="微软雅黑" panose="020B0503020204020204" pitchFamily="34" charset="-122"/>
+              </a:rPr>
+              <a:t>实际转化的是</a:t>
+            </a:r>
+            <a:r>
+              <a:rPr lang="en-US" altLang="zh-CN" sz="900" b="0" u="none" dirty="0">
+                <a:latin typeface="微软雅黑" panose="020B0503020204020204" pitchFamily="34" charset="-122"/>
+                <a:ea typeface="微软雅黑" panose="020B0503020204020204" pitchFamily="34" charset="-122"/>
+              </a:rPr>
+              <a:t>update(</a:t>
+            </a:r>
+            <a:r>
+              <a:rPr lang="en-US" altLang="zh-CN" sz="900" b="0" u="none" dirty="0" err="1">
+                <a:latin typeface="微软雅黑" panose="020B0503020204020204" pitchFamily="34" charset="-122"/>
+                <a:ea typeface="微软雅黑" panose="020B0503020204020204" pitchFamily="34" charset="-122"/>
+              </a:rPr>
+              <a:t>gtid</a:t>
+            </a:r>
+            <a:r>
+              <a:rPr lang="en-US" altLang="zh-CN" sz="900" b="0" u="none" dirty="0">
+                <a:latin typeface="微软雅黑" panose="020B0503020204020204" pitchFamily="34" charset="-122"/>
+                <a:ea typeface="微软雅黑" panose="020B0503020204020204" pitchFamily="34" charset="-122"/>
+              </a:rPr>
+              <a:t>)</a:t>
+            </a:r>
+            <a:r>
+              <a:rPr lang="zh-CN" altLang="en-US" sz="900" b="0" u="none" dirty="0">
+                <a:latin typeface="微软雅黑" panose="020B0503020204020204" pitchFamily="34" charset="-122"/>
+                <a:ea typeface="微软雅黑" panose="020B0503020204020204" pitchFamily="34" charset="-122"/>
+              </a:rPr>
+              <a:t>和</a:t>
+            </a:r>
+            <a:r>
+              <a:rPr lang="en-US" altLang="zh-CN" sz="900" b="0" u="none" dirty="0">
+                <a:latin typeface="微软雅黑" panose="020B0503020204020204" pitchFamily="34" charset="-122"/>
+                <a:ea typeface="微软雅黑" panose="020B0503020204020204" pitchFamily="34" charset="-122"/>
+              </a:rPr>
+              <a:t>delete</a:t>
+            </a:r>
+            <a:r>
+              <a:rPr lang="zh-CN" altLang="en-US" sz="900" b="0" u="none" dirty="0">
+                <a:latin typeface="微软雅黑" panose="020B0503020204020204" pitchFamily="34" charset="-122"/>
+                <a:ea typeface="微软雅黑" panose="020B0503020204020204" pitchFamily="34" charset="-122"/>
+              </a:rPr>
+              <a:t>操作，所以</a:t>
+            </a:r>
+            <a:r>
+              <a:rPr lang="en-US" altLang="zh-CN" sz="900" b="0" u="none" dirty="0">
+                <a:latin typeface="微软雅黑" panose="020B0503020204020204" pitchFamily="34" charset="-122"/>
+                <a:ea typeface="微软雅黑" panose="020B0503020204020204" pitchFamily="34" charset="-122"/>
+              </a:rPr>
+              <a:t>CW</a:t>
+            </a:r>
+            <a:r>
+              <a:rPr lang="zh-CN" altLang="en-US" sz="900" b="0" u="none" dirty="0">
+                <a:latin typeface="微软雅黑" panose="020B0503020204020204" pitchFamily="34" charset="-122"/>
+                <a:ea typeface="微软雅黑" panose="020B0503020204020204" pitchFamily="34" charset="-122"/>
+              </a:rPr>
+              <a:t>的情况下都需要申请</a:t>
+            </a:r>
+            <a:r>
+              <a:rPr lang="en-US" altLang="zh-CN" sz="900" b="0" u="none" dirty="0">
+                <a:latin typeface="微软雅黑" panose="020B0503020204020204" pitchFamily="34" charset="-122"/>
+                <a:ea typeface="微软雅黑" panose="020B0503020204020204" pitchFamily="34" charset="-122"/>
+              </a:rPr>
+              <a:t>GTID</a:t>
+            </a:r>
+            <a:r>
+              <a:rPr lang="zh-CN" altLang="en-US" sz="900" b="0" u="none" dirty="0">
+                <a:latin typeface="微软雅黑" panose="020B0503020204020204" pitchFamily="34" charset="-122"/>
+                <a:ea typeface="微软雅黑" panose="020B0503020204020204" pitchFamily="34" charset="-122"/>
+              </a:rPr>
+              <a:t>。</a:t>
+            </a:r>
+            <a:r>
+              <a:rPr lang="en-US" altLang="zh-CN" sz="900" b="0" u="none" dirty="0">
+                <a:latin typeface="微软雅黑" panose="020B0503020204020204" pitchFamily="34" charset="-122"/>
+                <a:ea typeface="微软雅黑" panose="020B0503020204020204" pitchFamily="34" charset="-122"/>
+              </a:rPr>
+              <a:t>CW</a:t>
+            </a:r>
+            <a:r>
+              <a:rPr lang="zh-CN" altLang="en-US" sz="900" b="0" u="none" dirty="0">
+                <a:latin typeface="微软雅黑" panose="020B0503020204020204" pitchFamily="34" charset="-122"/>
+                <a:ea typeface="微软雅黑" panose="020B0503020204020204" pitchFamily="34" charset="-122"/>
+              </a:rPr>
+              <a:t>仍然是增加</a:t>
+            </a:r>
+            <a:r>
+              <a:rPr lang="en-US" altLang="zh-CN" sz="900" b="0" u="none" dirty="0">
+                <a:latin typeface="微软雅黑" panose="020B0503020204020204" pitchFamily="34" charset="-122"/>
+                <a:ea typeface="微软雅黑" panose="020B0503020204020204" pitchFamily="34" charset="-122"/>
+              </a:rPr>
+              <a:t>select for update</a:t>
+            </a:r>
+            <a:r>
+              <a:rPr lang="zh-CN" altLang="en-US" sz="900" b="0" u="none" dirty="0">
+                <a:latin typeface="微软雅黑" panose="020B0503020204020204" pitchFamily="34" charset="-122"/>
+                <a:ea typeface="微软雅黑" panose="020B0503020204020204" pitchFamily="34" charset="-122"/>
+              </a:rPr>
+              <a:t>。</a:t>
+            </a:r>
           </a:p>
         </p:txBody>
       </p:sp>
@@ -6946,6 +7181,34 @@
           <a:bodyPr/>
           <a:lstStyle/>
           <a:p>
+            <a:r>
+              <a:rPr lang="en-US" altLang="zh-CN" sz="900" dirty="0">
+                <a:latin typeface="微软雅黑" panose="020B0503020204020204" pitchFamily="34" charset="-122"/>
+                <a:ea typeface="微软雅黑" panose="020B0503020204020204" pitchFamily="34" charset="-122"/>
+              </a:rPr>
+              <a:t>UPDATE</a:t>
+            </a:r>
+            <a:r>
+              <a:rPr lang="zh-CN" altLang="en-US" sz="900" dirty="0">
+                <a:latin typeface="微软雅黑" panose="020B0503020204020204" pitchFamily="34" charset="-122"/>
+                <a:ea typeface="微软雅黑" panose="020B0503020204020204" pitchFamily="34" charset="-122"/>
+              </a:rPr>
+              <a:t>分片键适用于迁移数据量比较少的场景，如果表数据量很大，则会造成</a:t>
+            </a:r>
+            <a:r>
+              <a:rPr lang="en-US" altLang="zh-CN" sz="900" dirty="0">
+                <a:latin typeface="微软雅黑" panose="020B0503020204020204" pitchFamily="34" charset="-122"/>
+                <a:ea typeface="微软雅黑" panose="020B0503020204020204" pitchFamily="34" charset="-122"/>
+              </a:rPr>
+              <a:t>proxy</a:t>
+            </a:r>
+            <a:r>
+              <a:rPr lang="zh-CN" altLang="en-US" sz="900" dirty="0">
+                <a:latin typeface="微软雅黑" panose="020B0503020204020204" pitchFamily="34" charset="-122"/>
+                <a:ea typeface="微软雅黑" panose="020B0503020204020204" pitchFamily="34" charset="-122"/>
+              </a:rPr>
+              <a:t>卡死，推荐采用条件查询批量修改的方式执行分片键修改</a:t>
+            </a:r>
             <a:endParaRPr lang="en-US" altLang="zh-CN" sz="900" dirty="0">
               <a:latin typeface="微软雅黑" panose="020B0503020204020204" pitchFamily="34" charset="-122"/>
               <a:ea typeface="微软雅黑" panose="020B0503020204020204" pitchFamily="34" charset="-122"/>
@@ -24365,7 +24628,7 @@
         </p:blipFill>
         <p:spPr>
           <a:xfrm>
-            <a:off x="1221520" y="5032557"/>
+            <a:off x="1221520" y="5307353"/>
             <a:ext cx="4809646" cy="1450110"/>
           </a:xfrm>
           <a:prstGeom prst="rect">
@@ -24986,14 +25249,6 @@
               <a:t>，</a:t>
             </a:r>
             <a:r>
-              <a:rPr lang="zh-CN" altLang="en-US" sz="1600" dirty="0">
-                <a:solidFill>
-                  <a:srgbClr val="FF0000"/>
-                </a:solidFill>
-              </a:rPr>
-              <a:t>多节点和</a:t>
-            </a:r>
-            <a:r>
               <a:rPr lang="en-US" altLang="zh-CN" sz="1600" dirty="0">
                 <a:solidFill>
                   <a:srgbClr val="FF0000"/>
@@ -25039,8 +25294,8 @@
         </p:nvSpPr>
         <p:spPr bwMode="auto">
           <a:xfrm>
-            <a:off x="838201" y="4754537"/>
-            <a:ext cx="9672586" cy="489147"/>
+            <a:off x="838200" y="4754537"/>
+            <a:ext cx="10702491" cy="489147"/>
           </a:xfrm>
           <a:prstGeom prst="rect">
             <a:avLst/>
@@ -25310,7 +25565,15 @@
             </a:r>
             <a:r>
               <a:rPr lang="zh-CN" altLang="en-US" sz="1600" dirty="0"/>
-              <a:t>和</a:t>
+              <a:t>（更新</a:t>
+            </a:r>
+            <a:r>
+              <a:rPr lang="en-US" altLang="zh-CN" sz="1600" dirty="0"/>
+              <a:t>GTID</a:t>
+            </a:r>
+            <a:r>
+              <a:rPr lang="zh-CN" altLang="en-US" sz="1600" dirty="0"/>
+              <a:t>）和</a:t>
             </a:r>
             <a:r>
               <a:rPr lang="en-US" altLang="zh-CN" sz="1600" dirty="0"/>
@@ -25318,7 +25581,51 @@
             </a:r>
             <a:r>
               <a:rPr lang="zh-CN" altLang="en-US" sz="1600" dirty="0"/>
-              <a:t>操作：</a:t>
+              <a:t>操作（</a:t>
+            </a:r>
+            <a:r>
+              <a:rPr lang="en-US" altLang="zh-CN" sz="1600" dirty="0"/>
+              <a:t>SW</a:t>
+            </a:r>
+            <a:r>
+              <a:rPr lang="zh-CN" altLang="en-US" sz="1600" dirty="0"/>
+              <a:t>不拆分），</a:t>
+            </a:r>
+            <a:r>
+              <a:rPr lang="en-US" altLang="zh-CN" sz="1600" dirty="0"/>
+              <a:t>CW</a:t>
+            </a:r>
+            <a:r>
+              <a:rPr lang="zh-CN" altLang="en-US" sz="1600" dirty="0"/>
+              <a:t>必须申请</a:t>
+            </a:r>
+            <a:r>
+              <a:rPr lang="en-US" altLang="zh-CN" sz="1600" dirty="0"/>
+              <a:t>GTID</a:t>
+            </a:r>
+            <a:r>
+              <a:rPr lang="zh-CN" altLang="en-US" sz="1600" dirty="0"/>
+              <a:t>，</a:t>
+            </a:r>
+            <a:r>
+              <a:rPr lang="en-US" altLang="zh-CN" sz="1600" dirty="0">
+                <a:solidFill>
+                  <a:srgbClr val="FF0000"/>
+                </a:solidFill>
+              </a:rPr>
+              <a:t>CW</a:t>
+            </a:r>
+            <a:r>
+              <a:rPr lang="zh-CN" altLang="en-US" sz="1600" dirty="0">
+                <a:solidFill>
+                  <a:srgbClr val="FF0000"/>
+                </a:solidFill>
+              </a:rPr>
+              <a:t>隔离级别需要加排它锁</a:t>
+            </a:r>
+            <a:r>
+              <a:rPr lang="zh-CN" altLang="en-US" sz="1600" dirty="0"/>
+              <a:t>：</a:t>
             </a:r>
             <a:endParaRPr lang="en-US" altLang="zh-CN" sz="1600" dirty="0"/>
           </a:p>

--- a/28. OLTP/GoldenDB产品简介及架构解析.pptx
+++ b/28. OLTP/GoldenDB产品简介及架构解析.pptx
@@ -6091,7 +6091,142 @@
           <a:bodyPr/>
           <a:lstStyle/>
           <a:p>
-            <a:endParaRPr lang="zh-CN" altLang="en-US" sz="900" dirty="0"/>
+            <a:pPr indent="266700" algn="just">
+              <a:lnSpc>
+                <a:spcPct val="150000"/>
+              </a:lnSpc>
+            </a:pPr>
+            <a:r>
+              <a:rPr lang="zh-CN" altLang="en-US" sz="900" dirty="0">
+                <a:latin typeface="微软雅黑" panose="020B0503020204020204" pitchFamily="34" charset="-122"/>
+                <a:ea typeface="微软雅黑" panose="020B0503020204020204" pitchFamily="34" charset="-122"/>
+              </a:rPr>
+              <a:t>这里引入安全组的概念，具体的</a:t>
+            </a:r>
+            <a:r>
+              <a:rPr lang="zh-CN" altLang="zh-CN" sz="1800" kern="100" dirty="0">
+                <a:effectLst/>
+                <a:latin typeface="Times New Roman" panose="02020603050405020304" pitchFamily="18" charset="0"/>
+                <a:ea typeface="仿宋" panose="02010609060101010101" pitchFamily="49" charset="-122"/>
+                <a:cs typeface="Times New Roman" panose="02020603050405020304" pitchFamily="18" charset="0"/>
+              </a:rPr>
+              <a:t>分组策略的配置</a:t>
+            </a:r>
+            <a:r>
+              <a:rPr lang="zh-CN" altLang="en-US" sz="1800" kern="100" dirty="0">
+                <a:effectLst/>
+                <a:latin typeface="Times New Roman" panose="02020603050405020304" pitchFamily="18" charset="0"/>
+                <a:ea typeface="仿宋" panose="02010609060101010101" pitchFamily="49" charset="-122"/>
+                <a:cs typeface="Times New Roman" panose="02020603050405020304" pitchFamily="18" charset="0"/>
+              </a:rPr>
+              <a:t>：</a:t>
+            </a:r>
+            <a:endParaRPr lang="zh-CN" altLang="zh-CN" sz="1800" kern="100" dirty="0">
+              <a:effectLst/>
+              <a:latin typeface="Times New Roman" panose="02020603050405020304" pitchFamily="18" charset="0"/>
+              <a:ea typeface="仿宋" panose="02010609060101010101" pitchFamily="49" charset="-122"/>
+              <a:cs typeface="Times New Roman" panose="02020603050405020304" pitchFamily="18" charset="0"/>
+            </a:endParaRPr>
+          </a:p>
+          <a:p>
+            <a:pPr indent="266700" algn="just">
+              <a:lnSpc>
+                <a:spcPct val="150000"/>
+              </a:lnSpc>
+            </a:pPr>
+            <a:r>
+              <a:rPr lang="zh-CN" altLang="zh-CN" sz="1800" kern="100" dirty="0">
+                <a:effectLst/>
+                <a:latin typeface="Times New Roman" panose="02020603050405020304" pitchFamily="18" charset="0"/>
+                <a:ea typeface="仿宋" panose="02010609060101010101" pitchFamily="49" charset="-122"/>
+                <a:cs typeface="Times New Roman" panose="02020603050405020304" pitchFamily="18" charset="0"/>
+              </a:rPr>
+              <a:t>最大保护策略：所有分组均需要返回响应</a:t>
+            </a:r>
+          </a:p>
+          <a:p>
+            <a:pPr indent="266700" algn="just">
+              <a:lnSpc>
+                <a:spcPct val="150000"/>
+              </a:lnSpc>
+            </a:pPr>
+            <a:r>
+              <a:rPr lang="zh-CN" altLang="zh-CN" sz="1800" kern="100" dirty="0">
+                <a:effectLst/>
+                <a:latin typeface="Times New Roman" panose="02020603050405020304" pitchFamily="18" charset="0"/>
+                <a:ea typeface="仿宋" panose="02010609060101010101" pitchFamily="49" charset="-122"/>
+                <a:cs typeface="Times New Roman" panose="02020603050405020304" pitchFamily="18" charset="0"/>
+              </a:rPr>
+              <a:t>最高性能策略：无需分组响应</a:t>
+            </a:r>
+          </a:p>
+          <a:p>
+            <a:pPr indent="266700" algn="just">
+              <a:lnSpc>
+                <a:spcPct val="150000"/>
+              </a:lnSpc>
+            </a:pPr>
+            <a:r>
+              <a:rPr lang="zh-CN" altLang="zh-CN" sz="1800" kern="100" dirty="0">
+                <a:effectLst/>
+                <a:latin typeface="Times New Roman" panose="02020603050405020304" pitchFamily="18" charset="0"/>
+                <a:ea typeface="仿宋" panose="02010609060101010101" pitchFamily="49" charset="-122"/>
+                <a:cs typeface="Times New Roman" panose="02020603050405020304" pitchFamily="18" charset="0"/>
+              </a:rPr>
+              <a:t>最高可用策略：分组响应数大于所配置的最小分组响应数（即低水位）</a:t>
+            </a:r>
+          </a:p>
+          <a:p>
+            <a:pPr indent="266700" algn="just">
+              <a:lnSpc>
+                <a:spcPct val="150000"/>
+              </a:lnSpc>
+            </a:pPr>
+            <a:r>
+              <a:rPr lang="zh-CN" altLang="zh-CN" sz="1800" kern="100" dirty="0">
+                <a:effectLst/>
+                <a:latin typeface="Times New Roman" panose="02020603050405020304" pitchFamily="18" charset="0"/>
+                <a:ea typeface="仿宋" panose="02010609060101010101" pitchFamily="49" charset="-122"/>
+                <a:cs typeface="Times New Roman" panose="02020603050405020304" pitchFamily="18" charset="0"/>
+              </a:rPr>
+              <a:t>其中最高可用策略是以最低代价保障</a:t>
+            </a:r>
+            <a:r>
+              <a:rPr lang="en-US" altLang="zh-CN" sz="1800" kern="100" dirty="0">
+                <a:effectLst/>
+                <a:latin typeface="Times New Roman" panose="02020603050405020304" pitchFamily="18" charset="0"/>
+                <a:ea typeface="仿宋" panose="02010609060101010101" pitchFamily="49" charset="-122"/>
+                <a:cs typeface="Times New Roman" panose="02020603050405020304" pitchFamily="18" charset="0"/>
+              </a:rPr>
+              <a:t>RPO</a:t>
+            </a:r>
+            <a:r>
+              <a:rPr lang="zh-CN" altLang="zh-CN" sz="1800" kern="100" dirty="0">
+                <a:effectLst/>
+                <a:latin typeface="Times New Roman" panose="02020603050405020304" pitchFamily="18" charset="0"/>
+                <a:ea typeface="仿宋" panose="02010609060101010101" pitchFamily="49" charset="-122"/>
+                <a:cs typeface="Times New Roman" panose="02020603050405020304" pitchFamily="18" charset="0"/>
+              </a:rPr>
+              <a:t>为</a:t>
+            </a:r>
+            <a:r>
+              <a:rPr lang="en-US" altLang="zh-CN" sz="1800" kern="100" dirty="0">
+                <a:effectLst/>
+                <a:latin typeface="Times New Roman" panose="02020603050405020304" pitchFamily="18" charset="0"/>
+                <a:ea typeface="仿宋" panose="02010609060101010101" pitchFamily="49" charset="-122"/>
+                <a:cs typeface="Times New Roman" panose="02020603050405020304" pitchFamily="18" charset="0"/>
+              </a:rPr>
+              <a:t>0</a:t>
+            </a:r>
+            <a:r>
+              <a:rPr lang="zh-CN" altLang="zh-CN" sz="1800" kern="100" dirty="0">
+                <a:effectLst/>
+                <a:latin typeface="Times New Roman" panose="02020603050405020304" pitchFamily="18" charset="0"/>
+                <a:ea typeface="仿宋" panose="02010609060101010101" pitchFamily="49" charset="-122"/>
+                <a:cs typeface="Times New Roman" panose="02020603050405020304" pitchFamily="18" charset="0"/>
+              </a:rPr>
+              <a:t>，在保障数据一致性的前提下最大程度的兼顾了服务高可用及同步性能。</a:t>
+            </a:r>
           </a:p>
           <a:p>
             <a:endParaRPr lang="en-US" altLang="zh-CN" sz="900" dirty="0">
@@ -6361,6 +6496,457 @@
         <p:txBody>
           <a:bodyPr/>
           <a:lstStyle/>
+          <a:p>
+            <a:pPr marL="0" lvl="0" indent="0" algn="just">
+              <a:lnSpc>
+                <a:spcPct val="150000"/>
+              </a:lnSpc>
+              <a:buFont typeface="+mj-lt"/>
+              <a:buNone/>
+            </a:pPr>
+            <a:r>
+              <a:rPr lang="en-US" altLang="zh-CN" sz="1800" kern="100" dirty="0">
+                <a:effectLst/>
+                <a:latin typeface="Times New Roman" panose="02020603050405020304" pitchFamily="18" charset="0"/>
+                <a:ea typeface="仿宋" panose="02010609060101010101" pitchFamily="49" charset="-122"/>
+                <a:cs typeface="Times New Roman" panose="02020603050405020304" pitchFamily="18" charset="0"/>
+              </a:rPr>
+              <a:t>1</a:t>
+            </a:r>
+            <a:r>
+              <a:rPr lang="zh-CN" altLang="en-US" sz="1800" kern="100" dirty="0">
+                <a:effectLst/>
+                <a:latin typeface="Times New Roman" panose="02020603050405020304" pitchFamily="18" charset="0"/>
+                <a:ea typeface="仿宋" panose="02010609060101010101" pitchFamily="49" charset="-122"/>
+                <a:cs typeface="Times New Roman" panose="02020603050405020304" pitchFamily="18" charset="0"/>
+              </a:rPr>
+              <a:t>、</a:t>
+            </a:r>
+            <a:r>
+              <a:rPr lang="zh-CN" altLang="zh-CN" sz="1800" kern="100" dirty="0">
+                <a:effectLst/>
+                <a:latin typeface="Times New Roman" panose="02020603050405020304" pitchFamily="18" charset="0"/>
+                <a:ea typeface="仿宋" panose="02010609060101010101" pitchFamily="49" charset="-122"/>
+                <a:cs typeface="Times New Roman" panose="02020603050405020304" pitchFamily="18" charset="0"/>
+              </a:rPr>
+              <a:t>根据一直运行的脚本获取高低水位信息，在切换开始时检验是否低于高水位</a:t>
+            </a:r>
+          </a:p>
+          <a:p>
+            <a:pPr marL="0" lvl="0" indent="0" algn="just">
+              <a:lnSpc>
+                <a:spcPct val="150000"/>
+              </a:lnSpc>
+              <a:buFont typeface="+mj-lt"/>
+              <a:buNone/>
+            </a:pPr>
+            <a:r>
+              <a:rPr lang="en-US" altLang="zh-CN" sz="1800" kern="100" dirty="0">
+                <a:effectLst/>
+                <a:latin typeface="Times New Roman" panose="02020603050405020304" pitchFamily="18" charset="0"/>
+                <a:ea typeface="仿宋" panose="02010609060101010101" pitchFamily="49" charset="-122"/>
+                <a:cs typeface="Times New Roman" panose="02020603050405020304" pitchFamily="18" charset="0"/>
+              </a:rPr>
+              <a:t>2</a:t>
+            </a:r>
+            <a:r>
+              <a:rPr lang="zh-CN" altLang="en-US" sz="1800" kern="100" dirty="0">
+                <a:effectLst/>
+                <a:latin typeface="Times New Roman" panose="02020603050405020304" pitchFamily="18" charset="0"/>
+                <a:ea typeface="仿宋" panose="02010609060101010101" pitchFamily="49" charset="-122"/>
+                <a:cs typeface="Times New Roman" panose="02020603050405020304" pitchFamily="18" charset="0"/>
+              </a:rPr>
+              <a:t>、</a:t>
+            </a:r>
+            <a:r>
+              <a:rPr lang="zh-CN" altLang="zh-CN" sz="1800" kern="100" dirty="0">
+                <a:effectLst/>
+                <a:latin typeface="Times New Roman" panose="02020603050405020304" pitchFamily="18" charset="0"/>
+                <a:ea typeface="仿宋" panose="02010609060101010101" pitchFamily="49" charset="-122"/>
+                <a:cs typeface="Times New Roman" panose="02020603050405020304" pitchFamily="18" charset="0"/>
+              </a:rPr>
+              <a:t>如果低于高水位，不触发切换逻辑；高于高水位时，杀本地管理节点及</a:t>
+            </a:r>
+            <a:r>
+              <a:rPr lang="en-US" altLang="zh-CN" sz="1800" kern="100" dirty="0">
+                <a:effectLst/>
+                <a:latin typeface="Times New Roman" panose="02020603050405020304" pitchFamily="18" charset="0"/>
+                <a:ea typeface="仿宋" panose="02010609060101010101" pitchFamily="49" charset="-122"/>
+                <a:cs typeface="Times New Roman" panose="02020603050405020304" pitchFamily="18" charset="0"/>
+              </a:rPr>
+              <a:t>OMM</a:t>
+            </a:r>
+            <a:endParaRPr lang="zh-CN" altLang="zh-CN" sz="1800" kern="100" dirty="0">
+              <a:effectLst/>
+              <a:latin typeface="Times New Roman" panose="02020603050405020304" pitchFamily="18" charset="0"/>
+              <a:ea typeface="仿宋" panose="02010609060101010101" pitchFamily="49" charset="-122"/>
+              <a:cs typeface="Times New Roman" panose="02020603050405020304" pitchFamily="18" charset="0"/>
+            </a:endParaRPr>
+          </a:p>
+          <a:p>
+            <a:pPr marL="0" lvl="0" indent="0" algn="just">
+              <a:lnSpc>
+                <a:spcPct val="150000"/>
+              </a:lnSpc>
+              <a:buFont typeface="+mj-lt"/>
+              <a:buNone/>
+            </a:pPr>
+            <a:r>
+              <a:rPr lang="en-US" altLang="zh-CN" sz="1800" kern="100" dirty="0">
+                <a:effectLst/>
+                <a:latin typeface="Times New Roman" panose="02020603050405020304" pitchFamily="18" charset="0"/>
+                <a:ea typeface="仿宋" panose="02010609060101010101" pitchFamily="49" charset="-122"/>
+                <a:cs typeface="Times New Roman" panose="02020603050405020304" pitchFamily="18" charset="0"/>
+              </a:rPr>
+              <a:t>3</a:t>
+            </a:r>
+            <a:r>
+              <a:rPr lang="zh-CN" altLang="en-US" sz="1800" kern="100" dirty="0">
+                <a:effectLst/>
+                <a:latin typeface="Times New Roman" panose="02020603050405020304" pitchFamily="18" charset="0"/>
+                <a:ea typeface="仿宋" panose="02010609060101010101" pitchFamily="49" charset="-122"/>
+                <a:cs typeface="Times New Roman" panose="02020603050405020304" pitchFamily="18" charset="0"/>
+              </a:rPr>
+              <a:t>、</a:t>
+            </a:r>
+            <a:r>
+              <a:rPr lang="zh-CN" altLang="zh-CN" sz="1800" kern="100" dirty="0">
+                <a:effectLst/>
+                <a:latin typeface="Times New Roman" panose="02020603050405020304" pitchFamily="18" charset="0"/>
+                <a:ea typeface="仿宋" panose="02010609060101010101" pitchFamily="49" charset="-122"/>
+                <a:cs typeface="Times New Roman" panose="02020603050405020304" pitchFamily="18" charset="0"/>
+              </a:rPr>
+              <a:t>等待所有备机回放完成</a:t>
+            </a:r>
+          </a:p>
+          <a:p>
+            <a:pPr marL="0" lvl="0" indent="0" algn="just">
+              <a:lnSpc>
+                <a:spcPct val="150000"/>
+              </a:lnSpc>
+              <a:buFont typeface="+mj-lt"/>
+              <a:buNone/>
+            </a:pPr>
+            <a:r>
+              <a:rPr lang="en-US" altLang="zh-CN" sz="1800" kern="100" dirty="0">
+                <a:effectLst/>
+                <a:latin typeface="Times New Roman" panose="02020603050405020304" pitchFamily="18" charset="0"/>
+                <a:ea typeface="仿宋" panose="02010609060101010101" pitchFamily="49" charset="-122"/>
+                <a:cs typeface="Times New Roman" panose="02020603050405020304" pitchFamily="18" charset="0"/>
+              </a:rPr>
+              <a:t>4</a:t>
+            </a:r>
+            <a:r>
+              <a:rPr lang="zh-CN" altLang="en-US" sz="1800" kern="100" dirty="0">
+                <a:effectLst/>
+                <a:latin typeface="Times New Roman" panose="02020603050405020304" pitchFamily="18" charset="0"/>
+                <a:ea typeface="仿宋" panose="02010609060101010101" pitchFamily="49" charset="-122"/>
+                <a:cs typeface="Times New Roman" panose="02020603050405020304" pitchFamily="18" charset="0"/>
+              </a:rPr>
+              <a:t>、</a:t>
+            </a:r>
+            <a:r>
+              <a:rPr lang="zh-CN" altLang="zh-CN" sz="1800" kern="100" dirty="0">
+                <a:effectLst/>
+                <a:latin typeface="Times New Roman" panose="02020603050405020304" pitchFamily="18" charset="0"/>
+                <a:ea typeface="仿宋" panose="02010609060101010101" pitchFamily="49" charset="-122"/>
+                <a:cs typeface="Times New Roman" panose="02020603050405020304" pitchFamily="18" charset="0"/>
+              </a:rPr>
+              <a:t>所有参与选主的管理节点：根据是否允许跨机房切换来确定参与选主的管理节点，返回参与选主管理节点的信息</a:t>
+            </a:r>
+          </a:p>
+          <a:p>
+            <a:pPr marL="0" lvl="0" indent="0" algn="just">
+              <a:lnSpc>
+                <a:spcPct val="150000"/>
+              </a:lnSpc>
+              <a:buFont typeface="+mj-lt"/>
+              <a:buNone/>
+            </a:pPr>
+            <a:r>
+              <a:rPr lang="en-US" altLang="zh-CN" sz="1800" kern="100" dirty="0">
+                <a:effectLst/>
+                <a:latin typeface="Times New Roman" panose="02020603050405020304" pitchFamily="18" charset="0"/>
+                <a:ea typeface="仿宋" panose="02010609060101010101" pitchFamily="49" charset="-122"/>
+                <a:cs typeface="Times New Roman" panose="02020603050405020304" pitchFamily="18" charset="0"/>
+              </a:rPr>
+              <a:t>5</a:t>
+            </a:r>
+            <a:r>
+              <a:rPr lang="zh-CN" altLang="en-US" sz="1800" kern="100" dirty="0">
+                <a:effectLst/>
+                <a:latin typeface="Times New Roman" panose="02020603050405020304" pitchFamily="18" charset="0"/>
+                <a:ea typeface="仿宋" panose="02010609060101010101" pitchFamily="49" charset="-122"/>
+                <a:cs typeface="Times New Roman" panose="02020603050405020304" pitchFamily="18" charset="0"/>
+              </a:rPr>
+              <a:t>、</a:t>
+            </a:r>
+            <a:r>
+              <a:rPr lang="zh-CN" altLang="zh-CN" sz="1800" kern="100" dirty="0">
+                <a:effectLst/>
+                <a:latin typeface="Times New Roman" panose="02020603050405020304" pitchFamily="18" charset="0"/>
+                <a:ea typeface="仿宋" panose="02010609060101010101" pitchFamily="49" charset="-122"/>
+                <a:cs typeface="Times New Roman" panose="02020603050405020304" pitchFamily="18" charset="0"/>
+              </a:rPr>
+              <a:t>判断参与选主管理节点中有无一致性副本</a:t>
+            </a:r>
+          </a:p>
+          <a:p>
+            <a:pPr marL="0" lvl="0" indent="0" algn="just">
+              <a:lnSpc>
+                <a:spcPct val="150000"/>
+              </a:lnSpc>
+              <a:buFont typeface="+mj-lt"/>
+              <a:buNone/>
+            </a:pPr>
+            <a:r>
+              <a:rPr lang="en-US" altLang="zh-CN" sz="1800" kern="100" dirty="0">
+                <a:effectLst/>
+                <a:latin typeface="Times New Roman" panose="02020603050405020304" pitchFamily="18" charset="0"/>
+                <a:ea typeface="仿宋" panose="02010609060101010101" pitchFamily="49" charset="-122"/>
+                <a:cs typeface="Times New Roman" panose="02020603050405020304" pitchFamily="18" charset="0"/>
+              </a:rPr>
+              <a:t>6</a:t>
+            </a:r>
+            <a:r>
+              <a:rPr lang="zh-CN" altLang="en-US" sz="1800" kern="100" dirty="0">
+                <a:effectLst/>
+                <a:latin typeface="Times New Roman" panose="02020603050405020304" pitchFamily="18" charset="0"/>
+                <a:ea typeface="仿宋" panose="02010609060101010101" pitchFamily="49" charset="-122"/>
+                <a:cs typeface="Times New Roman" panose="02020603050405020304" pitchFamily="18" charset="0"/>
+              </a:rPr>
+              <a:t>、</a:t>
+            </a:r>
+            <a:r>
+              <a:rPr lang="zh-CN" altLang="zh-CN" sz="1800" kern="100" dirty="0">
+                <a:effectLst/>
+                <a:latin typeface="Times New Roman" panose="02020603050405020304" pitchFamily="18" charset="0"/>
+                <a:ea typeface="仿宋" panose="02010609060101010101" pitchFamily="49" charset="-122"/>
+                <a:cs typeface="Times New Roman" panose="02020603050405020304" pitchFamily="18" charset="0"/>
+              </a:rPr>
+              <a:t>如无一致性副本，则选取</a:t>
+            </a:r>
+            <a:r>
+              <a:rPr lang="en-US" altLang="zh-CN" sz="1800" kern="100" dirty="0" err="1">
+                <a:effectLst/>
+                <a:latin typeface="Times New Roman" panose="02020603050405020304" pitchFamily="18" charset="0"/>
+                <a:ea typeface="仿宋" panose="02010609060101010101" pitchFamily="49" charset="-122"/>
+                <a:cs typeface="Times New Roman" panose="02020603050405020304" pitchFamily="18" charset="0"/>
+              </a:rPr>
+              <a:t>gtid</a:t>
+            </a:r>
+            <a:r>
+              <a:rPr lang="zh-CN" altLang="zh-CN" sz="1800" kern="100" dirty="0">
+                <a:effectLst/>
+                <a:latin typeface="Times New Roman" panose="02020603050405020304" pitchFamily="18" charset="0"/>
+                <a:ea typeface="仿宋" panose="02010609060101010101" pitchFamily="49" charset="-122"/>
+                <a:cs typeface="Times New Roman" panose="02020603050405020304" pitchFamily="18" charset="0"/>
+              </a:rPr>
+              <a:t>最大且优先级最高的管理节点为主；如有一致性副本，则选取一致性副本中优先级最高的作为新主</a:t>
+            </a:r>
+          </a:p>
+          <a:p>
+            <a:pPr marL="0" lvl="0" indent="0" algn="just">
+              <a:lnSpc>
+                <a:spcPct val="150000"/>
+              </a:lnSpc>
+              <a:buFont typeface="+mj-lt"/>
+              <a:buNone/>
+            </a:pPr>
+            <a:r>
+              <a:rPr lang="en-US" altLang="zh-CN" sz="1800" kern="100" dirty="0">
+                <a:effectLst/>
+                <a:latin typeface="Times New Roman" panose="02020603050405020304" pitchFamily="18" charset="0"/>
+                <a:ea typeface="仿宋" panose="02010609060101010101" pitchFamily="49" charset="-122"/>
+                <a:cs typeface="Times New Roman" panose="02020603050405020304" pitchFamily="18" charset="0"/>
+              </a:rPr>
+              <a:t>7</a:t>
+            </a:r>
+            <a:r>
+              <a:rPr lang="zh-CN" altLang="en-US" sz="1800" kern="100" dirty="0">
+                <a:effectLst/>
+                <a:latin typeface="Times New Roman" panose="02020603050405020304" pitchFamily="18" charset="0"/>
+                <a:ea typeface="仿宋" panose="02010609060101010101" pitchFamily="49" charset="-122"/>
+                <a:cs typeface="Times New Roman" panose="02020603050405020304" pitchFamily="18" charset="0"/>
+              </a:rPr>
+              <a:t>、</a:t>
+            </a:r>
+            <a:r>
+              <a:rPr lang="zh-CN" altLang="zh-CN" sz="1800" kern="100" dirty="0">
+                <a:effectLst/>
+                <a:latin typeface="Times New Roman" panose="02020603050405020304" pitchFamily="18" charset="0"/>
+                <a:ea typeface="仿宋" panose="02010609060101010101" pitchFamily="49" charset="-122"/>
+                <a:cs typeface="Times New Roman" panose="02020603050405020304" pitchFamily="18" charset="0"/>
+              </a:rPr>
+              <a:t>选出新主后根据标志位判断新主是否需要拉数据，如果无一致性副本，则需要向新主拉数据</a:t>
+            </a:r>
+          </a:p>
+          <a:p>
+            <a:pPr marL="0" lvl="0" indent="0" algn="just">
+              <a:lnSpc>
+                <a:spcPct val="150000"/>
+              </a:lnSpc>
+              <a:buFont typeface="+mj-lt"/>
+              <a:buNone/>
+            </a:pPr>
+            <a:r>
+              <a:rPr lang="en-US" altLang="zh-CN" sz="1800" kern="100" dirty="0">
+                <a:effectLst/>
+                <a:latin typeface="Times New Roman" panose="02020603050405020304" pitchFamily="18" charset="0"/>
+                <a:ea typeface="仿宋" panose="02010609060101010101" pitchFamily="49" charset="-122"/>
+                <a:cs typeface="Times New Roman" panose="02020603050405020304" pitchFamily="18" charset="0"/>
+              </a:rPr>
+              <a:t>8</a:t>
+            </a:r>
+            <a:r>
+              <a:rPr lang="zh-CN" altLang="en-US" sz="1800" kern="100" dirty="0">
+                <a:effectLst/>
+                <a:latin typeface="Times New Roman" panose="02020603050405020304" pitchFamily="18" charset="0"/>
+                <a:ea typeface="仿宋" panose="02010609060101010101" pitchFamily="49" charset="-122"/>
+                <a:cs typeface="Times New Roman" panose="02020603050405020304" pitchFamily="18" charset="0"/>
+              </a:rPr>
+              <a:t>、</a:t>
+            </a:r>
+            <a:r>
+              <a:rPr lang="zh-CN" altLang="zh-CN" sz="1800" kern="100" dirty="0">
+                <a:effectLst/>
+                <a:latin typeface="Times New Roman" panose="02020603050405020304" pitchFamily="18" charset="0"/>
+                <a:ea typeface="仿宋" panose="02010609060101010101" pitchFamily="49" charset="-122"/>
+                <a:cs typeface="Times New Roman" panose="02020603050405020304" pitchFamily="18" charset="0"/>
+              </a:rPr>
+              <a:t>确保新主数据最大后，启动新主的</a:t>
+            </a:r>
+            <a:r>
+              <a:rPr lang="en-US" altLang="zh-CN" sz="1800" kern="100" dirty="0">
+                <a:effectLst/>
+                <a:latin typeface="Times New Roman" panose="02020603050405020304" pitchFamily="18" charset="0"/>
+                <a:ea typeface="仿宋" panose="02010609060101010101" pitchFamily="49" charset="-122"/>
+                <a:cs typeface="Times New Roman" panose="02020603050405020304" pitchFamily="18" charset="0"/>
+              </a:rPr>
+              <a:t>OMM</a:t>
+            </a:r>
+            <a:r>
+              <a:rPr lang="zh-CN" altLang="zh-CN" sz="1800" kern="100" dirty="0">
+                <a:effectLst/>
+                <a:latin typeface="Times New Roman" panose="02020603050405020304" pitchFamily="18" charset="0"/>
+                <a:ea typeface="仿宋" panose="02010609060101010101" pitchFamily="49" charset="-122"/>
+                <a:cs typeface="Times New Roman" panose="02020603050405020304" pitchFamily="18" charset="0"/>
+              </a:rPr>
+              <a:t>、管理节点，建立</a:t>
+            </a:r>
+            <a:r>
+              <a:rPr lang="en-US" altLang="zh-CN" sz="1800" kern="100" dirty="0">
+                <a:effectLst/>
+                <a:latin typeface="Times New Roman" panose="02020603050405020304" pitchFamily="18" charset="0"/>
+                <a:ea typeface="仿宋" panose="02010609060101010101" pitchFamily="49" charset="-122"/>
+                <a:cs typeface="Times New Roman" panose="02020603050405020304" pitchFamily="18" charset="0"/>
+              </a:rPr>
+              <a:t>RDB</a:t>
+            </a:r>
+            <a:r>
+              <a:rPr lang="zh-CN" altLang="zh-CN" sz="1800" kern="100" dirty="0">
+                <a:effectLst/>
+                <a:latin typeface="Times New Roman" panose="02020603050405020304" pitchFamily="18" charset="0"/>
+                <a:ea typeface="仿宋" panose="02010609060101010101" pitchFamily="49" charset="-122"/>
+                <a:cs typeface="Times New Roman" panose="02020603050405020304" pitchFamily="18" charset="0"/>
+              </a:rPr>
+              <a:t>主备关系</a:t>
+            </a:r>
+          </a:p>
+          <a:p>
+            <a:pPr marL="0" lvl="0" indent="0" algn="just">
+              <a:lnSpc>
+                <a:spcPct val="150000"/>
+              </a:lnSpc>
+              <a:buFont typeface="+mj-lt"/>
+              <a:buNone/>
+            </a:pPr>
+            <a:r>
+              <a:rPr lang="en-US" altLang="zh-CN" sz="1800" kern="100" dirty="0">
+                <a:effectLst/>
+                <a:latin typeface="Times New Roman" panose="02020603050405020304" pitchFamily="18" charset="0"/>
+                <a:ea typeface="仿宋" panose="02010609060101010101" pitchFamily="49" charset="-122"/>
+                <a:cs typeface="Times New Roman" panose="02020603050405020304" pitchFamily="18" charset="0"/>
+              </a:rPr>
+              <a:t>9</a:t>
+            </a:r>
+            <a:r>
+              <a:rPr lang="zh-CN" altLang="en-US" sz="1800" kern="100" dirty="0">
+                <a:effectLst/>
+                <a:latin typeface="Times New Roman" panose="02020603050405020304" pitchFamily="18" charset="0"/>
+                <a:ea typeface="仿宋" panose="02010609060101010101" pitchFamily="49" charset="-122"/>
+                <a:cs typeface="Times New Roman" panose="02020603050405020304" pitchFamily="18" charset="0"/>
+              </a:rPr>
+              <a:t>、</a:t>
+            </a:r>
+            <a:r>
+              <a:rPr lang="zh-CN" altLang="zh-CN" sz="1800" kern="100" dirty="0">
+                <a:effectLst/>
+                <a:latin typeface="Times New Roman" panose="02020603050405020304" pitchFamily="18" charset="0"/>
+                <a:ea typeface="仿宋" panose="02010609060101010101" pitchFamily="49" charset="-122"/>
+                <a:cs typeface="Times New Roman" panose="02020603050405020304" pitchFamily="18" charset="0"/>
+              </a:rPr>
+              <a:t>校验</a:t>
+            </a:r>
+            <a:r>
+              <a:rPr lang="en-US" altLang="zh-CN" sz="1800" kern="100" dirty="0">
+                <a:effectLst/>
+                <a:latin typeface="Times New Roman" panose="02020603050405020304" pitchFamily="18" charset="0"/>
+                <a:ea typeface="仿宋" panose="02010609060101010101" pitchFamily="49" charset="-122"/>
+                <a:cs typeface="Times New Roman" panose="02020603050405020304" pitchFamily="18" charset="0"/>
+              </a:rPr>
+              <a:t>RDB</a:t>
+            </a:r>
+            <a:r>
+              <a:rPr lang="zh-CN" altLang="zh-CN" sz="1800" kern="100" dirty="0">
+                <a:effectLst/>
+                <a:latin typeface="Times New Roman" panose="02020603050405020304" pitchFamily="18" charset="0"/>
+                <a:ea typeface="仿宋" panose="02010609060101010101" pitchFamily="49" charset="-122"/>
+                <a:cs typeface="Times New Roman" panose="02020603050405020304" pitchFamily="18" charset="0"/>
+              </a:rPr>
+              <a:t>主备一致性，若成功则返回新主</a:t>
+            </a:r>
+            <a:r>
+              <a:rPr lang="en-US" altLang="zh-CN" sz="1800" kern="100" dirty="0" err="1">
+                <a:effectLst/>
+                <a:latin typeface="Times New Roman" panose="02020603050405020304" pitchFamily="18" charset="0"/>
+                <a:ea typeface="仿宋" panose="02010609060101010101" pitchFamily="49" charset="-122"/>
+                <a:cs typeface="Times New Roman" panose="02020603050405020304" pitchFamily="18" charset="0"/>
+              </a:rPr>
+              <a:t>ip</a:t>
+            </a:r>
+            <a:r>
+              <a:rPr lang="zh-CN" altLang="zh-CN" sz="1800" kern="100" dirty="0">
+                <a:effectLst/>
+                <a:latin typeface="Times New Roman" panose="02020603050405020304" pitchFamily="18" charset="0"/>
+                <a:ea typeface="仿宋" panose="02010609060101010101" pitchFamily="49" charset="-122"/>
+                <a:cs typeface="Times New Roman" panose="02020603050405020304" pitchFamily="18" charset="0"/>
+              </a:rPr>
+              <a:t>并提供服务</a:t>
+            </a:r>
+          </a:p>
+          <a:p>
+            <a:pPr indent="266700" algn="just">
+              <a:lnSpc>
+                <a:spcPct val="150000"/>
+              </a:lnSpc>
+            </a:pPr>
+            <a:r>
+              <a:rPr lang="en-US" altLang="zh-CN" sz="1800" kern="100" dirty="0">
+                <a:effectLst/>
+                <a:latin typeface="Times New Roman" panose="02020603050405020304" pitchFamily="18" charset="0"/>
+                <a:ea typeface="仿宋" panose="02010609060101010101" pitchFamily="49" charset="-122"/>
+                <a:cs typeface="Times New Roman" panose="02020603050405020304" pitchFamily="18" charset="0"/>
+              </a:rPr>
+              <a:t> </a:t>
+            </a:r>
+            <a:endParaRPr lang="zh-CN" altLang="zh-CN" sz="1800" kern="100" dirty="0">
+              <a:effectLst/>
+              <a:latin typeface="Times New Roman" panose="02020603050405020304" pitchFamily="18" charset="0"/>
+              <a:ea typeface="仿宋" panose="02010609060101010101" pitchFamily="49" charset="-122"/>
+              <a:cs typeface="Times New Roman" panose="02020603050405020304" pitchFamily="18" charset="0"/>
+            </a:endParaRPr>
+          </a:p>
           <a:p>
             <a:endParaRPr lang="en-US" altLang="zh-CN" sz="900" dirty="0">
               <a:latin typeface="微软雅黑" panose="020B0503020204020204" pitchFamily="34" charset="-122"/>
@@ -26140,7 +26726,7 @@
             </a:r>
             <a:r>
               <a:rPr lang="zh-CN" altLang="en-US" sz="1800" dirty="0"/>
-              <a:t>时，不校验</a:t>
+              <a:t>（非一致性读）时，不校验</a:t>
             </a:r>
             <a:r>
               <a:rPr lang="en-US" altLang="zh-CN" sz="1800" dirty="0"/>
@@ -26159,8 +26745,20 @@
               <a:t>计算节点隔离级别为</a:t>
             </a:r>
             <a:r>
-              <a:rPr lang="en-US" altLang="zh-CN" sz="1800" dirty="0"/>
+              <a:rPr lang="en-US" altLang="zh-CN" sz="1800" dirty="0">
+                <a:solidFill>
+                  <a:srgbClr val="FF0000"/>
+                </a:solidFill>
+              </a:rPr>
               <a:t>CR</a:t>
+            </a:r>
+            <a:r>
+              <a:rPr lang="zh-CN" altLang="en-US" sz="1800" dirty="0">
+                <a:solidFill>
+                  <a:srgbClr val="FF0000"/>
+                </a:solidFill>
+              </a:rPr>
+              <a:t>（一致性读）</a:t>
             </a:r>
             <a:r>
               <a:rPr lang="zh-CN" altLang="en-US" sz="1800" dirty="0"/>
@@ -26422,15 +27020,35 @@
             <a:pPr lvl="1"/>
             <a:r>
               <a:rPr lang="zh-CN" altLang="en-US" sz="1800" dirty="0"/>
-              <a:t>一致性读存在一些问题：对于聚合函数采用</a:t>
-            </a:r>
-            <a:r>
-              <a:rPr lang="en-US" altLang="zh-CN" sz="1800" dirty="0"/>
+              <a:t>一致性读存在一些问题：</a:t>
+            </a:r>
+            <a:r>
+              <a:rPr lang="zh-CN" altLang="en-US" sz="1800" dirty="0">
+                <a:solidFill>
+                  <a:srgbClr val="FF0000"/>
+                </a:solidFill>
+              </a:rPr>
+              <a:t>对于聚合函数采用</a:t>
+            </a:r>
+            <a:r>
+              <a:rPr lang="en-US" altLang="zh-CN" sz="1800" dirty="0">
+                <a:solidFill>
+                  <a:srgbClr val="FF0000"/>
+                </a:solidFill>
+              </a:rPr>
               <a:t>lock in share mode</a:t>
             </a:r>
             <a:r>
+              <a:rPr lang="zh-CN" altLang="en-US" sz="1800" dirty="0">
+                <a:solidFill>
+                  <a:srgbClr val="FF0000"/>
+                </a:solidFill>
+              </a:rPr>
+              <a:t>，存在一致性问题</a:t>
+            </a:r>
+            <a:r>
               <a:rPr lang="zh-CN" altLang="en-US" sz="1800" dirty="0"/>
-              <a:t>，存在一致性问题，事务活跃性在</a:t>
+              <a:t>，事务活跃性在</a:t>
             </a:r>
             <a:r>
               <a:rPr lang="en-US" altLang="zh-CN" sz="1800" dirty="0"/>
@@ -26458,26 +27076,54 @@
             </a:r>
             <a:r>
               <a:rPr lang="zh-CN" altLang="en-US" sz="1800" dirty="0"/>
-              <a:t>模式一致性读：将获取</a:t>
-            </a:r>
-            <a:r>
-              <a:rPr lang="en-US" altLang="zh-CN" sz="1800" dirty="0"/>
+              <a:t>模式一致性读：将</a:t>
+            </a:r>
+            <a:r>
+              <a:rPr lang="zh-CN" altLang="en-US" sz="1800" dirty="0">
+                <a:solidFill>
+                  <a:srgbClr val="FF0000"/>
+                </a:solidFill>
+              </a:rPr>
+              <a:t>获取</a:t>
+            </a:r>
+            <a:r>
+              <a:rPr lang="en-US" altLang="zh-CN" sz="1800" dirty="0">
+                <a:solidFill>
+                  <a:srgbClr val="FF0000"/>
+                </a:solidFill>
+              </a:rPr>
               <a:t>GTID</a:t>
             </a:r>
             <a:r>
-              <a:rPr lang="zh-CN" altLang="en-US" sz="1800" dirty="0"/>
+              <a:rPr lang="zh-CN" altLang="en-US" sz="1800" dirty="0">
+                <a:solidFill>
+                  <a:srgbClr val="FF0000"/>
+                </a:solidFill>
+              </a:rPr>
               <a:t>列表在</a:t>
             </a:r>
             <a:r>
-              <a:rPr lang="en-US" altLang="zh-CN" sz="1800" dirty="0"/>
+              <a:rPr lang="en-US" altLang="zh-CN" sz="1800" dirty="0">
+                <a:solidFill>
+                  <a:srgbClr val="FF0000"/>
+                </a:solidFill>
+              </a:rPr>
               <a:t>hint</a:t>
             </a:r>
             <a:r>
-              <a:rPr lang="zh-CN" altLang="en-US" sz="1800" dirty="0"/>
+              <a:rPr lang="zh-CN" altLang="en-US" sz="1800" dirty="0">
+                <a:solidFill>
+                  <a:srgbClr val="FF0000"/>
+                </a:solidFill>
+              </a:rPr>
               <a:t>中下推给</a:t>
             </a:r>
             <a:r>
-              <a:rPr lang="en-US" altLang="zh-CN" sz="1800" dirty="0"/>
+              <a:rPr lang="en-US" altLang="zh-CN" sz="1800" dirty="0">
+                <a:solidFill>
+                  <a:srgbClr val="FF0000"/>
+                </a:solidFill>
+              </a:rPr>
               <a:t>DB</a:t>
             </a:r>
             <a:r>
@@ -39441,6 +40087,14 @@
             <a:endParaRPr lang="en-US" altLang="zh-CN" dirty="0"/>
           </a:p>
           <a:p>
+            <a:pPr lvl="1"/>
+            <a:r>
+              <a:rPr lang="zh-CN" altLang="en-US" dirty="0"/>
+              <a:t>没有云平台，基本没有形成相关生态链</a:t>
+            </a:r>
+            <a:endParaRPr lang="en-US" altLang="zh-CN" dirty="0"/>
+          </a:p>
+          <a:p>
             <a:pPr marL="480695" lvl="1" indent="0">
               <a:buNone/>
             </a:pPr>
@@ -39608,7 +40262,7 @@
         <p:spPr>
           <a:xfrm>
             <a:off x="838201" y="1085879"/>
-            <a:ext cx="10658399" cy="5396787"/>
+            <a:ext cx="10658399" cy="3052984"/>
           </a:xfrm>
         </p:spPr>
         <p:txBody>
@@ -39652,7 +40306,7 @@
               <a:t>DDL/DML/Transaction</a:t>
             </a:r>
             <a:r>
-              <a:rPr lang="zh-CN" altLang="en-US"/>
+              <a:rPr lang="zh-CN" altLang="en-US" dirty="0"/>
               <a:t>支持，支持行列混合存储</a:t>
             </a:r>
             <a:endParaRPr lang="en-US" altLang="zh-CN" dirty="0"/>
@@ -39670,6 +40324,14 @@
             <a:r>
               <a:rPr lang="zh-CN" altLang="en-US" dirty="0"/>
               <a:t>管理元数据</a:t>
+            </a:r>
+            <a:endParaRPr lang="en-US" altLang="zh-CN" dirty="0"/>
+          </a:p>
+          <a:p>
+            <a:pPr lvl="1"/>
+            <a:r>
+              <a:rPr lang="zh-CN" altLang="en-US" dirty="0"/>
+              <a:t>强化管理、运维工具的功能和实用性</a:t>
             </a:r>
           </a:p>
           <a:p>

--- a/28. OLTP/GoldenDB产品简介及架构解析.pptx
+++ b/28. OLTP/GoldenDB产品简介及架构解析.pptx
@@ -14364,7 +14364,7 @@
         </p:nvSpPr>
         <p:spPr bwMode="auto">
           <a:xfrm>
-            <a:off x="838200" y="4424432"/>
+            <a:off x="838201" y="4418989"/>
             <a:ext cx="9821113" cy="1334111"/>
           </a:xfrm>
           <a:prstGeom prst="rect">

--- a/28. OLTP/GoldenDB产品简介及架构解析.pptx
+++ b/28. OLTP/GoldenDB产品简介及架构解析.pptx
@@ -5,10 +5,10 @@
     <p:sldMasterId id="2147483648" r:id="rId1"/>
   </p:sldMasterIdLst>
   <p:notesMasterIdLst>
-    <p:notesMasterId r:id="rId70"/>
+    <p:notesMasterId r:id="rId71"/>
   </p:notesMasterIdLst>
   <p:handoutMasterIdLst>
-    <p:handoutMasterId r:id="rId71"/>
+    <p:handoutMasterId r:id="rId72"/>
   </p:handoutMasterIdLst>
   <p:sldIdLst>
     <p:sldId id="466" r:id="rId2"/>
@@ -49,36 +49,37 @@
     <p:sldId id="598" r:id="rId37"/>
     <p:sldId id="599" r:id="rId38"/>
     <p:sldId id="600" r:id="rId39"/>
-    <p:sldId id="511" r:id="rId40"/>
-    <p:sldId id="390" r:id="rId41"/>
-    <p:sldId id="601" r:id="rId42"/>
-    <p:sldId id="602" r:id="rId43"/>
-    <p:sldId id="603" r:id="rId44"/>
-    <p:sldId id="604" r:id="rId45"/>
-    <p:sldId id="605" r:id="rId46"/>
-    <p:sldId id="606" r:id="rId47"/>
-    <p:sldId id="607" r:id="rId48"/>
-    <p:sldId id="608" r:id="rId49"/>
-    <p:sldId id="609" r:id="rId50"/>
-    <p:sldId id="626" r:id="rId51"/>
-    <p:sldId id="610" r:id="rId52"/>
-    <p:sldId id="611" r:id="rId53"/>
-    <p:sldId id="612" r:id="rId54"/>
-    <p:sldId id="615" r:id="rId55"/>
-    <p:sldId id="622" r:id="rId56"/>
-    <p:sldId id="623" r:id="rId57"/>
-    <p:sldId id="631" r:id="rId58"/>
-    <p:sldId id="632" r:id="rId59"/>
-    <p:sldId id="624" r:id="rId60"/>
-    <p:sldId id="625" r:id="rId61"/>
-    <p:sldId id="633" r:id="rId62"/>
-    <p:sldId id="616" r:id="rId63"/>
-    <p:sldId id="620" r:id="rId64"/>
-    <p:sldId id="621" r:id="rId65"/>
-    <p:sldId id="617" r:id="rId66"/>
-    <p:sldId id="618" r:id="rId67"/>
-    <p:sldId id="619" r:id="rId68"/>
-    <p:sldId id="475" r:id="rId69"/>
+    <p:sldId id="639" r:id="rId40"/>
+    <p:sldId id="511" r:id="rId41"/>
+    <p:sldId id="390" r:id="rId42"/>
+    <p:sldId id="601" r:id="rId43"/>
+    <p:sldId id="602" r:id="rId44"/>
+    <p:sldId id="603" r:id="rId45"/>
+    <p:sldId id="604" r:id="rId46"/>
+    <p:sldId id="605" r:id="rId47"/>
+    <p:sldId id="606" r:id="rId48"/>
+    <p:sldId id="607" r:id="rId49"/>
+    <p:sldId id="608" r:id="rId50"/>
+    <p:sldId id="609" r:id="rId51"/>
+    <p:sldId id="626" r:id="rId52"/>
+    <p:sldId id="610" r:id="rId53"/>
+    <p:sldId id="611" r:id="rId54"/>
+    <p:sldId id="612" r:id="rId55"/>
+    <p:sldId id="615" r:id="rId56"/>
+    <p:sldId id="622" r:id="rId57"/>
+    <p:sldId id="623" r:id="rId58"/>
+    <p:sldId id="631" r:id="rId59"/>
+    <p:sldId id="632" r:id="rId60"/>
+    <p:sldId id="624" r:id="rId61"/>
+    <p:sldId id="625" r:id="rId62"/>
+    <p:sldId id="633" r:id="rId63"/>
+    <p:sldId id="616" r:id="rId64"/>
+    <p:sldId id="620" r:id="rId65"/>
+    <p:sldId id="621" r:id="rId66"/>
+    <p:sldId id="617" r:id="rId67"/>
+    <p:sldId id="618" r:id="rId68"/>
+    <p:sldId id="619" r:id="rId69"/>
+    <p:sldId id="475" r:id="rId70"/>
   </p:sldIdLst>
   <p:sldSz cx="12192000" cy="6858000"/>
   <p:notesSz cx="6794500" cy="9906000"/>
@@ -5986,6 +5987,121 @@
       </p:grpSpPr>
       <p:sp>
         <p:nvSpPr>
+          <p:cNvPr id="2" name="幻灯片图像占位符 1"/>
+          <p:cNvSpPr>
+            <a:spLocks noGrp="1" noRot="1" noChangeAspect="1"/>
+          </p:cNvSpPr>
+          <p:nvPr>
+            <p:ph type="sldImg"/>
+          </p:nvPr>
+        </p:nvSpPr>
+        <p:spPr>
+          <a:xfrm>
+            <a:off x="425450" y="1238250"/>
+            <a:ext cx="5943600" cy="3344863"/>
+          </a:xfrm>
+        </p:spPr>
+      </p:sp>
+      <p:sp>
+        <p:nvSpPr>
+          <p:cNvPr id="3" name="备注占位符 2"/>
+          <p:cNvSpPr>
+            <a:spLocks noGrp="1"/>
+          </p:cNvSpPr>
+          <p:nvPr>
+            <p:ph type="body" idx="1"/>
+          </p:nvPr>
+        </p:nvSpPr>
+        <p:spPr/>
+        <p:txBody>
+          <a:bodyPr/>
+          <a:lstStyle/>
+          <a:p>
+            <a:r>
+              <a:rPr lang="zh-CN" altLang="en-US" sz="900" dirty="0">
+                <a:latin typeface="微软雅黑" panose="020B0503020204020204" pitchFamily="34" charset="-122"/>
+                <a:ea typeface="微软雅黑" panose="020B0503020204020204" pitchFamily="34" charset="-122"/>
+              </a:rPr>
+              <a:t>上述是悲观锁的并发控制策略，乐观锁的并发控制方案则是：</a:t>
+            </a:r>
+            <a:endParaRPr lang="en-US" altLang="zh-CN" sz="900" dirty="0">
+              <a:latin typeface="微软雅黑" panose="020B0503020204020204" pitchFamily="34" charset="-122"/>
+              <a:ea typeface="微软雅黑" panose="020B0503020204020204" pitchFamily="34" charset="-122"/>
+            </a:endParaRPr>
+          </a:p>
+          <a:p>
+            <a:r>
+              <a:rPr lang="en-US" altLang="zh-CN" sz="900" dirty="0">
+                <a:latin typeface="微软雅黑" panose="020B0503020204020204" pitchFamily="34" charset="-122"/>
+                <a:ea typeface="微软雅黑" panose="020B0503020204020204" pitchFamily="34" charset="-122"/>
+              </a:rPr>
+              <a:t>update tb set …,</a:t>
+            </a:r>
+            <a:r>
+              <a:rPr lang="en-US" altLang="zh-CN" sz="900" dirty="0" err="1">
+                <a:latin typeface="微软雅黑" panose="020B0503020204020204" pitchFamily="34" charset="-122"/>
+                <a:ea typeface="微软雅黑" panose="020B0503020204020204" pitchFamily="34" charset="-122"/>
+              </a:rPr>
+              <a:t>gtid</a:t>
+            </a:r>
+            <a:r>
+              <a:rPr lang="en-US" altLang="zh-CN" sz="900" dirty="0">
+                <a:latin typeface="微软雅黑" panose="020B0503020204020204" pitchFamily="34" charset="-122"/>
+                <a:ea typeface="微软雅黑" panose="020B0503020204020204" pitchFamily="34" charset="-122"/>
+              </a:rPr>
+              <a:t>= where </a:t>
+            </a:r>
+            <a:r>
+              <a:rPr lang="en-US" altLang="zh-CN" sz="900" dirty="0" err="1">
+                <a:latin typeface="微软雅黑" panose="020B0503020204020204" pitchFamily="34" charset="-122"/>
+                <a:ea typeface="微软雅黑" panose="020B0503020204020204" pitchFamily="34" charset="-122"/>
+              </a:rPr>
+              <a:t>gtid</a:t>
+            </a:r>
+            <a:r>
+              <a:rPr lang="en-US" altLang="zh-CN" sz="900" dirty="0">
+                <a:latin typeface="微软雅黑" panose="020B0503020204020204" pitchFamily="34" charset="-122"/>
+                <a:ea typeface="微软雅黑" panose="020B0503020204020204" pitchFamily="34" charset="-122"/>
+              </a:rPr>
+              <a:t> not in(</a:t>
+            </a:r>
+            <a:r>
+              <a:rPr lang="zh-CN" altLang="en-US" sz="900" dirty="0">
+                <a:latin typeface="微软雅黑" panose="020B0503020204020204" pitchFamily="34" charset="-122"/>
+                <a:ea typeface="微软雅黑" panose="020B0503020204020204" pitchFamily="34" charset="-122"/>
+              </a:rPr>
+              <a:t>活跃</a:t>
+            </a:r>
+            <a:r>
+              <a:rPr lang="en-US" altLang="zh-CN" sz="900" dirty="0">
+                <a:latin typeface="微软雅黑" panose="020B0503020204020204" pitchFamily="34" charset="-122"/>
+                <a:ea typeface="微软雅黑" panose="020B0503020204020204" pitchFamily="34" charset="-122"/>
+              </a:rPr>
+              <a:t>GTID</a:t>
+            </a:r>
+            <a:r>
+              <a:rPr lang="zh-CN" altLang="en-US" sz="900" dirty="0">
+                <a:latin typeface="微软雅黑" panose="020B0503020204020204" pitchFamily="34" charset="-122"/>
+                <a:ea typeface="微软雅黑" panose="020B0503020204020204" pitchFamily="34" charset="-122"/>
+              </a:rPr>
+              <a:t>列表</a:t>
+            </a:r>
+            <a:r>
+              <a:rPr lang="en-US" altLang="zh-CN" sz="900" dirty="0">
+                <a:latin typeface="微软雅黑" panose="020B0503020204020204" pitchFamily="34" charset="-122"/>
+                <a:ea typeface="微软雅黑" panose="020B0503020204020204" pitchFamily="34" charset="-122"/>
+              </a:rPr>
+              <a:t>)</a:t>
+            </a:r>
+            <a:endParaRPr lang="zh-CN" altLang="en-US" sz="900" dirty="0">
+              <a:latin typeface="微软雅黑" panose="020B0503020204020204" pitchFamily="34" charset="-122"/>
+              <a:ea typeface="微软雅黑" panose="020B0503020204020204" pitchFamily="34" charset="-122"/>
+            </a:endParaRPr>
+          </a:p>
+        </p:txBody>
+      </p:sp>
+      <p:sp>
+        <p:nvSpPr>
           <p:cNvPr id="4" name="灯片编号占位符 3"/>
           <p:cNvSpPr>
             <a:spLocks noGrp="1"/>
@@ -5999,7 +6115,7 @@
           <a:bodyPr/>
           <a:lstStyle/>
           <a:p>
-            <a:fld id="{115E481A-832A-48B0-9B5F-CC2DDFB376CC}" type="slidenum">
+            <a:fld id="{7EFE2119-A7ED-48A4-BF93-E52EC1921131}" type="slidenum">
               <a:rPr lang="zh-CN" altLang="en-US" smtClean="0"/>
               <a:t>39</a:t>
             </a:fld>
@@ -6007,43 +6123,12 @@
           </a:p>
         </p:txBody>
       </p:sp>
-      <p:sp>
-        <p:nvSpPr>
-          <p:cNvPr id="6" name="幻灯片图像占位符 5"/>
-          <p:cNvSpPr>
-            <a:spLocks noGrp="1" noRot="1" noChangeAspect="1"/>
-          </p:cNvSpPr>
-          <p:nvPr>
-            <p:ph type="sldImg"/>
-          </p:nvPr>
-        </p:nvSpPr>
-        <p:spPr>
-          <a:xfrm>
-            <a:off x="519113" y="787400"/>
-            <a:ext cx="5759450" cy="3240088"/>
-          </a:xfrm>
-        </p:spPr>
-      </p:sp>
-      <p:sp>
-        <p:nvSpPr>
-          <p:cNvPr id="7" name="备注占位符 6"/>
-          <p:cNvSpPr>
-            <a:spLocks noGrp="1"/>
-          </p:cNvSpPr>
-          <p:nvPr>
-            <p:ph type="body" idx="1"/>
-          </p:nvPr>
-        </p:nvSpPr>
-        <p:spPr/>
-        <p:txBody>
-          <a:bodyPr/>
-          <a:lstStyle/>
-          <a:p>
-            <a:endParaRPr lang="zh-CN" altLang="en-US"/>
-          </a:p>
-        </p:txBody>
-      </p:sp>
     </p:spTree>
+    <p:extLst>
+      <p:ext uri="{BB962C8B-B14F-4D97-AF65-F5344CB8AC3E}">
+        <p14:creationId xmlns:p14="http://schemas.microsoft.com/office/powerpoint/2010/main" val="9408248"/>
+      </p:ext>
+    </p:extLst>
   </p:cSld>
   <p:clrMapOvr>
     <a:masterClrMapping/>
@@ -6070,45 +6155,6 @@
       </p:grpSpPr>
       <p:sp>
         <p:nvSpPr>
-          <p:cNvPr id="2" name="幻灯片图像占位符 1"/>
-          <p:cNvSpPr>
-            <a:spLocks noGrp="1" noRot="1" noChangeAspect="1"/>
-          </p:cNvSpPr>
-          <p:nvPr>
-            <p:ph type="sldImg"/>
-          </p:nvPr>
-        </p:nvSpPr>
-        <p:spPr>
-          <a:xfrm>
-            <a:off x="425450" y="1238250"/>
-            <a:ext cx="5943600" cy="3344863"/>
-          </a:xfrm>
-        </p:spPr>
-      </p:sp>
-      <p:sp>
-        <p:nvSpPr>
-          <p:cNvPr id="3" name="备注占位符 2"/>
-          <p:cNvSpPr>
-            <a:spLocks noGrp="1"/>
-          </p:cNvSpPr>
-          <p:nvPr>
-            <p:ph type="body" idx="1"/>
-          </p:nvPr>
-        </p:nvSpPr>
-        <p:spPr/>
-        <p:txBody>
-          <a:bodyPr/>
-          <a:lstStyle/>
-          <a:p>
-            <a:endParaRPr lang="en-US" altLang="zh-CN" sz="900" dirty="0">
-              <a:latin typeface="微软雅黑" panose="020B0503020204020204" pitchFamily="34" charset="-122"/>
-              <a:ea typeface="微软雅黑" panose="020B0503020204020204" pitchFamily="34" charset="-122"/>
-            </a:endParaRPr>
-          </a:p>
-        </p:txBody>
-      </p:sp>
-      <p:sp>
-        <p:nvSpPr>
           <p:cNvPr id="4" name="灯片编号占位符 3"/>
           <p:cNvSpPr>
             <a:spLocks noGrp="1"/>
@@ -6122,10 +6168,46 @@
           <a:bodyPr/>
           <a:lstStyle/>
           <a:p>
-            <a:fld id="{7EFE2119-A7ED-48A4-BF93-E52EC1921131}" type="slidenum">
+            <a:fld id="{115E481A-832A-48B0-9B5F-CC2DDFB376CC}" type="slidenum">
               <a:rPr lang="zh-CN" altLang="en-US" smtClean="0"/>
               <a:t>40</a:t>
             </a:fld>
+            <a:endParaRPr lang="zh-CN" altLang="en-US"/>
+          </a:p>
+        </p:txBody>
+      </p:sp>
+      <p:sp>
+        <p:nvSpPr>
+          <p:cNvPr id="6" name="幻灯片图像占位符 5"/>
+          <p:cNvSpPr>
+            <a:spLocks noGrp="1" noRot="1" noChangeAspect="1"/>
+          </p:cNvSpPr>
+          <p:nvPr>
+            <p:ph type="sldImg"/>
+          </p:nvPr>
+        </p:nvSpPr>
+        <p:spPr>
+          <a:xfrm>
+            <a:off x="519113" y="787400"/>
+            <a:ext cx="5759450" cy="3240088"/>
+          </a:xfrm>
+        </p:spPr>
+      </p:sp>
+      <p:sp>
+        <p:nvSpPr>
+          <p:cNvPr id="7" name="备注占位符 6"/>
+          <p:cNvSpPr>
+            <a:spLocks noGrp="1"/>
+          </p:cNvSpPr>
+          <p:nvPr>
+            <p:ph type="body" idx="1"/>
+          </p:nvPr>
+        </p:nvSpPr>
+        <p:spPr/>
+        <p:txBody>
+          <a:bodyPr/>
+          <a:lstStyle/>
+          <a:p>
             <a:endParaRPr lang="zh-CN" altLang="en-US"/>
           </a:p>
         </p:txBody>
@@ -6218,11 +6300,6 @@
         </p:txBody>
       </p:sp>
     </p:spTree>
-    <p:extLst>
-      <p:ext uri="{BB962C8B-B14F-4D97-AF65-F5344CB8AC3E}">
-        <p14:creationId xmlns:p14="http://schemas.microsoft.com/office/powerpoint/2010/main" val="659402262"/>
-      </p:ext>
-    </p:extLst>
   </p:cSld>
   <p:clrMapOvr>
     <a:masterClrMapping/>
@@ -6396,7 +6473,7 @@
     </p:spTree>
     <p:extLst>
       <p:ext uri="{BB962C8B-B14F-4D97-AF65-F5344CB8AC3E}">
-        <p14:creationId xmlns:p14="http://schemas.microsoft.com/office/powerpoint/2010/main" val="154014020"/>
+        <p14:creationId xmlns:p14="http://schemas.microsoft.com/office/powerpoint/2010/main" val="659402262"/>
       </p:ext>
     </p:extLst>
   </p:cSld>
@@ -6488,7 +6565,7 @@
     </p:spTree>
     <p:extLst>
       <p:ext uri="{BB962C8B-B14F-4D97-AF65-F5344CB8AC3E}">
-        <p14:creationId xmlns:p14="http://schemas.microsoft.com/office/powerpoint/2010/main" val="1372627614"/>
+        <p14:creationId xmlns:p14="http://schemas.microsoft.com/office/powerpoint/2010/main" val="154014020"/>
       </p:ext>
     </p:extLst>
   </p:cSld>
@@ -6547,144 +6624,6 @@
           <a:bodyPr/>
           <a:lstStyle/>
           <a:p>
-            <a:pPr indent="266700" algn="just">
-              <a:lnSpc>
-                <a:spcPct val="150000"/>
-              </a:lnSpc>
-            </a:pPr>
-            <a:r>
-              <a:rPr lang="zh-CN" altLang="en-US" sz="900" dirty="0">
-                <a:latin typeface="微软雅黑" panose="020B0503020204020204" pitchFamily="34" charset="-122"/>
-                <a:ea typeface="微软雅黑" panose="020B0503020204020204" pitchFamily="34" charset="-122"/>
-              </a:rPr>
-              <a:t>这里引入安全组的概念，具体的</a:t>
-            </a:r>
-            <a:r>
-              <a:rPr lang="zh-CN" altLang="zh-CN" sz="1800" kern="100" dirty="0">
-                <a:effectLst/>
-                <a:latin typeface="Times New Roman" panose="02020603050405020304" pitchFamily="18" charset="0"/>
-                <a:ea typeface="仿宋" panose="02010609060101010101" pitchFamily="49" charset="-122"/>
-                <a:cs typeface="Times New Roman" panose="02020603050405020304" pitchFamily="18" charset="0"/>
-              </a:rPr>
-              <a:t>分组策略的配置</a:t>
-            </a:r>
-            <a:r>
-              <a:rPr lang="zh-CN" altLang="en-US" sz="1800" kern="100" dirty="0">
-                <a:effectLst/>
-                <a:latin typeface="Times New Roman" panose="02020603050405020304" pitchFamily="18" charset="0"/>
-                <a:ea typeface="仿宋" panose="02010609060101010101" pitchFamily="49" charset="-122"/>
-                <a:cs typeface="Times New Roman" panose="02020603050405020304" pitchFamily="18" charset="0"/>
-              </a:rPr>
-              <a:t>：</a:t>
-            </a:r>
-            <a:endParaRPr lang="zh-CN" altLang="zh-CN" sz="1800" kern="100" dirty="0">
-              <a:effectLst/>
-              <a:latin typeface="Times New Roman" panose="02020603050405020304" pitchFamily="18" charset="0"/>
-              <a:ea typeface="仿宋" panose="02010609060101010101" pitchFamily="49" charset="-122"/>
-              <a:cs typeface="Times New Roman" panose="02020603050405020304" pitchFamily="18" charset="0"/>
-            </a:endParaRPr>
-          </a:p>
-          <a:p>
-            <a:pPr indent="266700" algn="just">
-              <a:lnSpc>
-                <a:spcPct val="150000"/>
-              </a:lnSpc>
-            </a:pPr>
-            <a:r>
-              <a:rPr lang="zh-CN" altLang="zh-CN" sz="1800" kern="100" dirty="0">
-                <a:effectLst/>
-                <a:latin typeface="Times New Roman" panose="02020603050405020304" pitchFamily="18" charset="0"/>
-                <a:ea typeface="仿宋" panose="02010609060101010101" pitchFamily="49" charset="-122"/>
-                <a:cs typeface="Times New Roman" panose="02020603050405020304" pitchFamily="18" charset="0"/>
-              </a:rPr>
-              <a:t>最大保护策略：所有分组均需要返回响应</a:t>
-            </a:r>
-          </a:p>
-          <a:p>
-            <a:pPr indent="266700" algn="just">
-              <a:lnSpc>
-                <a:spcPct val="150000"/>
-              </a:lnSpc>
-            </a:pPr>
-            <a:r>
-              <a:rPr lang="zh-CN" altLang="zh-CN" sz="1800" kern="100" dirty="0">
-                <a:effectLst/>
-                <a:latin typeface="Times New Roman" panose="02020603050405020304" pitchFamily="18" charset="0"/>
-                <a:ea typeface="仿宋" panose="02010609060101010101" pitchFamily="49" charset="-122"/>
-                <a:cs typeface="Times New Roman" panose="02020603050405020304" pitchFamily="18" charset="0"/>
-              </a:rPr>
-              <a:t>最高性能策略：无需分组响应</a:t>
-            </a:r>
-          </a:p>
-          <a:p>
-            <a:pPr indent="266700" algn="just">
-              <a:lnSpc>
-                <a:spcPct val="150000"/>
-              </a:lnSpc>
-            </a:pPr>
-            <a:r>
-              <a:rPr lang="zh-CN" altLang="zh-CN" sz="1800" kern="100" dirty="0">
-                <a:effectLst/>
-                <a:latin typeface="Times New Roman" panose="02020603050405020304" pitchFamily="18" charset="0"/>
-                <a:ea typeface="仿宋" panose="02010609060101010101" pitchFamily="49" charset="-122"/>
-                <a:cs typeface="Times New Roman" panose="02020603050405020304" pitchFamily="18" charset="0"/>
-              </a:rPr>
-              <a:t>最高可用策略：分组响应数大于所配置的最小分组响应数（即低水位）</a:t>
-            </a:r>
-          </a:p>
-          <a:p>
-            <a:pPr indent="266700" algn="just">
-              <a:lnSpc>
-                <a:spcPct val="150000"/>
-              </a:lnSpc>
-            </a:pPr>
-            <a:r>
-              <a:rPr lang="zh-CN" altLang="zh-CN" sz="1800" kern="100" dirty="0">
-                <a:effectLst/>
-                <a:latin typeface="Times New Roman" panose="02020603050405020304" pitchFamily="18" charset="0"/>
-                <a:ea typeface="仿宋" panose="02010609060101010101" pitchFamily="49" charset="-122"/>
-                <a:cs typeface="Times New Roman" panose="02020603050405020304" pitchFamily="18" charset="0"/>
-              </a:rPr>
-              <a:t>其中最高可用策略是以最低代价保障</a:t>
-            </a:r>
-            <a:r>
-              <a:rPr lang="en-US" altLang="zh-CN" sz="1800" kern="100" dirty="0">
-                <a:effectLst/>
-                <a:latin typeface="Times New Roman" panose="02020603050405020304" pitchFamily="18" charset="0"/>
-                <a:ea typeface="仿宋" panose="02010609060101010101" pitchFamily="49" charset="-122"/>
-                <a:cs typeface="Times New Roman" panose="02020603050405020304" pitchFamily="18" charset="0"/>
-              </a:rPr>
-              <a:t>RPO</a:t>
-            </a:r>
-            <a:r>
-              <a:rPr lang="zh-CN" altLang="zh-CN" sz="1800" kern="100" dirty="0">
-                <a:effectLst/>
-                <a:latin typeface="Times New Roman" panose="02020603050405020304" pitchFamily="18" charset="0"/>
-                <a:ea typeface="仿宋" panose="02010609060101010101" pitchFamily="49" charset="-122"/>
-                <a:cs typeface="Times New Roman" panose="02020603050405020304" pitchFamily="18" charset="0"/>
-              </a:rPr>
-              <a:t>为</a:t>
-            </a:r>
-            <a:r>
-              <a:rPr lang="en-US" altLang="zh-CN" sz="1800" kern="100" dirty="0">
-                <a:effectLst/>
-                <a:latin typeface="Times New Roman" panose="02020603050405020304" pitchFamily="18" charset="0"/>
-                <a:ea typeface="仿宋" panose="02010609060101010101" pitchFamily="49" charset="-122"/>
-                <a:cs typeface="Times New Roman" panose="02020603050405020304" pitchFamily="18" charset="0"/>
-              </a:rPr>
-              <a:t>0</a:t>
-            </a:r>
-            <a:r>
-              <a:rPr lang="zh-CN" altLang="zh-CN" sz="1800" kern="100" dirty="0">
-                <a:effectLst/>
-                <a:latin typeface="Times New Roman" panose="02020603050405020304" pitchFamily="18" charset="0"/>
-                <a:ea typeface="仿宋" panose="02010609060101010101" pitchFamily="49" charset="-122"/>
-                <a:cs typeface="Times New Roman" panose="02020603050405020304" pitchFamily="18" charset="0"/>
-              </a:rPr>
-              <a:t>，在保障数据一致性的前提下最大程度的兼顾了服务高可用及同步性能。</a:t>
-            </a:r>
-          </a:p>
-          <a:p>
             <a:endParaRPr lang="en-US" altLang="zh-CN" sz="900" dirty="0">
               <a:latin typeface="微软雅黑" panose="020B0503020204020204" pitchFamily="34" charset="-122"/>
               <a:ea typeface="微软雅黑" panose="020B0503020204020204" pitchFamily="34" charset="-122"/>
@@ -6718,7 +6657,7 @@
     </p:spTree>
     <p:extLst>
       <p:ext uri="{BB962C8B-B14F-4D97-AF65-F5344CB8AC3E}">
-        <p14:creationId xmlns:p14="http://schemas.microsoft.com/office/powerpoint/2010/main" val="2925196414"/>
+        <p14:creationId xmlns:p14="http://schemas.microsoft.com/office/powerpoint/2010/main" val="1372627614"/>
       </p:ext>
     </p:extLst>
   </p:cSld>
@@ -6777,6 +6716,144 @@
           <a:bodyPr/>
           <a:lstStyle/>
           <a:p>
+            <a:pPr indent="266700" algn="just">
+              <a:lnSpc>
+                <a:spcPct val="150000"/>
+              </a:lnSpc>
+            </a:pPr>
+            <a:r>
+              <a:rPr lang="zh-CN" altLang="en-US" sz="900" dirty="0">
+                <a:latin typeface="微软雅黑" panose="020B0503020204020204" pitchFamily="34" charset="-122"/>
+                <a:ea typeface="微软雅黑" panose="020B0503020204020204" pitchFamily="34" charset="-122"/>
+              </a:rPr>
+              <a:t>这里引入安全组的概念，具体的</a:t>
+            </a:r>
+            <a:r>
+              <a:rPr lang="zh-CN" altLang="zh-CN" sz="1800" kern="100" dirty="0">
+                <a:effectLst/>
+                <a:latin typeface="Times New Roman" panose="02020603050405020304" pitchFamily="18" charset="0"/>
+                <a:ea typeface="仿宋" panose="02010609060101010101" pitchFamily="49" charset="-122"/>
+                <a:cs typeface="Times New Roman" panose="02020603050405020304" pitchFamily="18" charset="0"/>
+              </a:rPr>
+              <a:t>分组策略的配置</a:t>
+            </a:r>
+            <a:r>
+              <a:rPr lang="zh-CN" altLang="en-US" sz="1800" kern="100" dirty="0">
+                <a:effectLst/>
+                <a:latin typeface="Times New Roman" panose="02020603050405020304" pitchFamily="18" charset="0"/>
+                <a:ea typeface="仿宋" panose="02010609060101010101" pitchFamily="49" charset="-122"/>
+                <a:cs typeface="Times New Roman" panose="02020603050405020304" pitchFamily="18" charset="0"/>
+              </a:rPr>
+              <a:t>：</a:t>
+            </a:r>
+            <a:endParaRPr lang="zh-CN" altLang="zh-CN" sz="1800" kern="100" dirty="0">
+              <a:effectLst/>
+              <a:latin typeface="Times New Roman" panose="02020603050405020304" pitchFamily="18" charset="0"/>
+              <a:ea typeface="仿宋" panose="02010609060101010101" pitchFamily="49" charset="-122"/>
+              <a:cs typeface="Times New Roman" panose="02020603050405020304" pitchFamily="18" charset="0"/>
+            </a:endParaRPr>
+          </a:p>
+          <a:p>
+            <a:pPr indent="266700" algn="just">
+              <a:lnSpc>
+                <a:spcPct val="150000"/>
+              </a:lnSpc>
+            </a:pPr>
+            <a:r>
+              <a:rPr lang="zh-CN" altLang="zh-CN" sz="1800" kern="100" dirty="0">
+                <a:effectLst/>
+                <a:latin typeface="Times New Roman" panose="02020603050405020304" pitchFamily="18" charset="0"/>
+                <a:ea typeface="仿宋" panose="02010609060101010101" pitchFamily="49" charset="-122"/>
+                <a:cs typeface="Times New Roman" panose="02020603050405020304" pitchFamily="18" charset="0"/>
+              </a:rPr>
+              <a:t>最大保护策略：所有分组均需要返回响应</a:t>
+            </a:r>
+          </a:p>
+          <a:p>
+            <a:pPr indent="266700" algn="just">
+              <a:lnSpc>
+                <a:spcPct val="150000"/>
+              </a:lnSpc>
+            </a:pPr>
+            <a:r>
+              <a:rPr lang="zh-CN" altLang="zh-CN" sz="1800" kern="100" dirty="0">
+                <a:effectLst/>
+                <a:latin typeface="Times New Roman" panose="02020603050405020304" pitchFamily="18" charset="0"/>
+                <a:ea typeface="仿宋" panose="02010609060101010101" pitchFamily="49" charset="-122"/>
+                <a:cs typeface="Times New Roman" panose="02020603050405020304" pitchFamily="18" charset="0"/>
+              </a:rPr>
+              <a:t>最高性能策略：无需分组响应</a:t>
+            </a:r>
+          </a:p>
+          <a:p>
+            <a:pPr indent="266700" algn="just">
+              <a:lnSpc>
+                <a:spcPct val="150000"/>
+              </a:lnSpc>
+            </a:pPr>
+            <a:r>
+              <a:rPr lang="zh-CN" altLang="zh-CN" sz="1800" kern="100" dirty="0">
+                <a:effectLst/>
+                <a:latin typeface="Times New Roman" panose="02020603050405020304" pitchFamily="18" charset="0"/>
+                <a:ea typeface="仿宋" panose="02010609060101010101" pitchFamily="49" charset="-122"/>
+                <a:cs typeface="Times New Roman" panose="02020603050405020304" pitchFamily="18" charset="0"/>
+              </a:rPr>
+              <a:t>最高可用策略：分组响应数大于所配置的最小分组响应数（即低水位）</a:t>
+            </a:r>
+          </a:p>
+          <a:p>
+            <a:pPr indent="266700" algn="just">
+              <a:lnSpc>
+                <a:spcPct val="150000"/>
+              </a:lnSpc>
+            </a:pPr>
+            <a:r>
+              <a:rPr lang="zh-CN" altLang="zh-CN" sz="1800" kern="100" dirty="0">
+                <a:effectLst/>
+                <a:latin typeface="Times New Roman" panose="02020603050405020304" pitchFamily="18" charset="0"/>
+                <a:ea typeface="仿宋" panose="02010609060101010101" pitchFamily="49" charset="-122"/>
+                <a:cs typeface="Times New Roman" panose="02020603050405020304" pitchFamily="18" charset="0"/>
+              </a:rPr>
+              <a:t>其中最高可用策略是以最低代价保障</a:t>
+            </a:r>
+            <a:r>
+              <a:rPr lang="en-US" altLang="zh-CN" sz="1800" kern="100" dirty="0">
+                <a:effectLst/>
+                <a:latin typeface="Times New Roman" panose="02020603050405020304" pitchFamily="18" charset="0"/>
+                <a:ea typeface="仿宋" panose="02010609060101010101" pitchFamily="49" charset="-122"/>
+                <a:cs typeface="Times New Roman" panose="02020603050405020304" pitchFamily="18" charset="0"/>
+              </a:rPr>
+              <a:t>RPO</a:t>
+            </a:r>
+            <a:r>
+              <a:rPr lang="zh-CN" altLang="zh-CN" sz="1800" kern="100" dirty="0">
+                <a:effectLst/>
+                <a:latin typeface="Times New Roman" panose="02020603050405020304" pitchFamily="18" charset="0"/>
+                <a:ea typeface="仿宋" panose="02010609060101010101" pitchFamily="49" charset="-122"/>
+                <a:cs typeface="Times New Roman" panose="02020603050405020304" pitchFamily="18" charset="0"/>
+              </a:rPr>
+              <a:t>为</a:t>
+            </a:r>
+            <a:r>
+              <a:rPr lang="en-US" altLang="zh-CN" sz="1800" kern="100" dirty="0">
+                <a:effectLst/>
+                <a:latin typeface="Times New Roman" panose="02020603050405020304" pitchFamily="18" charset="0"/>
+                <a:ea typeface="仿宋" panose="02010609060101010101" pitchFamily="49" charset="-122"/>
+                <a:cs typeface="Times New Roman" panose="02020603050405020304" pitchFamily="18" charset="0"/>
+              </a:rPr>
+              <a:t>0</a:t>
+            </a:r>
+            <a:r>
+              <a:rPr lang="zh-CN" altLang="zh-CN" sz="1800" kern="100" dirty="0">
+                <a:effectLst/>
+                <a:latin typeface="Times New Roman" panose="02020603050405020304" pitchFamily="18" charset="0"/>
+                <a:ea typeface="仿宋" panose="02010609060101010101" pitchFamily="49" charset="-122"/>
+                <a:cs typeface="Times New Roman" panose="02020603050405020304" pitchFamily="18" charset="0"/>
+              </a:rPr>
+              <a:t>，在保障数据一致性的前提下最大程度的兼顾了服务高可用及同步性能。</a:t>
+            </a:r>
+          </a:p>
+          <a:p>
             <a:endParaRPr lang="en-US" altLang="zh-CN" sz="900" dirty="0">
               <a:latin typeface="微软雅黑" panose="020B0503020204020204" pitchFamily="34" charset="-122"/>
               <a:ea typeface="微软雅黑" panose="020B0503020204020204" pitchFamily="34" charset="-122"/>
@@ -6810,7 +6887,7 @@
     </p:spTree>
     <p:extLst>
       <p:ext uri="{BB962C8B-B14F-4D97-AF65-F5344CB8AC3E}">
-        <p14:creationId xmlns:p14="http://schemas.microsoft.com/office/powerpoint/2010/main" val="2596777924"/>
+        <p14:creationId xmlns:p14="http://schemas.microsoft.com/office/powerpoint/2010/main" val="2925196414"/>
       </p:ext>
     </p:extLst>
   </p:cSld>
@@ -6869,457 +6946,6 @@
           <a:bodyPr/>
           <a:lstStyle/>
           <a:p>
-            <a:pPr marL="0" lvl="0" indent="0" algn="just">
-              <a:lnSpc>
-                <a:spcPct val="150000"/>
-              </a:lnSpc>
-              <a:buFont typeface="+mj-lt"/>
-              <a:buNone/>
-            </a:pPr>
-            <a:r>
-              <a:rPr lang="en-US" altLang="zh-CN" sz="1800" kern="100" dirty="0">
-                <a:effectLst/>
-                <a:latin typeface="Times New Roman" panose="02020603050405020304" pitchFamily="18" charset="0"/>
-                <a:ea typeface="仿宋" panose="02010609060101010101" pitchFamily="49" charset="-122"/>
-                <a:cs typeface="Times New Roman" panose="02020603050405020304" pitchFamily="18" charset="0"/>
-              </a:rPr>
-              <a:t>1</a:t>
-            </a:r>
-            <a:r>
-              <a:rPr lang="zh-CN" altLang="en-US" sz="1800" kern="100" dirty="0">
-                <a:effectLst/>
-                <a:latin typeface="Times New Roman" panose="02020603050405020304" pitchFamily="18" charset="0"/>
-                <a:ea typeface="仿宋" panose="02010609060101010101" pitchFamily="49" charset="-122"/>
-                <a:cs typeface="Times New Roman" panose="02020603050405020304" pitchFamily="18" charset="0"/>
-              </a:rPr>
-              <a:t>、</a:t>
-            </a:r>
-            <a:r>
-              <a:rPr lang="zh-CN" altLang="zh-CN" sz="1800" kern="100" dirty="0">
-                <a:effectLst/>
-                <a:latin typeface="Times New Roman" panose="02020603050405020304" pitchFamily="18" charset="0"/>
-                <a:ea typeface="仿宋" panose="02010609060101010101" pitchFamily="49" charset="-122"/>
-                <a:cs typeface="Times New Roman" panose="02020603050405020304" pitchFamily="18" charset="0"/>
-              </a:rPr>
-              <a:t>根据一直运行的脚本获取高低水位信息，在切换开始时检验是否低于高水位</a:t>
-            </a:r>
-          </a:p>
-          <a:p>
-            <a:pPr marL="0" lvl="0" indent="0" algn="just">
-              <a:lnSpc>
-                <a:spcPct val="150000"/>
-              </a:lnSpc>
-              <a:buFont typeface="+mj-lt"/>
-              <a:buNone/>
-            </a:pPr>
-            <a:r>
-              <a:rPr lang="en-US" altLang="zh-CN" sz="1800" kern="100" dirty="0">
-                <a:effectLst/>
-                <a:latin typeface="Times New Roman" panose="02020603050405020304" pitchFamily="18" charset="0"/>
-                <a:ea typeface="仿宋" panose="02010609060101010101" pitchFamily="49" charset="-122"/>
-                <a:cs typeface="Times New Roman" panose="02020603050405020304" pitchFamily="18" charset="0"/>
-              </a:rPr>
-              <a:t>2</a:t>
-            </a:r>
-            <a:r>
-              <a:rPr lang="zh-CN" altLang="en-US" sz="1800" kern="100" dirty="0">
-                <a:effectLst/>
-                <a:latin typeface="Times New Roman" panose="02020603050405020304" pitchFamily="18" charset="0"/>
-                <a:ea typeface="仿宋" panose="02010609060101010101" pitchFamily="49" charset="-122"/>
-                <a:cs typeface="Times New Roman" panose="02020603050405020304" pitchFamily="18" charset="0"/>
-              </a:rPr>
-              <a:t>、</a:t>
-            </a:r>
-            <a:r>
-              <a:rPr lang="zh-CN" altLang="zh-CN" sz="1800" kern="100" dirty="0">
-                <a:effectLst/>
-                <a:latin typeface="Times New Roman" panose="02020603050405020304" pitchFamily="18" charset="0"/>
-                <a:ea typeface="仿宋" panose="02010609060101010101" pitchFamily="49" charset="-122"/>
-                <a:cs typeface="Times New Roman" panose="02020603050405020304" pitchFamily="18" charset="0"/>
-              </a:rPr>
-              <a:t>如果低于高水位，不触发切换逻辑；高于高水位时，杀本地管理节点及</a:t>
-            </a:r>
-            <a:r>
-              <a:rPr lang="en-US" altLang="zh-CN" sz="1800" kern="100" dirty="0">
-                <a:effectLst/>
-                <a:latin typeface="Times New Roman" panose="02020603050405020304" pitchFamily="18" charset="0"/>
-                <a:ea typeface="仿宋" panose="02010609060101010101" pitchFamily="49" charset="-122"/>
-                <a:cs typeface="Times New Roman" panose="02020603050405020304" pitchFamily="18" charset="0"/>
-              </a:rPr>
-              <a:t>OMM</a:t>
-            </a:r>
-            <a:endParaRPr lang="zh-CN" altLang="zh-CN" sz="1800" kern="100" dirty="0">
-              <a:effectLst/>
-              <a:latin typeface="Times New Roman" panose="02020603050405020304" pitchFamily="18" charset="0"/>
-              <a:ea typeface="仿宋" panose="02010609060101010101" pitchFamily="49" charset="-122"/>
-              <a:cs typeface="Times New Roman" panose="02020603050405020304" pitchFamily="18" charset="0"/>
-            </a:endParaRPr>
-          </a:p>
-          <a:p>
-            <a:pPr marL="0" lvl="0" indent="0" algn="just">
-              <a:lnSpc>
-                <a:spcPct val="150000"/>
-              </a:lnSpc>
-              <a:buFont typeface="+mj-lt"/>
-              <a:buNone/>
-            </a:pPr>
-            <a:r>
-              <a:rPr lang="en-US" altLang="zh-CN" sz="1800" kern="100" dirty="0">
-                <a:effectLst/>
-                <a:latin typeface="Times New Roman" panose="02020603050405020304" pitchFamily="18" charset="0"/>
-                <a:ea typeface="仿宋" panose="02010609060101010101" pitchFamily="49" charset="-122"/>
-                <a:cs typeface="Times New Roman" panose="02020603050405020304" pitchFamily="18" charset="0"/>
-              </a:rPr>
-              <a:t>3</a:t>
-            </a:r>
-            <a:r>
-              <a:rPr lang="zh-CN" altLang="en-US" sz="1800" kern="100" dirty="0">
-                <a:effectLst/>
-                <a:latin typeface="Times New Roman" panose="02020603050405020304" pitchFamily="18" charset="0"/>
-                <a:ea typeface="仿宋" panose="02010609060101010101" pitchFamily="49" charset="-122"/>
-                <a:cs typeface="Times New Roman" panose="02020603050405020304" pitchFamily="18" charset="0"/>
-              </a:rPr>
-              <a:t>、</a:t>
-            </a:r>
-            <a:r>
-              <a:rPr lang="zh-CN" altLang="zh-CN" sz="1800" kern="100" dirty="0">
-                <a:effectLst/>
-                <a:latin typeface="Times New Roman" panose="02020603050405020304" pitchFamily="18" charset="0"/>
-                <a:ea typeface="仿宋" panose="02010609060101010101" pitchFamily="49" charset="-122"/>
-                <a:cs typeface="Times New Roman" panose="02020603050405020304" pitchFamily="18" charset="0"/>
-              </a:rPr>
-              <a:t>等待所有备机回放完成</a:t>
-            </a:r>
-          </a:p>
-          <a:p>
-            <a:pPr marL="0" lvl="0" indent="0" algn="just">
-              <a:lnSpc>
-                <a:spcPct val="150000"/>
-              </a:lnSpc>
-              <a:buFont typeface="+mj-lt"/>
-              <a:buNone/>
-            </a:pPr>
-            <a:r>
-              <a:rPr lang="en-US" altLang="zh-CN" sz="1800" kern="100" dirty="0">
-                <a:effectLst/>
-                <a:latin typeface="Times New Roman" panose="02020603050405020304" pitchFamily="18" charset="0"/>
-                <a:ea typeface="仿宋" panose="02010609060101010101" pitchFamily="49" charset="-122"/>
-                <a:cs typeface="Times New Roman" panose="02020603050405020304" pitchFamily="18" charset="0"/>
-              </a:rPr>
-              <a:t>4</a:t>
-            </a:r>
-            <a:r>
-              <a:rPr lang="zh-CN" altLang="en-US" sz="1800" kern="100" dirty="0">
-                <a:effectLst/>
-                <a:latin typeface="Times New Roman" panose="02020603050405020304" pitchFamily="18" charset="0"/>
-                <a:ea typeface="仿宋" panose="02010609060101010101" pitchFamily="49" charset="-122"/>
-                <a:cs typeface="Times New Roman" panose="02020603050405020304" pitchFamily="18" charset="0"/>
-              </a:rPr>
-              <a:t>、</a:t>
-            </a:r>
-            <a:r>
-              <a:rPr lang="zh-CN" altLang="zh-CN" sz="1800" kern="100" dirty="0">
-                <a:effectLst/>
-                <a:latin typeface="Times New Roman" panose="02020603050405020304" pitchFamily="18" charset="0"/>
-                <a:ea typeface="仿宋" panose="02010609060101010101" pitchFamily="49" charset="-122"/>
-                <a:cs typeface="Times New Roman" panose="02020603050405020304" pitchFamily="18" charset="0"/>
-              </a:rPr>
-              <a:t>所有参与选主的管理节点：根据是否允许跨机房切换来确定参与选主的管理节点，返回参与选主管理节点的信息</a:t>
-            </a:r>
-          </a:p>
-          <a:p>
-            <a:pPr marL="0" lvl="0" indent="0" algn="just">
-              <a:lnSpc>
-                <a:spcPct val="150000"/>
-              </a:lnSpc>
-              <a:buFont typeface="+mj-lt"/>
-              <a:buNone/>
-            </a:pPr>
-            <a:r>
-              <a:rPr lang="en-US" altLang="zh-CN" sz="1800" kern="100" dirty="0">
-                <a:effectLst/>
-                <a:latin typeface="Times New Roman" panose="02020603050405020304" pitchFamily="18" charset="0"/>
-                <a:ea typeface="仿宋" panose="02010609060101010101" pitchFamily="49" charset="-122"/>
-                <a:cs typeface="Times New Roman" panose="02020603050405020304" pitchFamily="18" charset="0"/>
-              </a:rPr>
-              <a:t>5</a:t>
-            </a:r>
-            <a:r>
-              <a:rPr lang="zh-CN" altLang="en-US" sz="1800" kern="100" dirty="0">
-                <a:effectLst/>
-                <a:latin typeface="Times New Roman" panose="02020603050405020304" pitchFamily="18" charset="0"/>
-                <a:ea typeface="仿宋" panose="02010609060101010101" pitchFamily="49" charset="-122"/>
-                <a:cs typeface="Times New Roman" panose="02020603050405020304" pitchFamily="18" charset="0"/>
-              </a:rPr>
-              <a:t>、</a:t>
-            </a:r>
-            <a:r>
-              <a:rPr lang="zh-CN" altLang="zh-CN" sz="1800" kern="100" dirty="0">
-                <a:effectLst/>
-                <a:latin typeface="Times New Roman" panose="02020603050405020304" pitchFamily="18" charset="0"/>
-                <a:ea typeface="仿宋" panose="02010609060101010101" pitchFamily="49" charset="-122"/>
-                <a:cs typeface="Times New Roman" panose="02020603050405020304" pitchFamily="18" charset="0"/>
-              </a:rPr>
-              <a:t>判断参与选主管理节点中有无一致性副本</a:t>
-            </a:r>
-          </a:p>
-          <a:p>
-            <a:pPr marL="0" lvl="0" indent="0" algn="just">
-              <a:lnSpc>
-                <a:spcPct val="150000"/>
-              </a:lnSpc>
-              <a:buFont typeface="+mj-lt"/>
-              <a:buNone/>
-            </a:pPr>
-            <a:r>
-              <a:rPr lang="en-US" altLang="zh-CN" sz="1800" kern="100" dirty="0">
-                <a:effectLst/>
-                <a:latin typeface="Times New Roman" panose="02020603050405020304" pitchFamily="18" charset="0"/>
-                <a:ea typeface="仿宋" panose="02010609060101010101" pitchFamily="49" charset="-122"/>
-                <a:cs typeface="Times New Roman" panose="02020603050405020304" pitchFamily="18" charset="0"/>
-              </a:rPr>
-              <a:t>6</a:t>
-            </a:r>
-            <a:r>
-              <a:rPr lang="zh-CN" altLang="en-US" sz="1800" kern="100" dirty="0">
-                <a:effectLst/>
-                <a:latin typeface="Times New Roman" panose="02020603050405020304" pitchFamily="18" charset="0"/>
-                <a:ea typeface="仿宋" panose="02010609060101010101" pitchFamily="49" charset="-122"/>
-                <a:cs typeface="Times New Roman" panose="02020603050405020304" pitchFamily="18" charset="0"/>
-              </a:rPr>
-              <a:t>、</a:t>
-            </a:r>
-            <a:r>
-              <a:rPr lang="zh-CN" altLang="zh-CN" sz="1800" kern="100" dirty="0">
-                <a:effectLst/>
-                <a:latin typeface="Times New Roman" panose="02020603050405020304" pitchFamily="18" charset="0"/>
-                <a:ea typeface="仿宋" panose="02010609060101010101" pitchFamily="49" charset="-122"/>
-                <a:cs typeface="Times New Roman" panose="02020603050405020304" pitchFamily="18" charset="0"/>
-              </a:rPr>
-              <a:t>如无一致性副本，则选取</a:t>
-            </a:r>
-            <a:r>
-              <a:rPr lang="en-US" altLang="zh-CN" sz="1800" kern="100" dirty="0" err="1">
-                <a:effectLst/>
-                <a:latin typeface="Times New Roman" panose="02020603050405020304" pitchFamily="18" charset="0"/>
-                <a:ea typeface="仿宋" panose="02010609060101010101" pitchFamily="49" charset="-122"/>
-                <a:cs typeface="Times New Roman" panose="02020603050405020304" pitchFamily="18" charset="0"/>
-              </a:rPr>
-              <a:t>gtid</a:t>
-            </a:r>
-            <a:r>
-              <a:rPr lang="zh-CN" altLang="zh-CN" sz="1800" kern="100" dirty="0">
-                <a:effectLst/>
-                <a:latin typeface="Times New Roman" panose="02020603050405020304" pitchFamily="18" charset="0"/>
-                <a:ea typeface="仿宋" panose="02010609060101010101" pitchFamily="49" charset="-122"/>
-                <a:cs typeface="Times New Roman" panose="02020603050405020304" pitchFamily="18" charset="0"/>
-              </a:rPr>
-              <a:t>最大且优先级最高的管理节点为主；如有一致性副本，则选取一致性副本中优先级最高的作为新主</a:t>
-            </a:r>
-          </a:p>
-          <a:p>
-            <a:pPr marL="0" lvl="0" indent="0" algn="just">
-              <a:lnSpc>
-                <a:spcPct val="150000"/>
-              </a:lnSpc>
-              <a:buFont typeface="+mj-lt"/>
-              <a:buNone/>
-            </a:pPr>
-            <a:r>
-              <a:rPr lang="en-US" altLang="zh-CN" sz="1800" kern="100" dirty="0">
-                <a:effectLst/>
-                <a:latin typeface="Times New Roman" panose="02020603050405020304" pitchFamily="18" charset="0"/>
-                <a:ea typeface="仿宋" panose="02010609060101010101" pitchFamily="49" charset="-122"/>
-                <a:cs typeface="Times New Roman" panose="02020603050405020304" pitchFamily="18" charset="0"/>
-              </a:rPr>
-              <a:t>7</a:t>
-            </a:r>
-            <a:r>
-              <a:rPr lang="zh-CN" altLang="en-US" sz="1800" kern="100" dirty="0">
-                <a:effectLst/>
-                <a:latin typeface="Times New Roman" panose="02020603050405020304" pitchFamily="18" charset="0"/>
-                <a:ea typeface="仿宋" panose="02010609060101010101" pitchFamily="49" charset="-122"/>
-                <a:cs typeface="Times New Roman" panose="02020603050405020304" pitchFamily="18" charset="0"/>
-              </a:rPr>
-              <a:t>、</a:t>
-            </a:r>
-            <a:r>
-              <a:rPr lang="zh-CN" altLang="zh-CN" sz="1800" kern="100" dirty="0">
-                <a:effectLst/>
-                <a:latin typeface="Times New Roman" panose="02020603050405020304" pitchFamily="18" charset="0"/>
-                <a:ea typeface="仿宋" panose="02010609060101010101" pitchFamily="49" charset="-122"/>
-                <a:cs typeface="Times New Roman" panose="02020603050405020304" pitchFamily="18" charset="0"/>
-              </a:rPr>
-              <a:t>选出新主后根据标志位判断新主是否需要拉数据，如果无一致性副本，则需要向新主拉数据</a:t>
-            </a:r>
-          </a:p>
-          <a:p>
-            <a:pPr marL="0" lvl="0" indent="0" algn="just">
-              <a:lnSpc>
-                <a:spcPct val="150000"/>
-              </a:lnSpc>
-              <a:buFont typeface="+mj-lt"/>
-              <a:buNone/>
-            </a:pPr>
-            <a:r>
-              <a:rPr lang="en-US" altLang="zh-CN" sz="1800" kern="100" dirty="0">
-                <a:effectLst/>
-                <a:latin typeface="Times New Roman" panose="02020603050405020304" pitchFamily="18" charset="0"/>
-                <a:ea typeface="仿宋" panose="02010609060101010101" pitchFamily="49" charset="-122"/>
-                <a:cs typeface="Times New Roman" panose="02020603050405020304" pitchFamily="18" charset="0"/>
-              </a:rPr>
-              <a:t>8</a:t>
-            </a:r>
-            <a:r>
-              <a:rPr lang="zh-CN" altLang="en-US" sz="1800" kern="100" dirty="0">
-                <a:effectLst/>
-                <a:latin typeface="Times New Roman" panose="02020603050405020304" pitchFamily="18" charset="0"/>
-                <a:ea typeface="仿宋" panose="02010609060101010101" pitchFamily="49" charset="-122"/>
-                <a:cs typeface="Times New Roman" panose="02020603050405020304" pitchFamily="18" charset="0"/>
-              </a:rPr>
-              <a:t>、</a:t>
-            </a:r>
-            <a:r>
-              <a:rPr lang="zh-CN" altLang="zh-CN" sz="1800" kern="100" dirty="0">
-                <a:effectLst/>
-                <a:latin typeface="Times New Roman" panose="02020603050405020304" pitchFamily="18" charset="0"/>
-                <a:ea typeface="仿宋" panose="02010609060101010101" pitchFamily="49" charset="-122"/>
-                <a:cs typeface="Times New Roman" panose="02020603050405020304" pitchFamily="18" charset="0"/>
-              </a:rPr>
-              <a:t>确保新主数据最大后，启动新主的</a:t>
-            </a:r>
-            <a:r>
-              <a:rPr lang="en-US" altLang="zh-CN" sz="1800" kern="100" dirty="0">
-                <a:effectLst/>
-                <a:latin typeface="Times New Roman" panose="02020603050405020304" pitchFamily="18" charset="0"/>
-                <a:ea typeface="仿宋" panose="02010609060101010101" pitchFamily="49" charset="-122"/>
-                <a:cs typeface="Times New Roman" panose="02020603050405020304" pitchFamily="18" charset="0"/>
-              </a:rPr>
-              <a:t>OMM</a:t>
-            </a:r>
-            <a:r>
-              <a:rPr lang="zh-CN" altLang="zh-CN" sz="1800" kern="100" dirty="0">
-                <a:effectLst/>
-                <a:latin typeface="Times New Roman" panose="02020603050405020304" pitchFamily="18" charset="0"/>
-                <a:ea typeface="仿宋" panose="02010609060101010101" pitchFamily="49" charset="-122"/>
-                <a:cs typeface="Times New Roman" panose="02020603050405020304" pitchFamily="18" charset="0"/>
-              </a:rPr>
-              <a:t>、管理节点，建立</a:t>
-            </a:r>
-            <a:r>
-              <a:rPr lang="en-US" altLang="zh-CN" sz="1800" kern="100" dirty="0">
-                <a:effectLst/>
-                <a:latin typeface="Times New Roman" panose="02020603050405020304" pitchFamily="18" charset="0"/>
-                <a:ea typeface="仿宋" panose="02010609060101010101" pitchFamily="49" charset="-122"/>
-                <a:cs typeface="Times New Roman" panose="02020603050405020304" pitchFamily="18" charset="0"/>
-              </a:rPr>
-              <a:t>RDB</a:t>
-            </a:r>
-            <a:r>
-              <a:rPr lang="zh-CN" altLang="zh-CN" sz="1800" kern="100" dirty="0">
-                <a:effectLst/>
-                <a:latin typeface="Times New Roman" panose="02020603050405020304" pitchFamily="18" charset="0"/>
-                <a:ea typeface="仿宋" panose="02010609060101010101" pitchFamily="49" charset="-122"/>
-                <a:cs typeface="Times New Roman" panose="02020603050405020304" pitchFamily="18" charset="0"/>
-              </a:rPr>
-              <a:t>主备关系</a:t>
-            </a:r>
-          </a:p>
-          <a:p>
-            <a:pPr marL="0" lvl="0" indent="0" algn="just">
-              <a:lnSpc>
-                <a:spcPct val="150000"/>
-              </a:lnSpc>
-              <a:buFont typeface="+mj-lt"/>
-              <a:buNone/>
-            </a:pPr>
-            <a:r>
-              <a:rPr lang="en-US" altLang="zh-CN" sz="1800" kern="100" dirty="0">
-                <a:effectLst/>
-                <a:latin typeface="Times New Roman" panose="02020603050405020304" pitchFamily="18" charset="0"/>
-                <a:ea typeface="仿宋" panose="02010609060101010101" pitchFamily="49" charset="-122"/>
-                <a:cs typeface="Times New Roman" panose="02020603050405020304" pitchFamily="18" charset="0"/>
-              </a:rPr>
-              <a:t>9</a:t>
-            </a:r>
-            <a:r>
-              <a:rPr lang="zh-CN" altLang="en-US" sz="1800" kern="100" dirty="0">
-                <a:effectLst/>
-                <a:latin typeface="Times New Roman" panose="02020603050405020304" pitchFamily="18" charset="0"/>
-                <a:ea typeface="仿宋" panose="02010609060101010101" pitchFamily="49" charset="-122"/>
-                <a:cs typeface="Times New Roman" panose="02020603050405020304" pitchFamily="18" charset="0"/>
-              </a:rPr>
-              <a:t>、</a:t>
-            </a:r>
-            <a:r>
-              <a:rPr lang="zh-CN" altLang="zh-CN" sz="1800" kern="100" dirty="0">
-                <a:effectLst/>
-                <a:latin typeface="Times New Roman" panose="02020603050405020304" pitchFamily="18" charset="0"/>
-                <a:ea typeface="仿宋" panose="02010609060101010101" pitchFamily="49" charset="-122"/>
-                <a:cs typeface="Times New Roman" panose="02020603050405020304" pitchFamily="18" charset="0"/>
-              </a:rPr>
-              <a:t>校验</a:t>
-            </a:r>
-            <a:r>
-              <a:rPr lang="en-US" altLang="zh-CN" sz="1800" kern="100" dirty="0">
-                <a:effectLst/>
-                <a:latin typeface="Times New Roman" panose="02020603050405020304" pitchFamily="18" charset="0"/>
-                <a:ea typeface="仿宋" panose="02010609060101010101" pitchFamily="49" charset="-122"/>
-                <a:cs typeface="Times New Roman" panose="02020603050405020304" pitchFamily="18" charset="0"/>
-              </a:rPr>
-              <a:t>RDB</a:t>
-            </a:r>
-            <a:r>
-              <a:rPr lang="zh-CN" altLang="zh-CN" sz="1800" kern="100" dirty="0">
-                <a:effectLst/>
-                <a:latin typeface="Times New Roman" panose="02020603050405020304" pitchFamily="18" charset="0"/>
-                <a:ea typeface="仿宋" panose="02010609060101010101" pitchFamily="49" charset="-122"/>
-                <a:cs typeface="Times New Roman" panose="02020603050405020304" pitchFamily="18" charset="0"/>
-              </a:rPr>
-              <a:t>主备一致性，若成功则返回新主</a:t>
-            </a:r>
-            <a:r>
-              <a:rPr lang="en-US" altLang="zh-CN" sz="1800" kern="100" dirty="0" err="1">
-                <a:effectLst/>
-                <a:latin typeface="Times New Roman" panose="02020603050405020304" pitchFamily="18" charset="0"/>
-                <a:ea typeface="仿宋" panose="02010609060101010101" pitchFamily="49" charset="-122"/>
-                <a:cs typeface="Times New Roman" panose="02020603050405020304" pitchFamily="18" charset="0"/>
-              </a:rPr>
-              <a:t>ip</a:t>
-            </a:r>
-            <a:r>
-              <a:rPr lang="zh-CN" altLang="zh-CN" sz="1800" kern="100" dirty="0">
-                <a:effectLst/>
-                <a:latin typeface="Times New Roman" panose="02020603050405020304" pitchFamily="18" charset="0"/>
-                <a:ea typeface="仿宋" panose="02010609060101010101" pitchFamily="49" charset="-122"/>
-                <a:cs typeface="Times New Roman" panose="02020603050405020304" pitchFamily="18" charset="0"/>
-              </a:rPr>
-              <a:t>并提供服务</a:t>
-            </a:r>
-          </a:p>
-          <a:p>
-            <a:pPr indent="266700" algn="just">
-              <a:lnSpc>
-                <a:spcPct val="150000"/>
-              </a:lnSpc>
-            </a:pPr>
-            <a:r>
-              <a:rPr lang="en-US" altLang="zh-CN" sz="1800" kern="100" dirty="0">
-                <a:effectLst/>
-                <a:latin typeface="Times New Roman" panose="02020603050405020304" pitchFamily="18" charset="0"/>
-                <a:ea typeface="仿宋" panose="02010609060101010101" pitchFamily="49" charset="-122"/>
-                <a:cs typeface="Times New Roman" panose="02020603050405020304" pitchFamily="18" charset="0"/>
-              </a:rPr>
-              <a:t> </a:t>
-            </a:r>
-            <a:endParaRPr lang="zh-CN" altLang="zh-CN" sz="1800" kern="100" dirty="0">
-              <a:effectLst/>
-              <a:latin typeface="Times New Roman" panose="02020603050405020304" pitchFamily="18" charset="0"/>
-              <a:ea typeface="仿宋" panose="02010609060101010101" pitchFamily="49" charset="-122"/>
-              <a:cs typeface="Times New Roman" panose="02020603050405020304" pitchFamily="18" charset="0"/>
-            </a:endParaRPr>
-          </a:p>
-          <a:p>
             <a:endParaRPr lang="en-US" altLang="zh-CN" sz="900" dirty="0">
               <a:latin typeface="微软雅黑" panose="020B0503020204020204" pitchFamily="34" charset="-122"/>
               <a:ea typeface="微软雅黑" panose="020B0503020204020204" pitchFamily="34" charset="-122"/>
@@ -7353,7 +6979,7 @@
     </p:spTree>
     <p:extLst>
       <p:ext uri="{BB962C8B-B14F-4D97-AF65-F5344CB8AC3E}">
-        <p14:creationId xmlns:p14="http://schemas.microsoft.com/office/powerpoint/2010/main" val="1205992545"/>
+        <p14:creationId xmlns:p14="http://schemas.microsoft.com/office/powerpoint/2010/main" val="2596777924"/>
       </p:ext>
     </p:extLst>
   </p:cSld>
@@ -7382,6 +7008,496 @@
       </p:grpSpPr>
       <p:sp>
         <p:nvSpPr>
+          <p:cNvPr id="2" name="幻灯片图像占位符 1"/>
+          <p:cNvSpPr>
+            <a:spLocks noGrp="1" noRot="1" noChangeAspect="1"/>
+          </p:cNvSpPr>
+          <p:nvPr>
+            <p:ph type="sldImg"/>
+          </p:nvPr>
+        </p:nvSpPr>
+        <p:spPr>
+          <a:xfrm>
+            <a:off x="425450" y="1238250"/>
+            <a:ext cx="5943600" cy="3344863"/>
+          </a:xfrm>
+        </p:spPr>
+      </p:sp>
+      <p:sp>
+        <p:nvSpPr>
+          <p:cNvPr id="3" name="备注占位符 2"/>
+          <p:cNvSpPr>
+            <a:spLocks noGrp="1"/>
+          </p:cNvSpPr>
+          <p:nvPr>
+            <p:ph type="body" idx="1"/>
+          </p:nvPr>
+        </p:nvSpPr>
+        <p:spPr/>
+        <p:txBody>
+          <a:bodyPr/>
+          <a:lstStyle/>
+          <a:p>
+            <a:pPr marL="0" lvl="0" indent="0" algn="just">
+              <a:lnSpc>
+                <a:spcPct val="150000"/>
+              </a:lnSpc>
+              <a:buFont typeface="+mj-lt"/>
+              <a:buNone/>
+            </a:pPr>
+            <a:r>
+              <a:rPr lang="en-US" altLang="zh-CN" sz="1800" kern="100" dirty="0">
+                <a:effectLst/>
+                <a:latin typeface="Times New Roman" panose="02020603050405020304" pitchFamily="18" charset="0"/>
+                <a:ea typeface="仿宋" panose="02010609060101010101" pitchFamily="49" charset="-122"/>
+                <a:cs typeface="Times New Roman" panose="02020603050405020304" pitchFamily="18" charset="0"/>
+              </a:rPr>
+              <a:t>1</a:t>
+            </a:r>
+            <a:r>
+              <a:rPr lang="zh-CN" altLang="en-US" sz="1800" kern="100" dirty="0">
+                <a:effectLst/>
+                <a:latin typeface="Times New Roman" panose="02020603050405020304" pitchFamily="18" charset="0"/>
+                <a:ea typeface="仿宋" panose="02010609060101010101" pitchFamily="49" charset="-122"/>
+                <a:cs typeface="Times New Roman" panose="02020603050405020304" pitchFamily="18" charset="0"/>
+              </a:rPr>
+              <a:t>、</a:t>
+            </a:r>
+            <a:r>
+              <a:rPr lang="zh-CN" altLang="zh-CN" sz="1800" kern="100" dirty="0">
+                <a:effectLst/>
+                <a:latin typeface="Times New Roman" panose="02020603050405020304" pitchFamily="18" charset="0"/>
+                <a:ea typeface="仿宋" panose="02010609060101010101" pitchFamily="49" charset="-122"/>
+                <a:cs typeface="Times New Roman" panose="02020603050405020304" pitchFamily="18" charset="0"/>
+              </a:rPr>
+              <a:t>根据一直运行的脚本获取高低水位信息，在切换开始时检验是否低于高水位</a:t>
+            </a:r>
+          </a:p>
+          <a:p>
+            <a:pPr marL="0" lvl="0" indent="0" algn="just">
+              <a:lnSpc>
+                <a:spcPct val="150000"/>
+              </a:lnSpc>
+              <a:buFont typeface="+mj-lt"/>
+              <a:buNone/>
+            </a:pPr>
+            <a:r>
+              <a:rPr lang="en-US" altLang="zh-CN" sz="1800" kern="100" dirty="0">
+                <a:effectLst/>
+                <a:latin typeface="Times New Roman" panose="02020603050405020304" pitchFamily="18" charset="0"/>
+                <a:ea typeface="仿宋" panose="02010609060101010101" pitchFamily="49" charset="-122"/>
+                <a:cs typeface="Times New Roman" panose="02020603050405020304" pitchFamily="18" charset="0"/>
+              </a:rPr>
+              <a:t>2</a:t>
+            </a:r>
+            <a:r>
+              <a:rPr lang="zh-CN" altLang="en-US" sz="1800" kern="100" dirty="0">
+                <a:effectLst/>
+                <a:latin typeface="Times New Roman" panose="02020603050405020304" pitchFamily="18" charset="0"/>
+                <a:ea typeface="仿宋" panose="02010609060101010101" pitchFamily="49" charset="-122"/>
+                <a:cs typeface="Times New Roman" panose="02020603050405020304" pitchFamily="18" charset="0"/>
+              </a:rPr>
+              <a:t>、</a:t>
+            </a:r>
+            <a:r>
+              <a:rPr lang="zh-CN" altLang="zh-CN" sz="1800" kern="100" dirty="0">
+                <a:effectLst/>
+                <a:latin typeface="Times New Roman" panose="02020603050405020304" pitchFamily="18" charset="0"/>
+                <a:ea typeface="仿宋" panose="02010609060101010101" pitchFamily="49" charset="-122"/>
+                <a:cs typeface="Times New Roman" panose="02020603050405020304" pitchFamily="18" charset="0"/>
+              </a:rPr>
+              <a:t>如果低于高水位，不触发切换逻辑；高于高水位时，杀本地管理节点及</a:t>
+            </a:r>
+            <a:r>
+              <a:rPr lang="en-US" altLang="zh-CN" sz="1800" kern="100" dirty="0">
+                <a:effectLst/>
+                <a:latin typeface="Times New Roman" panose="02020603050405020304" pitchFamily="18" charset="0"/>
+                <a:ea typeface="仿宋" panose="02010609060101010101" pitchFamily="49" charset="-122"/>
+                <a:cs typeface="Times New Roman" panose="02020603050405020304" pitchFamily="18" charset="0"/>
+              </a:rPr>
+              <a:t>OMM</a:t>
+            </a:r>
+            <a:endParaRPr lang="zh-CN" altLang="zh-CN" sz="1800" kern="100" dirty="0">
+              <a:effectLst/>
+              <a:latin typeface="Times New Roman" panose="02020603050405020304" pitchFamily="18" charset="0"/>
+              <a:ea typeface="仿宋" panose="02010609060101010101" pitchFamily="49" charset="-122"/>
+              <a:cs typeface="Times New Roman" panose="02020603050405020304" pitchFamily="18" charset="0"/>
+            </a:endParaRPr>
+          </a:p>
+          <a:p>
+            <a:pPr marL="0" lvl="0" indent="0" algn="just">
+              <a:lnSpc>
+                <a:spcPct val="150000"/>
+              </a:lnSpc>
+              <a:buFont typeface="+mj-lt"/>
+              <a:buNone/>
+            </a:pPr>
+            <a:r>
+              <a:rPr lang="en-US" altLang="zh-CN" sz="1800" kern="100" dirty="0">
+                <a:effectLst/>
+                <a:latin typeface="Times New Roman" panose="02020603050405020304" pitchFamily="18" charset="0"/>
+                <a:ea typeface="仿宋" panose="02010609060101010101" pitchFamily="49" charset="-122"/>
+                <a:cs typeface="Times New Roman" panose="02020603050405020304" pitchFamily="18" charset="0"/>
+              </a:rPr>
+              <a:t>3</a:t>
+            </a:r>
+            <a:r>
+              <a:rPr lang="zh-CN" altLang="en-US" sz="1800" kern="100" dirty="0">
+                <a:effectLst/>
+                <a:latin typeface="Times New Roman" panose="02020603050405020304" pitchFamily="18" charset="0"/>
+                <a:ea typeface="仿宋" panose="02010609060101010101" pitchFamily="49" charset="-122"/>
+                <a:cs typeface="Times New Roman" panose="02020603050405020304" pitchFamily="18" charset="0"/>
+              </a:rPr>
+              <a:t>、</a:t>
+            </a:r>
+            <a:r>
+              <a:rPr lang="zh-CN" altLang="zh-CN" sz="1800" kern="100" dirty="0">
+                <a:effectLst/>
+                <a:latin typeface="Times New Roman" panose="02020603050405020304" pitchFamily="18" charset="0"/>
+                <a:ea typeface="仿宋" panose="02010609060101010101" pitchFamily="49" charset="-122"/>
+                <a:cs typeface="Times New Roman" panose="02020603050405020304" pitchFamily="18" charset="0"/>
+              </a:rPr>
+              <a:t>等待所有备机回放完成</a:t>
+            </a:r>
+          </a:p>
+          <a:p>
+            <a:pPr marL="0" lvl="0" indent="0" algn="just">
+              <a:lnSpc>
+                <a:spcPct val="150000"/>
+              </a:lnSpc>
+              <a:buFont typeface="+mj-lt"/>
+              <a:buNone/>
+            </a:pPr>
+            <a:r>
+              <a:rPr lang="en-US" altLang="zh-CN" sz="1800" kern="100" dirty="0">
+                <a:effectLst/>
+                <a:latin typeface="Times New Roman" panose="02020603050405020304" pitchFamily="18" charset="0"/>
+                <a:ea typeface="仿宋" panose="02010609060101010101" pitchFamily="49" charset="-122"/>
+                <a:cs typeface="Times New Roman" panose="02020603050405020304" pitchFamily="18" charset="0"/>
+              </a:rPr>
+              <a:t>4</a:t>
+            </a:r>
+            <a:r>
+              <a:rPr lang="zh-CN" altLang="en-US" sz="1800" kern="100" dirty="0">
+                <a:effectLst/>
+                <a:latin typeface="Times New Roman" panose="02020603050405020304" pitchFamily="18" charset="0"/>
+                <a:ea typeface="仿宋" panose="02010609060101010101" pitchFamily="49" charset="-122"/>
+                <a:cs typeface="Times New Roman" panose="02020603050405020304" pitchFamily="18" charset="0"/>
+              </a:rPr>
+              <a:t>、</a:t>
+            </a:r>
+            <a:r>
+              <a:rPr lang="zh-CN" altLang="zh-CN" sz="1800" kern="100" dirty="0">
+                <a:effectLst/>
+                <a:latin typeface="Times New Roman" panose="02020603050405020304" pitchFamily="18" charset="0"/>
+                <a:ea typeface="仿宋" panose="02010609060101010101" pitchFamily="49" charset="-122"/>
+                <a:cs typeface="Times New Roman" panose="02020603050405020304" pitchFamily="18" charset="0"/>
+              </a:rPr>
+              <a:t>所有参与选主的管理节点：根据是否允许跨机房切换来确定参与选主的管理节点，返回参与选主管理节点的信息</a:t>
+            </a:r>
+          </a:p>
+          <a:p>
+            <a:pPr marL="0" lvl="0" indent="0" algn="just">
+              <a:lnSpc>
+                <a:spcPct val="150000"/>
+              </a:lnSpc>
+              <a:buFont typeface="+mj-lt"/>
+              <a:buNone/>
+            </a:pPr>
+            <a:r>
+              <a:rPr lang="en-US" altLang="zh-CN" sz="1800" kern="100" dirty="0">
+                <a:effectLst/>
+                <a:latin typeface="Times New Roman" panose="02020603050405020304" pitchFamily="18" charset="0"/>
+                <a:ea typeface="仿宋" panose="02010609060101010101" pitchFamily="49" charset="-122"/>
+                <a:cs typeface="Times New Roman" panose="02020603050405020304" pitchFamily="18" charset="0"/>
+              </a:rPr>
+              <a:t>5</a:t>
+            </a:r>
+            <a:r>
+              <a:rPr lang="zh-CN" altLang="en-US" sz="1800" kern="100" dirty="0">
+                <a:effectLst/>
+                <a:latin typeface="Times New Roman" panose="02020603050405020304" pitchFamily="18" charset="0"/>
+                <a:ea typeface="仿宋" panose="02010609060101010101" pitchFamily="49" charset="-122"/>
+                <a:cs typeface="Times New Roman" panose="02020603050405020304" pitchFamily="18" charset="0"/>
+              </a:rPr>
+              <a:t>、</a:t>
+            </a:r>
+            <a:r>
+              <a:rPr lang="zh-CN" altLang="zh-CN" sz="1800" kern="100" dirty="0">
+                <a:effectLst/>
+                <a:latin typeface="Times New Roman" panose="02020603050405020304" pitchFamily="18" charset="0"/>
+                <a:ea typeface="仿宋" panose="02010609060101010101" pitchFamily="49" charset="-122"/>
+                <a:cs typeface="Times New Roman" panose="02020603050405020304" pitchFamily="18" charset="0"/>
+              </a:rPr>
+              <a:t>判断参与选主管理节点中有无一致性副本</a:t>
+            </a:r>
+          </a:p>
+          <a:p>
+            <a:pPr marL="0" lvl="0" indent="0" algn="just">
+              <a:lnSpc>
+                <a:spcPct val="150000"/>
+              </a:lnSpc>
+              <a:buFont typeface="+mj-lt"/>
+              <a:buNone/>
+            </a:pPr>
+            <a:r>
+              <a:rPr lang="en-US" altLang="zh-CN" sz="1800" kern="100" dirty="0">
+                <a:effectLst/>
+                <a:latin typeface="Times New Roman" panose="02020603050405020304" pitchFamily="18" charset="0"/>
+                <a:ea typeface="仿宋" panose="02010609060101010101" pitchFamily="49" charset="-122"/>
+                <a:cs typeface="Times New Roman" panose="02020603050405020304" pitchFamily="18" charset="0"/>
+              </a:rPr>
+              <a:t>6</a:t>
+            </a:r>
+            <a:r>
+              <a:rPr lang="zh-CN" altLang="en-US" sz="1800" kern="100" dirty="0">
+                <a:effectLst/>
+                <a:latin typeface="Times New Roman" panose="02020603050405020304" pitchFamily="18" charset="0"/>
+                <a:ea typeface="仿宋" panose="02010609060101010101" pitchFamily="49" charset="-122"/>
+                <a:cs typeface="Times New Roman" panose="02020603050405020304" pitchFamily="18" charset="0"/>
+              </a:rPr>
+              <a:t>、</a:t>
+            </a:r>
+            <a:r>
+              <a:rPr lang="zh-CN" altLang="zh-CN" sz="1800" kern="100" dirty="0">
+                <a:effectLst/>
+                <a:latin typeface="Times New Roman" panose="02020603050405020304" pitchFamily="18" charset="0"/>
+                <a:ea typeface="仿宋" panose="02010609060101010101" pitchFamily="49" charset="-122"/>
+                <a:cs typeface="Times New Roman" panose="02020603050405020304" pitchFamily="18" charset="0"/>
+              </a:rPr>
+              <a:t>如无一致性副本，则选取</a:t>
+            </a:r>
+            <a:r>
+              <a:rPr lang="en-US" altLang="zh-CN" sz="1800" kern="100" dirty="0" err="1">
+                <a:effectLst/>
+                <a:latin typeface="Times New Roman" panose="02020603050405020304" pitchFamily="18" charset="0"/>
+                <a:ea typeface="仿宋" panose="02010609060101010101" pitchFamily="49" charset="-122"/>
+                <a:cs typeface="Times New Roman" panose="02020603050405020304" pitchFamily="18" charset="0"/>
+              </a:rPr>
+              <a:t>gtid</a:t>
+            </a:r>
+            <a:r>
+              <a:rPr lang="zh-CN" altLang="zh-CN" sz="1800" kern="100" dirty="0">
+                <a:effectLst/>
+                <a:latin typeface="Times New Roman" panose="02020603050405020304" pitchFamily="18" charset="0"/>
+                <a:ea typeface="仿宋" panose="02010609060101010101" pitchFamily="49" charset="-122"/>
+                <a:cs typeface="Times New Roman" panose="02020603050405020304" pitchFamily="18" charset="0"/>
+              </a:rPr>
+              <a:t>最大且优先级最高的管理节点为主；如有一致性副本，则选取一致性副本中优先级最高的作为新主</a:t>
+            </a:r>
+          </a:p>
+          <a:p>
+            <a:pPr marL="0" lvl="0" indent="0" algn="just">
+              <a:lnSpc>
+                <a:spcPct val="150000"/>
+              </a:lnSpc>
+              <a:buFont typeface="+mj-lt"/>
+              <a:buNone/>
+            </a:pPr>
+            <a:r>
+              <a:rPr lang="en-US" altLang="zh-CN" sz="1800" kern="100" dirty="0">
+                <a:effectLst/>
+                <a:latin typeface="Times New Roman" panose="02020603050405020304" pitchFamily="18" charset="0"/>
+                <a:ea typeface="仿宋" panose="02010609060101010101" pitchFamily="49" charset="-122"/>
+                <a:cs typeface="Times New Roman" panose="02020603050405020304" pitchFamily="18" charset="0"/>
+              </a:rPr>
+              <a:t>7</a:t>
+            </a:r>
+            <a:r>
+              <a:rPr lang="zh-CN" altLang="en-US" sz="1800" kern="100" dirty="0">
+                <a:effectLst/>
+                <a:latin typeface="Times New Roman" panose="02020603050405020304" pitchFamily="18" charset="0"/>
+                <a:ea typeface="仿宋" panose="02010609060101010101" pitchFamily="49" charset="-122"/>
+                <a:cs typeface="Times New Roman" panose="02020603050405020304" pitchFamily="18" charset="0"/>
+              </a:rPr>
+              <a:t>、</a:t>
+            </a:r>
+            <a:r>
+              <a:rPr lang="zh-CN" altLang="zh-CN" sz="1800" kern="100" dirty="0">
+                <a:effectLst/>
+                <a:latin typeface="Times New Roman" panose="02020603050405020304" pitchFamily="18" charset="0"/>
+                <a:ea typeface="仿宋" panose="02010609060101010101" pitchFamily="49" charset="-122"/>
+                <a:cs typeface="Times New Roman" panose="02020603050405020304" pitchFamily="18" charset="0"/>
+              </a:rPr>
+              <a:t>选出新主后根据标志位判断新主是否需要拉数据，如果无一致性副本，则需要向新主拉数据</a:t>
+            </a:r>
+          </a:p>
+          <a:p>
+            <a:pPr marL="0" lvl="0" indent="0" algn="just">
+              <a:lnSpc>
+                <a:spcPct val="150000"/>
+              </a:lnSpc>
+              <a:buFont typeface="+mj-lt"/>
+              <a:buNone/>
+            </a:pPr>
+            <a:r>
+              <a:rPr lang="en-US" altLang="zh-CN" sz="1800" kern="100" dirty="0">
+                <a:effectLst/>
+                <a:latin typeface="Times New Roman" panose="02020603050405020304" pitchFamily="18" charset="0"/>
+                <a:ea typeface="仿宋" panose="02010609060101010101" pitchFamily="49" charset="-122"/>
+                <a:cs typeface="Times New Roman" panose="02020603050405020304" pitchFamily="18" charset="0"/>
+              </a:rPr>
+              <a:t>8</a:t>
+            </a:r>
+            <a:r>
+              <a:rPr lang="zh-CN" altLang="en-US" sz="1800" kern="100" dirty="0">
+                <a:effectLst/>
+                <a:latin typeface="Times New Roman" panose="02020603050405020304" pitchFamily="18" charset="0"/>
+                <a:ea typeface="仿宋" panose="02010609060101010101" pitchFamily="49" charset="-122"/>
+                <a:cs typeface="Times New Roman" panose="02020603050405020304" pitchFamily="18" charset="0"/>
+              </a:rPr>
+              <a:t>、</a:t>
+            </a:r>
+            <a:r>
+              <a:rPr lang="zh-CN" altLang="zh-CN" sz="1800" kern="100" dirty="0">
+                <a:effectLst/>
+                <a:latin typeface="Times New Roman" panose="02020603050405020304" pitchFamily="18" charset="0"/>
+                <a:ea typeface="仿宋" panose="02010609060101010101" pitchFamily="49" charset="-122"/>
+                <a:cs typeface="Times New Roman" panose="02020603050405020304" pitchFamily="18" charset="0"/>
+              </a:rPr>
+              <a:t>确保新主数据最大后，启动新主的</a:t>
+            </a:r>
+            <a:r>
+              <a:rPr lang="en-US" altLang="zh-CN" sz="1800" kern="100" dirty="0">
+                <a:effectLst/>
+                <a:latin typeface="Times New Roman" panose="02020603050405020304" pitchFamily="18" charset="0"/>
+                <a:ea typeface="仿宋" panose="02010609060101010101" pitchFamily="49" charset="-122"/>
+                <a:cs typeface="Times New Roman" panose="02020603050405020304" pitchFamily="18" charset="0"/>
+              </a:rPr>
+              <a:t>OMM</a:t>
+            </a:r>
+            <a:r>
+              <a:rPr lang="zh-CN" altLang="zh-CN" sz="1800" kern="100" dirty="0">
+                <a:effectLst/>
+                <a:latin typeface="Times New Roman" panose="02020603050405020304" pitchFamily="18" charset="0"/>
+                <a:ea typeface="仿宋" panose="02010609060101010101" pitchFamily="49" charset="-122"/>
+                <a:cs typeface="Times New Roman" panose="02020603050405020304" pitchFamily="18" charset="0"/>
+              </a:rPr>
+              <a:t>、管理节点，建立</a:t>
+            </a:r>
+            <a:r>
+              <a:rPr lang="en-US" altLang="zh-CN" sz="1800" kern="100" dirty="0">
+                <a:effectLst/>
+                <a:latin typeface="Times New Roman" panose="02020603050405020304" pitchFamily="18" charset="0"/>
+                <a:ea typeface="仿宋" panose="02010609060101010101" pitchFamily="49" charset="-122"/>
+                <a:cs typeface="Times New Roman" panose="02020603050405020304" pitchFamily="18" charset="0"/>
+              </a:rPr>
+              <a:t>RDB</a:t>
+            </a:r>
+            <a:r>
+              <a:rPr lang="zh-CN" altLang="zh-CN" sz="1800" kern="100" dirty="0">
+                <a:effectLst/>
+                <a:latin typeface="Times New Roman" panose="02020603050405020304" pitchFamily="18" charset="0"/>
+                <a:ea typeface="仿宋" panose="02010609060101010101" pitchFamily="49" charset="-122"/>
+                <a:cs typeface="Times New Roman" panose="02020603050405020304" pitchFamily="18" charset="0"/>
+              </a:rPr>
+              <a:t>主备关系</a:t>
+            </a:r>
+          </a:p>
+          <a:p>
+            <a:pPr marL="0" lvl="0" indent="0" algn="just">
+              <a:lnSpc>
+                <a:spcPct val="150000"/>
+              </a:lnSpc>
+              <a:buFont typeface="+mj-lt"/>
+              <a:buNone/>
+            </a:pPr>
+            <a:r>
+              <a:rPr lang="en-US" altLang="zh-CN" sz="1800" kern="100" dirty="0">
+                <a:effectLst/>
+                <a:latin typeface="Times New Roman" panose="02020603050405020304" pitchFamily="18" charset="0"/>
+                <a:ea typeface="仿宋" panose="02010609060101010101" pitchFamily="49" charset="-122"/>
+                <a:cs typeface="Times New Roman" panose="02020603050405020304" pitchFamily="18" charset="0"/>
+              </a:rPr>
+              <a:t>9</a:t>
+            </a:r>
+            <a:r>
+              <a:rPr lang="zh-CN" altLang="en-US" sz="1800" kern="100" dirty="0">
+                <a:effectLst/>
+                <a:latin typeface="Times New Roman" panose="02020603050405020304" pitchFamily="18" charset="0"/>
+                <a:ea typeface="仿宋" panose="02010609060101010101" pitchFamily="49" charset="-122"/>
+                <a:cs typeface="Times New Roman" panose="02020603050405020304" pitchFamily="18" charset="0"/>
+              </a:rPr>
+              <a:t>、</a:t>
+            </a:r>
+            <a:r>
+              <a:rPr lang="zh-CN" altLang="zh-CN" sz="1800" kern="100" dirty="0">
+                <a:effectLst/>
+                <a:latin typeface="Times New Roman" panose="02020603050405020304" pitchFamily="18" charset="0"/>
+                <a:ea typeface="仿宋" panose="02010609060101010101" pitchFamily="49" charset="-122"/>
+                <a:cs typeface="Times New Roman" panose="02020603050405020304" pitchFamily="18" charset="0"/>
+              </a:rPr>
+              <a:t>校验</a:t>
+            </a:r>
+            <a:r>
+              <a:rPr lang="en-US" altLang="zh-CN" sz="1800" kern="100" dirty="0">
+                <a:effectLst/>
+                <a:latin typeface="Times New Roman" panose="02020603050405020304" pitchFamily="18" charset="0"/>
+                <a:ea typeface="仿宋" panose="02010609060101010101" pitchFamily="49" charset="-122"/>
+                <a:cs typeface="Times New Roman" panose="02020603050405020304" pitchFamily="18" charset="0"/>
+              </a:rPr>
+              <a:t>RDB</a:t>
+            </a:r>
+            <a:r>
+              <a:rPr lang="zh-CN" altLang="zh-CN" sz="1800" kern="100" dirty="0">
+                <a:effectLst/>
+                <a:latin typeface="Times New Roman" panose="02020603050405020304" pitchFamily="18" charset="0"/>
+                <a:ea typeface="仿宋" panose="02010609060101010101" pitchFamily="49" charset="-122"/>
+                <a:cs typeface="Times New Roman" panose="02020603050405020304" pitchFamily="18" charset="0"/>
+              </a:rPr>
+              <a:t>主备一致性，若成功则返回新主</a:t>
+            </a:r>
+            <a:r>
+              <a:rPr lang="en-US" altLang="zh-CN" sz="1800" kern="100" dirty="0" err="1">
+                <a:effectLst/>
+                <a:latin typeface="Times New Roman" panose="02020603050405020304" pitchFamily="18" charset="0"/>
+                <a:ea typeface="仿宋" panose="02010609060101010101" pitchFamily="49" charset="-122"/>
+                <a:cs typeface="Times New Roman" panose="02020603050405020304" pitchFamily="18" charset="0"/>
+              </a:rPr>
+              <a:t>ip</a:t>
+            </a:r>
+            <a:r>
+              <a:rPr lang="zh-CN" altLang="zh-CN" sz="1800" kern="100" dirty="0">
+                <a:effectLst/>
+                <a:latin typeface="Times New Roman" panose="02020603050405020304" pitchFamily="18" charset="0"/>
+                <a:ea typeface="仿宋" panose="02010609060101010101" pitchFamily="49" charset="-122"/>
+                <a:cs typeface="Times New Roman" panose="02020603050405020304" pitchFamily="18" charset="0"/>
+              </a:rPr>
+              <a:t>并提供服务</a:t>
+            </a:r>
+          </a:p>
+          <a:p>
+            <a:pPr indent="266700" algn="just">
+              <a:lnSpc>
+                <a:spcPct val="150000"/>
+              </a:lnSpc>
+            </a:pPr>
+            <a:r>
+              <a:rPr lang="en-US" altLang="zh-CN" sz="1800" kern="100" dirty="0">
+                <a:effectLst/>
+                <a:latin typeface="Times New Roman" panose="02020603050405020304" pitchFamily="18" charset="0"/>
+                <a:ea typeface="仿宋" panose="02010609060101010101" pitchFamily="49" charset="-122"/>
+                <a:cs typeface="Times New Roman" panose="02020603050405020304" pitchFamily="18" charset="0"/>
+              </a:rPr>
+              <a:t> </a:t>
+            </a:r>
+            <a:endParaRPr lang="zh-CN" altLang="zh-CN" sz="1800" kern="100" dirty="0">
+              <a:effectLst/>
+              <a:latin typeface="Times New Roman" panose="02020603050405020304" pitchFamily="18" charset="0"/>
+              <a:ea typeface="仿宋" panose="02010609060101010101" pitchFamily="49" charset="-122"/>
+              <a:cs typeface="Times New Roman" panose="02020603050405020304" pitchFamily="18" charset="0"/>
+            </a:endParaRPr>
+          </a:p>
+          <a:p>
+            <a:endParaRPr lang="en-US" altLang="zh-CN" sz="900" dirty="0">
+              <a:latin typeface="微软雅黑" panose="020B0503020204020204" pitchFamily="34" charset="-122"/>
+              <a:ea typeface="微软雅黑" panose="020B0503020204020204" pitchFamily="34" charset="-122"/>
+            </a:endParaRPr>
+          </a:p>
+        </p:txBody>
+      </p:sp>
+      <p:sp>
+        <p:nvSpPr>
           <p:cNvPr id="4" name="灯片编号占位符 3"/>
           <p:cNvSpPr>
             <a:spLocks noGrp="1"/>
@@ -7395,7 +7511,7 @@
           <a:bodyPr/>
           <a:lstStyle/>
           <a:p>
-            <a:fld id="{115E481A-832A-48B0-9B5F-CC2DDFB376CC}" type="slidenum">
+            <a:fld id="{7EFE2119-A7ED-48A4-BF93-E52EC1921131}" type="slidenum">
               <a:rPr lang="zh-CN" altLang="en-US" smtClean="0"/>
               <a:t>47</a:t>
             </a:fld>
@@ -7403,46 +7519,10 @@
           </a:p>
         </p:txBody>
       </p:sp>
-      <p:sp>
-        <p:nvSpPr>
-          <p:cNvPr id="6" name="幻灯片图像占位符 5"/>
-          <p:cNvSpPr>
-            <a:spLocks noGrp="1" noRot="1" noChangeAspect="1"/>
-          </p:cNvSpPr>
-          <p:nvPr>
-            <p:ph type="sldImg"/>
-          </p:nvPr>
-        </p:nvSpPr>
-        <p:spPr>
-          <a:xfrm>
-            <a:off x="519113" y="787400"/>
-            <a:ext cx="5759450" cy="3240088"/>
-          </a:xfrm>
-        </p:spPr>
-      </p:sp>
-      <p:sp>
-        <p:nvSpPr>
-          <p:cNvPr id="7" name="备注占位符 6"/>
-          <p:cNvSpPr>
-            <a:spLocks noGrp="1"/>
-          </p:cNvSpPr>
-          <p:nvPr>
-            <p:ph type="body" idx="1"/>
-          </p:nvPr>
-        </p:nvSpPr>
-        <p:spPr/>
-        <p:txBody>
-          <a:bodyPr/>
-          <a:lstStyle/>
-          <a:p>
-            <a:endParaRPr lang="zh-CN" altLang="en-US"/>
-          </a:p>
-        </p:txBody>
-      </p:sp>
     </p:spTree>
     <p:extLst>
       <p:ext uri="{BB962C8B-B14F-4D97-AF65-F5344CB8AC3E}">
-        <p14:creationId xmlns:p14="http://schemas.microsoft.com/office/powerpoint/2010/main" val="28930420"/>
+        <p14:creationId xmlns:p14="http://schemas.microsoft.com/office/powerpoint/2010/main" val="1205992545"/>
       </p:ext>
     </p:extLst>
   </p:cSld>
@@ -7471,45 +7551,6 @@
       </p:grpSpPr>
       <p:sp>
         <p:nvSpPr>
-          <p:cNvPr id="2" name="幻灯片图像占位符 1"/>
-          <p:cNvSpPr>
-            <a:spLocks noGrp="1" noRot="1" noChangeAspect="1"/>
-          </p:cNvSpPr>
-          <p:nvPr>
-            <p:ph type="sldImg"/>
-          </p:nvPr>
-        </p:nvSpPr>
-        <p:spPr>
-          <a:xfrm>
-            <a:off x="425450" y="1238250"/>
-            <a:ext cx="5943600" cy="3344863"/>
-          </a:xfrm>
-        </p:spPr>
-      </p:sp>
-      <p:sp>
-        <p:nvSpPr>
-          <p:cNvPr id="3" name="备注占位符 2"/>
-          <p:cNvSpPr>
-            <a:spLocks noGrp="1"/>
-          </p:cNvSpPr>
-          <p:nvPr>
-            <p:ph type="body" idx="1"/>
-          </p:nvPr>
-        </p:nvSpPr>
-        <p:spPr/>
-        <p:txBody>
-          <a:bodyPr/>
-          <a:lstStyle/>
-          <a:p>
-            <a:endParaRPr lang="en-US" altLang="zh-CN" sz="900" dirty="0">
-              <a:latin typeface="微软雅黑" panose="020B0503020204020204" pitchFamily="34" charset="-122"/>
-              <a:ea typeface="微软雅黑" panose="020B0503020204020204" pitchFamily="34" charset="-122"/>
-            </a:endParaRPr>
-          </a:p>
-        </p:txBody>
-      </p:sp>
-      <p:sp>
-        <p:nvSpPr>
           <p:cNvPr id="4" name="灯片编号占位符 3"/>
           <p:cNvSpPr>
             <a:spLocks noGrp="1"/>
@@ -7523,7 +7564,7 @@
           <a:bodyPr/>
           <a:lstStyle/>
           <a:p>
-            <a:fld id="{7EFE2119-A7ED-48A4-BF93-E52EC1921131}" type="slidenum">
+            <a:fld id="{115E481A-832A-48B0-9B5F-CC2DDFB376CC}" type="slidenum">
               <a:rPr lang="zh-CN" altLang="en-US" smtClean="0"/>
               <a:t>48</a:t>
             </a:fld>
@@ -7531,10 +7572,46 @@
           </a:p>
         </p:txBody>
       </p:sp>
+      <p:sp>
+        <p:nvSpPr>
+          <p:cNvPr id="6" name="幻灯片图像占位符 5"/>
+          <p:cNvSpPr>
+            <a:spLocks noGrp="1" noRot="1" noChangeAspect="1"/>
+          </p:cNvSpPr>
+          <p:nvPr>
+            <p:ph type="sldImg"/>
+          </p:nvPr>
+        </p:nvSpPr>
+        <p:spPr>
+          <a:xfrm>
+            <a:off x="519113" y="787400"/>
+            <a:ext cx="5759450" cy="3240088"/>
+          </a:xfrm>
+        </p:spPr>
+      </p:sp>
+      <p:sp>
+        <p:nvSpPr>
+          <p:cNvPr id="7" name="备注占位符 6"/>
+          <p:cNvSpPr>
+            <a:spLocks noGrp="1"/>
+          </p:cNvSpPr>
+          <p:nvPr>
+            <p:ph type="body" idx="1"/>
+          </p:nvPr>
+        </p:nvSpPr>
+        <p:spPr/>
+        <p:txBody>
+          <a:bodyPr/>
+          <a:lstStyle/>
+          <a:p>
+            <a:endParaRPr lang="zh-CN" altLang="en-US"/>
+          </a:p>
+        </p:txBody>
+      </p:sp>
     </p:spTree>
     <p:extLst>
       <p:ext uri="{BB962C8B-B14F-4D97-AF65-F5344CB8AC3E}">
-        <p14:creationId xmlns:p14="http://schemas.microsoft.com/office/powerpoint/2010/main" val="1350859468"/>
+        <p14:creationId xmlns:p14="http://schemas.microsoft.com/office/powerpoint/2010/main" val="28930420"/>
       </p:ext>
     </p:extLst>
   </p:cSld>
@@ -7626,7 +7703,7 @@
     </p:spTree>
     <p:extLst>
       <p:ext uri="{BB962C8B-B14F-4D97-AF65-F5344CB8AC3E}">
-        <p14:creationId xmlns:p14="http://schemas.microsoft.com/office/powerpoint/2010/main" val="2945118364"/>
+        <p14:creationId xmlns:p14="http://schemas.microsoft.com/office/powerpoint/2010/main" val="1350859468"/>
       </p:ext>
     </p:extLst>
   </p:cSld>
@@ -7718,7 +7795,7 @@
     </p:spTree>
     <p:extLst>
       <p:ext uri="{BB962C8B-B14F-4D97-AF65-F5344CB8AC3E}">
-        <p14:creationId xmlns:p14="http://schemas.microsoft.com/office/powerpoint/2010/main" val="2634448989"/>
+        <p14:creationId xmlns:p14="http://schemas.microsoft.com/office/powerpoint/2010/main" val="2945118364"/>
       </p:ext>
     </p:extLst>
   </p:cSld>
@@ -7747,6 +7824,45 @@
       </p:grpSpPr>
       <p:sp>
         <p:nvSpPr>
+          <p:cNvPr id="2" name="幻灯片图像占位符 1"/>
+          <p:cNvSpPr>
+            <a:spLocks noGrp="1" noRot="1" noChangeAspect="1"/>
+          </p:cNvSpPr>
+          <p:nvPr>
+            <p:ph type="sldImg"/>
+          </p:nvPr>
+        </p:nvSpPr>
+        <p:spPr>
+          <a:xfrm>
+            <a:off x="425450" y="1238250"/>
+            <a:ext cx="5943600" cy="3344863"/>
+          </a:xfrm>
+        </p:spPr>
+      </p:sp>
+      <p:sp>
+        <p:nvSpPr>
+          <p:cNvPr id="3" name="备注占位符 2"/>
+          <p:cNvSpPr>
+            <a:spLocks noGrp="1"/>
+          </p:cNvSpPr>
+          <p:nvPr>
+            <p:ph type="body" idx="1"/>
+          </p:nvPr>
+        </p:nvSpPr>
+        <p:spPr/>
+        <p:txBody>
+          <a:bodyPr/>
+          <a:lstStyle/>
+          <a:p>
+            <a:endParaRPr lang="en-US" altLang="zh-CN" sz="900" dirty="0">
+              <a:latin typeface="微软雅黑" panose="020B0503020204020204" pitchFamily="34" charset="-122"/>
+              <a:ea typeface="微软雅黑" panose="020B0503020204020204" pitchFamily="34" charset="-122"/>
+            </a:endParaRPr>
+          </a:p>
+        </p:txBody>
+      </p:sp>
+      <p:sp>
+        <p:nvSpPr>
           <p:cNvPr id="4" name="灯片编号占位符 3"/>
           <p:cNvSpPr>
             <a:spLocks noGrp="1"/>
@@ -7760,7 +7876,7 @@
           <a:bodyPr/>
           <a:lstStyle/>
           <a:p>
-            <a:fld id="{115E481A-832A-48B0-9B5F-CC2DDFB376CC}" type="slidenum">
+            <a:fld id="{7EFE2119-A7ED-48A4-BF93-E52EC1921131}" type="slidenum">
               <a:rPr lang="zh-CN" altLang="en-US" smtClean="0"/>
               <a:t>51</a:t>
             </a:fld>
@@ -7768,46 +7884,10 @@
           </a:p>
         </p:txBody>
       </p:sp>
-      <p:sp>
-        <p:nvSpPr>
-          <p:cNvPr id="6" name="幻灯片图像占位符 5"/>
-          <p:cNvSpPr>
-            <a:spLocks noGrp="1" noRot="1" noChangeAspect="1"/>
-          </p:cNvSpPr>
-          <p:nvPr>
-            <p:ph type="sldImg"/>
-          </p:nvPr>
-        </p:nvSpPr>
-        <p:spPr>
-          <a:xfrm>
-            <a:off x="519113" y="787400"/>
-            <a:ext cx="5759450" cy="3240088"/>
-          </a:xfrm>
-        </p:spPr>
-      </p:sp>
-      <p:sp>
-        <p:nvSpPr>
-          <p:cNvPr id="7" name="备注占位符 6"/>
-          <p:cNvSpPr>
-            <a:spLocks noGrp="1"/>
-          </p:cNvSpPr>
-          <p:nvPr>
-            <p:ph type="body" idx="1"/>
-          </p:nvPr>
-        </p:nvSpPr>
-        <p:spPr/>
-        <p:txBody>
-          <a:bodyPr/>
-          <a:lstStyle/>
-          <a:p>
-            <a:endParaRPr lang="zh-CN" altLang="en-US"/>
-          </a:p>
-        </p:txBody>
-      </p:sp>
     </p:spTree>
     <p:extLst>
       <p:ext uri="{BB962C8B-B14F-4D97-AF65-F5344CB8AC3E}">
-        <p14:creationId xmlns:p14="http://schemas.microsoft.com/office/powerpoint/2010/main" val="1329739791"/>
+        <p14:creationId xmlns:p14="http://schemas.microsoft.com/office/powerpoint/2010/main" val="2634448989"/>
       </p:ext>
     </p:extLst>
   </p:cSld>
@@ -7928,45 +8008,6 @@
       </p:grpSpPr>
       <p:sp>
         <p:nvSpPr>
-          <p:cNvPr id="2" name="幻灯片图像占位符 1"/>
-          <p:cNvSpPr>
-            <a:spLocks noGrp="1" noRot="1" noChangeAspect="1"/>
-          </p:cNvSpPr>
-          <p:nvPr>
-            <p:ph type="sldImg"/>
-          </p:nvPr>
-        </p:nvSpPr>
-        <p:spPr>
-          <a:xfrm>
-            <a:off x="425450" y="1238250"/>
-            <a:ext cx="5943600" cy="3344863"/>
-          </a:xfrm>
-        </p:spPr>
-      </p:sp>
-      <p:sp>
-        <p:nvSpPr>
-          <p:cNvPr id="3" name="备注占位符 2"/>
-          <p:cNvSpPr>
-            <a:spLocks noGrp="1"/>
-          </p:cNvSpPr>
-          <p:nvPr>
-            <p:ph type="body" idx="1"/>
-          </p:nvPr>
-        </p:nvSpPr>
-        <p:spPr/>
-        <p:txBody>
-          <a:bodyPr/>
-          <a:lstStyle/>
-          <a:p>
-            <a:endParaRPr lang="en-US" altLang="zh-CN" sz="900" dirty="0">
-              <a:latin typeface="微软雅黑" panose="020B0503020204020204" pitchFamily="34" charset="-122"/>
-              <a:ea typeface="微软雅黑" panose="020B0503020204020204" pitchFamily="34" charset="-122"/>
-            </a:endParaRPr>
-          </a:p>
-        </p:txBody>
-      </p:sp>
-      <p:sp>
-        <p:nvSpPr>
           <p:cNvPr id="4" name="灯片编号占位符 3"/>
           <p:cNvSpPr>
             <a:spLocks noGrp="1"/>
@@ -7980,7 +8021,7 @@
           <a:bodyPr/>
           <a:lstStyle/>
           <a:p>
-            <a:fld id="{7EFE2119-A7ED-48A4-BF93-E52EC1921131}" type="slidenum">
+            <a:fld id="{115E481A-832A-48B0-9B5F-CC2DDFB376CC}" type="slidenum">
               <a:rPr lang="zh-CN" altLang="en-US" smtClean="0"/>
               <a:t>52</a:t>
             </a:fld>
@@ -7988,10 +8029,46 @@
           </a:p>
         </p:txBody>
       </p:sp>
+      <p:sp>
+        <p:nvSpPr>
+          <p:cNvPr id="6" name="幻灯片图像占位符 5"/>
+          <p:cNvSpPr>
+            <a:spLocks noGrp="1" noRot="1" noChangeAspect="1"/>
+          </p:cNvSpPr>
+          <p:nvPr>
+            <p:ph type="sldImg"/>
+          </p:nvPr>
+        </p:nvSpPr>
+        <p:spPr>
+          <a:xfrm>
+            <a:off x="519113" y="787400"/>
+            <a:ext cx="5759450" cy="3240088"/>
+          </a:xfrm>
+        </p:spPr>
+      </p:sp>
+      <p:sp>
+        <p:nvSpPr>
+          <p:cNvPr id="7" name="备注占位符 6"/>
+          <p:cNvSpPr>
+            <a:spLocks noGrp="1"/>
+          </p:cNvSpPr>
+          <p:nvPr>
+            <p:ph type="body" idx="1"/>
+          </p:nvPr>
+        </p:nvSpPr>
+        <p:spPr/>
+        <p:txBody>
+          <a:bodyPr/>
+          <a:lstStyle/>
+          <a:p>
+            <a:endParaRPr lang="zh-CN" altLang="en-US"/>
+          </a:p>
+        </p:txBody>
+      </p:sp>
     </p:spTree>
     <p:extLst>
       <p:ext uri="{BB962C8B-B14F-4D97-AF65-F5344CB8AC3E}">
-        <p14:creationId xmlns:p14="http://schemas.microsoft.com/office/powerpoint/2010/main" val="352257046"/>
+        <p14:creationId xmlns:p14="http://schemas.microsoft.com/office/powerpoint/2010/main" val="1329739791"/>
       </p:ext>
     </p:extLst>
   </p:cSld>
@@ -8083,7 +8160,7 @@
     </p:spTree>
     <p:extLst>
       <p:ext uri="{BB962C8B-B14F-4D97-AF65-F5344CB8AC3E}">
-        <p14:creationId xmlns:p14="http://schemas.microsoft.com/office/powerpoint/2010/main" val="2227125815"/>
+        <p14:creationId xmlns:p14="http://schemas.microsoft.com/office/powerpoint/2010/main" val="352257046"/>
       </p:ext>
     </p:extLst>
   </p:cSld>
@@ -8112,6 +8189,45 @@
       </p:grpSpPr>
       <p:sp>
         <p:nvSpPr>
+          <p:cNvPr id="2" name="幻灯片图像占位符 1"/>
+          <p:cNvSpPr>
+            <a:spLocks noGrp="1" noRot="1" noChangeAspect="1"/>
+          </p:cNvSpPr>
+          <p:nvPr>
+            <p:ph type="sldImg"/>
+          </p:nvPr>
+        </p:nvSpPr>
+        <p:spPr>
+          <a:xfrm>
+            <a:off x="425450" y="1238250"/>
+            <a:ext cx="5943600" cy="3344863"/>
+          </a:xfrm>
+        </p:spPr>
+      </p:sp>
+      <p:sp>
+        <p:nvSpPr>
+          <p:cNvPr id="3" name="备注占位符 2"/>
+          <p:cNvSpPr>
+            <a:spLocks noGrp="1"/>
+          </p:cNvSpPr>
+          <p:nvPr>
+            <p:ph type="body" idx="1"/>
+          </p:nvPr>
+        </p:nvSpPr>
+        <p:spPr/>
+        <p:txBody>
+          <a:bodyPr/>
+          <a:lstStyle/>
+          <a:p>
+            <a:endParaRPr lang="en-US" altLang="zh-CN" sz="900" dirty="0">
+              <a:latin typeface="微软雅黑" panose="020B0503020204020204" pitchFamily="34" charset="-122"/>
+              <a:ea typeface="微软雅黑" panose="020B0503020204020204" pitchFamily="34" charset="-122"/>
+            </a:endParaRPr>
+          </a:p>
+        </p:txBody>
+      </p:sp>
+      <p:sp>
+        <p:nvSpPr>
           <p:cNvPr id="4" name="灯片编号占位符 3"/>
           <p:cNvSpPr>
             <a:spLocks noGrp="1"/>
@@ -8125,7 +8241,7 @@
           <a:bodyPr/>
           <a:lstStyle/>
           <a:p>
-            <a:fld id="{115E481A-832A-48B0-9B5F-CC2DDFB376CC}" type="slidenum">
+            <a:fld id="{7EFE2119-A7ED-48A4-BF93-E52EC1921131}" type="slidenum">
               <a:rPr lang="zh-CN" altLang="en-US" smtClean="0"/>
               <a:t>54</a:t>
             </a:fld>
@@ -8133,46 +8249,10 @@
           </a:p>
         </p:txBody>
       </p:sp>
-      <p:sp>
-        <p:nvSpPr>
-          <p:cNvPr id="6" name="幻灯片图像占位符 5"/>
-          <p:cNvSpPr>
-            <a:spLocks noGrp="1" noRot="1" noChangeAspect="1"/>
-          </p:cNvSpPr>
-          <p:nvPr>
-            <p:ph type="sldImg"/>
-          </p:nvPr>
-        </p:nvSpPr>
-        <p:spPr>
-          <a:xfrm>
-            <a:off x="519113" y="787400"/>
-            <a:ext cx="5759450" cy="3240088"/>
-          </a:xfrm>
-        </p:spPr>
-      </p:sp>
-      <p:sp>
-        <p:nvSpPr>
-          <p:cNvPr id="7" name="备注占位符 6"/>
-          <p:cNvSpPr>
-            <a:spLocks noGrp="1"/>
-          </p:cNvSpPr>
-          <p:nvPr>
-            <p:ph type="body" idx="1"/>
-          </p:nvPr>
-        </p:nvSpPr>
-        <p:spPr/>
-        <p:txBody>
-          <a:bodyPr/>
-          <a:lstStyle/>
-          <a:p>
-            <a:endParaRPr lang="zh-CN" altLang="en-US"/>
-          </a:p>
-        </p:txBody>
-      </p:sp>
     </p:spTree>
     <p:extLst>
       <p:ext uri="{BB962C8B-B14F-4D97-AF65-F5344CB8AC3E}">
-        <p14:creationId xmlns:p14="http://schemas.microsoft.com/office/powerpoint/2010/main" val="3457709822"/>
+        <p14:creationId xmlns:p14="http://schemas.microsoft.com/office/powerpoint/2010/main" val="2227125815"/>
       </p:ext>
     </p:extLst>
   </p:cSld>
@@ -8201,73 +8281,6 @@
       </p:grpSpPr>
       <p:sp>
         <p:nvSpPr>
-          <p:cNvPr id="2" name="幻灯片图像占位符 1"/>
-          <p:cNvSpPr>
-            <a:spLocks noGrp="1" noRot="1" noChangeAspect="1"/>
-          </p:cNvSpPr>
-          <p:nvPr>
-            <p:ph type="sldImg"/>
-          </p:nvPr>
-        </p:nvSpPr>
-        <p:spPr>
-          <a:xfrm>
-            <a:off x="425450" y="1238250"/>
-            <a:ext cx="5943600" cy="3344863"/>
-          </a:xfrm>
-        </p:spPr>
-      </p:sp>
-      <p:sp>
-        <p:nvSpPr>
-          <p:cNvPr id="3" name="备注占位符 2"/>
-          <p:cNvSpPr>
-            <a:spLocks noGrp="1"/>
-          </p:cNvSpPr>
-          <p:nvPr>
-            <p:ph type="body" idx="1"/>
-          </p:nvPr>
-        </p:nvSpPr>
-        <p:spPr/>
-        <p:txBody>
-          <a:bodyPr/>
-          <a:lstStyle/>
-          <a:p>
-            <a:r>
-              <a:rPr lang="en-US" altLang="zh-CN" sz="900" dirty="0">
-                <a:latin typeface="微软雅黑" panose="020B0503020204020204" pitchFamily="34" charset="-122"/>
-                <a:ea typeface="微软雅黑" panose="020B0503020204020204" pitchFamily="34" charset="-122"/>
-              </a:rPr>
-              <a:t>UPDATE</a:t>
-            </a:r>
-            <a:r>
-              <a:rPr lang="zh-CN" altLang="en-US" sz="900" dirty="0">
-                <a:latin typeface="微软雅黑" panose="020B0503020204020204" pitchFamily="34" charset="-122"/>
-                <a:ea typeface="微软雅黑" panose="020B0503020204020204" pitchFamily="34" charset="-122"/>
-              </a:rPr>
-              <a:t>分片键适用于迁移数据量比较少的场景，如果表数据量很大，则会造成</a:t>
-            </a:r>
-            <a:r>
-              <a:rPr lang="en-US" altLang="zh-CN" sz="900" dirty="0">
-                <a:latin typeface="微软雅黑" panose="020B0503020204020204" pitchFamily="34" charset="-122"/>
-                <a:ea typeface="微软雅黑" panose="020B0503020204020204" pitchFamily="34" charset="-122"/>
-              </a:rPr>
-              <a:t>proxy</a:t>
-            </a:r>
-            <a:r>
-              <a:rPr lang="zh-CN" altLang="en-US" sz="900" dirty="0">
-                <a:latin typeface="微软雅黑" panose="020B0503020204020204" pitchFamily="34" charset="-122"/>
-                <a:ea typeface="微软雅黑" panose="020B0503020204020204" pitchFamily="34" charset="-122"/>
-              </a:rPr>
-              <a:t>卡死，推荐采用条件查询批量修改的方式执行分片键修改</a:t>
-            </a:r>
-            <a:endParaRPr lang="en-US" altLang="zh-CN" sz="900" dirty="0">
-              <a:latin typeface="微软雅黑" panose="020B0503020204020204" pitchFamily="34" charset="-122"/>
-              <a:ea typeface="微软雅黑" panose="020B0503020204020204" pitchFamily="34" charset="-122"/>
-            </a:endParaRPr>
-          </a:p>
-        </p:txBody>
-      </p:sp>
-      <p:sp>
-        <p:nvSpPr>
           <p:cNvPr id="4" name="灯片编号占位符 3"/>
           <p:cNvSpPr>
             <a:spLocks noGrp="1"/>
@@ -8281,7 +8294,7 @@
           <a:bodyPr/>
           <a:lstStyle/>
           <a:p>
-            <a:fld id="{7EFE2119-A7ED-48A4-BF93-E52EC1921131}" type="slidenum">
+            <a:fld id="{115E481A-832A-48B0-9B5F-CC2DDFB376CC}" type="slidenum">
               <a:rPr lang="zh-CN" altLang="en-US" smtClean="0"/>
               <a:t>55</a:t>
             </a:fld>
@@ -8289,10 +8302,46 @@
           </a:p>
         </p:txBody>
       </p:sp>
+      <p:sp>
+        <p:nvSpPr>
+          <p:cNvPr id="6" name="幻灯片图像占位符 5"/>
+          <p:cNvSpPr>
+            <a:spLocks noGrp="1" noRot="1" noChangeAspect="1"/>
+          </p:cNvSpPr>
+          <p:nvPr>
+            <p:ph type="sldImg"/>
+          </p:nvPr>
+        </p:nvSpPr>
+        <p:spPr>
+          <a:xfrm>
+            <a:off x="519113" y="787400"/>
+            <a:ext cx="5759450" cy="3240088"/>
+          </a:xfrm>
+        </p:spPr>
+      </p:sp>
+      <p:sp>
+        <p:nvSpPr>
+          <p:cNvPr id="7" name="备注占位符 6"/>
+          <p:cNvSpPr>
+            <a:spLocks noGrp="1"/>
+          </p:cNvSpPr>
+          <p:nvPr>
+            <p:ph type="body" idx="1"/>
+          </p:nvPr>
+        </p:nvSpPr>
+        <p:spPr/>
+        <p:txBody>
+          <a:bodyPr/>
+          <a:lstStyle/>
+          <a:p>
+            <a:endParaRPr lang="zh-CN" altLang="en-US"/>
+          </a:p>
+        </p:txBody>
+      </p:sp>
     </p:spTree>
     <p:extLst>
       <p:ext uri="{BB962C8B-B14F-4D97-AF65-F5344CB8AC3E}">
-        <p14:creationId xmlns:p14="http://schemas.microsoft.com/office/powerpoint/2010/main" val="2985564805"/>
+        <p14:creationId xmlns:p14="http://schemas.microsoft.com/office/powerpoint/2010/main" val="3457709822"/>
       </p:ext>
     </p:extLst>
   </p:cSld>
@@ -8351,6 +8400,34 @@
           <a:bodyPr/>
           <a:lstStyle/>
           <a:p>
+            <a:r>
+              <a:rPr lang="en-US" altLang="zh-CN" sz="900" dirty="0">
+                <a:latin typeface="微软雅黑" panose="020B0503020204020204" pitchFamily="34" charset="-122"/>
+                <a:ea typeface="微软雅黑" panose="020B0503020204020204" pitchFamily="34" charset="-122"/>
+              </a:rPr>
+              <a:t>UPDATE</a:t>
+            </a:r>
+            <a:r>
+              <a:rPr lang="zh-CN" altLang="en-US" sz="900" dirty="0">
+                <a:latin typeface="微软雅黑" panose="020B0503020204020204" pitchFamily="34" charset="-122"/>
+                <a:ea typeface="微软雅黑" panose="020B0503020204020204" pitchFamily="34" charset="-122"/>
+              </a:rPr>
+              <a:t>分片键适用于迁移数据量比较少的场景，如果表数据量很大，则会造成</a:t>
+            </a:r>
+            <a:r>
+              <a:rPr lang="en-US" altLang="zh-CN" sz="900" dirty="0">
+                <a:latin typeface="微软雅黑" panose="020B0503020204020204" pitchFamily="34" charset="-122"/>
+                <a:ea typeface="微软雅黑" panose="020B0503020204020204" pitchFamily="34" charset="-122"/>
+              </a:rPr>
+              <a:t>proxy</a:t>
+            </a:r>
+            <a:r>
+              <a:rPr lang="zh-CN" altLang="en-US" sz="900" dirty="0">
+                <a:latin typeface="微软雅黑" panose="020B0503020204020204" pitchFamily="34" charset="-122"/>
+                <a:ea typeface="微软雅黑" panose="020B0503020204020204" pitchFamily="34" charset="-122"/>
+              </a:rPr>
+              <a:t>卡死，推荐采用条件查询批量修改的方式执行分片键修改</a:t>
+            </a:r>
             <a:endParaRPr lang="en-US" altLang="zh-CN" sz="900" dirty="0">
               <a:latin typeface="微软雅黑" panose="020B0503020204020204" pitchFamily="34" charset="-122"/>
               <a:ea typeface="微软雅黑" panose="020B0503020204020204" pitchFamily="34" charset="-122"/>
@@ -8384,7 +8461,7 @@
     </p:spTree>
     <p:extLst>
       <p:ext uri="{BB962C8B-B14F-4D97-AF65-F5344CB8AC3E}">
-        <p14:creationId xmlns:p14="http://schemas.microsoft.com/office/powerpoint/2010/main" val="2421977619"/>
+        <p14:creationId xmlns:p14="http://schemas.microsoft.com/office/powerpoint/2010/main" val="2985564805"/>
       </p:ext>
     </p:extLst>
   </p:cSld>
@@ -8443,67 +8520,6 @@
           <a:bodyPr/>
           <a:lstStyle/>
           <a:p>
-            <a:pPr algn="l">
-              <a:buFont typeface="Arial" panose="020B0604020202020204" pitchFamily="34" charset="0"/>
-              <a:buNone/>
-            </a:pPr>
-            <a:r>
-              <a:rPr lang="zh-CN" altLang="en-US" sz="1100" dirty="0"/>
-              <a:t>数据重分布过程中需要注意：</a:t>
-            </a:r>
-            <a:endParaRPr lang="en-US" altLang="zh-CN" sz="1100" dirty="0"/>
-          </a:p>
-          <a:p>
-            <a:pPr algn="l">
-              <a:buFont typeface="Arial" panose="020B0604020202020204" pitchFamily="34" charset="0"/>
-              <a:buNone/>
-            </a:pPr>
-            <a:r>
-              <a:rPr lang="en-US" altLang="zh-CN" sz="1100" dirty="0"/>
-              <a:t>1</a:t>
-            </a:r>
-            <a:r>
-              <a:rPr lang="zh-CN" altLang="en-US" sz="1100" dirty="0"/>
-              <a:t>、数据重分布过程中需要注意：</a:t>
-            </a:r>
-            <a:r>
-              <a:rPr lang="zh-CN" altLang="en-US" sz="1100" b="0" i="0" dirty="0">
-                <a:solidFill>
-                  <a:srgbClr val="24292E"/>
-                </a:solidFill>
-                <a:effectLst/>
-                <a:latin typeface="-apple-system"/>
-              </a:rPr>
-              <a:t>锁表和切换表名的过程中，影响应用的写操作</a:t>
-            </a:r>
-          </a:p>
-          <a:p>
-            <a:pPr algn="l">
-              <a:buFont typeface="Arial" panose="020B0604020202020204" pitchFamily="34" charset="0"/>
-              <a:buNone/>
-            </a:pPr>
-            <a:r>
-              <a:rPr lang="en-US" altLang="zh-CN" sz="1100" b="0" i="0" dirty="0">
-                <a:solidFill>
-                  <a:srgbClr val="24292E"/>
-                </a:solidFill>
-                <a:effectLst/>
-                <a:latin typeface="-apple-system"/>
-              </a:rPr>
-              <a:t>2</a:t>
-            </a:r>
-            <a:r>
-              <a:rPr lang="zh-CN" altLang="en-US" sz="1100" b="0" i="0" dirty="0">
-                <a:solidFill>
-                  <a:srgbClr val="24292E"/>
-                </a:solidFill>
-                <a:effectLst/>
-                <a:latin typeface="-apple-system"/>
-              </a:rPr>
-              <a:t>、重分布过程中临时表需要额外的存储空间，重分布操作前需要保证存储空间充足</a:t>
-            </a:r>
-          </a:p>
-          <a:p>
             <a:endParaRPr lang="en-US" altLang="zh-CN" sz="900" dirty="0">
               <a:latin typeface="微软雅黑" panose="020B0503020204020204" pitchFamily="34" charset="-122"/>
               <a:ea typeface="微软雅黑" panose="020B0503020204020204" pitchFamily="34" charset="-122"/>
@@ -8537,7 +8553,7 @@
     </p:spTree>
     <p:extLst>
       <p:ext uri="{BB962C8B-B14F-4D97-AF65-F5344CB8AC3E}">
-        <p14:creationId xmlns:p14="http://schemas.microsoft.com/office/powerpoint/2010/main" val="1641853418"/>
+        <p14:creationId xmlns:p14="http://schemas.microsoft.com/office/powerpoint/2010/main" val="2421977619"/>
       </p:ext>
     </p:extLst>
   </p:cSld>
@@ -8596,6 +8612,67 @@
           <a:bodyPr/>
           <a:lstStyle/>
           <a:p>
+            <a:pPr algn="l">
+              <a:buFont typeface="Arial" panose="020B0604020202020204" pitchFamily="34" charset="0"/>
+              <a:buNone/>
+            </a:pPr>
+            <a:r>
+              <a:rPr lang="zh-CN" altLang="en-US" sz="1100" dirty="0"/>
+              <a:t>数据重分布过程中需要注意：</a:t>
+            </a:r>
+            <a:endParaRPr lang="en-US" altLang="zh-CN" sz="1100" dirty="0"/>
+          </a:p>
+          <a:p>
+            <a:pPr algn="l">
+              <a:buFont typeface="Arial" panose="020B0604020202020204" pitchFamily="34" charset="0"/>
+              <a:buNone/>
+            </a:pPr>
+            <a:r>
+              <a:rPr lang="en-US" altLang="zh-CN" sz="1100" dirty="0"/>
+              <a:t>1</a:t>
+            </a:r>
+            <a:r>
+              <a:rPr lang="zh-CN" altLang="en-US" sz="1100" dirty="0"/>
+              <a:t>、数据重分布过程中需要注意：</a:t>
+            </a:r>
+            <a:r>
+              <a:rPr lang="zh-CN" altLang="en-US" sz="1100" b="0" i="0" dirty="0">
+                <a:solidFill>
+                  <a:srgbClr val="24292E"/>
+                </a:solidFill>
+                <a:effectLst/>
+                <a:latin typeface="-apple-system"/>
+              </a:rPr>
+              <a:t>锁表和切换表名的过程中，影响应用的写操作</a:t>
+            </a:r>
+          </a:p>
+          <a:p>
+            <a:pPr algn="l">
+              <a:buFont typeface="Arial" panose="020B0604020202020204" pitchFamily="34" charset="0"/>
+              <a:buNone/>
+            </a:pPr>
+            <a:r>
+              <a:rPr lang="en-US" altLang="zh-CN" sz="1100" b="0" i="0" dirty="0">
+                <a:solidFill>
+                  <a:srgbClr val="24292E"/>
+                </a:solidFill>
+                <a:effectLst/>
+                <a:latin typeface="-apple-system"/>
+              </a:rPr>
+              <a:t>2</a:t>
+            </a:r>
+            <a:r>
+              <a:rPr lang="zh-CN" altLang="en-US" sz="1100" b="0" i="0" dirty="0">
+                <a:solidFill>
+                  <a:srgbClr val="24292E"/>
+                </a:solidFill>
+                <a:effectLst/>
+                <a:latin typeface="-apple-system"/>
+              </a:rPr>
+              <a:t>、重分布过程中临时表需要额外的存储空间，重分布操作前需要保证存储空间充足</a:t>
+            </a:r>
+          </a:p>
+          <a:p>
             <a:endParaRPr lang="en-US" altLang="zh-CN" sz="900" dirty="0">
               <a:latin typeface="微软雅黑" panose="020B0503020204020204" pitchFamily="34" charset="-122"/>
               <a:ea typeface="微软雅黑" panose="020B0503020204020204" pitchFamily="34" charset="-122"/>
@@ -8629,7 +8706,7 @@
     </p:spTree>
     <p:extLst>
       <p:ext uri="{BB962C8B-B14F-4D97-AF65-F5344CB8AC3E}">
-        <p14:creationId xmlns:p14="http://schemas.microsoft.com/office/powerpoint/2010/main" val="145393048"/>
+        <p14:creationId xmlns:p14="http://schemas.microsoft.com/office/powerpoint/2010/main" val="1641853418"/>
       </p:ext>
     </p:extLst>
   </p:cSld>
@@ -8721,7 +8798,7 @@
     </p:spTree>
     <p:extLst>
       <p:ext uri="{BB962C8B-B14F-4D97-AF65-F5344CB8AC3E}">
-        <p14:creationId xmlns:p14="http://schemas.microsoft.com/office/powerpoint/2010/main" val="69746978"/>
+        <p14:creationId xmlns:p14="http://schemas.microsoft.com/office/powerpoint/2010/main" val="145393048"/>
       </p:ext>
     </p:extLst>
   </p:cSld>
@@ -8813,7 +8890,7 @@
     </p:spTree>
     <p:extLst>
       <p:ext uri="{BB962C8B-B14F-4D97-AF65-F5344CB8AC3E}">
-        <p14:creationId xmlns:p14="http://schemas.microsoft.com/office/powerpoint/2010/main" val="3993462652"/>
+        <p14:creationId xmlns:p14="http://schemas.microsoft.com/office/powerpoint/2010/main" val="69746978"/>
       </p:ext>
     </p:extLst>
   </p:cSld>
@@ -8905,7 +8982,7 @@
     </p:spTree>
     <p:extLst>
       <p:ext uri="{BB962C8B-B14F-4D97-AF65-F5344CB8AC3E}">
-        <p14:creationId xmlns:p14="http://schemas.microsoft.com/office/powerpoint/2010/main" val="320577033"/>
+        <p14:creationId xmlns:p14="http://schemas.microsoft.com/office/powerpoint/2010/main" val="3993462652"/>
       </p:ext>
     </p:extLst>
   </p:cSld>
@@ -9132,6 +9209,45 @@
       </p:grpSpPr>
       <p:sp>
         <p:nvSpPr>
+          <p:cNvPr id="2" name="幻灯片图像占位符 1"/>
+          <p:cNvSpPr>
+            <a:spLocks noGrp="1" noRot="1" noChangeAspect="1"/>
+          </p:cNvSpPr>
+          <p:nvPr>
+            <p:ph type="sldImg"/>
+          </p:nvPr>
+        </p:nvSpPr>
+        <p:spPr>
+          <a:xfrm>
+            <a:off x="425450" y="1238250"/>
+            <a:ext cx="5943600" cy="3344863"/>
+          </a:xfrm>
+        </p:spPr>
+      </p:sp>
+      <p:sp>
+        <p:nvSpPr>
+          <p:cNvPr id="3" name="备注占位符 2"/>
+          <p:cNvSpPr>
+            <a:spLocks noGrp="1"/>
+          </p:cNvSpPr>
+          <p:nvPr>
+            <p:ph type="body" idx="1"/>
+          </p:nvPr>
+        </p:nvSpPr>
+        <p:spPr/>
+        <p:txBody>
+          <a:bodyPr/>
+          <a:lstStyle/>
+          <a:p>
+            <a:endParaRPr lang="en-US" altLang="zh-CN" sz="900" dirty="0">
+              <a:latin typeface="微软雅黑" panose="020B0503020204020204" pitchFamily="34" charset="-122"/>
+              <a:ea typeface="微软雅黑" panose="020B0503020204020204" pitchFamily="34" charset="-122"/>
+            </a:endParaRPr>
+          </a:p>
+        </p:txBody>
+      </p:sp>
+      <p:sp>
+        <p:nvSpPr>
           <p:cNvPr id="4" name="灯片编号占位符 3"/>
           <p:cNvSpPr>
             <a:spLocks noGrp="1"/>
@@ -9145,7 +9261,7 @@
           <a:bodyPr/>
           <a:lstStyle/>
           <a:p>
-            <a:fld id="{115E481A-832A-48B0-9B5F-CC2DDFB376CC}" type="slidenum">
+            <a:fld id="{7EFE2119-A7ED-48A4-BF93-E52EC1921131}" type="slidenum">
               <a:rPr lang="zh-CN" altLang="en-US" smtClean="0"/>
               <a:t>62</a:t>
             </a:fld>
@@ -9153,46 +9269,10 @@
           </a:p>
         </p:txBody>
       </p:sp>
-      <p:sp>
-        <p:nvSpPr>
-          <p:cNvPr id="6" name="幻灯片图像占位符 5"/>
-          <p:cNvSpPr>
-            <a:spLocks noGrp="1" noRot="1" noChangeAspect="1"/>
-          </p:cNvSpPr>
-          <p:nvPr>
-            <p:ph type="sldImg"/>
-          </p:nvPr>
-        </p:nvSpPr>
-        <p:spPr>
-          <a:xfrm>
-            <a:off x="519113" y="787400"/>
-            <a:ext cx="5759450" cy="3240088"/>
-          </a:xfrm>
-        </p:spPr>
-      </p:sp>
-      <p:sp>
-        <p:nvSpPr>
-          <p:cNvPr id="7" name="备注占位符 6"/>
-          <p:cNvSpPr>
-            <a:spLocks noGrp="1"/>
-          </p:cNvSpPr>
-          <p:nvPr>
-            <p:ph type="body" idx="1"/>
-          </p:nvPr>
-        </p:nvSpPr>
-        <p:spPr/>
-        <p:txBody>
-          <a:bodyPr/>
-          <a:lstStyle/>
-          <a:p>
-            <a:endParaRPr lang="zh-CN" altLang="en-US"/>
-          </a:p>
-        </p:txBody>
-      </p:sp>
     </p:spTree>
     <p:extLst>
       <p:ext uri="{BB962C8B-B14F-4D97-AF65-F5344CB8AC3E}">
-        <p14:creationId xmlns:p14="http://schemas.microsoft.com/office/powerpoint/2010/main" val="1194232016"/>
+        <p14:creationId xmlns:p14="http://schemas.microsoft.com/office/powerpoint/2010/main" val="320577033"/>
       </p:ext>
     </p:extLst>
   </p:cSld>
@@ -9234,11 +9314,11 @@
           <a:bodyPr/>
           <a:lstStyle/>
           <a:p>
-            <a:fld id="{76A81D81-FE2F-498E-9723-332F49FC9508}" type="slidenum">
-              <a:rPr lang="zh-TW" altLang="en-US" smtClean="0"/>
+            <a:fld id="{115E481A-832A-48B0-9B5F-CC2DDFB376CC}" type="slidenum">
+              <a:rPr lang="zh-CN" altLang="en-US" smtClean="0"/>
               <a:t>63</a:t>
             </a:fld>
-            <a:endParaRPr lang="zh-TW" altLang="en-US"/>
+            <a:endParaRPr lang="zh-CN" altLang="en-US"/>
           </a:p>
         </p:txBody>
       </p:sp>
@@ -9274,336 +9354,14 @@
           <a:bodyPr/>
           <a:lstStyle/>
           <a:p>
-            <a:pPr marL="0" indent="0">
-              <a:buNone/>
-            </a:pPr>
-            <a:r>
-              <a:rPr lang="zh-CN" altLang="zh-CN" sz="1000" kern="100" dirty="0">
-                <a:effectLst/>
-                <a:latin typeface="Times New Roman" panose="02020603050405020304" pitchFamily="18" charset="0"/>
-                <a:ea typeface="仿宋" panose="02010609060101010101" pitchFamily="49" charset="-122"/>
-                <a:cs typeface="Times New Roman" panose="02020603050405020304" pitchFamily="18" charset="0"/>
-              </a:rPr>
-              <a:t>系统表</a:t>
-            </a:r>
-            <a:r>
-              <a:rPr lang="en-US" altLang="zh-CN" sz="1000" kern="100" dirty="0" err="1">
-                <a:effectLst/>
-                <a:latin typeface="Times New Roman" panose="02020603050405020304" pitchFamily="18" charset="0"/>
-                <a:ea typeface="仿宋" panose="02010609060101010101" pitchFamily="49" charset="-122"/>
-                <a:cs typeface="Times New Roman" panose="02020603050405020304" pitchFamily="18" charset="0"/>
-              </a:rPr>
-              <a:t>information_schema.INNODB_TRX</a:t>
-            </a:r>
-            <a:r>
-              <a:rPr lang="zh-CN" altLang="zh-CN" sz="1000" kern="100" dirty="0">
-                <a:effectLst/>
-                <a:latin typeface="Times New Roman" panose="02020603050405020304" pitchFamily="18" charset="0"/>
-                <a:ea typeface="仿宋" panose="02010609060101010101" pitchFamily="49" charset="-122"/>
-                <a:cs typeface="Times New Roman" panose="02020603050405020304" pitchFamily="18" charset="0"/>
-              </a:rPr>
-              <a:t>主要记录了</a:t>
-            </a:r>
-            <a:r>
-              <a:rPr lang="en-US" altLang="zh-CN" sz="1000" kern="100" dirty="0" err="1">
-                <a:effectLst/>
-                <a:latin typeface="Times New Roman" panose="02020603050405020304" pitchFamily="18" charset="0"/>
-                <a:ea typeface="仿宋" panose="02010609060101010101" pitchFamily="49" charset="-122"/>
-                <a:cs typeface="Times New Roman" panose="02020603050405020304" pitchFamily="18" charset="0"/>
-              </a:rPr>
-              <a:t>innodb</a:t>
-            </a:r>
-            <a:r>
-              <a:rPr lang="zh-CN" altLang="zh-CN" sz="1000" kern="100" dirty="0">
-                <a:effectLst/>
-                <a:latin typeface="Times New Roman" panose="02020603050405020304" pitchFamily="18" charset="0"/>
-                <a:ea typeface="仿宋" panose="02010609060101010101" pitchFamily="49" charset="-122"/>
-                <a:cs typeface="Times New Roman" panose="02020603050405020304" pitchFamily="18" charset="0"/>
-              </a:rPr>
-              <a:t>事务的相关信息，需要增加</a:t>
-            </a:r>
-            <a:r>
-              <a:rPr lang="en-US" altLang="zh-CN" sz="1000" kern="100" dirty="0">
-                <a:effectLst/>
-                <a:latin typeface="Times New Roman" panose="02020603050405020304" pitchFamily="18" charset="0"/>
-                <a:ea typeface="仿宋" panose="02010609060101010101" pitchFamily="49" charset="-122"/>
-                <a:cs typeface="Times New Roman" panose="02020603050405020304" pitchFamily="18" charset="0"/>
-              </a:rPr>
-              <a:t>2</a:t>
-            </a:r>
-            <a:r>
-              <a:rPr lang="zh-CN" altLang="zh-CN" sz="1000" kern="100" dirty="0">
-                <a:effectLst/>
-                <a:latin typeface="Times New Roman" panose="02020603050405020304" pitchFamily="18" charset="0"/>
-                <a:ea typeface="仿宋" panose="02010609060101010101" pitchFamily="49" charset="-122"/>
-                <a:cs typeface="Times New Roman" panose="02020603050405020304" pitchFamily="18" charset="0"/>
-              </a:rPr>
-              <a:t>个字段用于保存事务流水号信息及</a:t>
-            </a:r>
-            <a:r>
-              <a:rPr lang="en-US" altLang="zh-CN" sz="1000" kern="100" dirty="0">
-                <a:effectLst/>
-                <a:latin typeface="Times New Roman" panose="02020603050405020304" pitchFamily="18" charset="0"/>
-                <a:ea typeface="仿宋" panose="02010609060101010101" pitchFamily="49" charset="-122"/>
-                <a:cs typeface="Times New Roman" panose="02020603050405020304" pitchFamily="18" charset="0"/>
-              </a:rPr>
-              <a:t>GTID</a:t>
-            </a:r>
-            <a:r>
-              <a:rPr lang="zh-CN" altLang="zh-CN" sz="1000" kern="100" dirty="0">
-                <a:effectLst/>
-                <a:latin typeface="Times New Roman" panose="02020603050405020304" pitchFamily="18" charset="0"/>
-                <a:ea typeface="仿宋" panose="02010609060101010101" pitchFamily="49" charset="-122"/>
-                <a:cs typeface="Times New Roman" panose="02020603050405020304" pitchFamily="18" charset="0"/>
-              </a:rPr>
-              <a:t>信息。</a:t>
-            </a:r>
-            <a:endParaRPr lang="en-US" altLang="zh-CN" sz="1000" kern="100" dirty="0">
-              <a:effectLst/>
-              <a:latin typeface="Times New Roman" panose="02020603050405020304" pitchFamily="18" charset="0"/>
-              <a:ea typeface="仿宋" panose="02010609060101010101" pitchFamily="49" charset="-122"/>
-              <a:cs typeface="Times New Roman" panose="02020603050405020304" pitchFamily="18" charset="0"/>
-            </a:endParaRPr>
-          </a:p>
-          <a:p>
-            <a:pPr marL="0" indent="0">
-              <a:buNone/>
-            </a:pPr>
-            <a:r>
-              <a:rPr lang="zh-CN" altLang="zh-CN" sz="1000" kern="100" dirty="0">
-                <a:effectLst/>
-                <a:latin typeface="Times New Roman" panose="02020603050405020304" pitchFamily="18" charset="0"/>
-                <a:ea typeface="仿宋" panose="02010609060101010101" pitchFamily="49" charset="-122"/>
-                <a:cs typeface="Times New Roman" panose="02020603050405020304" pitchFamily="18" charset="0"/>
-              </a:rPr>
-              <a:t>新增字段信息如下：</a:t>
-            </a:r>
-            <a:endParaRPr lang="en-US" altLang="zh-CN" sz="1000" kern="100" dirty="0">
-              <a:effectLst/>
-              <a:latin typeface="Times New Roman" panose="02020603050405020304" pitchFamily="18" charset="0"/>
-              <a:ea typeface="仿宋" panose="02010609060101010101" pitchFamily="49" charset="-122"/>
-              <a:cs typeface="Times New Roman" panose="02020603050405020304" pitchFamily="18" charset="0"/>
-            </a:endParaRPr>
-          </a:p>
-          <a:p>
-            <a:pPr marL="0" indent="0">
-              <a:buNone/>
-            </a:pPr>
-            <a:r>
-              <a:rPr lang="en-US" altLang="zh-CN" sz="1000" kern="100" dirty="0" err="1">
-                <a:effectLst/>
-                <a:latin typeface="Times New Roman" panose="02020603050405020304" pitchFamily="18" charset="0"/>
-                <a:ea typeface="仿宋" panose="02010609060101010101" pitchFamily="49" charset="-122"/>
-                <a:cs typeface="Times New Roman" panose="02020603050405020304" pitchFamily="18" charset="0"/>
-              </a:rPr>
-              <a:t>trx_serial_num</a:t>
-            </a:r>
-            <a:r>
-              <a:rPr lang="en-US" altLang="zh-CN" sz="1000" kern="100" dirty="0">
-                <a:effectLst/>
-                <a:latin typeface="Times New Roman" panose="02020603050405020304" pitchFamily="18" charset="0"/>
-                <a:ea typeface="仿宋" panose="02010609060101010101" pitchFamily="49" charset="-122"/>
-                <a:cs typeface="Times New Roman" panose="02020603050405020304" pitchFamily="18" charset="0"/>
-              </a:rPr>
-              <a:t> varchar(32) DEFAULT NULL,</a:t>
-            </a:r>
-            <a:endParaRPr lang="en-US" altLang="zh-CN" sz="1000" kern="100" dirty="0">
-              <a:latin typeface="Times New Roman" panose="02020603050405020304" pitchFamily="18" charset="0"/>
-              <a:ea typeface="仿宋" panose="02010609060101010101" pitchFamily="49" charset="-122"/>
-              <a:cs typeface="Times New Roman" panose="02020603050405020304" pitchFamily="18" charset="0"/>
-            </a:endParaRPr>
-          </a:p>
-          <a:p>
-            <a:pPr marL="0" indent="0">
-              <a:buNone/>
-            </a:pPr>
-            <a:r>
-              <a:rPr lang="en-US" altLang="zh-CN" sz="1000" kern="100" dirty="0" err="1">
-                <a:effectLst/>
-                <a:latin typeface="Times New Roman" panose="02020603050405020304" pitchFamily="18" charset="0"/>
-                <a:ea typeface="仿宋" panose="02010609060101010101" pitchFamily="49" charset="-122"/>
-                <a:cs typeface="Times New Roman" panose="02020603050405020304" pitchFamily="18" charset="0"/>
-              </a:rPr>
-              <a:t>trx_gtm_gtid</a:t>
-            </a:r>
-            <a:r>
-              <a:rPr lang="en-US" altLang="zh-CN" sz="1000" kern="100" dirty="0">
-                <a:effectLst/>
-                <a:latin typeface="Times New Roman" panose="02020603050405020304" pitchFamily="18" charset="0"/>
-                <a:ea typeface="仿宋" panose="02010609060101010101" pitchFamily="49" charset="-122"/>
-                <a:cs typeface="Times New Roman" panose="02020603050405020304" pitchFamily="18" charset="0"/>
-              </a:rPr>
-              <a:t> </a:t>
-            </a:r>
-            <a:r>
-              <a:rPr lang="en-US" altLang="zh-CN" sz="1000" kern="100" dirty="0" err="1">
-                <a:effectLst/>
-                <a:latin typeface="Times New Roman" panose="02020603050405020304" pitchFamily="18" charset="0"/>
-                <a:ea typeface="仿宋" panose="02010609060101010101" pitchFamily="49" charset="-122"/>
-                <a:cs typeface="Times New Roman" panose="02020603050405020304" pitchFamily="18" charset="0"/>
-              </a:rPr>
-              <a:t>varcahr</a:t>
-            </a:r>
-            <a:r>
-              <a:rPr lang="en-US" altLang="zh-CN" sz="1000" kern="100" dirty="0">
-                <a:effectLst/>
-                <a:latin typeface="Times New Roman" panose="02020603050405020304" pitchFamily="18" charset="0"/>
-                <a:ea typeface="仿宋" panose="02010609060101010101" pitchFamily="49" charset="-122"/>
-                <a:cs typeface="Times New Roman" panose="02020603050405020304" pitchFamily="18" charset="0"/>
-              </a:rPr>
-              <a:t>(32) DEFAULT NULL</a:t>
-            </a:r>
-          </a:p>
-          <a:p>
-            <a:pPr marL="0" indent="0">
-              <a:buNone/>
-            </a:pPr>
-            <a:r>
-              <a:rPr lang="zh-CN" altLang="zh-CN" sz="1000" kern="100" dirty="0">
-                <a:effectLst/>
-                <a:latin typeface="Times New Roman" panose="02020603050405020304" pitchFamily="18" charset="0"/>
-                <a:ea typeface="仿宋" panose="02010609060101010101" pitchFamily="49" charset="-122"/>
-                <a:cs typeface="Times New Roman" panose="02020603050405020304" pitchFamily="18" charset="0"/>
-              </a:rPr>
-              <a:t>事务流水号信息和</a:t>
-            </a:r>
-            <a:r>
-              <a:rPr lang="en-US" altLang="zh-CN" sz="1000" kern="100" dirty="0">
-                <a:effectLst/>
-                <a:latin typeface="Times New Roman" panose="02020603050405020304" pitchFamily="18" charset="0"/>
-                <a:ea typeface="仿宋" panose="02010609060101010101" pitchFamily="49" charset="-122"/>
-                <a:cs typeface="Times New Roman" panose="02020603050405020304" pitchFamily="18" charset="0"/>
-              </a:rPr>
-              <a:t>GTID</a:t>
-            </a:r>
-            <a:r>
-              <a:rPr lang="zh-CN" altLang="zh-CN" sz="1000" kern="100" dirty="0">
-                <a:effectLst/>
-                <a:latin typeface="Times New Roman" panose="02020603050405020304" pitchFamily="18" charset="0"/>
-                <a:ea typeface="仿宋" panose="02010609060101010101" pitchFamily="49" charset="-122"/>
-                <a:cs typeface="Times New Roman" panose="02020603050405020304" pitchFamily="18" charset="0"/>
-              </a:rPr>
-              <a:t>信息都是以特殊</a:t>
-            </a:r>
-            <a:r>
-              <a:rPr lang="en-US" altLang="zh-CN" sz="1000" kern="100" dirty="0">
-                <a:effectLst/>
-                <a:latin typeface="Times New Roman" panose="02020603050405020304" pitchFamily="18" charset="0"/>
-                <a:ea typeface="仿宋" panose="02010609060101010101" pitchFamily="49" charset="-122"/>
-                <a:cs typeface="Times New Roman" panose="02020603050405020304" pitchFamily="18" charset="0"/>
-              </a:rPr>
-              <a:t>HINT</a:t>
-            </a:r>
-            <a:r>
-              <a:rPr lang="zh-CN" altLang="zh-CN" sz="1000" kern="100" dirty="0">
-                <a:effectLst/>
-                <a:latin typeface="Times New Roman" panose="02020603050405020304" pitchFamily="18" charset="0"/>
-                <a:ea typeface="仿宋" panose="02010609060101010101" pitchFamily="49" charset="-122"/>
-                <a:cs typeface="Times New Roman" panose="02020603050405020304" pitchFamily="18" charset="0"/>
-              </a:rPr>
-              <a:t>信息的方式携带在</a:t>
-            </a:r>
-            <a:r>
-              <a:rPr lang="en-US" altLang="zh-CN" sz="1000" kern="100" dirty="0">
-                <a:effectLst/>
-                <a:latin typeface="Times New Roman" panose="02020603050405020304" pitchFamily="18" charset="0"/>
-                <a:ea typeface="仿宋" panose="02010609060101010101" pitchFamily="49" charset="-122"/>
-                <a:cs typeface="Times New Roman" panose="02020603050405020304" pitchFamily="18" charset="0"/>
-              </a:rPr>
-              <a:t>SQL</a:t>
-            </a:r>
-            <a:r>
-              <a:rPr lang="zh-CN" altLang="zh-CN" sz="1000" kern="100" dirty="0">
-                <a:effectLst/>
-                <a:latin typeface="Times New Roman" panose="02020603050405020304" pitchFamily="18" charset="0"/>
-                <a:ea typeface="仿宋" panose="02010609060101010101" pitchFamily="49" charset="-122"/>
-                <a:cs typeface="Times New Roman" panose="02020603050405020304" pitchFamily="18" charset="0"/>
-              </a:rPr>
-              <a:t>语句中的，如：</a:t>
-            </a:r>
-            <a:endParaRPr lang="en-US" altLang="zh-CN" sz="1000" kern="100" dirty="0">
-              <a:effectLst/>
-              <a:latin typeface="Times New Roman" panose="02020603050405020304" pitchFamily="18" charset="0"/>
-              <a:ea typeface="仿宋" panose="02010609060101010101" pitchFamily="49" charset="-122"/>
-              <a:cs typeface="Times New Roman" panose="02020603050405020304" pitchFamily="18" charset="0"/>
-            </a:endParaRPr>
-          </a:p>
-          <a:p>
-            <a:pPr marL="0" indent="0">
-              <a:buNone/>
-            </a:pPr>
-            <a:r>
-              <a:rPr lang="zh-CN" altLang="zh-CN" sz="1000" kern="100" dirty="0">
-                <a:solidFill>
-                  <a:srgbClr val="FF0000"/>
-                </a:solidFill>
-                <a:effectLst/>
-                <a:latin typeface="Times New Roman" panose="02020603050405020304" pitchFamily="18" charset="0"/>
-                <a:ea typeface="仿宋" panose="02010609060101010101" pitchFamily="49" charset="-122"/>
-                <a:cs typeface="Times New Roman" panose="02020603050405020304" pitchFamily="18" charset="0"/>
-              </a:rPr>
-              <a:t>事务流水号：</a:t>
-            </a:r>
-            <a:r>
-              <a:rPr lang="en-US" altLang="zh-CN" sz="1000" kern="100" dirty="0">
-                <a:solidFill>
-                  <a:srgbClr val="FF0000"/>
-                </a:solidFill>
-                <a:effectLst/>
-                <a:latin typeface="Times New Roman" panose="02020603050405020304" pitchFamily="18" charset="0"/>
-                <a:ea typeface="仿宋" panose="02010609060101010101" pitchFamily="49" charset="-122"/>
-                <a:cs typeface="Times New Roman" panose="02020603050405020304" pitchFamily="18" charset="0"/>
-              </a:rPr>
-              <a:t>/*+TSN=abc123*/ START TRANSACTION;</a:t>
-            </a:r>
-          </a:p>
-          <a:p>
-            <a:pPr marL="0" indent="0">
-              <a:buNone/>
-            </a:pPr>
-            <a:r>
-              <a:rPr lang="zh-CN" altLang="zh-CN" sz="1000" kern="100" dirty="0">
-                <a:solidFill>
-                  <a:srgbClr val="FF0000"/>
-                </a:solidFill>
-                <a:effectLst/>
-                <a:latin typeface="Times New Roman" panose="02020603050405020304" pitchFamily="18" charset="0"/>
-                <a:ea typeface="仿宋" panose="02010609060101010101" pitchFamily="49" charset="-122"/>
-                <a:cs typeface="Times New Roman" panose="02020603050405020304" pitchFamily="18" charset="0"/>
-              </a:rPr>
-              <a:t>事务流水号：</a:t>
-            </a:r>
-            <a:r>
-              <a:rPr lang="en-US" altLang="zh-CN" sz="1000" kern="100" dirty="0">
-                <a:solidFill>
-                  <a:srgbClr val="FF0000"/>
-                </a:solidFill>
-                <a:effectLst/>
-                <a:latin typeface="Times New Roman" panose="02020603050405020304" pitchFamily="18" charset="0"/>
-                <a:ea typeface="仿宋" panose="02010609060101010101" pitchFamily="49" charset="-122"/>
-                <a:cs typeface="Times New Roman" panose="02020603050405020304" pitchFamily="18" charset="0"/>
-              </a:rPr>
-              <a:t>/*+GTID=123456*/ START TRANSACTION;</a:t>
-            </a:r>
-            <a:endParaRPr lang="en-US" altLang="zh-CN" sz="1000" dirty="0"/>
-          </a:p>
-          <a:p>
-            <a:endParaRPr lang="zh-CN" altLang="en-US" sz="1000" b="0" i="0" kern="1200" dirty="0">
-              <a:solidFill>
-                <a:schemeClr val="tx1"/>
-              </a:solidFill>
-              <a:effectLst/>
-              <a:latin typeface="+mj-ea"/>
-              <a:ea typeface="+mj-ea"/>
-              <a:cs typeface="+mn-cs"/>
-            </a:endParaRPr>
+            <a:endParaRPr lang="zh-CN" altLang="en-US"/>
           </a:p>
         </p:txBody>
       </p:sp>
     </p:spTree>
     <p:extLst>
       <p:ext uri="{BB962C8B-B14F-4D97-AF65-F5344CB8AC3E}">
-        <p14:creationId xmlns:p14="http://schemas.microsoft.com/office/powerpoint/2010/main" val="40607615"/>
+        <p14:creationId xmlns:p14="http://schemas.microsoft.com/office/powerpoint/2010/main" val="1194232016"/>
       </p:ext>
     </p:extLst>
   </p:cSld>
@@ -9685,13 +9443,328 @@
           <a:bodyPr/>
           <a:lstStyle/>
           <a:p>
-            <a:pPr algn="just"/>
-            <a:endParaRPr lang="zh-CN" altLang="en-US" sz="1000" b="0" i="0" dirty="0">
+            <a:pPr marL="0" indent="0">
+              <a:buNone/>
+            </a:pPr>
+            <a:r>
+              <a:rPr lang="zh-CN" altLang="zh-CN" sz="1000" kern="100" dirty="0">
+                <a:effectLst/>
+                <a:latin typeface="Times New Roman" panose="02020603050405020304" pitchFamily="18" charset="0"/>
+                <a:ea typeface="仿宋" panose="02010609060101010101" pitchFamily="49" charset="-122"/>
+                <a:cs typeface="Times New Roman" panose="02020603050405020304" pitchFamily="18" charset="0"/>
+              </a:rPr>
+              <a:t>系统表</a:t>
+            </a:r>
+            <a:r>
+              <a:rPr lang="en-US" altLang="zh-CN" sz="1000" kern="100" dirty="0" err="1">
+                <a:effectLst/>
+                <a:latin typeface="Times New Roman" panose="02020603050405020304" pitchFamily="18" charset="0"/>
+                <a:ea typeface="仿宋" panose="02010609060101010101" pitchFamily="49" charset="-122"/>
+                <a:cs typeface="Times New Roman" panose="02020603050405020304" pitchFamily="18" charset="0"/>
+              </a:rPr>
+              <a:t>information_schema.INNODB_TRX</a:t>
+            </a:r>
+            <a:r>
+              <a:rPr lang="zh-CN" altLang="zh-CN" sz="1000" kern="100" dirty="0">
+                <a:effectLst/>
+                <a:latin typeface="Times New Roman" panose="02020603050405020304" pitchFamily="18" charset="0"/>
+                <a:ea typeface="仿宋" panose="02010609060101010101" pitchFamily="49" charset="-122"/>
+                <a:cs typeface="Times New Roman" panose="02020603050405020304" pitchFamily="18" charset="0"/>
+              </a:rPr>
+              <a:t>主要记录了</a:t>
+            </a:r>
+            <a:r>
+              <a:rPr lang="en-US" altLang="zh-CN" sz="1000" kern="100" dirty="0" err="1">
+                <a:effectLst/>
+                <a:latin typeface="Times New Roman" panose="02020603050405020304" pitchFamily="18" charset="0"/>
+                <a:ea typeface="仿宋" panose="02010609060101010101" pitchFamily="49" charset="-122"/>
+                <a:cs typeface="Times New Roman" panose="02020603050405020304" pitchFamily="18" charset="0"/>
+              </a:rPr>
+              <a:t>innodb</a:t>
+            </a:r>
+            <a:r>
+              <a:rPr lang="zh-CN" altLang="zh-CN" sz="1000" kern="100" dirty="0">
+                <a:effectLst/>
+                <a:latin typeface="Times New Roman" panose="02020603050405020304" pitchFamily="18" charset="0"/>
+                <a:ea typeface="仿宋" panose="02010609060101010101" pitchFamily="49" charset="-122"/>
+                <a:cs typeface="Times New Roman" panose="02020603050405020304" pitchFamily="18" charset="0"/>
+              </a:rPr>
+              <a:t>事务的相关信息，需要增加</a:t>
+            </a:r>
+            <a:r>
+              <a:rPr lang="en-US" altLang="zh-CN" sz="1000" kern="100" dirty="0">
+                <a:effectLst/>
+                <a:latin typeface="Times New Roman" panose="02020603050405020304" pitchFamily="18" charset="0"/>
+                <a:ea typeface="仿宋" panose="02010609060101010101" pitchFamily="49" charset="-122"/>
+                <a:cs typeface="Times New Roman" panose="02020603050405020304" pitchFamily="18" charset="0"/>
+              </a:rPr>
+              <a:t>2</a:t>
+            </a:r>
+            <a:r>
+              <a:rPr lang="zh-CN" altLang="zh-CN" sz="1000" kern="100" dirty="0">
+                <a:effectLst/>
+                <a:latin typeface="Times New Roman" panose="02020603050405020304" pitchFamily="18" charset="0"/>
+                <a:ea typeface="仿宋" panose="02010609060101010101" pitchFamily="49" charset="-122"/>
+                <a:cs typeface="Times New Roman" panose="02020603050405020304" pitchFamily="18" charset="0"/>
+              </a:rPr>
+              <a:t>个字段用于保存事务流水号信息及</a:t>
+            </a:r>
+            <a:r>
+              <a:rPr lang="en-US" altLang="zh-CN" sz="1000" kern="100" dirty="0">
+                <a:effectLst/>
+                <a:latin typeface="Times New Roman" panose="02020603050405020304" pitchFamily="18" charset="0"/>
+                <a:ea typeface="仿宋" panose="02010609060101010101" pitchFamily="49" charset="-122"/>
+                <a:cs typeface="Times New Roman" panose="02020603050405020304" pitchFamily="18" charset="0"/>
+              </a:rPr>
+              <a:t>GTID</a:t>
+            </a:r>
+            <a:r>
+              <a:rPr lang="zh-CN" altLang="zh-CN" sz="1000" kern="100" dirty="0">
+                <a:effectLst/>
+                <a:latin typeface="Times New Roman" panose="02020603050405020304" pitchFamily="18" charset="0"/>
+                <a:ea typeface="仿宋" panose="02010609060101010101" pitchFamily="49" charset="-122"/>
+                <a:cs typeface="Times New Roman" panose="02020603050405020304" pitchFamily="18" charset="0"/>
+              </a:rPr>
+              <a:t>信息。</a:t>
+            </a:r>
+            <a:endParaRPr lang="en-US" altLang="zh-CN" sz="1000" kern="100" dirty="0">
+              <a:effectLst/>
+              <a:latin typeface="Times New Roman" panose="02020603050405020304" pitchFamily="18" charset="0"/>
+              <a:ea typeface="仿宋" panose="02010609060101010101" pitchFamily="49" charset="-122"/>
+              <a:cs typeface="Times New Roman" panose="02020603050405020304" pitchFamily="18" charset="0"/>
+            </a:endParaRPr>
+          </a:p>
+          <a:p>
+            <a:pPr marL="0" indent="0">
+              <a:buNone/>
+            </a:pPr>
+            <a:r>
+              <a:rPr lang="zh-CN" altLang="zh-CN" sz="1000" kern="100" dirty="0">
+                <a:effectLst/>
+                <a:latin typeface="Times New Roman" panose="02020603050405020304" pitchFamily="18" charset="0"/>
+                <a:ea typeface="仿宋" panose="02010609060101010101" pitchFamily="49" charset="-122"/>
+                <a:cs typeface="Times New Roman" panose="02020603050405020304" pitchFamily="18" charset="0"/>
+              </a:rPr>
+              <a:t>新增字段信息如下：</a:t>
+            </a:r>
+            <a:endParaRPr lang="en-US" altLang="zh-CN" sz="1000" kern="100" dirty="0">
+              <a:effectLst/>
+              <a:latin typeface="Times New Roman" panose="02020603050405020304" pitchFamily="18" charset="0"/>
+              <a:ea typeface="仿宋" panose="02010609060101010101" pitchFamily="49" charset="-122"/>
+              <a:cs typeface="Times New Roman" panose="02020603050405020304" pitchFamily="18" charset="0"/>
+            </a:endParaRPr>
+          </a:p>
+          <a:p>
+            <a:pPr marL="0" indent="0">
+              <a:buNone/>
+            </a:pPr>
+            <a:r>
+              <a:rPr lang="en-US" altLang="zh-CN" sz="1000" kern="100" dirty="0" err="1">
+                <a:effectLst/>
+                <a:latin typeface="Times New Roman" panose="02020603050405020304" pitchFamily="18" charset="0"/>
+                <a:ea typeface="仿宋" panose="02010609060101010101" pitchFamily="49" charset="-122"/>
+                <a:cs typeface="Times New Roman" panose="02020603050405020304" pitchFamily="18" charset="0"/>
+              </a:rPr>
+              <a:t>trx_serial_num</a:t>
+            </a:r>
+            <a:r>
+              <a:rPr lang="en-US" altLang="zh-CN" sz="1000" kern="100" dirty="0">
+                <a:effectLst/>
+                <a:latin typeface="Times New Roman" panose="02020603050405020304" pitchFamily="18" charset="0"/>
+                <a:ea typeface="仿宋" panose="02010609060101010101" pitchFamily="49" charset="-122"/>
+                <a:cs typeface="Times New Roman" panose="02020603050405020304" pitchFamily="18" charset="0"/>
+              </a:rPr>
+              <a:t> varchar(32) DEFAULT NULL,</a:t>
+            </a:r>
+            <a:endParaRPr lang="en-US" altLang="zh-CN" sz="1000" kern="100" dirty="0">
+              <a:latin typeface="Times New Roman" panose="02020603050405020304" pitchFamily="18" charset="0"/>
+              <a:ea typeface="仿宋" panose="02010609060101010101" pitchFamily="49" charset="-122"/>
+              <a:cs typeface="Times New Roman" panose="02020603050405020304" pitchFamily="18" charset="0"/>
+            </a:endParaRPr>
+          </a:p>
+          <a:p>
+            <a:pPr marL="0" indent="0">
+              <a:buNone/>
+            </a:pPr>
+            <a:r>
+              <a:rPr lang="en-US" altLang="zh-CN" sz="1000" kern="100" dirty="0" err="1">
+                <a:effectLst/>
+                <a:latin typeface="Times New Roman" panose="02020603050405020304" pitchFamily="18" charset="0"/>
+                <a:ea typeface="仿宋" panose="02010609060101010101" pitchFamily="49" charset="-122"/>
+                <a:cs typeface="Times New Roman" panose="02020603050405020304" pitchFamily="18" charset="0"/>
+              </a:rPr>
+              <a:t>trx_gtm_gtid</a:t>
+            </a:r>
+            <a:r>
+              <a:rPr lang="en-US" altLang="zh-CN" sz="1000" kern="100" dirty="0">
+                <a:effectLst/>
+                <a:latin typeface="Times New Roman" panose="02020603050405020304" pitchFamily="18" charset="0"/>
+                <a:ea typeface="仿宋" panose="02010609060101010101" pitchFamily="49" charset="-122"/>
+                <a:cs typeface="Times New Roman" panose="02020603050405020304" pitchFamily="18" charset="0"/>
+              </a:rPr>
+              <a:t> </a:t>
+            </a:r>
+            <a:r>
+              <a:rPr lang="en-US" altLang="zh-CN" sz="1000" kern="100" dirty="0" err="1">
+                <a:effectLst/>
+                <a:latin typeface="Times New Roman" panose="02020603050405020304" pitchFamily="18" charset="0"/>
+                <a:ea typeface="仿宋" panose="02010609060101010101" pitchFamily="49" charset="-122"/>
+                <a:cs typeface="Times New Roman" panose="02020603050405020304" pitchFamily="18" charset="0"/>
+              </a:rPr>
+              <a:t>varcahr</a:t>
+            </a:r>
+            <a:r>
+              <a:rPr lang="en-US" altLang="zh-CN" sz="1000" kern="100" dirty="0">
+                <a:effectLst/>
+                <a:latin typeface="Times New Roman" panose="02020603050405020304" pitchFamily="18" charset="0"/>
+                <a:ea typeface="仿宋" panose="02010609060101010101" pitchFamily="49" charset="-122"/>
+                <a:cs typeface="Times New Roman" panose="02020603050405020304" pitchFamily="18" charset="0"/>
+              </a:rPr>
+              <a:t>(32) DEFAULT NULL</a:t>
+            </a:r>
+          </a:p>
+          <a:p>
+            <a:pPr marL="0" indent="0">
+              <a:buNone/>
+            </a:pPr>
+            <a:r>
+              <a:rPr lang="zh-CN" altLang="zh-CN" sz="1000" kern="100" dirty="0">
+                <a:effectLst/>
+                <a:latin typeface="Times New Roman" panose="02020603050405020304" pitchFamily="18" charset="0"/>
+                <a:ea typeface="仿宋" panose="02010609060101010101" pitchFamily="49" charset="-122"/>
+                <a:cs typeface="Times New Roman" panose="02020603050405020304" pitchFamily="18" charset="0"/>
+              </a:rPr>
+              <a:t>事务流水号信息和</a:t>
+            </a:r>
+            <a:r>
+              <a:rPr lang="en-US" altLang="zh-CN" sz="1000" kern="100" dirty="0">
+                <a:effectLst/>
+                <a:latin typeface="Times New Roman" panose="02020603050405020304" pitchFamily="18" charset="0"/>
+                <a:ea typeface="仿宋" panose="02010609060101010101" pitchFamily="49" charset="-122"/>
+                <a:cs typeface="Times New Roman" panose="02020603050405020304" pitchFamily="18" charset="0"/>
+              </a:rPr>
+              <a:t>GTID</a:t>
+            </a:r>
+            <a:r>
+              <a:rPr lang="zh-CN" altLang="zh-CN" sz="1000" kern="100" dirty="0">
+                <a:effectLst/>
+                <a:latin typeface="Times New Roman" panose="02020603050405020304" pitchFamily="18" charset="0"/>
+                <a:ea typeface="仿宋" panose="02010609060101010101" pitchFamily="49" charset="-122"/>
+                <a:cs typeface="Times New Roman" panose="02020603050405020304" pitchFamily="18" charset="0"/>
+              </a:rPr>
+              <a:t>信息都是以特殊</a:t>
+            </a:r>
+            <a:r>
+              <a:rPr lang="en-US" altLang="zh-CN" sz="1000" kern="100" dirty="0">
+                <a:effectLst/>
+                <a:latin typeface="Times New Roman" panose="02020603050405020304" pitchFamily="18" charset="0"/>
+                <a:ea typeface="仿宋" panose="02010609060101010101" pitchFamily="49" charset="-122"/>
+                <a:cs typeface="Times New Roman" panose="02020603050405020304" pitchFamily="18" charset="0"/>
+              </a:rPr>
+              <a:t>HINT</a:t>
+            </a:r>
+            <a:r>
+              <a:rPr lang="zh-CN" altLang="zh-CN" sz="1000" kern="100" dirty="0">
+                <a:effectLst/>
+                <a:latin typeface="Times New Roman" panose="02020603050405020304" pitchFamily="18" charset="0"/>
+                <a:ea typeface="仿宋" panose="02010609060101010101" pitchFamily="49" charset="-122"/>
+                <a:cs typeface="Times New Roman" panose="02020603050405020304" pitchFamily="18" charset="0"/>
+              </a:rPr>
+              <a:t>信息的方式携带在</a:t>
+            </a:r>
+            <a:r>
+              <a:rPr lang="en-US" altLang="zh-CN" sz="1000" kern="100" dirty="0">
+                <a:effectLst/>
+                <a:latin typeface="Times New Roman" panose="02020603050405020304" pitchFamily="18" charset="0"/>
+                <a:ea typeface="仿宋" panose="02010609060101010101" pitchFamily="49" charset="-122"/>
+                <a:cs typeface="Times New Roman" panose="02020603050405020304" pitchFamily="18" charset="0"/>
+              </a:rPr>
+              <a:t>SQL</a:t>
+            </a:r>
+            <a:r>
+              <a:rPr lang="zh-CN" altLang="zh-CN" sz="1000" kern="100" dirty="0">
+                <a:effectLst/>
+                <a:latin typeface="Times New Roman" panose="02020603050405020304" pitchFamily="18" charset="0"/>
+                <a:ea typeface="仿宋" panose="02010609060101010101" pitchFamily="49" charset="-122"/>
+                <a:cs typeface="Times New Roman" panose="02020603050405020304" pitchFamily="18" charset="0"/>
+              </a:rPr>
+              <a:t>语句中的，如：</a:t>
+            </a:r>
+            <a:endParaRPr lang="en-US" altLang="zh-CN" sz="1000" kern="100" dirty="0">
+              <a:effectLst/>
+              <a:latin typeface="Times New Roman" panose="02020603050405020304" pitchFamily="18" charset="0"/>
+              <a:ea typeface="仿宋" panose="02010609060101010101" pitchFamily="49" charset="-122"/>
+              <a:cs typeface="Times New Roman" panose="02020603050405020304" pitchFamily="18" charset="0"/>
+            </a:endParaRPr>
+          </a:p>
+          <a:p>
+            <a:pPr marL="0" indent="0">
+              <a:buNone/>
+            </a:pPr>
+            <a:r>
+              <a:rPr lang="zh-CN" altLang="zh-CN" sz="1000" kern="100" dirty="0">
+                <a:solidFill>
+                  <a:srgbClr val="FF0000"/>
+                </a:solidFill>
+                <a:effectLst/>
+                <a:latin typeface="Times New Roman" panose="02020603050405020304" pitchFamily="18" charset="0"/>
+                <a:ea typeface="仿宋" panose="02010609060101010101" pitchFamily="49" charset="-122"/>
+                <a:cs typeface="Times New Roman" panose="02020603050405020304" pitchFamily="18" charset="0"/>
+              </a:rPr>
+              <a:t>事务流水号：</a:t>
+            </a:r>
+            <a:r>
+              <a:rPr lang="en-US" altLang="zh-CN" sz="1000" kern="100" dirty="0">
+                <a:solidFill>
+                  <a:srgbClr val="FF0000"/>
+                </a:solidFill>
+                <a:effectLst/>
+                <a:latin typeface="Times New Roman" panose="02020603050405020304" pitchFamily="18" charset="0"/>
+                <a:ea typeface="仿宋" panose="02010609060101010101" pitchFamily="49" charset="-122"/>
+                <a:cs typeface="Times New Roman" panose="02020603050405020304" pitchFamily="18" charset="0"/>
+              </a:rPr>
+              <a:t>/*+TSN=abc123*/ START TRANSACTION;</a:t>
+            </a:r>
+          </a:p>
+          <a:p>
+            <a:pPr marL="0" indent="0">
+              <a:buNone/>
+            </a:pPr>
+            <a:r>
+              <a:rPr lang="zh-CN" altLang="zh-CN" sz="1000" kern="100" dirty="0">
+                <a:solidFill>
+                  <a:srgbClr val="FF0000"/>
+                </a:solidFill>
+                <a:effectLst/>
+                <a:latin typeface="Times New Roman" panose="02020603050405020304" pitchFamily="18" charset="0"/>
+                <a:ea typeface="仿宋" panose="02010609060101010101" pitchFamily="49" charset="-122"/>
+                <a:cs typeface="Times New Roman" panose="02020603050405020304" pitchFamily="18" charset="0"/>
+              </a:rPr>
+              <a:t>事务流水号：</a:t>
+            </a:r>
+            <a:r>
+              <a:rPr lang="en-US" altLang="zh-CN" sz="1000" kern="100" dirty="0">
+                <a:solidFill>
+                  <a:srgbClr val="FF0000"/>
+                </a:solidFill>
+                <a:effectLst/>
+                <a:latin typeface="Times New Roman" panose="02020603050405020304" pitchFamily="18" charset="0"/>
+                <a:ea typeface="仿宋" panose="02010609060101010101" pitchFamily="49" charset="-122"/>
+                <a:cs typeface="Times New Roman" panose="02020603050405020304" pitchFamily="18" charset="0"/>
+              </a:rPr>
+              <a:t>/*+GTID=123456*/ START TRANSACTION;</a:t>
+            </a:r>
+            <a:endParaRPr lang="en-US" altLang="zh-CN" sz="1000" dirty="0"/>
+          </a:p>
+          <a:p>
+            <a:endParaRPr lang="zh-CN" altLang="en-US" sz="1000" b="0" i="0" kern="1200" dirty="0">
               <a:solidFill>
-                <a:srgbClr val="333333"/>
+                <a:schemeClr val="tx1"/>
               </a:solidFill>
               <a:effectLst/>
-              <a:latin typeface="-apple-system"/>
+              <a:latin typeface="+mj-ea"/>
+              <a:ea typeface="+mj-ea"/>
+              <a:cs typeface="+mn-cs"/>
             </a:endParaRPr>
           </a:p>
         </p:txBody>
@@ -9699,7 +9772,7 @@
     </p:spTree>
     <p:extLst>
       <p:ext uri="{BB962C8B-B14F-4D97-AF65-F5344CB8AC3E}">
-        <p14:creationId xmlns:p14="http://schemas.microsoft.com/office/powerpoint/2010/main" val="3837174947"/>
+        <p14:creationId xmlns:p14="http://schemas.microsoft.com/office/powerpoint/2010/main" val="40607615"/>
       </p:ext>
     </p:extLst>
   </p:cSld>
@@ -9741,11 +9814,11 @@
           <a:bodyPr/>
           <a:lstStyle/>
           <a:p>
-            <a:fld id="{115E481A-832A-48B0-9B5F-CC2DDFB376CC}" type="slidenum">
-              <a:rPr lang="zh-CN" altLang="en-US" smtClean="0"/>
+            <a:fld id="{76A81D81-FE2F-498E-9723-332F49FC9508}" type="slidenum">
+              <a:rPr lang="zh-TW" altLang="en-US" smtClean="0"/>
               <a:t>65</a:t>
             </a:fld>
-            <a:endParaRPr lang="zh-CN" altLang="en-US"/>
+            <a:endParaRPr lang="zh-TW" altLang="en-US"/>
           </a:p>
         </p:txBody>
       </p:sp>
@@ -9781,14 +9854,21 @@
           <a:bodyPr/>
           <a:lstStyle/>
           <a:p>
-            <a:endParaRPr lang="zh-CN" altLang="en-US"/>
+            <a:pPr algn="just"/>
+            <a:endParaRPr lang="zh-CN" altLang="en-US" sz="1000" b="0" i="0" dirty="0">
+              <a:solidFill>
+                <a:srgbClr val="333333"/>
+              </a:solidFill>
+              <a:effectLst/>
+              <a:latin typeface="-apple-system"/>
+            </a:endParaRPr>
           </a:p>
         </p:txBody>
       </p:sp>
     </p:spTree>
     <p:extLst>
       <p:ext uri="{BB962C8B-B14F-4D97-AF65-F5344CB8AC3E}">
-        <p14:creationId xmlns:p14="http://schemas.microsoft.com/office/powerpoint/2010/main" val="2299997694"/>
+        <p14:creationId xmlns:p14="http://schemas.microsoft.com/office/powerpoint/2010/main" val="3837174947"/>
       </p:ext>
     </p:extLst>
   </p:cSld>
@@ -9830,11 +9910,11 @@
           <a:bodyPr/>
           <a:lstStyle/>
           <a:p>
-            <a:fld id="{76A81D81-FE2F-498E-9723-332F49FC9508}" type="slidenum">
-              <a:rPr lang="zh-TW" altLang="en-US" smtClean="0"/>
+            <a:fld id="{115E481A-832A-48B0-9B5F-CC2DDFB376CC}" type="slidenum">
+              <a:rPr lang="zh-CN" altLang="en-US" smtClean="0"/>
               <a:t>66</a:t>
             </a:fld>
-            <a:endParaRPr lang="zh-TW" altLang="en-US"/>
+            <a:endParaRPr lang="zh-CN" altLang="en-US"/>
           </a:p>
         </p:txBody>
       </p:sp>
@@ -9870,22 +9950,14 @@
           <a:bodyPr/>
           <a:lstStyle/>
           <a:p>
-            <a:endParaRPr lang="zh-CN" altLang="en-US" sz="1000" b="0" i="0" kern="1200" dirty="0">
-              <a:solidFill>
-                <a:schemeClr val="tx1"/>
-              </a:solidFill>
-              <a:effectLst/>
-              <a:latin typeface="+mj-ea"/>
-              <a:ea typeface="+mj-ea"/>
-              <a:cs typeface="+mn-cs"/>
-            </a:endParaRPr>
+            <a:endParaRPr lang="zh-CN" altLang="en-US"/>
           </a:p>
         </p:txBody>
       </p:sp>
     </p:spTree>
     <p:extLst>
       <p:ext uri="{BB962C8B-B14F-4D97-AF65-F5344CB8AC3E}">
-        <p14:creationId xmlns:p14="http://schemas.microsoft.com/office/powerpoint/2010/main" val="3757277763"/>
+        <p14:creationId xmlns:p14="http://schemas.microsoft.com/office/powerpoint/2010/main" val="2299997694"/>
       </p:ext>
     </p:extLst>
   </p:cSld>
@@ -9982,7 +10054,7 @@
     </p:spTree>
     <p:extLst>
       <p:ext uri="{BB962C8B-B14F-4D97-AF65-F5344CB8AC3E}">
-        <p14:creationId xmlns:p14="http://schemas.microsoft.com/office/powerpoint/2010/main" val="3220711141"/>
+        <p14:creationId xmlns:p14="http://schemas.microsoft.com/office/powerpoint/2010/main" val="3757277763"/>
       </p:ext>
     </p:extLst>
   </p:cSld>
@@ -10024,9 +10096,106 @@
           <a:bodyPr/>
           <a:lstStyle/>
           <a:p>
+            <a:fld id="{76A81D81-FE2F-498E-9723-332F49FC9508}" type="slidenum">
+              <a:rPr lang="zh-TW" altLang="en-US" smtClean="0"/>
+              <a:t>68</a:t>
+            </a:fld>
+            <a:endParaRPr lang="zh-TW" altLang="en-US"/>
+          </a:p>
+        </p:txBody>
+      </p:sp>
+      <p:sp>
+        <p:nvSpPr>
+          <p:cNvPr id="6" name="幻灯片图像占位符 5"/>
+          <p:cNvSpPr>
+            <a:spLocks noGrp="1" noRot="1" noChangeAspect="1"/>
+          </p:cNvSpPr>
+          <p:nvPr>
+            <p:ph type="sldImg"/>
+          </p:nvPr>
+        </p:nvSpPr>
+        <p:spPr>
+          <a:xfrm>
+            <a:off x="519113" y="787400"/>
+            <a:ext cx="5759450" cy="3240088"/>
+          </a:xfrm>
+        </p:spPr>
+      </p:sp>
+      <p:sp>
+        <p:nvSpPr>
+          <p:cNvPr id="7" name="备注占位符 6"/>
+          <p:cNvSpPr>
+            <a:spLocks noGrp="1"/>
+          </p:cNvSpPr>
+          <p:nvPr>
+            <p:ph type="body" idx="1"/>
+          </p:nvPr>
+        </p:nvSpPr>
+        <p:spPr/>
+        <p:txBody>
+          <a:bodyPr/>
+          <a:lstStyle/>
+          <a:p>
+            <a:endParaRPr lang="zh-CN" altLang="en-US" sz="1000" b="0" i="0" kern="1200" dirty="0">
+              <a:solidFill>
+                <a:schemeClr val="tx1"/>
+              </a:solidFill>
+              <a:effectLst/>
+              <a:latin typeface="+mj-ea"/>
+              <a:ea typeface="+mj-ea"/>
+              <a:cs typeface="+mn-cs"/>
+            </a:endParaRPr>
+          </a:p>
+        </p:txBody>
+      </p:sp>
+    </p:spTree>
+    <p:extLst>
+      <p:ext uri="{BB962C8B-B14F-4D97-AF65-F5344CB8AC3E}">
+        <p14:creationId xmlns:p14="http://schemas.microsoft.com/office/powerpoint/2010/main" val="3220711141"/>
+      </p:ext>
+    </p:extLst>
+  </p:cSld>
+  <p:clrMapOvr>
+    <a:masterClrMapping/>
+  </p:clrMapOvr>
+</p:notes>
+</file>
+
+<file path=ppt/notesSlides/notesSlide67.xml><?xml version="1.0" encoding="utf-8"?>
+<p:notes xmlns:a="http://schemas.openxmlformats.org/drawingml/2006/main" xmlns:r="http://schemas.openxmlformats.org/officeDocument/2006/relationships" xmlns:p="http://schemas.openxmlformats.org/presentationml/2006/main">
+  <p:cSld>
+    <p:spTree>
+      <p:nvGrpSpPr>
+        <p:cNvPr id="1" name=""/>
+        <p:cNvGrpSpPr/>
+        <p:nvPr/>
+      </p:nvGrpSpPr>
+      <p:grpSpPr>
+        <a:xfrm>
+          <a:off x="0" y="0"/>
+          <a:ext cx="0" cy="0"/>
+          <a:chOff x="0" y="0"/>
+          <a:chExt cx="0" cy="0"/>
+        </a:xfrm>
+      </p:grpSpPr>
+      <p:sp>
+        <p:nvSpPr>
+          <p:cNvPr id="4" name="灯片编号占位符 3"/>
+          <p:cNvSpPr>
+            <a:spLocks noGrp="1"/>
+          </p:cNvSpPr>
+          <p:nvPr>
+            <p:ph type="sldNum" sz="quarter" idx="10"/>
+          </p:nvPr>
+        </p:nvSpPr>
+        <p:spPr/>
+        <p:txBody>
+          <a:bodyPr/>
+          <a:lstStyle/>
+          <a:p>
             <a:fld id="{115E481A-832A-48B0-9B5F-CC2DDFB376CC}" type="slidenum">
               <a:rPr lang="zh-CN" altLang="en-US" smtClean="0"/>
-              <a:t>68</a:t>
+              <a:t>69</a:t>
             </a:fld>
             <a:endParaRPr lang="zh-CN" altLang="en-US"/>
           </a:p>
@@ -21077,7 +21246,7 @@
         </p:blipFill>
         <p:spPr>
           <a:xfrm>
-            <a:off x="1733052" y="1128712"/>
+            <a:off x="1678623" y="1602241"/>
             <a:ext cx="8339636" cy="4824005"/>
           </a:xfrm>
           <a:prstGeom prst="rect">
@@ -21085,6 +21254,282 @@
           </a:prstGeom>
         </p:spPr>
       </p:pic>
+      <p:sp>
+        <p:nvSpPr>
+          <p:cNvPr id="6" name="内容占位符 2">
+            <a:extLst>
+              <a:ext uri="{FF2B5EF4-FFF2-40B4-BE49-F238E27FC236}">
+                <a16:creationId xmlns:a16="http://schemas.microsoft.com/office/drawing/2014/main" id="{D309DD10-4507-4CA6-AACA-F88B7F7DDC29}"/>
+              </a:ext>
+            </a:extLst>
+          </p:cNvPr>
+          <p:cNvSpPr txBox="1">
+            <a:spLocks/>
+          </p:cNvSpPr>
+          <p:nvPr/>
+        </p:nvSpPr>
+        <p:spPr bwMode="auto">
+          <a:xfrm>
+            <a:off x="838201" y="1074954"/>
+            <a:ext cx="7381239" cy="589280"/>
+          </a:xfrm>
+          <a:prstGeom prst="rect">
+            <a:avLst/>
+          </a:prstGeom>
+          <a:noFill/>
+          <a:ln>
+            <a:noFill/>
+          </a:ln>
+          <a:extLst>
+            <a:ext uri="{909E8E84-426E-40DD-AFC4-6F175D3DCCD1}">
+              <a14:hiddenFill xmlns:a14="http://schemas.microsoft.com/office/drawing/2010/main">
+                <a:solidFill>
+                  <a:srgbClr val="FFFFFF"/>
+                </a:solidFill>
+              </a14:hiddenFill>
+            </a:ext>
+            <a:ext uri="{91240B29-F687-4F45-9708-019B960494DF}">
+              <a14:hiddenLine xmlns:a14="http://schemas.microsoft.com/office/drawing/2010/main" w="9525">
+                <a:solidFill>
+                  <a:srgbClr val="000000"/>
+                </a:solidFill>
+                <a:miter lim="800000"/>
+                <a:headEnd/>
+                <a:tailEnd/>
+              </a14:hiddenLine>
+            </a:ext>
+          </a:extLst>
+        </p:spPr>
+        <p:txBody>
+          <a:bodyPr vert="horz" wrap="square" lIns="91440" tIns="45720" rIns="91440" bIns="45720" numCol="1" anchor="t" anchorCtr="0" compatLnSpc="1"/>
+          <a:lstStyle>
+            <a:lvl1pPr marL="480695" indent="-480695" algn="l" defTabSz="912495" rtl="0" eaLnBrk="1" fontAlgn="base" hangingPunct="1">
+              <a:lnSpc>
+                <a:spcPct val="150000"/>
+              </a:lnSpc>
+              <a:spcBef>
+                <a:spcPts val="0"/>
+              </a:spcBef>
+              <a:spcAft>
+                <a:spcPct val="0"/>
+              </a:spcAft>
+              <a:buClr>
+                <a:schemeClr val="accent1"/>
+              </a:buClr>
+              <a:buFont typeface="Wingdings" panose="05000000000000000000" pitchFamily="2" charset="2"/>
+              <a:buChar char="l"/>
+              <a:defRPr sz="2400" kern="1200">
+                <a:solidFill>
+                  <a:schemeClr val="tx1"/>
+                </a:solidFill>
+                <a:latin typeface="微软雅黑" panose="020B0503020204020204" pitchFamily="34" charset="-122"/>
+                <a:ea typeface="微软雅黑" panose="020B0503020204020204" pitchFamily="34" charset="-122"/>
+                <a:cs typeface="+mn-cs"/>
+                <a:sym typeface="Calibri" panose="020F0502020204030204" pitchFamily="34" charset="0"/>
+              </a:defRPr>
+            </a:lvl1pPr>
+            <a:lvl2pPr marL="836295" lvl="1" indent="-355600" algn="l" defTabSz="912495" rtl="0" eaLnBrk="1" fontAlgn="base" hangingPunct="1">
+              <a:lnSpc>
+                <a:spcPct val="150000"/>
+              </a:lnSpc>
+              <a:spcBef>
+                <a:spcPts val="500"/>
+              </a:spcBef>
+              <a:spcAft>
+                <a:spcPct val="0"/>
+              </a:spcAft>
+              <a:buClr>
+                <a:schemeClr val="accent1"/>
+              </a:buClr>
+              <a:buFont typeface="Wingdings" panose="05000000000000000000" pitchFamily="2" charset="2"/>
+              <a:buChar char="n"/>
+              <a:defRPr sz="2000" kern="1200">
+                <a:solidFill>
+                  <a:schemeClr val="tx1"/>
+                </a:solidFill>
+                <a:latin typeface="微软雅黑" panose="020B0503020204020204" pitchFamily="34" charset="-122"/>
+                <a:ea typeface="微软雅黑" panose="020B0503020204020204" pitchFamily="34" charset="-122"/>
+                <a:cs typeface="+mn-cs"/>
+                <a:sym typeface="Calibri" panose="020F0502020204030204" pitchFamily="34" charset="0"/>
+              </a:defRPr>
+            </a:lvl2pPr>
+            <a:lvl3pPr marL="1143000" lvl="2" indent="-228600" algn="l" defTabSz="912495" rtl="0" eaLnBrk="1" fontAlgn="base" hangingPunct="1">
+              <a:lnSpc>
+                <a:spcPct val="150000"/>
+              </a:lnSpc>
+              <a:spcBef>
+                <a:spcPts val="500"/>
+              </a:spcBef>
+              <a:spcAft>
+                <a:spcPct val="0"/>
+              </a:spcAft>
+              <a:buClr>
+                <a:schemeClr val="accent1"/>
+              </a:buClr>
+              <a:buFont typeface="Wingdings" panose="05000000000000000000" pitchFamily="2" charset="2"/>
+              <a:buChar char="ü"/>
+              <a:defRPr sz="1800" kern="1200">
+                <a:solidFill>
+                  <a:schemeClr val="tx1"/>
+                </a:solidFill>
+                <a:latin typeface="微软雅黑" panose="020B0503020204020204" pitchFamily="34" charset="-122"/>
+                <a:ea typeface="微软雅黑" panose="020B0503020204020204" pitchFamily="34" charset="-122"/>
+                <a:cs typeface="+mn-cs"/>
+                <a:sym typeface="Calibri" panose="020F0502020204030204" pitchFamily="34" charset="0"/>
+              </a:defRPr>
+            </a:lvl3pPr>
+            <a:lvl4pPr marL="1598930" lvl="3" indent="-227330" algn="l" defTabSz="912495" rtl="0" eaLnBrk="1" fontAlgn="base" hangingPunct="1">
+              <a:lnSpc>
+                <a:spcPct val="150000"/>
+              </a:lnSpc>
+              <a:spcBef>
+                <a:spcPts val="500"/>
+              </a:spcBef>
+              <a:spcAft>
+                <a:spcPct val="0"/>
+              </a:spcAft>
+              <a:buClr>
+                <a:schemeClr val="accent1"/>
+              </a:buClr>
+              <a:buFont typeface="Arial" panose="020B0604020202020204" pitchFamily="34" charset="0"/>
+              <a:buChar char="•"/>
+              <a:defRPr sz="1600" kern="1200">
+                <a:solidFill>
+                  <a:schemeClr val="tx1"/>
+                </a:solidFill>
+                <a:latin typeface="微软雅黑" panose="020B0503020204020204" pitchFamily="34" charset="-122"/>
+                <a:ea typeface="微软雅黑" panose="020B0503020204020204" pitchFamily="34" charset="-122"/>
+                <a:cs typeface="+mn-cs"/>
+                <a:sym typeface="Calibri" panose="020F0502020204030204" pitchFamily="34" charset="0"/>
+              </a:defRPr>
+            </a:lvl4pPr>
+            <a:lvl5pPr marL="2056130" lvl="4" indent="-227330" algn="l" defTabSz="912495" rtl="0" eaLnBrk="1" fontAlgn="base" hangingPunct="1">
+              <a:lnSpc>
+                <a:spcPct val="150000"/>
+              </a:lnSpc>
+              <a:spcBef>
+                <a:spcPts val="500"/>
+              </a:spcBef>
+              <a:spcAft>
+                <a:spcPct val="0"/>
+              </a:spcAft>
+              <a:buClr>
+                <a:schemeClr val="accent1"/>
+              </a:buClr>
+              <a:buFont typeface="Arial" panose="020B0604020202020204" pitchFamily="34" charset="0"/>
+              <a:buChar char="•"/>
+              <a:defRPr sz="1400" kern="1200">
+                <a:solidFill>
+                  <a:schemeClr val="tx1"/>
+                </a:solidFill>
+                <a:latin typeface="微软雅黑" panose="020B0503020204020204" pitchFamily="34" charset="-122"/>
+                <a:ea typeface="微软雅黑" panose="020B0503020204020204" pitchFamily="34" charset="-122"/>
+                <a:cs typeface="+mn-cs"/>
+                <a:sym typeface="Calibri" panose="020F0502020204030204" pitchFamily="34" charset="0"/>
+              </a:defRPr>
+            </a:lvl5pPr>
+            <a:lvl6pPr marL="3352800" lvl="5" indent="-304800" algn="l" defTabSz="913765" eaLnBrk="1" fontAlgn="base" latinLnBrk="0" hangingPunct="1">
+              <a:lnSpc>
+                <a:spcPct val="90000"/>
+              </a:lnSpc>
+              <a:spcBef>
+                <a:spcPts val="500"/>
+              </a:spcBef>
+              <a:spcAft>
+                <a:spcPct val="0"/>
+              </a:spcAft>
+              <a:buFont typeface="Arial" panose="020B0604020202020204" pitchFamily="34" charset="0"/>
+              <a:buChar char="•"/>
+              <a:defRPr sz="1735" kern="1200">
+                <a:solidFill>
+                  <a:schemeClr val="tx1"/>
+                </a:solidFill>
+                <a:latin typeface="+mn-lt"/>
+                <a:ea typeface="+mn-ea"/>
+                <a:cs typeface="+mn-cs"/>
+                <a:sym typeface="Calibri" panose="020F0502020204030204" pitchFamily="34" charset="0"/>
+              </a:defRPr>
+            </a:lvl6pPr>
+            <a:lvl7pPr marL="3962400" lvl="6" indent="-304800" algn="l" defTabSz="913765" eaLnBrk="1" fontAlgn="base" latinLnBrk="0" hangingPunct="1">
+              <a:lnSpc>
+                <a:spcPct val="90000"/>
+              </a:lnSpc>
+              <a:spcBef>
+                <a:spcPts val="500"/>
+              </a:spcBef>
+              <a:spcAft>
+                <a:spcPct val="0"/>
+              </a:spcAft>
+              <a:buFont typeface="Arial" panose="020B0604020202020204" pitchFamily="34" charset="0"/>
+              <a:buChar char="•"/>
+              <a:defRPr sz="1735" kern="1200">
+                <a:solidFill>
+                  <a:schemeClr val="tx1"/>
+                </a:solidFill>
+                <a:latin typeface="+mn-lt"/>
+                <a:ea typeface="+mn-ea"/>
+                <a:cs typeface="+mn-cs"/>
+                <a:sym typeface="Calibri" panose="020F0502020204030204" pitchFamily="34" charset="0"/>
+              </a:defRPr>
+            </a:lvl7pPr>
+            <a:lvl8pPr marL="4572000" lvl="7" indent="-304800" algn="l" defTabSz="913765" eaLnBrk="1" fontAlgn="base" latinLnBrk="0" hangingPunct="1">
+              <a:lnSpc>
+                <a:spcPct val="90000"/>
+              </a:lnSpc>
+              <a:spcBef>
+                <a:spcPts val="500"/>
+              </a:spcBef>
+              <a:spcAft>
+                <a:spcPct val="0"/>
+              </a:spcAft>
+              <a:buFont typeface="Arial" panose="020B0604020202020204" pitchFamily="34" charset="0"/>
+              <a:buChar char="•"/>
+              <a:defRPr sz="1735" kern="1200">
+                <a:solidFill>
+                  <a:schemeClr val="tx1"/>
+                </a:solidFill>
+                <a:latin typeface="+mn-lt"/>
+                <a:ea typeface="+mn-ea"/>
+                <a:cs typeface="+mn-cs"/>
+                <a:sym typeface="Calibri" panose="020F0502020204030204" pitchFamily="34" charset="0"/>
+              </a:defRPr>
+            </a:lvl8pPr>
+            <a:lvl9pPr marL="5181600" lvl="8" indent="-304800" algn="l" defTabSz="913765" eaLnBrk="1" fontAlgn="base" latinLnBrk="0" hangingPunct="1">
+              <a:lnSpc>
+                <a:spcPct val="90000"/>
+              </a:lnSpc>
+              <a:spcBef>
+                <a:spcPts val="500"/>
+              </a:spcBef>
+              <a:spcAft>
+                <a:spcPct val="0"/>
+              </a:spcAft>
+              <a:buFont typeface="Arial" panose="020B0604020202020204" pitchFamily="34" charset="0"/>
+              <a:buChar char="•"/>
+              <a:defRPr sz="1735" kern="1200">
+                <a:solidFill>
+                  <a:schemeClr val="tx1"/>
+                </a:solidFill>
+                <a:latin typeface="+mn-lt"/>
+                <a:ea typeface="+mn-ea"/>
+                <a:cs typeface="+mn-cs"/>
+                <a:sym typeface="Calibri" panose="020F0502020204030204" pitchFamily="34" charset="0"/>
+              </a:defRPr>
+            </a:lvl9pPr>
+          </a:lstStyle>
+          <a:p>
+            <a:r>
+              <a:rPr lang="zh-CN" altLang="en-US" dirty="0"/>
+              <a:t>分布式</a:t>
+            </a:r>
+            <a:r>
+              <a:rPr lang="en-US" altLang="zh-CN" dirty="0"/>
+              <a:t>DML</a:t>
+            </a:r>
+            <a:endParaRPr lang="zh-CN" altLang="en-US" dirty="0"/>
+          </a:p>
+        </p:txBody>
+      </p:sp>
     </p:spTree>
     <p:extLst>
       <p:ext uri="{BB962C8B-B14F-4D97-AF65-F5344CB8AC3E}">
@@ -21220,7 +21665,7 @@
         </p:blipFill>
         <p:spPr>
           <a:xfrm>
-            <a:off x="1785302" y="1197906"/>
+            <a:off x="1741759" y="1709535"/>
             <a:ext cx="8448675" cy="4581525"/>
           </a:xfrm>
           <a:prstGeom prst="rect">
@@ -21228,6 +21673,282 @@
           </a:prstGeom>
         </p:spPr>
       </p:pic>
+      <p:sp>
+        <p:nvSpPr>
+          <p:cNvPr id="6" name="内容占位符 2">
+            <a:extLst>
+              <a:ext uri="{FF2B5EF4-FFF2-40B4-BE49-F238E27FC236}">
+                <a16:creationId xmlns:a16="http://schemas.microsoft.com/office/drawing/2014/main" id="{D61601B0-9673-415F-A190-C29B73F26564}"/>
+              </a:ext>
+            </a:extLst>
+          </p:cNvPr>
+          <p:cNvSpPr txBox="1">
+            <a:spLocks/>
+          </p:cNvSpPr>
+          <p:nvPr/>
+        </p:nvSpPr>
+        <p:spPr bwMode="auto">
+          <a:xfrm>
+            <a:off x="838201" y="1024452"/>
+            <a:ext cx="7381239" cy="589280"/>
+          </a:xfrm>
+          <a:prstGeom prst="rect">
+            <a:avLst/>
+          </a:prstGeom>
+          <a:noFill/>
+          <a:ln>
+            <a:noFill/>
+          </a:ln>
+          <a:extLst>
+            <a:ext uri="{909E8E84-426E-40DD-AFC4-6F175D3DCCD1}">
+              <a14:hiddenFill xmlns:a14="http://schemas.microsoft.com/office/drawing/2010/main">
+                <a:solidFill>
+                  <a:srgbClr val="FFFFFF"/>
+                </a:solidFill>
+              </a14:hiddenFill>
+            </a:ext>
+            <a:ext uri="{91240B29-F687-4F45-9708-019B960494DF}">
+              <a14:hiddenLine xmlns:a14="http://schemas.microsoft.com/office/drawing/2010/main" w="9525">
+                <a:solidFill>
+                  <a:srgbClr val="000000"/>
+                </a:solidFill>
+                <a:miter lim="800000"/>
+                <a:headEnd/>
+                <a:tailEnd/>
+              </a14:hiddenLine>
+            </a:ext>
+          </a:extLst>
+        </p:spPr>
+        <p:txBody>
+          <a:bodyPr vert="horz" wrap="square" lIns="91440" tIns="45720" rIns="91440" bIns="45720" numCol="1" anchor="t" anchorCtr="0" compatLnSpc="1"/>
+          <a:lstStyle>
+            <a:lvl1pPr marL="480695" indent="-480695" algn="l" defTabSz="912495" rtl="0" eaLnBrk="1" fontAlgn="base" hangingPunct="1">
+              <a:lnSpc>
+                <a:spcPct val="150000"/>
+              </a:lnSpc>
+              <a:spcBef>
+                <a:spcPts val="0"/>
+              </a:spcBef>
+              <a:spcAft>
+                <a:spcPct val="0"/>
+              </a:spcAft>
+              <a:buClr>
+                <a:schemeClr val="accent1"/>
+              </a:buClr>
+              <a:buFont typeface="Wingdings" panose="05000000000000000000" pitchFamily="2" charset="2"/>
+              <a:buChar char="l"/>
+              <a:defRPr sz="2400" kern="1200">
+                <a:solidFill>
+                  <a:schemeClr val="tx1"/>
+                </a:solidFill>
+                <a:latin typeface="微软雅黑" panose="020B0503020204020204" pitchFamily="34" charset="-122"/>
+                <a:ea typeface="微软雅黑" panose="020B0503020204020204" pitchFamily="34" charset="-122"/>
+                <a:cs typeface="+mn-cs"/>
+                <a:sym typeface="Calibri" panose="020F0502020204030204" pitchFamily="34" charset="0"/>
+              </a:defRPr>
+            </a:lvl1pPr>
+            <a:lvl2pPr marL="836295" lvl="1" indent="-355600" algn="l" defTabSz="912495" rtl="0" eaLnBrk="1" fontAlgn="base" hangingPunct="1">
+              <a:lnSpc>
+                <a:spcPct val="150000"/>
+              </a:lnSpc>
+              <a:spcBef>
+                <a:spcPts val="500"/>
+              </a:spcBef>
+              <a:spcAft>
+                <a:spcPct val="0"/>
+              </a:spcAft>
+              <a:buClr>
+                <a:schemeClr val="accent1"/>
+              </a:buClr>
+              <a:buFont typeface="Wingdings" panose="05000000000000000000" pitchFamily="2" charset="2"/>
+              <a:buChar char="n"/>
+              <a:defRPr sz="2000" kern="1200">
+                <a:solidFill>
+                  <a:schemeClr val="tx1"/>
+                </a:solidFill>
+                <a:latin typeface="微软雅黑" panose="020B0503020204020204" pitchFamily="34" charset="-122"/>
+                <a:ea typeface="微软雅黑" panose="020B0503020204020204" pitchFamily="34" charset="-122"/>
+                <a:cs typeface="+mn-cs"/>
+                <a:sym typeface="Calibri" panose="020F0502020204030204" pitchFamily="34" charset="0"/>
+              </a:defRPr>
+            </a:lvl2pPr>
+            <a:lvl3pPr marL="1143000" lvl="2" indent="-228600" algn="l" defTabSz="912495" rtl="0" eaLnBrk="1" fontAlgn="base" hangingPunct="1">
+              <a:lnSpc>
+                <a:spcPct val="150000"/>
+              </a:lnSpc>
+              <a:spcBef>
+                <a:spcPts val="500"/>
+              </a:spcBef>
+              <a:spcAft>
+                <a:spcPct val="0"/>
+              </a:spcAft>
+              <a:buClr>
+                <a:schemeClr val="accent1"/>
+              </a:buClr>
+              <a:buFont typeface="Wingdings" panose="05000000000000000000" pitchFamily="2" charset="2"/>
+              <a:buChar char="ü"/>
+              <a:defRPr sz="1800" kern="1200">
+                <a:solidFill>
+                  <a:schemeClr val="tx1"/>
+                </a:solidFill>
+                <a:latin typeface="微软雅黑" panose="020B0503020204020204" pitchFamily="34" charset="-122"/>
+                <a:ea typeface="微软雅黑" panose="020B0503020204020204" pitchFamily="34" charset="-122"/>
+                <a:cs typeface="+mn-cs"/>
+                <a:sym typeface="Calibri" panose="020F0502020204030204" pitchFamily="34" charset="0"/>
+              </a:defRPr>
+            </a:lvl3pPr>
+            <a:lvl4pPr marL="1598930" lvl="3" indent="-227330" algn="l" defTabSz="912495" rtl="0" eaLnBrk="1" fontAlgn="base" hangingPunct="1">
+              <a:lnSpc>
+                <a:spcPct val="150000"/>
+              </a:lnSpc>
+              <a:spcBef>
+                <a:spcPts val="500"/>
+              </a:spcBef>
+              <a:spcAft>
+                <a:spcPct val="0"/>
+              </a:spcAft>
+              <a:buClr>
+                <a:schemeClr val="accent1"/>
+              </a:buClr>
+              <a:buFont typeface="Arial" panose="020B0604020202020204" pitchFamily="34" charset="0"/>
+              <a:buChar char="•"/>
+              <a:defRPr sz="1600" kern="1200">
+                <a:solidFill>
+                  <a:schemeClr val="tx1"/>
+                </a:solidFill>
+                <a:latin typeface="微软雅黑" panose="020B0503020204020204" pitchFamily="34" charset="-122"/>
+                <a:ea typeface="微软雅黑" panose="020B0503020204020204" pitchFamily="34" charset="-122"/>
+                <a:cs typeface="+mn-cs"/>
+                <a:sym typeface="Calibri" panose="020F0502020204030204" pitchFamily="34" charset="0"/>
+              </a:defRPr>
+            </a:lvl4pPr>
+            <a:lvl5pPr marL="2056130" lvl="4" indent="-227330" algn="l" defTabSz="912495" rtl="0" eaLnBrk="1" fontAlgn="base" hangingPunct="1">
+              <a:lnSpc>
+                <a:spcPct val="150000"/>
+              </a:lnSpc>
+              <a:spcBef>
+                <a:spcPts val="500"/>
+              </a:spcBef>
+              <a:spcAft>
+                <a:spcPct val="0"/>
+              </a:spcAft>
+              <a:buClr>
+                <a:schemeClr val="accent1"/>
+              </a:buClr>
+              <a:buFont typeface="Arial" panose="020B0604020202020204" pitchFamily="34" charset="0"/>
+              <a:buChar char="•"/>
+              <a:defRPr sz="1400" kern="1200">
+                <a:solidFill>
+                  <a:schemeClr val="tx1"/>
+                </a:solidFill>
+                <a:latin typeface="微软雅黑" panose="020B0503020204020204" pitchFamily="34" charset="-122"/>
+                <a:ea typeface="微软雅黑" panose="020B0503020204020204" pitchFamily="34" charset="-122"/>
+                <a:cs typeface="+mn-cs"/>
+                <a:sym typeface="Calibri" panose="020F0502020204030204" pitchFamily="34" charset="0"/>
+              </a:defRPr>
+            </a:lvl5pPr>
+            <a:lvl6pPr marL="3352800" lvl="5" indent="-304800" algn="l" defTabSz="913765" eaLnBrk="1" fontAlgn="base" latinLnBrk="0" hangingPunct="1">
+              <a:lnSpc>
+                <a:spcPct val="90000"/>
+              </a:lnSpc>
+              <a:spcBef>
+                <a:spcPts val="500"/>
+              </a:spcBef>
+              <a:spcAft>
+                <a:spcPct val="0"/>
+              </a:spcAft>
+              <a:buFont typeface="Arial" panose="020B0604020202020204" pitchFamily="34" charset="0"/>
+              <a:buChar char="•"/>
+              <a:defRPr sz="1735" kern="1200">
+                <a:solidFill>
+                  <a:schemeClr val="tx1"/>
+                </a:solidFill>
+                <a:latin typeface="+mn-lt"/>
+                <a:ea typeface="+mn-ea"/>
+                <a:cs typeface="+mn-cs"/>
+                <a:sym typeface="Calibri" panose="020F0502020204030204" pitchFamily="34" charset="0"/>
+              </a:defRPr>
+            </a:lvl6pPr>
+            <a:lvl7pPr marL="3962400" lvl="6" indent="-304800" algn="l" defTabSz="913765" eaLnBrk="1" fontAlgn="base" latinLnBrk="0" hangingPunct="1">
+              <a:lnSpc>
+                <a:spcPct val="90000"/>
+              </a:lnSpc>
+              <a:spcBef>
+                <a:spcPts val="500"/>
+              </a:spcBef>
+              <a:spcAft>
+                <a:spcPct val="0"/>
+              </a:spcAft>
+              <a:buFont typeface="Arial" panose="020B0604020202020204" pitchFamily="34" charset="0"/>
+              <a:buChar char="•"/>
+              <a:defRPr sz="1735" kern="1200">
+                <a:solidFill>
+                  <a:schemeClr val="tx1"/>
+                </a:solidFill>
+                <a:latin typeface="+mn-lt"/>
+                <a:ea typeface="+mn-ea"/>
+                <a:cs typeface="+mn-cs"/>
+                <a:sym typeface="Calibri" panose="020F0502020204030204" pitchFamily="34" charset="0"/>
+              </a:defRPr>
+            </a:lvl7pPr>
+            <a:lvl8pPr marL="4572000" lvl="7" indent="-304800" algn="l" defTabSz="913765" eaLnBrk="1" fontAlgn="base" latinLnBrk="0" hangingPunct="1">
+              <a:lnSpc>
+                <a:spcPct val="90000"/>
+              </a:lnSpc>
+              <a:spcBef>
+                <a:spcPts val="500"/>
+              </a:spcBef>
+              <a:spcAft>
+                <a:spcPct val="0"/>
+              </a:spcAft>
+              <a:buFont typeface="Arial" panose="020B0604020202020204" pitchFamily="34" charset="0"/>
+              <a:buChar char="•"/>
+              <a:defRPr sz="1735" kern="1200">
+                <a:solidFill>
+                  <a:schemeClr val="tx1"/>
+                </a:solidFill>
+                <a:latin typeface="+mn-lt"/>
+                <a:ea typeface="+mn-ea"/>
+                <a:cs typeface="+mn-cs"/>
+                <a:sym typeface="Calibri" panose="020F0502020204030204" pitchFamily="34" charset="0"/>
+              </a:defRPr>
+            </a:lvl8pPr>
+            <a:lvl9pPr marL="5181600" lvl="8" indent="-304800" algn="l" defTabSz="913765" eaLnBrk="1" fontAlgn="base" latinLnBrk="0" hangingPunct="1">
+              <a:lnSpc>
+                <a:spcPct val="90000"/>
+              </a:lnSpc>
+              <a:spcBef>
+                <a:spcPts val="500"/>
+              </a:spcBef>
+              <a:spcAft>
+                <a:spcPct val="0"/>
+              </a:spcAft>
+              <a:buFont typeface="Arial" panose="020B0604020202020204" pitchFamily="34" charset="0"/>
+              <a:buChar char="•"/>
+              <a:defRPr sz="1735" kern="1200">
+                <a:solidFill>
+                  <a:schemeClr val="tx1"/>
+                </a:solidFill>
+                <a:latin typeface="+mn-lt"/>
+                <a:ea typeface="+mn-ea"/>
+                <a:cs typeface="+mn-cs"/>
+                <a:sym typeface="Calibri" panose="020F0502020204030204" pitchFamily="34" charset="0"/>
+              </a:defRPr>
+            </a:lvl9pPr>
+          </a:lstStyle>
+          <a:p>
+            <a:r>
+              <a:rPr lang="zh-CN" altLang="en-US" dirty="0"/>
+              <a:t>分布式</a:t>
+            </a:r>
+            <a:r>
+              <a:rPr lang="en-US" altLang="zh-CN" dirty="0"/>
+              <a:t>DQL</a:t>
+            </a:r>
+            <a:endParaRPr lang="zh-CN" altLang="en-US" dirty="0"/>
+          </a:p>
+        </p:txBody>
+      </p:sp>
     </p:spTree>
     <p:extLst>
       <p:ext uri="{BB962C8B-B14F-4D97-AF65-F5344CB8AC3E}">
@@ -25713,7 +26434,7 @@
         </p:blipFill>
         <p:spPr>
           <a:xfrm>
-            <a:off x="1762125" y="1136946"/>
+            <a:off x="1762125" y="1399560"/>
             <a:ext cx="8667750" cy="5229225"/>
           </a:xfrm>
           <a:prstGeom prst="rect">
@@ -25721,6 +26442,281 @@
           </a:prstGeom>
         </p:spPr>
       </p:pic>
+      <p:sp>
+        <p:nvSpPr>
+          <p:cNvPr id="7" name="内容占位符 2">
+            <a:extLst>
+              <a:ext uri="{FF2B5EF4-FFF2-40B4-BE49-F238E27FC236}">
+                <a16:creationId xmlns:a16="http://schemas.microsoft.com/office/drawing/2014/main" id="{3331A919-8E6B-441F-BDC0-6B2050AA899C}"/>
+              </a:ext>
+            </a:extLst>
+          </p:cNvPr>
+          <p:cNvSpPr txBox="1">
+            <a:spLocks/>
+          </p:cNvSpPr>
+          <p:nvPr/>
+        </p:nvSpPr>
+        <p:spPr bwMode="auto">
+          <a:xfrm>
+            <a:off x="838201" y="855517"/>
+            <a:ext cx="7381239" cy="589280"/>
+          </a:xfrm>
+          <a:prstGeom prst="rect">
+            <a:avLst/>
+          </a:prstGeom>
+          <a:noFill/>
+          <a:ln>
+            <a:noFill/>
+          </a:ln>
+          <a:extLst>
+            <a:ext uri="{909E8E84-426E-40DD-AFC4-6F175D3DCCD1}">
+              <a14:hiddenFill xmlns:a14="http://schemas.microsoft.com/office/drawing/2010/main">
+                <a:solidFill>
+                  <a:srgbClr val="FFFFFF"/>
+                </a:solidFill>
+              </a14:hiddenFill>
+            </a:ext>
+            <a:ext uri="{91240B29-F687-4F45-9708-019B960494DF}">
+              <a14:hiddenLine xmlns:a14="http://schemas.microsoft.com/office/drawing/2010/main" w="9525">
+                <a:solidFill>
+                  <a:srgbClr val="000000"/>
+                </a:solidFill>
+                <a:miter lim="800000"/>
+                <a:headEnd/>
+                <a:tailEnd/>
+              </a14:hiddenLine>
+            </a:ext>
+          </a:extLst>
+        </p:spPr>
+        <p:txBody>
+          <a:bodyPr vert="horz" wrap="square" lIns="91440" tIns="45720" rIns="91440" bIns="45720" numCol="1" anchor="t" anchorCtr="0" compatLnSpc="1"/>
+          <a:lstStyle>
+            <a:lvl1pPr marL="480695" indent="-480695" algn="l" defTabSz="912495" rtl="0" eaLnBrk="1" fontAlgn="base" hangingPunct="1">
+              <a:lnSpc>
+                <a:spcPct val="150000"/>
+              </a:lnSpc>
+              <a:spcBef>
+                <a:spcPts val="0"/>
+              </a:spcBef>
+              <a:spcAft>
+                <a:spcPct val="0"/>
+              </a:spcAft>
+              <a:buClr>
+                <a:schemeClr val="accent1"/>
+              </a:buClr>
+              <a:buFont typeface="Wingdings" panose="05000000000000000000" pitchFamily="2" charset="2"/>
+              <a:buChar char="l"/>
+              <a:defRPr sz="2400" kern="1200">
+                <a:solidFill>
+                  <a:schemeClr val="tx1"/>
+                </a:solidFill>
+                <a:latin typeface="微软雅黑" panose="020B0503020204020204" pitchFamily="34" charset="-122"/>
+                <a:ea typeface="微软雅黑" panose="020B0503020204020204" pitchFamily="34" charset="-122"/>
+                <a:cs typeface="+mn-cs"/>
+                <a:sym typeface="Calibri" panose="020F0502020204030204" pitchFamily="34" charset="0"/>
+              </a:defRPr>
+            </a:lvl1pPr>
+            <a:lvl2pPr marL="836295" lvl="1" indent="-355600" algn="l" defTabSz="912495" rtl="0" eaLnBrk="1" fontAlgn="base" hangingPunct="1">
+              <a:lnSpc>
+                <a:spcPct val="150000"/>
+              </a:lnSpc>
+              <a:spcBef>
+                <a:spcPts val="500"/>
+              </a:spcBef>
+              <a:spcAft>
+                <a:spcPct val="0"/>
+              </a:spcAft>
+              <a:buClr>
+                <a:schemeClr val="accent1"/>
+              </a:buClr>
+              <a:buFont typeface="Wingdings" panose="05000000000000000000" pitchFamily="2" charset="2"/>
+              <a:buChar char="n"/>
+              <a:defRPr sz="2000" kern="1200">
+                <a:solidFill>
+                  <a:schemeClr val="tx1"/>
+                </a:solidFill>
+                <a:latin typeface="微软雅黑" panose="020B0503020204020204" pitchFamily="34" charset="-122"/>
+                <a:ea typeface="微软雅黑" panose="020B0503020204020204" pitchFamily="34" charset="-122"/>
+                <a:cs typeface="+mn-cs"/>
+                <a:sym typeface="Calibri" panose="020F0502020204030204" pitchFamily="34" charset="0"/>
+              </a:defRPr>
+            </a:lvl2pPr>
+            <a:lvl3pPr marL="1143000" lvl="2" indent="-228600" algn="l" defTabSz="912495" rtl="0" eaLnBrk="1" fontAlgn="base" hangingPunct="1">
+              <a:lnSpc>
+                <a:spcPct val="150000"/>
+              </a:lnSpc>
+              <a:spcBef>
+                <a:spcPts val="500"/>
+              </a:spcBef>
+              <a:spcAft>
+                <a:spcPct val="0"/>
+              </a:spcAft>
+              <a:buClr>
+                <a:schemeClr val="accent1"/>
+              </a:buClr>
+              <a:buFont typeface="Wingdings" panose="05000000000000000000" pitchFamily="2" charset="2"/>
+              <a:buChar char="ü"/>
+              <a:defRPr sz="1800" kern="1200">
+                <a:solidFill>
+                  <a:schemeClr val="tx1"/>
+                </a:solidFill>
+                <a:latin typeface="微软雅黑" panose="020B0503020204020204" pitchFamily="34" charset="-122"/>
+                <a:ea typeface="微软雅黑" panose="020B0503020204020204" pitchFamily="34" charset="-122"/>
+                <a:cs typeface="+mn-cs"/>
+                <a:sym typeface="Calibri" panose="020F0502020204030204" pitchFamily="34" charset="0"/>
+              </a:defRPr>
+            </a:lvl3pPr>
+            <a:lvl4pPr marL="1598930" lvl="3" indent="-227330" algn="l" defTabSz="912495" rtl="0" eaLnBrk="1" fontAlgn="base" hangingPunct="1">
+              <a:lnSpc>
+                <a:spcPct val="150000"/>
+              </a:lnSpc>
+              <a:spcBef>
+                <a:spcPts val="500"/>
+              </a:spcBef>
+              <a:spcAft>
+                <a:spcPct val="0"/>
+              </a:spcAft>
+              <a:buClr>
+                <a:schemeClr val="accent1"/>
+              </a:buClr>
+              <a:buFont typeface="Arial" panose="020B0604020202020204" pitchFamily="34" charset="0"/>
+              <a:buChar char="•"/>
+              <a:defRPr sz="1600" kern="1200">
+                <a:solidFill>
+                  <a:schemeClr val="tx1"/>
+                </a:solidFill>
+                <a:latin typeface="微软雅黑" panose="020B0503020204020204" pitchFamily="34" charset="-122"/>
+                <a:ea typeface="微软雅黑" panose="020B0503020204020204" pitchFamily="34" charset="-122"/>
+                <a:cs typeface="+mn-cs"/>
+                <a:sym typeface="Calibri" panose="020F0502020204030204" pitchFamily="34" charset="0"/>
+              </a:defRPr>
+            </a:lvl4pPr>
+            <a:lvl5pPr marL="2056130" lvl="4" indent="-227330" algn="l" defTabSz="912495" rtl="0" eaLnBrk="1" fontAlgn="base" hangingPunct="1">
+              <a:lnSpc>
+                <a:spcPct val="150000"/>
+              </a:lnSpc>
+              <a:spcBef>
+                <a:spcPts val="500"/>
+              </a:spcBef>
+              <a:spcAft>
+                <a:spcPct val="0"/>
+              </a:spcAft>
+              <a:buClr>
+                <a:schemeClr val="accent1"/>
+              </a:buClr>
+              <a:buFont typeface="Arial" panose="020B0604020202020204" pitchFamily="34" charset="0"/>
+              <a:buChar char="•"/>
+              <a:defRPr sz="1400" kern="1200">
+                <a:solidFill>
+                  <a:schemeClr val="tx1"/>
+                </a:solidFill>
+                <a:latin typeface="微软雅黑" panose="020B0503020204020204" pitchFamily="34" charset="-122"/>
+                <a:ea typeface="微软雅黑" panose="020B0503020204020204" pitchFamily="34" charset="-122"/>
+                <a:cs typeface="+mn-cs"/>
+                <a:sym typeface="Calibri" panose="020F0502020204030204" pitchFamily="34" charset="0"/>
+              </a:defRPr>
+            </a:lvl5pPr>
+            <a:lvl6pPr marL="3352800" lvl="5" indent="-304800" algn="l" defTabSz="913765" eaLnBrk="1" fontAlgn="base" latinLnBrk="0" hangingPunct="1">
+              <a:lnSpc>
+                <a:spcPct val="90000"/>
+              </a:lnSpc>
+              <a:spcBef>
+                <a:spcPts val="500"/>
+              </a:spcBef>
+              <a:spcAft>
+                <a:spcPct val="0"/>
+              </a:spcAft>
+              <a:buFont typeface="Arial" panose="020B0604020202020204" pitchFamily="34" charset="0"/>
+              <a:buChar char="•"/>
+              <a:defRPr sz="1735" kern="1200">
+                <a:solidFill>
+                  <a:schemeClr val="tx1"/>
+                </a:solidFill>
+                <a:latin typeface="+mn-lt"/>
+                <a:ea typeface="+mn-ea"/>
+                <a:cs typeface="+mn-cs"/>
+                <a:sym typeface="Calibri" panose="020F0502020204030204" pitchFamily="34" charset="0"/>
+              </a:defRPr>
+            </a:lvl6pPr>
+            <a:lvl7pPr marL="3962400" lvl="6" indent="-304800" algn="l" defTabSz="913765" eaLnBrk="1" fontAlgn="base" latinLnBrk="0" hangingPunct="1">
+              <a:lnSpc>
+                <a:spcPct val="90000"/>
+              </a:lnSpc>
+              <a:spcBef>
+                <a:spcPts val="500"/>
+              </a:spcBef>
+              <a:spcAft>
+                <a:spcPct val="0"/>
+              </a:spcAft>
+              <a:buFont typeface="Arial" panose="020B0604020202020204" pitchFamily="34" charset="0"/>
+              <a:buChar char="•"/>
+              <a:defRPr sz="1735" kern="1200">
+                <a:solidFill>
+                  <a:schemeClr val="tx1"/>
+                </a:solidFill>
+                <a:latin typeface="+mn-lt"/>
+                <a:ea typeface="+mn-ea"/>
+                <a:cs typeface="+mn-cs"/>
+                <a:sym typeface="Calibri" panose="020F0502020204030204" pitchFamily="34" charset="0"/>
+              </a:defRPr>
+            </a:lvl7pPr>
+            <a:lvl8pPr marL="4572000" lvl="7" indent="-304800" algn="l" defTabSz="913765" eaLnBrk="1" fontAlgn="base" latinLnBrk="0" hangingPunct="1">
+              <a:lnSpc>
+                <a:spcPct val="90000"/>
+              </a:lnSpc>
+              <a:spcBef>
+                <a:spcPts val="500"/>
+              </a:spcBef>
+              <a:spcAft>
+                <a:spcPct val="0"/>
+              </a:spcAft>
+              <a:buFont typeface="Arial" panose="020B0604020202020204" pitchFamily="34" charset="0"/>
+              <a:buChar char="•"/>
+              <a:defRPr sz="1735" kern="1200">
+                <a:solidFill>
+                  <a:schemeClr val="tx1"/>
+                </a:solidFill>
+                <a:latin typeface="+mn-lt"/>
+                <a:ea typeface="+mn-ea"/>
+                <a:cs typeface="+mn-cs"/>
+                <a:sym typeface="Calibri" panose="020F0502020204030204" pitchFamily="34" charset="0"/>
+              </a:defRPr>
+            </a:lvl8pPr>
+            <a:lvl9pPr marL="5181600" lvl="8" indent="-304800" algn="l" defTabSz="913765" eaLnBrk="1" fontAlgn="base" latinLnBrk="0" hangingPunct="1">
+              <a:lnSpc>
+                <a:spcPct val="90000"/>
+              </a:lnSpc>
+              <a:spcBef>
+                <a:spcPts val="500"/>
+              </a:spcBef>
+              <a:spcAft>
+                <a:spcPct val="0"/>
+              </a:spcAft>
+              <a:buFont typeface="Arial" panose="020B0604020202020204" pitchFamily="34" charset="0"/>
+              <a:buChar char="•"/>
+              <a:defRPr sz="1735" kern="1200">
+                <a:solidFill>
+                  <a:schemeClr val="tx1"/>
+                </a:solidFill>
+                <a:latin typeface="+mn-lt"/>
+                <a:ea typeface="+mn-ea"/>
+                <a:cs typeface="+mn-cs"/>
+                <a:sym typeface="Calibri" panose="020F0502020204030204" pitchFamily="34" charset="0"/>
+              </a:defRPr>
+            </a:lvl9pPr>
+          </a:lstStyle>
+          <a:p>
+            <a:r>
+              <a:rPr lang="en-US" altLang="zh-CN" dirty="0"/>
+              <a:t>DB</a:t>
+            </a:r>
+            <a:r>
+              <a:rPr lang="zh-CN" altLang="en-US" dirty="0"/>
+              <a:t>故障</a:t>
+            </a:r>
+          </a:p>
+        </p:txBody>
+      </p:sp>
     </p:spTree>
     <p:extLst>
       <p:ext uri="{BB962C8B-B14F-4D97-AF65-F5344CB8AC3E}">
@@ -25899,7 +26895,7 @@
         </p:blipFill>
         <p:spPr>
           <a:xfrm>
-            <a:off x="1795637" y="1085628"/>
+            <a:off x="1762125" y="1358898"/>
             <a:ext cx="8667750" cy="5229225"/>
           </a:xfrm>
           <a:prstGeom prst="rect">
@@ -25907,6 +26903,281 @@
           </a:prstGeom>
         </p:spPr>
       </p:pic>
+      <p:sp>
+        <p:nvSpPr>
+          <p:cNvPr id="6" name="内容占位符 2">
+            <a:extLst>
+              <a:ext uri="{FF2B5EF4-FFF2-40B4-BE49-F238E27FC236}">
+                <a16:creationId xmlns:a16="http://schemas.microsoft.com/office/drawing/2014/main" id="{514A8F8B-CF21-4B8E-8621-38253684EC6C}"/>
+              </a:ext>
+            </a:extLst>
+          </p:cNvPr>
+          <p:cNvSpPr txBox="1">
+            <a:spLocks/>
+          </p:cNvSpPr>
+          <p:nvPr/>
+        </p:nvSpPr>
+        <p:spPr bwMode="auto">
+          <a:xfrm>
+            <a:off x="838201" y="959416"/>
+            <a:ext cx="7381239" cy="589280"/>
+          </a:xfrm>
+          <a:prstGeom prst="rect">
+            <a:avLst/>
+          </a:prstGeom>
+          <a:noFill/>
+          <a:ln>
+            <a:noFill/>
+          </a:ln>
+          <a:extLst>
+            <a:ext uri="{909E8E84-426E-40DD-AFC4-6F175D3DCCD1}">
+              <a14:hiddenFill xmlns:a14="http://schemas.microsoft.com/office/drawing/2010/main">
+                <a:solidFill>
+                  <a:srgbClr val="FFFFFF"/>
+                </a:solidFill>
+              </a14:hiddenFill>
+            </a:ext>
+            <a:ext uri="{91240B29-F687-4F45-9708-019B960494DF}">
+              <a14:hiddenLine xmlns:a14="http://schemas.microsoft.com/office/drawing/2010/main" w="9525">
+                <a:solidFill>
+                  <a:srgbClr val="000000"/>
+                </a:solidFill>
+                <a:miter lim="800000"/>
+                <a:headEnd/>
+                <a:tailEnd/>
+              </a14:hiddenLine>
+            </a:ext>
+          </a:extLst>
+        </p:spPr>
+        <p:txBody>
+          <a:bodyPr vert="horz" wrap="square" lIns="91440" tIns="45720" rIns="91440" bIns="45720" numCol="1" anchor="t" anchorCtr="0" compatLnSpc="1"/>
+          <a:lstStyle>
+            <a:lvl1pPr marL="480695" indent="-480695" algn="l" defTabSz="912495" rtl="0" eaLnBrk="1" fontAlgn="base" hangingPunct="1">
+              <a:lnSpc>
+                <a:spcPct val="150000"/>
+              </a:lnSpc>
+              <a:spcBef>
+                <a:spcPts val="0"/>
+              </a:spcBef>
+              <a:spcAft>
+                <a:spcPct val="0"/>
+              </a:spcAft>
+              <a:buClr>
+                <a:schemeClr val="accent1"/>
+              </a:buClr>
+              <a:buFont typeface="Wingdings" panose="05000000000000000000" pitchFamily="2" charset="2"/>
+              <a:buChar char="l"/>
+              <a:defRPr sz="2400" kern="1200">
+                <a:solidFill>
+                  <a:schemeClr val="tx1"/>
+                </a:solidFill>
+                <a:latin typeface="微软雅黑" panose="020B0503020204020204" pitchFamily="34" charset="-122"/>
+                <a:ea typeface="微软雅黑" panose="020B0503020204020204" pitchFamily="34" charset="-122"/>
+                <a:cs typeface="+mn-cs"/>
+                <a:sym typeface="Calibri" panose="020F0502020204030204" pitchFamily="34" charset="0"/>
+              </a:defRPr>
+            </a:lvl1pPr>
+            <a:lvl2pPr marL="836295" lvl="1" indent="-355600" algn="l" defTabSz="912495" rtl="0" eaLnBrk="1" fontAlgn="base" hangingPunct="1">
+              <a:lnSpc>
+                <a:spcPct val="150000"/>
+              </a:lnSpc>
+              <a:spcBef>
+                <a:spcPts val="500"/>
+              </a:spcBef>
+              <a:spcAft>
+                <a:spcPct val="0"/>
+              </a:spcAft>
+              <a:buClr>
+                <a:schemeClr val="accent1"/>
+              </a:buClr>
+              <a:buFont typeface="Wingdings" panose="05000000000000000000" pitchFamily="2" charset="2"/>
+              <a:buChar char="n"/>
+              <a:defRPr sz="2000" kern="1200">
+                <a:solidFill>
+                  <a:schemeClr val="tx1"/>
+                </a:solidFill>
+                <a:latin typeface="微软雅黑" panose="020B0503020204020204" pitchFamily="34" charset="-122"/>
+                <a:ea typeface="微软雅黑" panose="020B0503020204020204" pitchFamily="34" charset="-122"/>
+                <a:cs typeface="+mn-cs"/>
+                <a:sym typeface="Calibri" panose="020F0502020204030204" pitchFamily="34" charset="0"/>
+              </a:defRPr>
+            </a:lvl2pPr>
+            <a:lvl3pPr marL="1143000" lvl="2" indent="-228600" algn="l" defTabSz="912495" rtl="0" eaLnBrk="1" fontAlgn="base" hangingPunct="1">
+              <a:lnSpc>
+                <a:spcPct val="150000"/>
+              </a:lnSpc>
+              <a:spcBef>
+                <a:spcPts val="500"/>
+              </a:spcBef>
+              <a:spcAft>
+                <a:spcPct val="0"/>
+              </a:spcAft>
+              <a:buClr>
+                <a:schemeClr val="accent1"/>
+              </a:buClr>
+              <a:buFont typeface="Wingdings" panose="05000000000000000000" pitchFamily="2" charset="2"/>
+              <a:buChar char="ü"/>
+              <a:defRPr sz="1800" kern="1200">
+                <a:solidFill>
+                  <a:schemeClr val="tx1"/>
+                </a:solidFill>
+                <a:latin typeface="微软雅黑" panose="020B0503020204020204" pitchFamily="34" charset="-122"/>
+                <a:ea typeface="微软雅黑" panose="020B0503020204020204" pitchFamily="34" charset="-122"/>
+                <a:cs typeface="+mn-cs"/>
+                <a:sym typeface="Calibri" panose="020F0502020204030204" pitchFamily="34" charset="0"/>
+              </a:defRPr>
+            </a:lvl3pPr>
+            <a:lvl4pPr marL="1598930" lvl="3" indent="-227330" algn="l" defTabSz="912495" rtl="0" eaLnBrk="1" fontAlgn="base" hangingPunct="1">
+              <a:lnSpc>
+                <a:spcPct val="150000"/>
+              </a:lnSpc>
+              <a:spcBef>
+                <a:spcPts val="500"/>
+              </a:spcBef>
+              <a:spcAft>
+                <a:spcPct val="0"/>
+              </a:spcAft>
+              <a:buClr>
+                <a:schemeClr val="accent1"/>
+              </a:buClr>
+              <a:buFont typeface="Arial" panose="020B0604020202020204" pitchFamily="34" charset="0"/>
+              <a:buChar char="•"/>
+              <a:defRPr sz="1600" kern="1200">
+                <a:solidFill>
+                  <a:schemeClr val="tx1"/>
+                </a:solidFill>
+                <a:latin typeface="微软雅黑" panose="020B0503020204020204" pitchFamily="34" charset="-122"/>
+                <a:ea typeface="微软雅黑" panose="020B0503020204020204" pitchFamily="34" charset="-122"/>
+                <a:cs typeface="+mn-cs"/>
+                <a:sym typeface="Calibri" panose="020F0502020204030204" pitchFamily="34" charset="0"/>
+              </a:defRPr>
+            </a:lvl4pPr>
+            <a:lvl5pPr marL="2056130" lvl="4" indent="-227330" algn="l" defTabSz="912495" rtl="0" eaLnBrk="1" fontAlgn="base" hangingPunct="1">
+              <a:lnSpc>
+                <a:spcPct val="150000"/>
+              </a:lnSpc>
+              <a:spcBef>
+                <a:spcPts val="500"/>
+              </a:spcBef>
+              <a:spcAft>
+                <a:spcPct val="0"/>
+              </a:spcAft>
+              <a:buClr>
+                <a:schemeClr val="accent1"/>
+              </a:buClr>
+              <a:buFont typeface="Arial" panose="020B0604020202020204" pitchFamily="34" charset="0"/>
+              <a:buChar char="•"/>
+              <a:defRPr sz="1400" kern="1200">
+                <a:solidFill>
+                  <a:schemeClr val="tx1"/>
+                </a:solidFill>
+                <a:latin typeface="微软雅黑" panose="020B0503020204020204" pitchFamily="34" charset="-122"/>
+                <a:ea typeface="微软雅黑" panose="020B0503020204020204" pitchFamily="34" charset="-122"/>
+                <a:cs typeface="+mn-cs"/>
+                <a:sym typeface="Calibri" panose="020F0502020204030204" pitchFamily="34" charset="0"/>
+              </a:defRPr>
+            </a:lvl5pPr>
+            <a:lvl6pPr marL="3352800" lvl="5" indent="-304800" algn="l" defTabSz="913765" eaLnBrk="1" fontAlgn="base" latinLnBrk="0" hangingPunct="1">
+              <a:lnSpc>
+                <a:spcPct val="90000"/>
+              </a:lnSpc>
+              <a:spcBef>
+                <a:spcPts val="500"/>
+              </a:spcBef>
+              <a:spcAft>
+                <a:spcPct val="0"/>
+              </a:spcAft>
+              <a:buFont typeface="Arial" panose="020B0604020202020204" pitchFamily="34" charset="0"/>
+              <a:buChar char="•"/>
+              <a:defRPr sz="1735" kern="1200">
+                <a:solidFill>
+                  <a:schemeClr val="tx1"/>
+                </a:solidFill>
+                <a:latin typeface="+mn-lt"/>
+                <a:ea typeface="+mn-ea"/>
+                <a:cs typeface="+mn-cs"/>
+                <a:sym typeface="Calibri" panose="020F0502020204030204" pitchFamily="34" charset="0"/>
+              </a:defRPr>
+            </a:lvl6pPr>
+            <a:lvl7pPr marL="3962400" lvl="6" indent="-304800" algn="l" defTabSz="913765" eaLnBrk="1" fontAlgn="base" latinLnBrk="0" hangingPunct="1">
+              <a:lnSpc>
+                <a:spcPct val="90000"/>
+              </a:lnSpc>
+              <a:spcBef>
+                <a:spcPts val="500"/>
+              </a:spcBef>
+              <a:spcAft>
+                <a:spcPct val="0"/>
+              </a:spcAft>
+              <a:buFont typeface="Arial" panose="020B0604020202020204" pitchFamily="34" charset="0"/>
+              <a:buChar char="•"/>
+              <a:defRPr sz="1735" kern="1200">
+                <a:solidFill>
+                  <a:schemeClr val="tx1"/>
+                </a:solidFill>
+                <a:latin typeface="+mn-lt"/>
+                <a:ea typeface="+mn-ea"/>
+                <a:cs typeface="+mn-cs"/>
+                <a:sym typeface="Calibri" panose="020F0502020204030204" pitchFamily="34" charset="0"/>
+              </a:defRPr>
+            </a:lvl7pPr>
+            <a:lvl8pPr marL="4572000" lvl="7" indent="-304800" algn="l" defTabSz="913765" eaLnBrk="1" fontAlgn="base" latinLnBrk="0" hangingPunct="1">
+              <a:lnSpc>
+                <a:spcPct val="90000"/>
+              </a:lnSpc>
+              <a:spcBef>
+                <a:spcPts val="500"/>
+              </a:spcBef>
+              <a:spcAft>
+                <a:spcPct val="0"/>
+              </a:spcAft>
+              <a:buFont typeface="Arial" panose="020B0604020202020204" pitchFamily="34" charset="0"/>
+              <a:buChar char="•"/>
+              <a:defRPr sz="1735" kern="1200">
+                <a:solidFill>
+                  <a:schemeClr val="tx1"/>
+                </a:solidFill>
+                <a:latin typeface="+mn-lt"/>
+                <a:ea typeface="+mn-ea"/>
+                <a:cs typeface="+mn-cs"/>
+                <a:sym typeface="Calibri" panose="020F0502020204030204" pitchFamily="34" charset="0"/>
+              </a:defRPr>
+            </a:lvl8pPr>
+            <a:lvl9pPr marL="5181600" lvl="8" indent="-304800" algn="l" defTabSz="913765" eaLnBrk="1" fontAlgn="base" latinLnBrk="0" hangingPunct="1">
+              <a:lnSpc>
+                <a:spcPct val="90000"/>
+              </a:lnSpc>
+              <a:spcBef>
+                <a:spcPts val="500"/>
+              </a:spcBef>
+              <a:spcAft>
+                <a:spcPct val="0"/>
+              </a:spcAft>
+              <a:buFont typeface="Arial" panose="020B0604020202020204" pitchFamily="34" charset="0"/>
+              <a:buChar char="•"/>
+              <a:defRPr sz="1735" kern="1200">
+                <a:solidFill>
+                  <a:schemeClr val="tx1"/>
+                </a:solidFill>
+                <a:latin typeface="+mn-lt"/>
+                <a:ea typeface="+mn-ea"/>
+                <a:cs typeface="+mn-cs"/>
+                <a:sym typeface="Calibri" panose="020F0502020204030204" pitchFamily="34" charset="0"/>
+              </a:defRPr>
+            </a:lvl9pPr>
+          </a:lstStyle>
+          <a:p>
+            <a:r>
+              <a:rPr lang="en-US" altLang="zh-CN" dirty="0"/>
+              <a:t>Proxy</a:t>
+            </a:r>
+            <a:r>
+              <a:rPr lang="zh-CN" altLang="en-US" dirty="0"/>
+              <a:t>故障</a:t>
+            </a:r>
+          </a:p>
+        </p:txBody>
+      </p:sp>
     </p:spTree>
     <p:extLst>
       <p:ext uri="{BB962C8B-B14F-4D97-AF65-F5344CB8AC3E}">
@@ -29451,6 +30722,538 @@
       </p:grpSpPr>
       <p:sp>
         <p:nvSpPr>
+          <p:cNvPr id="2" name="标题 1"/>
+          <p:cNvSpPr>
+            <a:spLocks noGrp="1"/>
+          </p:cNvSpPr>
+          <p:nvPr>
+            <p:ph type="title"/>
+          </p:nvPr>
+        </p:nvSpPr>
+        <p:spPr/>
+        <p:txBody>
+          <a:bodyPr/>
+          <a:lstStyle/>
+          <a:p>
+            <a:r>
+              <a:rPr lang="en-US" altLang="zh-CN" dirty="0">
+                <a:sym typeface="+mn-ea"/>
+              </a:rPr>
+              <a:t>4.4 </a:t>
+            </a:r>
+            <a:r>
+              <a:rPr lang="zh-CN" altLang="en-US" dirty="0">
+                <a:sym typeface="+mn-ea"/>
+              </a:rPr>
+              <a:t>隔离性方案（续）</a:t>
+            </a:r>
+          </a:p>
+        </p:txBody>
+      </p:sp>
+      <p:sp>
+        <p:nvSpPr>
+          <p:cNvPr id="22" name="文本框 21"/>
+          <p:cNvSpPr txBox="1"/>
+          <p:nvPr/>
+        </p:nvSpPr>
+        <p:spPr>
+          <a:xfrm>
+            <a:off x="2057400" y="1208405"/>
+            <a:ext cx="7696200" cy="1240790"/>
+          </a:xfrm>
+          <a:prstGeom prst="rect">
+            <a:avLst/>
+          </a:prstGeom>
+          <a:noFill/>
+          <a:ln w="12700">
+            <a:noFill/>
+            <a:prstDash val="sysDot"/>
+          </a:ln>
+        </p:spPr>
+        <p:txBody>
+          <a:bodyPr wrap="square" lIns="180000" rtlCol="0">
+            <a:noAutofit/>
+          </a:bodyPr>
+          <a:lstStyle/>
+          <a:p>
+            <a:pPr marL="228600" indent="-228600" defTabSz="914400">
+              <a:spcBef>
+                <a:spcPts val="1000"/>
+              </a:spcBef>
+              <a:buFont typeface="Arial" panose="020B0604020202020204" pitchFamily="34" charset="0"/>
+              <a:buChar char="•"/>
+            </a:pPr>
+            <a:endParaRPr lang="zh-CN" altLang="en-US" sz="1400" dirty="0">
+              <a:latin typeface="微软雅黑" panose="020B0503020204020204" pitchFamily="34" charset="-122"/>
+              <a:ea typeface="微软雅黑" panose="020B0503020204020204" pitchFamily="34" charset="-122"/>
+            </a:endParaRPr>
+          </a:p>
+        </p:txBody>
+      </p:sp>
+      <p:sp>
+        <p:nvSpPr>
+          <p:cNvPr id="5" name="页脚占位符 1"/>
+          <p:cNvSpPr>
+            <a:spLocks noGrp="1"/>
+          </p:cNvSpPr>
+          <p:nvPr>
+            <p:ph type="ftr" sz="quarter" idx="11"/>
+          </p:nvPr>
+        </p:nvSpPr>
+        <p:spPr>
+          <a:xfrm>
+            <a:off x="3719736" y="6482667"/>
+            <a:ext cx="4752528" cy="366713"/>
+          </a:xfrm>
+        </p:spPr>
+        <p:txBody>
+          <a:bodyPr/>
+          <a:lstStyle/>
+          <a:p>
+            <a:pPr>
+              <a:defRPr/>
+            </a:pPr>
+            <a:r>
+              <a:rPr lang="en-US" altLang="zh-CN" dirty="0" err="1"/>
+              <a:t>版权归</a:t>
+            </a:r>
+            <a:r>
+              <a:rPr lang="en-US" altLang="zh-CN" dirty="0"/>
+              <a:t>© 2022 Tencent, </a:t>
+            </a:r>
+            <a:r>
+              <a:rPr lang="en-US" altLang="zh-CN" dirty="0" err="1"/>
+              <a:t>Inc.或其附属公司所有</a:t>
+            </a:r>
+            <a:r>
+              <a:rPr lang="en-US" altLang="zh-CN" dirty="0"/>
+              <a:t> </a:t>
+            </a:r>
+            <a:r>
+              <a:rPr lang="en-US" altLang="zh-CN" dirty="0" err="1"/>
+              <a:t>保留所有权利</a:t>
+            </a:r>
+            <a:r>
+              <a:rPr lang="en-US" altLang="zh-CN" dirty="0"/>
+              <a:t> </a:t>
+            </a:r>
+          </a:p>
+        </p:txBody>
+      </p:sp>
+      <p:sp>
+        <p:nvSpPr>
+          <p:cNvPr id="7" name="内容占位符 4">
+            <a:extLst>
+              <a:ext uri="{FF2B5EF4-FFF2-40B4-BE49-F238E27FC236}">
+                <a16:creationId xmlns:a16="http://schemas.microsoft.com/office/drawing/2014/main" id="{2152D430-F361-4304-9E54-657A480EA5D6}"/>
+              </a:ext>
+            </a:extLst>
+          </p:cNvPr>
+          <p:cNvSpPr>
+            <a:spLocks noGrp="1"/>
+          </p:cNvSpPr>
+          <p:nvPr>
+            <p:ph idx="1"/>
+          </p:nvPr>
+        </p:nvSpPr>
+        <p:spPr>
+          <a:xfrm>
+            <a:off x="889001" y="1151212"/>
+            <a:ext cx="10720613" cy="4759731"/>
+          </a:xfrm>
+        </p:spPr>
+        <p:txBody>
+          <a:bodyPr/>
+          <a:lstStyle/>
+          <a:p>
+            <a:r>
+              <a:rPr lang="zh-CN" altLang="en-US" dirty="0"/>
+              <a:t>乐观锁与悲观锁控制</a:t>
+            </a:r>
+          </a:p>
+          <a:p>
+            <a:pPr lvl="1"/>
+            <a:r>
+              <a:rPr lang="en-US" altLang="zh-CN" sz="1600" dirty="0"/>
+              <a:t>Proxy</a:t>
+            </a:r>
+            <a:r>
+              <a:rPr lang="zh-CN" altLang="en-US" sz="1600" dirty="0"/>
+              <a:t>计算节点对于一致性写操作的场景，如果采用悲观锁控制逻辑，会将更新语句进行如下改写：</a:t>
+            </a:r>
+            <a:endParaRPr lang="en-US" altLang="zh-CN" sz="1600" dirty="0"/>
+          </a:p>
+          <a:p>
+            <a:pPr marL="480695" lvl="1" indent="0">
+              <a:buNone/>
+            </a:pPr>
+            <a:r>
+              <a:rPr lang="en-US" altLang="zh-CN" sz="1600" dirty="0"/>
+              <a:t>select </a:t>
+            </a:r>
+            <a:r>
+              <a:rPr lang="en-US" altLang="zh-CN" sz="1600" dirty="0" err="1"/>
+              <a:t>pk,gtid</a:t>
+            </a:r>
+            <a:r>
+              <a:rPr lang="en-US" altLang="zh-CN" sz="1600" dirty="0"/>
+              <a:t> from tb for update</a:t>
+            </a:r>
+          </a:p>
+          <a:p>
+            <a:pPr marL="480695" lvl="1" indent="0">
+              <a:buNone/>
+            </a:pPr>
+            <a:r>
+              <a:rPr lang="en-US" altLang="zh-CN" sz="1600" dirty="0"/>
+              <a:t>update tb set …,</a:t>
+            </a:r>
+            <a:r>
+              <a:rPr lang="en-US" altLang="zh-CN" sz="1600" dirty="0" err="1"/>
+              <a:t>gtid</a:t>
+            </a:r>
+            <a:r>
+              <a:rPr lang="en-US" altLang="zh-CN" sz="1600" dirty="0"/>
+              <a:t>=</a:t>
+            </a:r>
+            <a:r>
+              <a:rPr lang="en-US" altLang="zh-CN" sz="1600" dirty="0" err="1"/>
+              <a:t>gtid_no</a:t>
+            </a:r>
+            <a:endParaRPr lang="en-US" altLang="zh-CN" sz="1600" dirty="0"/>
+          </a:p>
+          <a:p>
+            <a:pPr marL="480695" lvl="1" indent="0">
+              <a:buNone/>
+            </a:pPr>
+            <a:r>
+              <a:rPr lang="zh-CN" altLang="en-US" sz="1600" dirty="0"/>
+              <a:t>这种场景需要</a:t>
+            </a:r>
+            <a:r>
+              <a:rPr lang="en-US" altLang="zh-CN" sz="1600" dirty="0"/>
+              <a:t>proxy</a:t>
+            </a:r>
+            <a:r>
+              <a:rPr lang="zh-CN" altLang="en-US" sz="1600" dirty="0"/>
+              <a:t>与</a:t>
+            </a:r>
+            <a:r>
+              <a:rPr lang="en-US" altLang="zh-CN" sz="1600" dirty="0"/>
+              <a:t>DB</a:t>
+            </a:r>
+            <a:r>
+              <a:rPr lang="zh-CN" altLang="en-US" sz="1600" dirty="0"/>
+              <a:t>执行两次交互，第一次下发</a:t>
+            </a:r>
+            <a:r>
+              <a:rPr lang="en-US" altLang="zh-CN" sz="1600" dirty="0"/>
+              <a:t>select for update</a:t>
+            </a:r>
+            <a:r>
+              <a:rPr lang="zh-CN" altLang="en-US" sz="1600" dirty="0"/>
+              <a:t>排它锁，锁记录成功后，执行具体写操作，为了提升效率，</a:t>
+            </a:r>
+            <a:r>
+              <a:rPr lang="en-US" altLang="zh-CN" sz="1600" dirty="0"/>
+              <a:t>proxy</a:t>
+            </a:r>
+            <a:r>
+              <a:rPr lang="zh-CN" altLang="en-US" sz="1600" dirty="0"/>
+              <a:t>支持乐观锁控制逻辑，可以通过配置文件设置。</a:t>
+            </a:r>
+            <a:endParaRPr lang="en-US" altLang="zh-CN" sz="1600" dirty="0"/>
+          </a:p>
+          <a:p>
+            <a:pPr marL="480695" lvl="1" indent="0">
+              <a:buNone/>
+            </a:pPr>
+            <a:endParaRPr lang="en-US" altLang="zh-CN" sz="1600" dirty="0"/>
+          </a:p>
+          <a:p>
+            <a:pPr lvl="1"/>
+            <a:r>
+              <a:rPr lang="zh-CN" altLang="en-US" sz="1600" dirty="0"/>
+              <a:t>针对上述场景，如果采用乐观锁控制逻辑，会做如下改写：</a:t>
+            </a:r>
+            <a:endParaRPr lang="en-US" altLang="zh-CN" sz="1600" dirty="0"/>
+          </a:p>
+          <a:p>
+            <a:pPr marL="480695" lvl="1" indent="0">
+              <a:buNone/>
+            </a:pPr>
+            <a:r>
+              <a:rPr lang="en-US" altLang="zh-CN" sz="1600" dirty="0"/>
+              <a:t>update tb set …,</a:t>
+            </a:r>
+            <a:r>
+              <a:rPr lang="en-US" altLang="zh-CN" sz="1600" dirty="0" err="1"/>
+              <a:t>gtid</a:t>
+            </a:r>
+            <a:r>
+              <a:rPr lang="en-US" altLang="zh-CN" sz="1600" dirty="0"/>
+              <a:t>=</a:t>
+            </a:r>
+            <a:r>
+              <a:rPr lang="en-US" altLang="zh-CN" sz="1600" dirty="0" err="1"/>
+              <a:t>gtid_no</a:t>
+            </a:r>
+            <a:r>
+              <a:rPr lang="en-US" altLang="zh-CN" sz="1600" dirty="0"/>
+              <a:t> where … and </a:t>
+            </a:r>
+            <a:r>
+              <a:rPr lang="en-US" altLang="zh-CN" sz="1600" dirty="0" err="1"/>
+              <a:t>gtid</a:t>
+            </a:r>
+            <a:r>
+              <a:rPr lang="en-US" altLang="zh-CN" sz="1600" dirty="0"/>
+              <a:t> not (</a:t>
+            </a:r>
+            <a:r>
+              <a:rPr lang="en-US" altLang="zh-CN" sz="1600" dirty="0" err="1"/>
+              <a:t>active_gtid_list</a:t>
+            </a:r>
+            <a:r>
+              <a:rPr lang="en-US" altLang="zh-CN" sz="1600" dirty="0"/>
+              <a:t>) and </a:t>
+            </a:r>
+          </a:p>
+          <a:p>
+            <a:pPr marL="480695" lvl="1" indent="0">
+              <a:buNone/>
+            </a:pPr>
+            <a:r>
+              <a:rPr lang="zh-CN" altLang="en-US" sz="1600" dirty="0"/>
+              <a:t>这样原来</a:t>
+            </a:r>
+            <a:r>
+              <a:rPr lang="en-US" altLang="zh-CN" sz="1600" dirty="0"/>
+              <a:t>proxy</a:t>
+            </a:r>
+            <a:r>
+              <a:rPr lang="zh-CN" altLang="en-US" sz="1600" dirty="0"/>
+              <a:t>与</a:t>
+            </a:r>
+            <a:r>
+              <a:rPr lang="en-US" altLang="zh-CN" sz="1600" dirty="0" err="1"/>
+              <a:t>db</a:t>
+            </a:r>
+            <a:r>
+              <a:rPr lang="zh-CN" altLang="en-US" sz="1600" dirty="0"/>
+              <a:t>的两次交互，只需要进行一次即可，当然这种是把最后的冲突检测放到真正提交阶段做了，并没有预先锁记录的动作，</a:t>
+            </a:r>
+            <a:r>
+              <a:rPr lang="zh-CN" altLang="en-US" sz="1600" dirty="0">
+                <a:solidFill>
+                  <a:srgbClr val="FF0000"/>
+                </a:solidFill>
+              </a:rPr>
+              <a:t>不适合存在大量写冲突的场景</a:t>
+            </a:r>
+            <a:r>
+              <a:rPr lang="zh-CN" altLang="en-US" sz="1600" dirty="0"/>
+              <a:t>，需要根据具体业务场景灵活选择。</a:t>
+            </a:r>
+            <a:endParaRPr lang="en-US" altLang="zh-CN" sz="1600" dirty="0"/>
+          </a:p>
+        </p:txBody>
+      </p:sp>
+    </p:spTree>
+    <p:extLst>
+      <p:ext uri="{BB962C8B-B14F-4D97-AF65-F5344CB8AC3E}">
+        <p14:creationId xmlns:p14="http://schemas.microsoft.com/office/powerpoint/2010/main" val="3713615442"/>
+      </p:ext>
+    </p:extLst>
+  </p:cSld>
+  <p:clrMapOvr>
+    <a:masterClrMapping/>
+  </p:clrMapOvr>
+</p:sld>
+</file>
+
+<file path=ppt/slides/slide4.xml><?xml version="1.0" encoding="utf-8"?>
+<p:sld xmlns:a="http://schemas.openxmlformats.org/drawingml/2006/main" xmlns:r="http://schemas.openxmlformats.org/officeDocument/2006/relationships" xmlns:p="http://schemas.openxmlformats.org/presentationml/2006/main">
+  <p:cSld>
+    <p:spTree>
+      <p:nvGrpSpPr>
+        <p:cNvPr id="1" name=""/>
+        <p:cNvGrpSpPr/>
+        <p:nvPr/>
+      </p:nvGrpSpPr>
+      <p:grpSpPr>
+        <a:xfrm>
+          <a:off x="0" y="0"/>
+          <a:ext cx="0" cy="0"/>
+          <a:chOff x="0" y="0"/>
+          <a:chExt cx="0" cy="0"/>
+        </a:xfrm>
+      </p:grpSpPr>
+      <p:sp>
+        <p:nvSpPr>
+          <p:cNvPr id="2" name="标题 1"/>
+          <p:cNvSpPr>
+            <a:spLocks noGrp="1"/>
+          </p:cNvSpPr>
+          <p:nvPr>
+            <p:ph type="title"/>
+          </p:nvPr>
+        </p:nvSpPr>
+        <p:spPr/>
+        <p:txBody>
+          <a:bodyPr/>
+          <a:lstStyle/>
+          <a:p>
+            <a:r>
+              <a:rPr lang="en-US" altLang="zh-CN" dirty="0">
+                <a:solidFill>
+                  <a:schemeClr val="accent1"/>
+                </a:solidFill>
+                <a:cs typeface="+mn-ea"/>
+                <a:sym typeface="+mn-lt"/>
+              </a:rPr>
+              <a:t>1.1 </a:t>
+            </a:r>
+            <a:r>
+              <a:rPr lang="zh-CN" altLang="en-US" dirty="0">
+                <a:solidFill>
+                  <a:schemeClr val="accent1"/>
+                </a:solidFill>
+                <a:cs typeface="+mn-ea"/>
+                <a:sym typeface="+mn-lt"/>
+              </a:rPr>
+              <a:t>产品介绍和适用场景</a:t>
+            </a:r>
+            <a:endParaRPr lang="zh-CN" altLang="en-US" dirty="0"/>
+          </a:p>
+        </p:txBody>
+      </p:sp>
+      <p:sp>
+        <p:nvSpPr>
+          <p:cNvPr id="3" name="内容占位符 2"/>
+          <p:cNvSpPr>
+            <a:spLocks noGrp="1"/>
+          </p:cNvSpPr>
+          <p:nvPr>
+            <p:ph idx="1"/>
+          </p:nvPr>
+        </p:nvSpPr>
+        <p:spPr>
+          <a:xfrm>
+            <a:off x="766446" y="1136680"/>
+            <a:ext cx="10658399" cy="2338040"/>
+          </a:xfrm>
+        </p:spPr>
+        <p:txBody>
+          <a:bodyPr/>
+          <a:lstStyle/>
+          <a:p>
+            <a:pPr marL="0" indent="0">
+              <a:buNone/>
+            </a:pPr>
+            <a:endParaRPr lang="en-US" altLang="zh-CN" dirty="0"/>
+          </a:p>
+          <a:p>
+            <a:pPr lvl="1"/>
+            <a:r>
+              <a:rPr lang="en-US" altLang="zh-CN" dirty="0" err="1"/>
+              <a:t>GoldenDB</a:t>
+            </a:r>
+            <a:r>
+              <a:rPr lang="zh-CN" altLang="en-US" dirty="0"/>
+              <a:t>是中兴通讯退出的一款兼容</a:t>
+            </a:r>
+            <a:r>
+              <a:rPr lang="en-US" altLang="zh-CN" dirty="0"/>
+              <a:t>MySQL</a:t>
+            </a:r>
+            <a:r>
+              <a:rPr lang="zh-CN" altLang="en-US" dirty="0"/>
+              <a:t>和部分</a:t>
+            </a:r>
+            <a:r>
+              <a:rPr lang="en-US" altLang="zh-CN" dirty="0"/>
+              <a:t>Oracle</a:t>
+            </a:r>
+            <a:r>
+              <a:rPr lang="zh-CN" altLang="en-US" dirty="0"/>
+              <a:t>的分布式数据库，支持垂直和水平扩展方式，通过自定义分片规则将数据分配到数据节点，可以基本满足金融领域高可用、高并发的业务需求，目前主要应用于联机事务交易中。</a:t>
+            </a:r>
+          </a:p>
+        </p:txBody>
+      </p:sp>
+      <p:sp>
+        <p:nvSpPr>
+          <p:cNvPr id="4" name="页脚占位符 3"/>
+          <p:cNvSpPr>
+            <a:spLocks noGrp="1"/>
+          </p:cNvSpPr>
+          <p:nvPr>
+            <p:ph type="ftr" sz="quarter" idx="11"/>
+          </p:nvPr>
+        </p:nvSpPr>
+        <p:spPr/>
+        <p:txBody>
+          <a:bodyPr/>
+          <a:lstStyle/>
+          <a:p>
+            <a:pPr>
+              <a:defRPr/>
+            </a:pPr>
+            <a:r>
+              <a:rPr lang="en-US" altLang="zh-CN" dirty="0" err="1"/>
+              <a:t>版权归</a:t>
+            </a:r>
+            <a:r>
+              <a:rPr lang="en-US" altLang="zh-CN" dirty="0"/>
+              <a:t>© 2022 Tencent, </a:t>
+            </a:r>
+            <a:r>
+              <a:rPr lang="en-US" altLang="zh-CN" dirty="0" err="1"/>
+              <a:t>Inc.或其附属公司所有</a:t>
+            </a:r>
+            <a:r>
+              <a:rPr lang="en-US" altLang="zh-CN" dirty="0"/>
+              <a:t> </a:t>
+            </a:r>
+            <a:r>
+              <a:rPr lang="en-US" altLang="zh-CN" dirty="0" err="1"/>
+              <a:t>保留所有权利</a:t>
+            </a:r>
+            <a:r>
+              <a:rPr lang="en-US" altLang="zh-CN" dirty="0"/>
+              <a:t> </a:t>
+            </a:r>
+          </a:p>
+        </p:txBody>
+      </p:sp>
+    </p:spTree>
+  </p:cSld>
+  <p:clrMapOvr>
+    <a:masterClrMapping/>
+  </p:clrMapOvr>
+</p:sld>
+</file>
+
+<file path=ppt/slides/slide40.xml><?xml version="1.0" encoding="utf-8"?>
+<p:sld xmlns:a="http://schemas.openxmlformats.org/drawingml/2006/main" xmlns:r="http://schemas.openxmlformats.org/officeDocument/2006/relationships" xmlns:p="http://schemas.openxmlformats.org/presentationml/2006/main">
+  <p:cSld>
+    <p:spTree>
+      <p:nvGrpSpPr>
+        <p:cNvPr id="1" name=""/>
+        <p:cNvGrpSpPr/>
+        <p:nvPr/>
+      </p:nvGrpSpPr>
+      <p:grpSpPr>
+        <a:xfrm>
+          <a:off x="0" y="0"/>
+          <a:ext cx="0" cy="0"/>
+          <a:chOff x="0" y="0"/>
+          <a:chExt cx="0" cy="0"/>
+        </a:xfrm>
+      </p:grpSpPr>
+      <p:sp>
+        <p:nvSpPr>
           <p:cNvPr id="22" name="MH_Others_3"/>
           <p:cNvSpPr txBox="1">
             <a:spLocks noChangeArrowheads="1"/>
@@ -30922,170 +32725,7 @@
 </p:sld>
 </file>
 
-<file path=ppt/slides/slide4.xml><?xml version="1.0" encoding="utf-8"?>
-<p:sld xmlns:a="http://schemas.openxmlformats.org/drawingml/2006/main" xmlns:r="http://schemas.openxmlformats.org/officeDocument/2006/relationships" xmlns:p="http://schemas.openxmlformats.org/presentationml/2006/main">
-  <p:cSld>
-    <p:spTree>
-      <p:nvGrpSpPr>
-        <p:cNvPr id="1" name=""/>
-        <p:cNvGrpSpPr/>
-        <p:nvPr/>
-      </p:nvGrpSpPr>
-      <p:grpSpPr>
-        <a:xfrm>
-          <a:off x="0" y="0"/>
-          <a:ext cx="0" cy="0"/>
-          <a:chOff x="0" y="0"/>
-          <a:chExt cx="0" cy="0"/>
-        </a:xfrm>
-      </p:grpSpPr>
-      <p:sp>
-        <p:nvSpPr>
-          <p:cNvPr id="2" name="标题 1"/>
-          <p:cNvSpPr>
-            <a:spLocks noGrp="1"/>
-          </p:cNvSpPr>
-          <p:nvPr>
-            <p:ph type="title"/>
-          </p:nvPr>
-        </p:nvSpPr>
-        <p:spPr/>
-        <p:txBody>
-          <a:bodyPr/>
-          <a:lstStyle/>
-          <a:p>
-            <a:r>
-              <a:rPr lang="en-US" altLang="zh-CN" dirty="0">
-                <a:solidFill>
-                  <a:schemeClr val="accent1"/>
-                </a:solidFill>
-                <a:cs typeface="+mn-ea"/>
-                <a:sym typeface="+mn-lt"/>
-              </a:rPr>
-              <a:t>1.1 </a:t>
-            </a:r>
-            <a:r>
-              <a:rPr lang="zh-CN" altLang="en-US" dirty="0">
-                <a:solidFill>
-                  <a:schemeClr val="accent1"/>
-                </a:solidFill>
-                <a:cs typeface="+mn-ea"/>
-                <a:sym typeface="+mn-lt"/>
-              </a:rPr>
-              <a:t>产品介绍和适用场景</a:t>
-            </a:r>
-            <a:endParaRPr lang="zh-CN" altLang="en-US" dirty="0"/>
-          </a:p>
-        </p:txBody>
-      </p:sp>
-      <p:sp>
-        <p:nvSpPr>
-          <p:cNvPr id="3" name="内容占位符 2"/>
-          <p:cNvSpPr>
-            <a:spLocks noGrp="1"/>
-          </p:cNvSpPr>
-          <p:nvPr>
-            <p:ph idx="1"/>
-          </p:nvPr>
-        </p:nvSpPr>
-        <p:spPr>
-          <a:xfrm>
-            <a:off x="766446" y="1136680"/>
-            <a:ext cx="10658399" cy="2338040"/>
-          </a:xfrm>
-        </p:spPr>
-        <p:txBody>
-          <a:bodyPr/>
-          <a:lstStyle/>
-          <a:p>
-            <a:pPr marL="0" indent="0">
-              <a:buNone/>
-            </a:pPr>
-            <a:endParaRPr lang="en-US" altLang="zh-CN" dirty="0"/>
-          </a:p>
-          <a:p>
-            <a:pPr lvl="1"/>
-            <a:r>
-              <a:rPr lang="en-US" altLang="zh-CN" dirty="0" err="1"/>
-              <a:t>GoldenDB</a:t>
-            </a:r>
-            <a:r>
-              <a:rPr lang="zh-CN" altLang="en-US" dirty="0"/>
-              <a:t>是中兴通讯退出的一款兼容</a:t>
-            </a:r>
-            <a:r>
-              <a:rPr lang="en-US" altLang="zh-CN" dirty="0"/>
-              <a:t>MySQL</a:t>
-            </a:r>
-            <a:r>
-              <a:rPr lang="zh-CN" altLang="en-US" dirty="0"/>
-              <a:t>和部分</a:t>
-            </a:r>
-            <a:r>
-              <a:rPr lang="en-US" altLang="zh-CN" dirty="0"/>
-              <a:t>Oracle</a:t>
-            </a:r>
-            <a:r>
-              <a:rPr lang="zh-CN" altLang="en-US" dirty="0"/>
-              <a:t>的分布式数据库，支持垂直和水平扩展方式，通过自定义分片规则将数据分配到数据节点，可以基本满足金融领域高可用、高并发的业务需求，目前主要应用于联机事务交易中。</a:t>
-            </a:r>
-          </a:p>
-        </p:txBody>
-      </p:sp>
-      <p:sp>
-        <p:nvSpPr>
-          <p:cNvPr id="4" name="页脚占位符 3"/>
-          <p:cNvSpPr>
-            <a:spLocks noGrp="1"/>
-          </p:cNvSpPr>
-          <p:nvPr>
-            <p:ph type="ftr" sz="quarter" idx="11"/>
-          </p:nvPr>
-        </p:nvSpPr>
-        <p:spPr/>
-        <p:txBody>
-          <a:bodyPr/>
-          <a:lstStyle/>
-          <a:p>
-            <a:pPr>
-              <a:defRPr/>
-            </a:pPr>
-            <a:r>
-              <a:rPr lang="en-US" altLang="zh-CN" dirty="0" err="1"/>
-              <a:t>版权归</a:t>
-            </a:r>
-            <a:r>
-              <a:rPr lang="en-US" altLang="zh-CN" dirty="0"/>
-              <a:t>© 2022 Tencent, </a:t>
-            </a:r>
-            <a:r>
-              <a:rPr lang="en-US" altLang="zh-CN" dirty="0" err="1"/>
-              <a:t>Inc.或其附属公司所有</a:t>
-            </a:r>
-            <a:r>
-              <a:rPr lang="en-US" altLang="zh-CN" dirty="0"/>
-              <a:t> </a:t>
-            </a:r>
-            <a:r>
-              <a:rPr lang="en-US" altLang="zh-CN" dirty="0" err="1"/>
-              <a:t>保留所有权利</a:t>
-            </a:r>
-            <a:r>
-              <a:rPr lang="en-US" altLang="zh-CN" dirty="0"/>
-              <a:t> </a:t>
-            </a:r>
-          </a:p>
-        </p:txBody>
-      </p:sp>
-    </p:spTree>
-  </p:cSld>
-  <p:clrMapOvr>
-    <a:masterClrMapping/>
-  </p:clrMapOvr>
-</p:sld>
-</file>
-
-<file path=ppt/slides/slide40.xml><?xml version="1.0" encoding="utf-8"?>
+<file path=ppt/slides/slide41.xml><?xml version="1.0" encoding="utf-8"?>
 <p:sld xmlns:a="http://schemas.openxmlformats.org/drawingml/2006/main" xmlns:r="http://schemas.openxmlformats.org/officeDocument/2006/relationships" xmlns:p="http://schemas.openxmlformats.org/presentationml/2006/main">
   <p:cSld>
     <p:spTree>
@@ -31227,7 +32867,7 @@
 </p:sld>
 </file>
 
-<file path=ppt/slides/slide41.xml><?xml version="1.0" encoding="utf-8"?>
+<file path=ppt/slides/slide42.xml><?xml version="1.0" encoding="utf-8"?>
 <p:sld xmlns:a="http://schemas.openxmlformats.org/drawingml/2006/main" xmlns:r="http://schemas.openxmlformats.org/officeDocument/2006/relationships" xmlns:p="http://schemas.openxmlformats.org/presentationml/2006/main">
   <p:cSld>
     <p:spTree>
@@ -31470,7 +33110,7 @@
 </p:sld>
 </file>
 
-<file path=ppt/slides/slide42.xml><?xml version="1.0" encoding="utf-8"?>
+<file path=ppt/slides/slide43.xml><?xml version="1.0" encoding="utf-8"?>
 <p:sld xmlns:a="http://schemas.openxmlformats.org/drawingml/2006/main" xmlns:r="http://schemas.openxmlformats.org/officeDocument/2006/relationships" xmlns:p="http://schemas.openxmlformats.org/presentationml/2006/main">
   <p:cSld>
     <p:spTree>
@@ -31686,7 +33326,7 @@
 </p:sld>
 </file>
 
-<file path=ppt/slides/slide43.xml><?xml version="1.0" encoding="utf-8"?>
+<file path=ppt/slides/slide44.xml><?xml version="1.0" encoding="utf-8"?>
 <p:sld xmlns:a="http://schemas.openxmlformats.org/drawingml/2006/main" xmlns:r="http://schemas.openxmlformats.org/officeDocument/2006/relationships" xmlns:p="http://schemas.openxmlformats.org/presentationml/2006/main">
   <p:cSld>
     <p:spTree>
@@ -31863,7 +33503,7 @@
 </p:sld>
 </file>
 
-<file path=ppt/slides/slide44.xml><?xml version="1.0" encoding="utf-8"?>
+<file path=ppt/slides/slide45.xml><?xml version="1.0" encoding="utf-8"?>
 <p:sld xmlns:a="http://schemas.openxmlformats.org/drawingml/2006/main" xmlns:r="http://schemas.openxmlformats.org/officeDocument/2006/relationships" xmlns:p="http://schemas.openxmlformats.org/presentationml/2006/main">
   <p:cSld>
     <p:spTree>
@@ -31985,7 +33625,7 @@
         </p:blipFill>
         <p:spPr>
           <a:xfrm>
-            <a:off x="1340733" y="1934506"/>
+            <a:off x="1324404" y="2940777"/>
             <a:ext cx="9817596" cy="3272532"/>
           </a:xfrm>
           <a:prstGeom prst="rect">
@@ -31995,34 +33635,297 @@
       </p:pic>
       <p:sp>
         <p:nvSpPr>
-          <p:cNvPr id="5" name="内容占位符 4">
+          <p:cNvPr id="7" name="内容占位符 4">
             <a:extLst>
               <a:ext uri="{FF2B5EF4-FFF2-40B4-BE49-F238E27FC236}">
-                <a16:creationId xmlns:a16="http://schemas.microsoft.com/office/drawing/2014/main" id="{D7F40C55-0BB7-4702-9463-0FC595ABC0C4}"/>
+                <a16:creationId xmlns:a16="http://schemas.microsoft.com/office/drawing/2014/main" id="{D8ADDE7B-1472-479C-981B-8FE989EF46E0}"/>
               </a:ext>
             </a:extLst>
           </p:cNvPr>
-          <p:cNvSpPr>
-            <a:spLocks noGrp="1"/>
+          <p:cNvSpPr txBox="1">
+            <a:spLocks/>
           </p:cNvSpPr>
-          <p:nvPr>
-            <p:ph idx="1"/>
-          </p:nvPr>
-        </p:nvSpPr>
-        <p:spPr>
+          <p:nvPr/>
+        </p:nvSpPr>
+        <p:spPr bwMode="auto">
           <a:xfrm>
-            <a:off x="889001" y="1151212"/>
-            <a:ext cx="10444479" cy="769028"/>
+            <a:off x="838201" y="1045542"/>
+            <a:ext cx="10444479" cy="1078908"/>
           </a:xfrm>
+          <a:prstGeom prst="rect">
+            <a:avLst/>
+          </a:prstGeom>
+          <a:noFill/>
+          <a:ln>
+            <a:noFill/>
+          </a:ln>
+          <a:extLst>
+            <a:ext uri="{909E8E84-426E-40DD-AFC4-6F175D3DCCD1}">
+              <a14:hiddenFill xmlns:a14="http://schemas.microsoft.com/office/drawing/2010/main">
+                <a:solidFill>
+                  <a:srgbClr val="FFFFFF"/>
+                </a:solidFill>
+              </a14:hiddenFill>
+            </a:ext>
+            <a:ext uri="{91240B29-F687-4F45-9708-019B960494DF}">
+              <a14:hiddenLine xmlns:a14="http://schemas.microsoft.com/office/drawing/2010/main" w="9525">
+                <a:solidFill>
+                  <a:srgbClr val="000000"/>
+                </a:solidFill>
+                <a:miter lim="800000"/>
+                <a:headEnd/>
+                <a:tailEnd/>
+              </a14:hiddenLine>
+            </a:ext>
+          </a:extLst>
         </p:spPr>
         <p:txBody>
-          <a:bodyPr/>
-          <a:lstStyle/>
+          <a:bodyPr vert="horz" wrap="square" lIns="91440" tIns="45720" rIns="91440" bIns="45720" numCol="1" anchor="t" anchorCtr="0" compatLnSpc="1"/>
+          <a:lstStyle>
+            <a:lvl1pPr marL="480695" indent="-480695" algn="l" defTabSz="912495" rtl="0" eaLnBrk="1" fontAlgn="base" hangingPunct="1">
+              <a:lnSpc>
+                <a:spcPct val="150000"/>
+              </a:lnSpc>
+              <a:spcBef>
+                <a:spcPts val="0"/>
+              </a:spcBef>
+              <a:spcAft>
+                <a:spcPct val="0"/>
+              </a:spcAft>
+              <a:buClr>
+                <a:schemeClr val="accent1"/>
+              </a:buClr>
+              <a:buFont typeface="Wingdings" panose="05000000000000000000" pitchFamily="2" charset="2"/>
+              <a:buChar char="l"/>
+              <a:defRPr sz="2400" kern="1200">
+                <a:solidFill>
+                  <a:schemeClr val="tx1"/>
+                </a:solidFill>
+                <a:latin typeface="微软雅黑" panose="020B0503020204020204" pitchFamily="34" charset="-122"/>
+                <a:ea typeface="微软雅黑" panose="020B0503020204020204" pitchFamily="34" charset="-122"/>
+                <a:cs typeface="+mn-cs"/>
+                <a:sym typeface="Calibri" panose="020F0502020204030204" pitchFamily="34" charset="0"/>
+              </a:defRPr>
+            </a:lvl1pPr>
+            <a:lvl2pPr marL="836295" lvl="1" indent="-355600" algn="l" defTabSz="912495" rtl="0" eaLnBrk="1" fontAlgn="base" hangingPunct="1">
+              <a:lnSpc>
+                <a:spcPct val="150000"/>
+              </a:lnSpc>
+              <a:spcBef>
+                <a:spcPts val="500"/>
+              </a:spcBef>
+              <a:spcAft>
+                <a:spcPct val="0"/>
+              </a:spcAft>
+              <a:buClr>
+                <a:schemeClr val="accent1"/>
+              </a:buClr>
+              <a:buFont typeface="Wingdings" panose="05000000000000000000" pitchFamily="2" charset="2"/>
+              <a:buChar char="n"/>
+              <a:defRPr sz="2000" kern="1200">
+                <a:solidFill>
+                  <a:schemeClr val="tx1"/>
+                </a:solidFill>
+                <a:latin typeface="微软雅黑" panose="020B0503020204020204" pitchFamily="34" charset="-122"/>
+                <a:ea typeface="微软雅黑" panose="020B0503020204020204" pitchFamily="34" charset="-122"/>
+                <a:cs typeface="+mn-cs"/>
+                <a:sym typeface="Calibri" panose="020F0502020204030204" pitchFamily="34" charset="0"/>
+              </a:defRPr>
+            </a:lvl2pPr>
+            <a:lvl3pPr marL="1143000" lvl="2" indent="-228600" algn="l" defTabSz="912495" rtl="0" eaLnBrk="1" fontAlgn="base" hangingPunct="1">
+              <a:lnSpc>
+                <a:spcPct val="150000"/>
+              </a:lnSpc>
+              <a:spcBef>
+                <a:spcPts val="500"/>
+              </a:spcBef>
+              <a:spcAft>
+                <a:spcPct val="0"/>
+              </a:spcAft>
+              <a:buClr>
+                <a:schemeClr val="accent1"/>
+              </a:buClr>
+              <a:buFont typeface="Wingdings" panose="05000000000000000000" pitchFamily="2" charset="2"/>
+              <a:buChar char="ü"/>
+              <a:defRPr sz="1800" kern="1200">
+                <a:solidFill>
+                  <a:schemeClr val="tx1"/>
+                </a:solidFill>
+                <a:latin typeface="微软雅黑" panose="020B0503020204020204" pitchFamily="34" charset="-122"/>
+                <a:ea typeface="微软雅黑" panose="020B0503020204020204" pitchFamily="34" charset="-122"/>
+                <a:cs typeface="+mn-cs"/>
+                <a:sym typeface="Calibri" panose="020F0502020204030204" pitchFamily="34" charset="0"/>
+              </a:defRPr>
+            </a:lvl3pPr>
+            <a:lvl4pPr marL="1598930" lvl="3" indent="-227330" algn="l" defTabSz="912495" rtl="0" eaLnBrk="1" fontAlgn="base" hangingPunct="1">
+              <a:lnSpc>
+                <a:spcPct val="150000"/>
+              </a:lnSpc>
+              <a:spcBef>
+                <a:spcPts val="500"/>
+              </a:spcBef>
+              <a:spcAft>
+                <a:spcPct val="0"/>
+              </a:spcAft>
+              <a:buClr>
+                <a:schemeClr val="accent1"/>
+              </a:buClr>
+              <a:buFont typeface="Arial" panose="020B0604020202020204" pitchFamily="34" charset="0"/>
+              <a:buChar char="•"/>
+              <a:defRPr sz="1600" kern="1200">
+                <a:solidFill>
+                  <a:schemeClr val="tx1"/>
+                </a:solidFill>
+                <a:latin typeface="微软雅黑" panose="020B0503020204020204" pitchFamily="34" charset="-122"/>
+                <a:ea typeface="微软雅黑" panose="020B0503020204020204" pitchFamily="34" charset="-122"/>
+                <a:cs typeface="+mn-cs"/>
+                <a:sym typeface="Calibri" panose="020F0502020204030204" pitchFamily="34" charset="0"/>
+              </a:defRPr>
+            </a:lvl4pPr>
+            <a:lvl5pPr marL="2056130" lvl="4" indent="-227330" algn="l" defTabSz="912495" rtl="0" eaLnBrk="1" fontAlgn="base" hangingPunct="1">
+              <a:lnSpc>
+                <a:spcPct val="150000"/>
+              </a:lnSpc>
+              <a:spcBef>
+                <a:spcPts val="500"/>
+              </a:spcBef>
+              <a:spcAft>
+                <a:spcPct val="0"/>
+              </a:spcAft>
+              <a:buClr>
+                <a:schemeClr val="accent1"/>
+              </a:buClr>
+              <a:buFont typeface="Arial" panose="020B0604020202020204" pitchFamily="34" charset="0"/>
+              <a:buChar char="•"/>
+              <a:defRPr sz="1400" kern="1200">
+                <a:solidFill>
+                  <a:schemeClr val="tx1"/>
+                </a:solidFill>
+                <a:latin typeface="微软雅黑" panose="020B0503020204020204" pitchFamily="34" charset="-122"/>
+                <a:ea typeface="微软雅黑" panose="020B0503020204020204" pitchFamily="34" charset="-122"/>
+                <a:cs typeface="+mn-cs"/>
+                <a:sym typeface="Calibri" panose="020F0502020204030204" pitchFamily="34" charset="0"/>
+              </a:defRPr>
+            </a:lvl5pPr>
+            <a:lvl6pPr marL="3352800" lvl="5" indent="-304800" algn="l" defTabSz="913765" eaLnBrk="1" fontAlgn="base" latinLnBrk="0" hangingPunct="1">
+              <a:lnSpc>
+                <a:spcPct val="90000"/>
+              </a:lnSpc>
+              <a:spcBef>
+                <a:spcPts val="500"/>
+              </a:spcBef>
+              <a:spcAft>
+                <a:spcPct val="0"/>
+              </a:spcAft>
+              <a:buFont typeface="Arial" panose="020B0604020202020204" pitchFamily="34" charset="0"/>
+              <a:buChar char="•"/>
+              <a:defRPr sz="1735" kern="1200">
+                <a:solidFill>
+                  <a:schemeClr val="tx1"/>
+                </a:solidFill>
+                <a:latin typeface="+mn-lt"/>
+                <a:ea typeface="+mn-ea"/>
+                <a:cs typeface="+mn-cs"/>
+                <a:sym typeface="Calibri" panose="020F0502020204030204" pitchFamily="34" charset="0"/>
+              </a:defRPr>
+            </a:lvl6pPr>
+            <a:lvl7pPr marL="3962400" lvl="6" indent="-304800" algn="l" defTabSz="913765" eaLnBrk="1" fontAlgn="base" latinLnBrk="0" hangingPunct="1">
+              <a:lnSpc>
+                <a:spcPct val="90000"/>
+              </a:lnSpc>
+              <a:spcBef>
+                <a:spcPts val="500"/>
+              </a:spcBef>
+              <a:spcAft>
+                <a:spcPct val="0"/>
+              </a:spcAft>
+              <a:buFont typeface="Arial" panose="020B0604020202020204" pitchFamily="34" charset="0"/>
+              <a:buChar char="•"/>
+              <a:defRPr sz="1735" kern="1200">
+                <a:solidFill>
+                  <a:schemeClr val="tx1"/>
+                </a:solidFill>
+                <a:latin typeface="+mn-lt"/>
+                <a:ea typeface="+mn-ea"/>
+                <a:cs typeface="+mn-cs"/>
+                <a:sym typeface="Calibri" panose="020F0502020204030204" pitchFamily="34" charset="0"/>
+              </a:defRPr>
+            </a:lvl7pPr>
+            <a:lvl8pPr marL="4572000" lvl="7" indent="-304800" algn="l" defTabSz="913765" eaLnBrk="1" fontAlgn="base" latinLnBrk="0" hangingPunct="1">
+              <a:lnSpc>
+                <a:spcPct val="90000"/>
+              </a:lnSpc>
+              <a:spcBef>
+                <a:spcPts val="500"/>
+              </a:spcBef>
+              <a:spcAft>
+                <a:spcPct val="0"/>
+              </a:spcAft>
+              <a:buFont typeface="Arial" panose="020B0604020202020204" pitchFamily="34" charset="0"/>
+              <a:buChar char="•"/>
+              <a:defRPr sz="1735" kern="1200">
+                <a:solidFill>
+                  <a:schemeClr val="tx1"/>
+                </a:solidFill>
+                <a:latin typeface="+mn-lt"/>
+                <a:ea typeface="+mn-ea"/>
+                <a:cs typeface="+mn-cs"/>
+                <a:sym typeface="Calibri" panose="020F0502020204030204" pitchFamily="34" charset="0"/>
+              </a:defRPr>
+            </a:lvl8pPr>
+            <a:lvl9pPr marL="5181600" lvl="8" indent="-304800" algn="l" defTabSz="913765" eaLnBrk="1" fontAlgn="base" latinLnBrk="0" hangingPunct="1">
+              <a:lnSpc>
+                <a:spcPct val="90000"/>
+              </a:lnSpc>
+              <a:spcBef>
+                <a:spcPts val="500"/>
+              </a:spcBef>
+              <a:spcAft>
+                <a:spcPct val="0"/>
+              </a:spcAft>
+              <a:buFont typeface="Arial" panose="020B0604020202020204" pitchFamily="34" charset="0"/>
+              <a:buChar char="•"/>
+              <a:defRPr sz="1735" kern="1200">
+                <a:solidFill>
+                  <a:schemeClr val="tx1"/>
+                </a:solidFill>
+                <a:latin typeface="+mn-lt"/>
+                <a:ea typeface="+mn-ea"/>
+                <a:cs typeface="+mn-cs"/>
+                <a:sym typeface="Calibri" panose="020F0502020204030204" pitchFamily="34" charset="0"/>
+              </a:defRPr>
+            </a:lvl9pPr>
+          </a:lstStyle>
           <a:p>
             <a:r>
               <a:rPr lang="zh-CN" altLang="en-US" dirty="0"/>
-              <a:t>数据节点高低水位判断</a:t>
-            </a:r>
+              <a:t>安全组</a:t>
+            </a:r>
+            <a:endParaRPr lang="en-US" altLang="zh-CN" dirty="0"/>
+          </a:p>
+          <a:p>
+            <a:pPr lvl="1"/>
+            <a:r>
+              <a:rPr lang="zh-CN" altLang="en-US" sz="1800" dirty="0"/>
+              <a:t>最大保护策略：所有分组均需要返回响应</a:t>
+            </a:r>
+            <a:endParaRPr lang="en-US" altLang="zh-CN" sz="1800" dirty="0"/>
+          </a:p>
+          <a:p>
+            <a:pPr lvl="1"/>
+            <a:r>
+              <a:rPr lang="zh-CN" altLang="en-US" sz="1800" dirty="0"/>
+              <a:t>最高性能策略：无需分组响应</a:t>
+            </a:r>
+            <a:endParaRPr lang="en-US" altLang="zh-CN" sz="1800" dirty="0"/>
+          </a:p>
+          <a:p>
+            <a:pPr lvl="1"/>
+            <a:r>
+              <a:rPr lang="zh-CN" altLang="en-US" sz="1800" dirty="0"/>
+              <a:t>最高可用性策略：分组响应数大于所分配的最小分组响应数（即低水位）</a:t>
+            </a:r>
+            <a:endParaRPr lang="en-US" altLang="zh-CN" sz="1800" dirty="0"/>
           </a:p>
         </p:txBody>
       </p:sp>
@@ -32039,7 +33942,7 @@
 </p:sld>
 </file>
 
-<file path=ppt/slides/slide45.xml><?xml version="1.0" encoding="utf-8"?>
+<file path=ppt/slides/slide46.xml><?xml version="1.0" encoding="utf-8"?>
 <p:sld xmlns:a="http://schemas.openxmlformats.org/drawingml/2006/main" xmlns:r="http://schemas.openxmlformats.org/officeDocument/2006/relationships" xmlns:p="http://schemas.openxmlformats.org/presentationml/2006/main">
   <p:cSld>
     <p:spTree>
@@ -32252,7 +34155,7 @@
 </p:sld>
 </file>
 
-<file path=ppt/slides/slide46.xml><?xml version="1.0" encoding="utf-8"?>
+<file path=ppt/slides/slide47.xml><?xml version="1.0" encoding="utf-8"?>
 <p:sld xmlns:a="http://schemas.openxmlformats.org/drawingml/2006/main" xmlns:r="http://schemas.openxmlformats.org/officeDocument/2006/relationships" xmlns:p="http://schemas.openxmlformats.org/presentationml/2006/main">
   <p:cSld>
     <p:spTree>
@@ -32465,7 +34368,7 @@
 </p:sld>
 </file>
 
-<file path=ppt/slides/slide47.xml><?xml version="1.0" encoding="utf-8"?>
+<file path=ppt/slides/slide48.xml><?xml version="1.0" encoding="utf-8"?>
 <p:sld xmlns:a="http://schemas.openxmlformats.org/drawingml/2006/main" xmlns:r="http://schemas.openxmlformats.org/officeDocument/2006/relationships" xmlns:p="http://schemas.openxmlformats.org/presentationml/2006/main">
   <p:cSld>
     <p:spTree>
@@ -33546,7 +35449,7 @@
 </p:sld>
 </file>
 
-<file path=ppt/slides/slide48.xml><?xml version="1.0" encoding="utf-8"?>
+<file path=ppt/slides/slide49.xml><?xml version="1.0" encoding="utf-8"?>
 <p:sld xmlns:a="http://schemas.openxmlformats.org/drawingml/2006/main" xmlns:r="http://schemas.openxmlformats.org/officeDocument/2006/relationships" xmlns:p="http://schemas.openxmlformats.org/presentationml/2006/main">
   <p:cSld>
     <p:spTree>
@@ -33693,7 +35596,212 @@
 </p:sld>
 </file>
 
-<file path=ppt/slides/slide49.xml><?xml version="1.0" encoding="utf-8"?>
+<file path=ppt/slides/slide5.xml><?xml version="1.0" encoding="utf-8"?>
+<p:sld xmlns:a="http://schemas.openxmlformats.org/drawingml/2006/main" xmlns:r="http://schemas.openxmlformats.org/officeDocument/2006/relationships" xmlns:p="http://schemas.openxmlformats.org/presentationml/2006/main">
+  <p:cSld>
+    <p:spTree>
+      <p:nvGrpSpPr>
+        <p:cNvPr id="1" name=""/>
+        <p:cNvGrpSpPr/>
+        <p:nvPr/>
+      </p:nvGrpSpPr>
+      <p:grpSpPr>
+        <a:xfrm>
+          <a:off x="0" y="0"/>
+          <a:ext cx="0" cy="0"/>
+          <a:chOff x="0" y="0"/>
+          <a:chExt cx="0" cy="0"/>
+        </a:xfrm>
+      </p:grpSpPr>
+      <p:sp>
+        <p:nvSpPr>
+          <p:cNvPr id="2" name="标题 1"/>
+          <p:cNvSpPr>
+            <a:spLocks noGrp="1"/>
+          </p:cNvSpPr>
+          <p:nvPr>
+            <p:ph type="title"/>
+          </p:nvPr>
+        </p:nvSpPr>
+        <p:spPr/>
+        <p:txBody>
+          <a:bodyPr/>
+          <a:lstStyle/>
+          <a:p>
+            <a:r>
+              <a:rPr lang="en-US" altLang="zh-CN" dirty="0"/>
+              <a:t>1.1 </a:t>
+            </a:r>
+            <a:r>
+              <a:rPr lang="zh-CN" altLang="en-US" dirty="0">
+                <a:solidFill>
+                  <a:srgbClr val="01ACF1"/>
+                </a:solidFill>
+                <a:cs typeface="+mn-ea"/>
+                <a:sym typeface="+mn-lt"/>
+              </a:rPr>
+              <a:t>应用场景</a:t>
+            </a:r>
+            <a:endParaRPr lang="zh-CN" altLang="en-US" dirty="0"/>
+          </a:p>
+        </p:txBody>
+      </p:sp>
+      <p:sp>
+        <p:nvSpPr>
+          <p:cNvPr id="3" name="内容占位符 2"/>
+          <p:cNvSpPr>
+            <a:spLocks noGrp="1"/>
+          </p:cNvSpPr>
+          <p:nvPr>
+            <p:ph idx="1"/>
+          </p:nvPr>
+        </p:nvSpPr>
+        <p:spPr>
+          <a:xfrm>
+            <a:off x="838201" y="1268760"/>
+            <a:ext cx="10658399" cy="3729960"/>
+          </a:xfrm>
+        </p:spPr>
+        <p:txBody>
+          <a:bodyPr/>
+          <a:lstStyle/>
+          <a:p>
+            <a:r>
+              <a:rPr lang="zh-CN" altLang="en-US" dirty="0"/>
+              <a:t>应用场景</a:t>
+            </a:r>
+            <a:endParaRPr lang="en-US" altLang="zh-CN" dirty="0"/>
+          </a:p>
+          <a:p>
+            <a:pPr lvl="1"/>
+            <a:r>
+              <a:rPr lang="zh-CN" altLang="en-US" dirty="0"/>
+              <a:t>银行、金融、证券、电信领域核心业务。</a:t>
+            </a:r>
+            <a:endParaRPr lang="en-US" altLang="zh-CN" dirty="0"/>
+          </a:p>
+          <a:p>
+            <a:pPr lvl="1"/>
+            <a:r>
+              <a:rPr lang="en-US" altLang="zh-CN" dirty="0"/>
+              <a:t>OLTP</a:t>
+            </a:r>
+            <a:r>
+              <a:rPr lang="zh-CN" altLang="en-US" dirty="0"/>
+              <a:t>业务场景（</a:t>
+            </a:r>
+            <a:r>
+              <a:rPr lang="en-US" altLang="zh-CN" dirty="0"/>
+              <a:t>OLAP</a:t>
+            </a:r>
+            <a:r>
+              <a:rPr lang="zh-CN" altLang="en-US" dirty="0"/>
+              <a:t>引擎基于</a:t>
+            </a:r>
+            <a:r>
+              <a:rPr lang="en-US" altLang="zh-CN" dirty="0"/>
+              <a:t>presto</a:t>
+            </a:r>
+            <a:r>
+              <a:rPr lang="zh-CN" altLang="en-US" dirty="0"/>
+              <a:t>实现，暂无法商用）</a:t>
+            </a:r>
+          </a:p>
+          <a:p>
+            <a:pPr lvl="1"/>
+            <a:endParaRPr lang="en-US" altLang="zh-CN" dirty="0"/>
+          </a:p>
+          <a:p>
+            <a:pPr lvl="1"/>
+            <a:endParaRPr lang="zh-CN" altLang="en-US" dirty="0">
+              <a:solidFill>
+                <a:srgbClr val="0000FF"/>
+              </a:solidFill>
+              <a:sym typeface="+mn-ea"/>
+            </a:endParaRPr>
+          </a:p>
+          <a:p>
+            <a:pPr lvl="1"/>
+            <a:endParaRPr lang="en-US" altLang="zh-CN" dirty="0"/>
+          </a:p>
+          <a:p>
+            <a:pPr lvl="1"/>
+            <a:endParaRPr lang="zh-CN" altLang="en-US" dirty="0"/>
+          </a:p>
+          <a:p>
+            <a:pPr lvl="1"/>
+            <a:endParaRPr lang="zh-CN" altLang="en-US" dirty="0"/>
+          </a:p>
+          <a:p>
+            <a:pPr lvl="1"/>
+            <a:endParaRPr lang="zh-CN" altLang="en-US" dirty="0"/>
+          </a:p>
+          <a:p>
+            <a:pPr lvl="1"/>
+            <a:endParaRPr lang="en-US" altLang="zh-CN" dirty="0"/>
+          </a:p>
+          <a:p>
+            <a:pPr marL="480695" lvl="1" indent="0">
+              <a:buNone/>
+            </a:pPr>
+            <a:endParaRPr lang="zh-CN" altLang="en-US" dirty="0"/>
+          </a:p>
+        </p:txBody>
+      </p:sp>
+      <p:sp>
+        <p:nvSpPr>
+          <p:cNvPr id="4" name="页脚占位符 3"/>
+          <p:cNvSpPr>
+            <a:spLocks noGrp="1"/>
+          </p:cNvSpPr>
+          <p:nvPr>
+            <p:ph type="ftr" sz="quarter" idx="11"/>
+          </p:nvPr>
+        </p:nvSpPr>
+        <p:spPr/>
+        <p:txBody>
+          <a:bodyPr/>
+          <a:lstStyle/>
+          <a:p>
+            <a:pPr>
+              <a:defRPr/>
+            </a:pPr>
+            <a:r>
+              <a:rPr lang="en-US" altLang="zh-CN" dirty="0" err="1"/>
+              <a:t>版权归</a:t>
+            </a:r>
+            <a:r>
+              <a:rPr lang="en-US" altLang="zh-CN" dirty="0"/>
+              <a:t>© 2022 Tencent, </a:t>
+            </a:r>
+            <a:r>
+              <a:rPr lang="en-US" altLang="zh-CN" dirty="0" err="1"/>
+              <a:t>Inc.或其附属公司所有</a:t>
+            </a:r>
+            <a:r>
+              <a:rPr lang="en-US" altLang="zh-CN" dirty="0"/>
+              <a:t> </a:t>
+            </a:r>
+            <a:r>
+              <a:rPr lang="en-US" altLang="zh-CN" dirty="0" err="1"/>
+              <a:t>保留所有权利</a:t>
+            </a:r>
+            <a:r>
+              <a:rPr lang="en-US" altLang="zh-CN" dirty="0"/>
+              <a:t> </a:t>
+            </a:r>
+          </a:p>
+        </p:txBody>
+      </p:sp>
+    </p:spTree>
+  </p:cSld>
+  <p:clrMapOvr>
+    <a:masterClrMapping/>
+  </p:clrMapOvr>
+</p:sld>
+</file>
+
+<file path=ppt/slides/slide50.xml><?xml version="1.0" encoding="utf-8"?>
 <p:sld xmlns:a="http://schemas.openxmlformats.org/drawingml/2006/main" xmlns:r="http://schemas.openxmlformats.org/officeDocument/2006/relationships" xmlns:p="http://schemas.openxmlformats.org/presentationml/2006/main">
   <p:cSld>
     <p:spTree>
@@ -34226,212 +36334,7 @@
 </p:sld>
 </file>
 
-<file path=ppt/slides/slide5.xml><?xml version="1.0" encoding="utf-8"?>
-<p:sld xmlns:a="http://schemas.openxmlformats.org/drawingml/2006/main" xmlns:r="http://schemas.openxmlformats.org/officeDocument/2006/relationships" xmlns:p="http://schemas.openxmlformats.org/presentationml/2006/main">
-  <p:cSld>
-    <p:spTree>
-      <p:nvGrpSpPr>
-        <p:cNvPr id="1" name=""/>
-        <p:cNvGrpSpPr/>
-        <p:nvPr/>
-      </p:nvGrpSpPr>
-      <p:grpSpPr>
-        <a:xfrm>
-          <a:off x="0" y="0"/>
-          <a:ext cx="0" cy="0"/>
-          <a:chOff x="0" y="0"/>
-          <a:chExt cx="0" cy="0"/>
-        </a:xfrm>
-      </p:grpSpPr>
-      <p:sp>
-        <p:nvSpPr>
-          <p:cNvPr id="2" name="标题 1"/>
-          <p:cNvSpPr>
-            <a:spLocks noGrp="1"/>
-          </p:cNvSpPr>
-          <p:nvPr>
-            <p:ph type="title"/>
-          </p:nvPr>
-        </p:nvSpPr>
-        <p:spPr/>
-        <p:txBody>
-          <a:bodyPr/>
-          <a:lstStyle/>
-          <a:p>
-            <a:r>
-              <a:rPr lang="en-US" altLang="zh-CN" dirty="0"/>
-              <a:t>1.1 </a:t>
-            </a:r>
-            <a:r>
-              <a:rPr lang="zh-CN" altLang="en-US" dirty="0">
-                <a:solidFill>
-                  <a:srgbClr val="01ACF1"/>
-                </a:solidFill>
-                <a:cs typeface="+mn-ea"/>
-                <a:sym typeface="+mn-lt"/>
-              </a:rPr>
-              <a:t>应用场景</a:t>
-            </a:r>
-            <a:endParaRPr lang="zh-CN" altLang="en-US" dirty="0"/>
-          </a:p>
-        </p:txBody>
-      </p:sp>
-      <p:sp>
-        <p:nvSpPr>
-          <p:cNvPr id="3" name="内容占位符 2"/>
-          <p:cNvSpPr>
-            <a:spLocks noGrp="1"/>
-          </p:cNvSpPr>
-          <p:nvPr>
-            <p:ph idx="1"/>
-          </p:nvPr>
-        </p:nvSpPr>
-        <p:spPr>
-          <a:xfrm>
-            <a:off x="838201" y="1268760"/>
-            <a:ext cx="10658399" cy="3729960"/>
-          </a:xfrm>
-        </p:spPr>
-        <p:txBody>
-          <a:bodyPr/>
-          <a:lstStyle/>
-          <a:p>
-            <a:r>
-              <a:rPr lang="zh-CN" altLang="en-US" dirty="0"/>
-              <a:t>应用场景</a:t>
-            </a:r>
-            <a:endParaRPr lang="en-US" altLang="zh-CN" dirty="0"/>
-          </a:p>
-          <a:p>
-            <a:pPr lvl="1"/>
-            <a:r>
-              <a:rPr lang="zh-CN" altLang="en-US" dirty="0"/>
-              <a:t>银行、金融、证券、电信领域核心业务。</a:t>
-            </a:r>
-            <a:endParaRPr lang="en-US" altLang="zh-CN" dirty="0"/>
-          </a:p>
-          <a:p>
-            <a:pPr lvl="1"/>
-            <a:r>
-              <a:rPr lang="en-US" altLang="zh-CN" dirty="0"/>
-              <a:t>OLTP</a:t>
-            </a:r>
-            <a:r>
-              <a:rPr lang="zh-CN" altLang="en-US" dirty="0"/>
-              <a:t>业务场景（</a:t>
-            </a:r>
-            <a:r>
-              <a:rPr lang="en-US" altLang="zh-CN" dirty="0"/>
-              <a:t>OLAP</a:t>
-            </a:r>
-            <a:r>
-              <a:rPr lang="zh-CN" altLang="en-US" dirty="0"/>
-              <a:t>引擎基于</a:t>
-            </a:r>
-            <a:r>
-              <a:rPr lang="en-US" altLang="zh-CN" dirty="0"/>
-              <a:t>presto</a:t>
-            </a:r>
-            <a:r>
-              <a:rPr lang="zh-CN" altLang="en-US" dirty="0"/>
-              <a:t>实现，暂无法商用）</a:t>
-            </a:r>
-          </a:p>
-          <a:p>
-            <a:pPr lvl="1"/>
-            <a:endParaRPr lang="en-US" altLang="zh-CN" dirty="0"/>
-          </a:p>
-          <a:p>
-            <a:pPr lvl="1"/>
-            <a:endParaRPr lang="zh-CN" altLang="en-US" dirty="0">
-              <a:solidFill>
-                <a:srgbClr val="0000FF"/>
-              </a:solidFill>
-              <a:sym typeface="+mn-ea"/>
-            </a:endParaRPr>
-          </a:p>
-          <a:p>
-            <a:pPr lvl="1"/>
-            <a:endParaRPr lang="en-US" altLang="zh-CN" dirty="0"/>
-          </a:p>
-          <a:p>
-            <a:pPr lvl="1"/>
-            <a:endParaRPr lang="zh-CN" altLang="en-US" dirty="0"/>
-          </a:p>
-          <a:p>
-            <a:pPr lvl="1"/>
-            <a:endParaRPr lang="zh-CN" altLang="en-US" dirty="0"/>
-          </a:p>
-          <a:p>
-            <a:pPr lvl="1"/>
-            <a:endParaRPr lang="zh-CN" altLang="en-US" dirty="0"/>
-          </a:p>
-          <a:p>
-            <a:pPr lvl="1"/>
-            <a:endParaRPr lang="en-US" altLang="zh-CN" dirty="0"/>
-          </a:p>
-          <a:p>
-            <a:pPr marL="480695" lvl="1" indent="0">
-              <a:buNone/>
-            </a:pPr>
-            <a:endParaRPr lang="zh-CN" altLang="en-US" dirty="0"/>
-          </a:p>
-        </p:txBody>
-      </p:sp>
-      <p:sp>
-        <p:nvSpPr>
-          <p:cNvPr id="4" name="页脚占位符 3"/>
-          <p:cNvSpPr>
-            <a:spLocks noGrp="1"/>
-          </p:cNvSpPr>
-          <p:nvPr>
-            <p:ph type="ftr" sz="quarter" idx="11"/>
-          </p:nvPr>
-        </p:nvSpPr>
-        <p:spPr/>
-        <p:txBody>
-          <a:bodyPr/>
-          <a:lstStyle/>
-          <a:p>
-            <a:pPr>
-              <a:defRPr/>
-            </a:pPr>
-            <a:r>
-              <a:rPr lang="en-US" altLang="zh-CN" dirty="0" err="1"/>
-              <a:t>版权归</a:t>
-            </a:r>
-            <a:r>
-              <a:rPr lang="en-US" altLang="zh-CN" dirty="0"/>
-              <a:t>© 2022 Tencent, </a:t>
-            </a:r>
-            <a:r>
-              <a:rPr lang="en-US" altLang="zh-CN" dirty="0" err="1"/>
-              <a:t>Inc.或其附属公司所有</a:t>
-            </a:r>
-            <a:r>
-              <a:rPr lang="en-US" altLang="zh-CN" dirty="0"/>
-              <a:t> </a:t>
-            </a:r>
-            <a:r>
-              <a:rPr lang="en-US" altLang="zh-CN" dirty="0" err="1"/>
-              <a:t>保留所有权利</a:t>
-            </a:r>
-            <a:r>
-              <a:rPr lang="en-US" altLang="zh-CN" dirty="0"/>
-              <a:t> </a:t>
-            </a:r>
-          </a:p>
-        </p:txBody>
-      </p:sp>
-    </p:spTree>
-  </p:cSld>
-  <p:clrMapOvr>
-    <a:masterClrMapping/>
-  </p:clrMapOvr>
-</p:sld>
-</file>
-
-<file path=ppt/slides/slide50.xml><?xml version="1.0" encoding="utf-8"?>
+<file path=ppt/slides/slide51.xml><?xml version="1.0" encoding="utf-8"?>
 <p:sld xmlns:a="http://schemas.openxmlformats.org/drawingml/2006/main" xmlns:r="http://schemas.openxmlformats.org/officeDocument/2006/relationships" xmlns:p="http://schemas.openxmlformats.org/presentationml/2006/main">
   <p:cSld>
     <p:spTree>
@@ -34582,7 +36485,7 @@
 </p:sld>
 </file>
 
-<file path=ppt/slides/slide51.xml><?xml version="1.0" encoding="utf-8"?>
+<file path=ppt/slides/slide52.xml><?xml version="1.0" encoding="utf-8"?>
 <p:sld xmlns:a="http://schemas.openxmlformats.org/drawingml/2006/main" xmlns:r="http://schemas.openxmlformats.org/officeDocument/2006/relationships" xmlns:p="http://schemas.openxmlformats.org/presentationml/2006/main">
   <p:cSld>
     <p:spTree>
@@ -35639,7 +37542,7 @@
 </p:sld>
 </file>
 
-<file path=ppt/slides/slide52.xml><?xml version="1.0" encoding="utf-8"?>
+<file path=ppt/slides/slide53.xml><?xml version="1.0" encoding="utf-8"?>
 <p:sld xmlns:a="http://schemas.openxmlformats.org/drawingml/2006/main" xmlns:r="http://schemas.openxmlformats.org/officeDocument/2006/relationships" xmlns:p="http://schemas.openxmlformats.org/presentationml/2006/main">
   <p:cSld>
     <p:spTree>
@@ -35874,7 +37777,7 @@
 </p:sld>
 </file>
 
-<file path=ppt/slides/slide53.xml><?xml version="1.0" encoding="utf-8"?>
+<file path=ppt/slides/slide54.xml><?xml version="1.0" encoding="utf-8"?>
 <p:sld xmlns:a="http://schemas.openxmlformats.org/drawingml/2006/main" xmlns:r="http://schemas.openxmlformats.org/officeDocument/2006/relationships" xmlns:p="http://schemas.openxmlformats.org/presentationml/2006/main">
   <p:cSld>
     <p:spTree>
@@ -36359,7 +38262,7 @@
 </p:sld>
 </file>
 
-<file path=ppt/slides/slide54.xml><?xml version="1.0" encoding="utf-8"?>
+<file path=ppt/slides/slide55.xml><?xml version="1.0" encoding="utf-8"?>
 <p:sld xmlns:a="http://schemas.openxmlformats.org/drawingml/2006/main" xmlns:r="http://schemas.openxmlformats.org/officeDocument/2006/relationships" xmlns:p="http://schemas.openxmlformats.org/presentationml/2006/main">
   <p:cSld>
     <p:spTree>
@@ -37635,7 +39538,7 @@
 </p:sld>
 </file>
 
-<file path=ppt/slides/slide55.xml><?xml version="1.0" encoding="utf-8"?>
+<file path=ppt/slides/slide56.xml><?xml version="1.0" encoding="utf-8"?>
 <p:sld xmlns:a="http://schemas.openxmlformats.org/drawingml/2006/main" xmlns:r="http://schemas.openxmlformats.org/officeDocument/2006/relationships" xmlns:p="http://schemas.openxmlformats.org/presentationml/2006/main">
   <p:cSld>
     <p:spTree>
@@ -37778,7 +39681,7 @@
 </p:sld>
 </file>
 
-<file path=ppt/slides/slide56.xml><?xml version="1.0" encoding="utf-8"?>
+<file path=ppt/slides/slide57.xml><?xml version="1.0" encoding="utf-8"?>
 <p:sld xmlns:a="http://schemas.openxmlformats.org/drawingml/2006/main" xmlns:r="http://schemas.openxmlformats.org/officeDocument/2006/relationships" xmlns:p="http://schemas.openxmlformats.org/presentationml/2006/main">
   <p:cSld>
     <p:spTree>
@@ -37963,7 +39866,7 @@
 </p:sld>
 </file>
 
-<file path=ppt/slides/slide57.xml><?xml version="1.0" encoding="utf-8"?>
+<file path=ppt/slides/slide58.xml><?xml version="1.0" encoding="utf-8"?>
 <p:sld xmlns:a="http://schemas.openxmlformats.org/drawingml/2006/main" xmlns:r="http://schemas.openxmlformats.org/officeDocument/2006/relationships" xmlns:p="http://schemas.openxmlformats.org/presentationml/2006/main">
   <p:cSld>
     <p:spTree>
@@ -38316,199 +40219,6 @@
 </p:sld>
 </file>
 
-<file path=ppt/slides/slide58.xml><?xml version="1.0" encoding="utf-8"?>
-<p:sld xmlns:a="http://schemas.openxmlformats.org/drawingml/2006/main" xmlns:r="http://schemas.openxmlformats.org/officeDocument/2006/relationships" xmlns:p="http://schemas.openxmlformats.org/presentationml/2006/main">
-  <p:cSld>
-    <p:spTree>
-      <p:nvGrpSpPr>
-        <p:cNvPr id="1" name=""/>
-        <p:cNvGrpSpPr/>
-        <p:nvPr/>
-      </p:nvGrpSpPr>
-      <p:grpSpPr>
-        <a:xfrm>
-          <a:off x="0" y="0"/>
-          <a:ext cx="0" cy="0"/>
-          <a:chOff x="0" y="0"/>
-          <a:chExt cx="0" cy="0"/>
-        </a:xfrm>
-      </p:grpSpPr>
-      <p:sp>
-        <p:nvSpPr>
-          <p:cNvPr id="19" name="标题 18"/>
-          <p:cNvSpPr>
-            <a:spLocks noGrp="1"/>
-          </p:cNvSpPr>
-          <p:nvPr>
-            <p:ph type="title"/>
-          </p:nvPr>
-        </p:nvSpPr>
-        <p:spPr/>
-        <p:txBody>
-          <a:bodyPr/>
-          <a:lstStyle/>
-          <a:p>
-            <a:r>
-              <a:rPr lang="en-US" altLang="zh-CN" dirty="0"/>
-              <a:t>8.2 </a:t>
-            </a:r>
-            <a:r>
-              <a:rPr lang="zh-CN" altLang="en-US" dirty="0"/>
-              <a:t>重分布（续）</a:t>
-            </a:r>
-            <a:endParaRPr lang="zh-CN" altLang="zh-CN" dirty="0"/>
-          </a:p>
-        </p:txBody>
-      </p:sp>
-      <p:sp>
-        <p:nvSpPr>
-          <p:cNvPr id="23" name="页脚占位符 1"/>
-          <p:cNvSpPr>
-            <a:spLocks noGrp="1"/>
-          </p:cNvSpPr>
-          <p:nvPr>
-            <p:ph type="ftr" sz="quarter" idx="11"/>
-          </p:nvPr>
-        </p:nvSpPr>
-        <p:spPr>
-          <a:xfrm>
-            <a:off x="3719736" y="6482667"/>
-            <a:ext cx="4752528" cy="366713"/>
-          </a:xfrm>
-        </p:spPr>
-        <p:txBody>
-          <a:bodyPr/>
-          <a:lstStyle/>
-          <a:p>
-            <a:pPr>
-              <a:defRPr/>
-            </a:pPr>
-            <a:r>
-              <a:rPr lang="en-US" altLang="zh-CN" dirty="0" err="1"/>
-              <a:t>版权归</a:t>
-            </a:r>
-            <a:r>
-              <a:rPr lang="en-US" altLang="zh-CN" dirty="0"/>
-              <a:t>© 2022 Tencent, </a:t>
-            </a:r>
-            <a:r>
-              <a:rPr lang="en-US" altLang="zh-CN" dirty="0" err="1"/>
-              <a:t>Inc.或其附属公司所有</a:t>
-            </a:r>
-            <a:r>
-              <a:rPr lang="en-US" altLang="zh-CN" dirty="0"/>
-              <a:t> </a:t>
-            </a:r>
-            <a:r>
-              <a:rPr lang="en-US" altLang="zh-CN" dirty="0" err="1"/>
-              <a:t>保留所有权利</a:t>
-            </a:r>
-            <a:r>
-              <a:rPr lang="en-US" altLang="zh-CN" dirty="0"/>
-              <a:t> </a:t>
-            </a:r>
-          </a:p>
-        </p:txBody>
-      </p:sp>
-      <p:sp>
-        <p:nvSpPr>
-          <p:cNvPr id="6" name="内容占位符 2">
-            <a:extLst>
-              <a:ext uri="{FF2B5EF4-FFF2-40B4-BE49-F238E27FC236}">
-                <a16:creationId xmlns:a16="http://schemas.microsoft.com/office/drawing/2014/main" id="{F27D00F7-8CA0-4A63-BF5B-42D4718DF924}"/>
-              </a:ext>
-            </a:extLst>
-          </p:cNvPr>
-          <p:cNvSpPr>
-            <a:spLocks noGrp="1"/>
-          </p:cNvSpPr>
-          <p:nvPr>
-            <p:ph idx="1"/>
-          </p:nvPr>
-        </p:nvSpPr>
-        <p:spPr>
-          <a:xfrm>
-            <a:off x="838201" y="1058779"/>
-            <a:ext cx="10413732" cy="2454442"/>
-          </a:xfrm>
-        </p:spPr>
-        <p:txBody>
-          <a:bodyPr/>
-          <a:lstStyle/>
-          <a:p>
-            <a:r>
-              <a:rPr lang="en-US" altLang="zh-CN" dirty="0"/>
-              <a:t>Hash</a:t>
-            </a:r>
-            <a:r>
-              <a:rPr lang="zh-CN" altLang="en-US" dirty="0"/>
-              <a:t>策略流式重分布</a:t>
-            </a:r>
-            <a:endParaRPr lang="en-US" altLang="zh-CN" dirty="0"/>
-          </a:p>
-          <a:p>
-            <a:pPr lvl="1"/>
-            <a:r>
-              <a:rPr lang="en-US" altLang="zh-CN" sz="1600" dirty="0"/>
-              <a:t>Hash</a:t>
-            </a:r>
-            <a:r>
-              <a:rPr lang="zh-CN" altLang="en-US" sz="1600" dirty="0"/>
-              <a:t>策略流式重分布是对通用重分布策略的优化，适用于分片键信息不变，仅进行</a:t>
-            </a:r>
-            <a:r>
-              <a:rPr lang="en-US" altLang="zh-CN" sz="1600" dirty="0"/>
-              <a:t>Hash</a:t>
-            </a:r>
-            <a:r>
-              <a:rPr lang="zh-CN" altLang="en-US" sz="1600" dirty="0"/>
-              <a:t>分片策略横向扩容的场景；</a:t>
-            </a:r>
-            <a:endParaRPr lang="en-US" altLang="zh-CN" sz="1600" dirty="0"/>
-          </a:p>
-          <a:p>
-            <a:pPr lvl="1"/>
-            <a:r>
-              <a:rPr lang="zh-CN" altLang="en-US" sz="1600" dirty="0"/>
-              <a:t>系统中默认包含</a:t>
-            </a:r>
-            <a:r>
-              <a:rPr lang="en-US" altLang="zh-CN" sz="1600" dirty="0"/>
-              <a:t>2048*128</a:t>
-            </a:r>
-            <a:r>
-              <a:rPr lang="zh-CN" altLang="en-US" sz="1600" dirty="0"/>
-              <a:t>个</a:t>
-            </a:r>
-            <a:r>
-              <a:rPr lang="en-US" altLang="zh-CN" sz="1600" dirty="0"/>
-              <a:t>HASH</a:t>
-            </a:r>
-            <a:r>
-              <a:rPr lang="zh-CN" altLang="en-US" sz="1600" dirty="0"/>
-              <a:t>桶，新增数据节点的过程中会并行的从现有的每个分片节点迁移部分数据到新增分片上，确保所有分片数据平均；</a:t>
-            </a:r>
-            <a:endParaRPr lang="en-US" altLang="zh-CN" sz="1600" dirty="0"/>
-          </a:p>
-          <a:p>
-            <a:pPr lvl="1"/>
-            <a:endParaRPr lang="en-US" altLang="zh-CN" dirty="0"/>
-          </a:p>
-        </p:txBody>
-      </p:sp>
-    </p:spTree>
-    <p:extLst>
-      <p:ext uri="{BB962C8B-B14F-4D97-AF65-F5344CB8AC3E}">
-        <p14:creationId xmlns:p14="http://schemas.microsoft.com/office/powerpoint/2010/main" val="2912298288"/>
-      </p:ext>
-    </p:extLst>
-  </p:cSld>
-  <p:clrMapOvr>
-    <a:masterClrMapping/>
-  </p:clrMapOvr>
-</p:sld>
-</file>
-
 <file path=ppt/slides/slide59.xml><?xml version="1.0" encoding="utf-8"?>
 <p:sld xmlns:a="http://schemas.openxmlformats.org/drawingml/2006/main" xmlns:r="http://schemas.openxmlformats.org/officeDocument/2006/relationships" xmlns:p="http://schemas.openxmlformats.org/presentationml/2006/main">
   <p:cSld>
@@ -38543,11 +40253,11 @@
           <a:p>
             <a:r>
               <a:rPr lang="en-US" altLang="zh-CN" dirty="0"/>
-              <a:t>8.3 </a:t>
+              <a:t>8.2 </a:t>
             </a:r>
             <a:r>
               <a:rPr lang="zh-CN" altLang="en-US" dirty="0"/>
-              <a:t>导入导出</a:t>
+              <a:t>重分布（续）</a:t>
             </a:r>
             <a:endParaRPr lang="zh-CN" altLang="zh-CN" dirty="0"/>
           </a:p>
@@ -38608,7 +40318,7 @@
           <p:cNvPr id="6" name="内容占位符 2">
             <a:extLst>
               <a:ext uri="{FF2B5EF4-FFF2-40B4-BE49-F238E27FC236}">
-                <a16:creationId xmlns:a16="http://schemas.microsoft.com/office/drawing/2014/main" id="{883F5C02-8E98-4BB1-8078-EDB7D057E664}"/>
+                <a16:creationId xmlns:a16="http://schemas.microsoft.com/office/drawing/2014/main" id="{F27D00F7-8CA0-4A63-BF5B-42D4718DF924}"/>
               </a:ext>
             </a:extLst>
           </p:cNvPr>
@@ -38621,8 +40331,8 @@
         </p:nvSpPr>
         <p:spPr>
           <a:xfrm>
-            <a:off x="838201" y="1268760"/>
-            <a:ext cx="10658399" cy="1726882"/>
+            <a:off x="838201" y="1058779"/>
+            <a:ext cx="10413732" cy="2454442"/>
           </a:xfrm>
         </p:spPr>
         <p:txBody>
@@ -38630,113 +40340,69 @@
           <a:lstStyle/>
           <a:p>
             <a:r>
+              <a:rPr lang="en-US" altLang="zh-CN" dirty="0"/>
+              <a:t>Hash</a:t>
+            </a:r>
+            <a:r>
               <a:rPr lang="zh-CN" altLang="en-US" dirty="0"/>
-              <a:t>数据导入</a:t>
+              <a:t>策略流式重分布</a:t>
             </a:r>
             <a:endParaRPr lang="en-US" altLang="zh-CN" dirty="0"/>
           </a:p>
           <a:p>
             <a:pPr lvl="1"/>
             <a:r>
-              <a:rPr lang="zh-CN" altLang="en-US" dirty="0"/>
-              <a:t>基本流程：</a:t>
-            </a:r>
-            <a:r>
-              <a:rPr lang="zh-CN" altLang="zh-CN" dirty="0"/>
-              <a:t>接收导入命令请求</a:t>
-            </a:r>
-            <a:r>
-              <a:rPr lang="en-US" altLang="zh-CN" dirty="0"/>
-              <a:t>-&gt;SQL</a:t>
-            </a:r>
-            <a:r>
-              <a:rPr lang="zh-CN" altLang="zh-CN" dirty="0"/>
-              <a:t>命令语法校验</a:t>
-            </a:r>
-            <a:r>
-              <a:rPr lang="en-US" altLang="zh-CN" dirty="0"/>
-              <a:t>-&gt;</a:t>
-            </a:r>
-            <a:r>
-              <a:rPr lang="zh-CN" altLang="zh-CN" dirty="0"/>
-              <a:t>获取元数据</a:t>
-            </a:r>
-            <a:r>
-              <a:rPr lang="en-US" altLang="zh-CN" dirty="0"/>
-              <a:t>-&gt;</a:t>
-            </a:r>
-            <a:r>
-              <a:rPr lang="zh-CN" altLang="zh-CN" dirty="0"/>
-              <a:t>拆分数据文件</a:t>
-            </a:r>
-            <a:r>
-              <a:rPr lang="en-US" altLang="zh-CN" dirty="0"/>
-              <a:t>-&gt;</a:t>
-            </a:r>
-            <a:r>
-              <a:rPr lang="zh-CN" altLang="zh-CN" dirty="0"/>
-              <a:t>下载拆分数据文件</a:t>
-            </a:r>
-            <a:r>
-              <a:rPr lang="en-US" altLang="zh-CN" dirty="0"/>
-              <a:t>-&gt;</a:t>
-            </a:r>
-            <a:r>
-              <a:rPr lang="zh-CN" altLang="zh-CN" dirty="0"/>
-              <a:t>执行导入命令</a:t>
-            </a:r>
-            <a:r>
-              <a:rPr lang="en-US" altLang="zh-CN" dirty="0"/>
-              <a:t>-&gt;</a:t>
-            </a:r>
-            <a:r>
-              <a:rPr lang="zh-CN" altLang="zh-CN" dirty="0"/>
-              <a:t>删除拆分数据文件</a:t>
-            </a:r>
+              <a:rPr lang="en-US" altLang="zh-CN" sz="1600" dirty="0"/>
+              <a:t>Hash</a:t>
+            </a:r>
+            <a:r>
+              <a:rPr lang="zh-CN" altLang="en-US" sz="1600" dirty="0"/>
+              <a:t>策略流式重分布是对通用重分布策略的优化，适用于分片键信息不变，仅进行</a:t>
+            </a:r>
+            <a:r>
+              <a:rPr lang="en-US" altLang="zh-CN" sz="1600" dirty="0"/>
+              <a:t>Hash</a:t>
+            </a:r>
+            <a:r>
+              <a:rPr lang="zh-CN" altLang="en-US" sz="1600" dirty="0"/>
+              <a:t>分片策略横向扩容的场景；</a:t>
+            </a:r>
+            <a:endParaRPr lang="en-US" altLang="zh-CN" sz="1600" dirty="0"/>
+          </a:p>
+          <a:p>
+            <a:pPr lvl="1"/>
+            <a:r>
+              <a:rPr lang="zh-CN" altLang="en-US" sz="1600" dirty="0"/>
+              <a:t>系统中默认包含</a:t>
+            </a:r>
+            <a:r>
+              <a:rPr lang="en-US" altLang="zh-CN" sz="1600" dirty="0"/>
+              <a:t>2048*128</a:t>
+            </a:r>
+            <a:r>
+              <a:rPr lang="zh-CN" altLang="en-US" sz="1600" dirty="0"/>
+              <a:t>个</a:t>
+            </a:r>
+            <a:r>
+              <a:rPr lang="en-US" altLang="zh-CN" sz="1600" dirty="0"/>
+              <a:t>HASH</a:t>
+            </a:r>
+            <a:r>
+              <a:rPr lang="zh-CN" altLang="en-US" sz="1600" dirty="0"/>
+              <a:t>桶，新增数据节点的过程中会并行的从现有的每个分片节点迁移部分数据到新增分片上，确保所有分片数据平均；</a:t>
+            </a:r>
+            <a:endParaRPr lang="en-US" altLang="zh-CN" sz="1600" dirty="0"/>
+          </a:p>
+          <a:p>
+            <a:pPr lvl="1"/>
             <a:endParaRPr lang="en-US" altLang="zh-CN" dirty="0"/>
           </a:p>
         </p:txBody>
       </p:sp>
-      <p:pic>
-        <p:nvPicPr>
-          <p:cNvPr id="3" name="图片 2" descr="图形用户界面&#10;&#10;描述已自动生成">
-            <a:extLst>
-              <a:ext uri="{FF2B5EF4-FFF2-40B4-BE49-F238E27FC236}">
-                <a16:creationId xmlns:a16="http://schemas.microsoft.com/office/drawing/2014/main" id="{14DE4B5C-9A93-4744-87A0-42ECC532EA62}"/>
-              </a:ext>
-            </a:extLst>
-          </p:cNvPr>
-          <p:cNvPicPr>
-            <a:picLocks noChangeAspect="1"/>
-          </p:cNvPicPr>
-          <p:nvPr/>
-        </p:nvPicPr>
-        <p:blipFill>
-          <a:blip r:embed="rId3">
-            <a:extLst>
-              <a:ext uri="{28A0092B-C50C-407E-A947-70E740481C1C}">
-                <a14:useLocalDpi xmlns:a14="http://schemas.microsoft.com/office/drawing/2010/main" val="0"/>
-              </a:ext>
-            </a:extLst>
-          </a:blip>
-          <a:stretch>
-            <a:fillRect/>
-          </a:stretch>
-        </p:blipFill>
-        <p:spPr>
-          <a:xfrm>
-            <a:off x="2675435" y="2817555"/>
-            <a:ext cx="6653689" cy="3811230"/>
-          </a:xfrm>
-          <a:prstGeom prst="rect">
-            <a:avLst/>
-          </a:prstGeom>
-        </p:spPr>
-      </p:pic>
     </p:spTree>
     <p:extLst>
       <p:ext uri="{BB962C8B-B14F-4D97-AF65-F5344CB8AC3E}">
-        <p14:creationId xmlns:p14="http://schemas.microsoft.com/office/powerpoint/2010/main" val="2135098985"/>
+        <p14:creationId xmlns:p14="http://schemas.microsoft.com/office/powerpoint/2010/main" val="2912298288"/>
       </p:ext>
     </p:extLst>
   </p:cSld>
@@ -38916,6 +40582,243 @@
             </a:r>
             <a:r>
               <a:rPr lang="zh-CN" altLang="en-US" dirty="0"/>
+              <a:t>导入导出</a:t>
+            </a:r>
+            <a:endParaRPr lang="zh-CN" altLang="zh-CN" dirty="0"/>
+          </a:p>
+        </p:txBody>
+      </p:sp>
+      <p:sp>
+        <p:nvSpPr>
+          <p:cNvPr id="23" name="页脚占位符 1"/>
+          <p:cNvSpPr>
+            <a:spLocks noGrp="1"/>
+          </p:cNvSpPr>
+          <p:nvPr>
+            <p:ph type="ftr" sz="quarter" idx="11"/>
+          </p:nvPr>
+        </p:nvSpPr>
+        <p:spPr>
+          <a:xfrm>
+            <a:off x="3719736" y="6482667"/>
+            <a:ext cx="4752528" cy="366713"/>
+          </a:xfrm>
+        </p:spPr>
+        <p:txBody>
+          <a:bodyPr/>
+          <a:lstStyle/>
+          <a:p>
+            <a:pPr>
+              <a:defRPr/>
+            </a:pPr>
+            <a:r>
+              <a:rPr lang="en-US" altLang="zh-CN" dirty="0" err="1"/>
+              <a:t>版权归</a:t>
+            </a:r>
+            <a:r>
+              <a:rPr lang="en-US" altLang="zh-CN" dirty="0"/>
+              <a:t>© 2022 Tencent, </a:t>
+            </a:r>
+            <a:r>
+              <a:rPr lang="en-US" altLang="zh-CN" dirty="0" err="1"/>
+              <a:t>Inc.或其附属公司所有</a:t>
+            </a:r>
+            <a:r>
+              <a:rPr lang="en-US" altLang="zh-CN" dirty="0"/>
+              <a:t> </a:t>
+            </a:r>
+            <a:r>
+              <a:rPr lang="en-US" altLang="zh-CN" dirty="0" err="1"/>
+              <a:t>保留所有权利</a:t>
+            </a:r>
+            <a:r>
+              <a:rPr lang="en-US" altLang="zh-CN" dirty="0"/>
+              <a:t> </a:t>
+            </a:r>
+          </a:p>
+        </p:txBody>
+      </p:sp>
+      <p:sp>
+        <p:nvSpPr>
+          <p:cNvPr id="6" name="内容占位符 2">
+            <a:extLst>
+              <a:ext uri="{FF2B5EF4-FFF2-40B4-BE49-F238E27FC236}">
+                <a16:creationId xmlns:a16="http://schemas.microsoft.com/office/drawing/2014/main" id="{883F5C02-8E98-4BB1-8078-EDB7D057E664}"/>
+              </a:ext>
+            </a:extLst>
+          </p:cNvPr>
+          <p:cNvSpPr>
+            <a:spLocks noGrp="1"/>
+          </p:cNvSpPr>
+          <p:nvPr>
+            <p:ph idx="1"/>
+          </p:nvPr>
+        </p:nvSpPr>
+        <p:spPr>
+          <a:xfrm>
+            <a:off x="838201" y="1268760"/>
+            <a:ext cx="10658399" cy="1726882"/>
+          </a:xfrm>
+        </p:spPr>
+        <p:txBody>
+          <a:bodyPr/>
+          <a:lstStyle/>
+          <a:p>
+            <a:r>
+              <a:rPr lang="zh-CN" altLang="en-US" dirty="0"/>
+              <a:t>数据导入</a:t>
+            </a:r>
+            <a:endParaRPr lang="en-US" altLang="zh-CN" dirty="0"/>
+          </a:p>
+          <a:p>
+            <a:pPr lvl="1"/>
+            <a:r>
+              <a:rPr lang="zh-CN" altLang="en-US" dirty="0"/>
+              <a:t>基本流程：</a:t>
+            </a:r>
+            <a:r>
+              <a:rPr lang="zh-CN" altLang="zh-CN" dirty="0"/>
+              <a:t>接收导入命令请求</a:t>
+            </a:r>
+            <a:r>
+              <a:rPr lang="en-US" altLang="zh-CN" dirty="0"/>
+              <a:t>-&gt;SQL</a:t>
+            </a:r>
+            <a:r>
+              <a:rPr lang="zh-CN" altLang="zh-CN" dirty="0"/>
+              <a:t>命令语法校验</a:t>
+            </a:r>
+            <a:r>
+              <a:rPr lang="en-US" altLang="zh-CN" dirty="0"/>
+              <a:t>-&gt;</a:t>
+            </a:r>
+            <a:r>
+              <a:rPr lang="zh-CN" altLang="zh-CN" dirty="0"/>
+              <a:t>获取元数据</a:t>
+            </a:r>
+            <a:r>
+              <a:rPr lang="en-US" altLang="zh-CN" dirty="0"/>
+              <a:t>-&gt;</a:t>
+            </a:r>
+            <a:r>
+              <a:rPr lang="zh-CN" altLang="zh-CN" dirty="0"/>
+              <a:t>拆分数据文件</a:t>
+            </a:r>
+            <a:r>
+              <a:rPr lang="en-US" altLang="zh-CN" dirty="0"/>
+              <a:t>-&gt;</a:t>
+            </a:r>
+            <a:r>
+              <a:rPr lang="zh-CN" altLang="zh-CN" dirty="0"/>
+              <a:t>下载拆分数据文件</a:t>
+            </a:r>
+            <a:r>
+              <a:rPr lang="en-US" altLang="zh-CN" dirty="0"/>
+              <a:t>-&gt;</a:t>
+            </a:r>
+            <a:r>
+              <a:rPr lang="zh-CN" altLang="zh-CN" dirty="0"/>
+              <a:t>执行导入命令</a:t>
+            </a:r>
+            <a:r>
+              <a:rPr lang="en-US" altLang="zh-CN" dirty="0"/>
+              <a:t>-&gt;</a:t>
+            </a:r>
+            <a:r>
+              <a:rPr lang="zh-CN" altLang="zh-CN" dirty="0"/>
+              <a:t>删除拆分数据文件</a:t>
+            </a:r>
+            <a:endParaRPr lang="en-US" altLang="zh-CN" dirty="0"/>
+          </a:p>
+        </p:txBody>
+      </p:sp>
+      <p:pic>
+        <p:nvPicPr>
+          <p:cNvPr id="3" name="图片 2" descr="图形用户界面&#10;&#10;描述已自动生成">
+            <a:extLst>
+              <a:ext uri="{FF2B5EF4-FFF2-40B4-BE49-F238E27FC236}">
+                <a16:creationId xmlns:a16="http://schemas.microsoft.com/office/drawing/2014/main" id="{14DE4B5C-9A93-4744-87A0-42ECC532EA62}"/>
+              </a:ext>
+            </a:extLst>
+          </p:cNvPr>
+          <p:cNvPicPr>
+            <a:picLocks noChangeAspect="1"/>
+          </p:cNvPicPr>
+          <p:nvPr/>
+        </p:nvPicPr>
+        <p:blipFill>
+          <a:blip r:embed="rId3">
+            <a:extLst>
+              <a:ext uri="{28A0092B-C50C-407E-A947-70E740481C1C}">
+                <a14:useLocalDpi xmlns:a14="http://schemas.microsoft.com/office/drawing/2010/main" val="0"/>
+              </a:ext>
+            </a:extLst>
+          </a:blip>
+          <a:stretch>
+            <a:fillRect/>
+          </a:stretch>
+        </p:blipFill>
+        <p:spPr>
+          <a:xfrm>
+            <a:off x="2675435" y="2817555"/>
+            <a:ext cx="6653689" cy="3811230"/>
+          </a:xfrm>
+          <a:prstGeom prst="rect">
+            <a:avLst/>
+          </a:prstGeom>
+        </p:spPr>
+      </p:pic>
+    </p:spTree>
+    <p:extLst>
+      <p:ext uri="{BB962C8B-B14F-4D97-AF65-F5344CB8AC3E}">
+        <p14:creationId xmlns:p14="http://schemas.microsoft.com/office/powerpoint/2010/main" val="2135098985"/>
+      </p:ext>
+    </p:extLst>
+  </p:cSld>
+  <p:clrMapOvr>
+    <a:masterClrMapping/>
+  </p:clrMapOvr>
+</p:sld>
+</file>
+
+<file path=ppt/slides/slide61.xml><?xml version="1.0" encoding="utf-8"?>
+<p:sld xmlns:a="http://schemas.openxmlformats.org/drawingml/2006/main" xmlns:r="http://schemas.openxmlformats.org/officeDocument/2006/relationships" xmlns:p="http://schemas.openxmlformats.org/presentationml/2006/main">
+  <p:cSld>
+    <p:spTree>
+      <p:nvGrpSpPr>
+        <p:cNvPr id="1" name=""/>
+        <p:cNvGrpSpPr/>
+        <p:nvPr/>
+      </p:nvGrpSpPr>
+      <p:grpSpPr>
+        <a:xfrm>
+          <a:off x="0" y="0"/>
+          <a:ext cx="0" cy="0"/>
+          <a:chOff x="0" y="0"/>
+          <a:chExt cx="0" cy="0"/>
+        </a:xfrm>
+      </p:grpSpPr>
+      <p:sp>
+        <p:nvSpPr>
+          <p:cNvPr id="19" name="标题 18"/>
+          <p:cNvSpPr>
+            <a:spLocks noGrp="1"/>
+          </p:cNvSpPr>
+          <p:nvPr>
+            <p:ph type="title"/>
+          </p:nvPr>
+        </p:nvSpPr>
+        <p:spPr/>
+        <p:txBody>
+          <a:bodyPr/>
+          <a:lstStyle/>
+          <a:p>
+            <a:r>
+              <a:rPr lang="en-US" altLang="zh-CN" dirty="0"/>
+              <a:t>8.3 </a:t>
+            </a:r>
+            <a:r>
+              <a:rPr lang="zh-CN" altLang="en-US" dirty="0"/>
               <a:t>导入导出（续）</a:t>
             </a:r>
             <a:endParaRPr lang="zh-CN" altLang="zh-CN" dirty="0"/>
@@ -39111,7 +41014,7 @@
 </p:sld>
 </file>
 
-<file path=ppt/slides/slide61.xml><?xml version="1.0" encoding="utf-8"?>
+<file path=ppt/slides/slide62.xml><?xml version="1.0" encoding="utf-8"?>
 <p:sld xmlns:a="http://schemas.openxmlformats.org/drawingml/2006/main" xmlns:r="http://schemas.openxmlformats.org/officeDocument/2006/relationships" xmlns:p="http://schemas.openxmlformats.org/presentationml/2006/main">
   <p:cSld>
     <p:spTree>
@@ -39292,7 +41195,7 @@
 </p:sld>
 </file>
 
-<file path=ppt/slides/slide62.xml><?xml version="1.0" encoding="utf-8"?>
+<file path=ppt/slides/slide63.xml><?xml version="1.0" encoding="utf-8"?>
 <p:sld xmlns:a="http://schemas.openxmlformats.org/drawingml/2006/main" xmlns:r="http://schemas.openxmlformats.org/officeDocument/2006/relationships" xmlns:p="http://schemas.openxmlformats.org/presentationml/2006/main">
   <p:cSld>
     <p:spTree>
@@ -40337,7 +42240,7 @@
 </p:sld>
 </file>
 
-<file path=ppt/slides/slide63.xml><?xml version="1.0" encoding="utf-8"?>
+<file path=ppt/slides/slide64.xml><?xml version="1.0" encoding="utf-8"?>
 <p:sld xmlns:a="http://schemas.openxmlformats.org/drawingml/2006/main" xmlns:r="http://schemas.openxmlformats.org/officeDocument/2006/relationships" xmlns:p="http://schemas.openxmlformats.org/presentationml/2006/main">
   <p:cSld>
     <p:spTree>
@@ -40481,7 +42384,7 @@
 </p:sld>
 </file>
 
-<file path=ppt/slides/slide64.xml><?xml version="1.0" encoding="utf-8"?>
+<file path=ppt/slides/slide65.xml><?xml version="1.0" encoding="utf-8"?>
 <p:sld xmlns:a="http://schemas.openxmlformats.org/drawingml/2006/main" xmlns:r="http://schemas.openxmlformats.org/officeDocument/2006/relationships" xmlns:p="http://schemas.openxmlformats.org/presentationml/2006/main">
   <p:cSld>
     <p:spTree>
@@ -40767,7 +42670,7 @@
 </p:sld>
 </file>
 
-<file path=ppt/slides/slide65.xml><?xml version="1.0" encoding="utf-8"?>
+<file path=ppt/slides/slide66.xml><?xml version="1.0" encoding="utf-8"?>
 <p:sld xmlns:a="http://schemas.openxmlformats.org/drawingml/2006/main" xmlns:r="http://schemas.openxmlformats.org/officeDocument/2006/relationships" xmlns:p="http://schemas.openxmlformats.org/presentationml/2006/main">
   <p:cSld>
     <p:spTree>
@@ -41824,277 +43727,6 @@
 </p:sld>
 </file>
 
-<file path=ppt/slides/slide66.xml><?xml version="1.0" encoding="utf-8"?>
-<p:sld xmlns:a="http://schemas.openxmlformats.org/drawingml/2006/main" xmlns:r="http://schemas.openxmlformats.org/officeDocument/2006/relationships" xmlns:p="http://schemas.openxmlformats.org/presentationml/2006/main">
-  <p:cSld>
-    <p:spTree>
-      <p:nvGrpSpPr>
-        <p:cNvPr id="1" name=""/>
-        <p:cNvGrpSpPr/>
-        <p:nvPr/>
-      </p:nvGrpSpPr>
-      <p:grpSpPr>
-        <a:xfrm>
-          <a:off x="0" y="0"/>
-          <a:ext cx="0" cy="0"/>
-          <a:chOff x="0" y="0"/>
-          <a:chExt cx="0" cy="0"/>
-        </a:xfrm>
-      </p:grpSpPr>
-      <p:sp>
-        <p:nvSpPr>
-          <p:cNvPr id="2" name="标题 1"/>
-          <p:cNvSpPr>
-            <a:spLocks noGrp="1"/>
-          </p:cNvSpPr>
-          <p:nvPr>
-            <p:ph type="title"/>
-          </p:nvPr>
-        </p:nvSpPr>
-        <p:spPr/>
-        <p:txBody>
-          <a:bodyPr/>
-          <a:lstStyle/>
-          <a:p>
-            <a:r>
-              <a:rPr lang="en-US" altLang="zh-CN" dirty="0"/>
-              <a:t>10.1 </a:t>
-            </a:r>
-            <a:r>
-              <a:rPr lang="zh-CN" altLang="en-US" dirty="0">
-                <a:solidFill>
-                  <a:srgbClr val="01ACF1"/>
-                </a:solidFill>
-                <a:cs typeface="+mn-ea"/>
-                <a:sym typeface="+mn-lt"/>
-              </a:rPr>
-              <a:t>现状问题</a:t>
-            </a:r>
-            <a:endParaRPr lang="zh-CN" altLang="en-US" dirty="0"/>
-          </a:p>
-        </p:txBody>
-      </p:sp>
-      <p:sp>
-        <p:nvSpPr>
-          <p:cNvPr id="3" name="内容占位符 2"/>
-          <p:cNvSpPr>
-            <a:spLocks noGrp="1"/>
-          </p:cNvSpPr>
-          <p:nvPr>
-            <p:ph idx="1"/>
-          </p:nvPr>
-        </p:nvSpPr>
-        <p:spPr>
-          <a:xfrm>
-            <a:off x="838201" y="1085879"/>
-            <a:ext cx="10658399" cy="5396787"/>
-          </a:xfrm>
-        </p:spPr>
-        <p:txBody>
-          <a:bodyPr/>
-          <a:lstStyle/>
-          <a:p>
-            <a:r>
-              <a:rPr lang="zh-CN" altLang="en-US" dirty="0"/>
-              <a:t>现状问题</a:t>
-            </a:r>
-            <a:endParaRPr lang="en-US" altLang="zh-CN" dirty="0"/>
-          </a:p>
-          <a:p>
-            <a:pPr lvl="1"/>
-            <a:r>
-              <a:rPr lang="zh-CN" altLang="en-US" dirty="0"/>
-              <a:t>计算节点计算不出分片时会群发所有数据节点，造成不必要网络</a:t>
-            </a:r>
-            <a:r>
-              <a:rPr lang="en-US" altLang="zh-CN" dirty="0"/>
-              <a:t>IO</a:t>
-            </a:r>
-            <a:r>
-              <a:rPr lang="zh-CN" altLang="en-US" dirty="0"/>
-              <a:t>开销</a:t>
-            </a:r>
-            <a:endParaRPr lang="en-US" altLang="zh-CN" dirty="0"/>
-          </a:p>
-          <a:p>
-            <a:pPr lvl="1"/>
-            <a:r>
-              <a:rPr lang="zh-CN" altLang="en-US" dirty="0"/>
-              <a:t>计算节点性能瓶颈：优化器多基于规则，全局索引性能差，大结果处理差</a:t>
-            </a:r>
-            <a:endParaRPr lang="en-US" altLang="zh-CN" dirty="0"/>
-          </a:p>
-          <a:p>
-            <a:pPr lvl="1"/>
-            <a:r>
-              <a:rPr lang="zh-CN" altLang="en-US" dirty="0"/>
-              <a:t>跨分片汇聚函数操作非强一致性</a:t>
-            </a:r>
-            <a:endParaRPr lang="en-US" altLang="zh-CN" dirty="0"/>
-          </a:p>
-          <a:p>
-            <a:pPr lvl="1"/>
-            <a:r>
-              <a:rPr lang="zh-CN" altLang="en-US" dirty="0"/>
-              <a:t>计算节点拆分的执行计划树，设计时间函数操作时存在时差</a:t>
-            </a:r>
-            <a:endParaRPr lang="en-US" altLang="zh-CN" dirty="0"/>
-          </a:p>
-          <a:p>
-            <a:pPr lvl="1"/>
-            <a:r>
-              <a:rPr lang="zh-CN" altLang="en-US" dirty="0"/>
-              <a:t>基本功能支持不够完善：分布式视图、分布式存储过程、</a:t>
-            </a:r>
-            <a:r>
-              <a:rPr lang="en-US" altLang="zh-CN" dirty="0">
-                <a:latin typeface="Times New Roman" panose="02020603050405020304" pitchFamily="18" charset="0"/>
-                <a:cs typeface="Times New Roman" panose="02020603050405020304" pitchFamily="18" charset="0"/>
-              </a:rPr>
-              <a:t>prepare</a:t>
-            </a:r>
-          </a:p>
-          <a:p>
-            <a:pPr lvl="1"/>
-            <a:r>
-              <a:rPr lang="en-US" altLang="zh-CN" dirty="0"/>
-              <a:t>HTAP</a:t>
-            </a:r>
-            <a:r>
-              <a:rPr lang="zh-CN" altLang="en-US" dirty="0"/>
-              <a:t>架构存在元数据和事务不一致性问题，未采用列式存储数据节点仍会出现瓶颈</a:t>
-            </a:r>
-            <a:endParaRPr lang="en-US" altLang="zh-CN" dirty="0"/>
-          </a:p>
-          <a:p>
-            <a:pPr lvl="1"/>
-            <a:r>
-              <a:rPr lang="zh-CN" altLang="en-US" dirty="0"/>
-              <a:t>全局管理网元过多，网络交互复杂</a:t>
-            </a:r>
-            <a:endParaRPr lang="en-US" altLang="zh-CN" dirty="0"/>
-          </a:p>
-          <a:p>
-            <a:pPr lvl="1"/>
-            <a:r>
-              <a:rPr lang="zh-CN" altLang="en-US" dirty="0"/>
-              <a:t>运维能力弱</a:t>
-            </a:r>
-            <a:endParaRPr lang="en-US" altLang="zh-CN" dirty="0"/>
-          </a:p>
-          <a:p>
-            <a:pPr lvl="1"/>
-            <a:r>
-              <a:rPr lang="zh-CN" altLang="en-US" dirty="0"/>
-              <a:t>没有云平台，基本没有形成相关生态链</a:t>
-            </a:r>
-            <a:endParaRPr lang="en-US" altLang="zh-CN" dirty="0"/>
-          </a:p>
-          <a:p>
-            <a:pPr marL="480695" lvl="1" indent="0">
-              <a:buNone/>
-            </a:pPr>
-            <a:endParaRPr lang="zh-CN" altLang="en-US" dirty="0"/>
-          </a:p>
-          <a:p>
-            <a:pPr lvl="1"/>
-            <a:endParaRPr lang="en-US" altLang="zh-CN" dirty="0"/>
-          </a:p>
-          <a:p>
-            <a:pPr lvl="1"/>
-            <a:endParaRPr lang="zh-CN" altLang="en-US" dirty="0">
-              <a:solidFill>
-                <a:srgbClr val="0000FF"/>
-              </a:solidFill>
-              <a:sym typeface="+mn-ea"/>
-            </a:endParaRPr>
-          </a:p>
-          <a:p>
-            <a:pPr lvl="1"/>
-            <a:endParaRPr lang="en-US" altLang="zh-CN" dirty="0"/>
-          </a:p>
-          <a:p>
-            <a:pPr lvl="1"/>
-            <a:endParaRPr lang="zh-CN" altLang="en-US" dirty="0"/>
-          </a:p>
-          <a:p>
-            <a:pPr lvl="1"/>
-            <a:endParaRPr lang="zh-CN" altLang="en-US" dirty="0"/>
-          </a:p>
-          <a:p>
-            <a:pPr lvl="1"/>
-            <a:endParaRPr lang="zh-CN" altLang="en-US" dirty="0"/>
-          </a:p>
-          <a:p>
-            <a:pPr lvl="1"/>
-            <a:endParaRPr lang="en-US" altLang="zh-CN" dirty="0"/>
-          </a:p>
-          <a:p>
-            <a:pPr marL="480695" lvl="1" indent="0">
-              <a:buNone/>
-            </a:pPr>
-            <a:endParaRPr lang="zh-CN" altLang="en-US" dirty="0"/>
-          </a:p>
-        </p:txBody>
-      </p:sp>
-      <p:sp>
-        <p:nvSpPr>
-          <p:cNvPr id="4" name="页脚占位符 3"/>
-          <p:cNvSpPr>
-            <a:spLocks noGrp="1"/>
-          </p:cNvSpPr>
-          <p:nvPr>
-            <p:ph type="ftr" sz="quarter" idx="11"/>
-          </p:nvPr>
-        </p:nvSpPr>
-        <p:spPr/>
-        <p:txBody>
-          <a:bodyPr/>
-          <a:lstStyle/>
-          <a:p>
-            <a:pPr>
-              <a:defRPr/>
-            </a:pPr>
-            <a:r>
-              <a:rPr lang="en-US" altLang="zh-CN" dirty="0" err="1"/>
-              <a:t>版权归</a:t>
-            </a:r>
-            <a:r>
-              <a:rPr lang="en-US" altLang="zh-CN" dirty="0"/>
-              <a:t>© 2022 Tencent, </a:t>
-            </a:r>
-            <a:r>
-              <a:rPr lang="en-US" altLang="zh-CN" dirty="0" err="1"/>
-              <a:t>Inc.或其附属公司所有</a:t>
-            </a:r>
-            <a:r>
-              <a:rPr lang="en-US" altLang="zh-CN" dirty="0"/>
-              <a:t> </a:t>
-            </a:r>
-            <a:r>
-              <a:rPr lang="en-US" altLang="zh-CN" dirty="0" err="1"/>
-              <a:t>保留所有权利</a:t>
-            </a:r>
-            <a:r>
-              <a:rPr lang="en-US" altLang="zh-CN" dirty="0"/>
-              <a:t> </a:t>
-            </a:r>
-          </a:p>
-        </p:txBody>
-      </p:sp>
-    </p:spTree>
-    <p:extLst>
-      <p:ext uri="{BB962C8B-B14F-4D97-AF65-F5344CB8AC3E}">
-        <p14:creationId xmlns:p14="http://schemas.microsoft.com/office/powerpoint/2010/main" val="2244461199"/>
-      </p:ext>
-    </p:extLst>
-  </p:cSld>
-  <p:clrMapOvr>
-    <a:masterClrMapping/>
-  </p:clrMapOvr>
-</p:sld>
-</file>
-
 <file path=ppt/slides/slide67.xml><?xml version="1.0" encoding="utf-8"?>
 <p:sld xmlns:a="http://schemas.openxmlformats.org/drawingml/2006/main" xmlns:r="http://schemas.openxmlformats.org/officeDocument/2006/relationships" xmlns:p="http://schemas.openxmlformats.org/presentationml/2006/main">
   <p:cSld>
@@ -42129,7 +43761,7 @@
           <a:p>
             <a:r>
               <a:rPr lang="en-US" altLang="zh-CN" dirty="0"/>
-              <a:t>10.2 </a:t>
+              <a:t>10.1 </a:t>
             </a:r>
             <a:r>
               <a:rPr lang="zh-CN" altLang="en-US" dirty="0">
@@ -42139,7 +43771,7 @@
                 <a:cs typeface="+mn-ea"/>
                 <a:sym typeface="+mn-lt"/>
               </a:rPr>
-              <a:t>后续发展</a:t>
+              <a:t>现状问题</a:t>
             </a:r>
             <a:endParaRPr lang="zh-CN" altLang="en-US" dirty="0"/>
           </a:p>
@@ -42158,7 +43790,7 @@
         <p:spPr>
           <a:xfrm>
             <a:off x="838201" y="1085879"/>
-            <a:ext cx="10658399" cy="3052984"/>
+            <a:ext cx="10658399" cy="5396787"/>
           </a:xfrm>
         </p:spPr>
         <p:txBody>
@@ -42167,6 +43799,270 @@
           <a:p>
             <a:r>
               <a:rPr lang="zh-CN" altLang="en-US" dirty="0"/>
+              <a:t>现状问题</a:t>
+            </a:r>
+            <a:endParaRPr lang="en-US" altLang="zh-CN" dirty="0"/>
+          </a:p>
+          <a:p>
+            <a:pPr lvl="1"/>
+            <a:r>
+              <a:rPr lang="zh-CN" altLang="en-US" dirty="0"/>
+              <a:t>计算节点计算不出分片时会群发所有数据节点，造成不必要网络</a:t>
+            </a:r>
+            <a:r>
+              <a:rPr lang="en-US" altLang="zh-CN" dirty="0"/>
+              <a:t>IO</a:t>
+            </a:r>
+            <a:r>
+              <a:rPr lang="zh-CN" altLang="en-US" dirty="0"/>
+              <a:t>开销</a:t>
+            </a:r>
+            <a:endParaRPr lang="en-US" altLang="zh-CN" dirty="0"/>
+          </a:p>
+          <a:p>
+            <a:pPr lvl="1"/>
+            <a:r>
+              <a:rPr lang="zh-CN" altLang="en-US" dirty="0"/>
+              <a:t>计算节点性能瓶颈：优化器多基于规则，全局索引性能差，大结果处理差</a:t>
+            </a:r>
+            <a:endParaRPr lang="en-US" altLang="zh-CN" dirty="0"/>
+          </a:p>
+          <a:p>
+            <a:pPr lvl="1"/>
+            <a:r>
+              <a:rPr lang="zh-CN" altLang="en-US" dirty="0"/>
+              <a:t>跨分片汇聚函数操作非强一致性</a:t>
+            </a:r>
+            <a:endParaRPr lang="en-US" altLang="zh-CN" dirty="0"/>
+          </a:p>
+          <a:p>
+            <a:pPr lvl="1"/>
+            <a:r>
+              <a:rPr lang="zh-CN" altLang="en-US" dirty="0"/>
+              <a:t>计算节点拆分的执行计划树，设计时间函数操作时存在时差</a:t>
+            </a:r>
+            <a:endParaRPr lang="en-US" altLang="zh-CN" dirty="0"/>
+          </a:p>
+          <a:p>
+            <a:pPr lvl="1"/>
+            <a:r>
+              <a:rPr lang="zh-CN" altLang="en-US" dirty="0"/>
+              <a:t>基本功能支持不够完善：分布式视图、分布式存储过程、</a:t>
+            </a:r>
+            <a:r>
+              <a:rPr lang="en-US" altLang="zh-CN" dirty="0">
+                <a:latin typeface="Times New Roman" panose="02020603050405020304" pitchFamily="18" charset="0"/>
+                <a:cs typeface="Times New Roman" panose="02020603050405020304" pitchFamily="18" charset="0"/>
+              </a:rPr>
+              <a:t>prepare</a:t>
+            </a:r>
+          </a:p>
+          <a:p>
+            <a:pPr lvl="1"/>
+            <a:r>
+              <a:rPr lang="en-US" altLang="zh-CN" dirty="0"/>
+              <a:t>HTAP</a:t>
+            </a:r>
+            <a:r>
+              <a:rPr lang="zh-CN" altLang="en-US" dirty="0"/>
+              <a:t>架构存在元数据和事务不一致性问题，未采用列式存储数据节点仍会出现瓶颈</a:t>
+            </a:r>
+            <a:endParaRPr lang="en-US" altLang="zh-CN" dirty="0"/>
+          </a:p>
+          <a:p>
+            <a:pPr lvl="1"/>
+            <a:r>
+              <a:rPr lang="zh-CN" altLang="en-US" dirty="0"/>
+              <a:t>全局管理网元过多，网络交互复杂</a:t>
+            </a:r>
+            <a:endParaRPr lang="en-US" altLang="zh-CN" dirty="0"/>
+          </a:p>
+          <a:p>
+            <a:pPr lvl="1"/>
+            <a:r>
+              <a:rPr lang="zh-CN" altLang="en-US" dirty="0"/>
+              <a:t>运维能力弱</a:t>
+            </a:r>
+            <a:endParaRPr lang="en-US" altLang="zh-CN" dirty="0"/>
+          </a:p>
+          <a:p>
+            <a:pPr lvl="1"/>
+            <a:r>
+              <a:rPr lang="zh-CN" altLang="en-US" dirty="0"/>
+              <a:t>没有云平台</a:t>
+            </a:r>
+          </a:p>
+          <a:p>
+            <a:pPr lvl="1"/>
+            <a:endParaRPr lang="en-US" altLang="zh-CN" dirty="0"/>
+          </a:p>
+          <a:p>
+            <a:pPr lvl="1"/>
+            <a:endParaRPr lang="zh-CN" altLang="en-US" dirty="0">
+              <a:solidFill>
+                <a:srgbClr val="0000FF"/>
+              </a:solidFill>
+              <a:sym typeface="+mn-ea"/>
+            </a:endParaRPr>
+          </a:p>
+          <a:p>
+            <a:pPr lvl="1"/>
+            <a:endParaRPr lang="en-US" altLang="zh-CN" dirty="0"/>
+          </a:p>
+          <a:p>
+            <a:pPr lvl="1"/>
+            <a:endParaRPr lang="zh-CN" altLang="en-US" dirty="0"/>
+          </a:p>
+          <a:p>
+            <a:pPr lvl="1"/>
+            <a:endParaRPr lang="zh-CN" altLang="en-US" dirty="0"/>
+          </a:p>
+          <a:p>
+            <a:pPr lvl="1"/>
+            <a:endParaRPr lang="zh-CN" altLang="en-US" dirty="0"/>
+          </a:p>
+          <a:p>
+            <a:pPr lvl="1"/>
+            <a:endParaRPr lang="en-US" altLang="zh-CN" dirty="0"/>
+          </a:p>
+          <a:p>
+            <a:pPr marL="480695" lvl="1" indent="0">
+              <a:buNone/>
+            </a:pPr>
+            <a:endParaRPr lang="zh-CN" altLang="en-US" dirty="0"/>
+          </a:p>
+        </p:txBody>
+      </p:sp>
+      <p:sp>
+        <p:nvSpPr>
+          <p:cNvPr id="4" name="页脚占位符 3"/>
+          <p:cNvSpPr>
+            <a:spLocks noGrp="1"/>
+          </p:cNvSpPr>
+          <p:nvPr>
+            <p:ph type="ftr" sz="quarter" idx="11"/>
+          </p:nvPr>
+        </p:nvSpPr>
+        <p:spPr/>
+        <p:txBody>
+          <a:bodyPr/>
+          <a:lstStyle/>
+          <a:p>
+            <a:pPr>
+              <a:defRPr/>
+            </a:pPr>
+            <a:r>
+              <a:rPr lang="en-US" altLang="zh-CN" dirty="0" err="1"/>
+              <a:t>版权归</a:t>
+            </a:r>
+            <a:r>
+              <a:rPr lang="en-US" altLang="zh-CN" dirty="0"/>
+              <a:t>© 2022 Tencent, </a:t>
+            </a:r>
+            <a:r>
+              <a:rPr lang="en-US" altLang="zh-CN" dirty="0" err="1"/>
+              <a:t>Inc.或其附属公司所有</a:t>
+            </a:r>
+            <a:r>
+              <a:rPr lang="en-US" altLang="zh-CN" dirty="0"/>
+              <a:t> </a:t>
+            </a:r>
+            <a:r>
+              <a:rPr lang="en-US" altLang="zh-CN" dirty="0" err="1"/>
+              <a:t>保留所有权利</a:t>
+            </a:r>
+            <a:r>
+              <a:rPr lang="en-US" altLang="zh-CN" dirty="0"/>
+              <a:t> </a:t>
+            </a:r>
+          </a:p>
+        </p:txBody>
+      </p:sp>
+    </p:spTree>
+    <p:extLst>
+      <p:ext uri="{BB962C8B-B14F-4D97-AF65-F5344CB8AC3E}">
+        <p14:creationId xmlns:p14="http://schemas.microsoft.com/office/powerpoint/2010/main" val="2244461199"/>
+      </p:ext>
+    </p:extLst>
+  </p:cSld>
+  <p:clrMapOvr>
+    <a:masterClrMapping/>
+  </p:clrMapOvr>
+</p:sld>
+</file>
+
+<file path=ppt/slides/slide68.xml><?xml version="1.0" encoding="utf-8"?>
+<p:sld xmlns:a="http://schemas.openxmlformats.org/drawingml/2006/main" xmlns:r="http://schemas.openxmlformats.org/officeDocument/2006/relationships" xmlns:p="http://schemas.openxmlformats.org/presentationml/2006/main">
+  <p:cSld>
+    <p:spTree>
+      <p:nvGrpSpPr>
+        <p:cNvPr id="1" name=""/>
+        <p:cNvGrpSpPr/>
+        <p:nvPr/>
+      </p:nvGrpSpPr>
+      <p:grpSpPr>
+        <a:xfrm>
+          <a:off x="0" y="0"/>
+          <a:ext cx="0" cy="0"/>
+          <a:chOff x="0" y="0"/>
+          <a:chExt cx="0" cy="0"/>
+        </a:xfrm>
+      </p:grpSpPr>
+      <p:sp>
+        <p:nvSpPr>
+          <p:cNvPr id="2" name="标题 1"/>
+          <p:cNvSpPr>
+            <a:spLocks noGrp="1"/>
+          </p:cNvSpPr>
+          <p:nvPr>
+            <p:ph type="title"/>
+          </p:nvPr>
+        </p:nvSpPr>
+        <p:spPr/>
+        <p:txBody>
+          <a:bodyPr/>
+          <a:lstStyle/>
+          <a:p>
+            <a:r>
+              <a:rPr lang="en-US" altLang="zh-CN" dirty="0"/>
+              <a:t>10.2 </a:t>
+            </a:r>
+            <a:r>
+              <a:rPr lang="zh-CN" altLang="en-US" dirty="0">
+                <a:solidFill>
+                  <a:srgbClr val="01ACF1"/>
+                </a:solidFill>
+                <a:cs typeface="+mn-ea"/>
+                <a:sym typeface="+mn-lt"/>
+              </a:rPr>
+              <a:t>后续发展</a:t>
+            </a:r>
+            <a:endParaRPr lang="zh-CN" altLang="en-US" dirty="0"/>
+          </a:p>
+        </p:txBody>
+      </p:sp>
+      <p:sp>
+        <p:nvSpPr>
+          <p:cNvPr id="3" name="内容占位符 2"/>
+          <p:cNvSpPr>
+            <a:spLocks noGrp="1"/>
+          </p:cNvSpPr>
+          <p:nvPr>
+            <p:ph idx="1"/>
+          </p:nvPr>
+        </p:nvSpPr>
+        <p:spPr>
+          <a:xfrm>
+            <a:off x="838201" y="1085878"/>
+            <a:ext cx="10658399" cy="3649407"/>
+          </a:xfrm>
+        </p:spPr>
+        <p:txBody>
+          <a:bodyPr/>
+          <a:lstStyle/>
+          <a:p>
+            <a:r>
+              <a:rPr lang="zh-CN" altLang="en-US" dirty="0"/>
               <a:t>后续发展</a:t>
             </a:r>
             <a:endParaRPr lang="en-US" altLang="zh-CN" dirty="0"/>
@@ -42190,6 +44086,30 @@
           <a:p>
             <a:pPr lvl="1"/>
             <a:r>
+              <a:rPr lang="zh-CN" altLang="en-US" dirty="0"/>
+              <a:t>分布式存储过程</a:t>
+            </a:r>
+            <a:r>
+              <a:rPr lang="en-US" altLang="zh-CN" dirty="0" err="1"/>
+              <a:t>SQLEngine</a:t>
+            </a:r>
+            <a:r>
+              <a:rPr lang="zh-CN" altLang="en-US" dirty="0"/>
+              <a:t>开发完善</a:t>
+            </a:r>
+            <a:endParaRPr lang="en-US" altLang="zh-CN" dirty="0"/>
+          </a:p>
+          <a:p>
+            <a:pPr lvl="1"/>
+            <a:r>
+              <a:rPr lang="zh-CN" altLang="en-US" dirty="0"/>
+              <a:t>跨集群数据访问</a:t>
+            </a:r>
+            <a:endParaRPr lang="en-US" altLang="zh-CN" dirty="0"/>
+          </a:p>
+          <a:p>
+            <a:pPr lvl="1"/>
+            <a:r>
               <a:rPr lang="en-US" altLang="zh-CN" dirty="0"/>
               <a:t>HTAP</a:t>
             </a:r>
@@ -42227,7 +44147,7 @@
             <a:pPr lvl="1"/>
             <a:r>
               <a:rPr lang="zh-CN" altLang="en-US" dirty="0"/>
-              <a:t>强化管理、运维工具的功能和实用性</a:t>
+              <a:t>完善管理、运维工具的功能和实用性</a:t>
             </a:r>
           </a:p>
           <a:p>
@@ -42335,7 +44255,7 @@
 </p:sld>
 </file>
 
-<file path=ppt/slides/slide68.xml><?xml version="1.0" encoding="utf-8"?>
+<file path=ppt/slides/slide69.xml><?xml version="1.0" encoding="utf-8"?>
 <p:sld xmlns:a="http://schemas.openxmlformats.org/drawingml/2006/main" xmlns:r="http://schemas.openxmlformats.org/officeDocument/2006/relationships" xmlns:p="http://schemas.openxmlformats.org/presentationml/2006/main">
   <p:cSld>
     <p:spTree>

--- a/28. OLTP/GoldenDB产品简介及架构解析.pptx
+++ b/28. OLTP/GoldenDB产品简介及架构解析.pptx
@@ -30879,7 +30879,19 @@
             </a:r>
             <a:r>
               <a:rPr lang="zh-CN" altLang="en-US" sz="1600" dirty="0"/>
-              <a:t>计算节点对于一致性写操作的场景，如果采用悲观锁控制逻辑，会将更新语句进行如下改写：</a:t>
+              <a:t>对于一致性写场景，默认采用悲观锁控制逻辑（</a:t>
+            </a:r>
+            <a:r>
+              <a:rPr lang="en-US" altLang="zh-CN" sz="1600" dirty="0" err="1"/>
+              <a:t>optlock_switch</a:t>
+            </a:r>
+            <a:r>
+              <a:rPr lang="en-US" altLang="zh-CN" sz="1600" dirty="0"/>
+              <a:t>=1</a:t>
+            </a:r>
+            <a:r>
+              <a:rPr lang="zh-CN" altLang="en-US" sz="1600" dirty="0"/>
+              <a:t>），会将更新语句进行如下改写：</a:t>
             </a:r>
             <a:endParaRPr lang="en-US" altLang="zh-CN" sz="1600" dirty="0"/>
           </a:p>
@@ -30960,7 +30972,7 @@
             </a:r>
             <a:r>
               <a:rPr lang="zh-CN" altLang="en-US" sz="1600" dirty="0"/>
-              <a:t>支持乐观锁控制逻辑，可以通过配置文件设置。</a:t>
+              <a:t>支持乐观锁控制逻辑。</a:t>
             </a:r>
             <a:endParaRPr lang="en-US" altLang="zh-CN" sz="1600" dirty="0"/>
           </a:p>
@@ -30974,7 +30986,19 @@
             <a:pPr lvl="1"/>
             <a:r>
               <a:rPr lang="zh-CN" altLang="en-US" sz="1600" dirty="0"/>
-              <a:t>针对上述场景，如果采用乐观锁控制逻辑，会做如下改写：</a:t>
+              <a:t>针对上述场景，如果采用乐观锁控制逻辑（</a:t>
+            </a:r>
+            <a:r>
+              <a:rPr lang="en-US" altLang="zh-CN" sz="1600" dirty="0" err="1"/>
+              <a:t>optlock_switch</a:t>
+            </a:r>
+            <a:r>
+              <a:rPr lang="en-US" altLang="zh-CN" sz="1600" dirty="0"/>
+              <a:t>=1</a:t>
+            </a:r>
+            <a:r>
+              <a:rPr lang="zh-CN" altLang="en-US" sz="1600" dirty="0"/>
+              <a:t>），会做如下改写：</a:t>
             </a:r>
             <a:endParaRPr lang="en-US" altLang="zh-CN" sz="1600" dirty="0"/>
           </a:p>
@@ -31018,6 +31042,19 @@
               <a:rPr lang="en-US" altLang="zh-CN" sz="1600" dirty="0"/>
               <a:t>) and </a:t>
             </a:r>
+            <a:r>
+              <a:rPr lang="en-US" altLang="zh-CN" sz="1600" dirty="0" err="1"/>
+              <a:t>gtid</a:t>
+            </a:r>
+            <a:r>
+              <a:rPr lang="en-US" altLang="zh-CN" sz="1600" dirty="0"/>
+              <a:t>&lt;=</a:t>
+            </a:r>
+            <a:r>
+              <a:rPr lang="en-US" altLang="zh-CN" sz="1600" dirty="0" err="1"/>
+              <a:t>max_gtid</a:t>
+            </a:r>
+            <a:endParaRPr lang="en-US" altLang="zh-CN" sz="1600" dirty="0"/>
           </a:p>
           <a:p>
             <a:pPr marL="480695" lvl="1" indent="0">
@@ -40656,7 +40693,7 @@
         </p:nvSpPr>
         <p:spPr>
           <a:xfrm>
-            <a:off x="838201" y="1268760"/>
+            <a:off x="838201" y="1136946"/>
             <a:ext cx="10658399" cy="1726882"/>
           </a:xfrm>
         </p:spPr>
@@ -40760,7 +40797,7 @@
         </p:blipFill>
         <p:spPr>
           <a:xfrm>
-            <a:off x="2675435" y="2817555"/>
+            <a:off x="2697207" y="2671437"/>
             <a:ext cx="6653689" cy="3811230"/>
           </a:xfrm>
           <a:prstGeom prst="rect">
@@ -44054,7 +44091,7 @@
         <p:spPr>
           <a:xfrm>
             <a:off x="838201" y="1085878"/>
-            <a:ext cx="10658399" cy="3649407"/>
+            <a:ext cx="10658399" cy="4830508"/>
           </a:xfrm>
         </p:spPr>
         <p:txBody>
@@ -44096,6 +44133,14 @@
             <a:r>
               <a:rPr lang="zh-CN" altLang="en-US" dirty="0"/>
               <a:t>开发完善</a:t>
+            </a:r>
+            <a:endParaRPr lang="en-US" altLang="zh-CN" dirty="0"/>
+          </a:p>
+          <a:p>
+            <a:pPr lvl="1"/>
+            <a:r>
+              <a:rPr lang="zh-CN" altLang="en-US" dirty="0"/>
+              <a:t>分布式视图支持</a:t>
             </a:r>
             <a:endParaRPr lang="en-US" altLang="zh-CN" dirty="0"/>
           </a:p>

--- a/28. OLTP/GoldenDB产品简介及架构解析.pptx
+++ b/28. OLTP/GoldenDB产品简介及架构解析.pptx
@@ -15418,7 +15418,7 @@
             </a:r>
             <a:r>
               <a:rPr lang="zh-CN" altLang="en-US" dirty="0"/>
-              <a:t>倍以上。</a:t>
+              <a:t>倍以上，实测多表关联性能比较好。</a:t>
             </a:r>
             <a:endParaRPr lang="en-US" altLang="zh-CN" dirty="0"/>
           </a:p>
@@ -15548,7 +15548,7 @@
         </p:nvSpPr>
         <p:spPr>
           <a:xfrm>
-            <a:off x="838201" y="1136944"/>
+            <a:off x="772887" y="841893"/>
             <a:ext cx="9821113" cy="5650299"/>
           </a:xfrm>
         </p:spPr>
@@ -15725,15 +15725,35 @@
             <a:pPr lvl="1"/>
             <a:r>
               <a:rPr lang="zh-CN" altLang="en-US" dirty="0"/>
-              <a:t>具体</a:t>
-            </a:r>
+              <a:t>并发度不高，高并发会导致</a:t>
+            </a:r>
+            <a:r>
+              <a:rPr lang="en-US" altLang="zh-CN" dirty="0"/>
+              <a:t>worker</a:t>
+            </a:r>
+            <a:r>
+              <a:rPr lang="zh-CN" altLang="en-US" dirty="0"/>
+              <a:t>节点资源不足</a:t>
+            </a:r>
+            <a:r>
+              <a:rPr lang="en-US" altLang="zh-CN" dirty="0"/>
+              <a:t>crash</a:t>
+            </a:r>
+            <a:r>
+              <a:rPr lang="zh-CN" altLang="en-US" dirty="0"/>
+              <a:t>，需要流控；</a:t>
+            </a:r>
+            <a:endParaRPr lang="en-US" altLang="zh-CN" dirty="0"/>
+          </a:p>
+          <a:p>
+            <a:pPr lvl="1"/>
             <a:r>
               <a:rPr lang="en-US" altLang="zh-CN" dirty="0"/>
               <a:t>SQL</a:t>
             </a:r>
             <a:r>
               <a:rPr lang="zh-CN" altLang="en-US" dirty="0"/>
-              <a:t>复杂度计算问题：目前主要还是判断</a:t>
+              <a:t>复杂度计算问题：主要还是判断</a:t>
             </a:r>
             <a:r>
               <a:rPr lang="en-US" altLang="zh-CN" dirty="0"/>

--- a/28. OLTP/GoldenDB产品简介及架构解析.pptx
+++ b/28. OLTP/GoldenDB产品简介及架构解析.pptx
@@ -54,8 +54,8 @@
     <p:sldId id="390" r:id="rId42"/>
     <p:sldId id="601" r:id="rId43"/>
     <p:sldId id="602" r:id="rId44"/>
-    <p:sldId id="603" r:id="rId45"/>
-    <p:sldId id="604" r:id="rId46"/>
+    <p:sldId id="604" r:id="rId45"/>
+    <p:sldId id="603" r:id="rId46"/>
     <p:sldId id="605" r:id="rId47"/>
     <p:sldId id="606" r:id="rId48"/>
     <p:sldId id="607" r:id="rId49"/>
@@ -292,7 +292,7 @@
           <a:p>
             <a:fld id="{0F9B84EA-7D68-4D60-9CB1-D50884785D1C}" type="datetimeFigureOut">
               <a:rPr lang="zh-CN" altLang="en-US" smtClean="0"/>
-              <a:t>2022/1/18</a:t>
+              <a:t>2022/2/18</a:t>
             </a:fld>
             <a:endParaRPr lang="zh-CN" altLang="en-US"/>
           </a:p>
@@ -457,7 +457,7 @@
           <a:p>
             <a:fld id="{E007C451-60E4-4599-BC35-0053FC9CE8F3}" type="datetimeFigureOut">
               <a:rPr lang="zh-CN" altLang="en-US" smtClean="0"/>
-              <a:t>2022/1/18</a:t>
+              <a:t>2022/2/18</a:t>
             </a:fld>
             <a:endParaRPr lang="zh-CN" altLang="en-US"/>
           </a:p>
@@ -6624,6 +6624,144 @@
           <a:bodyPr/>
           <a:lstStyle/>
           <a:p>
+            <a:pPr indent="266700" algn="just">
+              <a:lnSpc>
+                <a:spcPct val="150000"/>
+              </a:lnSpc>
+            </a:pPr>
+            <a:r>
+              <a:rPr lang="zh-CN" altLang="en-US" sz="900" dirty="0">
+                <a:latin typeface="微软雅黑" panose="020B0503020204020204" pitchFamily="34" charset="-122"/>
+                <a:ea typeface="微软雅黑" panose="020B0503020204020204" pitchFamily="34" charset="-122"/>
+              </a:rPr>
+              <a:t>这里引入安全组的概念，具体的</a:t>
+            </a:r>
+            <a:r>
+              <a:rPr lang="zh-CN" altLang="zh-CN" sz="1800" kern="100" dirty="0">
+                <a:effectLst/>
+                <a:latin typeface="Times New Roman" panose="02020603050405020304" pitchFamily="18" charset="0"/>
+                <a:ea typeface="仿宋" panose="02010609060101010101" pitchFamily="49" charset="-122"/>
+                <a:cs typeface="Times New Roman" panose="02020603050405020304" pitchFamily="18" charset="0"/>
+              </a:rPr>
+              <a:t>分组策略的配置</a:t>
+            </a:r>
+            <a:r>
+              <a:rPr lang="zh-CN" altLang="en-US" sz="1800" kern="100" dirty="0">
+                <a:effectLst/>
+                <a:latin typeface="Times New Roman" panose="02020603050405020304" pitchFamily="18" charset="0"/>
+                <a:ea typeface="仿宋" panose="02010609060101010101" pitchFamily="49" charset="-122"/>
+                <a:cs typeface="Times New Roman" panose="02020603050405020304" pitchFamily="18" charset="0"/>
+              </a:rPr>
+              <a:t>：</a:t>
+            </a:r>
+            <a:endParaRPr lang="zh-CN" altLang="zh-CN" sz="1800" kern="100" dirty="0">
+              <a:effectLst/>
+              <a:latin typeface="Times New Roman" panose="02020603050405020304" pitchFamily="18" charset="0"/>
+              <a:ea typeface="仿宋" panose="02010609060101010101" pitchFamily="49" charset="-122"/>
+              <a:cs typeface="Times New Roman" panose="02020603050405020304" pitchFamily="18" charset="0"/>
+            </a:endParaRPr>
+          </a:p>
+          <a:p>
+            <a:pPr indent="266700" algn="just">
+              <a:lnSpc>
+                <a:spcPct val="150000"/>
+              </a:lnSpc>
+            </a:pPr>
+            <a:r>
+              <a:rPr lang="zh-CN" altLang="zh-CN" sz="1800" kern="100" dirty="0">
+                <a:effectLst/>
+                <a:latin typeface="Times New Roman" panose="02020603050405020304" pitchFamily="18" charset="0"/>
+                <a:ea typeface="仿宋" panose="02010609060101010101" pitchFamily="49" charset="-122"/>
+                <a:cs typeface="Times New Roman" panose="02020603050405020304" pitchFamily="18" charset="0"/>
+              </a:rPr>
+              <a:t>最大保护策略：所有分组均需要返回响应</a:t>
+            </a:r>
+          </a:p>
+          <a:p>
+            <a:pPr indent="266700" algn="just">
+              <a:lnSpc>
+                <a:spcPct val="150000"/>
+              </a:lnSpc>
+            </a:pPr>
+            <a:r>
+              <a:rPr lang="zh-CN" altLang="zh-CN" sz="1800" kern="100" dirty="0">
+                <a:effectLst/>
+                <a:latin typeface="Times New Roman" panose="02020603050405020304" pitchFamily="18" charset="0"/>
+                <a:ea typeface="仿宋" panose="02010609060101010101" pitchFamily="49" charset="-122"/>
+                <a:cs typeface="Times New Roman" panose="02020603050405020304" pitchFamily="18" charset="0"/>
+              </a:rPr>
+              <a:t>最高性能策略：无需分组响应</a:t>
+            </a:r>
+          </a:p>
+          <a:p>
+            <a:pPr indent="266700" algn="just">
+              <a:lnSpc>
+                <a:spcPct val="150000"/>
+              </a:lnSpc>
+            </a:pPr>
+            <a:r>
+              <a:rPr lang="zh-CN" altLang="zh-CN" sz="1800" kern="100" dirty="0">
+                <a:effectLst/>
+                <a:latin typeface="Times New Roman" panose="02020603050405020304" pitchFamily="18" charset="0"/>
+                <a:ea typeface="仿宋" panose="02010609060101010101" pitchFamily="49" charset="-122"/>
+                <a:cs typeface="Times New Roman" panose="02020603050405020304" pitchFamily="18" charset="0"/>
+              </a:rPr>
+              <a:t>最高可用策略：分组响应数大于所配置的最小分组响应数（即低水位）</a:t>
+            </a:r>
+          </a:p>
+          <a:p>
+            <a:pPr indent="266700" algn="just">
+              <a:lnSpc>
+                <a:spcPct val="150000"/>
+              </a:lnSpc>
+            </a:pPr>
+            <a:r>
+              <a:rPr lang="zh-CN" altLang="zh-CN" sz="1800" kern="100" dirty="0">
+                <a:effectLst/>
+                <a:latin typeface="Times New Roman" panose="02020603050405020304" pitchFamily="18" charset="0"/>
+                <a:ea typeface="仿宋" panose="02010609060101010101" pitchFamily="49" charset="-122"/>
+                <a:cs typeface="Times New Roman" panose="02020603050405020304" pitchFamily="18" charset="0"/>
+              </a:rPr>
+              <a:t>其中最高可用策略是以最低代价保障</a:t>
+            </a:r>
+            <a:r>
+              <a:rPr lang="en-US" altLang="zh-CN" sz="1800" kern="100" dirty="0">
+                <a:effectLst/>
+                <a:latin typeface="Times New Roman" panose="02020603050405020304" pitchFamily="18" charset="0"/>
+                <a:ea typeface="仿宋" panose="02010609060101010101" pitchFamily="49" charset="-122"/>
+                <a:cs typeface="Times New Roman" panose="02020603050405020304" pitchFamily="18" charset="0"/>
+              </a:rPr>
+              <a:t>RPO</a:t>
+            </a:r>
+            <a:r>
+              <a:rPr lang="zh-CN" altLang="zh-CN" sz="1800" kern="100" dirty="0">
+                <a:effectLst/>
+                <a:latin typeface="Times New Roman" panose="02020603050405020304" pitchFamily="18" charset="0"/>
+                <a:ea typeface="仿宋" panose="02010609060101010101" pitchFamily="49" charset="-122"/>
+                <a:cs typeface="Times New Roman" panose="02020603050405020304" pitchFamily="18" charset="0"/>
+              </a:rPr>
+              <a:t>为</a:t>
+            </a:r>
+            <a:r>
+              <a:rPr lang="en-US" altLang="zh-CN" sz="1800" kern="100" dirty="0">
+                <a:effectLst/>
+                <a:latin typeface="Times New Roman" panose="02020603050405020304" pitchFamily="18" charset="0"/>
+                <a:ea typeface="仿宋" panose="02010609060101010101" pitchFamily="49" charset="-122"/>
+                <a:cs typeface="Times New Roman" panose="02020603050405020304" pitchFamily="18" charset="0"/>
+              </a:rPr>
+              <a:t>0</a:t>
+            </a:r>
+            <a:r>
+              <a:rPr lang="zh-CN" altLang="zh-CN" sz="1800" kern="100" dirty="0">
+                <a:effectLst/>
+                <a:latin typeface="Times New Roman" panose="02020603050405020304" pitchFamily="18" charset="0"/>
+                <a:ea typeface="仿宋" panose="02010609060101010101" pitchFamily="49" charset="-122"/>
+                <a:cs typeface="Times New Roman" panose="02020603050405020304" pitchFamily="18" charset="0"/>
+              </a:rPr>
+              <a:t>，在保障数据一致性的前提下最大程度的兼顾了服务高可用及同步性能。</a:t>
+            </a:r>
+          </a:p>
+          <a:p>
             <a:endParaRPr lang="en-US" altLang="zh-CN" sz="900" dirty="0">
               <a:latin typeface="微软雅黑" panose="020B0503020204020204" pitchFamily="34" charset="-122"/>
               <a:ea typeface="微软雅黑" panose="020B0503020204020204" pitchFamily="34" charset="-122"/>
@@ -6657,7 +6795,7 @@
     </p:spTree>
     <p:extLst>
       <p:ext uri="{BB962C8B-B14F-4D97-AF65-F5344CB8AC3E}">
-        <p14:creationId xmlns:p14="http://schemas.microsoft.com/office/powerpoint/2010/main" val="1372627614"/>
+        <p14:creationId xmlns:p14="http://schemas.microsoft.com/office/powerpoint/2010/main" val="2925196414"/>
       </p:ext>
     </p:extLst>
   </p:cSld>
@@ -6716,144 +6854,6 @@
           <a:bodyPr/>
           <a:lstStyle/>
           <a:p>
-            <a:pPr indent="266700" algn="just">
-              <a:lnSpc>
-                <a:spcPct val="150000"/>
-              </a:lnSpc>
-            </a:pPr>
-            <a:r>
-              <a:rPr lang="zh-CN" altLang="en-US" sz="900" dirty="0">
-                <a:latin typeface="微软雅黑" panose="020B0503020204020204" pitchFamily="34" charset="-122"/>
-                <a:ea typeface="微软雅黑" panose="020B0503020204020204" pitchFamily="34" charset="-122"/>
-              </a:rPr>
-              <a:t>这里引入安全组的概念，具体的</a:t>
-            </a:r>
-            <a:r>
-              <a:rPr lang="zh-CN" altLang="zh-CN" sz="1800" kern="100" dirty="0">
-                <a:effectLst/>
-                <a:latin typeface="Times New Roman" panose="02020603050405020304" pitchFamily="18" charset="0"/>
-                <a:ea typeface="仿宋" panose="02010609060101010101" pitchFamily="49" charset="-122"/>
-                <a:cs typeface="Times New Roman" panose="02020603050405020304" pitchFamily="18" charset="0"/>
-              </a:rPr>
-              <a:t>分组策略的配置</a:t>
-            </a:r>
-            <a:r>
-              <a:rPr lang="zh-CN" altLang="en-US" sz="1800" kern="100" dirty="0">
-                <a:effectLst/>
-                <a:latin typeface="Times New Roman" panose="02020603050405020304" pitchFamily="18" charset="0"/>
-                <a:ea typeface="仿宋" panose="02010609060101010101" pitchFamily="49" charset="-122"/>
-                <a:cs typeface="Times New Roman" panose="02020603050405020304" pitchFamily="18" charset="0"/>
-              </a:rPr>
-              <a:t>：</a:t>
-            </a:r>
-            <a:endParaRPr lang="zh-CN" altLang="zh-CN" sz="1800" kern="100" dirty="0">
-              <a:effectLst/>
-              <a:latin typeface="Times New Roman" panose="02020603050405020304" pitchFamily="18" charset="0"/>
-              <a:ea typeface="仿宋" panose="02010609060101010101" pitchFamily="49" charset="-122"/>
-              <a:cs typeface="Times New Roman" panose="02020603050405020304" pitchFamily="18" charset="0"/>
-            </a:endParaRPr>
-          </a:p>
-          <a:p>
-            <a:pPr indent="266700" algn="just">
-              <a:lnSpc>
-                <a:spcPct val="150000"/>
-              </a:lnSpc>
-            </a:pPr>
-            <a:r>
-              <a:rPr lang="zh-CN" altLang="zh-CN" sz="1800" kern="100" dirty="0">
-                <a:effectLst/>
-                <a:latin typeface="Times New Roman" panose="02020603050405020304" pitchFamily="18" charset="0"/>
-                <a:ea typeface="仿宋" panose="02010609060101010101" pitchFamily="49" charset="-122"/>
-                <a:cs typeface="Times New Roman" panose="02020603050405020304" pitchFamily="18" charset="0"/>
-              </a:rPr>
-              <a:t>最大保护策略：所有分组均需要返回响应</a:t>
-            </a:r>
-          </a:p>
-          <a:p>
-            <a:pPr indent="266700" algn="just">
-              <a:lnSpc>
-                <a:spcPct val="150000"/>
-              </a:lnSpc>
-            </a:pPr>
-            <a:r>
-              <a:rPr lang="zh-CN" altLang="zh-CN" sz="1800" kern="100" dirty="0">
-                <a:effectLst/>
-                <a:latin typeface="Times New Roman" panose="02020603050405020304" pitchFamily="18" charset="0"/>
-                <a:ea typeface="仿宋" panose="02010609060101010101" pitchFamily="49" charset="-122"/>
-                <a:cs typeface="Times New Roman" panose="02020603050405020304" pitchFamily="18" charset="0"/>
-              </a:rPr>
-              <a:t>最高性能策略：无需分组响应</a:t>
-            </a:r>
-          </a:p>
-          <a:p>
-            <a:pPr indent="266700" algn="just">
-              <a:lnSpc>
-                <a:spcPct val="150000"/>
-              </a:lnSpc>
-            </a:pPr>
-            <a:r>
-              <a:rPr lang="zh-CN" altLang="zh-CN" sz="1800" kern="100" dirty="0">
-                <a:effectLst/>
-                <a:latin typeface="Times New Roman" panose="02020603050405020304" pitchFamily="18" charset="0"/>
-                <a:ea typeface="仿宋" panose="02010609060101010101" pitchFamily="49" charset="-122"/>
-                <a:cs typeface="Times New Roman" panose="02020603050405020304" pitchFamily="18" charset="0"/>
-              </a:rPr>
-              <a:t>最高可用策略：分组响应数大于所配置的最小分组响应数（即低水位）</a:t>
-            </a:r>
-          </a:p>
-          <a:p>
-            <a:pPr indent="266700" algn="just">
-              <a:lnSpc>
-                <a:spcPct val="150000"/>
-              </a:lnSpc>
-            </a:pPr>
-            <a:r>
-              <a:rPr lang="zh-CN" altLang="zh-CN" sz="1800" kern="100" dirty="0">
-                <a:effectLst/>
-                <a:latin typeface="Times New Roman" panose="02020603050405020304" pitchFamily="18" charset="0"/>
-                <a:ea typeface="仿宋" panose="02010609060101010101" pitchFamily="49" charset="-122"/>
-                <a:cs typeface="Times New Roman" panose="02020603050405020304" pitchFamily="18" charset="0"/>
-              </a:rPr>
-              <a:t>其中最高可用策略是以最低代价保障</a:t>
-            </a:r>
-            <a:r>
-              <a:rPr lang="en-US" altLang="zh-CN" sz="1800" kern="100" dirty="0">
-                <a:effectLst/>
-                <a:latin typeface="Times New Roman" panose="02020603050405020304" pitchFamily="18" charset="0"/>
-                <a:ea typeface="仿宋" panose="02010609060101010101" pitchFamily="49" charset="-122"/>
-                <a:cs typeface="Times New Roman" panose="02020603050405020304" pitchFamily="18" charset="0"/>
-              </a:rPr>
-              <a:t>RPO</a:t>
-            </a:r>
-            <a:r>
-              <a:rPr lang="zh-CN" altLang="zh-CN" sz="1800" kern="100" dirty="0">
-                <a:effectLst/>
-                <a:latin typeface="Times New Roman" panose="02020603050405020304" pitchFamily="18" charset="0"/>
-                <a:ea typeface="仿宋" panose="02010609060101010101" pitchFamily="49" charset="-122"/>
-                <a:cs typeface="Times New Roman" panose="02020603050405020304" pitchFamily="18" charset="0"/>
-              </a:rPr>
-              <a:t>为</a:t>
-            </a:r>
-            <a:r>
-              <a:rPr lang="en-US" altLang="zh-CN" sz="1800" kern="100" dirty="0">
-                <a:effectLst/>
-                <a:latin typeface="Times New Roman" panose="02020603050405020304" pitchFamily="18" charset="0"/>
-                <a:ea typeface="仿宋" panose="02010609060101010101" pitchFamily="49" charset="-122"/>
-                <a:cs typeface="Times New Roman" panose="02020603050405020304" pitchFamily="18" charset="0"/>
-              </a:rPr>
-              <a:t>0</a:t>
-            </a:r>
-            <a:r>
-              <a:rPr lang="zh-CN" altLang="zh-CN" sz="1800" kern="100" dirty="0">
-                <a:effectLst/>
-                <a:latin typeface="Times New Roman" panose="02020603050405020304" pitchFamily="18" charset="0"/>
-                <a:ea typeface="仿宋" panose="02010609060101010101" pitchFamily="49" charset="-122"/>
-                <a:cs typeface="Times New Roman" panose="02020603050405020304" pitchFamily="18" charset="0"/>
-              </a:rPr>
-              <a:t>，在保障数据一致性的前提下最大程度的兼顾了服务高可用及同步性能。</a:t>
-            </a:r>
-          </a:p>
-          <a:p>
             <a:endParaRPr lang="en-US" altLang="zh-CN" sz="900" dirty="0">
               <a:latin typeface="微软雅黑" panose="020B0503020204020204" pitchFamily="34" charset="-122"/>
               <a:ea typeface="微软雅黑" panose="020B0503020204020204" pitchFamily="34" charset="-122"/>
@@ -6887,7 +6887,7 @@
     </p:spTree>
     <p:extLst>
       <p:ext uri="{BB962C8B-B14F-4D97-AF65-F5344CB8AC3E}">
-        <p14:creationId xmlns:p14="http://schemas.microsoft.com/office/powerpoint/2010/main" val="2925196414"/>
+        <p14:creationId xmlns:p14="http://schemas.microsoft.com/office/powerpoint/2010/main" val="1372627614"/>
       </p:ext>
     </p:extLst>
   </p:cSld>
@@ -13815,6 +13815,46 @@
           </a:p>
         </p:txBody>
       </p:sp>
+      <p:sp>
+        <p:nvSpPr>
+          <p:cNvPr id="3" name="文本框 2">
+            <a:extLst>
+              <a:ext uri="{FF2B5EF4-FFF2-40B4-BE49-F238E27FC236}">
+                <a16:creationId xmlns:a16="http://schemas.microsoft.com/office/drawing/2014/main" id="{BC5033BC-EDD4-40DE-B80F-995ADA2F0960}"/>
+              </a:ext>
+            </a:extLst>
+          </p:cNvPr>
+          <p:cNvSpPr txBox="1"/>
+          <p:nvPr/>
+        </p:nvSpPr>
+        <p:spPr>
+          <a:xfrm>
+            <a:off x="5187044" y="4114800"/>
+            <a:ext cx="2705100" cy="523220"/>
+          </a:xfrm>
+          <a:prstGeom prst="rect">
+            <a:avLst/>
+          </a:prstGeom>
+          <a:noFill/>
+        </p:spPr>
+        <p:txBody>
+          <a:bodyPr wrap="square" rtlCol="0">
+            <a:spAutoFit/>
+          </a:bodyPr>
+          <a:lstStyle/>
+          <a:p>
+            <a:r>
+              <a:rPr lang="en-US" altLang="zh-CN" sz="2800" dirty="0">
+                <a:latin typeface="+mn-ea"/>
+              </a:rPr>
+              <a:t>casonjiang</a:t>
+            </a:r>
+            <a:endParaRPr lang="zh-CN" altLang="en-US" sz="2800" dirty="0">
+              <a:latin typeface="+mn-ea"/>
+            </a:endParaRPr>
+          </a:p>
+        </p:txBody>
+      </p:sp>
     </p:spTree>
   </p:cSld>
   <p:clrMapOvr>
@@ -33479,6 +33519,445 @@
       </p:sp>
       <p:pic>
         <p:nvPicPr>
+          <p:cNvPr id="6" name="图片 5" descr="图示&#10;&#10;描述已自动生成">
+            <a:extLst>
+              <a:ext uri="{FF2B5EF4-FFF2-40B4-BE49-F238E27FC236}">
+                <a16:creationId xmlns:a16="http://schemas.microsoft.com/office/drawing/2014/main" id="{FF27A4CC-8317-4DAC-AA1B-6C349861BC6D}"/>
+              </a:ext>
+            </a:extLst>
+          </p:cNvPr>
+          <p:cNvPicPr>
+            <a:picLocks noChangeAspect="1"/>
+          </p:cNvPicPr>
+          <p:nvPr/>
+        </p:nvPicPr>
+        <p:blipFill>
+          <a:blip r:embed="rId3">
+            <a:extLst>
+              <a:ext uri="{28A0092B-C50C-407E-A947-70E740481C1C}">
+                <a14:useLocalDpi xmlns:a14="http://schemas.microsoft.com/office/drawing/2010/main" val="0"/>
+              </a:ext>
+            </a:extLst>
+          </a:blip>
+          <a:stretch>
+            <a:fillRect/>
+          </a:stretch>
+        </p:blipFill>
+        <p:spPr>
+          <a:xfrm>
+            <a:off x="1324404" y="2940777"/>
+            <a:ext cx="9817596" cy="3272532"/>
+          </a:xfrm>
+          <a:prstGeom prst="rect">
+            <a:avLst/>
+          </a:prstGeom>
+        </p:spPr>
+      </p:pic>
+      <p:sp>
+        <p:nvSpPr>
+          <p:cNvPr id="7" name="内容占位符 4">
+            <a:extLst>
+              <a:ext uri="{FF2B5EF4-FFF2-40B4-BE49-F238E27FC236}">
+                <a16:creationId xmlns:a16="http://schemas.microsoft.com/office/drawing/2014/main" id="{D8ADDE7B-1472-479C-981B-8FE989EF46E0}"/>
+              </a:ext>
+            </a:extLst>
+          </p:cNvPr>
+          <p:cNvSpPr txBox="1">
+            <a:spLocks/>
+          </p:cNvSpPr>
+          <p:nvPr/>
+        </p:nvSpPr>
+        <p:spPr bwMode="auto">
+          <a:xfrm>
+            <a:off x="838201" y="1045542"/>
+            <a:ext cx="10444479" cy="1078908"/>
+          </a:xfrm>
+          <a:prstGeom prst="rect">
+            <a:avLst/>
+          </a:prstGeom>
+          <a:noFill/>
+          <a:ln>
+            <a:noFill/>
+          </a:ln>
+          <a:extLst>
+            <a:ext uri="{909E8E84-426E-40DD-AFC4-6F175D3DCCD1}">
+              <a14:hiddenFill xmlns:a14="http://schemas.microsoft.com/office/drawing/2010/main">
+                <a:solidFill>
+                  <a:srgbClr val="FFFFFF"/>
+                </a:solidFill>
+              </a14:hiddenFill>
+            </a:ext>
+            <a:ext uri="{91240B29-F687-4F45-9708-019B960494DF}">
+              <a14:hiddenLine xmlns:a14="http://schemas.microsoft.com/office/drawing/2010/main" w="9525">
+                <a:solidFill>
+                  <a:srgbClr val="000000"/>
+                </a:solidFill>
+                <a:miter lim="800000"/>
+                <a:headEnd/>
+                <a:tailEnd/>
+              </a14:hiddenLine>
+            </a:ext>
+          </a:extLst>
+        </p:spPr>
+        <p:txBody>
+          <a:bodyPr vert="horz" wrap="square" lIns="91440" tIns="45720" rIns="91440" bIns="45720" numCol="1" anchor="t" anchorCtr="0" compatLnSpc="1"/>
+          <a:lstStyle>
+            <a:lvl1pPr marL="480695" indent="-480695" algn="l" defTabSz="912495" rtl="0" eaLnBrk="1" fontAlgn="base" hangingPunct="1">
+              <a:lnSpc>
+                <a:spcPct val="150000"/>
+              </a:lnSpc>
+              <a:spcBef>
+                <a:spcPts val="0"/>
+              </a:spcBef>
+              <a:spcAft>
+                <a:spcPct val="0"/>
+              </a:spcAft>
+              <a:buClr>
+                <a:schemeClr val="accent1"/>
+              </a:buClr>
+              <a:buFont typeface="Wingdings" panose="05000000000000000000" pitchFamily="2" charset="2"/>
+              <a:buChar char="l"/>
+              <a:defRPr sz="2400" kern="1200">
+                <a:solidFill>
+                  <a:schemeClr val="tx1"/>
+                </a:solidFill>
+                <a:latin typeface="微软雅黑" panose="020B0503020204020204" pitchFamily="34" charset="-122"/>
+                <a:ea typeface="微软雅黑" panose="020B0503020204020204" pitchFamily="34" charset="-122"/>
+                <a:cs typeface="+mn-cs"/>
+                <a:sym typeface="Calibri" panose="020F0502020204030204" pitchFamily="34" charset="0"/>
+              </a:defRPr>
+            </a:lvl1pPr>
+            <a:lvl2pPr marL="836295" lvl="1" indent="-355600" algn="l" defTabSz="912495" rtl="0" eaLnBrk="1" fontAlgn="base" hangingPunct="1">
+              <a:lnSpc>
+                <a:spcPct val="150000"/>
+              </a:lnSpc>
+              <a:spcBef>
+                <a:spcPts val="500"/>
+              </a:spcBef>
+              <a:spcAft>
+                <a:spcPct val="0"/>
+              </a:spcAft>
+              <a:buClr>
+                <a:schemeClr val="accent1"/>
+              </a:buClr>
+              <a:buFont typeface="Wingdings" panose="05000000000000000000" pitchFamily="2" charset="2"/>
+              <a:buChar char="n"/>
+              <a:defRPr sz="2000" kern="1200">
+                <a:solidFill>
+                  <a:schemeClr val="tx1"/>
+                </a:solidFill>
+                <a:latin typeface="微软雅黑" panose="020B0503020204020204" pitchFamily="34" charset="-122"/>
+                <a:ea typeface="微软雅黑" panose="020B0503020204020204" pitchFamily="34" charset="-122"/>
+                <a:cs typeface="+mn-cs"/>
+                <a:sym typeface="Calibri" panose="020F0502020204030204" pitchFamily="34" charset="0"/>
+              </a:defRPr>
+            </a:lvl2pPr>
+            <a:lvl3pPr marL="1143000" lvl="2" indent="-228600" algn="l" defTabSz="912495" rtl="0" eaLnBrk="1" fontAlgn="base" hangingPunct="1">
+              <a:lnSpc>
+                <a:spcPct val="150000"/>
+              </a:lnSpc>
+              <a:spcBef>
+                <a:spcPts val="500"/>
+              </a:spcBef>
+              <a:spcAft>
+                <a:spcPct val="0"/>
+              </a:spcAft>
+              <a:buClr>
+                <a:schemeClr val="accent1"/>
+              </a:buClr>
+              <a:buFont typeface="Wingdings" panose="05000000000000000000" pitchFamily="2" charset="2"/>
+              <a:buChar char="ü"/>
+              <a:defRPr sz="1800" kern="1200">
+                <a:solidFill>
+                  <a:schemeClr val="tx1"/>
+                </a:solidFill>
+                <a:latin typeface="微软雅黑" panose="020B0503020204020204" pitchFamily="34" charset="-122"/>
+                <a:ea typeface="微软雅黑" panose="020B0503020204020204" pitchFamily="34" charset="-122"/>
+                <a:cs typeface="+mn-cs"/>
+                <a:sym typeface="Calibri" panose="020F0502020204030204" pitchFamily="34" charset="0"/>
+              </a:defRPr>
+            </a:lvl3pPr>
+            <a:lvl4pPr marL="1598930" lvl="3" indent="-227330" algn="l" defTabSz="912495" rtl="0" eaLnBrk="1" fontAlgn="base" hangingPunct="1">
+              <a:lnSpc>
+                <a:spcPct val="150000"/>
+              </a:lnSpc>
+              <a:spcBef>
+                <a:spcPts val="500"/>
+              </a:spcBef>
+              <a:spcAft>
+                <a:spcPct val="0"/>
+              </a:spcAft>
+              <a:buClr>
+                <a:schemeClr val="accent1"/>
+              </a:buClr>
+              <a:buFont typeface="Arial" panose="020B0604020202020204" pitchFamily="34" charset="0"/>
+              <a:buChar char="•"/>
+              <a:defRPr sz="1600" kern="1200">
+                <a:solidFill>
+                  <a:schemeClr val="tx1"/>
+                </a:solidFill>
+                <a:latin typeface="微软雅黑" panose="020B0503020204020204" pitchFamily="34" charset="-122"/>
+                <a:ea typeface="微软雅黑" panose="020B0503020204020204" pitchFamily="34" charset="-122"/>
+                <a:cs typeface="+mn-cs"/>
+                <a:sym typeface="Calibri" panose="020F0502020204030204" pitchFamily="34" charset="0"/>
+              </a:defRPr>
+            </a:lvl4pPr>
+            <a:lvl5pPr marL="2056130" lvl="4" indent="-227330" algn="l" defTabSz="912495" rtl="0" eaLnBrk="1" fontAlgn="base" hangingPunct="1">
+              <a:lnSpc>
+                <a:spcPct val="150000"/>
+              </a:lnSpc>
+              <a:spcBef>
+                <a:spcPts val="500"/>
+              </a:spcBef>
+              <a:spcAft>
+                <a:spcPct val="0"/>
+              </a:spcAft>
+              <a:buClr>
+                <a:schemeClr val="accent1"/>
+              </a:buClr>
+              <a:buFont typeface="Arial" panose="020B0604020202020204" pitchFamily="34" charset="0"/>
+              <a:buChar char="•"/>
+              <a:defRPr sz="1400" kern="1200">
+                <a:solidFill>
+                  <a:schemeClr val="tx1"/>
+                </a:solidFill>
+                <a:latin typeface="微软雅黑" panose="020B0503020204020204" pitchFamily="34" charset="-122"/>
+                <a:ea typeface="微软雅黑" panose="020B0503020204020204" pitchFamily="34" charset="-122"/>
+                <a:cs typeface="+mn-cs"/>
+                <a:sym typeface="Calibri" panose="020F0502020204030204" pitchFamily="34" charset="0"/>
+              </a:defRPr>
+            </a:lvl5pPr>
+            <a:lvl6pPr marL="3352800" lvl="5" indent="-304800" algn="l" defTabSz="913765" eaLnBrk="1" fontAlgn="base" latinLnBrk="0" hangingPunct="1">
+              <a:lnSpc>
+                <a:spcPct val="90000"/>
+              </a:lnSpc>
+              <a:spcBef>
+                <a:spcPts val="500"/>
+              </a:spcBef>
+              <a:spcAft>
+                <a:spcPct val="0"/>
+              </a:spcAft>
+              <a:buFont typeface="Arial" panose="020B0604020202020204" pitchFamily="34" charset="0"/>
+              <a:buChar char="•"/>
+              <a:defRPr sz="1735" kern="1200">
+                <a:solidFill>
+                  <a:schemeClr val="tx1"/>
+                </a:solidFill>
+                <a:latin typeface="+mn-lt"/>
+                <a:ea typeface="+mn-ea"/>
+                <a:cs typeface="+mn-cs"/>
+                <a:sym typeface="Calibri" panose="020F0502020204030204" pitchFamily="34" charset="0"/>
+              </a:defRPr>
+            </a:lvl6pPr>
+            <a:lvl7pPr marL="3962400" lvl="6" indent="-304800" algn="l" defTabSz="913765" eaLnBrk="1" fontAlgn="base" latinLnBrk="0" hangingPunct="1">
+              <a:lnSpc>
+                <a:spcPct val="90000"/>
+              </a:lnSpc>
+              <a:spcBef>
+                <a:spcPts val="500"/>
+              </a:spcBef>
+              <a:spcAft>
+                <a:spcPct val="0"/>
+              </a:spcAft>
+              <a:buFont typeface="Arial" panose="020B0604020202020204" pitchFamily="34" charset="0"/>
+              <a:buChar char="•"/>
+              <a:defRPr sz="1735" kern="1200">
+                <a:solidFill>
+                  <a:schemeClr val="tx1"/>
+                </a:solidFill>
+                <a:latin typeface="+mn-lt"/>
+                <a:ea typeface="+mn-ea"/>
+                <a:cs typeface="+mn-cs"/>
+                <a:sym typeface="Calibri" panose="020F0502020204030204" pitchFamily="34" charset="0"/>
+              </a:defRPr>
+            </a:lvl7pPr>
+            <a:lvl8pPr marL="4572000" lvl="7" indent="-304800" algn="l" defTabSz="913765" eaLnBrk="1" fontAlgn="base" latinLnBrk="0" hangingPunct="1">
+              <a:lnSpc>
+                <a:spcPct val="90000"/>
+              </a:lnSpc>
+              <a:spcBef>
+                <a:spcPts val="500"/>
+              </a:spcBef>
+              <a:spcAft>
+                <a:spcPct val="0"/>
+              </a:spcAft>
+              <a:buFont typeface="Arial" panose="020B0604020202020204" pitchFamily="34" charset="0"/>
+              <a:buChar char="•"/>
+              <a:defRPr sz="1735" kern="1200">
+                <a:solidFill>
+                  <a:schemeClr val="tx1"/>
+                </a:solidFill>
+                <a:latin typeface="+mn-lt"/>
+                <a:ea typeface="+mn-ea"/>
+                <a:cs typeface="+mn-cs"/>
+                <a:sym typeface="Calibri" panose="020F0502020204030204" pitchFamily="34" charset="0"/>
+              </a:defRPr>
+            </a:lvl8pPr>
+            <a:lvl9pPr marL="5181600" lvl="8" indent="-304800" algn="l" defTabSz="913765" eaLnBrk="1" fontAlgn="base" latinLnBrk="0" hangingPunct="1">
+              <a:lnSpc>
+                <a:spcPct val="90000"/>
+              </a:lnSpc>
+              <a:spcBef>
+                <a:spcPts val="500"/>
+              </a:spcBef>
+              <a:spcAft>
+                <a:spcPct val="0"/>
+              </a:spcAft>
+              <a:buFont typeface="Arial" panose="020B0604020202020204" pitchFamily="34" charset="0"/>
+              <a:buChar char="•"/>
+              <a:defRPr sz="1735" kern="1200">
+                <a:solidFill>
+                  <a:schemeClr val="tx1"/>
+                </a:solidFill>
+                <a:latin typeface="+mn-lt"/>
+                <a:ea typeface="+mn-ea"/>
+                <a:cs typeface="+mn-cs"/>
+                <a:sym typeface="Calibri" panose="020F0502020204030204" pitchFamily="34" charset="0"/>
+              </a:defRPr>
+            </a:lvl9pPr>
+          </a:lstStyle>
+          <a:p>
+            <a:r>
+              <a:rPr lang="zh-CN" altLang="en-US" dirty="0"/>
+              <a:t>安全组</a:t>
+            </a:r>
+            <a:endParaRPr lang="en-US" altLang="zh-CN" dirty="0"/>
+          </a:p>
+          <a:p>
+            <a:pPr lvl="1"/>
+            <a:r>
+              <a:rPr lang="zh-CN" altLang="en-US" sz="1800" dirty="0"/>
+              <a:t>最大保护策略：所有分组均需要返回响应</a:t>
+            </a:r>
+            <a:endParaRPr lang="en-US" altLang="zh-CN" sz="1800" dirty="0"/>
+          </a:p>
+          <a:p>
+            <a:pPr lvl="1"/>
+            <a:r>
+              <a:rPr lang="zh-CN" altLang="en-US" sz="1800" dirty="0"/>
+              <a:t>最高性能策略：无需分组响应</a:t>
+            </a:r>
+            <a:endParaRPr lang="en-US" altLang="zh-CN" sz="1800" dirty="0"/>
+          </a:p>
+          <a:p>
+            <a:pPr lvl="1"/>
+            <a:r>
+              <a:rPr lang="zh-CN" altLang="en-US" sz="1800" dirty="0"/>
+              <a:t>最高可用性策略：分组响应数大于所分配的最小分组响应数（即低水位）</a:t>
+            </a:r>
+            <a:endParaRPr lang="en-US" altLang="zh-CN" sz="1800" dirty="0"/>
+          </a:p>
+        </p:txBody>
+      </p:sp>
+    </p:spTree>
+    <p:extLst>
+      <p:ext uri="{BB962C8B-B14F-4D97-AF65-F5344CB8AC3E}">
+        <p14:creationId xmlns:p14="http://schemas.microsoft.com/office/powerpoint/2010/main" val="2666254534"/>
+      </p:ext>
+    </p:extLst>
+  </p:cSld>
+  <p:clrMapOvr>
+    <a:masterClrMapping/>
+  </p:clrMapOvr>
+</p:sld>
+</file>
+
+<file path=ppt/slides/slide45.xml><?xml version="1.0" encoding="utf-8"?>
+<p:sld xmlns:a="http://schemas.openxmlformats.org/drawingml/2006/main" xmlns:r="http://schemas.openxmlformats.org/officeDocument/2006/relationships" xmlns:p="http://schemas.openxmlformats.org/presentationml/2006/main">
+  <p:cSld>
+    <p:spTree>
+      <p:nvGrpSpPr>
+        <p:cNvPr id="1" name=""/>
+        <p:cNvGrpSpPr/>
+        <p:nvPr/>
+      </p:nvGrpSpPr>
+      <p:grpSpPr>
+        <a:xfrm>
+          <a:off x="0" y="0"/>
+          <a:ext cx="0" cy="0"/>
+          <a:chOff x="0" y="0"/>
+          <a:chExt cx="0" cy="0"/>
+        </a:xfrm>
+      </p:grpSpPr>
+      <p:sp>
+        <p:nvSpPr>
+          <p:cNvPr id="19" name="标题 18"/>
+          <p:cNvSpPr>
+            <a:spLocks noGrp="1"/>
+          </p:cNvSpPr>
+          <p:nvPr>
+            <p:ph type="title"/>
+          </p:nvPr>
+        </p:nvSpPr>
+        <p:spPr/>
+        <p:txBody>
+          <a:bodyPr/>
+          <a:lstStyle/>
+          <a:p>
+            <a:r>
+              <a:rPr lang="en-US" altLang="zh-CN" dirty="0"/>
+              <a:t>5.2 </a:t>
+            </a:r>
+            <a:r>
+              <a:rPr lang="zh-CN" altLang="en-US" dirty="0"/>
+              <a:t>组件高可用（续）</a:t>
+            </a:r>
+            <a:endParaRPr lang="zh-CN" altLang="zh-CN" dirty="0"/>
+          </a:p>
+        </p:txBody>
+      </p:sp>
+      <p:sp>
+        <p:nvSpPr>
+          <p:cNvPr id="23" name="页脚占位符 1"/>
+          <p:cNvSpPr>
+            <a:spLocks noGrp="1"/>
+          </p:cNvSpPr>
+          <p:nvPr>
+            <p:ph type="ftr" sz="quarter" idx="11"/>
+          </p:nvPr>
+        </p:nvSpPr>
+        <p:spPr>
+          <a:xfrm>
+            <a:off x="3719736" y="6482667"/>
+            <a:ext cx="4752528" cy="366713"/>
+          </a:xfrm>
+        </p:spPr>
+        <p:txBody>
+          <a:bodyPr/>
+          <a:lstStyle/>
+          <a:p>
+            <a:pPr>
+              <a:defRPr/>
+            </a:pPr>
+            <a:r>
+              <a:rPr lang="en-US" altLang="zh-CN" dirty="0" err="1"/>
+              <a:t>版权归</a:t>
+            </a:r>
+            <a:r>
+              <a:rPr lang="en-US" altLang="zh-CN" dirty="0"/>
+              <a:t>© 2022 Tencent, </a:t>
+            </a:r>
+            <a:r>
+              <a:rPr lang="en-US" altLang="zh-CN" dirty="0" err="1"/>
+              <a:t>Inc.或其附属公司所有</a:t>
+            </a:r>
+            <a:r>
+              <a:rPr lang="en-US" altLang="zh-CN" dirty="0"/>
+              <a:t> </a:t>
+            </a:r>
+            <a:r>
+              <a:rPr lang="en-US" altLang="zh-CN" dirty="0" err="1"/>
+              <a:t>保留所有权利</a:t>
+            </a:r>
+            <a:r>
+              <a:rPr lang="en-US" altLang="zh-CN" dirty="0"/>
+              <a:t> </a:t>
+            </a:r>
+          </a:p>
+        </p:txBody>
+      </p:sp>
+      <p:pic>
+        <p:nvPicPr>
           <p:cNvPr id="5" name="图片 4" descr="图形用户界面&#10;&#10;描述已自动生成">
             <a:extLst>
               <a:ext uri="{FF2B5EF4-FFF2-40B4-BE49-F238E27FC236}">
@@ -33551,445 +34030,6 @@
     <p:extLst>
       <p:ext uri="{BB962C8B-B14F-4D97-AF65-F5344CB8AC3E}">
         <p14:creationId xmlns:p14="http://schemas.microsoft.com/office/powerpoint/2010/main" val="2830802040"/>
-      </p:ext>
-    </p:extLst>
-  </p:cSld>
-  <p:clrMapOvr>
-    <a:masterClrMapping/>
-  </p:clrMapOvr>
-</p:sld>
-</file>
-
-<file path=ppt/slides/slide45.xml><?xml version="1.0" encoding="utf-8"?>
-<p:sld xmlns:a="http://schemas.openxmlformats.org/drawingml/2006/main" xmlns:r="http://schemas.openxmlformats.org/officeDocument/2006/relationships" xmlns:p="http://schemas.openxmlformats.org/presentationml/2006/main">
-  <p:cSld>
-    <p:spTree>
-      <p:nvGrpSpPr>
-        <p:cNvPr id="1" name=""/>
-        <p:cNvGrpSpPr/>
-        <p:nvPr/>
-      </p:nvGrpSpPr>
-      <p:grpSpPr>
-        <a:xfrm>
-          <a:off x="0" y="0"/>
-          <a:ext cx="0" cy="0"/>
-          <a:chOff x="0" y="0"/>
-          <a:chExt cx="0" cy="0"/>
-        </a:xfrm>
-      </p:grpSpPr>
-      <p:sp>
-        <p:nvSpPr>
-          <p:cNvPr id="19" name="标题 18"/>
-          <p:cNvSpPr>
-            <a:spLocks noGrp="1"/>
-          </p:cNvSpPr>
-          <p:nvPr>
-            <p:ph type="title"/>
-          </p:nvPr>
-        </p:nvSpPr>
-        <p:spPr/>
-        <p:txBody>
-          <a:bodyPr/>
-          <a:lstStyle/>
-          <a:p>
-            <a:r>
-              <a:rPr lang="en-US" altLang="zh-CN" dirty="0"/>
-              <a:t>5.2 </a:t>
-            </a:r>
-            <a:r>
-              <a:rPr lang="zh-CN" altLang="en-US" dirty="0"/>
-              <a:t>组件高可用（续）</a:t>
-            </a:r>
-            <a:endParaRPr lang="zh-CN" altLang="zh-CN" dirty="0"/>
-          </a:p>
-        </p:txBody>
-      </p:sp>
-      <p:sp>
-        <p:nvSpPr>
-          <p:cNvPr id="23" name="页脚占位符 1"/>
-          <p:cNvSpPr>
-            <a:spLocks noGrp="1"/>
-          </p:cNvSpPr>
-          <p:nvPr>
-            <p:ph type="ftr" sz="quarter" idx="11"/>
-          </p:nvPr>
-        </p:nvSpPr>
-        <p:spPr>
-          <a:xfrm>
-            <a:off x="3719736" y="6482667"/>
-            <a:ext cx="4752528" cy="366713"/>
-          </a:xfrm>
-        </p:spPr>
-        <p:txBody>
-          <a:bodyPr/>
-          <a:lstStyle/>
-          <a:p>
-            <a:pPr>
-              <a:defRPr/>
-            </a:pPr>
-            <a:r>
-              <a:rPr lang="en-US" altLang="zh-CN" dirty="0" err="1"/>
-              <a:t>版权归</a:t>
-            </a:r>
-            <a:r>
-              <a:rPr lang="en-US" altLang="zh-CN" dirty="0"/>
-              <a:t>© 2022 Tencent, </a:t>
-            </a:r>
-            <a:r>
-              <a:rPr lang="en-US" altLang="zh-CN" dirty="0" err="1"/>
-              <a:t>Inc.或其附属公司所有</a:t>
-            </a:r>
-            <a:r>
-              <a:rPr lang="en-US" altLang="zh-CN" dirty="0"/>
-              <a:t> </a:t>
-            </a:r>
-            <a:r>
-              <a:rPr lang="en-US" altLang="zh-CN" dirty="0" err="1"/>
-              <a:t>保留所有权利</a:t>
-            </a:r>
-            <a:r>
-              <a:rPr lang="en-US" altLang="zh-CN" dirty="0"/>
-              <a:t> </a:t>
-            </a:r>
-          </a:p>
-        </p:txBody>
-      </p:sp>
-      <p:pic>
-        <p:nvPicPr>
-          <p:cNvPr id="6" name="图片 5" descr="图示&#10;&#10;描述已自动生成">
-            <a:extLst>
-              <a:ext uri="{FF2B5EF4-FFF2-40B4-BE49-F238E27FC236}">
-                <a16:creationId xmlns:a16="http://schemas.microsoft.com/office/drawing/2014/main" id="{FF27A4CC-8317-4DAC-AA1B-6C349861BC6D}"/>
-              </a:ext>
-            </a:extLst>
-          </p:cNvPr>
-          <p:cNvPicPr>
-            <a:picLocks noChangeAspect="1"/>
-          </p:cNvPicPr>
-          <p:nvPr/>
-        </p:nvPicPr>
-        <p:blipFill>
-          <a:blip r:embed="rId3">
-            <a:extLst>
-              <a:ext uri="{28A0092B-C50C-407E-A947-70E740481C1C}">
-                <a14:useLocalDpi xmlns:a14="http://schemas.microsoft.com/office/drawing/2010/main" val="0"/>
-              </a:ext>
-            </a:extLst>
-          </a:blip>
-          <a:stretch>
-            <a:fillRect/>
-          </a:stretch>
-        </p:blipFill>
-        <p:spPr>
-          <a:xfrm>
-            <a:off x="1324404" y="2940777"/>
-            <a:ext cx="9817596" cy="3272532"/>
-          </a:xfrm>
-          <a:prstGeom prst="rect">
-            <a:avLst/>
-          </a:prstGeom>
-        </p:spPr>
-      </p:pic>
-      <p:sp>
-        <p:nvSpPr>
-          <p:cNvPr id="7" name="内容占位符 4">
-            <a:extLst>
-              <a:ext uri="{FF2B5EF4-FFF2-40B4-BE49-F238E27FC236}">
-                <a16:creationId xmlns:a16="http://schemas.microsoft.com/office/drawing/2014/main" id="{D8ADDE7B-1472-479C-981B-8FE989EF46E0}"/>
-              </a:ext>
-            </a:extLst>
-          </p:cNvPr>
-          <p:cNvSpPr txBox="1">
-            <a:spLocks/>
-          </p:cNvSpPr>
-          <p:nvPr/>
-        </p:nvSpPr>
-        <p:spPr bwMode="auto">
-          <a:xfrm>
-            <a:off x="838201" y="1045542"/>
-            <a:ext cx="10444479" cy="1078908"/>
-          </a:xfrm>
-          <a:prstGeom prst="rect">
-            <a:avLst/>
-          </a:prstGeom>
-          <a:noFill/>
-          <a:ln>
-            <a:noFill/>
-          </a:ln>
-          <a:extLst>
-            <a:ext uri="{909E8E84-426E-40DD-AFC4-6F175D3DCCD1}">
-              <a14:hiddenFill xmlns:a14="http://schemas.microsoft.com/office/drawing/2010/main">
-                <a:solidFill>
-                  <a:srgbClr val="FFFFFF"/>
-                </a:solidFill>
-              </a14:hiddenFill>
-            </a:ext>
-            <a:ext uri="{91240B29-F687-4F45-9708-019B960494DF}">
-              <a14:hiddenLine xmlns:a14="http://schemas.microsoft.com/office/drawing/2010/main" w="9525">
-                <a:solidFill>
-                  <a:srgbClr val="000000"/>
-                </a:solidFill>
-                <a:miter lim="800000"/>
-                <a:headEnd/>
-                <a:tailEnd/>
-              </a14:hiddenLine>
-            </a:ext>
-          </a:extLst>
-        </p:spPr>
-        <p:txBody>
-          <a:bodyPr vert="horz" wrap="square" lIns="91440" tIns="45720" rIns="91440" bIns="45720" numCol="1" anchor="t" anchorCtr="0" compatLnSpc="1"/>
-          <a:lstStyle>
-            <a:lvl1pPr marL="480695" indent="-480695" algn="l" defTabSz="912495" rtl="0" eaLnBrk="1" fontAlgn="base" hangingPunct="1">
-              <a:lnSpc>
-                <a:spcPct val="150000"/>
-              </a:lnSpc>
-              <a:spcBef>
-                <a:spcPts val="0"/>
-              </a:spcBef>
-              <a:spcAft>
-                <a:spcPct val="0"/>
-              </a:spcAft>
-              <a:buClr>
-                <a:schemeClr val="accent1"/>
-              </a:buClr>
-              <a:buFont typeface="Wingdings" panose="05000000000000000000" pitchFamily="2" charset="2"/>
-              <a:buChar char="l"/>
-              <a:defRPr sz="2400" kern="1200">
-                <a:solidFill>
-                  <a:schemeClr val="tx1"/>
-                </a:solidFill>
-                <a:latin typeface="微软雅黑" panose="020B0503020204020204" pitchFamily="34" charset="-122"/>
-                <a:ea typeface="微软雅黑" panose="020B0503020204020204" pitchFamily="34" charset="-122"/>
-                <a:cs typeface="+mn-cs"/>
-                <a:sym typeface="Calibri" panose="020F0502020204030204" pitchFamily="34" charset="0"/>
-              </a:defRPr>
-            </a:lvl1pPr>
-            <a:lvl2pPr marL="836295" lvl="1" indent="-355600" algn="l" defTabSz="912495" rtl="0" eaLnBrk="1" fontAlgn="base" hangingPunct="1">
-              <a:lnSpc>
-                <a:spcPct val="150000"/>
-              </a:lnSpc>
-              <a:spcBef>
-                <a:spcPts val="500"/>
-              </a:spcBef>
-              <a:spcAft>
-                <a:spcPct val="0"/>
-              </a:spcAft>
-              <a:buClr>
-                <a:schemeClr val="accent1"/>
-              </a:buClr>
-              <a:buFont typeface="Wingdings" panose="05000000000000000000" pitchFamily="2" charset="2"/>
-              <a:buChar char="n"/>
-              <a:defRPr sz="2000" kern="1200">
-                <a:solidFill>
-                  <a:schemeClr val="tx1"/>
-                </a:solidFill>
-                <a:latin typeface="微软雅黑" panose="020B0503020204020204" pitchFamily="34" charset="-122"/>
-                <a:ea typeface="微软雅黑" panose="020B0503020204020204" pitchFamily="34" charset="-122"/>
-                <a:cs typeface="+mn-cs"/>
-                <a:sym typeface="Calibri" panose="020F0502020204030204" pitchFamily="34" charset="0"/>
-              </a:defRPr>
-            </a:lvl2pPr>
-            <a:lvl3pPr marL="1143000" lvl="2" indent="-228600" algn="l" defTabSz="912495" rtl="0" eaLnBrk="1" fontAlgn="base" hangingPunct="1">
-              <a:lnSpc>
-                <a:spcPct val="150000"/>
-              </a:lnSpc>
-              <a:spcBef>
-                <a:spcPts val="500"/>
-              </a:spcBef>
-              <a:spcAft>
-                <a:spcPct val="0"/>
-              </a:spcAft>
-              <a:buClr>
-                <a:schemeClr val="accent1"/>
-              </a:buClr>
-              <a:buFont typeface="Wingdings" panose="05000000000000000000" pitchFamily="2" charset="2"/>
-              <a:buChar char="ü"/>
-              <a:defRPr sz="1800" kern="1200">
-                <a:solidFill>
-                  <a:schemeClr val="tx1"/>
-                </a:solidFill>
-                <a:latin typeface="微软雅黑" panose="020B0503020204020204" pitchFamily="34" charset="-122"/>
-                <a:ea typeface="微软雅黑" panose="020B0503020204020204" pitchFamily="34" charset="-122"/>
-                <a:cs typeface="+mn-cs"/>
-                <a:sym typeface="Calibri" panose="020F0502020204030204" pitchFamily="34" charset="0"/>
-              </a:defRPr>
-            </a:lvl3pPr>
-            <a:lvl4pPr marL="1598930" lvl="3" indent="-227330" algn="l" defTabSz="912495" rtl="0" eaLnBrk="1" fontAlgn="base" hangingPunct="1">
-              <a:lnSpc>
-                <a:spcPct val="150000"/>
-              </a:lnSpc>
-              <a:spcBef>
-                <a:spcPts val="500"/>
-              </a:spcBef>
-              <a:spcAft>
-                <a:spcPct val="0"/>
-              </a:spcAft>
-              <a:buClr>
-                <a:schemeClr val="accent1"/>
-              </a:buClr>
-              <a:buFont typeface="Arial" panose="020B0604020202020204" pitchFamily="34" charset="0"/>
-              <a:buChar char="•"/>
-              <a:defRPr sz="1600" kern="1200">
-                <a:solidFill>
-                  <a:schemeClr val="tx1"/>
-                </a:solidFill>
-                <a:latin typeface="微软雅黑" panose="020B0503020204020204" pitchFamily="34" charset="-122"/>
-                <a:ea typeface="微软雅黑" panose="020B0503020204020204" pitchFamily="34" charset="-122"/>
-                <a:cs typeface="+mn-cs"/>
-                <a:sym typeface="Calibri" panose="020F0502020204030204" pitchFamily="34" charset="0"/>
-              </a:defRPr>
-            </a:lvl4pPr>
-            <a:lvl5pPr marL="2056130" lvl="4" indent="-227330" algn="l" defTabSz="912495" rtl="0" eaLnBrk="1" fontAlgn="base" hangingPunct="1">
-              <a:lnSpc>
-                <a:spcPct val="150000"/>
-              </a:lnSpc>
-              <a:spcBef>
-                <a:spcPts val="500"/>
-              </a:spcBef>
-              <a:spcAft>
-                <a:spcPct val="0"/>
-              </a:spcAft>
-              <a:buClr>
-                <a:schemeClr val="accent1"/>
-              </a:buClr>
-              <a:buFont typeface="Arial" panose="020B0604020202020204" pitchFamily="34" charset="0"/>
-              <a:buChar char="•"/>
-              <a:defRPr sz="1400" kern="1200">
-                <a:solidFill>
-                  <a:schemeClr val="tx1"/>
-                </a:solidFill>
-                <a:latin typeface="微软雅黑" panose="020B0503020204020204" pitchFamily="34" charset="-122"/>
-                <a:ea typeface="微软雅黑" panose="020B0503020204020204" pitchFamily="34" charset="-122"/>
-                <a:cs typeface="+mn-cs"/>
-                <a:sym typeface="Calibri" panose="020F0502020204030204" pitchFamily="34" charset="0"/>
-              </a:defRPr>
-            </a:lvl5pPr>
-            <a:lvl6pPr marL="3352800" lvl="5" indent="-304800" algn="l" defTabSz="913765" eaLnBrk="1" fontAlgn="base" latinLnBrk="0" hangingPunct="1">
-              <a:lnSpc>
-                <a:spcPct val="90000"/>
-              </a:lnSpc>
-              <a:spcBef>
-                <a:spcPts val="500"/>
-              </a:spcBef>
-              <a:spcAft>
-                <a:spcPct val="0"/>
-              </a:spcAft>
-              <a:buFont typeface="Arial" panose="020B0604020202020204" pitchFamily="34" charset="0"/>
-              <a:buChar char="•"/>
-              <a:defRPr sz="1735" kern="1200">
-                <a:solidFill>
-                  <a:schemeClr val="tx1"/>
-                </a:solidFill>
-                <a:latin typeface="+mn-lt"/>
-                <a:ea typeface="+mn-ea"/>
-                <a:cs typeface="+mn-cs"/>
-                <a:sym typeface="Calibri" panose="020F0502020204030204" pitchFamily="34" charset="0"/>
-              </a:defRPr>
-            </a:lvl6pPr>
-            <a:lvl7pPr marL="3962400" lvl="6" indent="-304800" algn="l" defTabSz="913765" eaLnBrk="1" fontAlgn="base" latinLnBrk="0" hangingPunct="1">
-              <a:lnSpc>
-                <a:spcPct val="90000"/>
-              </a:lnSpc>
-              <a:spcBef>
-                <a:spcPts val="500"/>
-              </a:spcBef>
-              <a:spcAft>
-                <a:spcPct val="0"/>
-              </a:spcAft>
-              <a:buFont typeface="Arial" panose="020B0604020202020204" pitchFamily="34" charset="0"/>
-              <a:buChar char="•"/>
-              <a:defRPr sz="1735" kern="1200">
-                <a:solidFill>
-                  <a:schemeClr val="tx1"/>
-                </a:solidFill>
-                <a:latin typeface="+mn-lt"/>
-                <a:ea typeface="+mn-ea"/>
-                <a:cs typeface="+mn-cs"/>
-                <a:sym typeface="Calibri" panose="020F0502020204030204" pitchFamily="34" charset="0"/>
-              </a:defRPr>
-            </a:lvl7pPr>
-            <a:lvl8pPr marL="4572000" lvl="7" indent="-304800" algn="l" defTabSz="913765" eaLnBrk="1" fontAlgn="base" latinLnBrk="0" hangingPunct="1">
-              <a:lnSpc>
-                <a:spcPct val="90000"/>
-              </a:lnSpc>
-              <a:spcBef>
-                <a:spcPts val="500"/>
-              </a:spcBef>
-              <a:spcAft>
-                <a:spcPct val="0"/>
-              </a:spcAft>
-              <a:buFont typeface="Arial" panose="020B0604020202020204" pitchFamily="34" charset="0"/>
-              <a:buChar char="•"/>
-              <a:defRPr sz="1735" kern="1200">
-                <a:solidFill>
-                  <a:schemeClr val="tx1"/>
-                </a:solidFill>
-                <a:latin typeface="+mn-lt"/>
-                <a:ea typeface="+mn-ea"/>
-                <a:cs typeface="+mn-cs"/>
-                <a:sym typeface="Calibri" panose="020F0502020204030204" pitchFamily="34" charset="0"/>
-              </a:defRPr>
-            </a:lvl8pPr>
-            <a:lvl9pPr marL="5181600" lvl="8" indent="-304800" algn="l" defTabSz="913765" eaLnBrk="1" fontAlgn="base" latinLnBrk="0" hangingPunct="1">
-              <a:lnSpc>
-                <a:spcPct val="90000"/>
-              </a:lnSpc>
-              <a:spcBef>
-                <a:spcPts val="500"/>
-              </a:spcBef>
-              <a:spcAft>
-                <a:spcPct val="0"/>
-              </a:spcAft>
-              <a:buFont typeface="Arial" panose="020B0604020202020204" pitchFamily="34" charset="0"/>
-              <a:buChar char="•"/>
-              <a:defRPr sz="1735" kern="1200">
-                <a:solidFill>
-                  <a:schemeClr val="tx1"/>
-                </a:solidFill>
-                <a:latin typeface="+mn-lt"/>
-                <a:ea typeface="+mn-ea"/>
-                <a:cs typeface="+mn-cs"/>
-                <a:sym typeface="Calibri" panose="020F0502020204030204" pitchFamily="34" charset="0"/>
-              </a:defRPr>
-            </a:lvl9pPr>
-          </a:lstStyle>
-          <a:p>
-            <a:r>
-              <a:rPr lang="zh-CN" altLang="en-US" dirty="0"/>
-              <a:t>安全组</a:t>
-            </a:r>
-            <a:endParaRPr lang="en-US" altLang="zh-CN" dirty="0"/>
-          </a:p>
-          <a:p>
-            <a:pPr lvl="1"/>
-            <a:r>
-              <a:rPr lang="zh-CN" altLang="en-US" sz="1800" dirty="0"/>
-              <a:t>最大保护策略：所有分组均需要返回响应</a:t>
-            </a:r>
-            <a:endParaRPr lang="en-US" altLang="zh-CN" sz="1800" dirty="0"/>
-          </a:p>
-          <a:p>
-            <a:pPr lvl="1"/>
-            <a:r>
-              <a:rPr lang="zh-CN" altLang="en-US" sz="1800" dirty="0"/>
-              <a:t>最高性能策略：无需分组响应</a:t>
-            </a:r>
-            <a:endParaRPr lang="en-US" altLang="zh-CN" sz="1800" dirty="0"/>
-          </a:p>
-          <a:p>
-            <a:pPr lvl="1"/>
-            <a:r>
-              <a:rPr lang="zh-CN" altLang="en-US" sz="1800" dirty="0"/>
-              <a:t>最高可用性策略：分组响应数大于所分配的最小分组响应数（即低水位）</a:t>
-            </a:r>
-            <a:endParaRPr lang="en-US" altLang="zh-CN" sz="1800" dirty="0"/>
-          </a:p>
-        </p:txBody>
-      </p:sp>
-    </p:spTree>
-    <p:extLst>
-      <p:ext uri="{BB962C8B-B14F-4D97-AF65-F5344CB8AC3E}">
-        <p14:creationId xmlns:p14="http://schemas.microsoft.com/office/powerpoint/2010/main" val="2666254534"/>
       </p:ext>
     </p:extLst>
   </p:cSld>

--- a/28. OLTP/GoldenDB产品简介及架构解析.pptx
+++ b/28. OLTP/GoldenDB产品简介及架构解析.pptx
@@ -292,7 +292,7 @@
           <a:p>
             <a:fld id="{0F9B84EA-7D68-4D60-9CB1-D50884785D1C}" type="datetimeFigureOut">
               <a:rPr lang="zh-CN" altLang="en-US" smtClean="0"/>
-              <a:t>2022/2/18</a:t>
+              <a:t>2022/3/4</a:t>
             </a:fld>
             <a:endParaRPr lang="zh-CN" altLang="en-US"/>
           </a:p>
@@ -457,7 +457,7 @@
           <a:p>
             <a:fld id="{E007C451-60E4-4599-BC35-0053FC9CE8F3}" type="datetimeFigureOut">
               <a:rPr lang="zh-CN" altLang="en-US" smtClean="0"/>
-              <a:t>2022/2/18</a:t>
+              <a:t>2022/3/4</a:t>
             </a:fld>
             <a:endParaRPr lang="zh-CN" altLang="en-US"/>
           </a:p>
@@ -15741,15 +15741,15 @@
             <a:pPr lvl="1"/>
             <a:r>
               <a:rPr lang="zh-CN" altLang="en-US" dirty="0"/>
-              <a:t>数据节点仍然采用行存储，会存在性能瓶颈，且会引入网络</a:t>
+              <a:t>数据节点仍然采用行存储，未采用行列混合存储，</a:t>
             </a:r>
             <a:r>
               <a:rPr lang="en-US" altLang="zh-CN" dirty="0"/>
-              <a:t>IO</a:t>
+              <a:t>DB</a:t>
             </a:r>
             <a:r>
               <a:rPr lang="zh-CN" altLang="en-US" dirty="0"/>
-              <a:t>开销；</a:t>
+              <a:t>存在性能瓶颈；</a:t>
             </a:r>
             <a:endParaRPr lang="en-US" altLang="zh-CN" dirty="0"/>
           </a:p>
@@ -31258,7 +31258,7 @@
             </a:r>
             <a:r>
               <a:rPr lang="zh-CN" altLang="en-US" dirty="0"/>
-              <a:t>是中兴通讯退出的一款兼容</a:t>
+              <a:t>是中兴通讯推出的一款兼容</a:t>
             </a:r>
             <a:r>
               <a:rPr lang="en-US" altLang="zh-CN" dirty="0"/>
@@ -35785,27 +35785,20 @@
             </a:r>
             <a:r>
               <a:rPr lang="zh-CN" altLang="en-US" dirty="0"/>
-              <a:t>业务场景（</a:t>
-            </a:r>
+              <a:t>业务场景</a:t>
+            </a:r>
+            <a:endParaRPr lang="en-US" altLang="zh-CN" dirty="0"/>
+          </a:p>
+          <a:p>
+            <a:pPr lvl="1"/>
             <a:r>
               <a:rPr lang="en-US" altLang="zh-CN" dirty="0"/>
               <a:t>OLAP</a:t>
             </a:r>
             <a:r>
               <a:rPr lang="zh-CN" altLang="en-US" dirty="0"/>
-              <a:t>引擎基于</a:t>
-            </a:r>
-            <a:r>
-              <a:rPr lang="en-US" altLang="zh-CN" dirty="0"/>
-              <a:t>presto</a:t>
-            </a:r>
-            <a:r>
-              <a:rPr lang="zh-CN" altLang="en-US" dirty="0"/>
-              <a:t>实现，暂无法商用）</a:t>
-            </a:r>
-          </a:p>
-          <a:p>
-            <a:pPr lvl="1"/>
+              <a:t>业务场景</a:t>
+            </a:r>
             <a:endParaRPr lang="en-US" altLang="zh-CN" dirty="0"/>
           </a:p>
           <a:p>
@@ -43928,15 +43921,15 @@
             <a:pPr lvl="1"/>
             <a:r>
               <a:rPr lang="zh-CN" altLang="en-US" dirty="0"/>
-              <a:t>跨分片汇聚函数操作非强一致性</a:t>
-            </a:r>
-            <a:endParaRPr lang="en-US" altLang="zh-CN" dirty="0"/>
-          </a:p>
-          <a:p>
-            <a:pPr lvl="1"/>
+              <a:t>计算节点拆分的执行计划</a:t>
+            </a:r>
+            <a:r>
+              <a:rPr lang="zh-CN" altLang="en-US"/>
+              <a:t>树，涉及时间</a:t>
+            </a:r>
             <a:r>
               <a:rPr lang="zh-CN" altLang="en-US" dirty="0"/>
-              <a:t>计算节点拆分的执行计划树，设计时间函数操作时存在时差</a:t>
+              <a:t>函数操作时存在时差</a:t>
             </a:r>
             <a:endParaRPr lang="en-US" altLang="zh-CN" dirty="0"/>
           </a:p>
